--- a/courses/apcsp/lect14a.pptx
+++ b/courses/apcsp/lect14a.pptx
@@ -146,7 +146,7 @@
 <file path=ppt/revisionInfo.xml><?xml version="1.0" encoding="utf-8"?>
 <p1510:revInfo xmlns:a="http://schemas.openxmlformats.org/drawingml/2006/main" xmlns:r="http://schemas.openxmlformats.org/officeDocument/2006/relationships" xmlns:p1510="http://schemas.microsoft.com/office/powerpoint/2015/10/main">
   <p1510:revLst>
-    <p1510:client id="{7E551B6C-1E81-B548-A72C-C51786C7D0CC}" v="3365" dt="2021-06-11T17:34:26.776"/>
+    <p1510:client id="{7E551B6C-1E81-B548-A72C-C51786C7D0CC}" v="3369" dt="2021-06-14T17:29:13.636"/>
   </p1510:revLst>
 </p1510:revInfo>
 </file>
@@ -866,7 +866,7 @@
   <pc:docChgLst>
     <pc:chgData name="Long B Nguyen" userId="f59fb8f3-a021-417a-8bc1-65c8d471c621" providerId="ADAL" clId="{7E551B6C-1E81-B548-A72C-C51786C7D0CC}"/>
     <pc:docChg chg="undo custSel addSld delSld modSld">
-      <pc:chgData name="Long B Nguyen" userId="f59fb8f3-a021-417a-8bc1-65c8d471c621" providerId="ADAL" clId="{7E551B6C-1E81-B548-A72C-C51786C7D0CC}" dt="2021-06-14T17:19:50.006" v="4358" actId="1076"/>
+      <pc:chgData name="Long B Nguyen" userId="f59fb8f3-a021-417a-8bc1-65c8d471c621" providerId="ADAL" clId="{7E551B6C-1E81-B548-A72C-C51786C7D0CC}" dt="2021-06-14T17:29:13.636" v="4362" actId="20577"/>
       <pc:docMkLst>
         <pc:docMk/>
       </pc:docMkLst>
@@ -1958,13 +1958,13 @@
         </pc:spChg>
       </pc:sldChg>
       <pc:sldChg chg="addSp modSp add mod modAnim">
-        <pc:chgData name="Long B Nguyen" userId="f59fb8f3-a021-417a-8bc1-65c8d471c621" providerId="ADAL" clId="{7E551B6C-1E81-B548-A72C-C51786C7D0CC}" dt="2021-06-11T16:15:30.481" v="3246" actId="20577"/>
+        <pc:chgData name="Long B Nguyen" userId="f59fb8f3-a021-417a-8bc1-65c8d471c621" providerId="ADAL" clId="{7E551B6C-1E81-B548-A72C-C51786C7D0CC}" dt="2021-06-14T17:29:13.636" v="4362" actId="20577"/>
         <pc:sldMkLst>
           <pc:docMk/>
           <pc:sldMk cId="4189100123" sldId="629"/>
         </pc:sldMkLst>
         <pc:spChg chg="mod">
-          <ac:chgData name="Long B Nguyen" userId="f59fb8f3-a021-417a-8bc1-65c8d471c621" providerId="ADAL" clId="{7E551B6C-1E81-B548-A72C-C51786C7D0CC}" dt="2021-06-11T15:50:10.117" v="3216" actId="20577"/>
+          <ac:chgData name="Long B Nguyen" userId="f59fb8f3-a021-417a-8bc1-65c8d471c621" providerId="ADAL" clId="{7E551B6C-1E81-B548-A72C-C51786C7D0CC}" dt="2021-06-14T17:29:13.636" v="4362" actId="20577"/>
           <ac:spMkLst>
             <pc:docMk/>
             <pc:sldMk cId="4189100123" sldId="629"/>
@@ -19170,8 +19170,19 @@
                 <a:latin typeface="Inconsolata" panose="020B0609030003000000" pitchFamily="49" charset="77"/>
                 <a:ea typeface="ＭＳ Ｐゴシック" panose="020B0600070205080204" pitchFamily="34" charset="-128"/>
               </a:rPr>
-              <a:t>()</a:t>
-            </a:r>
+              <a:t>(</a:t>
+            </a:r>
+            <a:r>
+              <a:rPr lang="en-US" altLang="en-US" sz="1800" b="1">
+                <a:latin typeface="Inconsolata" panose="020B0609030003000000" pitchFamily="49" charset="77"/>
+                <a:ea typeface="ＭＳ Ｐゴシック" panose="020B0600070205080204" pitchFamily="34" charset="-128"/>
+              </a:rPr>
+              <a:t>nums)</a:t>
+            </a:r>
+            <a:endParaRPr lang="en-US" altLang="en-US" sz="1800" b="1" dirty="0">
+              <a:latin typeface="Inconsolata" panose="020B0609030003000000" pitchFamily="49" charset="77"/>
+              <a:ea typeface="ＭＳ Ｐゴシック" panose="020B0600070205080204" pitchFamily="34" charset="-128"/>
+            </a:endParaRPr>
           </a:p>
           <a:p>
             <a:pPr marL="0" indent="0">

--- a/courses/apcsp/lect14a.pptx
+++ b/courses/apcsp/lect14a.pptx
@@ -19173,16 +19173,19 @@
               <a:t>(</a:t>
             </a:r>
             <a:r>
-              <a:rPr lang="en-US" altLang="en-US" sz="1800" b="1">
+              <a:rPr lang="en-US" altLang="en-US" sz="1800" b="1" dirty="0" err="1">
                 <a:latin typeface="Inconsolata" panose="020B0609030003000000" pitchFamily="49" charset="77"/>
                 <a:ea typeface="ＭＳ Ｐゴシック" panose="020B0600070205080204" pitchFamily="34" charset="-128"/>
               </a:rPr>
-              <a:t>nums)</a:t>
-            </a:r>
-            <a:endParaRPr lang="en-US" altLang="en-US" sz="1800" b="1" dirty="0">
-              <a:latin typeface="Inconsolata" panose="020B0609030003000000" pitchFamily="49" charset="77"/>
-              <a:ea typeface="ＭＳ Ｐゴシック" panose="020B0600070205080204" pitchFamily="34" charset="-128"/>
-            </a:endParaRPr>
+              <a:t>nums</a:t>
+            </a:r>
+            <a:r>
+              <a:rPr lang="en-US" altLang="en-US" sz="1800" b="1" dirty="0">
+                <a:latin typeface="Inconsolata" panose="020B0609030003000000" pitchFamily="49" charset="77"/>
+                <a:ea typeface="ＭＳ Ｐゴシック" panose="020B0600070205080204" pitchFamily="34" charset="-128"/>
+              </a:rPr>
+              <a:t>)</a:t>
+            </a:r>
           </a:p>
           <a:p>
             <a:pPr marL="0" indent="0">

--- a/courses/apcsp/lect14a.pptx
+++ b/courses/apcsp/lect14a.pptx
@@ -5,7 +5,7 @@
     <p:sldMasterId id="2147483791" r:id="rId1"/>
   </p:sldMasterIdLst>
   <p:notesMasterIdLst>
-    <p:notesMasterId r:id="rId31"/>
+    <p:notesMasterId r:id="rId29"/>
   </p:notesMasterIdLst>
   <p:sldIdLst>
     <p:sldId id="349" r:id="rId2"/>
@@ -17,26 +17,24 @@
     <p:sldId id="315" r:id="rId8"/>
     <p:sldId id="316" r:id="rId9"/>
     <p:sldId id="345" r:id="rId10"/>
-    <p:sldId id="319" r:id="rId11"/>
-    <p:sldId id="323" r:id="rId12"/>
-    <p:sldId id="320" r:id="rId13"/>
-    <p:sldId id="321" r:id="rId14"/>
-    <p:sldId id="322" r:id="rId15"/>
-    <p:sldId id="343" r:id="rId16"/>
-    <p:sldId id="342" r:id="rId17"/>
-    <p:sldId id="643" r:id="rId18"/>
-    <p:sldId id="647" r:id="rId19"/>
-    <p:sldId id="648" r:id="rId20"/>
-    <p:sldId id="351" r:id="rId21"/>
-    <p:sldId id="626" r:id="rId22"/>
-    <p:sldId id="627" r:id="rId23"/>
-    <p:sldId id="328" r:id="rId24"/>
-    <p:sldId id="329" r:id="rId25"/>
-    <p:sldId id="628" r:id="rId26"/>
-    <p:sldId id="629" r:id="rId27"/>
-    <p:sldId id="598" r:id="rId28"/>
-    <p:sldId id="649" r:id="rId29"/>
-    <p:sldId id="344" r:id="rId30"/>
+    <p:sldId id="323" r:id="rId11"/>
+    <p:sldId id="320" r:id="rId12"/>
+    <p:sldId id="321" r:id="rId13"/>
+    <p:sldId id="322" r:id="rId14"/>
+    <p:sldId id="343" r:id="rId15"/>
+    <p:sldId id="342" r:id="rId16"/>
+    <p:sldId id="643" r:id="rId17"/>
+    <p:sldId id="647" r:id="rId18"/>
+    <p:sldId id="648" r:id="rId19"/>
+    <p:sldId id="351" r:id="rId20"/>
+    <p:sldId id="626" r:id="rId21"/>
+    <p:sldId id="627" r:id="rId22"/>
+    <p:sldId id="328" r:id="rId23"/>
+    <p:sldId id="329" r:id="rId24"/>
+    <p:sldId id="628" r:id="rId25"/>
+    <p:sldId id="629" r:id="rId26"/>
+    <p:sldId id="598" r:id="rId27"/>
+    <p:sldId id="649" r:id="rId28"/>
   </p:sldIdLst>
   <p:sldSz cx="9144000" cy="5715000" type="screen16x10"/>
   <p:notesSz cx="6858000" cy="9144000"/>
@@ -143,226 +141,27 @@
 </p:presentation>
 </file>
 
-<file path=ppt/revisionInfo.xml><?xml version="1.0" encoding="utf-8"?>
-<p1510:revInfo xmlns:a="http://schemas.openxmlformats.org/drawingml/2006/main" xmlns:r="http://schemas.openxmlformats.org/officeDocument/2006/relationships" xmlns:p1510="http://schemas.microsoft.com/office/powerpoint/2015/10/main">
-  <p1510:revLst>
-    <p1510:client id="{7E551B6C-1E81-B548-A72C-C51786C7D0CC}" v="3369" dt="2021-06-14T17:29:13.636"/>
-  </p1510:revLst>
-</p1510:revInfo>
-</file>
-
 <file path=ppt/changesInfos/changesInfo1.xml><?xml version="1.0" encoding="utf-8"?>
 <pc:chgInfo xmlns:a="http://schemas.openxmlformats.org/drawingml/2006/main" xmlns:r="http://schemas.openxmlformats.org/officeDocument/2006/relationships" xmlns:ac="http://schemas.microsoft.com/office/drawing/2013/main/command" xmlns:pc="http://schemas.microsoft.com/office/powerpoint/2013/main/command">
   <pc:docChgLst>
-    <pc:chgData name="Long B Nguyen" userId="f59fb8f3-a021-417a-8bc1-65c8d471c621" providerId="ADAL" clId="{CC9C9D9A-5149-2947-86C0-576F501F60DC}"/>
-    <pc:docChg chg="addSld modSld">
-      <pc:chgData name="Long B Nguyen" userId="f59fb8f3-a021-417a-8bc1-65c8d471c621" providerId="ADAL" clId="{CC9C9D9A-5149-2947-86C0-576F501F60DC}" dt="2020-01-05T21:59:55.597" v="2392" actId="14100"/>
+    <pc:chgData name="Long Nguyen" userId="f59fb8f3-a021-417a-8bc1-65c8d471c621" providerId="ADAL" clId="{C6ABB480-C010-584A-AC18-3EA8C44B919D}"/>
+    <pc:docChg chg="delSld">
+      <pc:chgData name="Long Nguyen" userId="f59fb8f3-a021-417a-8bc1-65c8d471c621" providerId="ADAL" clId="{C6ABB480-C010-584A-AC18-3EA8C44B919D}" dt="2022-02-07T17:38:44.101" v="1" actId="2696"/>
       <pc:docMkLst>
         <pc:docMk/>
       </pc:docMkLst>
-      <pc:sldChg chg="modSp add modAnim">
-        <pc:chgData name="Long B Nguyen" userId="f59fb8f3-a021-417a-8bc1-65c8d471c621" providerId="ADAL" clId="{CC9C9D9A-5149-2947-86C0-576F501F60DC}" dt="2020-01-04T15:49:37.373" v="563" actId="20577"/>
+      <pc:sldChg chg="del">
+        <pc:chgData name="Long Nguyen" userId="f59fb8f3-a021-417a-8bc1-65c8d471c621" providerId="ADAL" clId="{C6ABB480-C010-584A-AC18-3EA8C44B919D}" dt="2022-02-07T17:38:23.423" v="0" actId="2696"/>
         <pc:sldMkLst>
           <pc:docMk/>
-          <pc:sldMk cId="924617162" sldId="319"/>
+          <pc:sldMk cId="1694859685" sldId="319"/>
         </pc:sldMkLst>
-        <pc:spChg chg="mod">
-          <ac:chgData name="Long B Nguyen" userId="f59fb8f3-a021-417a-8bc1-65c8d471c621" providerId="ADAL" clId="{CC9C9D9A-5149-2947-86C0-576F501F60DC}" dt="2020-01-04T15:45:14.876" v="4" actId="20577"/>
-          <ac:spMkLst>
-            <pc:docMk/>
-            <pc:sldMk cId="924617162" sldId="319"/>
-            <ac:spMk id="2" creationId="{AA3A228F-61D0-D949-A5E7-F83756230BF8}"/>
-          </ac:spMkLst>
-        </pc:spChg>
-        <pc:spChg chg="mod">
-          <ac:chgData name="Long B Nguyen" userId="f59fb8f3-a021-417a-8bc1-65c8d471c621" providerId="ADAL" clId="{CC9C9D9A-5149-2947-86C0-576F501F60DC}" dt="2020-01-04T15:49:37.373" v="563" actId="20577"/>
-          <ac:spMkLst>
-            <pc:docMk/>
-            <pc:sldMk cId="924617162" sldId="319"/>
-            <ac:spMk id="9" creationId="{E3B2E017-30B2-884B-A113-B419A2ED51AD}"/>
-          </ac:spMkLst>
-        </pc:spChg>
       </pc:sldChg>
-      <pc:sldChg chg="modSp add">
-        <pc:chgData name="Long B Nguyen" userId="f59fb8f3-a021-417a-8bc1-65c8d471c621" providerId="ADAL" clId="{CC9C9D9A-5149-2947-86C0-576F501F60DC}" dt="2020-01-04T15:57:55.835" v="789" actId="14100"/>
+      <pc:sldChg chg="del">
+        <pc:chgData name="Long Nguyen" userId="f59fb8f3-a021-417a-8bc1-65c8d471c621" providerId="ADAL" clId="{C6ABB480-C010-584A-AC18-3EA8C44B919D}" dt="2022-02-07T17:38:44.101" v="1" actId="2696"/>
         <pc:sldMkLst>
           <pc:docMk/>
-          <pc:sldMk cId="3758830494" sldId="320"/>
-        </pc:sldMkLst>
-        <pc:spChg chg="mod">
-          <ac:chgData name="Long B Nguyen" userId="f59fb8f3-a021-417a-8bc1-65c8d471c621" providerId="ADAL" clId="{CC9C9D9A-5149-2947-86C0-576F501F60DC}" dt="2020-01-04T15:57:52.065" v="788" actId="1076"/>
-          <ac:spMkLst>
-            <pc:docMk/>
-            <pc:sldMk cId="3758830494" sldId="320"/>
-            <ac:spMk id="2" creationId="{AA3A228F-61D0-D949-A5E7-F83756230BF8}"/>
-          </ac:spMkLst>
-        </pc:spChg>
-        <pc:spChg chg="mod">
-          <ac:chgData name="Long B Nguyen" userId="f59fb8f3-a021-417a-8bc1-65c8d471c621" providerId="ADAL" clId="{CC9C9D9A-5149-2947-86C0-576F501F60DC}" dt="2020-01-04T15:57:55.835" v="789" actId="14100"/>
-          <ac:spMkLst>
-            <pc:docMk/>
-            <pc:sldMk cId="3758830494" sldId="320"/>
-            <ac:spMk id="9" creationId="{E3B2E017-30B2-884B-A113-B419A2ED51AD}"/>
-          </ac:spMkLst>
-        </pc:spChg>
-      </pc:sldChg>
-      <pc:sldChg chg="modSp add">
-        <pc:chgData name="Long B Nguyen" userId="f59fb8f3-a021-417a-8bc1-65c8d471c621" providerId="ADAL" clId="{CC9C9D9A-5149-2947-86C0-576F501F60DC}" dt="2020-01-05T21:51:37.442" v="2325" actId="20577"/>
-        <pc:sldMkLst>
-          <pc:docMk/>
-          <pc:sldMk cId="1022945305" sldId="321"/>
-        </pc:sldMkLst>
-        <pc:spChg chg="mod">
-          <ac:chgData name="Long B Nguyen" userId="f59fb8f3-a021-417a-8bc1-65c8d471c621" providerId="ADAL" clId="{CC9C9D9A-5149-2947-86C0-576F501F60DC}" dt="2020-01-05T21:51:37.442" v="2325" actId="20577"/>
-          <ac:spMkLst>
-            <pc:docMk/>
-            <pc:sldMk cId="1022945305" sldId="321"/>
-            <ac:spMk id="2" creationId="{AA3A228F-61D0-D949-A5E7-F83756230BF8}"/>
-          </ac:spMkLst>
-        </pc:spChg>
-        <pc:spChg chg="mod">
-          <ac:chgData name="Long B Nguyen" userId="f59fb8f3-a021-417a-8bc1-65c8d471c621" providerId="ADAL" clId="{CC9C9D9A-5149-2947-86C0-576F501F60DC}" dt="2020-01-05T21:33:21.485" v="2304" actId="20577"/>
-          <ac:spMkLst>
-            <pc:docMk/>
-            <pc:sldMk cId="1022945305" sldId="321"/>
-            <ac:spMk id="9" creationId="{E3B2E017-30B2-884B-A113-B419A2ED51AD}"/>
-          </ac:spMkLst>
-        </pc:spChg>
-      </pc:sldChg>
-      <pc:sldChg chg="modSp add">
-        <pc:chgData name="Long B Nguyen" userId="f59fb8f3-a021-417a-8bc1-65c8d471c621" providerId="ADAL" clId="{CC9C9D9A-5149-2947-86C0-576F501F60DC}" dt="2020-01-04T17:41:57.489" v="1203" actId="20577"/>
-        <pc:sldMkLst>
-          <pc:docMk/>
-          <pc:sldMk cId="3456840474" sldId="322"/>
-        </pc:sldMkLst>
-        <pc:spChg chg="mod">
-          <ac:chgData name="Long B Nguyen" userId="f59fb8f3-a021-417a-8bc1-65c8d471c621" providerId="ADAL" clId="{CC9C9D9A-5149-2947-86C0-576F501F60DC}" dt="2020-01-04T17:41:57.489" v="1203" actId="20577"/>
-          <ac:spMkLst>
-            <pc:docMk/>
-            <pc:sldMk cId="3456840474" sldId="322"/>
-            <ac:spMk id="9" creationId="{E3B2E017-30B2-884B-A113-B419A2ED51AD}"/>
-          </ac:spMkLst>
-        </pc:spChg>
-      </pc:sldChg>
-      <pc:sldChg chg="modSp add">
-        <pc:chgData name="Long B Nguyen" userId="f59fb8f3-a021-417a-8bc1-65c8d471c621" providerId="ADAL" clId="{CC9C9D9A-5149-2947-86C0-576F501F60DC}" dt="2020-01-04T18:38:26.241" v="1214" actId="113"/>
-        <pc:sldMkLst>
-          <pc:docMk/>
-          <pc:sldMk cId="1062075874" sldId="323"/>
-        </pc:sldMkLst>
-        <pc:spChg chg="mod">
-          <ac:chgData name="Long B Nguyen" userId="f59fb8f3-a021-417a-8bc1-65c8d471c621" providerId="ADAL" clId="{CC9C9D9A-5149-2947-86C0-576F501F60DC}" dt="2020-01-04T18:38:26.241" v="1214" actId="113"/>
-          <ac:spMkLst>
-            <pc:docMk/>
-            <pc:sldMk cId="1062075874" sldId="323"/>
-            <ac:spMk id="9" creationId="{E3B2E017-30B2-884B-A113-B419A2ED51AD}"/>
-          </ac:spMkLst>
-        </pc:spChg>
-      </pc:sldChg>
-      <pc:sldChg chg="modSp add">
-        <pc:chgData name="Long B Nguyen" userId="f59fb8f3-a021-417a-8bc1-65c8d471c621" providerId="ADAL" clId="{CC9C9D9A-5149-2947-86C0-576F501F60DC}" dt="2020-01-04T20:58:36.932" v="1972" actId="20577"/>
-        <pc:sldMkLst>
-          <pc:docMk/>
-          <pc:sldMk cId="1310010799" sldId="324"/>
-        </pc:sldMkLst>
-        <pc:spChg chg="mod">
-          <ac:chgData name="Long B Nguyen" userId="f59fb8f3-a021-417a-8bc1-65c8d471c621" providerId="ADAL" clId="{CC9C9D9A-5149-2947-86C0-576F501F60DC}" dt="2020-01-04T20:55:25.731" v="1962" actId="1076"/>
-          <ac:spMkLst>
-            <pc:docMk/>
-            <pc:sldMk cId="1310010799" sldId="324"/>
-            <ac:spMk id="2" creationId="{AA3A228F-61D0-D949-A5E7-F83756230BF8}"/>
-          </ac:spMkLst>
-        </pc:spChg>
-        <pc:spChg chg="mod">
-          <ac:chgData name="Long B Nguyen" userId="f59fb8f3-a021-417a-8bc1-65c8d471c621" providerId="ADAL" clId="{CC9C9D9A-5149-2947-86C0-576F501F60DC}" dt="2020-01-04T20:58:36.932" v="1972" actId="20577"/>
-          <ac:spMkLst>
-            <pc:docMk/>
-            <pc:sldMk cId="1310010799" sldId="324"/>
-            <ac:spMk id="9" creationId="{E3B2E017-30B2-884B-A113-B419A2ED51AD}"/>
-          </ac:spMkLst>
-        </pc:spChg>
-      </pc:sldChg>
-      <pc:sldChg chg="modSp add">
-        <pc:chgData name="Long B Nguyen" userId="f59fb8f3-a021-417a-8bc1-65c8d471c621" providerId="ADAL" clId="{CC9C9D9A-5149-2947-86C0-576F501F60DC}" dt="2020-01-05T21:27:04.952" v="2119" actId="20577"/>
-        <pc:sldMkLst>
-          <pc:docMk/>
-          <pc:sldMk cId="3314372952" sldId="325"/>
-        </pc:sldMkLst>
-        <pc:spChg chg="mod">
-          <ac:chgData name="Long B Nguyen" userId="f59fb8f3-a021-417a-8bc1-65c8d471c621" providerId="ADAL" clId="{CC9C9D9A-5149-2947-86C0-576F501F60DC}" dt="2020-01-05T21:26:41.210" v="2114" actId="20577"/>
-          <ac:spMkLst>
-            <pc:docMk/>
-            <pc:sldMk cId="3314372952" sldId="325"/>
-            <ac:spMk id="2" creationId="{AA3A228F-61D0-D949-A5E7-F83756230BF8}"/>
-          </ac:spMkLst>
-        </pc:spChg>
-        <pc:spChg chg="mod">
-          <ac:chgData name="Long B Nguyen" userId="f59fb8f3-a021-417a-8bc1-65c8d471c621" providerId="ADAL" clId="{CC9C9D9A-5149-2947-86C0-576F501F60DC}" dt="2020-01-05T21:27:04.952" v="2119" actId="20577"/>
-          <ac:spMkLst>
-            <pc:docMk/>
-            <pc:sldMk cId="3314372952" sldId="325"/>
-            <ac:spMk id="9" creationId="{E3B2E017-30B2-884B-A113-B419A2ED51AD}"/>
-          </ac:spMkLst>
-        </pc:spChg>
-      </pc:sldChg>
-      <pc:sldChg chg="modSp add">
-        <pc:chgData name="Long B Nguyen" userId="f59fb8f3-a021-417a-8bc1-65c8d471c621" providerId="ADAL" clId="{CC9C9D9A-5149-2947-86C0-576F501F60DC}" dt="2020-01-05T21:29:58.563" v="2178" actId="20577"/>
-        <pc:sldMkLst>
-          <pc:docMk/>
-          <pc:sldMk cId="3117943122" sldId="326"/>
-        </pc:sldMkLst>
-        <pc:spChg chg="mod">
-          <ac:chgData name="Long B Nguyen" userId="f59fb8f3-a021-417a-8bc1-65c8d471c621" providerId="ADAL" clId="{CC9C9D9A-5149-2947-86C0-576F501F60DC}" dt="2020-01-05T21:29:58.563" v="2178" actId="20577"/>
-          <ac:spMkLst>
-            <pc:docMk/>
-            <pc:sldMk cId="3117943122" sldId="326"/>
-            <ac:spMk id="9" creationId="{E3B2E017-30B2-884B-A113-B419A2ED51AD}"/>
-          </ac:spMkLst>
-        </pc:spChg>
-      </pc:sldChg>
-      <pc:sldChg chg="modSp add">
-        <pc:chgData name="Long B Nguyen" userId="f59fb8f3-a021-417a-8bc1-65c8d471c621" providerId="ADAL" clId="{CC9C9D9A-5149-2947-86C0-576F501F60DC}" dt="2020-01-05T21:59:55.597" v="2392" actId="14100"/>
-        <pc:sldMkLst>
-          <pc:docMk/>
-          <pc:sldMk cId="1025618360" sldId="327"/>
-        </pc:sldMkLst>
-        <pc:spChg chg="mod">
-          <ac:chgData name="Long B Nguyen" userId="f59fb8f3-a021-417a-8bc1-65c8d471c621" providerId="ADAL" clId="{CC9C9D9A-5149-2947-86C0-576F501F60DC}" dt="2020-01-05T21:59:55.597" v="2392" actId="14100"/>
-          <ac:spMkLst>
-            <pc:docMk/>
-            <pc:sldMk cId="1025618360" sldId="327"/>
-            <ac:spMk id="9" creationId="{E3B2E017-30B2-884B-A113-B419A2ED51AD}"/>
-          </ac:spMkLst>
-        </pc:spChg>
-      </pc:sldChg>
-      <pc:sldChg chg="modSp add">
-        <pc:chgData name="Long B Nguyen" userId="f59fb8f3-a021-417a-8bc1-65c8d471c621" providerId="ADAL" clId="{CC9C9D9A-5149-2947-86C0-576F501F60DC}" dt="2020-01-05T21:54:47.081" v="2356" actId="2711"/>
-        <pc:sldMkLst>
-          <pc:docMk/>
-          <pc:sldMk cId="3894299887" sldId="328"/>
-        </pc:sldMkLst>
-        <pc:spChg chg="mod">
-          <ac:chgData name="Long B Nguyen" userId="f59fb8f3-a021-417a-8bc1-65c8d471c621" providerId="ADAL" clId="{CC9C9D9A-5149-2947-86C0-576F501F60DC}" dt="2020-01-05T21:51:41.306" v="2327" actId="20577"/>
-          <ac:spMkLst>
-            <pc:docMk/>
-            <pc:sldMk cId="3894299887" sldId="328"/>
-            <ac:spMk id="2" creationId="{AA3A228F-61D0-D949-A5E7-F83756230BF8}"/>
-          </ac:spMkLst>
-        </pc:spChg>
-        <pc:spChg chg="mod">
-          <ac:chgData name="Long B Nguyen" userId="f59fb8f3-a021-417a-8bc1-65c8d471c621" providerId="ADAL" clId="{CC9C9D9A-5149-2947-86C0-576F501F60DC}" dt="2020-01-05T21:54:47.081" v="2356" actId="2711"/>
-          <ac:spMkLst>
-            <pc:docMk/>
-            <pc:sldMk cId="3894299887" sldId="328"/>
-            <ac:spMk id="9" creationId="{E3B2E017-30B2-884B-A113-B419A2ED51AD}"/>
-          </ac:spMkLst>
-        </pc:spChg>
-      </pc:sldChg>
-      <pc:sldChg chg="add">
-        <pc:chgData name="Long B Nguyen" userId="f59fb8f3-a021-417a-8bc1-65c8d471c621" providerId="ADAL" clId="{CC9C9D9A-5149-2947-86C0-576F501F60DC}" dt="2020-01-05T21:57:38.736" v="2357"/>
-        <pc:sldMkLst>
-          <pc:docMk/>
-          <pc:sldMk cId="4294143140" sldId="329"/>
+          <pc:sldMk cId="1270247652" sldId="344"/>
         </pc:sldMkLst>
       </pc:sldChg>
     </pc:docChg>
@@ -858,6 +657,1254 @@
             <pc:docMk/>
             <pc:sldMk cId="1215229427" sldId="318"/>
             <ac:spMk id="9" creationId="{E3B2E017-30B2-884B-A113-B419A2ED51AD}"/>
+          </ac:spMkLst>
+        </pc:spChg>
+      </pc:sldChg>
+    </pc:docChg>
+  </pc:docChgLst>
+  <pc:docChgLst>
+    <pc:chgData name="Long B Nguyen" userId="f59fb8f3-a021-417a-8bc1-65c8d471c621" providerId="ADAL" clId="{6AC26564-89E3-E046-BFB4-F80582D7E17B}"/>
+    <pc:docChg chg="custSel addSld delSld modSld">
+      <pc:chgData name="Long B Nguyen" userId="f59fb8f3-a021-417a-8bc1-65c8d471c621" providerId="ADAL" clId="{6AC26564-89E3-E046-BFB4-F80582D7E17B}" dt="2020-01-16T12:56:30.213" v="1179"/>
+      <pc:docMkLst>
+        <pc:docMk/>
+      </pc:docMkLst>
+      <pc:sldChg chg="modSp">
+        <pc:chgData name="Long B Nguyen" userId="f59fb8f3-a021-417a-8bc1-65c8d471c621" providerId="ADAL" clId="{6AC26564-89E3-E046-BFB4-F80582D7E17B}" dt="2020-01-13T13:44:20.464" v="85" actId="20577"/>
+        <pc:sldMkLst>
+          <pc:docMk/>
+          <pc:sldMk cId="4247104139" sldId="256"/>
+        </pc:sldMkLst>
+        <pc:spChg chg="mod">
+          <ac:chgData name="Long B Nguyen" userId="f59fb8f3-a021-417a-8bc1-65c8d471c621" providerId="ADAL" clId="{6AC26564-89E3-E046-BFB4-F80582D7E17B}" dt="2020-01-13T13:43:45.441" v="40" actId="20577"/>
+          <ac:spMkLst>
+            <pc:docMk/>
+            <pc:sldMk cId="4247104139" sldId="256"/>
+            <ac:spMk id="2" creationId="{6117A749-B1BA-E24B-8FB0-0604EF651FB3}"/>
+          </ac:spMkLst>
+        </pc:spChg>
+        <pc:spChg chg="mod">
+          <ac:chgData name="Long B Nguyen" userId="f59fb8f3-a021-417a-8bc1-65c8d471c621" providerId="ADAL" clId="{6AC26564-89E3-E046-BFB4-F80582D7E17B}" dt="2020-01-13T13:44:20.464" v="85" actId="20577"/>
+          <ac:spMkLst>
+            <pc:docMk/>
+            <pc:sldMk cId="4247104139" sldId="256"/>
+            <ac:spMk id="3" creationId="{1BDC47C8-6776-7B44-9CD4-95FC91452D62}"/>
+          </ac:spMkLst>
+        </pc:spChg>
+      </pc:sldChg>
+      <pc:sldChg chg="add del">
+        <pc:chgData name="Long B Nguyen" userId="f59fb8f3-a021-417a-8bc1-65c8d471c621" providerId="ADAL" clId="{6AC26564-89E3-E046-BFB4-F80582D7E17B}" dt="2020-01-13T13:46:54.924" v="89" actId="2696"/>
+        <pc:sldMkLst>
+          <pc:docMk/>
+          <pc:sldMk cId="2869331202" sldId="257"/>
+        </pc:sldMkLst>
+      </pc:sldChg>
+      <pc:sldChg chg="modSp add">
+        <pc:chgData name="Long B Nguyen" userId="f59fb8f3-a021-417a-8bc1-65c8d471c621" providerId="ADAL" clId="{6AC26564-89E3-E046-BFB4-F80582D7E17B}" dt="2020-01-13T13:52:43.079" v="100" actId="2711"/>
+        <pc:sldMkLst>
+          <pc:docMk/>
+          <pc:sldMk cId="1758448129" sldId="309"/>
+        </pc:sldMkLst>
+        <pc:spChg chg="mod">
+          <ac:chgData name="Long B Nguyen" userId="f59fb8f3-a021-417a-8bc1-65c8d471c621" providerId="ADAL" clId="{6AC26564-89E3-E046-BFB4-F80582D7E17B}" dt="2020-01-13T13:52:43.079" v="100" actId="2711"/>
+          <ac:spMkLst>
+            <pc:docMk/>
+            <pc:sldMk cId="1758448129" sldId="309"/>
+            <ac:spMk id="3" creationId="{4213F693-710A-A34B-8BA8-AF2EE315F4BD}"/>
+          </ac:spMkLst>
+        </pc:spChg>
+      </pc:sldChg>
+      <pc:sldChg chg="modSp add del">
+        <pc:chgData name="Long B Nguyen" userId="f59fb8f3-a021-417a-8bc1-65c8d471c621" providerId="ADAL" clId="{6AC26564-89E3-E046-BFB4-F80582D7E17B}" dt="2020-01-13T13:46:55.484" v="90" actId="2696"/>
+        <pc:sldMkLst>
+          <pc:docMk/>
+          <pc:sldMk cId="174202529" sldId="310"/>
+        </pc:sldMkLst>
+        <pc:spChg chg="mod">
+          <ac:chgData name="Long B Nguyen" userId="f59fb8f3-a021-417a-8bc1-65c8d471c621" providerId="ADAL" clId="{6AC26564-89E3-E046-BFB4-F80582D7E17B}" dt="2020-01-13T13:44:35.816" v="86" actId="20577"/>
+          <ac:spMkLst>
+            <pc:docMk/>
+            <pc:sldMk cId="174202529" sldId="310"/>
+            <ac:spMk id="18434" creationId="{72F3E48A-CDFA-CE46-B991-D35BF55EC8E6}"/>
+          </ac:spMkLst>
+        </pc:spChg>
+      </pc:sldChg>
+      <pc:sldChg chg="add del">
+        <pc:chgData name="Long B Nguyen" userId="f59fb8f3-a021-417a-8bc1-65c8d471c621" providerId="ADAL" clId="{6AC26564-89E3-E046-BFB4-F80582D7E17B}" dt="2020-01-13T13:46:56.092" v="91" actId="2696"/>
+        <pc:sldMkLst>
+          <pc:docMk/>
+          <pc:sldMk cId="1098579697" sldId="311"/>
+        </pc:sldMkLst>
+      </pc:sldChg>
+      <pc:sldChg chg="add del">
+        <pc:chgData name="Long B Nguyen" userId="f59fb8f3-a021-417a-8bc1-65c8d471c621" providerId="ADAL" clId="{6AC26564-89E3-E046-BFB4-F80582D7E17B}" dt="2020-01-13T13:46:56.810" v="92" actId="2696"/>
+        <pc:sldMkLst>
+          <pc:docMk/>
+          <pc:sldMk cId="585175195" sldId="312"/>
+        </pc:sldMkLst>
+      </pc:sldChg>
+      <pc:sldChg chg="modSp add modAnim">
+        <pc:chgData name="Long B Nguyen" userId="f59fb8f3-a021-417a-8bc1-65c8d471c621" providerId="ADAL" clId="{6AC26564-89E3-E046-BFB4-F80582D7E17B}" dt="2020-01-13T14:05:02.598" v="149" actId="20577"/>
+        <pc:sldMkLst>
+          <pc:docMk/>
+          <pc:sldMk cId="3947558204" sldId="313"/>
+        </pc:sldMkLst>
+        <pc:spChg chg="mod">
+          <ac:chgData name="Long B Nguyen" userId="f59fb8f3-a021-417a-8bc1-65c8d471c621" providerId="ADAL" clId="{6AC26564-89E3-E046-BFB4-F80582D7E17B}" dt="2020-01-13T14:05:02.598" v="149" actId="20577"/>
+          <ac:spMkLst>
+            <pc:docMk/>
+            <pc:sldMk cId="3947558204" sldId="313"/>
+            <ac:spMk id="3" creationId="{44A58473-3189-0C44-8A5E-E353CDFB3E5C}"/>
+          </ac:spMkLst>
+        </pc:spChg>
+      </pc:sldChg>
+      <pc:sldChg chg="modSp add modAnim">
+        <pc:chgData name="Long B Nguyen" userId="f59fb8f3-a021-417a-8bc1-65c8d471c621" providerId="ADAL" clId="{6AC26564-89E3-E046-BFB4-F80582D7E17B}" dt="2020-01-16T12:46:51.559" v="758" actId="255"/>
+        <pc:sldMkLst>
+          <pc:docMk/>
+          <pc:sldMk cId="2054265466" sldId="314"/>
+        </pc:sldMkLst>
+        <pc:spChg chg="mod">
+          <ac:chgData name="Long B Nguyen" userId="f59fb8f3-a021-417a-8bc1-65c8d471c621" providerId="ADAL" clId="{6AC26564-89E3-E046-BFB4-F80582D7E17B}" dt="2020-01-16T12:46:51.559" v="758" actId="255"/>
+          <ac:spMkLst>
+            <pc:docMk/>
+            <pc:sldMk cId="2054265466" sldId="314"/>
+            <ac:spMk id="3" creationId="{A2015382-9B7F-FE46-8251-9DC1E84F44FE}"/>
+          </ac:spMkLst>
+        </pc:spChg>
+      </pc:sldChg>
+      <pc:sldChg chg="modSp add modAnim">
+        <pc:chgData name="Long B Nguyen" userId="f59fb8f3-a021-417a-8bc1-65c8d471c621" providerId="ADAL" clId="{6AC26564-89E3-E046-BFB4-F80582D7E17B}" dt="2020-01-16T12:49:13.049" v="816" actId="255"/>
+        <pc:sldMkLst>
+          <pc:docMk/>
+          <pc:sldMk cId="917461937" sldId="315"/>
+        </pc:sldMkLst>
+        <pc:spChg chg="mod">
+          <ac:chgData name="Long B Nguyen" userId="f59fb8f3-a021-417a-8bc1-65c8d471c621" providerId="ADAL" clId="{6AC26564-89E3-E046-BFB4-F80582D7E17B}" dt="2020-01-16T12:49:13.049" v="816" actId="255"/>
+          <ac:spMkLst>
+            <pc:docMk/>
+            <pc:sldMk cId="917461937" sldId="315"/>
+            <ac:spMk id="3" creationId="{1749D47C-23C2-834A-9FE9-50A8E8BE40E7}"/>
+          </ac:spMkLst>
+        </pc:spChg>
+      </pc:sldChg>
+      <pc:sldChg chg="del">
+        <pc:chgData name="Long B Nguyen" userId="f59fb8f3-a021-417a-8bc1-65c8d471c621" providerId="ADAL" clId="{6AC26564-89E3-E046-BFB4-F80582D7E17B}" dt="2020-01-13T13:43:17.195" v="13" actId="2696"/>
+        <pc:sldMkLst>
+          <pc:docMk/>
+          <pc:sldMk cId="1452600724" sldId="316"/>
+        </pc:sldMkLst>
+      </pc:sldChg>
+      <pc:sldChg chg="modSp add modAnim">
+        <pc:chgData name="Long B Nguyen" userId="f59fb8f3-a021-417a-8bc1-65c8d471c621" providerId="ADAL" clId="{6AC26564-89E3-E046-BFB4-F80582D7E17B}" dt="2020-01-16T12:49:23.670" v="817" actId="255"/>
+        <pc:sldMkLst>
+          <pc:docMk/>
+          <pc:sldMk cId="3266234076" sldId="316"/>
+        </pc:sldMkLst>
+        <pc:spChg chg="mod">
+          <ac:chgData name="Long B Nguyen" userId="f59fb8f3-a021-417a-8bc1-65c8d471c621" providerId="ADAL" clId="{6AC26564-89E3-E046-BFB4-F80582D7E17B}" dt="2020-01-16T12:49:23.670" v="817" actId="255"/>
+          <ac:spMkLst>
+            <pc:docMk/>
+            <pc:sldMk cId="3266234076" sldId="316"/>
+            <ac:spMk id="3" creationId="{C1BB7D3F-3A2C-0E43-B723-6E892A40421F}"/>
+          </ac:spMkLst>
+        </pc:spChg>
+      </pc:sldChg>
+      <pc:sldChg chg="addSp delSp modSp add">
+        <pc:chgData name="Long B Nguyen" userId="f59fb8f3-a021-417a-8bc1-65c8d471c621" providerId="ADAL" clId="{6AC26564-89E3-E046-BFB4-F80582D7E17B}" dt="2020-01-16T12:48:56.620" v="814" actId="20577"/>
+        <pc:sldMkLst>
+          <pc:docMk/>
+          <pc:sldMk cId="2886319738" sldId="317"/>
+        </pc:sldMkLst>
+        <pc:spChg chg="mod">
+          <ac:chgData name="Long B Nguyen" userId="f59fb8f3-a021-417a-8bc1-65c8d471c621" providerId="ADAL" clId="{6AC26564-89E3-E046-BFB4-F80582D7E17B}" dt="2020-01-16T12:48:56.620" v="814" actId="20577"/>
+          <ac:spMkLst>
+            <pc:docMk/>
+            <pc:sldMk cId="2886319738" sldId="317"/>
+            <ac:spMk id="23553" creationId="{5E6C904F-B0D2-8542-BF56-4B43E4386E3D}"/>
+          </ac:spMkLst>
+        </pc:spChg>
+        <pc:picChg chg="add mod">
+          <ac:chgData name="Long B Nguyen" userId="f59fb8f3-a021-417a-8bc1-65c8d471c621" providerId="ADAL" clId="{6AC26564-89E3-E046-BFB4-F80582D7E17B}" dt="2020-01-16T12:47:30.817" v="764" actId="1076"/>
+          <ac:picMkLst>
+            <pc:docMk/>
+            <pc:sldMk cId="2886319738" sldId="317"/>
+            <ac:picMk id="2" creationId="{D5FC4C3C-5059-9845-989F-6DA2B906114F}"/>
+          </ac:picMkLst>
+        </pc:picChg>
+        <pc:picChg chg="del">
+          <ac:chgData name="Long B Nguyen" userId="f59fb8f3-a021-417a-8bc1-65c8d471c621" providerId="ADAL" clId="{6AC26564-89E3-E046-BFB4-F80582D7E17B}" dt="2020-01-16T12:47:24.975" v="761" actId="478"/>
+          <ac:picMkLst>
+            <pc:docMk/>
+            <pc:sldMk cId="2886319738" sldId="317"/>
+            <ac:picMk id="23555" creationId="{03C56796-055B-E94B-ACE3-C4CD06B2EB8A}"/>
+          </ac:picMkLst>
+        </pc:picChg>
+      </pc:sldChg>
+      <pc:sldChg chg="del">
+        <pc:chgData name="Long B Nguyen" userId="f59fb8f3-a021-417a-8bc1-65c8d471c621" providerId="ADAL" clId="{6AC26564-89E3-E046-BFB4-F80582D7E17B}" dt="2020-01-13T13:43:16.993" v="0" actId="2696"/>
+        <pc:sldMkLst>
+          <pc:docMk/>
+          <pc:sldMk cId="924617162" sldId="319"/>
+        </pc:sldMkLst>
+      </pc:sldChg>
+      <pc:sldChg chg="modSp add modAnim">
+        <pc:chgData name="Long B Nguyen" userId="f59fb8f3-a021-417a-8bc1-65c8d471c621" providerId="ADAL" clId="{6AC26564-89E3-E046-BFB4-F80582D7E17B}" dt="2020-01-16T12:52:51.863" v="1123"/>
+        <pc:sldMkLst>
+          <pc:docMk/>
+          <pc:sldMk cId="3906700287" sldId="319"/>
+        </pc:sldMkLst>
+        <pc:spChg chg="mod">
+          <ac:chgData name="Long B Nguyen" userId="f59fb8f3-a021-417a-8bc1-65c8d471c621" providerId="ADAL" clId="{6AC26564-89E3-E046-BFB4-F80582D7E17B}" dt="2020-01-16T12:52:41.941" v="1121" actId="20577"/>
+          <ac:spMkLst>
+            <pc:docMk/>
+            <pc:sldMk cId="3906700287" sldId="319"/>
+            <ac:spMk id="3" creationId="{6BAAF3A1-8774-5448-8A90-E12045B4D3F2}"/>
+          </ac:spMkLst>
+        </pc:spChg>
+        <pc:picChg chg="mod">
+          <ac:chgData name="Long B Nguyen" userId="f59fb8f3-a021-417a-8bc1-65c8d471c621" providerId="ADAL" clId="{6AC26564-89E3-E046-BFB4-F80582D7E17B}" dt="2020-01-16T12:52:39.412" v="1113" actId="1076"/>
+          <ac:picMkLst>
+            <pc:docMk/>
+            <pc:sldMk cId="3906700287" sldId="319"/>
+            <ac:picMk id="27653" creationId="{75F4E284-8B62-804D-956D-6A4F07E681AD}"/>
+          </ac:picMkLst>
+        </pc:picChg>
+      </pc:sldChg>
+      <pc:sldChg chg="modSp add modAnim">
+        <pc:chgData name="Long B Nguyen" userId="f59fb8f3-a021-417a-8bc1-65c8d471c621" providerId="ADAL" clId="{6AC26564-89E3-E046-BFB4-F80582D7E17B}" dt="2020-01-16T12:53:13.597" v="1127"/>
+        <pc:sldMkLst>
+          <pc:docMk/>
+          <pc:sldMk cId="1810541734" sldId="320"/>
+        </pc:sldMkLst>
+        <pc:spChg chg="mod">
+          <ac:chgData name="Long B Nguyen" userId="f59fb8f3-a021-417a-8bc1-65c8d471c621" providerId="ADAL" clId="{6AC26564-89E3-E046-BFB4-F80582D7E17B}" dt="2020-01-14T14:42:38.364" v="596" actId="20577"/>
+          <ac:spMkLst>
+            <pc:docMk/>
+            <pc:sldMk cId="1810541734" sldId="320"/>
+            <ac:spMk id="3" creationId="{D1CC84C1-64E3-8C44-A271-6413B01F1B9F}"/>
+          </ac:spMkLst>
+        </pc:spChg>
+      </pc:sldChg>
+      <pc:sldChg chg="del">
+        <pc:chgData name="Long B Nguyen" userId="f59fb8f3-a021-417a-8bc1-65c8d471c621" providerId="ADAL" clId="{6AC26564-89E3-E046-BFB4-F80582D7E17B}" dt="2020-01-13T13:43:17.009" v="1" actId="2696"/>
+        <pc:sldMkLst>
+          <pc:docMk/>
+          <pc:sldMk cId="3758830494" sldId="320"/>
+        </pc:sldMkLst>
+      </pc:sldChg>
+      <pc:sldChg chg="del">
+        <pc:chgData name="Long B Nguyen" userId="f59fb8f3-a021-417a-8bc1-65c8d471c621" providerId="ADAL" clId="{6AC26564-89E3-E046-BFB4-F80582D7E17B}" dt="2020-01-13T13:43:17.029" v="2" actId="2696"/>
+        <pc:sldMkLst>
+          <pc:docMk/>
+          <pc:sldMk cId="1022945305" sldId="321"/>
+        </pc:sldMkLst>
+      </pc:sldChg>
+      <pc:sldChg chg="add">
+        <pc:chgData name="Long B Nguyen" userId="f59fb8f3-a021-417a-8bc1-65c8d471c621" providerId="ADAL" clId="{6AC26564-89E3-E046-BFB4-F80582D7E17B}" dt="2020-01-13T13:43:29.420" v="22"/>
+        <pc:sldMkLst>
+          <pc:docMk/>
+          <pc:sldMk cId="1359731776" sldId="321"/>
+        </pc:sldMkLst>
+      </pc:sldChg>
+      <pc:sldChg chg="del">
+        <pc:chgData name="Long B Nguyen" userId="f59fb8f3-a021-417a-8bc1-65c8d471c621" providerId="ADAL" clId="{6AC26564-89E3-E046-BFB4-F80582D7E17B}" dt="2020-01-13T13:43:17.080" v="5" actId="2696"/>
+        <pc:sldMkLst>
+          <pc:docMk/>
+          <pc:sldMk cId="3456840474" sldId="322"/>
+        </pc:sldMkLst>
+      </pc:sldChg>
+      <pc:sldChg chg="add">
+        <pc:chgData name="Long B Nguyen" userId="f59fb8f3-a021-417a-8bc1-65c8d471c621" providerId="ADAL" clId="{6AC26564-89E3-E046-BFB4-F80582D7E17B}" dt="2020-01-13T13:43:29.420" v="22"/>
+        <pc:sldMkLst>
+          <pc:docMk/>
+          <pc:sldMk cId="3651577480" sldId="322"/>
+        </pc:sldMkLst>
+      </pc:sldChg>
+      <pc:sldChg chg="del">
+        <pc:chgData name="Long B Nguyen" userId="f59fb8f3-a021-417a-8bc1-65c8d471c621" providerId="ADAL" clId="{6AC26564-89E3-E046-BFB4-F80582D7E17B}" dt="2020-01-13T13:43:17.097" v="6" actId="2696"/>
+        <pc:sldMkLst>
+          <pc:docMk/>
+          <pc:sldMk cId="1062075874" sldId="323"/>
+        </pc:sldMkLst>
+      </pc:sldChg>
+      <pc:sldChg chg="add">
+        <pc:chgData name="Long B Nguyen" userId="f59fb8f3-a021-417a-8bc1-65c8d471c621" providerId="ADAL" clId="{6AC26564-89E3-E046-BFB4-F80582D7E17B}" dt="2020-01-13T13:43:29.420" v="22"/>
+        <pc:sldMkLst>
+          <pc:docMk/>
+          <pc:sldMk cId="1496564367" sldId="323"/>
+        </pc:sldMkLst>
+      </pc:sldChg>
+      <pc:sldChg chg="add del">
+        <pc:chgData name="Long B Nguyen" userId="f59fb8f3-a021-417a-8bc1-65c8d471c621" providerId="ADAL" clId="{6AC26564-89E3-E046-BFB4-F80582D7E17B}" dt="2020-01-13T13:49:58.463" v="94" actId="2696"/>
+        <pc:sldMkLst>
+          <pc:docMk/>
+          <pc:sldMk cId="771866096" sldId="324"/>
+        </pc:sldMkLst>
+      </pc:sldChg>
+      <pc:sldChg chg="del">
+        <pc:chgData name="Long B Nguyen" userId="f59fb8f3-a021-417a-8bc1-65c8d471c621" providerId="ADAL" clId="{6AC26564-89E3-E046-BFB4-F80582D7E17B}" dt="2020-01-13T13:43:17.152" v="9" actId="2696"/>
+        <pc:sldMkLst>
+          <pc:docMk/>
+          <pc:sldMk cId="1310010799" sldId="324"/>
+        </pc:sldMkLst>
+      </pc:sldChg>
+      <pc:sldChg chg="add del">
+        <pc:chgData name="Long B Nguyen" userId="f59fb8f3-a021-417a-8bc1-65c8d471c621" providerId="ADAL" clId="{6AC26564-89E3-E046-BFB4-F80582D7E17B}" dt="2020-01-13T13:46:07.690" v="87" actId="2696"/>
+        <pc:sldMkLst>
+          <pc:docMk/>
+          <pc:sldMk cId="3999804732" sldId="324"/>
+        </pc:sldMkLst>
+      </pc:sldChg>
+      <pc:sldChg chg="add">
+        <pc:chgData name="Long B Nguyen" userId="f59fb8f3-a021-417a-8bc1-65c8d471c621" providerId="ADAL" clId="{6AC26564-89E3-E046-BFB4-F80582D7E17B}" dt="2020-01-13T13:43:29.420" v="22"/>
+        <pc:sldMkLst>
+          <pc:docMk/>
+          <pc:sldMk cId="1025355635" sldId="325"/>
+        </pc:sldMkLst>
+      </pc:sldChg>
+      <pc:sldChg chg="del">
+        <pc:chgData name="Long B Nguyen" userId="f59fb8f3-a021-417a-8bc1-65c8d471c621" providerId="ADAL" clId="{6AC26564-89E3-E046-BFB4-F80582D7E17B}" dt="2020-01-13T13:43:17.177" v="11" actId="2696"/>
+        <pc:sldMkLst>
+          <pc:docMk/>
+          <pc:sldMk cId="3314372952" sldId="325"/>
+        </pc:sldMkLst>
+      </pc:sldChg>
+      <pc:sldChg chg="del">
+        <pc:chgData name="Long B Nguyen" userId="f59fb8f3-a021-417a-8bc1-65c8d471c621" providerId="ADAL" clId="{6AC26564-89E3-E046-BFB4-F80582D7E17B}" dt="2020-01-13T13:43:17.116" v="7" actId="2696"/>
+        <pc:sldMkLst>
+          <pc:docMk/>
+          <pc:sldMk cId="1724104636" sldId="327"/>
+        </pc:sldMkLst>
+      </pc:sldChg>
+      <pc:sldChg chg="modSp add">
+        <pc:chgData name="Long B Nguyen" userId="f59fb8f3-a021-417a-8bc1-65c8d471c621" providerId="ADAL" clId="{6AC26564-89E3-E046-BFB4-F80582D7E17B}" dt="2020-01-16T12:53:51.150" v="1128" actId="1076"/>
+        <pc:sldMkLst>
+          <pc:docMk/>
+          <pc:sldMk cId="4174920299" sldId="327"/>
+        </pc:sldMkLst>
+        <pc:spChg chg="mod">
+          <ac:chgData name="Long B Nguyen" userId="f59fb8f3-a021-417a-8bc1-65c8d471c621" providerId="ADAL" clId="{6AC26564-89E3-E046-BFB4-F80582D7E17B}" dt="2020-01-16T12:53:51.150" v="1128" actId="1076"/>
+          <ac:spMkLst>
+            <pc:docMk/>
+            <pc:sldMk cId="4174920299" sldId="327"/>
+            <ac:spMk id="35842" creationId="{0B0C4E89-D419-8343-A309-ADA122397E36}"/>
+          </ac:spMkLst>
+        </pc:spChg>
+      </pc:sldChg>
+      <pc:sldChg chg="add">
+        <pc:chgData name="Long B Nguyen" userId="f59fb8f3-a021-417a-8bc1-65c8d471c621" providerId="ADAL" clId="{6AC26564-89E3-E046-BFB4-F80582D7E17B}" dt="2020-01-13T13:43:29.420" v="22"/>
+        <pc:sldMkLst>
+          <pc:docMk/>
+          <pc:sldMk cId="2756462650" sldId="328"/>
+        </pc:sldMkLst>
+      </pc:sldChg>
+      <pc:sldChg chg="del">
+        <pc:chgData name="Long B Nguyen" userId="f59fb8f3-a021-417a-8bc1-65c8d471c621" providerId="ADAL" clId="{6AC26564-89E3-E046-BFB4-F80582D7E17B}" dt="2020-01-13T13:43:17.045" v="3" actId="2696"/>
+        <pc:sldMkLst>
+          <pc:docMk/>
+          <pc:sldMk cId="3894299887" sldId="328"/>
+        </pc:sldMkLst>
+      </pc:sldChg>
+      <pc:sldChg chg="addSp modSp add modAnim">
+        <pc:chgData name="Long B Nguyen" userId="f59fb8f3-a021-417a-8bc1-65c8d471c621" providerId="ADAL" clId="{6AC26564-89E3-E046-BFB4-F80582D7E17B}" dt="2020-01-16T12:55:13.445" v="1133"/>
+        <pc:sldMkLst>
+          <pc:docMk/>
+          <pc:sldMk cId="3080714931" sldId="329"/>
+        </pc:sldMkLst>
+        <pc:spChg chg="mod">
+          <ac:chgData name="Long B Nguyen" userId="f59fb8f3-a021-417a-8bc1-65c8d471c621" providerId="ADAL" clId="{6AC26564-89E3-E046-BFB4-F80582D7E17B}" dt="2020-01-13T14:12:06.301" v="356" actId="14100"/>
+          <ac:spMkLst>
+            <pc:docMk/>
+            <pc:sldMk cId="3080714931" sldId="329"/>
+            <ac:spMk id="3" creationId="{BB8CCA41-667F-A84D-B02D-127C2C6A9C6F}"/>
+          </ac:spMkLst>
+        </pc:spChg>
+        <pc:spChg chg="add mod">
+          <ac:chgData name="Long B Nguyen" userId="f59fb8f3-a021-417a-8bc1-65c8d471c621" providerId="ADAL" clId="{6AC26564-89E3-E046-BFB4-F80582D7E17B}" dt="2020-01-13T14:12:01.184" v="353" actId="1076"/>
+          <ac:spMkLst>
+            <pc:docMk/>
+            <pc:sldMk cId="3080714931" sldId="329"/>
+            <ac:spMk id="6" creationId="{0C12779A-B12E-0448-BF0F-7347D8303363}"/>
+          </ac:spMkLst>
+        </pc:spChg>
+        <pc:spChg chg="add mod">
+          <ac:chgData name="Long B Nguyen" userId="f59fb8f3-a021-417a-8bc1-65c8d471c621" providerId="ADAL" clId="{6AC26564-89E3-E046-BFB4-F80582D7E17B}" dt="2020-01-13T14:12:14.884" v="363" actId="20577"/>
+          <ac:spMkLst>
+            <pc:docMk/>
+            <pc:sldMk cId="3080714931" sldId="329"/>
+            <ac:spMk id="11" creationId="{9C89A8C8-352A-8644-A4A5-084EFF78A7D2}"/>
+          </ac:spMkLst>
+        </pc:spChg>
+        <pc:cxnChg chg="add mod">
+          <ac:chgData name="Long B Nguyen" userId="f59fb8f3-a021-417a-8bc1-65c8d471c621" providerId="ADAL" clId="{6AC26564-89E3-E046-BFB4-F80582D7E17B}" dt="2020-01-13T14:11:39.483" v="341" actId="692"/>
+          <ac:cxnSpMkLst>
+            <pc:docMk/>
+            <pc:sldMk cId="3080714931" sldId="329"/>
+            <ac:cxnSpMk id="4" creationId="{F95E1657-42A9-DC49-AFC7-6462A6CBC043}"/>
+          </ac:cxnSpMkLst>
+        </pc:cxnChg>
+        <pc:cxnChg chg="add mod">
+          <ac:chgData name="Long B Nguyen" userId="f59fb8f3-a021-417a-8bc1-65c8d471c621" providerId="ADAL" clId="{6AC26564-89E3-E046-BFB4-F80582D7E17B}" dt="2020-01-13T14:12:22.399" v="366" actId="1076"/>
+          <ac:cxnSpMkLst>
+            <pc:docMk/>
+            <pc:sldMk cId="3080714931" sldId="329"/>
+            <ac:cxnSpMk id="10" creationId="{ABDF95F1-7709-2B48-B322-0972E58D26B3}"/>
+          </ac:cxnSpMkLst>
+        </pc:cxnChg>
+      </pc:sldChg>
+      <pc:sldChg chg="del">
+        <pc:chgData name="Long B Nguyen" userId="f59fb8f3-a021-417a-8bc1-65c8d471c621" providerId="ADAL" clId="{6AC26564-89E3-E046-BFB4-F80582D7E17B}" dt="2020-01-13T13:43:17.064" v="4" actId="2696"/>
+        <pc:sldMkLst>
+          <pc:docMk/>
+          <pc:sldMk cId="4294143140" sldId="329"/>
+        </pc:sldMkLst>
+      </pc:sldChg>
+      <pc:sldChg chg="modSp add">
+        <pc:chgData name="Long B Nguyen" userId="f59fb8f3-a021-417a-8bc1-65c8d471c621" providerId="ADAL" clId="{6AC26564-89E3-E046-BFB4-F80582D7E17B}" dt="2020-01-16T12:55:29.239" v="1161" actId="20577"/>
+        <pc:sldMkLst>
+          <pc:docMk/>
+          <pc:sldMk cId="532184546" sldId="330"/>
+        </pc:sldMkLst>
+        <pc:spChg chg="mod">
+          <ac:chgData name="Long B Nguyen" userId="f59fb8f3-a021-417a-8bc1-65c8d471c621" providerId="ADAL" clId="{6AC26564-89E3-E046-BFB4-F80582D7E17B}" dt="2020-01-16T12:55:29.239" v="1161" actId="20577"/>
+          <ac:spMkLst>
+            <pc:docMk/>
+            <pc:sldMk cId="532184546" sldId="330"/>
+            <ac:spMk id="39937" creationId="{8C524C6D-7080-AE45-B989-CF5B895D67C8}"/>
+          </ac:spMkLst>
+        </pc:spChg>
+      </pc:sldChg>
+      <pc:sldChg chg="del">
+        <pc:chgData name="Long B Nguyen" userId="f59fb8f3-a021-417a-8bc1-65c8d471c621" providerId="ADAL" clId="{6AC26564-89E3-E046-BFB4-F80582D7E17B}" dt="2020-01-13T13:43:17.136" v="8" actId="2696"/>
+        <pc:sldMkLst>
+          <pc:docMk/>
+          <pc:sldMk cId="3594730708" sldId="330"/>
+        </pc:sldMkLst>
+      </pc:sldChg>
+      <pc:sldChg chg="modSp add">
+        <pc:chgData name="Long B Nguyen" userId="f59fb8f3-a021-417a-8bc1-65c8d471c621" providerId="ADAL" clId="{6AC26564-89E3-E046-BFB4-F80582D7E17B}" dt="2020-01-16T12:55:34.788" v="1174" actId="20577"/>
+        <pc:sldMkLst>
+          <pc:docMk/>
+          <pc:sldMk cId="3264629021" sldId="331"/>
+        </pc:sldMkLst>
+        <pc:spChg chg="mod">
+          <ac:chgData name="Long B Nguyen" userId="f59fb8f3-a021-417a-8bc1-65c8d471c621" providerId="ADAL" clId="{6AC26564-89E3-E046-BFB4-F80582D7E17B}" dt="2020-01-16T12:55:34.788" v="1174" actId="20577"/>
+          <ac:spMkLst>
+            <pc:docMk/>
+            <pc:sldMk cId="3264629021" sldId="331"/>
+            <ac:spMk id="40961" creationId="{296F68FC-4103-DB4E-A72A-65C1FF52FEE9}"/>
+          </ac:spMkLst>
+        </pc:spChg>
+      </pc:sldChg>
+      <pc:sldChg chg="del">
+        <pc:chgData name="Long B Nguyen" userId="f59fb8f3-a021-417a-8bc1-65c8d471c621" providerId="ADAL" clId="{6AC26564-89E3-E046-BFB4-F80582D7E17B}" dt="2020-01-13T13:43:17.188" v="12" actId="2696"/>
+        <pc:sldMkLst>
+          <pc:docMk/>
+          <pc:sldMk cId="3870816631" sldId="331"/>
+        </pc:sldMkLst>
+      </pc:sldChg>
+      <pc:sldChg chg="del">
+        <pc:chgData name="Long B Nguyen" userId="f59fb8f3-a021-417a-8bc1-65c8d471c621" providerId="ADAL" clId="{6AC26564-89E3-E046-BFB4-F80582D7E17B}" dt="2020-01-13T13:43:17.163" v="10" actId="2696"/>
+        <pc:sldMkLst>
+          <pc:docMk/>
+          <pc:sldMk cId="3124353102" sldId="332"/>
+        </pc:sldMkLst>
+      </pc:sldChg>
+      <pc:sldChg chg="modSp add">
+        <pc:chgData name="Long B Nguyen" userId="f59fb8f3-a021-417a-8bc1-65c8d471c621" providerId="ADAL" clId="{6AC26564-89E3-E046-BFB4-F80582D7E17B}" dt="2020-01-13T14:18:10.052" v="509" actId="20577"/>
+        <pc:sldMkLst>
+          <pc:docMk/>
+          <pc:sldMk cId="4022722016" sldId="332"/>
+        </pc:sldMkLst>
+        <pc:spChg chg="mod">
+          <ac:chgData name="Long B Nguyen" userId="f59fb8f3-a021-417a-8bc1-65c8d471c621" providerId="ADAL" clId="{6AC26564-89E3-E046-BFB4-F80582D7E17B}" dt="2020-01-13T14:18:10.052" v="509" actId="20577"/>
+          <ac:spMkLst>
+            <pc:docMk/>
+            <pc:sldMk cId="4022722016" sldId="332"/>
+            <ac:spMk id="44034" creationId="{0EF23BEA-EF32-984F-8450-57FC941452FE}"/>
+          </ac:spMkLst>
+        </pc:spChg>
+      </pc:sldChg>
+      <pc:sldChg chg="add">
+        <pc:chgData name="Long B Nguyen" userId="f59fb8f3-a021-417a-8bc1-65c8d471c621" providerId="ADAL" clId="{6AC26564-89E3-E046-BFB4-F80582D7E17B}" dt="2020-01-13T13:43:29.420" v="22"/>
+        <pc:sldMkLst>
+          <pc:docMk/>
+          <pc:sldMk cId="1710208723" sldId="333"/>
+        </pc:sldMkLst>
+      </pc:sldChg>
+      <pc:sldChg chg="add">
+        <pc:chgData name="Long B Nguyen" userId="f59fb8f3-a021-417a-8bc1-65c8d471c621" providerId="ADAL" clId="{6AC26564-89E3-E046-BFB4-F80582D7E17B}" dt="2020-01-13T13:43:29.420" v="22"/>
+        <pc:sldMkLst>
+          <pc:docMk/>
+          <pc:sldMk cId="3404583044" sldId="334"/>
+        </pc:sldMkLst>
+      </pc:sldChg>
+      <pc:sldChg chg="add">
+        <pc:chgData name="Long B Nguyen" userId="f59fb8f3-a021-417a-8bc1-65c8d471c621" providerId="ADAL" clId="{6AC26564-89E3-E046-BFB4-F80582D7E17B}" dt="2020-01-13T13:43:29.420" v="22"/>
+        <pc:sldMkLst>
+          <pc:docMk/>
+          <pc:sldMk cId="3866550465" sldId="335"/>
+        </pc:sldMkLst>
+      </pc:sldChg>
+      <pc:sldChg chg="add">
+        <pc:chgData name="Long B Nguyen" userId="f59fb8f3-a021-417a-8bc1-65c8d471c621" providerId="ADAL" clId="{6AC26564-89E3-E046-BFB4-F80582D7E17B}" dt="2020-01-13T13:43:29.420" v="22"/>
+        <pc:sldMkLst>
+          <pc:docMk/>
+          <pc:sldMk cId="3749436800" sldId="336"/>
+        </pc:sldMkLst>
+      </pc:sldChg>
+      <pc:sldChg chg="add">
+        <pc:chgData name="Long B Nguyen" userId="f59fb8f3-a021-417a-8bc1-65c8d471c621" providerId="ADAL" clId="{6AC26564-89E3-E046-BFB4-F80582D7E17B}" dt="2020-01-13T13:43:29.420" v="22"/>
+        <pc:sldMkLst>
+          <pc:docMk/>
+          <pc:sldMk cId="461704868" sldId="337"/>
+        </pc:sldMkLst>
+      </pc:sldChg>
+      <pc:sldChg chg="add modAnim">
+        <pc:chgData name="Long B Nguyen" userId="f59fb8f3-a021-417a-8bc1-65c8d471c621" providerId="ADAL" clId="{6AC26564-89E3-E046-BFB4-F80582D7E17B}" dt="2020-01-16T12:56:30.213" v="1179"/>
+        <pc:sldMkLst>
+          <pc:docMk/>
+          <pc:sldMk cId="545386500" sldId="338"/>
+        </pc:sldMkLst>
+      </pc:sldChg>
+      <pc:sldChg chg="add">
+        <pc:chgData name="Long B Nguyen" userId="f59fb8f3-a021-417a-8bc1-65c8d471c621" providerId="ADAL" clId="{6AC26564-89E3-E046-BFB4-F80582D7E17B}" dt="2020-01-13T13:43:29.420" v="22"/>
+        <pc:sldMkLst>
+          <pc:docMk/>
+          <pc:sldMk cId="1791361008" sldId="339"/>
+        </pc:sldMkLst>
+      </pc:sldChg>
+      <pc:sldChg chg="modSp add modAnim">
+        <pc:chgData name="Long B Nguyen" userId="f59fb8f3-a021-417a-8bc1-65c8d471c621" providerId="ADAL" clId="{6AC26564-89E3-E046-BFB4-F80582D7E17B}" dt="2020-01-16T12:56:22.622" v="1178"/>
+        <pc:sldMkLst>
+          <pc:docMk/>
+          <pc:sldMk cId="678299524" sldId="340"/>
+        </pc:sldMkLst>
+        <pc:spChg chg="mod">
+          <ac:chgData name="Long B Nguyen" userId="f59fb8f3-a021-417a-8bc1-65c8d471c621" providerId="ADAL" clId="{6AC26564-89E3-E046-BFB4-F80582D7E17B}" dt="2020-01-16T12:56:12.663" v="1177" actId="20577"/>
+          <ac:spMkLst>
+            <pc:docMk/>
+            <pc:sldMk cId="678299524" sldId="340"/>
+            <ac:spMk id="50178" creationId="{67FBFF4E-84BD-104A-B697-66B57B261691}"/>
+          </ac:spMkLst>
+        </pc:spChg>
+      </pc:sldChg>
+      <pc:sldChg chg="modSp add modAnim">
+        <pc:chgData name="Long B Nguyen" userId="f59fb8f3-a021-417a-8bc1-65c8d471c621" providerId="ADAL" clId="{6AC26564-89E3-E046-BFB4-F80582D7E17B}" dt="2020-01-13T14:19:32.433" v="590" actId="20577"/>
+        <pc:sldMkLst>
+          <pc:docMk/>
+          <pc:sldMk cId="225127645" sldId="341"/>
+        </pc:sldMkLst>
+        <pc:spChg chg="mod">
+          <ac:chgData name="Long B Nguyen" userId="f59fb8f3-a021-417a-8bc1-65c8d471c621" providerId="ADAL" clId="{6AC26564-89E3-E046-BFB4-F80582D7E17B}" dt="2020-01-13T14:19:32.433" v="590" actId="20577"/>
+          <ac:spMkLst>
+            <pc:docMk/>
+            <pc:sldMk cId="225127645" sldId="341"/>
+            <ac:spMk id="3" creationId="{C4B2C292-CF9B-CF4B-95A6-2A1828F1B32F}"/>
+          </ac:spMkLst>
+        </pc:spChg>
+      </pc:sldChg>
+      <pc:sldChg chg="add">
+        <pc:chgData name="Long B Nguyen" userId="f59fb8f3-a021-417a-8bc1-65c8d471c621" providerId="ADAL" clId="{6AC26564-89E3-E046-BFB4-F80582D7E17B}" dt="2020-01-13T13:43:29.420" v="22"/>
+        <pc:sldMkLst>
+          <pc:docMk/>
+          <pc:sldMk cId="2214326257" sldId="342"/>
+        </pc:sldMkLst>
+      </pc:sldChg>
+      <pc:sldChg chg="modSp add">
+        <pc:chgData name="Long B Nguyen" userId="f59fb8f3-a021-417a-8bc1-65c8d471c621" providerId="ADAL" clId="{6AC26564-89E3-E046-BFB4-F80582D7E17B}" dt="2020-01-14T14:43:22.774" v="624" actId="20577"/>
+        <pc:sldMkLst>
+          <pc:docMk/>
+          <pc:sldMk cId="1356056044" sldId="343"/>
+        </pc:sldMkLst>
+        <pc:spChg chg="mod">
+          <ac:chgData name="Long B Nguyen" userId="f59fb8f3-a021-417a-8bc1-65c8d471c621" providerId="ADAL" clId="{6AC26564-89E3-E046-BFB4-F80582D7E17B}" dt="2020-01-14T14:43:22.774" v="624" actId="20577"/>
+          <ac:spMkLst>
+            <pc:docMk/>
+            <pc:sldMk cId="1356056044" sldId="343"/>
+            <ac:spMk id="3" creationId="{BB84A3DF-3845-E44E-BE23-31EA988FAEBB}"/>
+          </ac:spMkLst>
+        </pc:spChg>
+      </pc:sldChg>
+      <pc:sldChg chg="modSp add">
+        <pc:chgData name="Long B Nguyen" userId="f59fb8f3-a021-417a-8bc1-65c8d471c621" providerId="ADAL" clId="{6AC26564-89E3-E046-BFB4-F80582D7E17B}" dt="2020-01-13T13:52:32.924" v="99" actId="2711"/>
+        <pc:sldMkLst>
+          <pc:docMk/>
+          <pc:sldMk cId="1270247652" sldId="344"/>
+        </pc:sldMkLst>
+        <pc:spChg chg="mod">
+          <ac:chgData name="Long B Nguyen" userId="f59fb8f3-a021-417a-8bc1-65c8d471c621" providerId="ADAL" clId="{6AC26564-89E3-E046-BFB4-F80582D7E17B}" dt="2020-01-13T13:52:32.924" v="99" actId="2711"/>
+          <ac:spMkLst>
+            <pc:docMk/>
+            <pc:sldMk cId="1270247652" sldId="344"/>
+            <ac:spMk id="55298" creationId="{4AA38F8C-E2AA-EA4D-A486-FA2F457B38F7}"/>
+          </ac:spMkLst>
+        </pc:spChg>
+      </pc:sldChg>
+      <pc:sldChg chg="modSp add modAnim">
+        <pc:chgData name="Long B Nguyen" userId="f59fb8f3-a021-417a-8bc1-65c8d471c621" providerId="ADAL" clId="{6AC26564-89E3-E046-BFB4-F80582D7E17B}" dt="2020-01-16T12:52:56.169" v="1124"/>
+        <pc:sldMkLst>
+          <pc:docMk/>
+          <pc:sldMk cId="902308803" sldId="345"/>
+        </pc:sldMkLst>
+        <pc:spChg chg="mod">
+          <ac:chgData name="Long B Nguyen" userId="f59fb8f3-a021-417a-8bc1-65c8d471c621" providerId="ADAL" clId="{6AC26564-89E3-E046-BFB4-F80582D7E17B}" dt="2020-01-16T12:51:09.080" v="992" actId="1076"/>
+          <ac:spMkLst>
+            <pc:docMk/>
+            <pc:sldMk cId="902308803" sldId="345"/>
+            <ac:spMk id="26625" creationId="{EEE37393-73E7-7A42-A21D-4773DC200BF6}"/>
+          </ac:spMkLst>
+        </pc:spChg>
+        <pc:spChg chg="mod">
+          <ac:chgData name="Long B Nguyen" userId="f59fb8f3-a021-417a-8bc1-65c8d471c621" providerId="ADAL" clId="{6AC26564-89E3-E046-BFB4-F80582D7E17B}" dt="2020-01-16T12:51:14.786" v="994" actId="255"/>
+          <ac:spMkLst>
+            <pc:docMk/>
+            <pc:sldMk cId="902308803" sldId="345"/>
+            <ac:spMk id="26626" creationId="{EBDCF6EE-E392-F04F-9B69-A1B47BE13E5F}"/>
+          </ac:spMkLst>
+        </pc:spChg>
+        <pc:picChg chg="mod">
+          <ac:chgData name="Long B Nguyen" userId="f59fb8f3-a021-417a-8bc1-65c8d471c621" providerId="ADAL" clId="{6AC26564-89E3-E046-BFB4-F80582D7E17B}" dt="2020-01-16T12:51:17.248" v="995" actId="1076"/>
+          <ac:picMkLst>
+            <pc:docMk/>
+            <pc:sldMk cId="902308803" sldId="345"/>
+            <ac:picMk id="26627" creationId="{4CB819D5-BF58-EF49-ADC3-C5DAC8299BED}"/>
+          </ac:picMkLst>
+        </pc:picChg>
+      </pc:sldChg>
+      <pc:sldChg chg="add">
+        <pc:chgData name="Long B Nguyen" userId="f59fb8f3-a021-417a-8bc1-65c8d471c621" providerId="ADAL" clId="{6AC26564-89E3-E046-BFB4-F80582D7E17B}" dt="2020-01-13T13:43:29.420" v="22"/>
+        <pc:sldMkLst>
+          <pc:docMk/>
+          <pc:sldMk cId="2271372051" sldId="346"/>
+        </pc:sldMkLst>
+      </pc:sldChg>
+      <pc:sldChg chg="add del">
+        <pc:chgData name="Long B Nguyen" userId="f59fb8f3-a021-417a-8bc1-65c8d471c621" providerId="ADAL" clId="{6AC26564-89E3-E046-BFB4-F80582D7E17B}" dt="2020-01-13T13:49:58.453" v="93" actId="2696"/>
+        <pc:sldMkLst>
+          <pc:docMk/>
+          <pc:sldMk cId="198078322" sldId="347"/>
+        </pc:sldMkLst>
+      </pc:sldChg>
+      <pc:sldChg chg="modSp add">
+        <pc:chgData name="Long B Nguyen" userId="f59fb8f3-a021-417a-8bc1-65c8d471c621" providerId="ADAL" clId="{6AC26564-89E3-E046-BFB4-F80582D7E17B}" dt="2020-01-14T14:41:50.033" v="591" actId="1076"/>
+        <pc:sldMkLst>
+          <pc:docMk/>
+          <pc:sldMk cId="3556500226" sldId="347"/>
+        </pc:sldMkLst>
+        <pc:spChg chg="mod">
+          <ac:chgData name="Long B Nguyen" userId="f59fb8f3-a021-417a-8bc1-65c8d471c621" providerId="ADAL" clId="{6AC26564-89E3-E046-BFB4-F80582D7E17B}" dt="2020-01-14T14:41:50.033" v="591" actId="1076"/>
+          <ac:spMkLst>
+            <pc:docMk/>
+            <pc:sldMk cId="3556500226" sldId="347"/>
+            <ac:spMk id="35842" creationId="{0B0C4E89-D419-8343-A309-ADA122397E36}"/>
+          </ac:spMkLst>
+        </pc:spChg>
+      </pc:sldChg>
+      <pc:sldChg chg="addSp delSp modSp add">
+        <pc:chgData name="Long B Nguyen" userId="f59fb8f3-a021-417a-8bc1-65c8d471c621" providerId="ADAL" clId="{6AC26564-89E3-E046-BFB4-F80582D7E17B}" dt="2020-01-16T12:48:48.788" v="791" actId="20577"/>
+        <pc:sldMkLst>
+          <pc:docMk/>
+          <pc:sldMk cId="3512088914" sldId="348"/>
+        </pc:sldMkLst>
+        <pc:spChg chg="mod">
+          <ac:chgData name="Long B Nguyen" userId="f59fb8f3-a021-417a-8bc1-65c8d471c621" providerId="ADAL" clId="{6AC26564-89E3-E046-BFB4-F80582D7E17B}" dt="2020-01-16T12:48:48.788" v="791" actId="20577"/>
+          <ac:spMkLst>
+            <pc:docMk/>
+            <pc:sldMk cId="3512088914" sldId="348"/>
+            <ac:spMk id="23553" creationId="{5E6C904F-B0D2-8542-BF56-4B43E4386E3D}"/>
+          </ac:spMkLst>
+        </pc:spChg>
+        <pc:picChg chg="del">
+          <ac:chgData name="Long B Nguyen" userId="f59fb8f3-a021-417a-8bc1-65c8d471c621" providerId="ADAL" clId="{6AC26564-89E3-E046-BFB4-F80582D7E17B}" dt="2020-01-16T12:47:37.467" v="765" actId="478"/>
+          <ac:picMkLst>
+            <pc:docMk/>
+            <pc:sldMk cId="3512088914" sldId="348"/>
+            <ac:picMk id="2" creationId="{D5FC4C3C-5059-9845-989F-6DA2B906114F}"/>
+          </ac:picMkLst>
+        </pc:picChg>
+        <pc:picChg chg="add mod">
+          <ac:chgData name="Long B Nguyen" userId="f59fb8f3-a021-417a-8bc1-65c8d471c621" providerId="ADAL" clId="{6AC26564-89E3-E046-BFB4-F80582D7E17B}" dt="2020-01-16T12:47:50.861" v="770" actId="1076"/>
+          <ac:picMkLst>
+            <pc:docMk/>
+            <pc:sldMk cId="3512088914" sldId="348"/>
+            <ac:picMk id="3" creationId="{CB795113-FB6C-E648-85D0-183CDD5AF882}"/>
+          </ac:picMkLst>
+        </pc:picChg>
+        <pc:picChg chg="del">
+          <ac:chgData name="Long B Nguyen" userId="f59fb8f3-a021-417a-8bc1-65c8d471c621" providerId="ADAL" clId="{6AC26564-89E3-E046-BFB4-F80582D7E17B}" dt="2020-01-16T12:47:46.031" v="767" actId="478"/>
+          <ac:picMkLst>
+            <pc:docMk/>
+            <pc:sldMk cId="3512088914" sldId="348"/>
+            <ac:picMk id="23555" creationId="{03C56796-055B-E94B-ACE3-C4CD06B2EB8A}"/>
+          </ac:picMkLst>
+        </pc:picChg>
+      </pc:sldChg>
+    </pc:docChg>
+  </pc:docChgLst>
+  <pc:docChgLst>
+    <pc:chgData name="Long B Nguyen" userId="f59fb8f3-a021-417a-8bc1-65c8d471c621" providerId="ADAL" clId="{CC9C9D9A-5149-2947-86C0-576F501F60DC}"/>
+    <pc:docChg chg="addSld modSld">
+      <pc:chgData name="Long B Nguyen" userId="f59fb8f3-a021-417a-8bc1-65c8d471c621" providerId="ADAL" clId="{CC9C9D9A-5149-2947-86C0-576F501F60DC}" dt="2020-01-05T21:59:55.597" v="2392" actId="14100"/>
+      <pc:docMkLst>
+        <pc:docMk/>
+      </pc:docMkLst>
+      <pc:sldChg chg="modSp add modAnim">
+        <pc:chgData name="Long B Nguyen" userId="f59fb8f3-a021-417a-8bc1-65c8d471c621" providerId="ADAL" clId="{CC9C9D9A-5149-2947-86C0-576F501F60DC}" dt="2020-01-04T15:49:37.373" v="563" actId="20577"/>
+        <pc:sldMkLst>
+          <pc:docMk/>
+          <pc:sldMk cId="924617162" sldId="319"/>
+        </pc:sldMkLst>
+        <pc:spChg chg="mod">
+          <ac:chgData name="Long B Nguyen" userId="f59fb8f3-a021-417a-8bc1-65c8d471c621" providerId="ADAL" clId="{CC9C9D9A-5149-2947-86C0-576F501F60DC}" dt="2020-01-04T15:45:14.876" v="4" actId="20577"/>
+          <ac:spMkLst>
+            <pc:docMk/>
+            <pc:sldMk cId="924617162" sldId="319"/>
+            <ac:spMk id="2" creationId="{AA3A228F-61D0-D949-A5E7-F83756230BF8}"/>
+          </ac:spMkLst>
+        </pc:spChg>
+        <pc:spChg chg="mod">
+          <ac:chgData name="Long B Nguyen" userId="f59fb8f3-a021-417a-8bc1-65c8d471c621" providerId="ADAL" clId="{CC9C9D9A-5149-2947-86C0-576F501F60DC}" dt="2020-01-04T15:49:37.373" v="563" actId="20577"/>
+          <ac:spMkLst>
+            <pc:docMk/>
+            <pc:sldMk cId="924617162" sldId="319"/>
+            <ac:spMk id="9" creationId="{E3B2E017-30B2-884B-A113-B419A2ED51AD}"/>
+          </ac:spMkLst>
+        </pc:spChg>
+      </pc:sldChg>
+      <pc:sldChg chg="modSp add">
+        <pc:chgData name="Long B Nguyen" userId="f59fb8f3-a021-417a-8bc1-65c8d471c621" providerId="ADAL" clId="{CC9C9D9A-5149-2947-86C0-576F501F60DC}" dt="2020-01-04T15:57:55.835" v="789" actId="14100"/>
+        <pc:sldMkLst>
+          <pc:docMk/>
+          <pc:sldMk cId="3758830494" sldId="320"/>
+        </pc:sldMkLst>
+        <pc:spChg chg="mod">
+          <ac:chgData name="Long B Nguyen" userId="f59fb8f3-a021-417a-8bc1-65c8d471c621" providerId="ADAL" clId="{CC9C9D9A-5149-2947-86C0-576F501F60DC}" dt="2020-01-04T15:57:52.065" v="788" actId="1076"/>
+          <ac:spMkLst>
+            <pc:docMk/>
+            <pc:sldMk cId="3758830494" sldId="320"/>
+            <ac:spMk id="2" creationId="{AA3A228F-61D0-D949-A5E7-F83756230BF8}"/>
+          </ac:spMkLst>
+        </pc:spChg>
+        <pc:spChg chg="mod">
+          <ac:chgData name="Long B Nguyen" userId="f59fb8f3-a021-417a-8bc1-65c8d471c621" providerId="ADAL" clId="{CC9C9D9A-5149-2947-86C0-576F501F60DC}" dt="2020-01-04T15:57:55.835" v="789" actId="14100"/>
+          <ac:spMkLst>
+            <pc:docMk/>
+            <pc:sldMk cId="3758830494" sldId="320"/>
+            <ac:spMk id="9" creationId="{E3B2E017-30B2-884B-A113-B419A2ED51AD}"/>
+          </ac:spMkLst>
+        </pc:spChg>
+      </pc:sldChg>
+      <pc:sldChg chg="modSp add">
+        <pc:chgData name="Long B Nguyen" userId="f59fb8f3-a021-417a-8bc1-65c8d471c621" providerId="ADAL" clId="{CC9C9D9A-5149-2947-86C0-576F501F60DC}" dt="2020-01-05T21:51:37.442" v="2325" actId="20577"/>
+        <pc:sldMkLst>
+          <pc:docMk/>
+          <pc:sldMk cId="1022945305" sldId="321"/>
+        </pc:sldMkLst>
+        <pc:spChg chg="mod">
+          <ac:chgData name="Long B Nguyen" userId="f59fb8f3-a021-417a-8bc1-65c8d471c621" providerId="ADAL" clId="{CC9C9D9A-5149-2947-86C0-576F501F60DC}" dt="2020-01-05T21:51:37.442" v="2325" actId="20577"/>
+          <ac:spMkLst>
+            <pc:docMk/>
+            <pc:sldMk cId="1022945305" sldId="321"/>
+            <ac:spMk id="2" creationId="{AA3A228F-61D0-D949-A5E7-F83756230BF8}"/>
+          </ac:spMkLst>
+        </pc:spChg>
+        <pc:spChg chg="mod">
+          <ac:chgData name="Long B Nguyen" userId="f59fb8f3-a021-417a-8bc1-65c8d471c621" providerId="ADAL" clId="{CC9C9D9A-5149-2947-86C0-576F501F60DC}" dt="2020-01-05T21:33:21.485" v="2304" actId="20577"/>
+          <ac:spMkLst>
+            <pc:docMk/>
+            <pc:sldMk cId="1022945305" sldId="321"/>
+            <ac:spMk id="9" creationId="{E3B2E017-30B2-884B-A113-B419A2ED51AD}"/>
+          </ac:spMkLst>
+        </pc:spChg>
+      </pc:sldChg>
+      <pc:sldChg chg="modSp add">
+        <pc:chgData name="Long B Nguyen" userId="f59fb8f3-a021-417a-8bc1-65c8d471c621" providerId="ADAL" clId="{CC9C9D9A-5149-2947-86C0-576F501F60DC}" dt="2020-01-04T17:41:57.489" v="1203" actId="20577"/>
+        <pc:sldMkLst>
+          <pc:docMk/>
+          <pc:sldMk cId="3456840474" sldId="322"/>
+        </pc:sldMkLst>
+        <pc:spChg chg="mod">
+          <ac:chgData name="Long B Nguyen" userId="f59fb8f3-a021-417a-8bc1-65c8d471c621" providerId="ADAL" clId="{CC9C9D9A-5149-2947-86C0-576F501F60DC}" dt="2020-01-04T17:41:57.489" v="1203" actId="20577"/>
+          <ac:spMkLst>
+            <pc:docMk/>
+            <pc:sldMk cId="3456840474" sldId="322"/>
+            <ac:spMk id="9" creationId="{E3B2E017-30B2-884B-A113-B419A2ED51AD}"/>
+          </ac:spMkLst>
+        </pc:spChg>
+      </pc:sldChg>
+      <pc:sldChg chg="modSp add">
+        <pc:chgData name="Long B Nguyen" userId="f59fb8f3-a021-417a-8bc1-65c8d471c621" providerId="ADAL" clId="{CC9C9D9A-5149-2947-86C0-576F501F60DC}" dt="2020-01-04T18:38:26.241" v="1214" actId="113"/>
+        <pc:sldMkLst>
+          <pc:docMk/>
+          <pc:sldMk cId="1062075874" sldId="323"/>
+        </pc:sldMkLst>
+        <pc:spChg chg="mod">
+          <ac:chgData name="Long B Nguyen" userId="f59fb8f3-a021-417a-8bc1-65c8d471c621" providerId="ADAL" clId="{CC9C9D9A-5149-2947-86C0-576F501F60DC}" dt="2020-01-04T18:38:26.241" v="1214" actId="113"/>
+          <ac:spMkLst>
+            <pc:docMk/>
+            <pc:sldMk cId="1062075874" sldId="323"/>
+            <ac:spMk id="9" creationId="{E3B2E017-30B2-884B-A113-B419A2ED51AD}"/>
+          </ac:spMkLst>
+        </pc:spChg>
+      </pc:sldChg>
+      <pc:sldChg chg="modSp add">
+        <pc:chgData name="Long B Nguyen" userId="f59fb8f3-a021-417a-8bc1-65c8d471c621" providerId="ADAL" clId="{CC9C9D9A-5149-2947-86C0-576F501F60DC}" dt="2020-01-04T20:58:36.932" v="1972" actId="20577"/>
+        <pc:sldMkLst>
+          <pc:docMk/>
+          <pc:sldMk cId="1310010799" sldId="324"/>
+        </pc:sldMkLst>
+        <pc:spChg chg="mod">
+          <ac:chgData name="Long B Nguyen" userId="f59fb8f3-a021-417a-8bc1-65c8d471c621" providerId="ADAL" clId="{CC9C9D9A-5149-2947-86C0-576F501F60DC}" dt="2020-01-04T20:55:25.731" v="1962" actId="1076"/>
+          <ac:spMkLst>
+            <pc:docMk/>
+            <pc:sldMk cId="1310010799" sldId="324"/>
+            <ac:spMk id="2" creationId="{AA3A228F-61D0-D949-A5E7-F83756230BF8}"/>
+          </ac:spMkLst>
+        </pc:spChg>
+        <pc:spChg chg="mod">
+          <ac:chgData name="Long B Nguyen" userId="f59fb8f3-a021-417a-8bc1-65c8d471c621" providerId="ADAL" clId="{CC9C9D9A-5149-2947-86C0-576F501F60DC}" dt="2020-01-04T20:58:36.932" v="1972" actId="20577"/>
+          <ac:spMkLst>
+            <pc:docMk/>
+            <pc:sldMk cId="1310010799" sldId="324"/>
+            <ac:spMk id="9" creationId="{E3B2E017-30B2-884B-A113-B419A2ED51AD}"/>
+          </ac:spMkLst>
+        </pc:spChg>
+      </pc:sldChg>
+      <pc:sldChg chg="modSp add">
+        <pc:chgData name="Long B Nguyen" userId="f59fb8f3-a021-417a-8bc1-65c8d471c621" providerId="ADAL" clId="{CC9C9D9A-5149-2947-86C0-576F501F60DC}" dt="2020-01-05T21:27:04.952" v="2119" actId="20577"/>
+        <pc:sldMkLst>
+          <pc:docMk/>
+          <pc:sldMk cId="3314372952" sldId="325"/>
+        </pc:sldMkLst>
+        <pc:spChg chg="mod">
+          <ac:chgData name="Long B Nguyen" userId="f59fb8f3-a021-417a-8bc1-65c8d471c621" providerId="ADAL" clId="{CC9C9D9A-5149-2947-86C0-576F501F60DC}" dt="2020-01-05T21:26:41.210" v="2114" actId="20577"/>
+          <ac:spMkLst>
+            <pc:docMk/>
+            <pc:sldMk cId="3314372952" sldId="325"/>
+            <ac:spMk id="2" creationId="{AA3A228F-61D0-D949-A5E7-F83756230BF8}"/>
+          </ac:spMkLst>
+        </pc:spChg>
+        <pc:spChg chg="mod">
+          <ac:chgData name="Long B Nguyen" userId="f59fb8f3-a021-417a-8bc1-65c8d471c621" providerId="ADAL" clId="{CC9C9D9A-5149-2947-86C0-576F501F60DC}" dt="2020-01-05T21:27:04.952" v="2119" actId="20577"/>
+          <ac:spMkLst>
+            <pc:docMk/>
+            <pc:sldMk cId="3314372952" sldId="325"/>
+            <ac:spMk id="9" creationId="{E3B2E017-30B2-884B-A113-B419A2ED51AD}"/>
+          </ac:spMkLst>
+        </pc:spChg>
+      </pc:sldChg>
+      <pc:sldChg chg="modSp add">
+        <pc:chgData name="Long B Nguyen" userId="f59fb8f3-a021-417a-8bc1-65c8d471c621" providerId="ADAL" clId="{CC9C9D9A-5149-2947-86C0-576F501F60DC}" dt="2020-01-05T21:29:58.563" v="2178" actId="20577"/>
+        <pc:sldMkLst>
+          <pc:docMk/>
+          <pc:sldMk cId="3117943122" sldId="326"/>
+        </pc:sldMkLst>
+        <pc:spChg chg="mod">
+          <ac:chgData name="Long B Nguyen" userId="f59fb8f3-a021-417a-8bc1-65c8d471c621" providerId="ADAL" clId="{CC9C9D9A-5149-2947-86C0-576F501F60DC}" dt="2020-01-05T21:29:58.563" v="2178" actId="20577"/>
+          <ac:spMkLst>
+            <pc:docMk/>
+            <pc:sldMk cId="3117943122" sldId="326"/>
+            <ac:spMk id="9" creationId="{E3B2E017-30B2-884B-A113-B419A2ED51AD}"/>
+          </ac:spMkLst>
+        </pc:spChg>
+      </pc:sldChg>
+      <pc:sldChg chg="modSp add">
+        <pc:chgData name="Long B Nguyen" userId="f59fb8f3-a021-417a-8bc1-65c8d471c621" providerId="ADAL" clId="{CC9C9D9A-5149-2947-86C0-576F501F60DC}" dt="2020-01-05T21:59:55.597" v="2392" actId="14100"/>
+        <pc:sldMkLst>
+          <pc:docMk/>
+          <pc:sldMk cId="1025618360" sldId="327"/>
+        </pc:sldMkLst>
+        <pc:spChg chg="mod">
+          <ac:chgData name="Long B Nguyen" userId="f59fb8f3-a021-417a-8bc1-65c8d471c621" providerId="ADAL" clId="{CC9C9D9A-5149-2947-86C0-576F501F60DC}" dt="2020-01-05T21:59:55.597" v="2392" actId="14100"/>
+          <ac:spMkLst>
+            <pc:docMk/>
+            <pc:sldMk cId="1025618360" sldId="327"/>
+            <ac:spMk id="9" creationId="{E3B2E017-30B2-884B-A113-B419A2ED51AD}"/>
+          </ac:spMkLst>
+        </pc:spChg>
+      </pc:sldChg>
+      <pc:sldChg chg="modSp add">
+        <pc:chgData name="Long B Nguyen" userId="f59fb8f3-a021-417a-8bc1-65c8d471c621" providerId="ADAL" clId="{CC9C9D9A-5149-2947-86C0-576F501F60DC}" dt="2020-01-05T21:54:47.081" v="2356" actId="2711"/>
+        <pc:sldMkLst>
+          <pc:docMk/>
+          <pc:sldMk cId="3894299887" sldId="328"/>
+        </pc:sldMkLst>
+        <pc:spChg chg="mod">
+          <ac:chgData name="Long B Nguyen" userId="f59fb8f3-a021-417a-8bc1-65c8d471c621" providerId="ADAL" clId="{CC9C9D9A-5149-2947-86C0-576F501F60DC}" dt="2020-01-05T21:51:41.306" v="2327" actId="20577"/>
+          <ac:spMkLst>
+            <pc:docMk/>
+            <pc:sldMk cId="3894299887" sldId="328"/>
+            <ac:spMk id="2" creationId="{AA3A228F-61D0-D949-A5E7-F83756230BF8}"/>
+          </ac:spMkLst>
+        </pc:spChg>
+        <pc:spChg chg="mod">
+          <ac:chgData name="Long B Nguyen" userId="f59fb8f3-a021-417a-8bc1-65c8d471c621" providerId="ADAL" clId="{CC9C9D9A-5149-2947-86C0-576F501F60DC}" dt="2020-01-05T21:54:47.081" v="2356" actId="2711"/>
+          <ac:spMkLst>
+            <pc:docMk/>
+            <pc:sldMk cId="3894299887" sldId="328"/>
+            <ac:spMk id="9" creationId="{E3B2E017-30B2-884B-A113-B419A2ED51AD}"/>
+          </ac:spMkLst>
+        </pc:spChg>
+      </pc:sldChg>
+      <pc:sldChg chg="add">
+        <pc:chgData name="Long B Nguyen" userId="f59fb8f3-a021-417a-8bc1-65c8d471c621" providerId="ADAL" clId="{CC9C9D9A-5149-2947-86C0-576F501F60DC}" dt="2020-01-05T21:57:38.736" v="2357"/>
+        <pc:sldMkLst>
+          <pc:docMk/>
+          <pc:sldMk cId="4294143140" sldId="329"/>
+        </pc:sldMkLst>
+      </pc:sldChg>
+    </pc:docChg>
+  </pc:docChgLst>
+  <pc:docChgLst>
+    <pc:chgData name="Long B Nguyen" userId="f59fb8f3-a021-417a-8bc1-65c8d471c621" providerId="ADAL" clId="{AA9102B5-DACA-D841-B260-AEEBF90FC60A}"/>
+    <pc:docChg chg="custSel addSld delSld modSld">
+      <pc:chgData name="Long B Nguyen" userId="f59fb8f3-a021-417a-8bc1-65c8d471c621" providerId="ADAL" clId="{AA9102B5-DACA-D841-B260-AEEBF90FC60A}" dt="2020-01-06T17:07:10.515" v="1519" actId="2711"/>
+      <pc:docMkLst>
+        <pc:docMk/>
+      </pc:docMkLst>
+      <pc:sldChg chg="modSp">
+        <pc:chgData name="Long B Nguyen" userId="f59fb8f3-a021-417a-8bc1-65c8d471c621" providerId="ADAL" clId="{AA9102B5-DACA-D841-B260-AEEBF90FC60A}" dt="2020-01-05T22:05:23.536" v="23" actId="20577"/>
+        <pc:sldMkLst>
+          <pc:docMk/>
+          <pc:sldMk cId="4247104139" sldId="256"/>
+        </pc:sldMkLst>
+        <pc:spChg chg="mod">
+          <ac:chgData name="Long B Nguyen" userId="f59fb8f3-a021-417a-8bc1-65c8d471c621" providerId="ADAL" clId="{AA9102B5-DACA-D841-B260-AEEBF90FC60A}" dt="2020-01-05T22:05:23.536" v="23" actId="20577"/>
+          <ac:spMkLst>
+            <pc:docMk/>
+            <pc:sldMk cId="4247104139" sldId="256"/>
+            <ac:spMk id="3" creationId="{1BDC47C8-6776-7B44-9CD4-95FC91452D62}"/>
+          </ac:spMkLst>
+        </pc:spChg>
+      </pc:sldChg>
+      <pc:sldChg chg="del">
+        <pc:chgData name="Long B Nguyen" userId="f59fb8f3-a021-417a-8bc1-65c8d471c621" providerId="ADAL" clId="{AA9102B5-DACA-D841-B260-AEEBF90FC60A}" dt="2020-01-05T22:05:52.483" v="41" actId="2696"/>
+        <pc:sldMkLst>
+          <pc:docMk/>
+          <pc:sldMk cId="1438711869" sldId="284"/>
+        </pc:sldMkLst>
+      </pc:sldChg>
+      <pc:sldChg chg="del">
+        <pc:chgData name="Long B Nguyen" userId="f59fb8f3-a021-417a-8bc1-65c8d471c621" providerId="ADAL" clId="{AA9102B5-DACA-D841-B260-AEEBF90FC60A}" dt="2020-01-05T22:05:52.199" v="24" actId="2696"/>
+        <pc:sldMkLst>
+          <pc:docMk/>
+          <pc:sldMk cId="131840209" sldId="286"/>
+        </pc:sldMkLst>
+      </pc:sldChg>
+      <pc:sldChg chg="del">
+        <pc:chgData name="Long B Nguyen" userId="f59fb8f3-a021-417a-8bc1-65c8d471c621" providerId="ADAL" clId="{AA9102B5-DACA-D841-B260-AEEBF90FC60A}" dt="2020-01-05T22:05:52.214" v="25" actId="2696"/>
+        <pc:sldMkLst>
+          <pc:docMk/>
+          <pc:sldMk cId="1816941262" sldId="295"/>
+        </pc:sldMkLst>
+      </pc:sldChg>
+      <pc:sldChg chg="del">
+        <pc:chgData name="Long B Nguyen" userId="f59fb8f3-a021-417a-8bc1-65c8d471c621" providerId="ADAL" clId="{AA9102B5-DACA-D841-B260-AEEBF90FC60A}" dt="2020-01-05T22:05:52.246" v="27" actId="2696"/>
+        <pc:sldMkLst>
+          <pc:docMk/>
+          <pc:sldMk cId="553003360" sldId="296"/>
+        </pc:sldMkLst>
+      </pc:sldChg>
+      <pc:sldChg chg="del">
+        <pc:chgData name="Long B Nguyen" userId="f59fb8f3-a021-417a-8bc1-65c8d471c621" providerId="ADAL" clId="{AA9102B5-DACA-D841-B260-AEEBF90FC60A}" dt="2020-01-05T22:05:52.268" v="28" actId="2696"/>
+        <pc:sldMkLst>
+          <pc:docMk/>
+          <pc:sldMk cId="3006175481" sldId="297"/>
+        </pc:sldMkLst>
+      </pc:sldChg>
+      <pc:sldChg chg="del">
+        <pc:chgData name="Long B Nguyen" userId="f59fb8f3-a021-417a-8bc1-65c8d471c621" providerId="ADAL" clId="{AA9102B5-DACA-D841-B260-AEEBF90FC60A}" dt="2020-01-05T22:05:52.287" v="29" actId="2696"/>
+        <pc:sldMkLst>
+          <pc:docMk/>
+          <pc:sldMk cId="3150557076" sldId="298"/>
+        </pc:sldMkLst>
+      </pc:sldChg>
+      <pc:sldChg chg="del">
+        <pc:chgData name="Long B Nguyen" userId="f59fb8f3-a021-417a-8bc1-65c8d471c621" providerId="ADAL" clId="{AA9102B5-DACA-D841-B260-AEEBF90FC60A}" dt="2020-01-05T22:05:52.442" v="38" actId="2696"/>
+        <pc:sldMkLst>
+          <pc:docMk/>
+          <pc:sldMk cId="128704095" sldId="302"/>
+        </pc:sldMkLst>
+      </pc:sldChg>
+      <pc:sldChg chg="del">
+        <pc:chgData name="Long B Nguyen" userId="f59fb8f3-a021-417a-8bc1-65c8d471c621" providerId="ADAL" clId="{AA9102B5-DACA-D841-B260-AEEBF90FC60A}" dt="2020-01-05T22:05:52.305" v="30" actId="2696"/>
+        <pc:sldMkLst>
+          <pc:docMk/>
+          <pc:sldMk cId="3275945509" sldId="303"/>
+        </pc:sldMkLst>
+      </pc:sldChg>
+      <pc:sldChg chg="del">
+        <pc:chgData name="Long B Nguyen" userId="f59fb8f3-a021-417a-8bc1-65c8d471c621" providerId="ADAL" clId="{AA9102B5-DACA-D841-B260-AEEBF90FC60A}" dt="2020-01-05T22:05:52.321" v="31" actId="2696"/>
+        <pc:sldMkLst>
+          <pc:docMk/>
+          <pc:sldMk cId="406772024" sldId="304"/>
+        </pc:sldMkLst>
+      </pc:sldChg>
+      <pc:sldChg chg="del">
+        <pc:chgData name="Long B Nguyen" userId="f59fb8f3-a021-417a-8bc1-65c8d471c621" providerId="ADAL" clId="{AA9102B5-DACA-D841-B260-AEEBF90FC60A}" dt="2020-01-05T22:05:52.334" v="32" actId="2696"/>
+        <pc:sldMkLst>
+          <pc:docMk/>
+          <pc:sldMk cId="1703902501" sldId="305"/>
+        </pc:sldMkLst>
+      </pc:sldChg>
+      <pc:sldChg chg="del">
+        <pc:chgData name="Long B Nguyen" userId="f59fb8f3-a021-417a-8bc1-65c8d471c621" providerId="ADAL" clId="{AA9102B5-DACA-D841-B260-AEEBF90FC60A}" dt="2020-01-05T22:05:52.461" v="39" actId="2696"/>
+        <pc:sldMkLst>
+          <pc:docMk/>
+          <pc:sldMk cId="3614829039" sldId="306"/>
+        </pc:sldMkLst>
+      </pc:sldChg>
+      <pc:sldChg chg="del">
+        <pc:chgData name="Long B Nguyen" userId="f59fb8f3-a021-417a-8bc1-65c8d471c621" providerId="ADAL" clId="{AA9102B5-DACA-D841-B260-AEEBF90FC60A}" dt="2020-01-05T22:05:52.471" v="40" actId="2696"/>
+        <pc:sldMkLst>
+          <pc:docMk/>
+          <pc:sldMk cId="295911327" sldId="307"/>
+        </pc:sldMkLst>
+      </pc:sldChg>
+      <pc:sldChg chg="del">
+        <pc:chgData name="Long B Nguyen" userId="f59fb8f3-a021-417a-8bc1-65c8d471c621" providerId="ADAL" clId="{AA9102B5-DACA-D841-B260-AEEBF90FC60A}" dt="2020-01-05T22:05:52.353" v="33" actId="2696"/>
+        <pc:sldMkLst>
+          <pc:docMk/>
+          <pc:sldMk cId="67957925" sldId="308"/>
+        </pc:sldMkLst>
+      </pc:sldChg>
+      <pc:sldChg chg="del">
+        <pc:chgData name="Long B Nguyen" userId="f59fb8f3-a021-417a-8bc1-65c8d471c621" providerId="ADAL" clId="{AA9102B5-DACA-D841-B260-AEEBF90FC60A}" dt="2020-01-05T22:05:52.365" v="34" actId="2696"/>
+        <pc:sldMkLst>
+          <pc:docMk/>
+          <pc:sldMk cId="1872435103" sldId="309"/>
+        </pc:sldMkLst>
+      </pc:sldChg>
+      <pc:sldChg chg="del">
+        <pc:chgData name="Long B Nguyen" userId="f59fb8f3-a021-417a-8bc1-65c8d471c621" providerId="ADAL" clId="{AA9102B5-DACA-D841-B260-AEEBF90FC60A}" dt="2020-01-05T22:05:52.385" v="35" actId="2696"/>
+        <pc:sldMkLst>
+          <pc:docMk/>
+          <pc:sldMk cId="4088965571" sldId="310"/>
+        </pc:sldMkLst>
+      </pc:sldChg>
+      <pc:sldChg chg="del">
+        <pc:chgData name="Long B Nguyen" userId="f59fb8f3-a021-417a-8bc1-65c8d471c621" providerId="ADAL" clId="{AA9102B5-DACA-D841-B260-AEEBF90FC60A}" dt="2020-01-05T22:05:52.404" v="36" actId="2696"/>
+        <pc:sldMkLst>
+          <pc:docMk/>
+          <pc:sldMk cId="2255846137" sldId="311"/>
+        </pc:sldMkLst>
+      </pc:sldChg>
+      <pc:sldChg chg="del">
+        <pc:chgData name="Long B Nguyen" userId="f59fb8f3-a021-417a-8bc1-65c8d471c621" providerId="ADAL" clId="{AA9102B5-DACA-D841-B260-AEEBF90FC60A}" dt="2020-01-05T22:05:52.423" v="37" actId="2696"/>
+        <pc:sldMkLst>
+          <pc:docMk/>
+          <pc:sldMk cId="1513627164" sldId="312"/>
+        </pc:sldMkLst>
+      </pc:sldChg>
+      <pc:sldChg chg="del">
+        <pc:chgData name="Long B Nguyen" userId="f59fb8f3-a021-417a-8bc1-65c8d471c621" providerId="ADAL" clId="{AA9102B5-DACA-D841-B260-AEEBF90FC60A}" dt="2020-01-05T22:05:52.231" v="26" actId="2696"/>
+        <pc:sldMkLst>
+          <pc:docMk/>
+          <pc:sldMk cId="2097059918" sldId="313"/>
+        </pc:sldMkLst>
+      </pc:sldChg>
+      <pc:sldChg chg="modSp">
+        <pc:chgData name="Long B Nguyen" userId="f59fb8f3-a021-417a-8bc1-65c8d471c621" providerId="ADAL" clId="{AA9102B5-DACA-D841-B260-AEEBF90FC60A}" dt="2020-01-06T15:37:30.346" v="948" actId="20577"/>
+        <pc:sldMkLst>
+          <pc:docMk/>
+          <pc:sldMk cId="1452600724" sldId="316"/>
+        </pc:sldMkLst>
+        <pc:spChg chg="mod">
+          <ac:chgData name="Long B Nguyen" userId="f59fb8f3-a021-417a-8bc1-65c8d471c621" providerId="ADAL" clId="{AA9102B5-DACA-D841-B260-AEEBF90FC60A}" dt="2020-01-06T15:37:30.346" v="948" actId="20577"/>
+          <ac:spMkLst>
+            <pc:docMk/>
+            <pc:sldMk cId="1452600724" sldId="316"/>
+            <ac:spMk id="9" creationId="{E3B2E017-30B2-884B-A113-B419A2ED51AD}"/>
+          </ac:spMkLst>
+        </pc:spChg>
+      </pc:sldChg>
+      <pc:sldChg chg="del">
+        <pc:chgData name="Long B Nguyen" userId="f59fb8f3-a021-417a-8bc1-65c8d471c621" providerId="ADAL" clId="{AA9102B5-DACA-D841-B260-AEEBF90FC60A}" dt="2020-01-06T15:03:11.354" v="848" actId="2696"/>
+        <pc:sldMkLst>
+          <pc:docMk/>
+          <pc:sldMk cId="1787114790" sldId="317"/>
+        </pc:sldMkLst>
+      </pc:sldChg>
+      <pc:sldChg chg="del">
+        <pc:chgData name="Long B Nguyen" userId="f59fb8f3-a021-417a-8bc1-65c8d471c621" providerId="ADAL" clId="{AA9102B5-DACA-D841-B260-AEEBF90FC60A}" dt="2020-01-05T22:06:12.101" v="42" actId="2696"/>
+        <pc:sldMkLst>
+          <pc:docMk/>
+          <pc:sldMk cId="1215229427" sldId="318"/>
+        </pc:sldMkLst>
+      </pc:sldChg>
+      <pc:sldChg chg="modSp">
+        <pc:chgData name="Long B Nguyen" userId="f59fb8f3-a021-417a-8bc1-65c8d471c621" providerId="ADAL" clId="{AA9102B5-DACA-D841-B260-AEEBF90FC60A}" dt="2020-01-06T01:48:03.413" v="110" actId="20577"/>
+        <pc:sldMkLst>
+          <pc:docMk/>
+          <pc:sldMk cId="924617162" sldId="319"/>
+        </pc:sldMkLst>
+        <pc:spChg chg="mod">
+          <ac:chgData name="Long B Nguyen" userId="f59fb8f3-a021-417a-8bc1-65c8d471c621" providerId="ADAL" clId="{AA9102B5-DACA-D841-B260-AEEBF90FC60A}" dt="2020-01-06T01:48:03.413" v="110" actId="20577"/>
+          <ac:spMkLst>
+            <pc:docMk/>
+            <pc:sldMk cId="924617162" sldId="319"/>
+            <ac:spMk id="9" creationId="{E3B2E017-30B2-884B-A113-B419A2ED51AD}"/>
+          </ac:spMkLst>
+        </pc:spChg>
+      </pc:sldChg>
+      <pc:sldChg chg="modSp">
+        <pc:chgData name="Long B Nguyen" userId="f59fb8f3-a021-417a-8bc1-65c8d471c621" providerId="ADAL" clId="{AA9102B5-DACA-D841-B260-AEEBF90FC60A}" dt="2020-01-06T01:56:11.549" v="712" actId="1076"/>
+        <pc:sldMkLst>
+          <pc:docMk/>
+          <pc:sldMk cId="1310010799" sldId="324"/>
+        </pc:sldMkLst>
+        <pc:spChg chg="mod">
+          <ac:chgData name="Long B Nguyen" userId="f59fb8f3-a021-417a-8bc1-65c8d471c621" providerId="ADAL" clId="{AA9102B5-DACA-D841-B260-AEEBF90FC60A}" dt="2020-01-06T01:56:11.549" v="712" actId="1076"/>
+          <ac:spMkLst>
+            <pc:docMk/>
+            <pc:sldMk cId="1310010799" sldId="324"/>
+            <ac:spMk id="9" creationId="{E3B2E017-30B2-884B-A113-B419A2ED51AD}"/>
+          </ac:spMkLst>
+        </pc:spChg>
+      </pc:sldChg>
+      <pc:sldChg chg="modSp">
+        <pc:chgData name="Long B Nguyen" userId="f59fb8f3-a021-417a-8bc1-65c8d471c621" providerId="ADAL" clId="{AA9102B5-DACA-D841-B260-AEEBF90FC60A}" dt="2020-01-06T15:35:11.658" v="853" actId="20577"/>
+        <pc:sldMkLst>
+          <pc:docMk/>
+          <pc:sldMk cId="3314372952" sldId="325"/>
+        </pc:sldMkLst>
+        <pc:spChg chg="mod">
+          <ac:chgData name="Long B Nguyen" userId="f59fb8f3-a021-417a-8bc1-65c8d471c621" providerId="ADAL" clId="{AA9102B5-DACA-D841-B260-AEEBF90FC60A}" dt="2020-01-06T15:35:11.658" v="853" actId="20577"/>
+          <ac:spMkLst>
+            <pc:docMk/>
+            <pc:sldMk cId="3314372952" sldId="325"/>
+            <ac:spMk id="2" creationId="{AA3A228F-61D0-D949-A5E7-F83756230BF8}"/>
+          </ac:spMkLst>
+        </pc:spChg>
+        <pc:spChg chg="mod">
+          <ac:chgData name="Long B Nguyen" userId="f59fb8f3-a021-417a-8bc1-65c8d471c621" providerId="ADAL" clId="{AA9102B5-DACA-D841-B260-AEEBF90FC60A}" dt="2020-01-06T15:02:45.351" v="846" actId="20577"/>
+          <ac:spMkLst>
+            <pc:docMk/>
+            <pc:sldMk cId="3314372952" sldId="325"/>
+            <ac:spMk id="9" creationId="{E3B2E017-30B2-884B-A113-B419A2ED51AD}"/>
+          </ac:spMkLst>
+        </pc:spChg>
+      </pc:sldChg>
+      <pc:sldChg chg="del">
+        <pc:chgData name="Long B Nguyen" userId="f59fb8f3-a021-417a-8bc1-65c8d471c621" providerId="ADAL" clId="{AA9102B5-DACA-D841-B260-AEEBF90FC60A}" dt="2020-01-06T15:03:07.580" v="847" actId="2696"/>
+        <pc:sldMkLst>
+          <pc:docMk/>
+          <pc:sldMk cId="3117943122" sldId="326"/>
+        </pc:sldMkLst>
+      </pc:sldChg>
+      <pc:sldChg chg="del">
+        <pc:chgData name="Long B Nguyen" userId="f59fb8f3-a021-417a-8bc1-65c8d471c621" providerId="ADAL" clId="{AA9102B5-DACA-D841-B260-AEEBF90FC60A}" dt="2020-01-06T01:49:27.456" v="111" actId="2696"/>
+        <pc:sldMkLst>
+          <pc:docMk/>
+          <pc:sldMk cId="1025618360" sldId="327"/>
+        </pc:sldMkLst>
+      </pc:sldChg>
+      <pc:sldChg chg="modSp add">
+        <pc:chgData name="Long B Nguyen" userId="f59fb8f3-a021-417a-8bc1-65c8d471c621" providerId="ADAL" clId="{AA9102B5-DACA-D841-B260-AEEBF90FC60A}" dt="2020-01-06T15:00:48.763" v="818" actId="113"/>
+        <pc:sldMkLst>
+          <pc:docMk/>
+          <pc:sldMk cId="1724104636" sldId="327"/>
+        </pc:sldMkLst>
+        <pc:spChg chg="mod">
+          <ac:chgData name="Long B Nguyen" userId="f59fb8f3-a021-417a-8bc1-65c8d471c621" providerId="ADAL" clId="{AA9102B5-DACA-D841-B260-AEEBF90FC60A}" dt="2020-01-06T15:00:48.763" v="818" actId="113"/>
+          <ac:spMkLst>
+            <pc:docMk/>
+            <pc:sldMk cId="1724104636" sldId="327"/>
+            <ac:spMk id="9" creationId="{E3B2E017-30B2-884B-A113-B419A2ED51AD}"/>
+          </ac:spMkLst>
+        </pc:spChg>
+      </pc:sldChg>
+      <pc:sldChg chg="modSp">
+        <pc:chgData name="Long B Nguyen" userId="f59fb8f3-a021-417a-8bc1-65c8d471c621" providerId="ADAL" clId="{AA9102B5-DACA-D841-B260-AEEBF90FC60A}" dt="2020-01-06T01:55:34.369" v="708" actId="20577"/>
+        <pc:sldMkLst>
+          <pc:docMk/>
+          <pc:sldMk cId="4294143140" sldId="329"/>
+        </pc:sldMkLst>
+        <pc:spChg chg="mod">
+          <ac:chgData name="Long B Nguyen" userId="f59fb8f3-a021-417a-8bc1-65c8d471c621" providerId="ADAL" clId="{AA9102B5-DACA-D841-B260-AEEBF90FC60A}" dt="2020-01-06T01:55:34.369" v="708" actId="20577"/>
+          <ac:spMkLst>
+            <pc:docMk/>
+            <pc:sldMk cId="4294143140" sldId="329"/>
+            <ac:spMk id="9" creationId="{E3B2E017-30B2-884B-A113-B419A2ED51AD}"/>
+          </ac:spMkLst>
+        </pc:spChg>
+      </pc:sldChg>
+      <pc:sldChg chg="modSp add">
+        <pc:chgData name="Long B Nguyen" userId="f59fb8f3-a021-417a-8bc1-65c8d471c621" providerId="ADAL" clId="{AA9102B5-DACA-D841-B260-AEEBF90FC60A}" dt="2020-01-06T15:01:01.638" v="819" actId="2711"/>
+        <pc:sldMkLst>
+          <pc:docMk/>
+          <pc:sldMk cId="3594730708" sldId="330"/>
+        </pc:sldMkLst>
+        <pc:spChg chg="mod">
+          <ac:chgData name="Long B Nguyen" userId="f59fb8f3-a021-417a-8bc1-65c8d471c621" providerId="ADAL" clId="{AA9102B5-DACA-D841-B260-AEEBF90FC60A}" dt="2020-01-06T15:01:01.638" v="819" actId="2711"/>
+          <ac:spMkLst>
+            <pc:docMk/>
+            <pc:sldMk cId="3594730708" sldId="330"/>
+            <ac:spMk id="9" creationId="{E3B2E017-30B2-884B-A113-B419A2ED51AD}"/>
+          </ac:spMkLst>
+        </pc:spChg>
+      </pc:sldChg>
+      <pc:sldChg chg="modSp add">
+        <pc:chgData name="Long B Nguyen" userId="f59fb8f3-a021-417a-8bc1-65c8d471c621" providerId="ADAL" clId="{AA9102B5-DACA-D841-B260-AEEBF90FC60A}" dt="2020-01-06T02:00:17.493" v="815" actId="255"/>
+        <pc:sldMkLst>
+          <pc:docMk/>
+          <pc:sldMk cId="3870816631" sldId="331"/>
+        </pc:sldMkLst>
+        <pc:spChg chg="mod">
+          <ac:chgData name="Long B Nguyen" userId="f59fb8f3-a021-417a-8bc1-65c8d471c621" providerId="ADAL" clId="{AA9102B5-DACA-D841-B260-AEEBF90FC60A}" dt="2020-01-06T02:00:17.493" v="815" actId="255"/>
+          <ac:spMkLst>
+            <pc:docMk/>
+            <pc:sldMk cId="3870816631" sldId="331"/>
+            <ac:spMk id="9" creationId="{E3B2E017-30B2-884B-A113-B419A2ED51AD}"/>
+          </ac:spMkLst>
+        </pc:spChg>
+      </pc:sldChg>
+      <pc:sldChg chg="modSp add">
+        <pc:chgData name="Long B Nguyen" userId="f59fb8f3-a021-417a-8bc1-65c8d471c621" providerId="ADAL" clId="{AA9102B5-DACA-D841-B260-AEEBF90FC60A}" dt="2020-01-06T17:07:10.515" v="1519" actId="2711"/>
+        <pc:sldMkLst>
+          <pc:docMk/>
+          <pc:sldMk cId="3124353102" sldId="332"/>
+        </pc:sldMkLst>
+        <pc:spChg chg="mod">
+          <ac:chgData name="Long B Nguyen" userId="f59fb8f3-a021-417a-8bc1-65c8d471c621" providerId="ADAL" clId="{AA9102B5-DACA-D841-B260-AEEBF90FC60A}" dt="2020-01-06T17:03:36.721" v="1332" actId="20577"/>
+          <ac:spMkLst>
+            <pc:docMk/>
+            <pc:sldMk cId="3124353102" sldId="332"/>
+            <ac:spMk id="2" creationId="{AA3A228F-61D0-D949-A5E7-F83756230BF8}"/>
+          </ac:spMkLst>
+        </pc:spChg>
+        <pc:spChg chg="mod">
+          <ac:chgData name="Long B Nguyen" userId="f59fb8f3-a021-417a-8bc1-65c8d471c621" providerId="ADAL" clId="{AA9102B5-DACA-D841-B260-AEEBF90FC60A}" dt="2020-01-06T17:07:10.515" v="1519" actId="2711"/>
+          <ac:spMkLst>
+            <pc:docMk/>
+            <pc:sldMk cId="3124353102" sldId="332"/>
+            <ac:spMk id="9" creationId="{E3B2E017-30B2-884B-A113-B419A2ED51AD}"/>
+          </ac:spMkLst>
+        </pc:spChg>
+      </pc:sldChg>
+    </pc:docChg>
+  </pc:docChgLst>
+  <pc:docChgLst>
+    <pc:chgData name="Long B Nguyen" userId="f59fb8f3-a021-417a-8bc1-65c8d471c621" providerId="ADAL" clId="{B5860C40-AA08-4447-A918-2D2782E0FC0B}"/>
+    <pc:docChg chg="delSld modSld">
+      <pc:chgData name="Long B Nguyen" userId="f59fb8f3-a021-417a-8bc1-65c8d471c621" providerId="ADAL" clId="{B5860C40-AA08-4447-A918-2D2782E0FC0B}" dt="2019-09-16T13:59:20.091" v="35" actId="2696"/>
+      <pc:docMkLst>
+        <pc:docMk/>
+      </pc:docMkLst>
+      <pc:sldChg chg="modSp">
+        <pc:chgData name="Long B Nguyen" userId="f59fb8f3-a021-417a-8bc1-65c8d471c621" providerId="ADAL" clId="{B5860C40-AA08-4447-A918-2D2782E0FC0B}" dt="2019-09-16T13:58:36.640" v="18" actId="20577"/>
+        <pc:sldMkLst>
+          <pc:docMk/>
+          <pc:sldMk cId="4247104139" sldId="256"/>
+        </pc:sldMkLst>
+        <pc:spChg chg="mod">
+          <ac:chgData name="Long B Nguyen" userId="f59fb8f3-a021-417a-8bc1-65c8d471c621" providerId="ADAL" clId="{B5860C40-AA08-4447-A918-2D2782E0FC0B}" dt="2019-09-16T13:58:36.640" v="18" actId="20577"/>
+          <ac:spMkLst>
+            <pc:docMk/>
+            <pc:sldMk cId="4247104139" sldId="256"/>
+            <ac:spMk id="3" creationId="{1BDC47C8-6776-7B44-9CD4-95FC91452D62}"/>
           </ac:spMkLst>
         </pc:spChg>
       </pc:sldChg>
@@ -2114,1040 +3161,6 @@
       </pc:sldChg>
     </pc:docChg>
   </pc:docChgLst>
-  <pc:docChgLst>
-    <pc:chgData name="Long B Nguyen" userId="f59fb8f3-a021-417a-8bc1-65c8d471c621" providerId="ADAL" clId="{6AC26564-89E3-E046-BFB4-F80582D7E17B}"/>
-    <pc:docChg chg="custSel addSld delSld modSld">
-      <pc:chgData name="Long B Nguyen" userId="f59fb8f3-a021-417a-8bc1-65c8d471c621" providerId="ADAL" clId="{6AC26564-89E3-E046-BFB4-F80582D7E17B}" dt="2020-01-16T12:56:30.213" v="1179"/>
-      <pc:docMkLst>
-        <pc:docMk/>
-      </pc:docMkLst>
-      <pc:sldChg chg="modSp">
-        <pc:chgData name="Long B Nguyen" userId="f59fb8f3-a021-417a-8bc1-65c8d471c621" providerId="ADAL" clId="{6AC26564-89E3-E046-BFB4-F80582D7E17B}" dt="2020-01-13T13:44:20.464" v="85" actId="20577"/>
-        <pc:sldMkLst>
-          <pc:docMk/>
-          <pc:sldMk cId="4247104139" sldId="256"/>
-        </pc:sldMkLst>
-        <pc:spChg chg="mod">
-          <ac:chgData name="Long B Nguyen" userId="f59fb8f3-a021-417a-8bc1-65c8d471c621" providerId="ADAL" clId="{6AC26564-89E3-E046-BFB4-F80582D7E17B}" dt="2020-01-13T13:43:45.441" v="40" actId="20577"/>
-          <ac:spMkLst>
-            <pc:docMk/>
-            <pc:sldMk cId="4247104139" sldId="256"/>
-            <ac:spMk id="2" creationId="{6117A749-B1BA-E24B-8FB0-0604EF651FB3}"/>
-          </ac:spMkLst>
-        </pc:spChg>
-        <pc:spChg chg="mod">
-          <ac:chgData name="Long B Nguyen" userId="f59fb8f3-a021-417a-8bc1-65c8d471c621" providerId="ADAL" clId="{6AC26564-89E3-E046-BFB4-F80582D7E17B}" dt="2020-01-13T13:44:20.464" v="85" actId="20577"/>
-          <ac:spMkLst>
-            <pc:docMk/>
-            <pc:sldMk cId="4247104139" sldId="256"/>
-            <ac:spMk id="3" creationId="{1BDC47C8-6776-7B44-9CD4-95FC91452D62}"/>
-          </ac:spMkLst>
-        </pc:spChg>
-      </pc:sldChg>
-      <pc:sldChg chg="add del">
-        <pc:chgData name="Long B Nguyen" userId="f59fb8f3-a021-417a-8bc1-65c8d471c621" providerId="ADAL" clId="{6AC26564-89E3-E046-BFB4-F80582D7E17B}" dt="2020-01-13T13:46:54.924" v="89" actId="2696"/>
-        <pc:sldMkLst>
-          <pc:docMk/>
-          <pc:sldMk cId="2869331202" sldId="257"/>
-        </pc:sldMkLst>
-      </pc:sldChg>
-      <pc:sldChg chg="modSp add">
-        <pc:chgData name="Long B Nguyen" userId="f59fb8f3-a021-417a-8bc1-65c8d471c621" providerId="ADAL" clId="{6AC26564-89E3-E046-BFB4-F80582D7E17B}" dt="2020-01-13T13:52:43.079" v="100" actId="2711"/>
-        <pc:sldMkLst>
-          <pc:docMk/>
-          <pc:sldMk cId="1758448129" sldId="309"/>
-        </pc:sldMkLst>
-        <pc:spChg chg="mod">
-          <ac:chgData name="Long B Nguyen" userId="f59fb8f3-a021-417a-8bc1-65c8d471c621" providerId="ADAL" clId="{6AC26564-89E3-E046-BFB4-F80582D7E17B}" dt="2020-01-13T13:52:43.079" v="100" actId="2711"/>
-          <ac:spMkLst>
-            <pc:docMk/>
-            <pc:sldMk cId="1758448129" sldId="309"/>
-            <ac:spMk id="3" creationId="{4213F693-710A-A34B-8BA8-AF2EE315F4BD}"/>
-          </ac:spMkLst>
-        </pc:spChg>
-      </pc:sldChg>
-      <pc:sldChg chg="modSp add del">
-        <pc:chgData name="Long B Nguyen" userId="f59fb8f3-a021-417a-8bc1-65c8d471c621" providerId="ADAL" clId="{6AC26564-89E3-E046-BFB4-F80582D7E17B}" dt="2020-01-13T13:46:55.484" v="90" actId="2696"/>
-        <pc:sldMkLst>
-          <pc:docMk/>
-          <pc:sldMk cId="174202529" sldId="310"/>
-        </pc:sldMkLst>
-        <pc:spChg chg="mod">
-          <ac:chgData name="Long B Nguyen" userId="f59fb8f3-a021-417a-8bc1-65c8d471c621" providerId="ADAL" clId="{6AC26564-89E3-E046-BFB4-F80582D7E17B}" dt="2020-01-13T13:44:35.816" v="86" actId="20577"/>
-          <ac:spMkLst>
-            <pc:docMk/>
-            <pc:sldMk cId="174202529" sldId="310"/>
-            <ac:spMk id="18434" creationId="{72F3E48A-CDFA-CE46-B991-D35BF55EC8E6}"/>
-          </ac:spMkLst>
-        </pc:spChg>
-      </pc:sldChg>
-      <pc:sldChg chg="add del">
-        <pc:chgData name="Long B Nguyen" userId="f59fb8f3-a021-417a-8bc1-65c8d471c621" providerId="ADAL" clId="{6AC26564-89E3-E046-BFB4-F80582D7E17B}" dt="2020-01-13T13:46:56.092" v="91" actId="2696"/>
-        <pc:sldMkLst>
-          <pc:docMk/>
-          <pc:sldMk cId="1098579697" sldId="311"/>
-        </pc:sldMkLst>
-      </pc:sldChg>
-      <pc:sldChg chg="add del">
-        <pc:chgData name="Long B Nguyen" userId="f59fb8f3-a021-417a-8bc1-65c8d471c621" providerId="ADAL" clId="{6AC26564-89E3-E046-BFB4-F80582D7E17B}" dt="2020-01-13T13:46:56.810" v="92" actId="2696"/>
-        <pc:sldMkLst>
-          <pc:docMk/>
-          <pc:sldMk cId="585175195" sldId="312"/>
-        </pc:sldMkLst>
-      </pc:sldChg>
-      <pc:sldChg chg="modSp add modAnim">
-        <pc:chgData name="Long B Nguyen" userId="f59fb8f3-a021-417a-8bc1-65c8d471c621" providerId="ADAL" clId="{6AC26564-89E3-E046-BFB4-F80582D7E17B}" dt="2020-01-13T14:05:02.598" v="149" actId="20577"/>
-        <pc:sldMkLst>
-          <pc:docMk/>
-          <pc:sldMk cId="3947558204" sldId="313"/>
-        </pc:sldMkLst>
-        <pc:spChg chg="mod">
-          <ac:chgData name="Long B Nguyen" userId="f59fb8f3-a021-417a-8bc1-65c8d471c621" providerId="ADAL" clId="{6AC26564-89E3-E046-BFB4-F80582D7E17B}" dt="2020-01-13T14:05:02.598" v="149" actId="20577"/>
-          <ac:spMkLst>
-            <pc:docMk/>
-            <pc:sldMk cId="3947558204" sldId="313"/>
-            <ac:spMk id="3" creationId="{44A58473-3189-0C44-8A5E-E353CDFB3E5C}"/>
-          </ac:spMkLst>
-        </pc:spChg>
-      </pc:sldChg>
-      <pc:sldChg chg="modSp add modAnim">
-        <pc:chgData name="Long B Nguyen" userId="f59fb8f3-a021-417a-8bc1-65c8d471c621" providerId="ADAL" clId="{6AC26564-89E3-E046-BFB4-F80582D7E17B}" dt="2020-01-16T12:46:51.559" v="758" actId="255"/>
-        <pc:sldMkLst>
-          <pc:docMk/>
-          <pc:sldMk cId="2054265466" sldId="314"/>
-        </pc:sldMkLst>
-        <pc:spChg chg="mod">
-          <ac:chgData name="Long B Nguyen" userId="f59fb8f3-a021-417a-8bc1-65c8d471c621" providerId="ADAL" clId="{6AC26564-89E3-E046-BFB4-F80582D7E17B}" dt="2020-01-16T12:46:51.559" v="758" actId="255"/>
-          <ac:spMkLst>
-            <pc:docMk/>
-            <pc:sldMk cId="2054265466" sldId="314"/>
-            <ac:spMk id="3" creationId="{A2015382-9B7F-FE46-8251-9DC1E84F44FE}"/>
-          </ac:spMkLst>
-        </pc:spChg>
-      </pc:sldChg>
-      <pc:sldChg chg="modSp add modAnim">
-        <pc:chgData name="Long B Nguyen" userId="f59fb8f3-a021-417a-8bc1-65c8d471c621" providerId="ADAL" clId="{6AC26564-89E3-E046-BFB4-F80582D7E17B}" dt="2020-01-16T12:49:13.049" v="816" actId="255"/>
-        <pc:sldMkLst>
-          <pc:docMk/>
-          <pc:sldMk cId="917461937" sldId="315"/>
-        </pc:sldMkLst>
-        <pc:spChg chg="mod">
-          <ac:chgData name="Long B Nguyen" userId="f59fb8f3-a021-417a-8bc1-65c8d471c621" providerId="ADAL" clId="{6AC26564-89E3-E046-BFB4-F80582D7E17B}" dt="2020-01-16T12:49:13.049" v="816" actId="255"/>
-          <ac:spMkLst>
-            <pc:docMk/>
-            <pc:sldMk cId="917461937" sldId="315"/>
-            <ac:spMk id="3" creationId="{1749D47C-23C2-834A-9FE9-50A8E8BE40E7}"/>
-          </ac:spMkLst>
-        </pc:spChg>
-      </pc:sldChg>
-      <pc:sldChg chg="del">
-        <pc:chgData name="Long B Nguyen" userId="f59fb8f3-a021-417a-8bc1-65c8d471c621" providerId="ADAL" clId="{6AC26564-89E3-E046-BFB4-F80582D7E17B}" dt="2020-01-13T13:43:17.195" v="13" actId="2696"/>
-        <pc:sldMkLst>
-          <pc:docMk/>
-          <pc:sldMk cId="1452600724" sldId="316"/>
-        </pc:sldMkLst>
-      </pc:sldChg>
-      <pc:sldChg chg="modSp add modAnim">
-        <pc:chgData name="Long B Nguyen" userId="f59fb8f3-a021-417a-8bc1-65c8d471c621" providerId="ADAL" clId="{6AC26564-89E3-E046-BFB4-F80582D7E17B}" dt="2020-01-16T12:49:23.670" v="817" actId="255"/>
-        <pc:sldMkLst>
-          <pc:docMk/>
-          <pc:sldMk cId="3266234076" sldId="316"/>
-        </pc:sldMkLst>
-        <pc:spChg chg="mod">
-          <ac:chgData name="Long B Nguyen" userId="f59fb8f3-a021-417a-8bc1-65c8d471c621" providerId="ADAL" clId="{6AC26564-89E3-E046-BFB4-F80582D7E17B}" dt="2020-01-16T12:49:23.670" v="817" actId="255"/>
-          <ac:spMkLst>
-            <pc:docMk/>
-            <pc:sldMk cId="3266234076" sldId="316"/>
-            <ac:spMk id="3" creationId="{C1BB7D3F-3A2C-0E43-B723-6E892A40421F}"/>
-          </ac:spMkLst>
-        </pc:spChg>
-      </pc:sldChg>
-      <pc:sldChg chg="addSp delSp modSp add">
-        <pc:chgData name="Long B Nguyen" userId="f59fb8f3-a021-417a-8bc1-65c8d471c621" providerId="ADAL" clId="{6AC26564-89E3-E046-BFB4-F80582D7E17B}" dt="2020-01-16T12:48:56.620" v="814" actId="20577"/>
-        <pc:sldMkLst>
-          <pc:docMk/>
-          <pc:sldMk cId="2886319738" sldId="317"/>
-        </pc:sldMkLst>
-        <pc:spChg chg="mod">
-          <ac:chgData name="Long B Nguyen" userId="f59fb8f3-a021-417a-8bc1-65c8d471c621" providerId="ADAL" clId="{6AC26564-89E3-E046-BFB4-F80582D7E17B}" dt="2020-01-16T12:48:56.620" v="814" actId="20577"/>
-          <ac:spMkLst>
-            <pc:docMk/>
-            <pc:sldMk cId="2886319738" sldId="317"/>
-            <ac:spMk id="23553" creationId="{5E6C904F-B0D2-8542-BF56-4B43E4386E3D}"/>
-          </ac:spMkLst>
-        </pc:spChg>
-        <pc:picChg chg="add mod">
-          <ac:chgData name="Long B Nguyen" userId="f59fb8f3-a021-417a-8bc1-65c8d471c621" providerId="ADAL" clId="{6AC26564-89E3-E046-BFB4-F80582D7E17B}" dt="2020-01-16T12:47:30.817" v="764" actId="1076"/>
-          <ac:picMkLst>
-            <pc:docMk/>
-            <pc:sldMk cId="2886319738" sldId="317"/>
-            <ac:picMk id="2" creationId="{D5FC4C3C-5059-9845-989F-6DA2B906114F}"/>
-          </ac:picMkLst>
-        </pc:picChg>
-        <pc:picChg chg="del">
-          <ac:chgData name="Long B Nguyen" userId="f59fb8f3-a021-417a-8bc1-65c8d471c621" providerId="ADAL" clId="{6AC26564-89E3-E046-BFB4-F80582D7E17B}" dt="2020-01-16T12:47:24.975" v="761" actId="478"/>
-          <ac:picMkLst>
-            <pc:docMk/>
-            <pc:sldMk cId="2886319738" sldId="317"/>
-            <ac:picMk id="23555" creationId="{03C56796-055B-E94B-ACE3-C4CD06B2EB8A}"/>
-          </ac:picMkLst>
-        </pc:picChg>
-      </pc:sldChg>
-      <pc:sldChg chg="del">
-        <pc:chgData name="Long B Nguyen" userId="f59fb8f3-a021-417a-8bc1-65c8d471c621" providerId="ADAL" clId="{6AC26564-89E3-E046-BFB4-F80582D7E17B}" dt="2020-01-13T13:43:16.993" v="0" actId="2696"/>
-        <pc:sldMkLst>
-          <pc:docMk/>
-          <pc:sldMk cId="924617162" sldId="319"/>
-        </pc:sldMkLst>
-      </pc:sldChg>
-      <pc:sldChg chg="modSp add modAnim">
-        <pc:chgData name="Long B Nguyen" userId="f59fb8f3-a021-417a-8bc1-65c8d471c621" providerId="ADAL" clId="{6AC26564-89E3-E046-BFB4-F80582D7E17B}" dt="2020-01-16T12:52:51.863" v="1123"/>
-        <pc:sldMkLst>
-          <pc:docMk/>
-          <pc:sldMk cId="3906700287" sldId="319"/>
-        </pc:sldMkLst>
-        <pc:spChg chg="mod">
-          <ac:chgData name="Long B Nguyen" userId="f59fb8f3-a021-417a-8bc1-65c8d471c621" providerId="ADAL" clId="{6AC26564-89E3-E046-BFB4-F80582D7E17B}" dt="2020-01-16T12:52:41.941" v="1121" actId="20577"/>
-          <ac:spMkLst>
-            <pc:docMk/>
-            <pc:sldMk cId="3906700287" sldId="319"/>
-            <ac:spMk id="3" creationId="{6BAAF3A1-8774-5448-8A90-E12045B4D3F2}"/>
-          </ac:spMkLst>
-        </pc:spChg>
-        <pc:picChg chg="mod">
-          <ac:chgData name="Long B Nguyen" userId="f59fb8f3-a021-417a-8bc1-65c8d471c621" providerId="ADAL" clId="{6AC26564-89E3-E046-BFB4-F80582D7E17B}" dt="2020-01-16T12:52:39.412" v="1113" actId="1076"/>
-          <ac:picMkLst>
-            <pc:docMk/>
-            <pc:sldMk cId="3906700287" sldId="319"/>
-            <ac:picMk id="27653" creationId="{75F4E284-8B62-804D-956D-6A4F07E681AD}"/>
-          </ac:picMkLst>
-        </pc:picChg>
-      </pc:sldChg>
-      <pc:sldChg chg="modSp add modAnim">
-        <pc:chgData name="Long B Nguyen" userId="f59fb8f3-a021-417a-8bc1-65c8d471c621" providerId="ADAL" clId="{6AC26564-89E3-E046-BFB4-F80582D7E17B}" dt="2020-01-16T12:53:13.597" v="1127"/>
-        <pc:sldMkLst>
-          <pc:docMk/>
-          <pc:sldMk cId="1810541734" sldId="320"/>
-        </pc:sldMkLst>
-        <pc:spChg chg="mod">
-          <ac:chgData name="Long B Nguyen" userId="f59fb8f3-a021-417a-8bc1-65c8d471c621" providerId="ADAL" clId="{6AC26564-89E3-E046-BFB4-F80582D7E17B}" dt="2020-01-14T14:42:38.364" v="596" actId="20577"/>
-          <ac:spMkLst>
-            <pc:docMk/>
-            <pc:sldMk cId="1810541734" sldId="320"/>
-            <ac:spMk id="3" creationId="{D1CC84C1-64E3-8C44-A271-6413B01F1B9F}"/>
-          </ac:spMkLst>
-        </pc:spChg>
-      </pc:sldChg>
-      <pc:sldChg chg="del">
-        <pc:chgData name="Long B Nguyen" userId="f59fb8f3-a021-417a-8bc1-65c8d471c621" providerId="ADAL" clId="{6AC26564-89E3-E046-BFB4-F80582D7E17B}" dt="2020-01-13T13:43:17.009" v="1" actId="2696"/>
-        <pc:sldMkLst>
-          <pc:docMk/>
-          <pc:sldMk cId="3758830494" sldId="320"/>
-        </pc:sldMkLst>
-      </pc:sldChg>
-      <pc:sldChg chg="del">
-        <pc:chgData name="Long B Nguyen" userId="f59fb8f3-a021-417a-8bc1-65c8d471c621" providerId="ADAL" clId="{6AC26564-89E3-E046-BFB4-F80582D7E17B}" dt="2020-01-13T13:43:17.029" v="2" actId="2696"/>
-        <pc:sldMkLst>
-          <pc:docMk/>
-          <pc:sldMk cId="1022945305" sldId="321"/>
-        </pc:sldMkLst>
-      </pc:sldChg>
-      <pc:sldChg chg="add">
-        <pc:chgData name="Long B Nguyen" userId="f59fb8f3-a021-417a-8bc1-65c8d471c621" providerId="ADAL" clId="{6AC26564-89E3-E046-BFB4-F80582D7E17B}" dt="2020-01-13T13:43:29.420" v="22"/>
-        <pc:sldMkLst>
-          <pc:docMk/>
-          <pc:sldMk cId="1359731776" sldId="321"/>
-        </pc:sldMkLst>
-      </pc:sldChg>
-      <pc:sldChg chg="del">
-        <pc:chgData name="Long B Nguyen" userId="f59fb8f3-a021-417a-8bc1-65c8d471c621" providerId="ADAL" clId="{6AC26564-89E3-E046-BFB4-F80582D7E17B}" dt="2020-01-13T13:43:17.080" v="5" actId="2696"/>
-        <pc:sldMkLst>
-          <pc:docMk/>
-          <pc:sldMk cId="3456840474" sldId="322"/>
-        </pc:sldMkLst>
-      </pc:sldChg>
-      <pc:sldChg chg="add">
-        <pc:chgData name="Long B Nguyen" userId="f59fb8f3-a021-417a-8bc1-65c8d471c621" providerId="ADAL" clId="{6AC26564-89E3-E046-BFB4-F80582D7E17B}" dt="2020-01-13T13:43:29.420" v="22"/>
-        <pc:sldMkLst>
-          <pc:docMk/>
-          <pc:sldMk cId="3651577480" sldId="322"/>
-        </pc:sldMkLst>
-      </pc:sldChg>
-      <pc:sldChg chg="del">
-        <pc:chgData name="Long B Nguyen" userId="f59fb8f3-a021-417a-8bc1-65c8d471c621" providerId="ADAL" clId="{6AC26564-89E3-E046-BFB4-F80582D7E17B}" dt="2020-01-13T13:43:17.097" v="6" actId="2696"/>
-        <pc:sldMkLst>
-          <pc:docMk/>
-          <pc:sldMk cId="1062075874" sldId="323"/>
-        </pc:sldMkLst>
-      </pc:sldChg>
-      <pc:sldChg chg="add">
-        <pc:chgData name="Long B Nguyen" userId="f59fb8f3-a021-417a-8bc1-65c8d471c621" providerId="ADAL" clId="{6AC26564-89E3-E046-BFB4-F80582D7E17B}" dt="2020-01-13T13:43:29.420" v="22"/>
-        <pc:sldMkLst>
-          <pc:docMk/>
-          <pc:sldMk cId="1496564367" sldId="323"/>
-        </pc:sldMkLst>
-      </pc:sldChg>
-      <pc:sldChg chg="add del">
-        <pc:chgData name="Long B Nguyen" userId="f59fb8f3-a021-417a-8bc1-65c8d471c621" providerId="ADAL" clId="{6AC26564-89E3-E046-BFB4-F80582D7E17B}" dt="2020-01-13T13:49:58.463" v="94" actId="2696"/>
-        <pc:sldMkLst>
-          <pc:docMk/>
-          <pc:sldMk cId="771866096" sldId="324"/>
-        </pc:sldMkLst>
-      </pc:sldChg>
-      <pc:sldChg chg="del">
-        <pc:chgData name="Long B Nguyen" userId="f59fb8f3-a021-417a-8bc1-65c8d471c621" providerId="ADAL" clId="{6AC26564-89E3-E046-BFB4-F80582D7E17B}" dt="2020-01-13T13:43:17.152" v="9" actId="2696"/>
-        <pc:sldMkLst>
-          <pc:docMk/>
-          <pc:sldMk cId="1310010799" sldId="324"/>
-        </pc:sldMkLst>
-      </pc:sldChg>
-      <pc:sldChg chg="add del">
-        <pc:chgData name="Long B Nguyen" userId="f59fb8f3-a021-417a-8bc1-65c8d471c621" providerId="ADAL" clId="{6AC26564-89E3-E046-BFB4-F80582D7E17B}" dt="2020-01-13T13:46:07.690" v="87" actId="2696"/>
-        <pc:sldMkLst>
-          <pc:docMk/>
-          <pc:sldMk cId="3999804732" sldId="324"/>
-        </pc:sldMkLst>
-      </pc:sldChg>
-      <pc:sldChg chg="add">
-        <pc:chgData name="Long B Nguyen" userId="f59fb8f3-a021-417a-8bc1-65c8d471c621" providerId="ADAL" clId="{6AC26564-89E3-E046-BFB4-F80582D7E17B}" dt="2020-01-13T13:43:29.420" v="22"/>
-        <pc:sldMkLst>
-          <pc:docMk/>
-          <pc:sldMk cId="1025355635" sldId="325"/>
-        </pc:sldMkLst>
-      </pc:sldChg>
-      <pc:sldChg chg="del">
-        <pc:chgData name="Long B Nguyen" userId="f59fb8f3-a021-417a-8bc1-65c8d471c621" providerId="ADAL" clId="{6AC26564-89E3-E046-BFB4-F80582D7E17B}" dt="2020-01-13T13:43:17.177" v="11" actId="2696"/>
-        <pc:sldMkLst>
-          <pc:docMk/>
-          <pc:sldMk cId="3314372952" sldId="325"/>
-        </pc:sldMkLst>
-      </pc:sldChg>
-      <pc:sldChg chg="del">
-        <pc:chgData name="Long B Nguyen" userId="f59fb8f3-a021-417a-8bc1-65c8d471c621" providerId="ADAL" clId="{6AC26564-89E3-E046-BFB4-F80582D7E17B}" dt="2020-01-13T13:43:17.116" v="7" actId="2696"/>
-        <pc:sldMkLst>
-          <pc:docMk/>
-          <pc:sldMk cId="1724104636" sldId="327"/>
-        </pc:sldMkLst>
-      </pc:sldChg>
-      <pc:sldChg chg="modSp add">
-        <pc:chgData name="Long B Nguyen" userId="f59fb8f3-a021-417a-8bc1-65c8d471c621" providerId="ADAL" clId="{6AC26564-89E3-E046-BFB4-F80582D7E17B}" dt="2020-01-16T12:53:51.150" v="1128" actId="1076"/>
-        <pc:sldMkLst>
-          <pc:docMk/>
-          <pc:sldMk cId="4174920299" sldId="327"/>
-        </pc:sldMkLst>
-        <pc:spChg chg="mod">
-          <ac:chgData name="Long B Nguyen" userId="f59fb8f3-a021-417a-8bc1-65c8d471c621" providerId="ADAL" clId="{6AC26564-89E3-E046-BFB4-F80582D7E17B}" dt="2020-01-16T12:53:51.150" v="1128" actId="1076"/>
-          <ac:spMkLst>
-            <pc:docMk/>
-            <pc:sldMk cId="4174920299" sldId="327"/>
-            <ac:spMk id="35842" creationId="{0B0C4E89-D419-8343-A309-ADA122397E36}"/>
-          </ac:spMkLst>
-        </pc:spChg>
-      </pc:sldChg>
-      <pc:sldChg chg="add">
-        <pc:chgData name="Long B Nguyen" userId="f59fb8f3-a021-417a-8bc1-65c8d471c621" providerId="ADAL" clId="{6AC26564-89E3-E046-BFB4-F80582D7E17B}" dt="2020-01-13T13:43:29.420" v="22"/>
-        <pc:sldMkLst>
-          <pc:docMk/>
-          <pc:sldMk cId="2756462650" sldId="328"/>
-        </pc:sldMkLst>
-      </pc:sldChg>
-      <pc:sldChg chg="del">
-        <pc:chgData name="Long B Nguyen" userId="f59fb8f3-a021-417a-8bc1-65c8d471c621" providerId="ADAL" clId="{6AC26564-89E3-E046-BFB4-F80582D7E17B}" dt="2020-01-13T13:43:17.045" v="3" actId="2696"/>
-        <pc:sldMkLst>
-          <pc:docMk/>
-          <pc:sldMk cId="3894299887" sldId="328"/>
-        </pc:sldMkLst>
-      </pc:sldChg>
-      <pc:sldChg chg="addSp modSp add modAnim">
-        <pc:chgData name="Long B Nguyen" userId="f59fb8f3-a021-417a-8bc1-65c8d471c621" providerId="ADAL" clId="{6AC26564-89E3-E046-BFB4-F80582D7E17B}" dt="2020-01-16T12:55:13.445" v="1133"/>
-        <pc:sldMkLst>
-          <pc:docMk/>
-          <pc:sldMk cId="3080714931" sldId="329"/>
-        </pc:sldMkLst>
-        <pc:spChg chg="mod">
-          <ac:chgData name="Long B Nguyen" userId="f59fb8f3-a021-417a-8bc1-65c8d471c621" providerId="ADAL" clId="{6AC26564-89E3-E046-BFB4-F80582D7E17B}" dt="2020-01-13T14:12:06.301" v="356" actId="14100"/>
-          <ac:spMkLst>
-            <pc:docMk/>
-            <pc:sldMk cId="3080714931" sldId="329"/>
-            <ac:spMk id="3" creationId="{BB8CCA41-667F-A84D-B02D-127C2C6A9C6F}"/>
-          </ac:spMkLst>
-        </pc:spChg>
-        <pc:spChg chg="add mod">
-          <ac:chgData name="Long B Nguyen" userId="f59fb8f3-a021-417a-8bc1-65c8d471c621" providerId="ADAL" clId="{6AC26564-89E3-E046-BFB4-F80582D7E17B}" dt="2020-01-13T14:12:01.184" v="353" actId="1076"/>
-          <ac:spMkLst>
-            <pc:docMk/>
-            <pc:sldMk cId="3080714931" sldId="329"/>
-            <ac:spMk id="6" creationId="{0C12779A-B12E-0448-BF0F-7347D8303363}"/>
-          </ac:spMkLst>
-        </pc:spChg>
-        <pc:spChg chg="add mod">
-          <ac:chgData name="Long B Nguyen" userId="f59fb8f3-a021-417a-8bc1-65c8d471c621" providerId="ADAL" clId="{6AC26564-89E3-E046-BFB4-F80582D7E17B}" dt="2020-01-13T14:12:14.884" v="363" actId="20577"/>
-          <ac:spMkLst>
-            <pc:docMk/>
-            <pc:sldMk cId="3080714931" sldId="329"/>
-            <ac:spMk id="11" creationId="{9C89A8C8-352A-8644-A4A5-084EFF78A7D2}"/>
-          </ac:spMkLst>
-        </pc:spChg>
-        <pc:cxnChg chg="add mod">
-          <ac:chgData name="Long B Nguyen" userId="f59fb8f3-a021-417a-8bc1-65c8d471c621" providerId="ADAL" clId="{6AC26564-89E3-E046-BFB4-F80582D7E17B}" dt="2020-01-13T14:11:39.483" v="341" actId="692"/>
-          <ac:cxnSpMkLst>
-            <pc:docMk/>
-            <pc:sldMk cId="3080714931" sldId="329"/>
-            <ac:cxnSpMk id="4" creationId="{F95E1657-42A9-DC49-AFC7-6462A6CBC043}"/>
-          </ac:cxnSpMkLst>
-        </pc:cxnChg>
-        <pc:cxnChg chg="add mod">
-          <ac:chgData name="Long B Nguyen" userId="f59fb8f3-a021-417a-8bc1-65c8d471c621" providerId="ADAL" clId="{6AC26564-89E3-E046-BFB4-F80582D7E17B}" dt="2020-01-13T14:12:22.399" v="366" actId="1076"/>
-          <ac:cxnSpMkLst>
-            <pc:docMk/>
-            <pc:sldMk cId="3080714931" sldId="329"/>
-            <ac:cxnSpMk id="10" creationId="{ABDF95F1-7709-2B48-B322-0972E58D26B3}"/>
-          </ac:cxnSpMkLst>
-        </pc:cxnChg>
-      </pc:sldChg>
-      <pc:sldChg chg="del">
-        <pc:chgData name="Long B Nguyen" userId="f59fb8f3-a021-417a-8bc1-65c8d471c621" providerId="ADAL" clId="{6AC26564-89E3-E046-BFB4-F80582D7E17B}" dt="2020-01-13T13:43:17.064" v="4" actId="2696"/>
-        <pc:sldMkLst>
-          <pc:docMk/>
-          <pc:sldMk cId="4294143140" sldId="329"/>
-        </pc:sldMkLst>
-      </pc:sldChg>
-      <pc:sldChg chg="modSp add">
-        <pc:chgData name="Long B Nguyen" userId="f59fb8f3-a021-417a-8bc1-65c8d471c621" providerId="ADAL" clId="{6AC26564-89E3-E046-BFB4-F80582D7E17B}" dt="2020-01-16T12:55:29.239" v="1161" actId="20577"/>
-        <pc:sldMkLst>
-          <pc:docMk/>
-          <pc:sldMk cId="532184546" sldId="330"/>
-        </pc:sldMkLst>
-        <pc:spChg chg="mod">
-          <ac:chgData name="Long B Nguyen" userId="f59fb8f3-a021-417a-8bc1-65c8d471c621" providerId="ADAL" clId="{6AC26564-89E3-E046-BFB4-F80582D7E17B}" dt="2020-01-16T12:55:29.239" v="1161" actId="20577"/>
-          <ac:spMkLst>
-            <pc:docMk/>
-            <pc:sldMk cId="532184546" sldId="330"/>
-            <ac:spMk id="39937" creationId="{8C524C6D-7080-AE45-B989-CF5B895D67C8}"/>
-          </ac:spMkLst>
-        </pc:spChg>
-      </pc:sldChg>
-      <pc:sldChg chg="del">
-        <pc:chgData name="Long B Nguyen" userId="f59fb8f3-a021-417a-8bc1-65c8d471c621" providerId="ADAL" clId="{6AC26564-89E3-E046-BFB4-F80582D7E17B}" dt="2020-01-13T13:43:17.136" v="8" actId="2696"/>
-        <pc:sldMkLst>
-          <pc:docMk/>
-          <pc:sldMk cId="3594730708" sldId="330"/>
-        </pc:sldMkLst>
-      </pc:sldChg>
-      <pc:sldChg chg="modSp add">
-        <pc:chgData name="Long B Nguyen" userId="f59fb8f3-a021-417a-8bc1-65c8d471c621" providerId="ADAL" clId="{6AC26564-89E3-E046-BFB4-F80582D7E17B}" dt="2020-01-16T12:55:34.788" v="1174" actId="20577"/>
-        <pc:sldMkLst>
-          <pc:docMk/>
-          <pc:sldMk cId="3264629021" sldId="331"/>
-        </pc:sldMkLst>
-        <pc:spChg chg="mod">
-          <ac:chgData name="Long B Nguyen" userId="f59fb8f3-a021-417a-8bc1-65c8d471c621" providerId="ADAL" clId="{6AC26564-89E3-E046-BFB4-F80582D7E17B}" dt="2020-01-16T12:55:34.788" v="1174" actId="20577"/>
-          <ac:spMkLst>
-            <pc:docMk/>
-            <pc:sldMk cId="3264629021" sldId="331"/>
-            <ac:spMk id="40961" creationId="{296F68FC-4103-DB4E-A72A-65C1FF52FEE9}"/>
-          </ac:spMkLst>
-        </pc:spChg>
-      </pc:sldChg>
-      <pc:sldChg chg="del">
-        <pc:chgData name="Long B Nguyen" userId="f59fb8f3-a021-417a-8bc1-65c8d471c621" providerId="ADAL" clId="{6AC26564-89E3-E046-BFB4-F80582D7E17B}" dt="2020-01-13T13:43:17.188" v="12" actId="2696"/>
-        <pc:sldMkLst>
-          <pc:docMk/>
-          <pc:sldMk cId="3870816631" sldId="331"/>
-        </pc:sldMkLst>
-      </pc:sldChg>
-      <pc:sldChg chg="del">
-        <pc:chgData name="Long B Nguyen" userId="f59fb8f3-a021-417a-8bc1-65c8d471c621" providerId="ADAL" clId="{6AC26564-89E3-E046-BFB4-F80582D7E17B}" dt="2020-01-13T13:43:17.163" v="10" actId="2696"/>
-        <pc:sldMkLst>
-          <pc:docMk/>
-          <pc:sldMk cId="3124353102" sldId="332"/>
-        </pc:sldMkLst>
-      </pc:sldChg>
-      <pc:sldChg chg="modSp add">
-        <pc:chgData name="Long B Nguyen" userId="f59fb8f3-a021-417a-8bc1-65c8d471c621" providerId="ADAL" clId="{6AC26564-89E3-E046-BFB4-F80582D7E17B}" dt="2020-01-13T14:18:10.052" v="509" actId="20577"/>
-        <pc:sldMkLst>
-          <pc:docMk/>
-          <pc:sldMk cId="4022722016" sldId="332"/>
-        </pc:sldMkLst>
-        <pc:spChg chg="mod">
-          <ac:chgData name="Long B Nguyen" userId="f59fb8f3-a021-417a-8bc1-65c8d471c621" providerId="ADAL" clId="{6AC26564-89E3-E046-BFB4-F80582D7E17B}" dt="2020-01-13T14:18:10.052" v="509" actId="20577"/>
-          <ac:spMkLst>
-            <pc:docMk/>
-            <pc:sldMk cId="4022722016" sldId="332"/>
-            <ac:spMk id="44034" creationId="{0EF23BEA-EF32-984F-8450-57FC941452FE}"/>
-          </ac:spMkLst>
-        </pc:spChg>
-      </pc:sldChg>
-      <pc:sldChg chg="add">
-        <pc:chgData name="Long B Nguyen" userId="f59fb8f3-a021-417a-8bc1-65c8d471c621" providerId="ADAL" clId="{6AC26564-89E3-E046-BFB4-F80582D7E17B}" dt="2020-01-13T13:43:29.420" v="22"/>
-        <pc:sldMkLst>
-          <pc:docMk/>
-          <pc:sldMk cId="1710208723" sldId="333"/>
-        </pc:sldMkLst>
-      </pc:sldChg>
-      <pc:sldChg chg="add">
-        <pc:chgData name="Long B Nguyen" userId="f59fb8f3-a021-417a-8bc1-65c8d471c621" providerId="ADAL" clId="{6AC26564-89E3-E046-BFB4-F80582D7E17B}" dt="2020-01-13T13:43:29.420" v="22"/>
-        <pc:sldMkLst>
-          <pc:docMk/>
-          <pc:sldMk cId="3404583044" sldId="334"/>
-        </pc:sldMkLst>
-      </pc:sldChg>
-      <pc:sldChg chg="add">
-        <pc:chgData name="Long B Nguyen" userId="f59fb8f3-a021-417a-8bc1-65c8d471c621" providerId="ADAL" clId="{6AC26564-89E3-E046-BFB4-F80582D7E17B}" dt="2020-01-13T13:43:29.420" v="22"/>
-        <pc:sldMkLst>
-          <pc:docMk/>
-          <pc:sldMk cId="3866550465" sldId="335"/>
-        </pc:sldMkLst>
-      </pc:sldChg>
-      <pc:sldChg chg="add">
-        <pc:chgData name="Long B Nguyen" userId="f59fb8f3-a021-417a-8bc1-65c8d471c621" providerId="ADAL" clId="{6AC26564-89E3-E046-BFB4-F80582D7E17B}" dt="2020-01-13T13:43:29.420" v="22"/>
-        <pc:sldMkLst>
-          <pc:docMk/>
-          <pc:sldMk cId="3749436800" sldId="336"/>
-        </pc:sldMkLst>
-      </pc:sldChg>
-      <pc:sldChg chg="add">
-        <pc:chgData name="Long B Nguyen" userId="f59fb8f3-a021-417a-8bc1-65c8d471c621" providerId="ADAL" clId="{6AC26564-89E3-E046-BFB4-F80582D7E17B}" dt="2020-01-13T13:43:29.420" v="22"/>
-        <pc:sldMkLst>
-          <pc:docMk/>
-          <pc:sldMk cId="461704868" sldId="337"/>
-        </pc:sldMkLst>
-      </pc:sldChg>
-      <pc:sldChg chg="add modAnim">
-        <pc:chgData name="Long B Nguyen" userId="f59fb8f3-a021-417a-8bc1-65c8d471c621" providerId="ADAL" clId="{6AC26564-89E3-E046-BFB4-F80582D7E17B}" dt="2020-01-16T12:56:30.213" v="1179"/>
-        <pc:sldMkLst>
-          <pc:docMk/>
-          <pc:sldMk cId="545386500" sldId="338"/>
-        </pc:sldMkLst>
-      </pc:sldChg>
-      <pc:sldChg chg="add">
-        <pc:chgData name="Long B Nguyen" userId="f59fb8f3-a021-417a-8bc1-65c8d471c621" providerId="ADAL" clId="{6AC26564-89E3-E046-BFB4-F80582D7E17B}" dt="2020-01-13T13:43:29.420" v="22"/>
-        <pc:sldMkLst>
-          <pc:docMk/>
-          <pc:sldMk cId="1791361008" sldId="339"/>
-        </pc:sldMkLst>
-      </pc:sldChg>
-      <pc:sldChg chg="modSp add modAnim">
-        <pc:chgData name="Long B Nguyen" userId="f59fb8f3-a021-417a-8bc1-65c8d471c621" providerId="ADAL" clId="{6AC26564-89E3-E046-BFB4-F80582D7E17B}" dt="2020-01-16T12:56:22.622" v="1178"/>
-        <pc:sldMkLst>
-          <pc:docMk/>
-          <pc:sldMk cId="678299524" sldId="340"/>
-        </pc:sldMkLst>
-        <pc:spChg chg="mod">
-          <ac:chgData name="Long B Nguyen" userId="f59fb8f3-a021-417a-8bc1-65c8d471c621" providerId="ADAL" clId="{6AC26564-89E3-E046-BFB4-F80582D7E17B}" dt="2020-01-16T12:56:12.663" v="1177" actId="20577"/>
-          <ac:spMkLst>
-            <pc:docMk/>
-            <pc:sldMk cId="678299524" sldId="340"/>
-            <ac:spMk id="50178" creationId="{67FBFF4E-84BD-104A-B697-66B57B261691}"/>
-          </ac:spMkLst>
-        </pc:spChg>
-      </pc:sldChg>
-      <pc:sldChg chg="modSp add modAnim">
-        <pc:chgData name="Long B Nguyen" userId="f59fb8f3-a021-417a-8bc1-65c8d471c621" providerId="ADAL" clId="{6AC26564-89E3-E046-BFB4-F80582D7E17B}" dt="2020-01-13T14:19:32.433" v="590" actId="20577"/>
-        <pc:sldMkLst>
-          <pc:docMk/>
-          <pc:sldMk cId="225127645" sldId="341"/>
-        </pc:sldMkLst>
-        <pc:spChg chg="mod">
-          <ac:chgData name="Long B Nguyen" userId="f59fb8f3-a021-417a-8bc1-65c8d471c621" providerId="ADAL" clId="{6AC26564-89E3-E046-BFB4-F80582D7E17B}" dt="2020-01-13T14:19:32.433" v="590" actId="20577"/>
-          <ac:spMkLst>
-            <pc:docMk/>
-            <pc:sldMk cId="225127645" sldId="341"/>
-            <ac:spMk id="3" creationId="{C4B2C292-CF9B-CF4B-95A6-2A1828F1B32F}"/>
-          </ac:spMkLst>
-        </pc:spChg>
-      </pc:sldChg>
-      <pc:sldChg chg="add">
-        <pc:chgData name="Long B Nguyen" userId="f59fb8f3-a021-417a-8bc1-65c8d471c621" providerId="ADAL" clId="{6AC26564-89E3-E046-BFB4-F80582D7E17B}" dt="2020-01-13T13:43:29.420" v="22"/>
-        <pc:sldMkLst>
-          <pc:docMk/>
-          <pc:sldMk cId="2214326257" sldId="342"/>
-        </pc:sldMkLst>
-      </pc:sldChg>
-      <pc:sldChg chg="modSp add">
-        <pc:chgData name="Long B Nguyen" userId="f59fb8f3-a021-417a-8bc1-65c8d471c621" providerId="ADAL" clId="{6AC26564-89E3-E046-BFB4-F80582D7E17B}" dt="2020-01-14T14:43:22.774" v="624" actId="20577"/>
-        <pc:sldMkLst>
-          <pc:docMk/>
-          <pc:sldMk cId="1356056044" sldId="343"/>
-        </pc:sldMkLst>
-        <pc:spChg chg="mod">
-          <ac:chgData name="Long B Nguyen" userId="f59fb8f3-a021-417a-8bc1-65c8d471c621" providerId="ADAL" clId="{6AC26564-89E3-E046-BFB4-F80582D7E17B}" dt="2020-01-14T14:43:22.774" v="624" actId="20577"/>
-          <ac:spMkLst>
-            <pc:docMk/>
-            <pc:sldMk cId="1356056044" sldId="343"/>
-            <ac:spMk id="3" creationId="{BB84A3DF-3845-E44E-BE23-31EA988FAEBB}"/>
-          </ac:spMkLst>
-        </pc:spChg>
-      </pc:sldChg>
-      <pc:sldChg chg="modSp add">
-        <pc:chgData name="Long B Nguyen" userId="f59fb8f3-a021-417a-8bc1-65c8d471c621" providerId="ADAL" clId="{6AC26564-89E3-E046-BFB4-F80582D7E17B}" dt="2020-01-13T13:52:32.924" v="99" actId="2711"/>
-        <pc:sldMkLst>
-          <pc:docMk/>
-          <pc:sldMk cId="1270247652" sldId="344"/>
-        </pc:sldMkLst>
-        <pc:spChg chg="mod">
-          <ac:chgData name="Long B Nguyen" userId="f59fb8f3-a021-417a-8bc1-65c8d471c621" providerId="ADAL" clId="{6AC26564-89E3-E046-BFB4-F80582D7E17B}" dt="2020-01-13T13:52:32.924" v="99" actId="2711"/>
-          <ac:spMkLst>
-            <pc:docMk/>
-            <pc:sldMk cId="1270247652" sldId="344"/>
-            <ac:spMk id="55298" creationId="{4AA38F8C-E2AA-EA4D-A486-FA2F457B38F7}"/>
-          </ac:spMkLst>
-        </pc:spChg>
-      </pc:sldChg>
-      <pc:sldChg chg="modSp add modAnim">
-        <pc:chgData name="Long B Nguyen" userId="f59fb8f3-a021-417a-8bc1-65c8d471c621" providerId="ADAL" clId="{6AC26564-89E3-E046-BFB4-F80582D7E17B}" dt="2020-01-16T12:52:56.169" v="1124"/>
-        <pc:sldMkLst>
-          <pc:docMk/>
-          <pc:sldMk cId="902308803" sldId="345"/>
-        </pc:sldMkLst>
-        <pc:spChg chg="mod">
-          <ac:chgData name="Long B Nguyen" userId="f59fb8f3-a021-417a-8bc1-65c8d471c621" providerId="ADAL" clId="{6AC26564-89E3-E046-BFB4-F80582D7E17B}" dt="2020-01-16T12:51:09.080" v="992" actId="1076"/>
-          <ac:spMkLst>
-            <pc:docMk/>
-            <pc:sldMk cId="902308803" sldId="345"/>
-            <ac:spMk id="26625" creationId="{EEE37393-73E7-7A42-A21D-4773DC200BF6}"/>
-          </ac:spMkLst>
-        </pc:spChg>
-        <pc:spChg chg="mod">
-          <ac:chgData name="Long B Nguyen" userId="f59fb8f3-a021-417a-8bc1-65c8d471c621" providerId="ADAL" clId="{6AC26564-89E3-E046-BFB4-F80582D7E17B}" dt="2020-01-16T12:51:14.786" v="994" actId="255"/>
-          <ac:spMkLst>
-            <pc:docMk/>
-            <pc:sldMk cId="902308803" sldId="345"/>
-            <ac:spMk id="26626" creationId="{EBDCF6EE-E392-F04F-9B69-A1B47BE13E5F}"/>
-          </ac:spMkLst>
-        </pc:spChg>
-        <pc:picChg chg="mod">
-          <ac:chgData name="Long B Nguyen" userId="f59fb8f3-a021-417a-8bc1-65c8d471c621" providerId="ADAL" clId="{6AC26564-89E3-E046-BFB4-F80582D7E17B}" dt="2020-01-16T12:51:17.248" v="995" actId="1076"/>
-          <ac:picMkLst>
-            <pc:docMk/>
-            <pc:sldMk cId="902308803" sldId="345"/>
-            <ac:picMk id="26627" creationId="{4CB819D5-BF58-EF49-ADC3-C5DAC8299BED}"/>
-          </ac:picMkLst>
-        </pc:picChg>
-      </pc:sldChg>
-      <pc:sldChg chg="add">
-        <pc:chgData name="Long B Nguyen" userId="f59fb8f3-a021-417a-8bc1-65c8d471c621" providerId="ADAL" clId="{6AC26564-89E3-E046-BFB4-F80582D7E17B}" dt="2020-01-13T13:43:29.420" v="22"/>
-        <pc:sldMkLst>
-          <pc:docMk/>
-          <pc:sldMk cId="2271372051" sldId="346"/>
-        </pc:sldMkLst>
-      </pc:sldChg>
-      <pc:sldChg chg="add del">
-        <pc:chgData name="Long B Nguyen" userId="f59fb8f3-a021-417a-8bc1-65c8d471c621" providerId="ADAL" clId="{6AC26564-89E3-E046-BFB4-F80582D7E17B}" dt="2020-01-13T13:49:58.453" v="93" actId="2696"/>
-        <pc:sldMkLst>
-          <pc:docMk/>
-          <pc:sldMk cId="198078322" sldId="347"/>
-        </pc:sldMkLst>
-      </pc:sldChg>
-      <pc:sldChg chg="modSp add">
-        <pc:chgData name="Long B Nguyen" userId="f59fb8f3-a021-417a-8bc1-65c8d471c621" providerId="ADAL" clId="{6AC26564-89E3-E046-BFB4-F80582D7E17B}" dt="2020-01-14T14:41:50.033" v="591" actId="1076"/>
-        <pc:sldMkLst>
-          <pc:docMk/>
-          <pc:sldMk cId="3556500226" sldId="347"/>
-        </pc:sldMkLst>
-        <pc:spChg chg="mod">
-          <ac:chgData name="Long B Nguyen" userId="f59fb8f3-a021-417a-8bc1-65c8d471c621" providerId="ADAL" clId="{6AC26564-89E3-E046-BFB4-F80582D7E17B}" dt="2020-01-14T14:41:50.033" v="591" actId="1076"/>
-          <ac:spMkLst>
-            <pc:docMk/>
-            <pc:sldMk cId="3556500226" sldId="347"/>
-            <ac:spMk id="35842" creationId="{0B0C4E89-D419-8343-A309-ADA122397E36}"/>
-          </ac:spMkLst>
-        </pc:spChg>
-      </pc:sldChg>
-      <pc:sldChg chg="addSp delSp modSp add">
-        <pc:chgData name="Long B Nguyen" userId="f59fb8f3-a021-417a-8bc1-65c8d471c621" providerId="ADAL" clId="{6AC26564-89E3-E046-BFB4-F80582D7E17B}" dt="2020-01-16T12:48:48.788" v="791" actId="20577"/>
-        <pc:sldMkLst>
-          <pc:docMk/>
-          <pc:sldMk cId="3512088914" sldId="348"/>
-        </pc:sldMkLst>
-        <pc:spChg chg="mod">
-          <ac:chgData name="Long B Nguyen" userId="f59fb8f3-a021-417a-8bc1-65c8d471c621" providerId="ADAL" clId="{6AC26564-89E3-E046-BFB4-F80582D7E17B}" dt="2020-01-16T12:48:48.788" v="791" actId="20577"/>
-          <ac:spMkLst>
-            <pc:docMk/>
-            <pc:sldMk cId="3512088914" sldId="348"/>
-            <ac:spMk id="23553" creationId="{5E6C904F-B0D2-8542-BF56-4B43E4386E3D}"/>
-          </ac:spMkLst>
-        </pc:spChg>
-        <pc:picChg chg="del">
-          <ac:chgData name="Long B Nguyen" userId="f59fb8f3-a021-417a-8bc1-65c8d471c621" providerId="ADAL" clId="{6AC26564-89E3-E046-BFB4-F80582D7E17B}" dt="2020-01-16T12:47:37.467" v="765" actId="478"/>
-          <ac:picMkLst>
-            <pc:docMk/>
-            <pc:sldMk cId="3512088914" sldId="348"/>
-            <ac:picMk id="2" creationId="{D5FC4C3C-5059-9845-989F-6DA2B906114F}"/>
-          </ac:picMkLst>
-        </pc:picChg>
-        <pc:picChg chg="add mod">
-          <ac:chgData name="Long B Nguyen" userId="f59fb8f3-a021-417a-8bc1-65c8d471c621" providerId="ADAL" clId="{6AC26564-89E3-E046-BFB4-F80582D7E17B}" dt="2020-01-16T12:47:50.861" v="770" actId="1076"/>
-          <ac:picMkLst>
-            <pc:docMk/>
-            <pc:sldMk cId="3512088914" sldId="348"/>
-            <ac:picMk id="3" creationId="{CB795113-FB6C-E648-85D0-183CDD5AF882}"/>
-          </ac:picMkLst>
-        </pc:picChg>
-        <pc:picChg chg="del">
-          <ac:chgData name="Long B Nguyen" userId="f59fb8f3-a021-417a-8bc1-65c8d471c621" providerId="ADAL" clId="{6AC26564-89E3-E046-BFB4-F80582D7E17B}" dt="2020-01-16T12:47:46.031" v="767" actId="478"/>
-          <ac:picMkLst>
-            <pc:docMk/>
-            <pc:sldMk cId="3512088914" sldId="348"/>
-            <ac:picMk id="23555" creationId="{03C56796-055B-E94B-ACE3-C4CD06B2EB8A}"/>
-          </ac:picMkLst>
-        </pc:picChg>
-      </pc:sldChg>
-    </pc:docChg>
-  </pc:docChgLst>
-  <pc:docChgLst>
-    <pc:chgData name="Long B Nguyen" userId="f59fb8f3-a021-417a-8bc1-65c8d471c621" providerId="ADAL" clId="{AA9102B5-DACA-D841-B260-AEEBF90FC60A}"/>
-    <pc:docChg chg="custSel addSld delSld modSld">
-      <pc:chgData name="Long B Nguyen" userId="f59fb8f3-a021-417a-8bc1-65c8d471c621" providerId="ADAL" clId="{AA9102B5-DACA-D841-B260-AEEBF90FC60A}" dt="2020-01-06T17:07:10.515" v="1519" actId="2711"/>
-      <pc:docMkLst>
-        <pc:docMk/>
-      </pc:docMkLst>
-      <pc:sldChg chg="modSp">
-        <pc:chgData name="Long B Nguyen" userId="f59fb8f3-a021-417a-8bc1-65c8d471c621" providerId="ADAL" clId="{AA9102B5-DACA-D841-B260-AEEBF90FC60A}" dt="2020-01-05T22:05:23.536" v="23" actId="20577"/>
-        <pc:sldMkLst>
-          <pc:docMk/>
-          <pc:sldMk cId="4247104139" sldId="256"/>
-        </pc:sldMkLst>
-        <pc:spChg chg="mod">
-          <ac:chgData name="Long B Nguyen" userId="f59fb8f3-a021-417a-8bc1-65c8d471c621" providerId="ADAL" clId="{AA9102B5-DACA-D841-B260-AEEBF90FC60A}" dt="2020-01-05T22:05:23.536" v="23" actId="20577"/>
-          <ac:spMkLst>
-            <pc:docMk/>
-            <pc:sldMk cId="4247104139" sldId="256"/>
-            <ac:spMk id="3" creationId="{1BDC47C8-6776-7B44-9CD4-95FC91452D62}"/>
-          </ac:spMkLst>
-        </pc:spChg>
-      </pc:sldChg>
-      <pc:sldChg chg="del">
-        <pc:chgData name="Long B Nguyen" userId="f59fb8f3-a021-417a-8bc1-65c8d471c621" providerId="ADAL" clId="{AA9102B5-DACA-D841-B260-AEEBF90FC60A}" dt="2020-01-05T22:05:52.483" v="41" actId="2696"/>
-        <pc:sldMkLst>
-          <pc:docMk/>
-          <pc:sldMk cId="1438711869" sldId="284"/>
-        </pc:sldMkLst>
-      </pc:sldChg>
-      <pc:sldChg chg="del">
-        <pc:chgData name="Long B Nguyen" userId="f59fb8f3-a021-417a-8bc1-65c8d471c621" providerId="ADAL" clId="{AA9102B5-DACA-D841-B260-AEEBF90FC60A}" dt="2020-01-05T22:05:52.199" v="24" actId="2696"/>
-        <pc:sldMkLst>
-          <pc:docMk/>
-          <pc:sldMk cId="131840209" sldId="286"/>
-        </pc:sldMkLst>
-      </pc:sldChg>
-      <pc:sldChg chg="del">
-        <pc:chgData name="Long B Nguyen" userId="f59fb8f3-a021-417a-8bc1-65c8d471c621" providerId="ADAL" clId="{AA9102B5-DACA-D841-B260-AEEBF90FC60A}" dt="2020-01-05T22:05:52.214" v="25" actId="2696"/>
-        <pc:sldMkLst>
-          <pc:docMk/>
-          <pc:sldMk cId="1816941262" sldId="295"/>
-        </pc:sldMkLst>
-      </pc:sldChg>
-      <pc:sldChg chg="del">
-        <pc:chgData name="Long B Nguyen" userId="f59fb8f3-a021-417a-8bc1-65c8d471c621" providerId="ADAL" clId="{AA9102B5-DACA-D841-B260-AEEBF90FC60A}" dt="2020-01-05T22:05:52.246" v="27" actId="2696"/>
-        <pc:sldMkLst>
-          <pc:docMk/>
-          <pc:sldMk cId="553003360" sldId="296"/>
-        </pc:sldMkLst>
-      </pc:sldChg>
-      <pc:sldChg chg="del">
-        <pc:chgData name="Long B Nguyen" userId="f59fb8f3-a021-417a-8bc1-65c8d471c621" providerId="ADAL" clId="{AA9102B5-DACA-D841-B260-AEEBF90FC60A}" dt="2020-01-05T22:05:52.268" v="28" actId="2696"/>
-        <pc:sldMkLst>
-          <pc:docMk/>
-          <pc:sldMk cId="3006175481" sldId="297"/>
-        </pc:sldMkLst>
-      </pc:sldChg>
-      <pc:sldChg chg="del">
-        <pc:chgData name="Long B Nguyen" userId="f59fb8f3-a021-417a-8bc1-65c8d471c621" providerId="ADAL" clId="{AA9102B5-DACA-D841-B260-AEEBF90FC60A}" dt="2020-01-05T22:05:52.287" v="29" actId="2696"/>
-        <pc:sldMkLst>
-          <pc:docMk/>
-          <pc:sldMk cId="3150557076" sldId="298"/>
-        </pc:sldMkLst>
-      </pc:sldChg>
-      <pc:sldChg chg="del">
-        <pc:chgData name="Long B Nguyen" userId="f59fb8f3-a021-417a-8bc1-65c8d471c621" providerId="ADAL" clId="{AA9102B5-DACA-D841-B260-AEEBF90FC60A}" dt="2020-01-05T22:05:52.442" v="38" actId="2696"/>
-        <pc:sldMkLst>
-          <pc:docMk/>
-          <pc:sldMk cId="128704095" sldId="302"/>
-        </pc:sldMkLst>
-      </pc:sldChg>
-      <pc:sldChg chg="del">
-        <pc:chgData name="Long B Nguyen" userId="f59fb8f3-a021-417a-8bc1-65c8d471c621" providerId="ADAL" clId="{AA9102B5-DACA-D841-B260-AEEBF90FC60A}" dt="2020-01-05T22:05:52.305" v="30" actId="2696"/>
-        <pc:sldMkLst>
-          <pc:docMk/>
-          <pc:sldMk cId="3275945509" sldId="303"/>
-        </pc:sldMkLst>
-      </pc:sldChg>
-      <pc:sldChg chg="del">
-        <pc:chgData name="Long B Nguyen" userId="f59fb8f3-a021-417a-8bc1-65c8d471c621" providerId="ADAL" clId="{AA9102B5-DACA-D841-B260-AEEBF90FC60A}" dt="2020-01-05T22:05:52.321" v="31" actId="2696"/>
-        <pc:sldMkLst>
-          <pc:docMk/>
-          <pc:sldMk cId="406772024" sldId="304"/>
-        </pc:sldMkLst>
-      </pc:sldChg>
-      <pc:sldChg chg="del">
-        <pc:chgData name="Long B Nguyen" userId="f59fb8f3-a021-417a-8bc1-65c8d471c621" providerId="ADAL" clId="{AA9102B5-DACA-D841-B260-AEEBF90FC60A}" dt="2020-01-05T22:05:52.334" v="32" actId="2696"/>
-        <pc:sldMkLst>
-          <pc:docMk/>
-          <pc:sldMk cId="1703902501" sldId="305"/>
-        </pc:sldMkLst>
-      </pc:sldChg>
-      <pc:sldChg chg="del">
-        <pc:chgData name="Long B Nguyen" userId="f59fb8f3-a021-417a-8bc1-65c8d471c621" providerId="ADAL" clId="{AA9102B5-DACA-D841-B260-AEEBF90FC60A}" dt="2020-01-05T22:05:52.461" v="39" actId="2696"/>
-        <pc:sldMkLst>
-          <pc:docMk/>
-          <pc:sldMk cId="3614829039" sldId="306"/>
-        </pc:sldMkLst>
-      </pc:sldChg>
-      <pc:sldChg chg="del">
-        <pc:chgData name="Long B Nguyen" userId="f59fb8f3-a021-417a-8bc1-65c8d471c621" providerId="ADAL" clId="{AA9102B5-DACA-D841-B260-AEEBF90FC60A}" dt="2020-01-05T22:05:52.471" v="40" actId="2696"/>
-        <pc:sldMkLst>
-          <pc:docMk/>
-          <pc:sldMk cId="295911327" sldId="307"/>
-        </pc:sldMkLst>
-      </pc:sldChg>
-      <pc:sldChg chg="del">
-        <pc:chgData name="Long B Nguyen" userId="f59fb8f3-a021-417a-8bc1-65c8d471c621" providerId="ADAL" clId="{AA9102B5-DACA-D841-B260-AEEBF90FC60A}" dt="2020-01-05T22:05:52.353" v="33" actId="2696"/>
-        <pc:sldMkLst>
-          <pc:docMk/>
-          <pc:sldMk cId="67957925" sldId="308"/>
-        </pc:sldMkLst>
-      </pc:sldChg>
-      <pc:sldChg chg="del">
-        <pc:chgData name="Long B Nguyen" userId="f59fb8f3-a021-417a-8bc1-65c8d471c621" providerId="ADAL" clId="{AA9102B5-DACA-D841-B260-AEEBF90FC60A}" dt="2020-01-05T22:05:52.365" v="34" actId="2696"/>
-        <pc:sldMkLst>
-          <pc:docMk/>
-          <pc:sldMk cId="1872435103" sldId="309"/>
-        </pc:sldMkLst>
-      </pc:sldChg>
-      <pc:sldChg chg="del">
-        <pc:chgData name="Long B Nguyen" userId="f59fb8f3-a021-417a-8bc1-65c8d471c621" providerId="ADAL" clId="{AA9102B5-DACA-D841-B260-AEEBF90FC60A}" dt="2020-01-05T22:05:52.385" v="35" actId="2696"/>
-        <pc:sldMkLst>
-          <pc:docMk/>
-          <pc:sldMk cId="4088965571" sldId="310"/>
-        </pc:sldMkLst>
-      </pc:sldChg>
-      <pc:sldChg chg="del">
-        <pc:chgData name="Long B Nguyen" userId="f59fb8f3-a021-417a-8bc1-65c8d471c621" providerId="ADAL" clId="{AA9102B5-DACA-D841-B260-AEEBF90FC60A}" dt="2020-01-05T22:05:52.404" v="36" actId="2696"/>
-        <pc:sldMkLst>
-          <pc:docMk/>
-          <pc:sldMk cId="2255846137" sldId="311"/>
-        </pc:sldMkLst>
-      </pc:sldChg>
-      <pc:sldChg chg="del">
-        <pc:chgData name="Long B Nguyen" userId="f59fb8f3-a021-417a-8bc1-65c8d471c621" providerId="ADAL" clId="{AA9102B5-DACA-D841-B260-AEEBF90FC60A}" dt="2020-01-05T22:05:52.423" v="37" actId="2696"/>
-        <pc:sldMkLst>
-          <pc:docMk/>
-          <pc:sldMk cId="1513627164" sldId="312"/>
-        </pc:sldMkLst>
-      </pc:sldChg>
-      <pc:sldChg chg="del">
-        <pc:chgData name="Long B Nguyen" userId="f59fb8f3-a021-417a-8bc1-65c8d471c621" providerId="ADAL" clId="{AA9102B5-DACA-D841-B260-AEEBF90FC60A}" dt="2020-01-05T22:05:52.231" v="26" actId="2696"/>
-        <pc:sldMkLst>
-          <pc:docMk/>
-          <pc:sldMk cId="2097059918" sldId="313"/>
-        </pc:sldMkLst>
-      </pc:sldChg>
-      <pc:sldChg chg="modSp">
-        <pc:chgData name="Long B Nguyen" userId="f59fb8f3-a021-417a-8bc1-65c8d471c621" providerId="ADAL" clId="{AA9102B5-DACA-D841-B260-AEEBF90FC60A}" dt="2020-01-06T15:37:30.346" v="948" actId="20577"/>
-        <pc:sldMkLst>
-          <pc:docMk/>
-          <pc:sldMk cId="1452600724" sldId="316"/>
-        </pc:sldMkLst>
-        <pc:spChg chg="mod">
-          <ac:chgData name="Long B Nguyen" userId="f59fb8f3-a021-417a-8bc1-65c8d471c621" providerId="ADAL" clId="{AA9102B5-DACA-D841-B260-AEEBF90FC60A}" dt="2020-01-06T15:37:30.346" v="948" actId="20577"/>
-          <ac:spMkLst>
-            <pc:docMk/>
-            <pc:sldMk cId="1452600724" sldId="316"/>
-            <ac:spMk id="9" creationId="{E3B2E017-30B2-884B-A113-B419A2ED51AD}"/>
-          </ac:spMkLst>
-        </pc:spChg>
-      </pc:sldChg>
-      <pc:sldChg chg="del">
-        <pc:chgData name="Long B Nguyen" userId="f59fb8f3-a021-417a-8bc1-65c8d471c621" providerId="ADAL" clId="{AA9102B5-DACA-D841-B260-AEEBF90FC60A}" dt="2020-01-06T15:03:11.354" v="848" actId="2696"/>
-        <pc:sldMkLst>
-          <pc:docMk/>
-          <pc:sldMk cId="1787114790" sldId="317"/>
-        </pc:sldMkLst>
-      </pc:sldChg>
-      <pc:sldChg chg="del">
-        <pc:chgData name="Long B Nguyen" userId="f59fb8f3-a021-417a-8bc1-65c8d471c621" providerId="ADAL" clId="{AA9102B5-DACA-D841-B260-AEEBF90FC60A}" dt="2020-01-05T22:06:12.101" v="42" actId="2696"/>
-        <pc:sldMkLst>
-          <pc:docMk/>
-          <pc:sldMk cId="1215229427" sldId="318"/>
-        </pc:sldMkLst>
-      </pc:sldChg>
-      <pc:sldChg chg="modSp">
-        <pc:chgData name="Long B Nguyen" userId="f59fb8f3-a021-417a-8bc1-65c8d471c621" providerId="ADAL" clId="{AA9102B5-DACA-D841-B260-AEEBF90FC60A}" dt="2020-01-06T01:48:03.413" v="110" actId="20577"/>
-        <pc:sldMkLst>
-          <pc:docMk/>
-          <pc:sldMk cId="924617162" sldId="319"/>
-        </pc:sldMkLst>
-        <pc:spChg chg="mod">
-          <ac:chgData name="Long B Nguyen" userId="f59fb8f3-a021-417a-8bc1-65c8d471c621" providerId="ADAL" clId="{AA9102B5-DACA-D841-B260-AEEBF90FC60A}" dt="2020-01-06T01:48:03.413" v="110" actId="20577"/>
-          <ac:spMkLst>
-            <pc:docMk/>
-            <pc:sldMk cId="924617162" sldId="319"/>
-            <ac:spMk id="9" creationId="{E3B2E017-30B2-884B-A113-B419A2ED51AD}"/>
-          </ac:spMkLst>
-        </pc:spChg>
-      </pc:sldChg>
-      <pc:sldChg chg="modSp">
-        <pc:chgData name="Long B Nguyen" userId="f59fb8f3-a021-417a-8bc1-65c8d471c621" providerId="ADAL" clId="{AA9102B5-DACA-D841-B260-AEEBF90FC60A}" dt="2020-01-06T01:56:11.549" v="712" actId="1076"/>
-        <pc:sldMkLst>
-          <pc:docMk/>
-          <pc:sldMk cId="1310010799" sldId="324"/>
-        </pc:sldMkLst>
-        <pc:spChg chg="mod">
-          <ac:chgData name="Long B Nguyen" userId="f59fb8f3-a021-417a-8bc1-65c8d471c621" providerId="ADAL" clId="{AA9102B5-DACA-D841-B260-AEEBF90FC60A}" dt="2020-01-06T01:56:11.549" v="712" actId="1076"/>
-          <ac:spMkLst>
-            <pc:docMk/>
-            <pc:sldMk cId="1310010799" sldId="324"/>
-            <ac:spMk id="9" creationId="{E3B2E017-30B2-884B-A113-B419A2ED51AD}"/>
-          </ac:spMkLst>
-        </pc:spChg>
-      </pc:sldChg>
-      <pc:sldChg chg="modSp">
-        <pc:chgData name="Long B Nguyen" userId="f59fb8f3-a021-417a-8bc1-65c8d471c621" providerId="ADAL" clId="{AA9102B5-DACA-D841-B260-AEEBF90FC60A}" dt="2020-01-06T15:35:11.658" v="853" actId="20577"/>
-        <pc:sldMkLst>
-          <pc:docMk/>
-          <pc:sldMk cId="3314372952" sldId="325"/>
-        </pc:sldMkLst>
-        <pc:spChg chg="mod">
-          <ac:chgData name="Long B Nguyen" userId="f59fb8f3-a021-417a-8bc1-65c8d471c621" providerId="ADAL" clId="{AA9102B5-DACA-D841-B260-AEEBF90FC60A}" dt="2020-01-06T15:35:11.658" v="853" actId="20577"/>
-          <ac:spMkLst>
-            <pc:docMk/>
-            <pc:sldMk cId="3314372952" sldId="325"/>
-            <ac:spMk id="2" creationId="{AA3A228F-61D0-D949-A5E7-F83756230BF8}"/>
-          </ac:spMkLst>
-        </pc:spChg>
-        <pc:spChg chg="mod">
-          <ac:chgData name="Long B Nguyen" userId="f59fb8f3-a021-417a-8bc1-65c8d471c621" providerId="ADAL" clId="{AA9102B5-DACA-D841-B260-AEEBF90FC60A}" dt="2020-01-06T15:02:45.351" v="846" actId="20577"/>
-          <ac:spMkLst>
-            <pc:docMk/>
-            <pc:sldMk cId="3314372952" sldId="325"/>
-            <ac:spMk id="9" creationId="{E3B2E017-30B2-884B-A113-B419A2ED51AD}"/>
-          </ac:spMkLst>
-        </pc:spChg>
-      </pc:sldChg>
-      <pc:sldChg chg="del">
-        <pc:chgData name="Long B Nguyen" userId="f59fb8f3-a021-417a-8bc1-65c8d471c621" providerId="ADAL" clId="{AA9102B5-DACA-D841-B260-AEEBF90FC60A}" dt="2020-01-06T15:03:07.580" v="847" actId="2696"/>
-        <pc:sldMkLst>
-          <pc:docMk/>
-          <pc:sldMk cId="3117943122" sldId="326"/>
-        </pc:sldMkLst>
-      </pc:sldChg>
-      <pc:sldChg chg="del">
-        <pc:chgData name="Long B Nguyen" userId="f59fb8f3-a021-417a-8bc1-65c8d471c621" providerId="ADAL" clId="{AA9102B5-DACA-D841-B260-AEEBF90FC60A}" dt="2020-01-06T01:49:27.456" v="111" actId="2696"/>
-        <pc:sldMkLst>
-          <pc:docMk/>
-          <pc:sldMk cId="1025618360" sldId="327"/>
-        </pc:sldMkLst>
-      </pc:sldChg>
-      <pc:sldChg chg="modSp add">
-        <pc:chgData name="Long B Nguyen" userId="f59fb8f3-a021-417a-8bc1-65c8d471c621" providerId="ADAL" clId="{AA9102B5-DACA-D841-B260-AEEBF90FC60A}" dt="2020-01-06T15:00:48.763" v="818" actId="113"/>
-        <pc:sldMkLst>
-          <pc:docMk/>
-          <pc:sldMk cId="1724104636" sldId="327"/>
-        </pc:sldMkLst>
-        <pc:spChg chg="mod">
-          <ac:chgData name="Long B Nguyen" userId="f59fb8f3-a021-417a-8bc1-65c8d471c621" providerId="ADAL" clId="{AA9102B5-DACA-D841-B260-AEEBF90FC60A}" dt="2020-01-06T15:00:48.763" v="818" actId="113"/>
-          <ac:spMkLst>
-            <pc:docMk/>
-            <pc:sldMk cId="1724104636" sldId="327"/>
-            <ac:spMk id="9" creationId="{E3B2E017-30B2-884B-A113-B419A2ED51AD}"/>
-          </ac:spMkLst>
-        </pc:spChg>
-      </pc:sldChg>
-      <pc:sldChg chg="modSp">
-        <pc:chgData name="Long B Nguyen" userId="f59fb8f3-a021-417a-8bc1-65c8d471c621" providerId="ADAL" clId="{AA9102B5-DACA-D841-B260-AEEBF90FC60A}" dt="2020-01-06T01:55:34.369" v="708" actId="20577"/>
-        <pc:sldMkLst>
-          <pc:docMk/>
-          <pc:sldMk cId="4294143140" sldId="329"/>
-        </pc:sldMkLst>
-        <pc:spChg chg="mod">
-          <ac:chgData name="Long B Nguyen" userId="f59fb8f3-a021-417a-8bc1-65c8d471c621" providerId="ADAL" clId="{AA9102B5-DACA-D841-B260-AEEBF90FC60A}" dt="2020-01-06T01:55:34.369" v="708" actId="20577"/>
-          <ac:spMkLst>
-            <pc:docMk/>
-            <pc:sldMk cId="4294143140" sldId="329"/>
-            <ac:spMk id="9" creationId="{E3B2E017-30B2-884B-A113-B419A2ED51AD}"/>
-          </ac:spMkLst>
-        </pc:spChg>
-      </pc:sldChg>
-      <pc:sldChg chg="modSp add">
-        <pc:chgData name="Long B Nguyen" userId="f59fb8f3-a021-417a-8bc1-65c8d471c621" providerId="ADAL" clId="{AA9102B5-DACA-D841-B260-AEEBF90FC60A}" dt="2020-01-06T15:01:01.638" v="819" actId="2711"/>
-        <pc:sldMkLst>
-          <pc:docMk/>
-          <pc:sldMk cId="3594730708" sldId="330"/>
-        </pc:sldMkLst>
-        <pc:spChg chg="mod">
-          <ac:chgData name="Long B Nguyen" userId="f59fb8f3-a021-417a-8bc1-65c8d471c621" providerId="ADAL" clId="{AA9102B5-DACA-D841-B260-AEEBF90FC60A}" dt="2020-01-06T15:01:01.638" v="819" actId="2711"/>
-          <ac:spMkLst>
-            <pc:docMk/>
-            <pc:sldMk cId="3594730708" sldId="330"/>
-            <ac:spMk id="9" creationId="{E3B2E017-30B2-884B-A113-B419A2ED51AD}"/>
-          </ac:spMkLst>
-        </pc:spChg>
-      </pc:sldChg>
-      <pc:sldChg chg="modSp add">
-        <pc:chgData name="Long B Nguyen" userId="f59fb8f3-a021-417a-8bc1-65c8d471c621" providerId="ADAL" clId="{AA9102B5-DACA-D841-B260-AEEBF90FC60A}" dt="2020-01-06T02:00:17.493" v="815" actId="255"/>
-        <pc:sldMkLst>
-          <pc:docMk/>
-          <pc:sldMk cId="3870816631" sldId="331"/>
-        </pc:sldMkLst>
-        <pc:spChg chg="mod">
-          <ac:chgData name="Long B Nguyen" userId="f59fb8f3-a021-417a-8bc1-65c8d471c621" providerId="ADAL" clId="{AA9102B5-DACA-D841-B260-AEEBF90FC60A}" dt="2020-01-06T02:00:17.493" v="815" actId="255"/>
-          <ac:spMkLst>
-            <pc:docMk/>
-            <pc:sldMk cId="3870816631" sldId="331"/>
-            <ac:spMk id="9" creationId="{E3B2E017-30B2-884B-A113-B419A2ED51AD}"/>
-          </ac:spMkLst>
-        </pc:spChg>
-      </pc:sldChg>
-      <pc:sldChg chg="modSp add">
-        <pc:chgData name="Long B Nguyen" userId="f59fb8f3-a021-417a-8bc1-65c8d471c621" providerId="ADAL" clId="{AA9102B5-DACA-D841-B260-AEEBF90FC60A}" dt="2020-01-06T17:07:10.515" v="1519" actId="2711"/>
-        <pc:sldMkLst>
-          <pc:docMk/>
-          <pc:sldMk cId="3124353102" sldId="332"/>
-        </pc:sldMkLst>
-        <pc:spChg chg="mod">
-          <ac:chgData name="Long B Nguyen" userId="f59fb8f3-a021-417a-8bc1-65c8d471c621" providerId="ADAL" clId="{AA9102B5-DACA-D841-B260-AEEBF90FC60A}" dt="2020-01-06T17:03:36.721" v="1332" actId="20577"/>
-          <ac:spMkLst>
-            <pc:docMk/>
-            <pc:sldMk cId="3124353102" sldId="332"/>
-            <ac:spMk id="2" creationId="{AA3A228F-61D0-D949-A5E7-F83756230BF8}"/>
-          </ac:spMkLst>
-        </pc:spChg>
-        <pc:spChg chg="mod">
-          <ac:chgData name="Long B Nguyen" userId="f59fb8f3-a021-417a-8bc1-65c8d471c621" providerId="ADAL" clId="{AA9102B5-DACA-D841-B260-AEEBF90FC60A}" dt="2020-01-06T17:07:10.515" v="1519" actId="2711"/>
-          <ac:spMkLst>
-            <pc:docMk/>
-            <pc:sldMk cId="3124353102" sldId="332"/>
-            <ac:spMk id="9" creationId="{E3B2E017-30B2-884B-A113-B419A2ED51AD}"/>
-          </ac:spMkLst>
-        </pc:spChg>
-      </pc:sldChg>
-    </pc:docChg>
-  </pc:docChgLst>
-  <pc:docChgLst>
-    <pc:chgData name="Long B Nguyen" userId="f59fb8f3-a021-417a-8bc1-65c8d471c621" providerId="ADAL" clId="{B5860C40-AA08-4447-A918-2D2782E0FC0B}"/>
-    <pc:docChg chg="delSld modSld">
-      <pc:chgData name="Long B Nguyen" userId="f59fb8f3-a021-417a-8bc1-65c8d471c621" providerId="ADAL" clId="{B5860C40-AA08-4447-A918-2D2782E0FC0B}" dt="2019-09-16T13:59:20.091" v="35" actId="2696"/>
-      <pc:docMkLst>
-        <pc:docMk/>
-      </pc:docMkLst>
-      <pc:sldChg chg="modSp">
-        <pc:chgData name="Long B Nguyen" userId="f59fb8f3-a021-417a-8bc1-65c8d471c621" providerId="ADAL" clId="{B5860C40-AA08-4447-A918-2D2782E0FC0B}" dt="2019-09-16T13:58:36.640" v="18" actId="20577"/>
-        <pc:sldMkLst>
-          <pc:docMk/>
-          <pc:sldMk cId="4247104139" sldId="256"/>
-        </pc:sldMkLst>
-        <pc:spChg chg="mod">
-          <ac:chgData name="Long B Nguyen" userId="f59fb8f3-a021-417a-8bc1-65c8d471c621" providerId="ADAL" clId="{B5860C40-AA08-4447-A918-2D2782E0FC0B}" dt="2019-09-16T13:58:36.640" v="18" actId="20577"/>
-          <ac:spMkLst>
-            <pc:docMk/>
-            <pc:sldMk cId="4247104139" sldId="256"/>
-            <ac:spMk id="3" creationId="{1BDC47C8-6776-7B44-9CD4-95FC91452D62}"/>
-          </ac:spMkLst>
-        </pc:spChg>
-      </pc:sldChg>
-    </pc:docChg>
-  </pc:docChgLst>
 </pc:chgInfo>
 </file>
 
@@ -3233,7 +3246,7 @@
           <a:p>
             <a:fld id="{11759725-BFEE-644C-A872-B7D4268C5620}" type="datetimeFigureOut">
               <a:rPr lang="en-US" smtClean="0"/>
-              <a:t>6/14/21</a:t>
+              <a:t>2/7/22</a:t>
             </a:fld>
             <a:endParaRPr lang="en-US"/>
           </a:p>
@@ -3668,7 +3681,7 @@
             <a:fld id="{1483603F-536E-5348-85CA-469E92E29B2B}" type="slidenum">
               <a:rPr lang="en-US" altLang="en-US" smtClean="0"/>
               <a:pPr/>
-              <a:t>27</a:t>
+              <a:t>26</a:t>
             </a:fld>
             <a:endParaRPr lang="en-US" altLang="en-US"/>
           </a:p>
@@ -3956,7 +3969,7 @@
             <a:fld id="{1483603F-536E-5348-85CA-469E92E29B2B}" type="slidenum">
               <a:rPr lang="en-US" altLang="en-US" smtClean="0"/>
               <a:pPr/>
-              <a:t>28</a:t>
+              <a:t>27</a:t>
             </a:fld>
             <a:endParaRPr lang="en-US" altLang="en-US"/>
           </a:p>
@@ -4207,7 +4220,7 @@
           <a:p>
             <a:fld id="{4AAD347D-5ACD-4C99-B74B-A9C85AD731AF}" type="datetimeFigureOut">
               <a:rPr lang="en-US" smtClean="0"/>
-              <a:t>6/14/21</a:t>
+              <a:t>2/7/22</a:t>
             </a:fld>
             <a:endParaRPr lang="en-US" dirty="0"/>
           </a:p>
@@ -4377,7 +4390,7 @@
           <a:p>
             <a:fld id="{4509A250-FF31-4206-8172-F9D3106AACB1}" type="datetimeFigureOut">
               <a:rPr lang="en-US" smtClean="0"/>
-              <a:t>6/14/21</a:t>
+              <a:t>2/7/22</a:t>
             </a:fld>
             <a:endParaRPr lang="en-US" dirty="0"/>
           </a:p>
@@ -4557,7 +4570,7 @@
           <a:p>
             <a:fld id="{4509A250-FF31-4206-8172-F9D3106AACB1}" type="datetimeFigureOut">
               <a:rPr lang="en-US" smtClean="0"/>
-              <a:t>6/14/21</a:t>
+              <a:t>2/7/22</a:t>
             </a:fld>
             <a:endParaRPr lang="en-US" dirty="0"/>
           </a:p>
@@ -4727,7 +4740,7 @@
           <a:p>
             <a:fld id="{4509A250-FF31-4206-8172-F9D3106AACB1}" type="datetimeFigureOut">
               <a:rPr lang="en-US" smtClean="0"/>
-              <a:t>6/14/21</a:t>
+              <a:t>2/7/22</a:t>
             </a:fld>
             <a:endParaRPr lang="en-US" dirty="0"/>
           </a:p>
@@ -4973,7 +4986,7 @@
           <a:p>
             <a:fld id="{9796027F-7875-4030-9381-8BD8C4F21935}" type="datetimeFigureOut">
               <a:rPr lang="en-US" smtClean="0"/>
-              <a:t>6/14/21</a:t>
+              <a:t>2/7/22</a:t>
             </a:fld>
             <a:endParaRPr lang="en-US" dirty="0"/>
           </a:p>
@@ -5205,7 +5218,7 @@
           <a:p>
             <a:fld id="{9796027F-7875-4030-9381-8BD8C4F21935}" type="datetimeFigureOut">
               <a:rPr lang="en-US" smtClean="0"/>
-              <a:t>6/14/21</a:t>
+              <a:t>2/7/22</a:t>
             </a:fld>
             <a:endParaRPr lang="en-US" dirty="0"/>
           </a:p>
@@ -5572,7 +5585,7 @@
           <a:p>
             <a:fld id="{9796027F-7875-4030-9381-8BD8C4F21935}" type="datetimeFigureOut">
               <a:rPr lang="en-US" smtClean="0"/>
-              <a:t>6/14/21</a:t>
+              <a:t>2/7/22</a:t>
             </a:fld>
             <a:endParaRPr lang="en-US" dirty="0"/>
           </a:p>
@@ -5690,7 +5703,7 @@
           <a:p>
             <a:fld id="{4509A250-FF31-4206-8172-F9D3106AACB1}" type="datetimeFigureOut">
               <a:rPr lang="en-US" smtClean="0"/>
-              <a:t>6/14/21</a:t>
+              <a:t>2/7/22</a:t>
             </a:fld>
             <a:endParaRPr lang="en-US" dirty="0"/>
           </a:p>
@@ -5785,7 +5798,7 @@
           <a:p>
             <a:fld id="{4509A250-FF31-4206-8172-F9D3106AACB1}" type="datetimeFigureOut">
               <a:rPr lang="en-US" smtClean="0"/>
-              <a:t>6/14/21</a:t>
+              <a:t>2/7/22</a:t>
             </a:fld>
             <a:endParaRPr lang="en-US" dirty="0"/>
           </a:p>
@@ -6062,7 +6075,7 @@
           <a:p>
             <a:fld id="{4509A250-FF31-4206-8172-F9D3106AACB1}" type="datetimeFigureOut">
               <a:rPr lang="en-US" smtClean="0"/>
-              <a:t>6/14/21</a:t>
+              <a:t>2/7/22</a:t>
             </a:fld>
             <a:endParaRPr lang="en-US" dirty="0"/>
           </a:p>
@@ -6319,7 +6332,7 @@
           <a:p>
             <a:fld id="{4509A250-FF31-4206-8172-F9D3106AACB1}" type="datetimeFigureOut">
               <a:rPr lang="en-US" smtClean="0"/>
-              <a:t>6/14/21</a:t>
+              <a:t>2/7/22</a:t>
             </a:fld>
             <a:endParaRPr lang="en-US" dirty="0"/>
           </a:p>
@@ -6532,7 +6545,7 @@
           <a:p>
             <a:fld id="{4AAD347D-5ACD-4C99-B74B-A9C85AD731AF}" type="datetimeFigureOut">
               <a:rPr lang="en-US" smtClean="0"/>
-              <a:t>6/14/21</a:t>
+              <a:t>2/7/22</a:t>
             </a:fld>
             <a:endParaRPr lang="en-US" dirty="0"/>
           </a:p>
@@ -7449,872 +7462,6 @@
       </p:grpSpPr>
       <p:sp>
         <p:nvSpPr>
-          <p:cNvPr id="27649" name="Title 1">
-            <a:extLst>
-              <a:ext uri="{FF2B5EF4-FFF2-40B4-BE49-F238E27FC236}">
-                <a16:creationId xmlns:a16="http://schemas.microsoft.com/office/drawing/2014/main" id="{6DF2718B-6957-A844-8110-C38E5F3B4833}"/>
-              </a:ext>
-            </a:extLst>
-          </p:cNvPr>
-          <p:cNvSpPr>
-            <a:spLocks noGrp="1" noChangeArrowheads="1"/>
-          </p:cNvSpPr>
-          <p:nvPr>
-            <p:ph type="title"/>
-          </p:nvPr>
-        </p:nvSpPr>
-        <p:spPr>
-          <a:xfrm>
-            <a:off x="96599" y="160014"/>
-            <a:ext cx="7886700" cy="740690"/>
-          </a:xfrm>
-        </p:spPr>
-        <p:txBody>
-          <a:bodyPr/>
-          <a:lstStyle/>
-          <a:p>
-            <a:pPr eaLnBrk="1" hangingPunct="1"/>
-            <a:r>
-              <a:rPr lang="en-US" altLang="en-US" dirty="0">
-                <a:ea typeface="ＭＳ Ｐゴシック" panose="020B0600070205080204" pitchFamily="34" charset="-128"/>
-              </a:rPr>
-              <a:t>Adding Binary</a:t>
-            </a:r>
-          </a:p>
-        </p:txBody>
-      </p:sp>
-      <p:sp>
-        <p:nvSpPr>
-          <p:cNvPr id="3" name="Content Placeholder 2">
-            <a:extLst>
-              <a:ext uri="{FF2B5EF4-FFF2-40B4-BE49-F238E27FC236}">
-                <a16:creationId xmlns:a16="http://schemas.microsoft.com/office/drawing/2014/main" id="{6BAAF3A1-8774-5448-8A90-E12045B4D3F2}"/>
-              </a:ext>
-            </a:extLst>
-          </p:cNvPr>
-          <p:cNvSpPr>
-            <a:spLocks noGrp="1"/>
-          </p:cNvSpPr>
-          <p:nvPr>
-            <p:ph idx="1"/>
-          </p:nvPr>
-        </p:nvSpPr>
-        <p:spPr>
-          <a:xfrm>
-            <a:off x="205099" y="900703"/>
-            <a:ext cx="8733802" cy="4694831"/>
-          </a:xfrm>
-        </p:spPr>
-        <p:txBody>
-          <a:bodyPr/>
-          <a:lstStyle/>
-          <a:p>
-            <a:pPr marL="0" indent="0">
-              <a:buNone/>
-              <a:defRPr/>
-            </a:pPr>
-            <a:r>
-              <a:rPr lang="en-US" altLang="zh-CN" sz="2000" dirty="0">
-                <a:ea typeface="宋体" charset="0"/>
-                <a:cs typeface="宋体" charset="0"/>
-              </a:rPr>
-              <a:t>Add from right to left as usual. Follow the three rules below and remember to carry. </a:t>
-            </a:r>
-          </a:p>
-          <a:p>
-            <a:pPr marL="0" indent="0" algn="ctr">
-              <a:buNone/>
-              <a:defRPr/>
-            </a:pPr>
-            <a:r>
-              <a:rPr lang="en-US" altLang="zh-CN" sz="2000" dirty="0">
-                <a:ea typeface="宋体" charset="0"/>
-                <a:cs typeface="宋体" charset="0"/>
-              </a:rPr>
-              <a:t>0 + 0 = 0</a:t>
-            </a:r>
-          </a:p>
-          <a:p>
-            <a:pPr marL="0" indent="0" algn="ctr">
-              <a:buNone/>
-              <a:defRPr/>
-            </a:pPr>
-            <a:r>
-              <a:rPr lang="en-US" altLang="zh-CN" sz="2000" dirty="0">
-                <a:ea typeface="宋体" charset="0"/>
-                <a:cs typeface="宋体" charset="0"/>
-              </a:rPr>
-              <a:t>1 + 0 = 1</a:t>
-            </a:r>
-          </a:p>
-          <a:p>
-            <a:pPr marL="0" indent="0" algn="ctr">
-              <a:buNone/>
-              <a:defRPr/>
-            </a:pPr>
-            <a:r>
-              <a:rPr lang="en-US" altLang="zh-CN" sz="2000" dirty="0">
-                <a:ea typeface="宋体" charset="0"/>
-                <a:cs typeface="宋体" charset="0"/>
-              </a:rPr>
-              <a:t>1 + 1 = 10</a:t>
-            </a:r>
-            <a:endParaRPr lang="en-US" sz="2000" dirty="0"/>
-          </a:p>
-          <a:p>
-            <a:pPr marL="0" indent="0">
-              <a:buNone/>
-              <a:defRPr/>
-            </a:pPr>
-            <a:r>
-              <a:rPr lang="en-US" sz="2000" dirty="0"/>
-              <a:t>Example:</a:t>
-            </a:r>
-          </a:p>
-          <a:p>
-            <a:pPr marL="0" indent="0">
-              <a:buNone/>
-              <a:defRPr/>
-            </a:pPr>
-            <a:endParaRPr lang="en-US" sz="1833" dirty="0"/>
-          </a:p>
-          <a:p>
-            <a:pPr marL="0" indent="0">
-              <a:buNone/>
-              <a:defRPr/>
-            </a:pPr>
-            <a:endParaRPr lang="en-US" sz="1833" dirty="0">
-              <a:latin typeface="Tahoma"/>
-              <a:cs typeface="Tahoma"/>
-            </a:endParaRPr>
-          </a:p>
-        </p:txBody>
-      </p:sp>
-      <p:sp>
-        <p:nvSpPr>
-          <p:cNvPr id="27651" name="TextBox 3">
-            <a:extLst>
-              <a:ext uri="{FF2B5EF4-FFF2-40B4-BE49-F238E27FC236}">
-                <a16:creationId xmlns:a16="http://schemas.microsoft.com/office/drawing/2014/main" id="{6FC605D7-3622-AB4C-89F0-D1DD9A54F1CD}"/>
-              </a:ext>
-            </a:extLst>
-          </p:cNvPr>
-          <p:cNvSpPr txBox="1">
-            <a:spLocks noChangeArrowheads="1"/>
-          </p:cNvSpPr>
-          <p:nvPr/>
-        </p:nvSpPr>
-        <p:spPr bwMode="auto">
-          <a:xfrm>
-            <a:off x="3012282" y="1660261"/>
-            <a:ext cx="184731" cy="323165"/>
-          </a:xfrm>
-          <a:prstGeom prst="rect">
-            <a:avLst/>
-          </a:prstGeom>
-          <a:noFill/>
-          <a:ln>
-            <a:noFill/>
-          </a:ln>
-          <a:extLst>
-            <a:ext uri="{909E8E84-426E-40DD-AFC4-6F175D3DCCD1}">
-              <a14:hiddenFill xmlns:a14="http://schemas.microsoft.com/office/drawing/2010/main">
-                <a:solidFill>
-                  <a:srgbClr val="FFFFFF"/>
-                </a:solidFill>
-              </a14:hiddenFill>
-            </a:ext>
-            <a:ext uri="{91240B29-F687-4F45-9708-019B960494DF}">
-              <a14:hiddenLine xmlns:a14="http://schemas.microsoft.com/office/drawing/2010/main" w="9525">
-                <a:solidFill>
-                  <a:srgbClr val="000000"/>
-                </a:solidFill>
-                <a:miter lim="800000"/>
-                <a:headEnd/>
-                <a:tailEnd/>
-              </a14:hiddenLine>
-            </a:ext>
-          </a:extLst>
-        </p:spPr>
-        <p:txBody>
-          <a:bodyPr wrap="none">
-            <a:spAutoFit/>
-          </a:bodyPr>
-          <a:lstStyle>
-            <a:lvl1pPr>
-              <a:spcBef>
-                <a:spcPct val="20000"/>
-              </a:spcBef>
-              <a:buChar char="•"/>
-              <a:defRPr sz="3200">
-                <a:solidFill>
-                  <a:schemeClr val="tx1"/>
-                </a:solidFill>
-                <a:latin typeface="Arial" panose="020B0604020202020204" pitchFamily="34" charset="0"/>
-                <a:ea typeface="ＭＳ Ｐゴシック" panose="020B0600070205080204" pitchFamily="34" charset="-128"/>
-                <a:cs typeface="Arial" panose="020B0604020202020204" pitchFamily="34" charset="0"/>
-              </a:defRPr>
-            </a:lvl1pPr>
-            <a:lvl2pPr marL="742950" indent="-285750">
-              <a:spcBef>
-                <a:spcPct val="20000"/>
-              </a:spcBef>
-              <a:buChar char="–"/>
-              <a:defRPr sz="2800">
-                <a:solidFill>
-                  <a:schemeClr val="tx1"/>
-                </a:solidFill>
-                <a:latin typeface="Arial" panose="020B0604020202020204" pitchFamily="34" charset="0"/>
-                <a:ea typeface="Arial" panose="020B0604020202020204" pitchFamily="34" charset="0"/>
-                <a:cs typeface="Arial" panose="020B0604020202020204" pitchFamily="34" charset="0"/>
-              </a:defRPr>
-            </a:lvl2pPr>
-            <a:lvl3pPr marL="1143000" indent="-228600">
-              <a:spcBef>
-                <a:spcPct val="20000"/>
-              </a:spcBef>
-              <a:buChar char="•"/>
-              <a:defRPr sz="2400">
-                <a:solidFill>
-                  <a:schemeClr val="tx1"/>
-                </a:solidFill>
-                <a:latin typeface="Arial" panose="020B0604020202020204" pitchFamily="34" charset="0"/>
-                <a:ea typeface="Arial" panose="020B0604020202020204" pitchFamily="34" charset="0"/>
-                <a:cs typeface="Arial" panose="020B0604020202020204" pitchFamily="34" charset="0"/>
-              </a:defRPr>
-            </a:lvl3pPr>
-            <a:lvl4pPr marL="1600200" indent="-228600">
-              <a:spcBef>
-                <a:spcPct val="20000"/>
-              </a:spcBef>
-              <a:buChar char="–"/>
-              <a:defRPr sz="2000">
-                <a:solidFill>
-                  <a:schemeClr val="tx1"/>
-                </a:solidFill>
-                <a:latin typeface="Arial" panose="020B0604020202020204" pitchFamily="34" charset="0"/>
-                <a:ea typeface="Arial" panose="020B0604020202020204" pitchFamily="34" charset="0"/>
-                <a:cs typeface="Arial" panose="020B0604020202020204" pitchFamily="34" charset="0"/>
-              </a:defRPr>
-            </a:lvl4pPr>
-            <a:lvl5pPr marL="2057400" indent="-228600">
-              <a:spcBef>
-                <a:spcPct val="20000"/>
-              </a:spcBef>
-              <a:buChar char="»"/>
-              <a:defRPr sz="2000">
-                <a:solidFill>
-                  <a:schemeClr val="tx1"/>
-                </a:solidFill>
-                <a:latin typeface="Arial" panose="020B0604020202020204" pitchFamily="34" charset="0"/>
-                <a:ea typeface="Arial" panose="020B0604020202020204" pitchFamily="34" charset="0"/>
-                <a:cs typeface="Arial" panose="020B0604020202020204" pitchFamily="34" charset="0"/>
-              </a:defRPr>
-            </a:lvl5pPr>
-            <a:lvl6pPr marL="2514600" indent="-228600" eaLnBrk="0" fontAlgn="base" hangingPunct="0">
-              <a:spcBef>
-                <a:spcPct val="20000"/>
-              </a:spcBef>
-              <a:spcAft>
-                <a:spcPct val="0"/>
-              </a:spcAft>
-              <a:buChar char="»"/>
-              <a:defRPr sz="2000">
-                <a:solidFill>
-                  <a:schemeClr val="tx1"/>
-                </a:solidFill>
-                <a:latin typeface="Arial" panose="020B0604020202020204" pitchFamily="34" charset="0"/>
-                <a:ea typeface="Arial" panose="020B0604020202020204" pitchFamily="34" charset="0"/>
-                <a:cs typeface="Arial" panose="020B0604020202020204" pitchFamily="34" charset="0"/>
-              </a:defRPr>
-            </a:lvl6pPr>
-            <a:lvl7pPr marL="2971800" indent="-228600" eaLnBrk="0" fontAlgn="base" hangingPunct="0">
-              <a:spcBef>
-                <a:spcPct val="20000"/>
-              </a:spcBef>
-              <a:spcAft>
-                <a:spcPct val="0"/>
-              </a:spcAft>
-              <a:buChar char="»"/>
-              <a:defRPr sz="2000">
-                <a:solidFill>
-                  <a:schemeClr val="tx1"/>
-                </a:solidFill>
-                <a:latin typeface="Arial" panose="020B0604020202020204" pitchFamily="34" charset="0"/>
-                <a:ea typeface="Arial" panose="020B0604020202020204" pitchFamily="34" charset="0"/>
-                <a:cs typeface="Arial" panose="020B0604020202020204" pitchFamily="34" charset="0"/>
-              </a:defRPr>
-            </a:lvl7pPr>
-            <a:lvl8pPr marL="3429000" indent="-228600" eaLnBrk="0" fontAlgn="base" hangingPunct="0">
-              <a:spcBef>
-                <a:spcPct val="20000"/>
-              </a:spcBef>
-              <a:spcAft>
-                <a:spcPct val="0"/>
-              </a:spcAft>
-              <a:buChar char="»"/>
-              <a:defRPr sz="2000">
-                <a:solidFill>
-                  <a:schemeClr val="tx1"/>
-                </a:solidFill>
-                <a:latin typeface="Arial" panose="020B0604020202020204" pitchFamily="34" charset="0"/>
-                <a:ea typeface="Arial" panose="020B0604020202020204" pitchFamily="34" charset="0"/>
-                <a:cs typeface="Arial" panose="020B0604020202020204" pitchFamily="34" charset="0"/>
-              </a:defRPr>
-            </a:lvl8pPr>
-            <a:lvl9pPr marL="3886200" indent="-228600" eaLnBrk="0" fontAlgn="base" hangingPunct="0">
-              <a:spcBef>
-                <a:spcPct val="20000"/>
-              </a:spcBef>
-              <a:spcAft>
-                <a:spcPct val="0"/>
-              </a:spcAft>
-              <a:buChar char="»"/>
-              <a:defRPr sz="2000">
-                <a:solidFill>
-                  <a:schemeClr val="tx1"/>
-                </a:solidFill>
-                <a:latin typeface="Arial" panose="020B0604020202020204" pitchFamily="34" charset="0"/>
-                <a:ea typeface="Arial" panose="020B0604020202020204" pitchFamily="34" charset="0"/>
-                <a:cs typeface="Arial" panose="020B0604020202020204" pitchFamily="34" charset="0"/>
-              </a:defRPr>
-            </a:lvl9pPr>
-          </a:lstStyle>
-          <a:p>
-            <a:pPr>
-              <a:spcBef>
-                <a:spcPct val="0"/>
-              </a:spcBef>
-              <a:buFontTx/>
-              <a:buNone/>
-            </a:pPr>
-            <a:endParaRPr lang="en-US" altLang="en-US" sz="1500"/>
-          </a:p>
-        </p:txBody>
-      </p:sp>
-      <p:sp>
-        <p:nvSpPr>
-          <p:cNvPr id="27652" name="TextBox 5">
-            <a:extLst>
-              <a:ext uri="{FF2B5EF4-FFF2-40B4-BE49-F238E27FC236}">
-                <a16:creationId xmlns:a16="http://schemas.microsoft.com/office/drawing/2014/main" id="{D9135003-1544-5E4E-ADFE-49C04929E5EB}"/>
-              </a:ext>
-            </a:extLst>
-          </p:cNvPr>
-          <p:cNvSpPr txBox="1">
-            <a:spLocks noChangeArrowheads="1"/>
-          </p:cNvSpPr>
-          <p:nvPr/>
-        </p:nvSpPr>
-        <p:spPr bwMode="auto">
-          <a:xfrm>
-            <a:off x="3947584" y="1670845"/>
-            <a:ext cx="184731" cy="323165"/>
-          </a:xfrm>
-          <a:prstGeom prst="rect">
-            <a:avLst/>
-          </a:prstGeom>
-          <a:noFill/>
-          <a:ln>
-            <a:noFill/>
-          </a:ln>
-          <a:extLst>
-            <a:ext uri="{909E8E84-426E-40DD-AFC4-6F175D3DCCD1}">
-              <a14:hiddenFill xmlns:a14="http://schemas.microsoft.com/office/drawing/2010/main">
-                <a:solidFill>
-                  <a:srgbClr val="FFFFFF"/>
-                </a:solidFill>
-              </a14:hiddenFill>
-            </a:ext>
-            <a:ext uri="{91240B29-F687-4F45-9708-019B960494DF}">
-              <a14:hiddenLine xmlns:a14="http://schemas.microsoft.com/office/drawing/2010/main" w="9525">
-                <a:solidFill>
-                  <a:srgbClr val="000000"/>
-                </a:solidFill>
-                <a:miter lim="800000"/>
-                <a:headEnd/>
-                <a:tailEnd/>
-              </a14:hiddenLine>
-            </a:ext>
-          </a:extLst>
-        </p:spPr>
-        <p:txBody>
-          <a:bodyPr wrap="none">
-            <a:spAutoFit/>
-          </a:bodyPr>
-          <a:lstStyle>
-            <a:lvl1pPr>
-              <a:spcBef>
-                <a:spcPct val="20000"/>
-              </a:spcBef>
-              <a:buChar char="•"/>
-              <a:defRPr sz="3200">
-                <a:solidFill>
-                  <a:schemeClr val="tx1"/>
-                </a:solidFill>
-                <a:latin typeface="Arial" panose="020B0604020202020204" pitchFamily="34" charset="0"/>
-                <a:ea typeface="ＭＳ Ｐゴシック" panose="020B0600070205080204" pitchFamily="34" charset="-128"/>
-                <a:cs typeface="Arial" panose="020B0604020202020204" pitchFamily="34" charset="0"/>
-              </a:defRPr>
-            </a:lvl1pPr>
-            <a:lvl2pPr marL="742950" indent="-285750">
-              <a:spcBef>
-                <a:spcPct val="20000"/>
-              </a:spcBef>
-              <a:buChar char="–"/>
-              <a:defRPr sz="2800">
-                <a:solidFill>
-                  <a:schemeClr val="tx1"/>
-                </a:solidFill>
-                <a:latin typeface="Arial" panose="020B0604020202020204" pitchFamily="34" charset="0"/>
-                <a:ea typeface="Arial" panose="020B0604020202020204" pitchFamily="34" charset="0"/>
-                <a:cs typeface="Arial" panose="020B0604020202020204" pitchFamily="34" charset="0"/>
-              </a:defRPr>
-            </a:lvl2pPr>
-            <a:lvl3pPr marL="1143000" indent="-228600">
-              <a:spcBef>
-                <a:spcPct val="20000"/>
-              </a:spcBef>
-              <a:buChar char="•"/>
-              <a:defRPr sz="2400">
-                <a:solidFill>
-                  <a:schemeClr val="tx1"/>
-                </a:solidFill>
-                <a:latin typeface="Arial" panose="020B0604020202020204" pitchFamily="34" charset="0"/>
-                <a:ea typeface="Arial" panose="020B0604020202020204" pitchFamily="34" charset="0"/>
-                <a:cs typeface="Arial" panose="020B0604020202020204" pitchFamily="34" charset="0"/>
-              </a:defRPr>
-            </a:lvl3pPr>
-            <a:lvl4pPr marL="1600200" indent="-228600">
-              <a:spcBef>
-                <a:spcPct val="20000"/>
-              </a:spcBef>
-              <a:buChar char="–"/>
-              <a:defRPr sz="2000">
-                <a:solidFill>
-                  <a:schemeClr val="tx1"/>
-                </a:solidFill>
-                <a:latin typeface="Arial" panose="020B0604020202020204" pitchFamily="34" charset="0"/>
-                <a:ea typeface="Arial" panose="020B0604020202020204" pitchFamily="34" charset="0"/>
-                <a:cs typeface="Arial" panose="020B0604020202020204" pitchFamily="34" charset="0"/>
-              </a:defRPr>
-            </a:lvl4pPr>
-            <a:lvl5pPr marL="2057400" indent="-228600">
-              <a:spcBef>
-                <a:spcPct val="20000"/>
-              </a:spcBef>
-              <a:buChar char="»"/>
-              <a:defRPr sz="2000">
-                <a:solidFill>
-                  <a:schemeClr val="tx1"/>
-                </a:solidFill>
-                <a:latin typeface="Arial" panose="020B0604020202020204" pitchFamily="34" charset="0"/>
-                <a:ea typeface="Arial" panose="020B0604020202020204" pitchFamily="34" charset="0"/>
-                <a:cs typeface="Arial" panose="020B0604020202020204" pitchFamily="34" charset="0"/>
-              </a:defRPr>
-            </a:lvl5pPr>
-            <a:lvl6pPr marL="2514600" indent="-228600" eaLnBrk="0" fontAlgn="base" hangingPunct="0">
-              <a:spcBef>
-                <a:spcPct val="20000"/>
-              </a:spcBef>
-              <a:spcAft>
-                <a:spcPct val="0"/>
-              </a:spcAft>
-              <a:buChar char="»"/>
-              <a:defRPr sz="2000">
-                <a:solidFill>
-                  <a:schemeClr val="tx1"/>
-                </a:solidFill>
-                <a:latin typeface="Arial" panose="020B0604020202020204" pitchFamily="34" charset="0"/>
-                <a:ea typeface="Arial" panose="020B0604020202020204" pitchFamily="34" charset="0"/>
-                <a:cs typeface="Arial" panose="020B0604020202020204" pitchFamily="34" charset="0"/>
-              </a:defRPr>
-            </a:lvl6pPr>
-            <a:lvl7pPr marL="2971800" indent="-228600" eaLnBrk="0" fontAlgn="base" hangingPunct="0">
-              <a:spcBef>
-                <a:spcPct val="20000"/>
-              </a:spcBef>
-              <a:spcAft>
-                <a:spcPct val="0"/>
-              </a:spcAft>
-              <a:buChar char="»"/>
-              <a:defRPr sz="2000">
-                <a:solidFill>
-                  <a:schemeClr val="tx1"/>
-                </a:solidFill>
-                <a:latin typeface="Arial" panose="020B0604020202020204" pitchFamily="34" charset="0"/>
-                <a:ea typeface="Arial" panose="020B0604020202020204" pitchFamily="34" charset="0"/>
-                <a:cs typeface="Arial" panose="020B0604020202020204" pitchFamily="34" charset="0"/>
-              </a:defRPr>
-            </a:lvl7pPr>
-            <a:lvl8pPr marL="3429000" indent="-228600" eaLnBrk="0" fontAlgn="base" hangingPunct="0">
-              <a:spcBef>
-                <a:spcPct val="20000"/>
-              </a:spcBef>
-              <a:spcAft>
-                <a:spcPct val="0"/>
-              </a:spcAft>
-              <a:buChar char="»"/>
-              <a:defRPr sz="2000">
-                <a:solidFill>
-                  <a:schemeClr val="tx1"/>
-                </a:solidFill>
-                <a:latin typeface="Arial" panose="020B0604020202020204" pitchFamily="34" charset="0"/>
-                <a:ea typeface="Arial" panose="020B0604020202020204" pitchFamily="34" charset="0"/>
-                <a:cs typeface="Arial" panose="020B0604020202020204" pitchFamily="34" charset="0"/>
-              </a:defRPr>
-            </a:lvl8pPr>
-            <a:lvl9pPr marL="3886200" indent="-228600" eaLnBrk="0" fontAlgn="base" hangingPunct="0">
-              <a:spcBef>
-                <a:spcPct val="20000"/>
-              </a:spcBef>
-              <a:spcAft>
-                <a:spcPct val="0"/>
-              </a:spcAft>
-              <a:buChar char="»"/>
-              <a:defRPr sz="2000">
-                <a:solidFill>
-                  <a:schemeClr val="tx1"/>
-                </a:solidFill>
-                <a:latin typeface="Arial" panose="020B0604020202020204" pitchFamily="34" charset="0"/>
-                <a:ea typeface="Arial" panose="020B0604020202020204" pitchFamily="34" charset="0"/>
-                <a:cs typeface="Arial" panose="020B0604020202020204" pitchFamily="34" charset="0"/>
-              </a:defRPr>
-            </a:lvl9pPr>
-          </a:lstStyle>
-          <a:p>
-            <a:pPr>
-              <a:spcBef>
-                <a:spcPct val="0"/>
-              </a:spcBef>
-              <a:buFontTx/>
-              <a:buNone/>
-            </a:pPr>
-            <a:endParaRPr lang="en-US" altLang="en-US" sz="1500"/>
-          </a:p>
-        </p:txBody>
-      </p:sp>
-      <p:pic>
-        <p:nvPicPr>
-          <p:cNvPr id="27653" name="Picture 4" descr="untitled">
-            <a:extLst>
-              <a:ext uri="{FF2B5EF4-FFF2-40B4-BE49-F238E27FC236}">
-                <a16:creationId xmlns:a16="http://schemas.microsoft.com/office/drawing/2014/main" id="{75F4E284-8B62-804D-956D-6A4F07E681AD}"/>
-              </a:ext>
-            </a:extLst>
-          </p:cNvPr>
-          <p:cNvPicPr>
-            <a:picLocks noChangeAspect="1" noChangeArrowheads="1"/>
-          </p:cNvPicPr>
-          <p:nvPr/>
-        </p:nvPicPr>
-        <p:blipFill>
-          <a:blip r:embed="rId2">
-            <a:extLst>
-              <a:ext uri="{28A0092B-C50C-407E-A947-70E740481C1C}">
-                <a14:useLocalDpi xmlns:a14="http://schemas.microsoft.com/office/drawing/2010/main" val="0"/>
-              </a:ext>
-            </a:extLst>
-          </a:blip>
-          <a:srcRect/>
-          <a:stretch>
-            <a:fillRect/>
-          </a:stretch>
-        </p:blipFill>
-        <p:spPr bwMode="auto">
-          <a:xfrm>
-            <a:off x="2133507" y="3155272"/>
-            <a:ext cx="4398581" cy="2440263"/>
-          </a:xfrm>
-          <a:prstGeom prst="rect">
-            <a:avLst/>
-          </a:prstGeom>
-          <a:noFill/>
-          <a:ln>
-            <a:noFill/>
-          </a:ln>
-          <a:effectLst/>
-          <a:extLst>
-            <a:ext uri="{909E8E84-426E-40DD-AFC4-6F175D3DCCD1}">
-              <a14:hiddenFill xmlns:a14="http://schemas.microsoft.com/office/drawing/2010/main">
-                <a:solidFill>
-                  <a:srgbClr val="FFFFFF"/>
-                </a:solidFill>
-              </a14:hiddenFill>
-            </a:ext>
-            <a:ext uri="{91240B29-F687-4F45-9708-019B960494DF}">
-              <a14:hiddenLine xmlns:a14="http://schemas.microsoft.com/office/drawing/2010/main" w="9525">
-                <a:solidFill>
-                  <a:srgbClr val="000000"/>
-                </a:solidFill>
-                <a:miter lim="800000"/>
-                <a:headEnd/>
-                <a:tailEnd/>
-              </a14:hiddenLine>
-            </a:ext>
-            <a:ext uri="{AF507438-7753-43E0-B8FC-AC1667EBCBE1}">
-              <a14:hiddenEffects xmlns:a14="http://schemas.microsoft.com/office/drawing/2010/main">
-                <a:effectLst>
-                  <a:outerShdw dist="35921" dir="2700000" algn="ctr" rotWithShape="0">
-                    <a:srgbClr val="808080">
-                      <a:alpha val="74997"/>
-                    </a:srgbClr>
-                  </a:outerShdw>
-                </a:effectLst>
-              </a14:hiddenEffects>
-            </a:ext>
-          </a:extLst>
-        </p:spPr>
-      </p:pic>
-    </p:spTree>
-    <p:extLst>
-      <p:ext uri="{BB962C8B-B14F-4D97-AF65-F5344CB8AC3E}">
-        <p14:creationId xmlns:p14="http://schemas.microsoft.com/office/powerpoint/2010/main" val="1694859685"/>
-      </p:ext>
-    </p:extLst>
-  </p:cSld>
-  <p:clrMapOvr>
-    <a:masterClrMapping/>
-  </p:clrMapOvr>
-  <p:timing>
-    <p:tnLst>
-      <p:par>
-        <p:cTn id="1" dur="indefinite" restart="never" nodeType="tmRoot">
-          <p:childTnLst>
-            <p:seq concurrent="1" nextAc="seek">
-              <p:cTn id="2" dur="indefinite" nodeType="mainSeq">
-                <p:childTnLst>
-                  <p:par>
-                    <p:cTn id="3" fill="hold">
-                      <p:stCondLst>
-                        <p:cond delay="indefinite"/>
-                      </p:stCondLst>
-                      <p:childTnLst>
-                        <p:par>
-                          <p:cTn id="4" fill="hold">
-                            <p:stCondLst>
-                              <p:cond delay="0"/>
-                            </p:stCondLst>
-                            <p:childTnLst>
-                              <p:par>
-                                <p:cTn id="5" presetID="1" presetClass="entr" presetSubtype="0" fill="hold" nodeType="clickEffect">
-                                  <p:stCondLst>
-                                    <p:cond delay="0"/>
-                                  </p:stCondLst>
-                                  <p:childTnLst>
-                                    <p:set>
-                                      <p:cBhvr>
-                                        <p:cTn id="6" dur="1" fill="hold">
-                                          <p:stCondLst>
-                                            <p:cond delay="0"/>
-                                          </p:stCondLst>
-                                        </p:cTn>
-                                        <p:tgtEl>
-                                          <p:spTgt spid="3">
-                                            <p:txEl>
-                                              <p:pRg st="1" end="1"/>
-                                            </p:txEl>
-                                          </p:spTgt>
-                                        </p:tgtEl>
-                                        <p:attrNameLst>
-                                          <p:attrName>style.visibility</p:attrName>
-                                        </p:attrNameLst>
-                                      </p:cBhvr>
-                                      <p:to>
-                                        <p:strVal val="visible"/>
-                                      </p:to>
-                                    </p:set>
-                                  </p:childTnLst>
-                                </p:cTn>
-                              </p:par>
-                              <p:par>
-                                <p:cTn id="7" presetID="1" presetClass="entr" presetSubtype="0" fill="hold" nodeType="withEffect">
-                                  <p:stCondLst>
-                                    <p:cond delay="0"/>
-                                  </p:stCondLst>
-                                  <p:childTnLst>
-                                    <p:set>
-                                      <p:cBhvr>
-                                        <p:cTn id="8" dur="1" fill="hold">
-                                          <p:stCondLst>
-                                            <p:cond delay="0"/>
-                                          </p:stCondLst>
-                                        </p:cTn>
-                                        <p:tgtEl>
-                                          <p:spTgt spid="3">
-                                            <p:txEl>
-                                              <p:pRg st="2" end="2"/>
-                                            </p:txEl>
-                                          </p:spTgt>
-                                        </p:tgtEl>
-                                        <p:attrNameLst>
-                                          <p:attrName>style.visibility</p:attrName>
-                                        </p:attrNameLst>
-                                      </p:cBhvr>
-                                      <p:to>
-                                        <p:strVal val="visible"/>
-                                      </p:to>
-                                    </p:set>
-                                  </p:childTnLst>
-                                </p:cTn>
-                              </p:par>
-                              <p:par>
-                                <p:cTn id="9" presetID="1" presetClass="entr" presetSubtype="0" fill="hold" nodeType="withEffect">
-                                  <p:stCondLst>
-                                    <p:cond delay="0"/>
-                                  </p:stCondLst>
-                                  <p:childTnLst>
-                                    <p:set>
-                                      <p:cBhvr>
-                                        <p:cTn id="10" dur="1" fill="hold">
-                                          <p:stCondLst>
-                                            <p:cond delay="0"/>
-                                          </p:stCondLst>
-                                        </p:cTn>
-                                        <p:tgtEl>
-                                          <p:spTgt spid="3">
-                                            <p:txEl>
-                                              <p:pRg st="3" end="3"/>
-                                            </p:txEl>
-                                          </p:spTgt>
-                                        </p:tgtEl>
-                                        <p:attrNameLst>
-                                          <p:attrName>style.visibility</p:attrName>
-                                        </p:attrNameLst>
-                                      </p:cBhvr>
-                                      <p:to>
-                                        <p:strVal val="visible"/>
-                                      </p:to>
-                                    </p:set>
-                                  </p:childTnLst>
-                                </p:cTn>
-                              </p:par>
-                              <p:par>
-                                <p:cTn id="11" presetID="1" presetClass="entr" presetSubtype="0" fill="hold" nodeType="withEffect">
-                                  <p:stCondLst>
-                                    <p:cond delay="0"/>
-                                  </p:stCondLst>
-                                  <p:childTnLst>
-                                    <p:set>
-                                      <p:cBhvr>
-                                        <p:cTn id="12" dur="1" fill="hold">
-                                          <p:stCondLst>
-                                            <p:cond delay="0"/>
-                                          </p:stCondLst>
-                                        </p:cTn>
-                                        <p:tgtEl>
-                                          <p:spTgt spid="3">
-                                            <p:txEl>
-                                              <p:pRg st="4" end="4"/>
-                                            </p:txEl>
-                                          </p:spTgt>
-                                        </p:tgtEl>
-                                        <p:attrNameLst>
-                                          <p:attrName>style.visibility</p:attrName>
-                                        </p:attrNameLst>
-                                      </p:cBhvr>
-                                      <p:to>
-                                        <p:strVal val="visible"/>
-                                      </p:to>
-                                    </p:set>
-                                  </p:childTnLst>
-                                </p:cTn>
-                              </p:par>
-                            </p:childTnLst>
-                          </p:cTn>
-                        </p:par>
-                      </p:childTnLst>
-                    </p:cTn>
-                  </p:par>
-                  <p:par>
-                    <p:cTn id="13" fill="hold">
-                      <p:stCondLst>
-                        <p:cond delay="indefinite"/>
-                      </p:stCondLst>
-                      <p:childTnLst>
-                        <p:par>
-                          <p:cTn id="14" fill="hold">
-                            <p:stCondLst>
-                              <p:cond delay="0"/>
-                            </p:stCondLst>
-                            <p:childTnLst>
-                              <p:par>
-                                <p:cTn id="15" presetID="1" presetClass="entr" presetSubtype="0" fill="hold" nodeType="clickEffect">
-                                  <p:stCondLst>
-                                    <p:cond delay="0"/>
-                                  </p:stCondLst>
-                                  <p:childTnLst>
-                                    <p:set>
-                                      <p:cBhvr>
-                                        <p:cTn id="16" dur="1" fill="hold">
-                                          <p:stCondLst>
-                                            <p:cond delay="0"/>
-                                          </p:stCondLst>
-                                        </p:cTn>
-                                        <p:tgtEl>
-                                          <p:spTgt spid="27653"/>
-                                        </p:tgtEl>
-                                        <p:attrNameLst>
-                                          <p:attrName>style.visibility</p:attrName>
-                                        </p:attrNameLst>
-                                      </p:cBhvr>
-                                      <p:to>
-                                        <p:strVal val="visible"/>
-                                      </p:to>
-                                    </p:set>
-                                  </p:childTnLst>
-                                </p:cTn>
-                              </p:par>
-                            </p:childTnLst>
-                          </p:cTn>
-                        </p:par>
-                      </p:childTnLst>
-                    </p:cTn>
-                  </p:par>
-                </p:childTnLst>
-              </p:cTn>
-              <p:prevCondLst>
-                <p:cond evt="onPrev" delay="0">
-                  <p:tgtEl>
-                    <p:sldTgt/>
-                  </p:tgtEl>
-                </p:cond>
-              </p:prevCondLst>
-              <p:nextCondLst>
-                <p:cond evt="onNext" delay="0">
-                  <p:tgtEl>
-                    <p:sldTgt/>
-                  </p:tgtEl>
-                </p:cond>
-              </p:nextCondLst>
-            </p:seq>
-          </p:childTnLst>
-        </p:cTn>
-      </p:par>
-    </p:tnLst>
-  </p:timing>
-</p:sld>
-</file>
-
-<file path=ppt/slides/slide11.xml><?xml version="1.0" encoding="utf-8"?>
-<p:sld xmlns:a="http://schemas.openxmlformats.org/drawingml/2006/main" xmlns:r="http://schemas.openxmlformats.org/officeDocument/2006/relationships" xmlns:p="http://schemas.openxmlformats.org/presentationml/2006/main">
-  <p:cSld>
-    <p:spTree>
-      <p:nvGrpSpPr>
-        <p:cNvPr id="1" name=""/>
-        <p:cNvGrpSpPr/>
-        <p:nvPr/>
-      </p:nvGrpSpPr>
-      <p:grpSpPr>
-        <a:xfrm>
-          <a:off x="0" y="0"/>
-          <a:ext cx="0" cy="0"/>
-          <a:chOff x="0" y="0"/>
-          <a:chExt cx="0" cy="0"/>
-        </a:xfrm>
-      </p:grpSpPr>
-      <p:sp>
-        <p:nvSpPr>
           <p:cNvPr id="28673" name="Title 1">
             <a:extLst>
               <a:ext uri="{FF2B5EF4-FFF2-40B4-BE49-F238E27FC236}">
@@ -8806,7 +7953,7 @@
 </p:sld>
 </file>
 
-<file path=ppt/slides/slide12.xml><?xml version="1.0" encoding="utf-8"?>
+<file path=ppt/slides/slide11.xml><?xml version="1.0" encoding="utf-8"?>
 <p:sld xmlns:a="http://schemas.openxmlformats.org/drawingml/2006/main" xmlns:r="http://schemas.openxmlformats.org/officeDocument/2006/relationships" xmlns:p="http://schemas.openxmlformats.org/presentationml/2006/main">
   <p:cSld>
     <p:spTree>
@@ -9213,7 +8360,7 @@
 </p:sld>
 </file>
 
-<file path=ppt/slides/slide13.xml><?xml version="1.0" encoding="utf-8"?>
+<file path=ppt/slides/slide12.xml><?xml version="1.0" encoding="utf-8"?>
 <p:sld xmlns:a="http://schemas.openxmlformats.org/drawingml/2006/main" xmlns:r="http://schemas.openxmlformats.org/officeDocument/2006/relationships" xmlns:p="http://schemas.openxmlformats.org/presentationml/2006/main">
   <p:cSld>
     <p:spTree>
@@ -9777,7 +8924,7 @@
 </p:sld>
 </file>
 
-<file path=ppt/slides/slide14.xml><?xml version="1.0" encoding="utf-8"?>
+<file path=ppt/slides/slide13.xml><?xml version="1.0" encoding="utf-8"?>
 <p:sld xmlns:a="http://schemas.openxmlformats.org/drawingml/2006/main" xmlns:r="http://schemas.openxmlformats.org/officeDocument/2006/relationships" xmlns:p="http://schemas.openxmlformats.org/presentationml/2006/main">
   <p:cSld>
     <p:spTree>
@@ -10358,7 +9505,7 @@
 </p:sld>
 </file>
 
-<file path=ppt/slides/slide15.xml><?xml version="1.0" encoding="utf-8"?>
+<file path=ppt/slides/slide14.xml><?xml version="1.0" encoding="utf-8"?>
 <p:sld xmlns:a="http://schemas.openxmlformats.org/drawingml/2006/main" xmlns:r="http://schemas.openxmlformats.org/officeDocument/2006/relationships" xmlns:p="http://schemas.openxmlformats.org/presentationml/2006/main">
   <p:cSld>
     <p:spTree>
@@ -11034,7 +10181,7 @@
 </p:sld>
 </file>
 
-<file path=ppt/slides/slide16.xml><?xml version="1.0" encoding="utf-8"?>
+<file path=ppt/slides/slide15.xml><?xml version="1.0" encoding="utf-8"?>
 <p:sld xmlns:a="http://schemas.openxmlformats.org/drawingml/2006/main" xmlns:r="http://schemas.openxmlformats.org/officeDocument/2006/relationships" xmlns:p="http://schemas.openxmlformats.org/presentationml/2006/main">
   <p:cSld>
     <p:spTree>
@@ -12242,7 +11389,7 @@
 </p:sld>
 </file>
 
-<file path=ppt/slides/slide17.xml><?xml version="1.0" encoding="utf-8"?>
+<file path=ppt/slides/slide16.xml><?xml version="1.0" encoding="utf-8"?>
 <p:sld xmlns:a="http://schemas.openxmlformats.org/drawingml/2006/main" xmlns:r="http://schemas.openxmlformats.org/officeDocument/2006/relationships" xmlns:p="http://schemas.openxmlformats.org/presentationml/2006/main">
   <p:cSld>
     <p:spTree>
@@ -12404,7 +11551,7 @@
           <a:p>
             <a:fld id="{D57F1E4F-1CFF-5643-939E-02111984F565}" type="slidenum">
               <a:rPr lang="en-US" smtClean="0"/>
-              <a:t>17</a:t>
+              <a:t>16</a:t>
             </a:fld>
             <a:endParaRPr lang="en-US" dirty="0"/>
           </a:p>
@@ -12423,7 +11570,7 @@
 </p:sld>
 </file>
 
-<file path=ppt/slides/slide18.xml><?xml version="1.0" encoding="utf-8"?>
+<file path=ppt/slides/slide17.xml><?xml version="1.0" encoding="utf-8"?>
 <p:sld xmlns:a="http://schemas.openxmlformats.org/drawingml/2006/main" xmlns:r="http://schemas.openxmlformats.org/officeDocument/2006/relationships" xmlns:p="http://schemas.openxmlformats.org/presentationml/2006/main">
   <p:cSld>
     <p:spTree>
@@ -12604,7 +11751,7 @@
           <a:p>
             <a:fld id="{D57F1E4F-1CFF-5643-939E-02111984F565}" type="slidenum">
               <a:rPr lang="en-US" smtClean="0"/>
-              <a:t>18</a:t>
+              <a:t>17</a:t>
             </a:fld>
             <a:endParaRPr lang="en-US" dirty="0"/>
           </a:p>
@@ -12655,7 +11802,7 @@
 </p:sld>
 </file>
 
-<file path=ppt/slides/slide19.xml><?xml version="1.0" encoding="utf-8"?>
+<file path=ppt/slides/slide18.xml><?xml version="1.0" encoding="utf-8"?>
 <p:sld xmlns:a="http://schemas.openxmlformats.org/drawingml/2006/main" xmlns:r="http://schemas.openxmlformats.org/officeDocument/2006/relationships" xmlns:p="http://schemas.openxmlformats.org/presentationml/2006/main">
   <p:cSld>
     <p:spTree>
@@ -12786,7 +11933,7 @@
           <a:p>
             <a:fld id="{D57F1E4F-1CFF-5643-939E-02111984F565}" type="slidenum">
               <a:rPr lang="en-US" smtClean="0"/>
-              <a:t>19</a:t>
+              <a:t>18</a:t>
             </a:fld>
             <a:endParaRPr lang="en-US" dirty="0"/>
           </a:p>
@@ -12835,6 +11982,580 @@
   <p:clrMapOvr>
     <a:masterClrMapping/>
   </p:clrMapOvr>
+</p:sld>
+</file>
+
+<file path=ppt/slides/slide19.xml><?xml version="1.0" encoding="utf-8"?>
+<p:sld xmlns:a="http://schemas.openxmlformats.org/drawingml/2006/main" xmlns:r="http://schemas.openxmlformats.org/officeDocument/2006/relationships" xmlns:p="http://schemas.openxmlformats.org/presentationml/2006/main">
+  <p:cSld>
+    <p:spTree>
+      <p:nvGrpSpPr>
+        <p:cNvPr id="1" name=""/>
+        <p:cNvGrpSpPr/>
+        <p:nvPr/>
+      </p:nvGrpSpPr>
+      <p:grpSpPr>
+        <a:xfrm>
+          <a:off x="0" y="0"/>
+          <a:ext cx="0" cy="0"/>
+          <a:chOff x="0" y="0"/>
+          <a:chExt cx="0" cy="0"/>
+        </a:xfrm>
+      </p:grpSpPr>
+      <p:sp>
+        <p:nvSpPr>
+          <p:cNvPr id="21505" name="Title 1">
+            <a:extLst>
+              <a:ext uri="{FF2B5EF4-FFF2-40B4-BE49-F238E27FC236}">
+                <a16:creationId xmlns:a16="http://schemas.microsoft.com/office/drawing/2014/main" id="{BCBA125C-ACA7-FB47-96FC-9420F821AD81}"/>
+              </a:ext>
+            </a:extLst>
+          </p:cNvPr>
+          <p:cNvSpPr>
+            <a:spLocks noGrp="1" noChangeArrowheads="1"/>
+          </p:cNvSpPr>
+          <p:nvPr>
+            <p:ph type="title"/>
+          </p:nvPr>
+        </p:nvSpPr>
+        <p:spPr>
+          <a:xfrm>
+            <a:off x="51276" y="94002"/>
+            <a:ext cx="7886700" cy="605602"/>
+          </a:xfrm>
+        </p:spPr>
+        <p:txBody>
+          <a:bodyPr/>
+          <a:lstStyle/>
+          <a:p>
+            <a:pPr eaLnBrk="1" hangingPunct="1"/>
+            <a:r>
+              <a:rPr lang="en-US" altLang="en-US" dirty="0">
+                <a:ea typeface="ＭＳ Ｐゴシック" panose="020B0600070205080204" pitchFamily="34" charset="-128"/>
+              </a:rPr>
+              <a:t>Abstraction</a:t>
+            </a:r>
+          </a:p>
+        </p:txBody>
+      </p:sp>
+      <p:sp>
+        <p:nvSpPr>
+          <p:cNvPr id="3" name="Content Placeholder 2">
+            <a:extLst>
+              <a:ext uri="{FF2B5EF4-FFF2-40B4-BE49-F238E27FC236}">
+                <a16:creationId xmlns:a16="http://schemas.microsoft.com/office/drawing/2014/main" id="{44A58473-3189-0C44-8A5E-E353CDFB3E5C}"/>
+              </a:ext>
+            </a:extLst>
+          </p:cNvPr>
+          <p:cNvSpPr>
+            <a:spLocks noGrp="1" noChangeArrowheads="1"/>
+          </p:cNvSpPr>
+          <p:nvPr>
+            <p:ph idx="1"/>
+          </p:nvPr>
+        </p:nvSpPr>
+        <p:spPr>
+          <a:xfrm>
+            <a:off x="107355" y="699604"/>
+            <a:ext cx="8985369" cy="4929936"/>
+          </a:xfrm>
+        </p:spPr>
+        <p:txBody>
+          <a:bodyPr/>
+          <a:lstStyle/>
+          <a:p>
+            <a:pPr marL="0" indent="0">
+              <a:buNone/>
+            </a:pPr>
+            <a:r>
+              <a:rPr lang="en-US" b="1" dirty="0"/>
+              <a:t>Abstraction</a:t>
+            </a:r>
+            <a:r>
+              <a:rPr lang="en-US" i="1" dirty="0"/>
+              <a:t> </a:t>
+            </a:r>
+            <a:r>
+              <a:rPr lang="en-US" dirty="0"/>
+              <a:t>is the process of reducing complexity by focusing on the main idea.</a:t>
+            </a:r>
+            <a:br>
+              <a:rPr lang="en-US" dirty="0"/>
+            </a:br>
+            <a:endParaRPr lang="en-US" dirty="0"/>
+          </a:p>
+          <a:p>
+            <a:pPr marL="0" indent="0">
+              <a:buNone/>
+            </a:pPr>
+            <a:r>
+              <a:rPr lang="en-US" dirty="0"/>
+              <a:t>By hiding details irrelevant to the question at hand and bringing together related and useful details, abstraction reduces complexity and allows one to focus on the idea. </a:t>
+            </a:r>
+            <a:endParaRPr lang="en-US" sz="2000" dirty="0"/>
+          </a:p>
+          <a:p>
+            <a:pPr marL="0" indent="0">
+              <a:buNone/>
+            </a:pPr>
+            <a:endParaRPr lang="en-US" altLang="en-US" sz="1833" dirty="0">
+              <a:latin typeface="Tahoma" panose="020B0604030504040204" pitchFamily="34" charset="0"/>
+              <a:ea typeface="ＭＳ Ｐゴシック" panose="020B0600070205080204" pitchFamily="34" charset="-128"/>
+            </a:endParaRPr>
+          </a:p>
+          <a:p>
+            <a:pPr marL="0" indent="0">
+              <a:buNone/>
+            </a:pPr>
+            <a:r>
+              <a:rPr lang="en-US" altLang="en-US" sz="2000" dirty="0">
+                <a:latin typeface="Gill Sans MT" panose="020B0502020104020203" pitchFamily="34" charset="77"/>
+                <a:ea typeface="ＭＳ Ｐゴシック" panose="020B0600070205080204" pitchFamily="34" charset="-128"/>
+              </a:rPr>
+              <a:t>One type of abstraction we saw was </a:t>
+            </a:r>
+            <a:r>
+              <a:rPr lang="en-US" sz="2000" b="1" dirty="0">
+                <a:latin typeface="Gill Sans MT" panose="020B0502020104020203" pitchFamily="34" charset="77"/>
+              </a:rPr>
+              <a:t>procedural abstraction</a:t>
+            </a:r>
+            <a:r>
+              <a:rPr lang="en-US" sz="2000" dirty="0">
+                <a:latin typeface="Gill Sans MT" panose="020B0502020104020203" pitchFamily="34" charset="77"/>
+              </a:rPr>
+              <a:t>, which provides a name for a procedure(function) and allows it to be used only knowing what it does, not how it does it. </a:t>
+            </a:r>
+          </a:p>
+          <a:p>
+            <a:pPr marL="0" indent="0">
+              <a:buNone/>
+            </a:pPr>
+            <a:endParaRPr lang="en-US" altLang="en-US" sz="1833" dirty="0">
+              <a:latin typeface="Tahoma" panose="020B0604030504040204" pitchFamily="34" charset="0"/>
+              <a:ea typeface="ＭＳ Ｐゴシック" panose="020B0600070205080204" pitchFamily="34" charset="-128"/>
+            </a:endParaRPr>
+          </a:p>
+          <a:p>
+            <a:pPr marL="0" indent="0">
+              <a:buNone/>
+            </a:pPr>
+            <a:r>
+              <a:rPr lang="en-US" sz="1800" b="1" dirty="0">
+                <a:latin typeface="INCONSOLATA" panose="020B0609030003000000" pitchFamily="49" charset="77"/>
+              </a:rPr>
+              <a:t>import random</a:t>
+            </a:r>
+          </a:p>
+          <a:p>
+            <a:pPr marL="0" indent="0">
+              <a:buNone/>
+            </a:pPr>
+            <a:r>
+              <a:rPr lang="en-US" sz="1800" b="1" dirty="0">
+                <a:latin typeface="INCONSOLATA" panose="020B0609030003000000" pitchFamily="49" charset="77"/>
+              </a:rPr>
+              <a:t>print(</a:t>
+            </a:r>
+            <a:r>
+              <a:rPr lang="en-US" sz="1800" b="1" dirty="0" err="1">
+                <a:latin typeface="INCONSOLATA" panose="020B0609030003000000" pitchFamily="49" charset="77"/>
+              </a:rPr>
+              <a:t>random.randrange</a:t>
+            </a:r>
+            <a:r>
+              <a:rPr lang="en-US" sz="1800" b="1" dirty="0">
+                <a:latin typeface="INCONSOLATA" panose="020B0609030003000000" pitchFamily="49" charset="77"/>
+              </a:rPr>
+              <a:t>(10)) </a:t>
+            </a:r>
+            <a:r>
+              <a:rPr lang="en-US" sz="1800" b="1" dirty="0">
+                <a:solidFill>
+                  <a:schemeClr val="accent6"/>
+                </a:solidFill>
+                <a:latin typeface="INCONSOLATA" panose="020B0609030003000000" pitchFamily="49" charset="77"/>
+              </a:rPr>
+              <a:t># random number from 0 - 9</a:t>
+            </a:r>
+          </a:p>
+          <a:p>
+            <a:pPr marL="0" indent="0">
+              <a:buNone/>
+            </a:pPr>
+            <a:endParaRPr lang="en-US" sz="1800" b="1" dirty="0">
+              <a:latin typeface="INCONSOLATA" panose="020B0609030003000000" pitchFamily="49" charset="77"/>
+            </a:endParaRPr>
+          </a:p>
+          <a:p>
+            <a:pPr marL="0" indent="0">
+              <a:buNone/>
+            </a:pPr>
+            <a:r>
+              <a:rPr lang="en-US" sz="1800" dirty="0">
+                <a:latin typeface="Gill Sans MT" panose="020B0502020104020203" pitchFamily="34" charset="77"/>
+              </a:rPr>
+              <a:t>We don't need to know how the </a:t>
+            </a:r>
+            <a:r>
+              <a:rPr lang="en-US" sz="1800" dirty="0" err="1">
+                <a:latin typeface="Gill Sans MT" panose="020B0502020104020203" pitchFamily="34" charset="77"/>
+              </a:rPr>
+              <a:t>randrange</a:t>
+            </a:r>
+            <a:r>
+              <a:rPr lang="en-US" sz="1800" dirty="0">
+                <a:latin typeface="Gill Sans MT" panose="020B0502020104020203" pitchFamily="34" charset="77"/>
+              </a:rPr>
+              <a:t>() function is implemented to be able use it. </a:t>
+            </a:r>
+            <a:endParaRPr lang="en-US" sz="1800" dirty="0"/>
+          </a:p>
+          <a:p>
+            <a:pPr marL="0" indent="0">
+              <a:buNone/>
+            </a:pPr>
+            <a:endParaRPr lang="en-US" altLang="en-US" sz="1833" dirty="0">
+              <a:latin typeface="Tahoma" panose="020B0604030504040204" pitchFamily="34" charset="0"/>
+              <a:ea typeface="ＭＳ Ｐゴシック" panose="020B0600070205080204" pitchFamily="34" charset="-128"/>
+            </a:endParaRPr>
+          </a:p>
+        </p:txBody>
+      </p:sp>
+    </p:spTree>
+    <p:extLst>
+      <p:ext uri="{BB962C8B-B14F-4D97-AF65-F5344CB8AC3E}">
+        <p14:creationId xmlns:p14="http://schemas.microsoft.com/office/powerpoint/2010/main" val="1166836157"/>
+      </p:ext>
+    </p:extLst>
+  </p:cSld>
+  <p:clrMapOvr>
+    <a:masterClrMapping/>
+  </p:clrMapOvr>
+  <p:timing>
+    <p:tnLst>
+      <p:par>
+        <p:cTn id="1" dur="indefinite" restart="never" nodeType="tmRoot">
+          <p:childTnLst>
+            <p:seq concurrent="1" nextAc="seek">
+              <p:cTn id="2" dur="indefinite" nodeType="mainSeq">
+                <p:childTnLst>
+                  <p:par>
+                    <p:cTn id="3" fill="hold" nodeType="clickPar">
+                      <p:stCondLst>
+                        <p:cond delay="indefinite"/>
+                      </p:stCondLst>
+                      <p:childTnLst>
+                        <p:par>
+                          <p:cTn id="4" fill="hold" nodeType="withGroup">
+                            <p:stCondLst>
+                              <p:cond delay="0"/>
+                            </p:stCondLst>
+                            <p:childTnLst>
+                              <p:par>
+                                <p:cTn id="5" presetID="1" presetClass="entr" presetSubtype="0" fill="hold" nodeType="clickEffect">
+                                  <p:stCondLst>
+                                    <p:cond delay="0"/>
+                                  </p:stCondLst>
+                                  <p:childTnLst>
+                                    <p:set>
+                                      <p:cBhvr>
+                                        <p:cTn id="6" dur="1" fill="hold">
+                                          <p:stCondLst>
+                                            <p:cond delay="0"/>
+                                          </p:stCondLst>
+                                        </p:cTn>
+                                        <p:tgtEl>
+                                          <p:spTgt spid="3">
+                                            <p:txEl>
+                                              <p:pRg st="0" end="0"/>
+                                            </p:txEl>
+                                          </p:spTgt>
+                                        </p:tgtEl>
+                                        <p:attrNameLst>
+                                          <p:attrName>style.visibility</p:attrName>
+                                        </p:attrNameLst>
+                                      </p:cBhvr>
+                                      <p:to>
+                                        <p:strVal val="visible"/>
+                                      </p:to>
+                                    </p:set>
+                                  </p:childTnLst>
+                                </p:cTn>
+                              </p:par>
+                            </p:childTnLst>
+                          </p:cTn>
+                        </p:par>
+                      </p:childTnLst>
+                    </p:cTn>
+                  </p:par>
+                  <p:par>
+                    <p:cTn id="7" fill="hold">
+                      <p:stCondLst>
+                        <p:cond delay="indefinite"/>
+                      </p:stCondLst>
+                      <p:childTnLst>
+                        <p:par>
+                          <p:cTn id="8" fill="hold">
+                            <p:stCondLst>
+                              <p:cond delay="0"/>
+                            </p:stCondLst>
+                            <p:childTnLst>
+                              <p:par>
+                                <p:cTn id="9" presetID="1" presetClass="entr" presetSubtype="0" fill="hold" nodeType="clickEffect">
+                                  <p:stCondLst>
+                                    <p:cond delay="0"/>
+                                  </p:stCondLst>
+                                  <p:childTnLst>
+                                    <p:set>
+                                      <p:cBhvr>
+                                        <p:cTn id="10" dur="1" fill="hold">
+                                          <p:stCondLst>
+                                            <p:cond delay="0"/>
+                                          </p:stCondLst>
+                                        </p:cTn>
+                                        <p:tgtEl>
+                                          <p:spTgt spid="3">
+                                            <p:txEl>
+                                              <p:pRg st="1" end="1"/>
+                                            </p:txEl>
+                                          </p:spTgt>
+                                        </p:tgtEl>
+                                        <p:attrNameLst>
+                                          <p:attrName>style.visibility</p:attrName>
+                                        </p:attrNameLst>
+                                      </p:cBhvr>
+                                      <p:to>
+                                        <p:strVal val="visible"/>
+                                      </p:to>
+                                    </p:set>
+                                  </p:childTnLst>
+                                </p:cTn>
+                              </p:par>
+                            </p:childTnLst>
+                          </p:cTn>
+                        </p:par>
+                      </p:childTnLst>
+                    </p:cTn>
+                  </p:par>
+                  <p:par>
+                    <p:cTn id="11" fill="hold">
+                      <p:stCondLst>
+                        <p:cond delay="indefinite"/>
+                      </p:stCondLst>
+                      <p:childTnLst>
+                        <p:par>
+                          <p:cTn id="12" fill="hold">
+                            <p:stCondLst>
+                              <p:cond delay="0"/>
+                            </p:stCondLst>
+                            <p:childTnLst>
+                              <p:par>
+                                <p:cTn id="13" presetID="1" presetClass="entr" presetSubtype="0" fill="hold" nodeType="clickEffect">
+                                  <p:stCondLst>
+                                    <p:cond delay="0"/>
+                                  </p:stCondLst>
+                                  <p:childTnLst>
+                                    <p:set>
+                                      <p:cBhvr>
+                                        <p:cTn id="14" dur="1" fill="hold">
+                                          <p:stCondLst>
+                                            <p:cond delay="0"/>
+                                          </p:stCondLst>
+                                        </p:cTn>
+                                        <p:tgtEl>
+                                          <p:spTgt spid="3">
+                                            <p:txEl>
+                                              <p:pRg st="3" end="3"/>
+                                            </p:txEl>
+                                          </p:spTgt>
+                                        </p:tgtEl>
+                                        <p:attrNameLst>
+                                          <p:attrName>style.visibility</p:attrName>
+                                        </p:attrNameLst>
+                                      </p:cBhvr>
+                                      <p:to>
+                                        <p:strVal val="visible"/>
+                                      </p:to>
+                                    </p:set>
+                                  </p:childTnLst>
+                                </p:cTn>
+                              </p:par>
+                            </p:childTnLst>
+                          </p:cTn>
+                        </p:par>
+                      </p:childTnLst>
+                    </p:cTn>
+                  </p:par>
+                  <p:par>
+                    <p:cTn id="15" fill="hold">
+                      <p:stCondLst>
+                        <p:cond delay="indefinite"/>
+                      </p:stCondLst>
+                      <p:childTnLst>
+                        <p:par>
+                          <p:cTn id="16" fill="hold">
+                            <p:stCondLst>
+                              <p:cond delay="0"/>
+                            </p:stCondLst>
+                            <p:childTnLst>
+                              <p:par>
+                                <p:cTn id="17" presetID="1" presetClass="entr" presetSubtype="0" fill="hold" nodeType="clickEffect">
+                                  <p:stCondLst>
+                                    <p:cond delay="0"/>
+                                  </p:stCondLst>
+                                  <p:childTnLst>
+                                    <p:set>
+                                      <p:cBhvr>
+                                        <p:cTn id="18" dur="1" fill="hold">
+                                          <p:stCondLst>
+                                            <p:cond delay="0"/>
+                                          </p:stCondLst>
+                                        </p:cTn>
+                                        <p:tgtEl>
+                                          <p:spTgt spid="3">
+                                            <p:txEl>
+                                              <p:pRg st="5" end="5"/>
+                                            </p:txEl>
+                                          </p:spTgt>
+                                        </p:tgtEl>
+                                        <p:attrNameLst>
+                                          <p:attrName>style.visibility</p:attrName>
+                                        </p:attrNameLst>
+                                      </p:cBhvr>
+                                      <p:to>
+                                        <p:strVal val="visible"/>
+                                      </p:to>
+                                    </p:set>
+                                  </p:childTnLst>
+                                </p:cTn>
+                              </p:par>
+                            </p:childTnLst>
+                          </p:cTn>
+                        </p:par>
+                      </p:childTnLst>
+                    </p:cTn>
+                  </p:par>
+                  <p:par>
+                    <p:cTn id="19" fill="hold">
+                      <p:stCondLst>
+                        <p:cond delay="indefinite"/>
+                      </p:stCondLst>
+                      <p:childTnLst>
+                        <p:par>
+                          <p:cTn id="20" fill="hold">
+                            <p:stCondLst>
+                              <p:cond delay="0"/>
+                            </p:stCondLst>
+                            <p:childTnLst>
+                              <p:par>
+                                <p:cTn id="21" presetID="1" presetClass="entr" presetSubtype="0" fill="hold" nodeType="clickEffect">
+                                  <p:stCondLst>
+                                    <p:cond delay="0"/>
+                                  </p:stCondLst>
+                                  <p:childTnLst>
+                                    <p:set>
+                                      <p:cBhvr>
+                                        <p:cTn id="22" dur="1" fill="hold">
+                                          <p:stCondLst>
+                                            <p:cond delay="0"/>
+                                          </p:stCondLst>
+                                        </p:cTn>
+                                        <p:tgtEl>
+                                          <p:spTgt spid="3">
+                                            <p:txEl>
+                                              <p:pRg st="6" end="6"/>
+                                            </p:txEl>
+                                          </p:spTgt>
+                                        </p:tgtEl>
+                                        <p:attrNameLst>
+                                          <p:attrName>style.visibility</p:attrName>
+                                        </p:attrNameLst>
+                                      </p:cBhvr>
+                                      <p:to>
+                                        <p:strVal val="visible"/>
+                                      </p:to>
+                                    </p:set>
+                                  </p:childTnLst>
+                                </p:cTn>
+                              </p:par>
+                            </p:childTnLst>
+                          </p:cTn>
+                        </p:par>
+                      </p:childTnLst>
+                    </p:cTn>
+                  </p:par>
+                  <p:par>
+                    <p:cTn id="23" fill="hold">
+                      <p:stCondLst>
+                        <p:cond delay="indefinite"/>
+                      </p:stCondLst>
+                      <p:childTnLst>
+                        <p:par>
+                          <p:cTn id="24" fill="hold">
+                            <p:stCondLst>
+                              <p:cond delay="0"/>
+                            </p:stCondLst>
+                            <p:childTnLst>
+                              <p:par>
+                                <p:cTn id="25" presetID="1" presetClass="entr" presetSubtype="0" fill="hold" nodeType="clickEffect">
+                                  <p:stCondLst>
+                                    <p:cond delay="0"/>
+                                  </p:stCondLst>
+                                  <p:childTnLst>
+                                    <p:set>
+                                      <p:cBhvr>
+                                        <p:cTn id="26" dur="1" fill="hold">
+                                          <p:stCondLst>
+                                            <p:cond delay="0"/>
+                                          </p:stCondLst>
+                                        </p:cTn>
+                                        <p:tgtEl>
+                                          <p:spTgt spid="3">
+                                            <p:txEl>
+                                              <p:pRg st="8" end="8"/>
+                                            </p:txEl>
+                                          </p:spTgt>
+                                        </p:tgtEl>
+                                        <p:attrNameLst>
+                                          <p:attrName>style.visibility</p:attrName>
+                                        </p:attrNameLst>
+                                      </p:cBhvr>
+                                      <p:to>
+                                        <p:strVal val="visible"/>
+                                      </p:to>
+                                    </p:set>
+                                  </p:childTnLst>
+                                </p:cTn>
+                              </p:par>
+                            </p:childTnLst>
+                          </p:cTn>
+                        </p:par>
+                      </p:childTnLst>
+                    </p:cTn>
+                  </p:par>
+                </p:childTnLst>
+              </p:cTn>
+              <p:prevCondLst>
+                <p:cond evt="onPrev" delay="0">
+                  <p:tgtEl>
+                    <p:sldTgt/>
+                  </p:tgtEl>
+                </p:cond>
+              </p:prevCondLst>
+              <p:nextCondLst>
+                <p:cond evt="onNext" delay="0">
+                  <p:tgtEl>
+                    <p:sldTgt/>
+                  </p:tgtEl>
+                </p:cond>
+              </p:nextCondLst>
+            </p:seq>
+          </p:childTnLst>
+        </p:cTn>
+      </p:par>
+    </p:tnLst>
+  </p:timing>
 </p:sld>
 </file>
 
@@ -13453,580 +13174,6 @@
       </p:grpSpPr>
       <p:sp>
         <p:nvSpPr>
-          <p:cNvPr id="21505" name="Title 1">
-            <a:extLst>
-              <a:ext uri="{FF2B5EF4-FFF2-40B4-BE49-F238E27FC236}">
-                <a16:creationId xmlns:a16="http://schemas.microsoft.com/office/drawing/2014/main" id="{BCBA125C-ACA7-FB47-96FC-9420F821AD81}"/>
-              </a:ext>
-            </a:extLst>
-          </p:cNvPr>
-          <p:cNvSpPr>
-            <a:spLocks noGrp="1" noChangeArrowheads="1"/>
-          </p:cNvSpPr>
-          <p:nvPr>
-            <p:ph type="title"/>
-          </p:nvPr>
-        </p:nvSpPr>
-        <p:spPr>
-          <a:xfrm>
-            <a:off x="51276" y="94002"/>
-            <a:ext cx="7886700" cy="605602"/>
-          </a:xfrm>
-        </p:spPr>
-        <p:txBody>
-          <a:bodyPr/>
-          <a:lstStyle/>
-          <a:p>
-            <a:pPr eaLnBrk="1" hangingPunct="1"/>
-            <a:r>
-              <a:rPr lang="en-US" altLang="en-US" dirty="0">
-                <a:ea typeface="ＭＳ Ｐゴシック" panose="020B0600070205080204" pitchFamily="34" charset="-128"/>
-              </a:rPr>
-              <a:t>Abstraction</a:t>
-            </a:r>
-          </a:p>
-        </p:txBody>
-      </p:sp>
-      <p:sp>
-        <p:nvSpPr>
-          <p:cNvPr id="3" name="Content Placeholder 2">
-            <a:extLst>
-              <a:ext uri="{FF2B5EF4-FFF2-40B4-BE49-F238E27FC236}">
-                <a16:creationId xmlns:a16="http://schemas.microsoft.com/office/drawing/2014/main" id="{44A58473-3189-0C44-8A5E-E353CDFB3E5C}"/>
-              </a:ext>
-            </a:extLst>
-          </p:cNvPr>
-          <p:cNvSpPr>
-            <a:spLocks noGrp="1" noChangeArrowheads="1"/>
-          </p:cNvSpPr>
-          <p:nvPr>
-            <p:ph idx="1"/>
-          </p:nvPr>
-        </p:nvSpPr>
-        <p:spPr>
-          <a:xfrm>
-            <a:off x="107355" y="699604"/>
-            <a:ext cx="8985369" cy="4929936"/>
-          </a:xfrm>
-        </p:spPr>
-        <p:txBody>
-          <a:bodyPr/>
-          <a:lstStyle/>
-          <a:p>
-            <a:pPr marL="0" indent="0">
-              <a:buNone/>
-            </a:pPr>
-            <a:r>
-              <a:rPr lang="en-US" b="1" dirty="0"/>
-              <a:t>Abstraction</a:t>
-            </a:r>
-            <a:r>
-              <a:rPr lang="en-US" i="1" dirty="0"/>
-              <a:t> </a:t>
-            </a:r>
-            <a:r>
-              <a:rPr lang="en-US" dirty="0"/>
-              <a:t>is the process of reducing complexity by focusing on the main idea.</a:t>
-            </a:r>
-            <a:br>
-              <a:rPr lang="en-US" dirty="0"/>
-            </a:br>
-            <a:endParaRPr lang="en-US" dirty="0"/>
-          </a:p>
-          <a:p>
-            <a:pPr marL="0" indent="0">
-              <a:buNone/>
-            </a:pPr>
-            <a:r>
-              <a:rPr lang="en-US" dirty="0"/>
-              <a:t>By hiding details irrelevant to the question at hand and bringing together related and useful details, abstraction reduces complexity and allows one to focus on the idea. </a:t>
-            </a:r>
-            <a:endParaRPr lang="en-US" sz="2000" dirty="0"/>
-          </a:p>
-          <a:p>
-            <a:pPr marL="0" indent="0">
-              <a:buNone/>
-            </a:pPr>
-            <a:endParaRPr lang="en-US" altLang="en-US" sz="1833" dirty="0">
-              <a:latin typeface="Tahoma" panose="020B0604030504040204" pitchFamily="34" charset="0"/>
-              <a:ea typeface="ＭＳ Ｐゴシック" panose="020B0600070205080204" pitchFamily="34" charset="-128"/>
-            </a:endParaRPr>
-          </a:p>
-          <a:p>
-            <a:pPr marL="0" indent="0">
-              <a:buNone/>
-            </a:pPr>
-            <a:r>
-              <a:rPr lang="en-US" altLang="en-US" sz="2000" dirty="0">
-                <a:latin typeface="Gill Sans MT" panose="020B0502020104020203" pitchFamily="34" charset="77"/>
-                <a:ea typeface="ＭＳ Ｐゴシック" panose="020B0600070205080204" pitchFamily="34" charset="-128"/>
-              </a:rPr>
-              <a:t>One type of abstraction we saw was </a:t>
-            </a:r>
-            <a:r>
-              <a:rPr lang="en-US" sz="2000" b="1" dirty="0">
-                <a:latin typeface="Gill Sans MT" panose="020B0502020104020203" pitchFamily="34" charset="77"/>
-              </a:rPr>
-              <a:t>procedural abstraction</a:t>
-            </a:r>
-            <a:r>
-              <a:rPr lang="en-US" sz="2000" dirty="0">
-                <a:latin typeface="Gill Sans MT" panose="020B0502020104020203" pitchFamily="34" charset="77"/>
-              </a:rPr>
-              <a:t>, which provides a name for a procedure(function) and allows it to be used only knowing what it does, not how it does it. </a:t>
-            </a:r>
-          </a:p>
-          <a:p>
-            <a:pPr marL="0" indent="0">
-              <a:buNone/>
-            </a:pPr>
-            <a:endParaRPr lang="en-US" altLang="en-US" sz="1833" dirty="0">
-              <a:latin typeface="Tahoma" panose="020B0604030504040204" pitchFamily="34" charset="0"/>
-              <a:ea typeface="ＭＳ Ｐゴシック" panose="020B0600070205080204" pitchFamily="34" charset="-128"/>
-            </a:endParaRPr>
-          </a:p>
-          <a:p>
-            <a:pPr marL="0" indent="0">
-              <a:buNone/>
-            </a:pPr>
-            <a:r>
-              <a:rPr lang="en-US" sz="1800" b="1" dirty="0">
-                <a:latin typeface="INCONSOLATA" panose="020B0609030003000000" pitchFamily="49" charset="77"/>
-              </a:rPr>
-              <a:t>import random</a:t>
-            </a:r>
-          </a:p>
-          <a:p>
-            <a:pPr marL="0" indent="0">
-              <a:buNone/>
-            </a:pPr>
-            <a:r>
-              <a:rPr lang="en-US" sz="1800" b="1" dirty="0">
-                <a:latin typeface="INCONSOLATA" panose="020B0609030003000000" pitchFamily="49" charset="77"/>
-              </a:rPr>
-              <a:t>print(</a:t>
-            </a:r>
-            <a:r>
-              <a:rPr lang="en-US" sz="1800" b="1" dirty="0" err="1">
-                <a:latin typeface="INCONSOLATA" panose="020B0609030003000000" pitchFamily="49" charset="77"/>
-              </a:rPr>
-              <a:t>random.randrange</a:t>
-            </a:r>
-            <a:r>
-              <a:rPr lang="en-US" sz="1800" b="1" dirty="0">
-                <a:latin typeface="INCONSOLATA" panose="020B0609030003000000" pitchFamily="49" charset="77"/>
-              </a:rPr>
-              <a:t>(10)) </a:t>
-            </a:r>
-            <a:r>
-              <a:rPr lang="en-US" sz="1800" b="1" dirty="0">
-                <a:solidFill>
-                  <a:schemeClr val="accent6"/>
-                </a:solidFill>
-                <a:latin typeface="INCONSOLATA" panose="020B0609030003000000" pitchFamily="49" charset="77"/>
-              </a:rPr>
-              <a:t># random number from 0 - 9</a:t>
-            </a:r>
-          </a:p>
-          <a:p>
-            <a:pPr marL="0" indent="0">
-              <a:buNone/>
-            </a:pPr>
-            <a:endParaRPr lang="en-US" sz="1800" b="1" dirty="0">
-              <a:latin typeface="INCONSOLATA" panose="020B0609030003000000" pitchFamily="49" charset="77"/>
-            </a:endParaRPr>
-          </a:p>
-          <a:p>
-            <a:pPr marL="0" indent="0">
-              <a:buNone/>
-            </a:pPr>
-            <a:r>
-              <a:rPr lang="en-US" sz="1800" dirty="0">
-                <a:latin typeface="Gill Sans MT" panose="020B0502020104020203" pitchFamily="34" charset="77"/>
-              </a:rPr>
-              <a:t>We don't need to know how the </a:t>
-            </a:r>
-            <a:r>
-              <a:rPr lang="en-US" sz="1800" dirty="0" err="1">
-                <a:latin typeface="Gill Sans MT" panose="020B0502020104020203" pitchFamily="34" charset="77"/>
-              </a:rPr>
-              <a:t>randrange</a:t>
-            </a:r>
-            <a:r>
-              <a:rPr lang="en-US" sz="1800" dirty="0">
-                <a:latin typeface="Gill Sans MT" panose="020B0502020104020203" pitchFamily="34" charset="77"/>
-              </a:rPr>
-              <a:t>() function is implemented to be able use it. </a:t>
-            </a:r>
-            <a:endParaRPr lang="en-US" sz="1800" dirty="0"/>
-          </a:p>
-          <a:p>
-            <a:pPr marL="0" indent="0">
-              <a:buNone/>
-            </a:pPr>
-            <a:endParaRPr lang="en-US" altLang="en-US" sz="1833" dirty="0">
-              <a:latin typeface="Tahoma" panose="020B0604030504040204" pitchFamily="34" charset="0"/>
-              <a:ea typeface="ＭＳ Ｐゴシック" panose="020B0600070205080204" pitchFamily="34" charset="-128"/>
-            </a:endParaRPr>
-          </a:p>
-        </p:txBody>
-      </p:sp>
-    </p:spTree>
-    <p:extLst>
-      <p:ext uri="{BB962C8B-B14F-4D97-AF65-F5344CB8AC3E}">
-        <p14:creationId xmlns:p14="http://schemas.microsoft.com/office/powerpoint/2010/main" val="1166836157"/>
-      </p:ext>
-    </p:extLst>
-  </p:cSld>
-  <p:clrMapOvr>
-    <a:masterClrMapping/>
-  </p:clrMapOvr>
-  <p:timing>
-    <p:tnLst>
-      <p:par>
-        <p:cTn id="1" dur="indefinite" restart="never" nodeType="tmRoot">
-          <p:childTnLst>
-            <p:seq concurrent="1" nextAc="seek">
-              <p:cTn id="2" dur="indefinite" nodeType="mainSeq">
-                <p:childTnLst>
-                  <p:par>
-                    <p:cTn id="3" fill="hold" nodeType="clickPar">
-                      <p:stCondLst>
-                        <p:cond delay="indefinite"/>
-                      </p:stCondLst>
-                      <p:childTnLst>
-                        <p:par>
-                          <p:cTn id="4" fill="hold" nodeType="withGroup">
-                            <p:stCondLst>
-                              <p:cond delay="0"/>
-                            </p:stCondLst>
-                            <p:childTnLst>
-                              <p:par>
-                                <p:cTn id="5" presetID="1" presetClass="entr" presetSubtype="0" fill="hold" nodeType="clickEffect">
-                                  <p:stCondLst>
-                                    <p:cond delay="0"/>
-                                  </p:stCondLst>
-                                  <p:childTnLst>
-                                    <p:set>
-                                      <p:cBhvr>
-                                        <p:cTn id="6" dur="1" fill="hold">
-                                          <p:stCondLst>
-                                            <p:cond delay="0"/>
-                                          </p:stCondLst>
-                                        </p:cTn>
-                                        <p:tgtEl>
-                                          <p:spTgt spid="3">
-                                            <p:txEl>
-                                              <p:pRg st="0" end="0"/>
-                                            </p:txEl>
-                                          </p:spTgt>
-                                        </p:tgtEl>
-                                        <p:attrNameLst>
-                                          <p:attrName>style.visibility</p:attrName>
-                                        </p:attrNameLst>
-                                      </p:cBhvr>
-                                      <p:to>
-                                        <p:strVal val="visible"/>
-                                      </p:to>
-                                    </p:set>
-                                  </p:childTnLst>
-                                </p:cTn>
-                              </p:par>
-                            </p:childTnLst>
-                          </p:cTn>
-                        </p:par>
-                      </p:childTnLst>
-                    </p:cTn>
-                  </p:par>
-                  <p:par>
-                    <p:cTn id="7" fill="hold">
-                      <p:stCondLst>
-                        <p:cond delay="indefinite"/>
-                      </p:stCondLst>
-                      <p:childTnLst>
-                        <p:par>
-                          <p:cTn id="8" fill="hold">
-                            <p:stCondLst>
-                              <p:cond delay="0"/>
-                            </p:stCondLst>
-                            <p:childTnLst>
-                              <p:par>
-                                <p:cTn id="9" presetID="1" presetClass="entr" presetSubtype="0" fill="hold" nodeType="clickEffect">
-                                  <p:stCondLst>
-                                    <p:cond delay="0"/>
-                                  </p:stCondLst>
-                                  <p:childTnLst>
-                                    <p:set>
-                                      <p:cBhvr>
-                                        <p:cTn id="10" dur="1" fill="hold">
-                                          <p:stCondLst>
-                                            <p:cond delay="0"/>
-                                          </p:stCondLst>
-                                        </p:cTn>
-                                        <p:tgtEl>
-                                          <p:spTgt spid="3">
-                                            <p:txEl>
-                                              <p:pRg st="1" end="1"/>
-                                            </p:txEl>
-                                          </p:spTgt>
-                                        </p:tgtEl>
-                                        <p:attrNameLst>
-                                          <p:attrName>style.visibility</p:attrName>
-                                        </p:attrNameLst>
-                                      </p:cBhvr>
-                                      <p:to>
-                                        <p:strVal val="visible"/>
-                                      </p:to>
-                                    </p:set>
-                                  </p:childTnLst>
-                                </p:cTn>
-                              </p:par>
-                            </p:childTnLst>
-                          </p:cTn>
-                        </p:par>
-                      </p:childTnLst>
-                    </p:cTn>
-                  </p:par>
-                  <p:par>
-                    <p:cTn id="11" fill="hold">
-                      <p:stCondLst>
-                        <p:cond delay="indefinite"/>
-                      </p:stCondLst>
-                      <p:childTnLst>
-                        <p:par>
-                          <p:cTn id="12" fill="hold">
-                            <p:stCondLst>
-                              <p:cond delay="0"/>
-                            </p:stCondLst>
-                            <p:childTnLst>
-                              <p:par>
-                                <p:cTn id="13" presetID="1" presetClass="entr" presetSubtype="0" fill="hold" nodeType="clickEffect">
-                                  <p:stCondLst>
-                                    <p:cond delay="0"/>
-                                  </p:stCondLst>
-                                  <p:childTnLst>
-                                    <p:set>
-                                      <p:cBhvr>
-                                        <p:cTn id="14" dur="1" fill="hold">
-                                          <p:stCondLst>
-                                            <p:cond delay="0"/>
-                                          </p:stCondLst>
-                                        </p:cTn>
-                                        <p:tgtEl>
-                                          <p:spTgt spid="3">
-                                            <p:txEl>
-                                              <p:pRg st="3" end="3"/>
-                                            </p:txEl>
-                                          </p:spTgt>
-                                        </p:tgtEl>
-                                        <p:attrNameLst>
-                                          <p:attrName>style.visibility</p:attrName>
-                                        </p:attrNameLst>
-                                      </p:cBhvr>
-                                      <p:to>
-                                        <p:strVal val="visible"/>
-                                      </p:to>
-                                    </p:set>
-                                  </p:childTnLst>
-                                </p:cTn>
-                              </p:par>
-                            </p:childTnLst>
-                          </p:cTn>
-                        </p:par>
-                      </p:childTnLst>
-                    </p:cTn>
-                  </p:par>
-                  <p:par>
-                    <p:cTn id="15" fill="hold">
-                      <p:stCondLst>
-                        <p:cond delay="indefinite"/>
-                      </p:stCondLst>
-                      <p:childTnLst>
-                        <p:par>
-                          <p:cTn id="16" fill="hold">
-                            <p:stCondLst>
-                              <p:cond delay="0"/>
-                            </p:stCondLst>
-                            <p:childTnLst>
-                              <p:par>
-                                <p:cTn id="17" presetID="1" presetClass="entr" presetSubtype="0" fill="hold" nodeType="clickEffect">
-                                  <p:stCondLst>
-                                    <p:cond delay="0"/>
-                                  </p:stCondLst>
-                                  <p:childTnLst>
-                                    <p:set>
-                                      <p:cBhvr>
-                                        <p:cTn id="18" dur="1" fill="hold">
-                                          <p:stCondLst>
-                                            <p:cond delay="0"/>
-                                          </p:stCondLst>
-                                        </p:cTn>
-                                        <p:tgtEl>
-                                          <p:spTgt spid="3">
-                                            <p:txEl>
-                                              <p:pRg st="5" end="5"/>
-                                            </p:txEl>
-                                          </p:spTgt>
-                                        </p:tgtEl>
-                                        <p:attrNameLst>
-                                          <p:attrName>style.visibility</p:attrName>
-                                        </p:attrNameLst>
-                                      </p:cBhvr>
-                                      <p:to>
-                                        <p:strVal val="visible"/>
-                                      </p:to>
-                                    </p:set>
-                                  </p:childTnLst>
-                                </p:cTn>
-                              </p:par>
-                            </p:childTnLst>
-                          </p:cTn>
-                        </p:par>
-                      </p:childTnLst>
-                    </p:cTn>
-                  </p:par>
-                  <p:par>
-                    <p:cTn id="19" fill="hold">
-                      <p:stCondLst>
-                        <p:cond delay="indefinite"/>
-                      </p:stCondLst>
-                      <p:childTnLst>
-                        <p:par>
-                          <p:cTn id="20" fill="hold">
-                            <p:stCondLst>
-                              <p:cond delay="0"/>
-                            </p:stCondLst>
-                            <p:childTnLst>
-                              <p:par>
-                                <p:cTn id="21" presetID="1" presetClass="entr" presetSubtype="0" fill="hold" nodeType="clickEffect">
-                                  <p:stCondLst>
-                                    <p:cond delay="0"/>
-                                  </p:stCondLst>
-                                  <p:childTnLst>
-                                    <p:set>
-                                      <p:cBhvr>
-                                        <p:cTn id="22" dur="1" fill="hold">
-                                          <p:stCondLst>
-                                            <p:cond delay="0"/>
-                                          </p:stCondLst>
-                                        </p:cTn>
-                                        <p:tgtEl>
-                                          <p:spTgt spid="3">
-                                            <p:txEl>
-                                              <p:pRg st="6" end="6"/>
-                                            </p:txEl>
-                                          </p:spTgt>
-                                        </p:tgtEl>
-                                        <p:attrNameLst>
-                                          <p:attrName>style.visibility</p:attrName>
-                                        </p:attrNameLst>
-                                      </p:cBhvr>
-                                      <p:to>
-                                        <p:strVal val="visible"/>
-                                      </p:to>
-                                    </p:set>
-                                  </p:childTnLst>
-                                </p:cTn>
-                              </p:par>
-                            </p:childTnLst>
-                          </p:cTn>
-                        </p:par>
-                      </p:childTnLst>
-                    </p:cTn>
-                  </p:par>
-                  <p:par>
-                    <p:cTn id="23" fill="hold">
-                      <p:stCondLst>
-                        <p:cond delay="indefinite"/>
-                      </p:stCondLst>
-                      <p:childTnLst>
-                        <p:par>
-                          <p:cTn id="24" fill="hold">
-                            <p:stCondLst>
-                              <p:cond delay="0"/>
-                            </p:stCondLst>
-                            <p:childTnLst>
-                              <p:par>
-                                <p:cTn id="25" presetID="1" presetClass="entr" presetSubtype="0" fill="hold" nodeType="clickEffect">
-                                  <p:stCondLst>
-                                    <p:cond delay="0"/>
-                                  </p:stCondLst>
-                                  <p:childTnLst>
-                                    <p:set>
-                                      <p:cBhvr>
-                                        <p:cTn id="26" dur="1" fill="hold">
-                                          <p:stCondLst>
-                                            <p:cond delay="0"/>
-                                          </p:stCondLst>
-                                        </p:cTn>
-                                        <p:tgtEl>
-                                          <p:spTgt spid="3">
-                                            <p:txEl>
-                                              <p:pRg st="8" end="8"/>
-                                            </p:txEl>
-                                          </p:spTgt>
-                                        </p:tgtEl>
-                                        <p:attrNameLst>
-                                          <p:attrName>style.visibility</p:attrName>
-                                        </p:attrNameLst>
-                                      </p:cBhvr>
-                                      <p:to>
-                                        <p:strVal val="visible"/>
-                                      </p:to>
-                                    </p:set>
-                                  </p:childTnLst>
-                                </p:cTn>
-                              </p:par>
-                            </p:childTnLst>
-                          </p:cTn>
-                        </p:par>
-                      </p:childTnLst>
-                    </p:cTn>
-                  </p:par>
-                </p:childTnLst>
-              </p:cTn>
-              <p:prevCondLst>
-                <p:cond evt="onPrev" delay="0">
-                  <p:tgtEl>
-                    <p:sldTgt/>
-                  </p:tgtEl>
-                </p:cond>
-              </p:prevCondLst>
-              <p:nextCondLst>
-                <p:cond evt="onNext" delay="0">
-                  <p:tgtEl>
-                    <p:sldTgt/>
-                  </p:tgtEl>
-                </p:cond>
-              </p:nextCondLst>
-            </p:seq>
-          </p:childTnLst>
-        </p:cTn>
-      </p:par>
-    </p:tnLst>
-  </p:timing>
-</p:sld>
-</file>
-
-<file path=ppt/slides/slide21.xml><?xml version="1.0" encoding="utf-8"?>
-<p:sld xmlns:a="http://schemas.openxmlformats.org/drawingml/2006/main" xmlns:r="http://schemas.openxmlformats.org/officeDocument/2006/relationships" xmlns:p="http://schemas.openxmlformats.org/presentationml/2006/main">
-  <p:cSld>
-    <p:spTree>
-      <p:nvGrpSpPr>
-        <p:cNvPr id="1" name=""/>
-        <p:cNvGrpSpPr/>
-        <p:nvPr/>
-      </p:nvGrpSpPr>
-      <p:grpSpPr>
-        <a:xfrm>
-          <a:off x="0" y="0"/>
-          <a:ext cx="0" cy="0"/>
-          <a:chOff x="0" y="0"/>
-          <a:chExt cx="0" cy="0"/>
-        </a:xfrm>
-      </p:grpSpPr>
-      <p:sp>
-        <p:nvSpPr>
           <p:cNvPr id="186370" name="Rectangle 2">
             <a:extLst>
               <a:ext uri="{FF2B5EF4-FFF2-40B4-BE49-F238E27FC236}">
@@ -14256,7 +13403,7 @@
           <a:p>
             <a:fld id="{D57F1E4F-1CFF-5643-939E-02111984F565}" type="slidenum">
               <a:rPr lang="en-US" smtClean="0"/>
-              <a:t>21</a:t>
+              <a:t>20</a:t>
             </a:fld>
             <a:endParaRPr lang="en-US" dirty="0"/>
           </a:p>
@@ -14678,7 +13825,7 @@
 </p:sld>
 </file>
 
-<file path=ppt/slides/slide22.xml><?xml version="1.0" encoding="utf-8"?>
+<file path=ppt/slides/slide21.xml><?xml version="1.0" encoding="utf-8"?>
 <p:sld xmlns:a="http://schemas.openxmlformats.org/drawingml/2006/main" xmlns:r="http://schemas.openxmlformats.org/officeDocument/2006/relationships" xmlns:p="http://schemas.openxmlformats.org/presentationml/2006/main">
   <p:cSld>
     <p:spTree>
@@ -15279,7 +14426,7 @@
 </p:sld>
 </file>
 
-<file path=ppt/slides/slide23.xml><?xml version="1.0" encoding="utf-8"?>
+<file path=ppt/slides/slide22.xml><?xml version="1.0" encoding="utf-8"?>
 <p:sld xmlns:a="http://schemas.openxmlformats.org/drawingml/2006/main" xmlns:r="http://schemas.openxmlformats.org/officeDocument/2006/relationships" xmlns:p="http://schemas.openxmlformats.org/presentationml/2006/main">
   <p:cSld>
     <p:spTree>
@@ -15957,7 +15104,7 @@
 </p:sld>
 </file>
 
-<file path=ppt/slides/slide24.xml><?xml version="1.0" encoding="utf-8"?>
+<file path=ppt/slides/slide23.xml><?xml version="1.0" encoding="utf-8"?>
 <p:sld xmlns:a="http://schemas.openxmlformats.org/drawingml/2006/main" xmlns:r="http://schemas.openxmlformats.org/officeDocument/2006/relationships" xmlns:p="http://schemas.openxmlformats.org/presentationml/2006/main">
   <p:cSld>
     <p:spTree>
@@ -17053,7 +16200,7 @@
 </p:sld>
 </file>
 
-<file path=ppt/slides/slide25.xml><?xml version="1.0" encoding="utf-8"?>
+<file path=ppt/slides/slide24.xml><?xml version="1.0" encoding="utf-8"?>
 <p:sld xmlns:a="http://schemas.openxmlformats.org/drawingml/2006/main" xmlns:r="http://schemas.openxmlformats.org/officeDocument/2006/relationships" xmlns:p="http://schemas.openxmlformats.org/presentationml/2006/main">
   <p:cSld>
     <p:spTree>
@@ -18770,7 +17917,7 @@
 </p:sld>
 </file>
 
-<file path=ppt/slides/slide26.xml><?xml version="1.0" encoding="utf-8"?>
+<file path=ppt/slides/slide25.xml><?xml version="1.0" encoding="utf-8"?>
 <p:sld xmlns:a="http://schemas.openxmlformats.org/drawingml/2006/main" xmlns:r="http://schemas.openxmlformats.org/officeDocument/2006/relationships" xmlns:p="http://schemas.openxmlformats.org/presentationml/2006/main">
   <p:cSld>
     <p:spTree>
@@ -20048,7 +19195,7 @@
 </p:sld>
 </file>
 
-<file path=ppt/slides/slide27.xml><?xml version="1.0" encoding="utf-8"?>
+<file path=ppt/slides/slide26.xml><?xml version="1.0" encoding="utf-8"?>
 <p:sld xmlns:a="http://schemas.openxmlformats.org/drawingml/2006/main" xmlns:r="http://schemas.openxmlformats.org/officeDocument/2006/relationships" xmlns:p="http://schemas.openxmlformats.org/presentationml/2006/main">
   <p:cSld>
     <p:spTree>
@@ -20415,7 +19562,7 @@
 </p:sld>
 </file>
 
-<file path=ppt/slides/slide28.xml><?xml version="1.0" encoding="utf-8"?>
+<file path=ppt/slides/slide27.xml><?xml version="1.0" encoding="utf-8"?>
 <p:sld xmlns:a="http://schemas.openxmlformats.org/drawingml/2006/main" xmlns:r="http://schemas.openxmlformats.org/officeDocument/2006/relationships" xmlns:p="http://schemas.openxmlformats.org/presentationml/2006/main">
   <p:cSld>
     <p:spTree>
@@ -21083,105 +20230,6 @@
       </p:par>
     </p:tnLst>
   </p:timing>
-</p:sld>
-</file>
-
-<file path=ppt/slides/slide29.xml><?xml version="1.0" encoding="utf-8"?>
-<p:sld xmlns:a="http://schemas.openxmlformats.org/drawingml/2006/main" xmlns:r="http://schemas.openxmlformats.org/officeDocument/2006/relationships" xmlns:p="http://schemas.openxmlformats.org/presentationml/2006/main">
-  <p:cSld>
-    <p:spTree>
-      <p:nvGrpSpPr>
-        <p:cNvPr id="1" name=""/>
-        <p:cNvGrpSpPr/>
-        <p:nvPr/>
-      </p:nvGrpSpPr>
-      <p:grpSpPr>
-        <a:xfrm>
-          <a:off x="0" y="0"/>
-          <a:ext cx="0" cy="0"/>
-          <a:chOff x="0" y="0"/>
-          <a:chExt cx="0" cy="0"/>
-        </a:xfrm>
-      </p:grpSpPr>
-      <p:sp>
-        <p:nvSpPr>
-          <p:cNvPr id="55297" name="Title 1">
-            <a:extLst>
-              <a:ext uri="{FF2B5EF4-FFF2-40B4-BE49-F238E27FC236}">
-                <a16:creationId xmlns:a16="http://schemas.microsoft.com/office/drawing/2014/main" id="{04EF925E-10C6-394F-AB0C-F09871E99CC4}"/>
-              </a:ext>
-            </a:extLst>
-          </p:cNvPr>
-          <p:cNvSpPr>
-            <a:spLocks noGrp="1" noChangeArrowheads="1"/>
-          </p:cNvSpPr>
-          <p:nvPr>
-            <p:ph type="title"/>
-          </p:nvPr>
-        </p:nvSpPr>
-        <p:spPr/>
-        <p:txBody>
-          <a:bodyPr/>
-          <a:lstStyle/>
-          <a:p>
-            <a:pPr eaLnBrk="1" hangingPunct="1"/>
-            <a:r>
-              <a:rPr lang="en-US" altLang="en-US">
-                <a:ea typeface="ＭＳ Ｐゴシック" panose="020B0600070205080204" pitchFamily="34" charset="-128"/>
-              </a:rPr>
-              <a:t>References</a:t>
-            </a:r>
-          </a:p>
-        </p:txBody>
-      </p:sp>
-      <p:sp>
-        <p:nvSpPr>
-          <p:cNvPr id="55298" name="Content Placeholder 2">
-            <a:extLst>
-              <a:ext uri="{FF2B5EF4-FFF2-40B4-BE49-F238E27FC236}">
-                <a16:creationId xmlns:a16="http://schemas.microsoft.com/office/drawing/2014/main" id="{4AA38F8C-E2AA-EA4D-A486-FA2F457B38F7}"/>
-              </a:ext>
-            </a:extLst>
-          </p:cNvPr>
-          <p:cNvSpPr>
-            <a:spLocks noGrp="1" noChangeArrowheads="1"/>
-          </p:cNvSpPr>
-          <p:nvPr>
-            <p:ph idx="1"/>
-          </p:nvPr>
-        </p:nvSpPr>
-        <p:spPr>
-          <a:xfrm>
-            <a:off x="290557" y="1128046"/>
-            <a:ext cx="8588523" cy="4190080"/>
-          </a:xfrm>
-        </p:spPr>
-        <p:txBody>
-          <a:bodyPr>
-            <a:normAutofit/>
-          </a:bodyPr>
-          <a:lstStyle/>
-          <a:p>
-            <a:pPr marL="0" indent="0">
-              <a:buNone/>
-            </a:pPr>
-            <a:endParaRPr lang="en-US" altLang="en-US" sz="1800" dirty="0">
-              <a:latin typeface="Gill Sans MT" panose="020B0502020104020203" pitchFamily="34" charset="77"/>
-              <a:ea typeface="ＭＳ Ｐゴシック" panose="020B0600070205080204" pitchFamily="34" charset="-128"/>
-            </a:endParaRPr>
-          </a:p>
-        </p:txBody>
-      </p:sp>
-    </p:spTree>
-    <p:extLst>
-      <p:ext uri="{BB962C8B-B14F-4D97-AF65-F5344CB8AC3E}">
-        <p14:creationId xmlns:p14="http://schemas.microsoft.com/office/powerpoint/2010/main" val="1270247652"/>
-      </p:ext>
-    </p:extLst>
-  </p:cSld>
-  <p:clrMapOvr>
-    <a:masterClrMapping/>
-  </p:clrMapOvr>
 </p:sld>
 </file>
 

--- a/courses/apcsp/lect14a.pptx
+++ b/courses/apcsp/lect14a.pptx
@@ -5,7 +5,7 @@
     <p:sldMasterId id="2147483791" r:id="rId1"/>
   </p:sldMasterIdLst>
   <p:notesMasterIdLst>
-    <p:notesMasterId r:id="rId29"/>
+    <p:notesMasterId r:id="rId32"/>
   </p:notesMasterIdLst>
   <p:sldIdLst>
     <p:sldId id="349" r:id="rId2"/>
@@ -31,10 +31,13 @@
     <p:sldId id="627" r:id="rId22"/>
     <p:sldId id="328" r:id="rId23"/>
     <p:sldId id="329" r:id="rId24"/>
-    <p:sldId id="628" r:id="rId25"/>
-    <p:sldId id="629" r:id="rId26"/>
-    <p:sldId id="598" r:id="rId27"/>
-    <p:sldId id="649" r:id="rId28"/>
+    <p:sldId id="335" r:id="rId25"/>
+    <p:sldId id="336" r:id="rId26"/>
+    <p:sldId id="337" r:id="rId27"/>
+    <p:sldId id="628" r:id="rId28"/>
+    <p:sldId id="629" r:id="rId29"/>
+    <p:sldId id="598" r:id="rId30"/>
+    <p:sldId id="649" r:id="rId31"/>
   </p:sldIdLst>
   <p:sldSz cx="9144000" cy="5715000" type="screen16x10"/>
   <p:notesSz cx="6858000" cy="9144000"/>
@@ -141,12 +144,20 @@
 </p:presentation>
 </file>
 
+<file path=ppt/revisionInfo.xml><?xml version="1.0" encoding="utf-8"?>
+<p1510:revInfo xmlns:a="http://schemas.openxmlformats.org/drawingml/2006/main" xmlns:r="http://schemas.openxmlformats.org/officeDocument/2006/relationships" xmlns:p1510="http://schemas.microsoft.com/office/powerpoint/2015/10/main">
+  <p1510:revLst>
+    <p1510:client id="{C6ABB480-C010-584A-AC18-3EA8C44B919D}" v="42" dt="2022-02-08T18:27:04.387"/>
+  </p1510:revLst>
+</p1510:revInfo>
+</file>
+
 <file path=ppt/changesInfos/changesInfo1.xml><?xml version="1.0" encoding="utf-8"?>
 <pc:chgInfo xmlns:a="http://schemas.openxmlformats.org/drawingml/2006/main" xmlns:r="http://schemas.openxmlformats.org/officeDocument/2006/relationships" xmlns:ac="http://schemas.microsoft.com/office/drawing/2013/main/command" xmlns:pc="http://schemas.microsoft.com/office/powerpoint/2013/main/command">
   <pc:docChgLst>
     <pc:chgData name="Long Nguyen" userId="f59fb8f3-a021-417a-8bc1-65c8d471c621" providerId="ADAL" clId="{C6ABB480-C010-584A-AC18-3EA8C44B919D}"/>
-    <pc:docChg chg="delSld">
-      <pc:chgData name="Long Nguyen" userId="f59fb8f3-a021-417a-8bc1-65c8d471c621" providerId="ADAL" clId="{C6ABB480-C010-584A-AC18-3EA8C44B919D}" dt="2022-02-07T17:38:44.101" v="1" actId="2696"/>
+    <pc:docChg chg="custSel addSld delSld modSld">
+      <pc:chgData name="Long Nguyen" userId="f59fb8f3-a021-417a-8bc1-65c8d471c621" providerId="ADAL" clId="{C6ABB480-C010-584A-AC18-3EA8C44B919D}" dt="2022-02-08T18:27:04.387" v="79"/>
       <pc:docMkLst>
         <pc:docMk/>
       </pc:docMkLst>
@@ -157,11 +168,146 @@
           <pc:sldMk cId="1694859685" sldId="319"/>
         </pc:sldMkLst>
       </pc:sldChg>
+      <pc:sldChg chg="add">
+        <pc:chgData name="Long Nguyen" userId="f59fb8f3-a021-417a-8bc1-65c8d471c621" providerId="ADAL" clId="{C6ABB480-C010-584A-AC18-3EA8C44B919D}" dt="2022-02-08T15:34:04.824" v="6"/>
+        <pc:sldMkLst>
+          <pc:docMk/>
+          <pc:sldMk cId="55574211" sldId="329"/>
+        </pc:sldMkLst>
+      </pc:sldChg>
+      <pc:sldChg chg="del">
+        <pc:chgData name="Long Nguyen" userId="f59fb8f3-a021-417a-8bc1-65c8d471c621" providerId="ADAL" clId="{C6ABB480-C010-584A-AC18-3EA8C44B919D}" dt="2022-02-08T15:34:02.373" v="5" actId="2696"/>
+        <pc:sldMkLst>
+          <pc:docMk/>
+          <pc:sldMk cId="1447299358" sldId="329"/>
+        </pc:sldMkLst>
+      </pc:sldChg>
+      <pc:sldChg chg="modSp add mod modAnim">
+        <pc:chgData name="Long Nguyen" userId="f59fb8f3-a021-417a-8bc1-65c8d471c621" providerId="ADAL" clId="{C6ABB480-C010-584A-AC18-3EA8C44B919D}" dt="2022-02-08T15:36:21.423" v="18" actId="27636"/>
+        <pc:sldMkLst>
+          <pc:docMk/>
+          <pc:sldMk cId="3866550465" sldId="335"/>
+        </pc:sldMkLst>
+        <pc:spChg chg="mod">
+          <ac:chgData name="Long Nguyen" userId="f59fb8f3-a021-417a-8bc1-65c8d471c621" providerId="ADAL" clId="{C6ABB480-C010-584A-AC18-3EA8C44B919D}" dt="2022-02-08T15:36:21.423" v="18" actId="27636"/>
+          <ac:spMkLst>
+            <pc:docMk/>
+            <pc:sldMk cId="3866550465" sldId="335"/>
+            <ac:spMk id="3" creationId="{4F1EC0A4-9C99-4C4C-8EB1-0CF10BF35EF6}"/>
+          </ac:spMkLst>
+        </pc:spChg>
+        <pc:spChg chg="mod">
+          <ac:chgData name="Long Nguyen" userId="f59fb8f3-a021-417a-8bc1-65c8d471c621" providerId="ADAL" clId="{C6ABB480-C010-584A-AC18-3EA8C44B919D}" dt="2022-02-08T15:35:52.400" v="8" actId="1076"/>
+          <ac:spMkLst>
+            <pc:docMk/>
+            <pc:sldMk cId="3866550465" sldId="335"/>
+            <ac:spMk id="46081" creationId="{757C5CE4-E449-0B4E-873C-236EF71BBBF0}"/>
+          </ac:spMkLst>
+        </pc:spChg>
+      </pc:sldChg>
+      <pc:sldChg chg="modSp add mod modAnim">
+        <pc:chgData name="Long Nguyen" userId="f59fb8f3-a021-417a-8bc1-65c8d471c621" providerId="ADAL" clId="{C6ABB480-C010-584A-AC18-3EA8C44B919D}" dt="2022-02-08T15:37:07.783" v="29" actId="14100"/>
+        <pc:sldMkLst>
+          <pc:docMk/>
+          <pc:sldMk cId="3749436800" sldId="336"/>
+        </pc:sldMkLst>
+        <pc:spChg chg="mod">
+          <ac:chgData name="Long Nguyen" userId="f59fb8f3-a021-417a-8bc1-65c8d471c621" providerId="ADAL" clId="{C6ABB480-C010-584A-AC18-3EA8C44B919D}" dt="2022-02-08T15:37:07.783" v="29" actId="14100"/>
+          <ac:spMkLst>
+            <pc:docMk/>
+            <pc:sldMk cId="3749436800" sldId="336"/>
+            <ac:spMk id="3" creationId="{02BD6BC0-0DF6-1C41-B2F6-DF171A4BD0C7}"/>
+          </ac:spMkLst>
+        </pc:spChg>
+        <pc:spChg chg="mod">
+          <ac:chgData name="Long Nguyen" userId="f59fb8f3-a021-417a-8bc1-65c8d471c621" providerId="ADAL" clId="{C6ABB480-C010-584A-AC18-3EA8C44B919D}" dt="2022-02-08T15:36:37.976" v="20" actId="1076"/>
+          <ac:spMkLst>
+            <pc:docMk/>
+            <pc:sldMk cId="3749436800" sldId="336"/>
+            <ac:spMk id="47105" creationId="{1DE02734-8557-4D41-97D1-1E8E963F734C}"/>
+          </ac:spMkLst>
+        </pc:spChg>
+      </pc:sldChg>
+      <pc:sldChg chg="addSp modSp add mod modAnim">
+        <pc:chgData name="Long Nguyen" userId="f59fb8f3-a021-417a-8bc1-65c8d471c621" providerId="ADAL" clId="{C6ABB480-C010-584A-AC18-3EA8C44B919D}" dt="2022-02-08T15:38:08.553" v="68"/>
+        <pc:sldMkLst>
+          <pc:docMk/>
+          <pc:sldMk cId="461704868" sldId="337"/>
+        </pc:sldMkLst>
+        <pc:spChg chg="mod">
+          <ac:chgData name="Long Nguyen" userId="f59fb8f3-a021-417a-8bc1-65c8d471c621" providerId="ADAL" clId="{C6ABB480-C010-584A-AC18-3EA8C44B919D}" dt="2022-02-08T15:38:08.553" v="68"/>
+          <ac:spMkLst>
+            <pc:docMk/>
+            <pc:sldMk cId="461704868" sldId="337"/>
+            <ac:spMk id="3" creationId="{EDD173A5-7515-4344-96F1-DFBABC544ED0}"/>
+          </ac:spMkLst>
+        </pc:spChg>
+        <pc:spChg chg="mod">
+          <ac:chgData name="Long Nguyen" userId="f59fb8f3-a021-417a-8bc1-65c8d471c621" providerId="ADAL" clId="{C6ABB480-C010-584A-AC18-3EA8C44B919D}" dt="2022-02-08T15:37:38.278" v="49" actId="20577"/>
+          <ac:spMkLst>
+            <pc:docMk/>
+            <pc:sldMk cId="461704868" sldId="337"/>
+            <ac:spMk id="48129" creationId="{328FB4D7-49E6-9E40-B559-A0D74E019365}"/>
+          </ac:spMkLst>
+        </pc:spChg>
+        <pc:picChg chg="add mod">
+          <ac:chgData name="Long Nguyen" userId="f59fb8f3-a021-417a-8bc1-65c8d471c621" providerId="ADAL" clId="{C6ABB480-C010-584A-AC18-3EA8C44B919D}" dt="2022-02-08T15:37:55.435" v="57" actId="1076"/>
+          <ac:picMkLst>
+            <pc:docMk/>
+            <pc:sldMk cId="461704868" sldId="337"/>
+            <ac:picMk id="5" creationId="{CA642D09-6AF6-464A-A462-CA3AD0CFF973}"/>
+          </ac:picMkLst>
+        </pc:picChg>
+      </pc:sldChg>
+      <pc:sldChg chg="add del">
+        <pc:chgData name="Long Nguyen" userId="f59fb8f3-a021-417a-8bc1-65c8d471c621" providerId="ADAL" clId="{C6ABB480-C010-584A-AC18-3EA8C44B919D}" dt="2022-02-08T15:38:11.977" v="69" actId="2696"/>
+        <pc:sldMkLst>
+          <pc:docMk/>
+          <pc:sldMk cId="545386500" sldId="338"/>
+        </pc:sldMkLst>
+      </pc:sldChg>
       <pc:sldChg chg="del">
         <pc:chgData name="Long Nguyen" userId="f59fb8f3-a021-417a-8bc1-65c8d471c621" providerId="ADAL" clId="{C6ABB480-C010-584A-AC18-3EA8C44B919D}" dt="2022-02-07T17:38:44.101" v="1" actId="2696"/>
         <pc:sldMkLst>
           <pc:docMk/>
           <pc:sldMk cId="1270247652" sldId="344"/>
+        </pc:sldMkLst>
+      </pc:sldChg>
+      <pc:sldChg chg="modSp mod">
+        <pc:chgData name="Long Nguyen" userId="f59fb8f3-a021-417a-8bc1-65c8d471c621" providerId="ADAL" clId="{C6ABB480-C010-584A-AC18-3EA8C44B919D}" dt="2022-02-08T15:33:46.376" v="4" actId="27636"/>
+        <pc:sldMkLst>
+          <pc:docMk/>
+          <pc:sldMk cId="1173183267" sldId="350"/>
+        </pc:sldMkLst>
+        <pc:spChg chg="mod">
+          <ac:chgData name="Long Nguyen" userId="f59fb8f3-a021-417a-8bc1-65c8d471c621" providerId="ADAL" clId="{C6ABB480-C010-584A-AC18-3EA8C44B919D}" dt="2022-02-08T15:33:46.376" v="4" actId="27636"/>
+          <ac:spMkLst>
+            <pc:docMk/>
+            <pc:sldMk cId="1173183267" sldId="350"/>
+            <ac:spMk id="3" creationId="{44A58473-3189-0C44-8A5E-E353CDFB3E5C}"/>
+          </ac:spMkLst>
+        </pc:spChg>
+      </pc:sldChg>
+      <pc:sldChg chg="modSp mod modAnim">
+        <pc:chgData name="Long Nguyen" userId="f59fb8f3-a021-417a-8bc1-65c8d471c621" providerId="ADAL" clId="{C6ABB480-C010-584A-AC18-3EA8C44B919D}" dt="2022-02-08T18:26:15.943" v="76"/>
+        <pc:sldMkLst>
+          <pc:docMk/>
+          <pc:sldMk cId="781734240" sldId="628"/>
+        </pc:sldMkLst>
+        <pc:spChg chg="mod">
+          <ac:chgData name="Long Nguyen" userId="f59fb8f3-a021-417a-8bc1-65c8d471c621" providerId="ADAL" clId="{C6ABB480-C010-584A-AC18-3EA8C44B919D}" dt="2022-02-08T18:24:37.968" v="71" actId="27636"/>
+          <ac:spMkLst>
+            <pc:docMk/>
+            <pc:sldMk cId="781734240" sldId="628"/>
+            <ac:spMk id="3" creationId="{D7CDD189-AC0E-DF4B-95CF-A617BFC2B7FC}"/>
+          </ac:spMkLst>
+        </pc:spChg>
+      </pc:sldChg>
+      <pc:sldChg chg="modAnim">
+        <pc:chgData name="Long Nguyen" userId="f59fb8f3-a021-417a-8bc1-65c8d471c621" providerId="ADAL" clId="{C6ABB480-C010-584A-AC18-3EA8C44B919D}" dt="2022-02-08T18:27:04.387" v="79"/>
+        <pc:sldMkLst>
+          <pc:docMk/>
+          <pc:sldMk cId="4189100123" sldId="629"/>
         </pc:sldMkLst>
       </pc:sldChg>
     </pc:docChg>
@@ -3246,7 +3392,7 @@
           <a:p>
             <a:fld id="{11759725-BFEE-644C-A872-B7D4268C5620}" type="datetimeFigureOut">
               <a:rPr lang="en-US" smtClean="0"/>
-              <a:t>2/7/22</a:t>
+              <a:t>2/8/22</a:t>
             </a:fld>
             <a:endParaRPr lang="en-US"/>
           </a:p>
@@ -3681,7 +3827,7 @@
             <a:fld id="{1483603F-536E-5348-85CA-469E92E29B2B}" type="slidenum">
               <a:rPr lang="en-US" altLang="en-US" smtClean="0"/>
               <a:pPr/>
-              <a:t>26</a:t>
+              <a:t>29</a:t>
             </a:fld>
             <a:endParaRPr lang="en-US" altLang="en-US"/>
           </a:p>
@@ -3969,7 +4115,7 @@
             <a:fld id="{1483603F-536E-5348-85CA-469E92E29B2B}" type="slidenum">
               <a:rPr lang="en-US" altLang="en-US" smtClean="0"/>
               <a:pPr/>
-              <a:t>27</a:t>
+              <a:t>30</a:t>
             </a:fld>
             <a:endParaRPr lang="en-US" altLang="en-US"/>
           </a:p>
@@ -4220,7 +4366,7 @@
           <a:p>
             <a:fld id="{4AAD347D-5ACD-4C99-B74B-A9C85AD731AF}" type="datetimeFigureOut">
               <a:rPr lang="en-US" smtClean="0"/>
-              <a:t>2/7/22</a:t>
+              <a:t>2/8/22</a:t>
             </a:fld>
             <a:endParaRPr lang="en-US" dirty="0"/>
           </a:p>
@@ -4390,7 +4536,7 @@
           <a:p>
             <a:fld id="{4509A250-FF31-4206-8172-F9D3106AACB1}" type="datetimeFigureOut">
               <a:rPr lang="en-US" smtClean="0"/>
-              <a:t>2/7/22</a:t>
+              <a:t>2/8/22</a:t>
             </a:fld>
             <a:endParaRPr lang="en-US" dirty="0"/>
           </a:p>
@@ -4570,7 +4716,7 @@
           <a:p>
             <a:fld id="{4509A250-FF31-4206-8172-F9D3106AACB1}" type="datetimeFigureOut">
               <a:rPr lang="en-US" smtClean="0"/>
-              <a:t>2/7/22</a:t>
+              <a:t>2/8/22</a:t>
             </a:fld>
             <a:endParaRPr lang="en-US" dirty="0"/>
           </a:p>
@@ -4740,7 +4886,7 @@
           <a:p>
             <a:fld id="{4509A250-FF31-4206-8172-F9D3106AACB1}" type="datetimeFigureOut">
               <a:rPr lang="en-US" smtClean="0"/>
-              <a:t>2/7/22</a:t>
+              <a:t>2/8/22</a:t>
             </a:fld>
             <a:endParaRPr lang="en-US" dirty="0"/>
           </a:p>
@@ -4986,7 +5132,7 @@
           <a:p>
             <a:fld id="{9796027F-7875-4030-9381-8BD8C4F21935}" type="datetimeFigureOut">
               <a:rPr lang="en-US" smtClean="0"/>
-              <a:t>2/7/22</a:t>
+              <a:t>2/8/22</a:t>
             </a:fld>
             <a:endParaRPr lang="en-US" dirty="0"/>
           </a:p>
@@ -5218,7 +5364,7 @@
           <a:p>
             <a:fld id="{9796027F-7875-4030-9381-8BD8C4F21935}" type="datetimeFigureOut">
               <a:rPr lang="en-US" smtClean="0"/>
-              <a:t>2/7/22</a:t>
+              <a:t>2/8/22</a:t>
             </a:fld>
             <a:endParaRPr lang="en-US" dirty="0"/>
           </a:p>
@@ -5585,7 +5731,7 @@
           <a:p>
             <a:fld id="{9796027F-7875-4030-9381-8BD8C4F21935}" type="datetimeFigureOut">
               <a:rPr lang="en-US" smtClean="0"/>
-              <a:t>2/7/22</a:t>
+              <a:t>2/8/22</a:t>
             </a:fld>
             <a:endParaRPr lang="en-US" dirty="0"/>
           </a:p>
@@ -5703,7 +5849,7 @@
           <a:p>
             <a:fld id="{4509A250-FF31-4206-8172-F9D3106AACB1}" type="datetimeFigureOut">
               <a:rPr lang="en-US" smtClean="0"/>
-              <a:t>2/7/22</a:t>
+              <a:t>2/8/22</a:t>
             </a:fld>
             <a:endParaRPr lang="en-US" dirty="0"/>
           </a:p>
@@ -5798,7 +5944,7 @@
           <a:p>
             <a:fld id="{4509A250-FF31-4206-8172-F9D3106AACB1}" type="datetimeFigureOut">
               <a:rPr lang="en-US" smtClean="0"/>
-              <a:t>2/7/22</a:t>
+              <a:t>2/8/22</a:t>
             </a:fld>
             <a:endParaRPr lang="en-US" dirty="0"/>
           </a:p>
@@ -6075,7 +6221,7 @@
           <a:p>
             <a:fld id="{4509A250-FF31-4206-8172-F9D3106AACB1}" type="datetimeFigureOut">
               <a:rPr lang="en-US" smtClean="0"/>
-              <a:t>2/7/22</a:t>
+              <a:t>2/8/22</a:t>
             </a:fld>
             <a:endParaRPr lang="en-US" dirty="0"/>
           </a:p>
@@ -6332,7 +6478,7 @@
           <a:p>
             <a:fld id="{4509A250-FF31-4206-8172-F9D3106AACB1}" type="datetimeFigureOut">
               <a:rPr lang="en-US" smtClean="0"/>
-              <a:t>2/7/22</a:t>
+              <a:t>2/8/22</a:t>
             </a:fld>
             <a:endParaRPr lang="en-US" dirty="0"/>
           </a:p>
@@ -6545,7 +6691,7 @@
           <a:p>
             <a:fld id="{4AAD347D-5ACD-4C99-B74B-A9C85AD731AF}" type="datetimeFigureOut">
               <a:rPr lang="en-US" smtClean="0"/>
-              <a:t>2/7/22</a:t>
+              <a:t>2/8/22</a:t>
             </a:fld>
             <a:endParaRPr lang="en-US" dirty="0"/>
           </a:p>
@@ -12635,7 +12781,9 @@
           </a:xfrm>
         </p:spPr>
         <p:txBody>
-          <a:bodyPr/>
+          <a:bodyPr>
+            <a:normAutofit lnSpcReduction="10000"/>
+          </a:bodyPr>
           <a:lstStyle/>
           <a:p>
             <a:pPr marL="0" indent="0">
@@ -15732,7 +15880,7 @@
     </p:spTree>
     <p:extLst>
       <p:ext uri="{BB962C8B-B14F-4D97-AF65-F5344CB8AC3E}">
-        <p14:creationId xmlns:p14="http://schemas.microsoft.com/office/powerpoint/2010/main" val="1447299358"/>
+        <p14:creationId xmlns:p14="http://schemas.microsoft.com/office/powerpoint/2010/main" val="55574211"/>
       </p:ext>
     </p:extLst>
   </p:cSld>
@@ -16219,10 +16367,10 @@
       </p:grpSpPr>
       <p:sp>
         <p:nvSpPr>
-          <p:cNvPr id="37889" name="Title 1">
+          <p:cNvPr id="46081" name="Title 1">
             <a:extLst>
               <a:ext uri="{FF2B5EF4-FFF2-40B4-BE49-F238E27FC236}">
-                <a16:creationId xmlns:a16="http://schemas.microsoft.com/office/drawing/2014/main" id="{AC3C8F6C-38DD-984D-AB5D-B5D4807018F9}"/>
+                <a16:creationId xmlns:a16="http://schemas.microsoft.com/office/drawing/2014/main" id="{757C5CE4-E449-0B4E-873C-236EF71BBBF0}"/>
               </a:ext>
             </a:extLst>
           </p:cNvPr>
@@ -16235,8 +16383,8 @@
         </p:nvSpPr>
         <p:spPr>
           <a:xfrm>
-            <a:off x="226998" y="70742"/>
-            <a:ext cx="7886700" cy="639786"/>
+            <a:off x="207409" y="229349"/>
+            <a:ext cx="7886700" cy="751361"/>
           </a:xfrm>
         </p:spPr>
         <p:txBody>
@@ -16248,7 +16396,7 @@
               <a:rPr lang="en-US" altLang="en-US" dirty="0">
                 <a:ea typeface="ＭＳ Ｐゴシック" panose="020B0600070205080204" pitchFamily="34" charset="-128"/>
               </a:rPr>
-              <a:t>Sequences of Bits</a:t>
+              <a:t>Unicode</a:t>
             </a:r>
           </a:p>
         </p:txBody>
@@ -16258,7 +16406,7 @@
           <p:cNvPr id="3" name="Content Placeholder 2">
             <a:extLst>
               <a:ext uri="{FF2B5EF4-FFF2-40B4-BE49-F238E27FC236}">
-                <a16:creationId xmlns:a16="http://schemas.microsoft.com/office/drawing/2014/main" id="{D7CDD189-AC0E-DF4B-95CF-A617BFC2B7FC}"/>
+                <a16:creationId xmlns:a16="http://schemas.microsoft.com/office/drawing/2014/main" id="{4F1EC0A4-9C99-4C4C-8EB1-0CF10BF35EF6}"/>
               </a:ext>
             </a:extLst>
           </p:cNvPr>
@@ -16271,579 +16419,117 @@
         </p:nvSpPr>
         <p:spPr>
           <a:xfrm>
-            <a:off x="119641" y="710528"/>
-            <a:ext cx="8938901" cy="4933730"/>
+            <a:off x="207409" y="1142589"/>
+            <a:ext cx="8761930" cy="4343061"/>
           </a:xfrm>
         </p:spPr>
         <p:txBody>
-          <a:bodyPr/>
+          <a:bodyPr>
+            <a:normAutofit/>
+          </a:bodyPr>
           <a:lstStyle/>
           <a:p>
             <a:pPr marL="0" indent="0">
               <a:buNone/>
             </a:pPr>
             <a:r>
-              <a:rPr lang="en-US" dirty="0"/>
-              <a:t>What does a list of numbers, an image and an audio file have in common? </a:t>
+              <a:rPr lang="en-US" altLang="en-US" sz="2000" dirty="0">
+                <a:ea typeface="ＭＳ Ｐゴシック" panose="020B0600070205080204" pitchFamily="34" charset="-128"/>
+              </a:rPr>
+              <a:t>So, how many bits does Unicode use to encode all these characters? </a:t>
+            </a:r>
+            <a:r>
+              <a:rPr lang="en-US" altLang="en-US" sz="2000" i="1" dirty="0">
+                <a:ea typeface="ＭＳ Ｐゴシック" panose="020B0600070205080204" pitchFamily="34" charset="-128"/>
+              </a:rPr>
+              <a:t>None.</a:t>
+            </a:r>
+            <a:r>
+              <a:rPr lang="en-US" altLang="en-US" sz="2000" dirty="0">
+                <a:ea typeface="ＭＳ Ｐゴシック" panose="020B0600070205080204" pitchFamily="34" charset="-128"/>
+              </a:rPr>
+              <a:t> Because Unicode is not an encoding.</a:t>
             </a:r>
           </a:p>
           <a:p>
             <a:pPr marL="0" indent="0">
               <a:buNone/>
             </a:pPr>
-            <a:r>
-              <a:rPr lang="en-US" dirty="0"/>
-              <a:t>They are all just lists of numbers!</a:t>
-            </a:r>
+            <a:endParaRPr lang="en-US" altLang="en-US" sz="2000" dirty="0">
+              <a:ea typeface="ＭＳ Ｐゴシック" panose="020B0600070205080204" pitchFamily="34" charset="-128"/>
+            </a:endParaRPr>
           </a:p>
           <a:p>
             <a:pPr marL="0" indent="0">
               <a:buNone/>
             </a:pPr>
-            <a:endParaRPr lang="en-US" dirty="0"/>
-          </a:p>
-          <a:p>
-            <a:pPr marL="0" indent="0">
-              <a:buNone/>
-            </a:pPr>
-            <a:r>
-              <a:rPr lang="en-US" dirty="0"/>
-              <a:t>The same sequence of bits may represent different types of data in different contexts. </a:t>
-            </a:r>
-          </a:p>
-          <a:p>
-            <a:pPr marL="0" indent="0">
-              <a:buNone/>
-            </a:pPr>
-            <a:r>
-              <a:rPr lang="en-US" sz="1800" b="1" dirty="0">
-                <a:solidFill>
-                  <a:srgbClr val="34A327"/>
-                </a:solidFill>
-                <a:latin typeface="Inconsolata" panose="020B0609030003000000" pitchFamily="49" charset="77"/>
+            <a:r>
+              <a:rPr lang="en-US" altLang="en-US" sz="2000" i="1" dirty="0">
+                <a:ea typeface="ＭＳ Ｐゴシック" panose="020B0600070205080204" pitchFamily="34" charset="-128"/>
               </a:rPr>
-              <a:t>import </a:t>
-            </a:r>
-            <a:r>
-              <a:rPr lang="en-US" sz="1800" b="1" dirty="0" err="1">
-                <a:solidFill>
-                  <a:srgbClr val="3C9FF2"/>
-                </a:solidFill>
-                <a:latin typeface="Inconsolata" panose="020B0609030003000000" pitchFamily="49" charset="77"/>
+              <a:t>Unicode</a:t>
+            </a:r>
+            <a:r>
+              <a:rPr lang="en-US" altLang="en-US" sz="2000" dirty="0">
+                <a:ea typeface="ＭＳ Ｐゴシック" panose="020B0600070205080204" pitchFamily="34" charset="-128"/>
               </a:rPr>
-              <a:t>numpy</a:t>
-            </a:r>
-            <a:r>
-              <a:rPr lang="en-US" sz="1800" b="1" dirty="0">
-                <a:solidFill>
-                  <a:srgbClr val="34A327"/>
-                </a:solidFill>
-                <a:latin typeface="Inconsolata" panose="020B0609030003000000" pitchFamily="49" charset="77"/>
+              <a:t> first and foremost defines a table of </a:t>
+            </a:r>
+            <a:r>
+              <a:rPr lang="en-US" altLang="en-US" sz="2000" b="1" i="1" dirty="0">
+                <a:ea typeface="ＭＳ Ｐゴシック" panose="020B0600070205080204" pitchFamily="34" charset="-128"/>
               </a:rPr>
-              <a:t> as </a:t>
-            </a:r>
-            <a:r>
-              <a:rPr lang="en-US" sz="1800" b="1" dirty="0">
-                <a:solidFill>
-                  <a:srgbClr val="3C9FF2"/>
-                </a:solidFill>
-                <a:latin typeface="Inconsolata" panose="020B0609030003000000" pitchFamily="49" charset="77"/>
-              </a:rPr>
-              <a:t>np</a:t>
-            </a:r>
-            <a:endParaRPr lang="en-US" sz="1800" b="1" dirty="0">
-              <a:solidFill>
-                <a:srgbClr val="34A327"/>
-              </a:solidFill>
-              <a:latin typeface="Inconsolata" panose="020B0609030003000000" pitchFamily="49" charset="77"/>
-            </a:endParaRPr>
-          </a:p>
-          <a:p>
-            <a:pPr marL="0" indent="0">
-              <a:buNone/>
-            </a:pPr>
-            <a:r>
-              <a:rPr lang="en-US" sz="1800" b="1" dirty="0">
-                <a:solidFill>
-                  <a:srgbClr val="34A327"/>
-                </a:solidFill>
-                <a:latin typeface="Inconsolata" panose="020B0609030003000000" pitchFamily="49" charset="77"/>
-              </a:rPr>
-              <a:t>import</a:t>
-            </a:r>
-            <a:r>
-              <a:rPr lang="en-US" sz="1800" b="1" dirty="0">
-                <a:solidFill>
-                  <a:srgbClr val="000000"/>
-                </a:solidFill>
-                <a:latin typeface="Inconsolata" panose="020B0609030003000000" pitchFamily="49" charset="77"/>
+              <a:t>code points</a:t>
+            </a:r>
+            <a:r>
+              <a:rPr lang="en-US" altLang="en-US" sz="2000" b="1" dirty="0">
+                <a:ea typeface="ＭＳ Ｐゴシック" panose="020B0600070205080204" pitchFamily="34" charset="-128"/>
               </a:rPr>
               <a:t> </a:t>
             </a:r>
             <a:r>
-              <a:rPr lang="en-US" sz="1800" b="1" dirty="0" err="1">
-                <a:solidFill>
-                  <a:srgbClr val="3C9FF2"/>
-                </a:solidFill>
-                <a:latin typeface="Inconsolata" panose="020B0609030003000000" pitchFamily="49" charset="77"/>
-              </a:rPr>
-              <a:t>matplotlib.pyplot</a:t>
-            </a:r>
-            <a:r>
-              <a:rPr lang="en-US" sz="1800" b="1" dirty="0">
-                <a:solidFill>
-                  <a:srgbClr val="000000"/>
-                </a:solidFill>
-                <a:latin typeface="Inconsolata" panose="020B0609030003000000" pitchFamily="49" charset="77"/>
-              </a:rPr>
-              <a:t> </a:t>
-            </a:r>
-            <a:r>
-              <a:rPr lang="en-US" sz="1800" b="1" dirty="0">
-                <a:solidFill>
-                  <a:srgbClr val="34A327"/>
-                </a:solidFill>
-                <a:latin typeface="Inconsolata" panose="020B0609030003000000" pitchFamily="49" charset="77"/>
-              </a:rPr>
-              <a:t>as</a:t>
-            </a:r>
-            <a:r>
-              <a:rPr lang="en-US" sz="1800" b="1" dirty="0">
-                <a:solidFill>
-                  <a:srgbClr val="000000"/>
-                </a:solidFill>
-                <a:latin typeface="Inconsolata" panose="020B0609030003000000" pitchFamily="49" charset="77"/>
-              </a:rPr>
-              <a:t> </a:t>
-            </a:r>
-            <a:r>
-              <a:rPr lang="en-US" sz="1800" b="1" dirty="0" err="1">
-                <a:solidFill>
-                  <a:srgbClr val="3C9FF2"/>
-                </a:solidFill>
-                <a:latin typeface="Inconsolata" panose="020B0609030003000000" pitchFamily="49" charset="77"/>
-              </a:rPr>
-              <a:t>plt</a:t>
-            </a:r>
-            <a:r>
-              <a:rPr lang="en-US" sz="1800" b="1" dirty="0">
-                <a:solidFill>
-                  <a:srgbClr val="000000"/>
-                </a:solidFill>
-                <a:latin typeface="Inconsolata" panose="020B0609030003000000" pitchFamily="49" charset="77"/>
-              </a:rPr>
-              <a:t> </a:t>
-            </a:r>
-            <a:endParaRPr lang="en-US" sz="1800" b="1" dirty="0">
-              <a:solidFill>
-                <a:srgbClr val="34A327"/>
-              </a:solidFill>
-              <a:latin typeface="Inconsolata" panose="020B0609030003000000" pitchFamily="49" charset="77"/>
-            </a:endParaRPr>
-          </a:p>
-          <a:p>
-            <a:pPr marL="0" indent="0">
-              <a:buNone/>
-            </a:pPr>
-            <a:r>
-              <a:rPr lang="en-US" sz="1800" b="1" dirty="0" err="1">
-                <a:latin typeface="Inconsolata" panose="020B0609030003000000" pitchFamily="49" charset="77"/>
-              </a:rPr>
-              <a:t>nums</a:t>
-            </a:r>
-            <a:r>
-              <a:rPr lang="en-US" sz="1800" b="1" dirty="0">
-                <a:latin typeface="Inconsolata" panose="020B0609030003000000" pitchFamily="49" charset="77"/>
-              </a:rPr>
-              <a:t> = </a:t>
-            </a:r>
-            <a:r>
-              <a:rPr lang="en-US" sz="1800" b="1" dirty="0" err="1">
-                <a:latin typeface="Inconsolata" panose="020B0609030003000000" pitchFamily="49" charset="77"/>
-              </a:rPr>
-              <a:t>np.loadtxt</a:t>
-            </a:r>
-            <a:r>
-              <a:rPr lang="en-US" sz="1800" b="1" dirty="0">
-                <a:latin typeface="Inconsolata" panose="020B0609030003000000" pitchFamily="49" charset="77"/>
-              </a:rPr>
-              <a:t>("</a:t>
-            </a:r>
-            <a:r>
-              <a:rPr lang="en-US" sz="1800" b="1" dirty="0" err="1">
-                <a:latin typeface="Inconsolata" panose="020B0609030003000000" pitchFamily="49" charset="77"/>
-              </a:rPr>
-              <a:t>numbers.txt</a:t>
-            </a:r>
-            <a:r>
-              <a:rPr lang="en-US" sz="1800" b="1" dirty="0">
-                <a:latin typeface="Inconsolata" panose="020B0609030003000000" pitchFamily="49" charset="77"/>
-              </a:rPr>
-              <a:t>")</a:t>
-            </a:r>
-          </a:p>
-          <a:p>
-            <a:pPr marL="0" indent="0">
-              <a:buNone/>
-            </a:pPr>
-            <a:r>
-              <a:rPr lang="en-US" sz="1800" b="1" dirty="0">
-                <a:latin typeface="Inconsolata" panose="020B0609030003000000" pitchFamily="49" charset="77"/>
-              </a:rPr>
-              <a:t>print(</a:t>
-            </a:r>
-            <a:r>
-              <a:rPr lang="en-US" sz="1800" b="1" dirty="0" err="1">
-                <a:latin typeface="Inconsolata" panose="020B0609030003000000" pitchFamily="49" charset="77"/>
-              </a:rPr>
-              <a:t>nums</a:t>
-            </a:r>
-            <a:r>
-              <a:rPr lang="en-US" sz="1800" b="1" dirty="0">
-                <a:latin typeface="Inconsolata" panose="020B0609030003000000" pitchFamily="49" charset="77"/>
-              </a:rPr>
-              <a:t>) 		</a:t>
-            </a:r>
-            <a:r>
-              <a:rPr lang="en-US" sz="1800" b="1" dirty="0">
-                <a:solidFill>
-                  <a:srgbClr val="FF0000"/>
-                </a:solidFill>
-                <a:latin typeface="Inconsolata" panose="020B0609030003000000" pitchFamily="49" charset="77"/>
-              </a:rPr>
-              <a:t># </a:t>
-            </a:r>
-            <a:r>
-              <a:rPr lang="en-US" sz="1800" b="1" dirty="0">
-                <a:solidFill>
-                  <a:srgbClr val="FF0000"/>
-                </a:solidFill>
-                <a:latin typeface="INCONSOLATA" panose="020B0609030003000000" pitchFamily="49" charset="77"/>
-              </a:rPr>
-              <a:t>array([210 190 225 ..., ])</a:t>
-            </a:r>
-          </a:p>
-          <a:p>
-            <a:pPr marL="0" indent="0">
-              <a:buNone/>
-            </a:pPr>
-            <a:r>
-              <a:rPr lang="en-US" sz="1800" b="1" dirty="0">
-                <a:latin typeface="Inconsolata" panose="020B0609030003000000" pitchFamily="49" charset="77"/>
-              </a:rPr>
-              <a:t>print(</a:t>
-            </a:r>
-            <a:r>
-              <a:rPr lang="en-US" sz="1800" b="1" dirty="0" err="1">
-                <a:latin typeface="Inconsolata" panose="020B0609030003000000" pitchFamily="49" charset="77"/>
-              </a:rPr>
-              <a:t>nums.size</a:t>
-            </a:r>
-            <a:r>
-              <a:rPr lang="en-US" sz="1800" b="1" dirty="0">
-                <a:latin typeface="Inconsolata" panose="020B0609030003000000" pitchFamily="49" charset="77"/>
-              </a:rPr>
-              <a:t>) 		</a:t>
-            </a:r>
-            <a:r>
-              <a:rPr lang="en-US" sz="1800" b="1" dirty="0">
-                <a:solidFill>
-                  <a:srgbClr val="FF0000"/>
-                </a:solidFill>
-                <a:latin typeface="INCONSOLATA" panose="020B0609030003000000" pitchFamily="49" charset="77"/>
-              </a:rPr>
-              <a:t># 783126</a:t>
-            </a:r>
-          </a:p>
-          <a:p>
-            <a:pPr marL="0" indent="0">
-              <a:buNone/>
-            </a:pPr>
-            <a:endParaRPr lang="en-US" sz="1800" dirty="0">
-              <a:solidFill>
-                <a:srgbClr val="000000"/>
-              </a:solidFill>
-              <a:latin typeface="Gill Sans MT" panose="020B0502020104020203" pitchFamily="34" charset="77"/>
-            </a:endParaRPr>
-          </a:p>
-          <a:p>
-            <a:pPr marL="0" indent="0">
-              <a:buNone/>
-            </a:pPr>
-            <a:r>
-              <a:rPr lang="en-US" sz="1800" dirty="0">
-                <a:solidFill>
-                  <a:srgbClr val="000000"/>
-                </a:solidFill>
-                <a:latin typeface="Gill Sans MT" panose="020B0502020104020203" pitchFamily="34" charset="77"/>
-              </a:rPr>
-              <a:t>These numbers can represent anything. For example, it could represent the number of characters in a list of </a:t>
-            </a:r>
-            <a:r>
-              <a:rPr lang="en-US" sz="1800" dirty="0">
-                <a:latin typeface="Gill Sans MT" panose="020B0502020104020203" pitchFamily="34" charset="77"/>
-              </a:rPr>
-              <a:t>783,126 </a:t>
-            </a:r>
-            <a:r>
-              <a:rPr lang="en-US" sz="1800" dirty="0">
-                <a:solidFill>
-                  <a:srgbClr val="000000"/>
-                </a:solidFill>
-                <a:latin typeface="Gill Sans MT" panose="020B0502020104020203" pitchFamily="34" charset="77"/>
-              </a:rPr>
-              <a:t>tweets that were tweeted over some one-minute interval. </a:t>
-            </a:r>
-          </a:p>
-          <a:p>
-            <a:pPr marL="0" indent="0">
-              <a:buNone/>
-            </a:pPr>
-            <a:r>
-              <a:rPr lang="en-US" sz="1800" dirty="0">
-                <a:solidFill>
-                  <a:srgbClr val="000000"/>
-                </a:solidFill>
-                <a:latin typeface="Gill Sans MT" panose="020B0502020104020203" pitchFamily="34" charset="77"/>
-              </a:rPr>
-              <a:t>Or this same list could represent something else entirely. See the next slide!</a:t>
-            </a:r>
-          </a:p>
-          <a:p>
-            <a:pPr marL="0" indent="0">
-              <a:buNone/>
-            </a:pPr>
-            <a:endParaRPr lang="en-US" sz="1800" b="1" dirty="0">
-              <a:solidFill>
-                <a:srgbClr val="000000"/>
-              </a:solidFill>
-              <a:latin typeface="Inconsolata" panose="020B0609030003000000" pitchFamily="49" charset="77"/>
-            </a:endParaRPr>
-          </a:p>
-          <a:p>
-            <a:pPr marL="0" indent="0">
-              <a:buNone/>
-            </a:pPr>
-            <a:endParaRPr lang="en-US" sz="1800" b="1" dirty="0">
-              <a:solidFill>
-                <a:srgbClr val="000000"/>
-              </a:solidFill>
-              <a:latin typeface="Inconsolata" panose="020B0609030003000000" pitchFamily="49" charset="77"/>
-            </a:endParaRPr>
-          </a:p>
-          <a:p>
-            <a:pPr marL="0" indent="0">
-              <a:buNone/>
-            </a:pPr>
-            <a:r>
-              <a:rPr lang="en-US" sz="1800" b="1" dirty="0" err="1">
-                <a:solidFill>
-                  <a:srgbClr val="000000"/>
-                </a:solidFill>
-                <a:latin typeface="Inconsolata" panose="020B0609030003000000" pitchFamily="49" charset="77"/>
-              </a:rPr>
-              <a:t>img</a:t>
-            </a:r>
-            <a:r>
-              <a:rPr lang="en-US" sz="1800" b="1" dirty="0">
-                <a:solidFill>
-                  <a:srgbClr val="000000"/>
-                </a:solidFill>
-                <a:latin typeface="Inconsolata" panose="020B0609030003000000" pitchFamily="49" charset="77"/>
-              </a:rPr>
-              <a:t> = </a:t>
-            </a:r>
-            <a:r>
-              <a:rPr lang="en-US" sz="1800" b="1" dirty="0" err="1">
-                <a:solidFill>
-                  <a:srgbClr val="000000"/>
-                </a:solidFill>
-                <a:latin typeface="Inconsolata" panose="020B0609030003000000" pitchFamily="49" charset="77"/>
-              </a:rPr>
-              <a:t>plt.imread</a:t>
-            </a:r>
-            <a:r>
-              <a:rPr lang="en-US" sz="1800" b="1" dirty="0">
-                <a:solidFill>
-                  <a:srgbClr val="000000"/>
-                </a:solidFill>
-                <a:latin typeface="Inconsolata" panose="020B0609030003000000" pitchFamily="49" charset="77"/>
-              </a:rPr>
-              <a:t>("</a:t>
-            </a:r>
-            <a:r>
-              <a:rPr lang="en-US" sz="1800" b="1" dirty="0" err="1">
-                <a:solidFill>
-                  <a:srgbClr val="000000"/>
-                </a:solidFill>
-                <a:latin typeface="Inconsolata" panose="020B0609030003000000" pitchFamily="49" charset="77"/>
-              </a:rPr>
-              <a:t>flower.jpg</a:t>
-            </a:r>
-            <a:r>
-              <a:rPr lang="en-US" sz="1800" b="1" dirty="0">
-                <a:solidFill>
-                  <a:srgbClr val="000000"/>
-                </a:solidFill>
-                <a:latin typeface="Inconsolata" panose="020B0609030003000000" pitchFamily="49" charset="77"/>
-              </a:rPr>
-              <a:t>")</a:t>
-            </a:r>
-          </a:p>
-          <a:p>
-            <a:pPr marL="0" indent="0">
-              <a:buNone/>
-            </a:pPr>
-            <a:r>
-              <a:rPr lang="en-US" sz="1800" b="1" dirty="0">
-                <a:solidFill>
-                  <a:srgbClr val="000000"/>
-                </a:solidFill>
-                <a:latin typeface="Inconsolata" panose="020B0609030003000000" pitchFamily="49" charset="77"/>
-              </a:rPr>
-              <a:t>print(</a:t>
-            </a:r>
-            <a:r>
-              <a:rPr lang="en-US" sz="1800" b="1" dirty="0" err="1">
-                <a:solidFill>
-                  <a:srgbClr val="000000"/>
-                </a:solidFill>
-                <a:latin typeface="Inconsolata" panose="020B0609030003000000" pitchFamily="49" charset="77"/>
-              </a:rPr>
-              <a:t>img.shape</a:t>
-            </a:r>
-            <a:r>
-              <a:rPr lang="en-US" sz="1800" b="1" dirty="0">
-                <a:solidFill>
-                  <a:srgbClr val="000000"/>
-                </a:solidFill>
-                <a:latin typeface="Inconsolata" panose="020B0609030003000000" pitchFamily="49" charset="77"/>
-              </a:rPr>
-              <a:t>)   </a:t>
-            </a:r>
-            <a:r>
-              <a:rPr lang="en-US" sz="1800" b="1" dirty="0">
-                <a:solidFill>
-                  <a:schemeClr val="accent1">
-                    <a:lumMod val="75000"/>
-                  </a:schemeClr>
-                </a:solidFill>
-                <a:latin typeface="Inconsolata" panose="020B0609030003000000" pitchFamily="49" charset="77"/>
-              </a:rPr>
-              <a:t># </a:t>
-            </a:r>
-            <a:r>
-              <a:rPr lang="en-US" sz="1800" dirty="0">
-                <a:solidFill>
-                  <a:schemeClr val="accent1">
-                    <a:lumMod val="75000"/>
-                  </a:schemeClr>
-                </a:solidFill>
-              </a:rPr>
-              <a:t>(859, 840, 3)</a:t>
-            </a:r>
-            <a:endParaRPr lang="en-US" sz="1600" dirty="0">
-              <a:solidFill>
-                <a:schemeClr val="accent1">
-                  <a:lumMod val="75000"/>
-                </a:schemeClr>
-              </a:solidFill>
-              <a:latin typeface="Menlo" panose="020B0609030804020204" pitchFamily="49" charset="0"/>
-            </a:endParaRPr>
-          </a:p>
-          <a:p>
-            <a:pPr marL="0" indent="0">
-              <a:buNone/>
-            </a:pPr>
-            <a:endParaRPr lang="en-US" sz="1800" b="1" dirty="0">
-              <a:solidFill>
-                <a:srgbClr val="000000"/>
-              </a:solidFill>
-              <a:latin typeface="Inconsolata" panose="020B0609030003000000" pitchFamily="49" charset="77"/>
-            </a:endParaRPr>
-          </a:p>
-          <a:p>
-            <a:pPr marL="0" indent="0">
-              <a:buNone/>
-            </a:pPr>
-            <a:r>
-              <a:rPr lang="en-US" sz="1800" b="1" dirty="0">
-                <a:solidFill>
-                  <a:srgbClr val="000000"/>
-                </a:solidFill>
-                <a:latin typeface="Inconsolata" panose="020B0609030003000000" pitchFamily="49" charset="77"/>
-              </a:rPr>
-              <a:t>fig, ax = </a:t>
-            </a:r>
-            <a:r>
-              <a:rPr lang="en-US" sz="1800" b="1" dirty="0" err="1">
-                <a:solidFill>
-                  <a:srgbClr val="000000"/>
-                </a:solidFill>
-                <a:latin typeface="Inconsolata" panose="020B0609030003000000" pitchFamily="49" charset="77"/>
-              </a:rPr>
-              <a:t>plt.subplots</a:t>
-            </a:r>
-            <a:r>
-              <a:rPr lang="en-US" sz="1800" b="1" dirty="0">
-                <a:solidFill>
-                  <a:srgbClr val="000000"/>
-                </a:solidFill>
-                <a:latin typeface="Inconsolata" panose="020B0609030003000000" pitchFamily="49" charset="77"/>
-              </a:rPr>
-              <a:t>()</a:t>
-            </a:r>
-          </a:p>
-          <a:p>
-            <a:pPr marL="0" indent="0">
-              <a:buNone/>
-            </a:pPr>
-            <a:r>
-              <a:rPr lang="en-US" altLang="en-US" sz="1800" b="1" dirty="0" err="1">
-                <a:latin typeface="Inconsolata" panose="020B0609030003000000" pitchFamily="49" charset="77"/>
+              <a:rPr lang="en-US" altLang="en-US" sz="2000" dirty="0">
                 <a:ea typeface="ＭＳ Ｐゴシック" panose="020B0600070205080204" pitchFamily="34" charset="-128"/>
               </a:rPr>
-              <a:t>ax.imshow</a:t>
-            </a:r>
-            <a:r>
-              <a:rPr lang="en-US" altLang="en-US" sz="1800" b="1" dirty="0">
-                <a:latin typeface="Inconsolata" panose="020B0609030003000000" pitchFamily="49" charset="77"/>
+              <a:t>for characters. That's a fancy way of saying </a:t>
+            </a:r>
+            <a:r>
+              <a:rPr lang="en-US" altLang="en-US" sz="2000" i="1" dirty="0">
                 <a:ea typeface="ＭＳ Ｐゴシック" panose="020B0600070205080204" pitchFamily="34" charset="-128"/>
               </a:rPr>
-              <a:t>(</a:t>
-            </a:r>
-            <a:r>
-              <a:rPr lang="en-US" altLang="en-US" sz="1800" b="1" dirty="0" err="1">
-                <a:latin typeface="Inconsolata" panose="020B0609030003000000" pitchFamily="49" charset="77"/>
+              <a:t>"65 stands for A, 66 stands for B and 9,731 stands for ☃”</a:t>
+            </a:r>
+            <a:r>
+              <a:rPr lang="en-US" altLang="ja-JP" sz="2000" dirty="0">
                 <a:ea typeface="ＭＳ Ｐゴシック" panose="020B0600070205080204" pitchFamily="34" charset="-128"/>
               </a:rPr>
-              <a:t>img</a:t>
-            </a:r>
-            <a:r>
-              <a:rPr lang="en-US" altLang="en-US" sz="1800" b="1" dirty="0">
-                <a:latin typeface="Inconsolata" panose="020B0609030003000000" pitchFamily="49" charset="77"/>
+              <a:t>. </a:t>
+            </a:r>
+          </a:p>
+          <a:p>
+            <a:pPr marL="0" indent="0">
+              <a:buNone/>
+            </a:pPr>
+            <a:endParaRPr lang="en-US" altLang="en-US" sz="2000" dirty="0">
+              <a:ea typeface="ＭＳ Ｐゴシック" panose="020B0600070205080204" pitchFamily="34" charset="-128"/>
+            </a:endParaRPr>
+          </a:p>
+          <a:p>
+            <a:pPr marL="0" indent="0">
+              <a:buNone/>
+            </a:pPr>
+            <a:r>
+              <a:rPr lang="en-US" altLang="en-US" sz="2000" dirty="0">
                 <a:ea typeface="ＭＳ Ｐゴシック" panose="020B0600070205080204" pitchFamily="34" charset="-128"/>
               </a:rPr>
-              <a:t>)</a:t>
+              <a:t>To represent 1,114,112 different values, two bytes aren't enough. Three bytes are, but three bytes are often awkward to work with, so four bytes would be the comfortable minimum. </a:t>
             </a:r>
           </a:p>
           <a:p>
             <a:pPr marL="0" indent="0">
               <a:buNone/>
             </a:pPr>
-            <a:endParaRPr lang="en-US" sz="1800" b="1" dirty="0">
-              <a:solidFill>
-                <a:srgbClr val="34A327"/>
-              </a:solidFill>
-              <a:latin typeface="Inconsolata" panose="020B0609030003000000" pitchFamily="49" charset="77"/>
-            </a:endParaRPr>
-          </a:p>
-          <a:p>
-            <a:pPr marL="0" indent="0">
-              <a:buNone/>
-            </a:pPr>
-            <a:endParaRPr lang="en-US" altLang="en-US" sz="1800" dirty="0">
-              <a:latin typeface="Tahoma" panose="020B0604030504040204" pitchFamily="34" charset="0"/>
+            <a:endParaRPr lang="en-US" altLang="en-US" sz="2000" dirty="0">
               <a:ea typeface="ＭＳ Ｐゴシック" panose="020B0600070205080204" pitchFamily="34" charset="-128"/>
             </a:endParaRPr>
           </a:p>
@@ -16852,37 +16538,26 @@
               <a:buNone/>
             </a:pPr>
             <a:r>
-              <a:rPr lang="en-US" altLang="en-US" sz="1800" b="1" dirty="0" err="1">
-                <a:latin typeface="Tahoma" panose="020B0604030504040204" pitchFamily="34" charset="0"/>
+              <a:rPr lang="en-US" altLang="en-US" sz="2000" b="1" dirty="0">
                 <a:ea typeface="ＭＳ Ｐゴシック" panose="020B0600070205080204" pitchFamily="34" charset="-128"/>
               </a:rPr>
-              <a:t>imshow</a:t>
-            </a:r>
-            <a:r>
-              <a:rPr lang="en-US" altLang="en-US" sz="1800" b="1" dirty="0">
-                <a:latin typeface="Tahoma" panose="020B0604030504040204" pitchFamily="34" charset="0"/>
+              <a:t>UTF-32(Unicode Transformation Format) </a:t>
+            </a:r>
+            <a:r>
+              <a:rPr lang="en-US" altLang="en-US" sz="2000" dirty="0">
                 <a:ea typeface="ＭＳ Ｐゴシック" panose="020B0600070205080204" pitchFamily="34" charset="-128"/>
               </a:rPr>
-              <a:t>()  displays the 2D </a:t>
-            </a:r>
+              <a:t>is such an encoding that encodes all Unicode code points using 32 bits. That is, four bytes per character. </a:t>
+            </a:r>
+            <a:endParaRPr lang="en-US" altLang="en-US" sz="1833" dirty="0">
+              <a:ea typeface="ＭＳ Ｐゴシック" panose="020B0600070205080204" pitchFamily="34" charset="-128"/>
+            </a:endParaRPr>
           </a:p>
           <a:p>
             <a:pPr marL="0" indent="0">
               <a:buNone/>
             </a:pPr>
-            <a:r>
-              <a:rPr lang="en-US" altLang="en-US" sz="1800" b="1" dirty="0">
-                <a:latin typeface="Tahoma" panose="020B0604030504040204" pitchFamily="34" charset="0"/>
-                <a:ea typeface="ＭＳ Ｐゴシック" panose="020B0600070205080204" pitchFamily="34" charset="-128"/>
-              </a:rPr>
-              <a:t>grid of pixels as an image. </a:t>
-            </a:r>
-          </a:p>
-          <a:p>
-            <a:pPr marL="0" indent="0">
-              <a:buNone/>
-            </a:pPr>
-            <a:endParaRPr lang="en-US" altLang="en-US" sz="1833" dirty="0">
+            <a:endParaRPr lang="en-US" altLang="en-US" sz="2000" dirty="0">
               <a:ea typeface="ＭＳ Ｐゴシック" panose="020B0600070205080204" pitchFamily="34" charset="-128"/>
             </a:endParaRPr>
           </a:p>
@@ -16890,10 +16565,10 @@
       </p:sp>
       <p:sp>
         <p:nvSpPr>
-          <p:cNvPr id="37891" name="TextBox 3">
+          <p:cNvPr id="46083" name="TextBox 3">
             <a:extLst>
               <a:ext uri="{FF2B5EF4-FFF2-40B4-BE49-F238E27FC236}">
-                <a16:creationId xmlns:a16="http://schemas.microsoft.com/office/drawing/2014/main" id="{AA4154A8-D2A5-0F4B-A28A-26FA8A4D8EE6}"/>
+                <a16:creationId xmlns:a16="http://schemas.microsoft.com/office/drawing/2014/main" id="{C367070E-B850-3A4F-BE28-7BA640099D84}"/>
               </a:ext>
             </a:extLst>
           </p:cNvPr>
@@ -17093,7 +16768,7 @@
     </p:spTree>
     <p:extLst>
       <p:ext uri="{BB962C8B-B14F-4D97-AF65-F5344CB8AC3E}">
-        <p14:creationId xmlns:p14="http://schemas.microsoft.com/office/powerpoint/2010/main" val="781734240"/>
+        <p14:creationId xmlns:p14="http://schemas.microsoft.com/office/powerpoint/2010/main" val="3866550465"/>
       </p:ext>
     </p:extLst>
   </p:cSld>
@@ -17109,13 +16784,13 @@
               <p:cTn id="2" dur="indefinite" nodeType="mainSeq">
                 <p:childTnLst>
                   <p:par>
-                    <p:cTn id="3" fill="hold">
+                    <p:cTn id="3" fill="hold" nodeType="clickPar">
                       <p:stCondLst>
                         <p:cond delay="indefinite"/>
                       </p:stCondLst>
                       <p:childTnLst>
                         <p:par>
-                          <p:cTn id="4" fill="hold">
+                          <p:cTn id="4" fill="hold" nodeType="withGroup">
                             <p:stCondLst>
                               <p:cond delay="0"/>
                             </p:stCondLst>
@@ -17129,55 +16804,6 @@
                                     <p:set>
                                       <p:cBhvr>
                                         <p:cTn id="6" dur="1" fill="hold">
-                                          <p:stCondLst>
-                                            <p:cond delay="0"/>
-                                          </p:stCondLst>
-                                        </p:cTn>
-                                        <p:tgtEl>
-                                          <p:spTgt spid="3">
-                                            <p:txEl>
-                                              <p:pRg st="5" end="5"/>
-                                            </p:txEl>
-                                          </p:spTgt>
-                                        </p:tgtEl>
-                                        <p:attrNameLst>
-                                          <p:attrName>style.visibility</p:attrName>
-                                        </p:attrNameLst>
-                                      </p:cBhvr>
-                                      <p:to>
-                                        <p:strVal val="visible"/>
-                                      </p:to>
-                                    </p:set>
-                                  </p:childTnLst>
-                                </p:cTn>
-                              </p:par>
-                            </p:childTnLst>
-                          </p:cTn>
-                        </p:par>
-                      </p:childTnLst>
-                    </p:cTn>
-                  </p:par>
-                  <p:par>
-                    <p:cTn id="7" fill="hold">
-                      <p:stCondLst>
-                        <p:cond delay="indefinite"/>
-                      </p:stCondLst>
-                      <p:childTnLst>
-                        <p:par>
-                          <p:cTn id="8" fill="hold">
-                            <p:stCondLst>
-                              <p:cond delay="0"/>
-                            </p:stCondLst>
-                            <p:childTnLst>
-                              <p:par>
-                                <p:cTn id="9" presetID="1" presetClass="entr" presetSubtype="0" fill="hold" nodeType="clickEffect">
-                                  <p:stCondLst>
-                                    <p:cond delay="0"/>
-                                  </p:stCondLst>
-                                  <p:childTnLst>
-                                    <p:set>
-                                      <p:cBhvr>
-                                        <p:cTn id="10" dur="1" fill="hold">
                                           <p:stCondLst>
                                             <p:cond delay="0"/>
                                           </p:stCondLst>
@@ -17207,1589 +16833,13 @@
                     </p:cTn>
                   </p:par>
                   <p:par>
-                    <p:cTn id="11" fill="hold">
+                    <p:cTn id="7" fill="hold" nodeType="clickPar">
                       <p:stCondLst>
                         <p:cond delay="indefinite"/>
                       </p:stCondLst>
                       <p:childTnLst>
                         <p:par>
-                          <p:cTn id="12" fill="hold">
-                            <p:stCondLst>
-                              <p:cond delay="0"/>
-                            </p:stCondLst>
-                            <p:childTnLst>
-                              <p:par>
-                                <p:cTn id="13" presetID="1" presetClass="entr" presetSubtype="0" fill="hold" nodeType="clickEffect">
-                                  <p:stCondLst>
-                                    <p:cond delay="0"/>
-                                  </p:stCondLst>
-                                  <p:childTnLst>
-                                    <p:set>
-                                      <p:cBhvr>
-                                        <p:cTn id="14" dur="1" fill="hold">
-                                          <p:stCondLst>
-                                            <p:cond delay="0"/>
-                                          </p:stCondLst>
-                                        </p:cTn>
-                                        <p:tgtEl>
-                                          <p:spTgt spid="3">
-                                            <p:txEl>
-                                              <p:pRg st="1" end="1"/>
-                                            </p:txEl>
-                                          </p:spTgt>
-                                        </p:tgtEl>
-                                        <p:attrNameLst>
-                                          <p:attrName>style.visibility</p:attrName>
-                                        </p:attrNameLst>
-                                      </p:cBhvr>
-                                      <p:to>
-                                        <p:strVal val="visible"/>
-                                      </p:to>
-                                    </p:set>
-                                  </p:childTnLst>
-                                </p:cTn>
-                              </p:par>
-                            </p:childTnLst>
-                          </p:cTn>
-                        </p:par>
-                      </p:childTnLst>
-                    </p:cTn>
-                  </p:par>
-                  <p:par>
-                    <p:cTn id="15" fill="hold">
-                      <p:stCondLst>
-                        <p:cond delay="indefinite"/>
-                      </p:stCondLst>
-                      <p:childTnLst>
-                        <p:par>
-                          <p:cTn id="16" fill="hold">
-                            <p:stCondLst>
-                              <p:cond delay="0"/>
-                            </p:stCondLst>
-                            <p:childTnLst>
-                              <p:par>
-                                <p:cTn id="17" presetID="1" presetClass="entr" presetSubtype="0" fill="hold" nodeType="clickEffect">
-                                  <p:stCondLst>
-                                    <p:cond delay="0"/>
-                                  </p:stCondLst>
-                                  <p:childTnLst>
-                                    <p:set>
-                                      <p:cBhvr>
-                                        <p:cTn id="18" dur="1" fill="hold">
-                                          <p:stCondLst>
-                                            <p:cond delay="0"/>
-                                          </p:stCondLst>
-                                        </p:cTn>
-                                        <p:tgtEl>
-                                          <p:spTgt spid="3">
-                                            <p:txEl>
-                                              <p:pRg st="3" end="3"/>
-                                            </p:txEl>
-                                          </p:spTgt>
-                                        </p:tgtEl>
-                                        <p:attrNameLst>
-                                          <p:attrName>style.visibility</p:attrName>
-                                        </p:attrNameLst>
-                                      </p:cBhvr>
-                                      <p:to>
-                                        <p:strVal val="visible"/>
-                                      </p:to>
-                                    </p:set>
-                                  </p:childTnLst>
-                                </p:cTn>
-                              </p:par>
-                            </p:childTnLst>
-                          </p:cTn>
-                        </p:par>
-                      </p:childTnLst>
-                    </p:cTn>
-                  </p:par>
-                  <p:par>
-                    <p:cTn id="19" fill="hold">
-                      <p:stCondLst>
-                        <p:cond delay="indefinite"/>
-                      </p:stCondLst>
-                      <p:childTnLst>
-                        <p:par>
-                          <p:cTn id="20" fill="hold">
-                            <p:stCondLst>
-                              <p:cond delay="0"/>
-                            </p:stCondLst>
-                            <p:childTnLst>
-                              <p:par>
-                                <p:cTn id="21" presetID="1" presetClass="entr" presetSubtype="0" fill="hold" nodeType="clickEffect">
-                                  <p:stCondLst>
-                                    <p:cond delay="0"/>
-                                  </p:stCondLst>
-                                  <p:childTnLst>
-                                    <p:set>
-                                      <p:cBhvr>
-                                        <p:cTn id="22" dur="1" fill="hold">
-                                          <p:stCondLst>
-                                            <p:cond delay="0"/>
-                                          </p:stCondLst>
-                                        </p:cTn>
-                                        <p:tgtEl>
-                                          <p:spTgt spid="3">
-                                            <p:txEl>
-                                              <p:pRg st="4" end="4"/>
-                                            </p:txEl>
-                                          </p:spTgt>
-                                        </p:tgtEl>
-                                        <p:attrNameLst>
-                                          <p:attrName>style.visibility</p:attrName>
-                                        </p:attrNameLst>
-                                      </p:cBhvr>
-                                      <p:to>
-                                        <p:strVal val="visible"/>
-                                      </p:to>
-                                    </p:set>
-                                  </p:childTnLst>
-                                </p:cTn>
-                              </p:par>
-                            </p:childTnLst>
-                          </p:cTn>
-                        </p:par>
-                      </p:childTnLst>
-                    </p:cTn>
-                  </p:par>
-                  <p:par>
-                    <p:cTn id="23" fill="hold">
-                      <p:stCondLst>
-                        <p:cond delay="indefinite"/>
-                      </p:stCondLst>
-                      <p:childTnLst>
-                        <p:par>
-                          <p:cTn id="24" fill="hold">
-                            <p:stCondLst>
-                              <p:cond delay="0"/>
-                            </p:stCondLst>
-                            <p:childTnLst>
-                              <p:par>
-                                <p:cTn id="25" presetID="1" presetClass="entr" presetSubtype="0" fill="hold" nodeType="clickEffect">
-                                  <p:stCondLst>
-                                    <p:cond delay="0"/>
-                                  </p:stCondLst>
-                                  <p:childTnLst>
-                                    <p:set>
-                                      <p:cBhvr>
-                                        <p:cTn id="26" dur="1" fill="hold">
-                                          <p:stCondLst>
-                                            <p:cond delay="0"/>
-                                          </p:stCondLst>
-                                        </p:cTn>
-                                        <p:tgtEl>
-                                          <p:spTgt spid="3">
-                                            <p:txEl>
-                                              <p:pRg st="6" end="6"/>
-                                            </p:txEl>
-                                          </p:spTgt>
-                                        </p:tgtEl>
-                                        <p:attrNameLst>
-                                          <p:attrName>style.visibility</p:attrName>
-                                        </p:attrNameLst>
-                                      </p:cBhvr>
-                                      <p:to>
-                                        <p:strVal val="visible"/>
-                                      </p:to>
-                                    </p:set>
-                                  </p:childTnLst>
-                                </p:cTn>
-                              </p:par>
-                            </p:childTnLst>
-                          </p:cTn>
-                        </p:par>
-                      </p:childTnLst>
-                    </p:cTn>
-                  </p:par>
-                  <p:par>
-                    <p:cTn id="27" fill="hold">
-                      <p:stCondLst>
-                        <p:cond delay="indefinite"/>
-                      </p:stCondLst>
-                      <p:childTnLst>
-                        <p:par>
-                          <p:cTn id="28" fill="hold">
-                            <p:stCondLst>
-                              <p:cond delay="0"/>
-                            </p:stCondLst>
-                            <p:childTnLst>
-                              <p:par>
-                                <p:cTn id="29" presetID="1" presetClass="entr" presetSubtype="0" fill="hold" nodeType="clickEffect">
-                                  <p:stCondLst>
-                                    <p:cond delay="0"/>
-                                  </p:stCondLst>
-                                  <p:childTnLst>
-                                    <p:set>
-                                      <p:cBhvr>
-                                        <p:cTn id="30" dur="1" fill="hold">
-                                          <p:stCondLst>
-                                            <p:cond delay="0"/>
-                                          </p:stCondLst>
-                                        </p:cTn>
-                                        <p:tgtEl>
-                                          <p:spTgt spid="3">
-                                            <p:txEl>
-                                              <p:pRg st="7" end="7"/>
-                                            </p:txEl>
-                                          </p:spTgt>
-                                        </p:tgtEl>
-                                        <p:attrNameLst>
-                                          <p:attrName>style.visibility</p:attrName>
-                                        </p:attrNameLst>
-                                      </p:cBhvr>
-                                      <p:to>
-                                        <p:strVal val="visible"/>
-                                      </p:to>
-                                    </p:set>
-                                  </p:childTnLst>
-                                </p:cTn>
-                              </p:par>
-                            </p:childTnLst>
-                          </p:cTn>
-                        </p:par>
-                      </p:childTnLst>
-                    </p:cTn>
-                  </p:par>
-                  <p:par>
-                    <p:cTn id="31" fill="hold">
-                      <p:stCondLst>
-                        <p:cond delay="indefinite"/>
-                      </p:stCondLst>
-                      <p:childTnLst>
-                        <p:par>
-                          <p:cTn id="32" fill="hold">
-                            <p:stCondLst>
-                              <p:cond delay="0"/>
-                            </p:stCondLst>
-                            <p:childTnLst>
-                              <p:par>
-                                <p:cTn id="33" presetID="1" presetClass="entr" presetSubtype="0" fill="hold" nodeType="clickEffect">
-                                  <p:stCondLst>
-                                    <p:cond delay="0"/>
-                                  </p:stCondLst>
-                                  <p:childTnLst>
-                                    <p:set>
-                                      <p:cBhvr>
-                                        <p:cTn id="34" dur="1" fill="hold">
-                                          <p:stCondLst>
-                                            <p:cond delay="0"/>
-                                          </p:stCondLst>
-                                        </p:cTn>
-                                        <p:tgtEl>
-                                          <p:spTgt spid="3">
-                                            <p:txEl>
-                                              <p:pRg st="8" end="8"/>
-                                            </p:txEl>
-                                          </p:spTgt>
-                                        </p:tgtEl>
-                                        <p:attrNameLst>
-                                          <p:attrName>style.visibility</p:attrName>
-                                        </p:attrNameLst>
-                                      </p:cBhvr>
-                                      <p:to>
-                                        <p:strVal val="visible"/>
-                                      </p:to>
-                                    </p:set>
-                                  </p:childTnLst>
-                                </p:cTn>
-                              </p:par>
-                            </p:childTnLst>
-                          </p:cTn>
-                        </p:par>
-                      </p:childTnLst>
-                    </p:cTn>
-                  </p:par>
-                  <p:par>
-                    <p:cTn id="35" fill="hold">
-                      <p:stCondLst>
-                        <p:cond delay="indefinite"/>
-                      </p:stCondLst>
-                      <p:childTnLst>
-                        <p:par>
-                          <p:cTn id="36" fill="hold">
-                            <p:stCondLst>
-                              <p:cond delay="0"/>
-                            </p:stCondLst>
-                            <p:childTnLst>
-                              <p:par>
-                                <p:cTn id="37" presetID="1" presetClass="entr" presetSubtype="0" fill="hold" nodeType="clickEffect">
-                                  <p:stCondLst>
-                                    <p:cond delay="0"/>
-                                  </p:stCondLst>
-                                  <p:childTnLst>
-                                    <p:set>
-                                      <p:cBhvr>
-                                        <p:cTn id="38" dur="1" fill="hold">
-                                          <p:stCondLst>
-                                            <p:cond delay="0"/>
-                                          </p:stCondLst>
-                                        </p:cTn>
-                                        <p:tgtEl>
-                                          <p:spTgt spid="3">
-                                            <p:txEl>
-                                              <p:pRg st="10" end="10"/>
-                                            </p:txEl>
-                                          </p:spTgt>
-                                        </p:tgtEl>
-                                        <p:attrNameLst>
-                                          <p:attrName>style.visibility</p:attrName>
-                                        </p:attrNameLst>
-                                      </p:cBhvr>
-                                      <p:to>
-                                        <p:strVal val="visible"/>
-                                      </p:to>
-                                    </p:set>
-                                  </p:childTnLst>
-                                </p:cTn>
-                              </p:par>
-                            </p:childTnLst>
-                          </p:cTn>
-                        </p:par>
-                      </p:childTnLst>
-                    </p:cTn>
-                  </p:par>
-                  <p:par>
-                    <p:cTn id="39" fill="hold">
-                      <p:stCondLst>
-                        <p:cond delay="indefinite"/>
-                      </p:stCondLst>
-                      <p:childTnLst>
-                        <p:par>
-                          <p:cTn id="40" fill="hold">
-                            <p:stCondLst>
-                              <p:cond delay="0"/>
-                            </p:stCondLst>
-                            <p:childTnLst>
-                              <p:par>
-                                <p:cTn id="41" presetID="1" presetClass="entr" presetSubtype="0" fill="hold" nodeType="clickEffect">
-                                  <p:stCondLst>
-                                    <p:cond delay="0"/>
-                                  </p:stCondLst>
-                                  <p:childTnLst>
-                                    <p:set>
-                                      <p:cBhvr>
-                                        <p:cTn id="42" dur="1" fill="hold">
-                                          <p:stCondLst>
-                                            <p:cond delay="0"/>
-                                          </p:stCondLst>
-                                        </p:cTn>
-                                        <p:tgtEl>
-                                          <p:spTgt spid="3">
-                                            <p:txEl>
-                                              <p:pRg st="11" end="11"/>
-                                            </p:txEl>
-                                          </p:spTgt>
-                                        </p:tgtEl>
-                                        <p:attrNameLst>
-                                          <p:attrName>style.visibility</p:attrName>
-                                        </p:attrNameLst>
-                                      </p:cBhvr>
-                                      <p:to>
-                                        <p:strVal val="visible"/>
-                                      </p:to>
-                                    </p:set>
-                                  </p:childTnLst>
-                                </p:cTn>
-                              </p:par>
-                            </p:childTnLst>
-                          </p:cTn>
-                        </p:par>
-                      </p:childTnLst>
-                    </p:cTn>
-                  </p:par>
-                  <p:par>
-                    <p:cTn id="43" fill="hold">
-                      <p:stCondLst>
-                        <p:cond delay="indefinite"/>
-                      </p:stCondLst>
-                      <p:childTnLst>
-                        <p:par>
-                          <p:cTn id="44" fill="hold">
-                            <p:stCondLst>
-                              <p:cond delay="0"/>
-                            </p:stCondLst>
-                            <p:childTnLst>
-                              <p:par>
-                                <p:cTn id="45" presetID="1" presetClass="entr" presetSubtype="0" fill="hold" nodeType="clickEffect">
-                                  <p:stCondLst>
-                                    <p:cond delay="0"/>
-                                  </p:stCondLst>
-                                  <p:childTnLst>
-                                    <p:set>
-                                      <p:cBhvr>
-                                        <p:cTn id="46" dur="1" fill="hold">
-                                          <p:stCondLst>
-                                            <p:cond delay="0"/>
-                                          </p:stCondLst>
-                                        </p:cTn>
-                                        <p:tgtEl>
-                                          <p:spTgt spid="3">
-                                            <p:txEl>
-                                              <p:pRg st="14" end="14"/>
-                                            </p:txEl>
-                                          </p:spTgt>
-                                        </p:tgtEl>
-                                        <p:attrNameLst>
-                                          <p:attrName>style.visibility</p:attrName>
-                                        </p:attrNameLst>
-                                      </p:cBhvr>
-                                      <p:to>
-                                        <p:strVal val="visible"/>
-                                      </p:to>
-                                    </p:set>
-                                  </p:childTnLst>
-                                </p:cTn>
-                              </p:par>
-                            </p:childTnLst>
-                          </p:cTn>
-                        </p:par>
-                      </p:childTnLst>
-                    </p:cTn>
-                  </p:par>
-                  <p:par>
-                    <p:cTn id="47" fill="hold">
-                      <p:stCondLst>
-                        <p:cond delay="indefinite"/>
-                      </p:stCondLst>
-                      <p:childTnLst>
-                        <p:par>
-                          <p:cTn id="48" fill="hold">
-                            <p:stCondLst>
-                              <p:cond delay="0"/>
-                            </p:stCondLst>
-                            <p:childTnLst>
-                              <p:par>
-                                <p:cTn id="49" presetID="1" presetClass="entr" presetSubtype="0" fill="hold" nodeType="clickEffect">
-                                  <p:stCondLst>
-                                    <p:cond delay="0"/>
-                                  </p:stCondLst>
-                                  <p:childTnLst>
-                                    <p:set>
-                                      <p:cBhvr>
-                                        <p:cTn id="50" dur="1" fill="hold">
-                                          <p:stCondLst>
-                                            <p:cond delay="0"/>
-                                          </p:stCondLst>
-                                        </p:cTn>
-                                        <p:tgtEl>
-                                          <p:spTgt spid="3">
-                                            <p:txEl>
-                                              <p:pRg st="15" end="15"/>
-                                            </p:txEl>
-                                          </p:spTgt>
-                                        </p:tgtEl>
-                                        <p:attrNameLst>
-                                          <p:attrName>style.visibility</p:attrName>
-                                        </p:attrNameLst>
-                                      </p:cBhvr>
-                                      <p:to>
-                                        <p:strVal val="visible"/>
-                                      </p:to>
-                                    </p:set>
-                                  </p:childTnLst>
-                                </p:cTn>
-                              </p:par>
-                            </p:childTnLst>
-                          </p:cTn>
-                        </p:par>
-                      </p:childTnLst>
-                    </p:cTn>
-                  </p:par>
-                  <p:par>
-                    <p:cTn id="51" fill="hold">
-                      <p:stCondLst>
-                        <p:cond delay="indefinite"/>
-                      </p:stCondLst>
-                      <p:childTnLst>
-                        <p:par>
-                          <p:cTn id="52" fill="hold">
-                            <p:stCondLst>
-                              <p:cond delay="0"/>
-                            </p:stCondLst>
-                            <p:childTnLst>
-                              <p:par>
-                                <p:cTn id="53" presetID="1" presetClass="entr" presetSubtype="0" fill="hold" nodeType="clickEffect">
-                                  <p:stCondLst>
-                                    <p:cond delay="0"/>
-                                  </p:stCondLst>
-                                  <p:childTnLst>
-                                    <p:set>
-                                      <p:cBhvr>
-                                        <p:cTn id="54" dur="1" fill="hold">
-                                          <p:stCondLst>
-                                            <p:cond delay="0"/>
-                                          </p:stCondLst>
-                                        </p:cTn>
-                                        <p:tgtEl>
-                                          <p:spTgt spid="3">
-                                            <p:txEl>
-                                              <p:pRg st="17" end="17"/>
-                                            </p:txEl>
-                                          </p:spTgt>
-                                        </p:tgtEl>
-                                        <p:attrNameLst>
-                                          <p:attrName>style.visibility</p:attrName>
-                                        </p:attrNameLst>
-                                      </p:cBhvr>
-                                      <p:to>
-                                        <p:strVal val="visible"/>
-                                      </p:to>
-                                    </p:set>
-                                  </p:childTnLst>
-                                </p:cTn>
-                              </p:par>
-                            </p:childTnLst>
-                          </p:cTn>
-                        </p:par>
-                      </p:childTnLst>
-                    </p:cTn>
-                  </p:par>
-                  <p:par>
-                    <p:cTn id="55" fill="hold">
-                      <p:stCondLst>
-                        <p:cond delay="indefinite"/>
-                      </p:stCondLst>
-                      <p:childTnLst>
-                        <p:par>
-                          <p:cTn id="56" fill="hold">
-                            <p:stCondLst>
-                              <p:cond delay="0"/>
-                            </p:stCondLst>
-                            <p:childTnLst>
-                              <p:par>
-                                <p:cTn id="57" presetID="1" presetClass="entr" presetSubtype="0" fill="hold" nodeType="clickEffect">
-                                  <p:stCondLst>
-                                    <p:cond delay="0"/>
-                                  </p:stCondLst>
-                                  <p:childTnLst>
-                                    <p:set>
-                                      <p:cBhvr>
-                                        <p:cTn id="58" dur="1" fill="hold">
-                                          <p:stCondLst>
-                                            <p:cond delay="0"/>
-                                          </p:stCondLst>
-                                        </p:cTn>
-                                        <p:tgtEl>
-                                          <p:spTgt spid="3">
-                                            <p:txEl>
-                                              <p:pRg st="18" end="18"/>
-                                            </p:txEl>
-                                          </p:spTgt>
-                                        </p:tgtEl>
-                                        <p:attrNameLst>
-                                          <p:attrName>style.visibility</p:attrName>
-                                        </p:attrNameLst>
-                                      </p:cBhvr>
-                                      <p:to>
-                                        <p:strVal val="visible"/>
-                                      </p:to>
-                                    </p:set>
-                                  </p:childTnLst>
-                                </p:cTn>
-                              </p:par>
-                            </p:childTnLst>
-                          </p:cTn>
-                        </p:par>
-                      </p:childTnLst>
-                    </p:cTn>
-                  </p:par>
-                  <p:par>
-                    <p:cTn id="59" fill="hold">
-                      <p:stCondLst>
-                        <p:cond delay="indefinite"/>
-                      </p:stCondLst>
-                      <p:childTnLst>
-                        <p:par>
-                          <p:cTn id="60" fill="hold">
-                            <p:stCondLst>
-                              <p:cond delay="0"/>
-                            </p:stCondLst>
-                            <p:childTnLst>
-                              <p:par>
-                                <p:cTn id="61" presetID="1" presetClass="entr" presetSubtype="0" fill="hold" nodeType="clickEffect">
-                                  <p:stCondLst>
-                                    <p:cond delay="0"/>
-                                  </p:stCondLst>
-                                  <p:childTnLst>
-                                    <p:set>
-                                      <p:cBhvr>
-                                        <p:cTn id="62" dur="1" fill="hold">
-                                          <p:stCondLst>
-                                            <p:cond delay="0"/>
-                                          </p:stCondLst>
-                                        </p:cTn>
-                                        <p:tgtEl>
-                                          <p:spTgt spid="3">
-                                            <p:txEl>
-                                              <p:pRg st="21" end="21"/>
-                                            </p:txEl>
-                                          </p:spTgt>
-                                        </p:tgtEl>
-                                        <p:attrNameLst>
-                                          <p:attrName>style.visibility</p:attrName>
-                                        </p:attrNameLst>
-                                      </p:cBhvr>
-                                      <p:to>
-                                        <p:strVal val="visible"/>
-                                      </p:to>
-                                    </p:set>
-                                  </p:childTnLst>
-                                </p:cTn>
-                              </p:par>
-                            </p:childTnLst>
-                          </p:cTn>
-                        </p:par>
-                      </p:childTnLst>
-                    </p:cTn>
-                  </p:par>
-                  <p:par>
-                    <p:cTn id="63" fill="hold">
-                      <p:stCondLst>
-                        <p:cond delay="indefinite"/>
-                      </p:stCondLst>
-                      <p:childTnLst>
-                        <p:par>
-                          <p:cTn id="64" fill="hold">
-                            <p:stCondLst>
-                              <p:cond delay="0"/>
-                            </p:stCondLst>
-                            <p:childTnLst>
-                              <p:par>
-                                <p:cTn id="65" presetID="1" presetClass="entr" presetSubtype="0" fill="hold" nodeType="clickEffect">
-                                  <p:stCondLst>
-                                    <p:cond delay="0"/>
-                                  </p:stCondLst>
-                                  <p:childTnLst>
-                                    <p:set>
-                                      <p:cBhvr>
-                                        <p:cTn id="66" dur="1" fill="hold">
-                                          <p:stCondLst>
-                                            <p:cond delay="0"/>
-                                          </p:stCondLst>
-                                        </p:cTn>
-                                        <p:tgtEl>
-                                          <p:spTgt spid="3">
-                                            <p:txEl>
-                                              <p:pRg st="22" end="22"/>
-                                            </p:txEl>
-                                          </p:spTgt>
-                                        </p:tgtEl>
-                                        <p:attrNameLst>
-                                          <p:attrName>style.visibility</p:attrName>
-                                        </p:attrNameLst>
-                                      </p:cBhvr>
-                                      <p:to>
-                                        <p:strVal val="visible"/>
-                                      </p:to>
-                                    </p:set>
-                                  </p:childTnLst>
-                                </p:cTn>
-                              </p:par>
-                            </p:childTnLst>
-                          </p:cTn>
-                        </p:par>
-                      </p:childTnLst>
-                    </p:cTn>
-                  </p:par>
-                </p:childTnLst>
-              </p:cTn>
-              <p:prevCondLst>
-                <p:cond evt="onPrev" delay="0">
-                  <p:tgtEl>
-                    <p:sldTgt/>
-                  </p:tgtEl>
-                </p:cond>
-              </p:prevCondLst>
-              <p:nextCondLst>
-                <p:cond evt="onNext" delay="0">
-                  <p:tgtEl>
-                    <p:sldTgt/>
-                  </p:tgtEl>
-                </p:cond>
-              </p:nextCondLst>
-            </p:seq>
-          </p:childTnLst>
-        </p:cTn>
-      </p:par>
-    </p:tnLst>
-  </p:timing>
-</p:sld>
-</file>
-
-<file path=ppt/slides/slide25.xml><?xml version="1.0" encoding="utf-8"?>
-<p:sld xmlns:a="http://schemas.openxmlformats.org/drawingml/2006/main" xmlns:r="http://schemas.openxmlformats.org/officeDocument/2006/relationships" xmlns:p="http://schemas.openxmlformats.org/presentationml/2006/main">
-  <p:cSld>
-    <p:spTree>
-      <p:nvGrpSpPr>
-        <p:cNvPr id="1" name=""/>
-        <p:cNvGrpSpPr/>
-        <p:nvPr/>
-      </p:nvGrpSpPr>
-      <p:grpSpPr>
-        <a:xfrm>
-          <a:off x="0" y="0"/>
-          <a:ext cx="0" cy="0"/>
-          <a:chOff x="0" y="0"/>
-          <a:chExt cx="0" cy="0"/>
-        </a:xfrm>
-      </p:grpSpPr>
-      <p:sp>
-        <p:nvSpPr>
-          <p:cNvPr id="37889" name="Title 1">
-            <a:extLst>
-              <a:ext uri="{FF2B5EF4-FFF2-40B4-BE49-F238E27FC236}">
-                <a16:creationId xmlns:a16="http://schemas.microsoft.com/office/drawing/2014/main" id="{AC3C8F6C-38DD-984D-AB5D-B5D4807018F9}"/>
-              </a:ext>
-            </a:extLst>
-          </p:cNvPr>
-          <p:cNvSpPr>
-            <a:spLocks noGrp="1" noChangeArrowheads="1"/>
-          </p:cNvSpPr>
-          <p:nvPr>
-            <p:ph type="title"/>
-          </p:nvPr>
-        </p:nvSpPr>
-        <p:spPr>
-          <a:xfrm>
-            <a:off x="226998" y="70742"/>
-            <a:ext cx="7886700" cy="639786"/>
-          </a:xfrm>
-        </p:spPr>
-        <p:txBody>
-          <a:bodyPr/>
-          <a:lstStyle/>
-          <a:p>
-            <a:pPr eaLnBrk="1" hangingPunct="1"/>
-            <a:r>
-              <a:rPr lang="en-US" altLang="en-US" dirty="0">
-                <a:ea typeface="ＭＳ Ｐゴシック" panose="020B0600070205080204" pitchFamily="34" charset="-128"/>
-              </a:rPr>
-              <a:t>List of Numbers is An Image</a:t>
-            </a:r>
-          </a:p>
-        </p:txBody>
-      </p:sp>
-      <p:sp>
-        <p:nvSpPr>
-          <p:cNvPr id="3" name="Content Placeholder 2">
-            <a:extLst>
-              <a:ext uri="{FF2B5EF4-FFF2-40B4-BE49-F238E27FC236}">
-                <a16:creationId xmlns:a16="http://schemas.microsoft.com/office/drawing/2014/main" id="{D7CDD189-AC0E-DF4B-95CF-A617BFC2B7FC}"/>
-              </a:ext>
-            </a:extLst>
-          </p:cNvPr>
-          <p:cNvSpPr>
-            <a:spLocks noGrp="1" noChangeArrowheads="1"/>
-          </p:cNvSpPr>
-          <p:nvPr>
-            <p:ph idx="1"/>
-          </p:nvPr>
-        </p:nvSpPr>
-        <p:spPr>
-          <a:xfrm>
-            <a:off x="119641" y="710528"/>
-            <a:ext cx="8938901" cy="4933730"/>
-          </a:xfrm>
-        </p:spPr>
-        <p:txBody>
-          <a:bodyPr/>
-          <a:lstStyle/>
-          <a:p>
-            <a:pPr marL="0" indent="0">
-              <a:buNone/>
-            </a:pPr>
-            <a:r>
-              <a:rPr lang="en-US" dirty="0"/>
-              <a:t>The list of numbers in the previous example is now an image! We'll discuss how to write the code below in the next lecture. </a:t>
-            </a:r>
-          </a:p>
-          <a:p>
-            <a:pPr marL="0" indent="0">
-              <a:buNone/>
-            </a:pPr>
-            <a:r>
-              <a:rPr lang="en-US" sz="1800" b="1" dirty="0">
-                <a:solidFill>
-                  <a:srgbClr val="34A327"/>
-                </a:solidFill>
-                <a:latin typeface="Inconsolata" panose="020B0609030003000000" pitchFamily="49" charset="77"/>
-              </a:rPr>
-              <a:t>import </a:t>
-            </a:r>
-            <a:r>
-              <a:rPr lang="en-US" sz="1800" b="1" dirty="0" err="1">
-                <a:solidFill>
-                  <a:srgbClr val="3C9FF2"/>
-                </a:solidFill>
-                <a:latin typeface="Inconsolata" panose="020B0609030003000000" pitchFamily="49" charset="77"/>
-              </a:rPr>
-              <a:t>numpy</a:t>
-            </a:r>
-            <a:r>
-              <a:rPr lang="en-US" sz="1800" b="1" dirty="0">
-                <a:solidFill>
-                  <a:srgbClr val="34A327"/>
-                </a:solidFill>
-                <a:latin typeface="Inconsolata" panose="020B0609030003000000" pitchFamily="49" charset="77"/>
-              </a:rPr>
-              <a:t> as </a:t>
-            </a:r>
-            <a:r>
-              <a:rPr lang="en-US" sz="1800" b="1" dirty="0">
-                <a:solidFill>
-                  <a:srgbClr val="3C9FF2"/>
-                </a:solidFill>
-                <a:latin typeface="Inconsolata" panose="020B0609030003000000" pitchFamily="49" charset="77"/>
-              </a:rPr>
-              <a:t>np</a:t>
-            </a:r>
-            <a:endParaRPr lang="en-US" sz="1800" b="1" dirty="0">
-              <a:solidFill>
-                <a:srgbClr val="34A327"/>
-              </a:solidFill>
-              <a:latin typeface="Inconsolata" panose="020B0609030003000000" pitchFamily="49" charset="77"/>
-            </a:endParaRPr>
-          </a:p>
-          <a:p>
-            <a:pPr marL="0" indent="0">
-              <a:buNone/>
-            </a:pPr>
-            <a:r>
-              <a:rPr lang="en-US" sz="1800" b="1" dirty="0">
-                <a:solidFill>
-                  <a:srgbClr val="34A327"/>
-                </a:solidFill>
-                <a:latin typeface="Inconsolata" panose="020B0609030003000000" pitchFamily="49" charset="77"/>
-              </a:rPr>
-              <a:t>import</a:t>
-            </a:r>
-            <a:r>
-              <a:rPr lang="en-US" sz="1800" b="1" dirty="0">
-                <a:solidFill>
-                  <a:srgbClr val="000000"/>
-                </a:solidFill>
-                <a:latin typeface="Inconsolata" panose="020B0609030003000000" pitchFamily="49" charset="77"/>
-              </a:rPr>
-              <a:t> </a:t>
-            </a:r>
-            <a:r>
-              <a:rPr lang="en-US" sz="1800" b="1" dirty="0" err="1">
-                <a:solidFill>
-                  <a:srgbClr val="3C9FF2"/>
-                </a:solidFill>
-                <a:latin typeface="Inconsolata" panose="020B0609030003000000" pitchFamily="49" charset="77"/>
-              </a:rPr>
-              <a:t>matplotlib.pyplot</a:t>
-            </a:r>
-            <a:r>
-              <a:rPr lang="en-US" sz="1800" b="1" dirty="0">
-                <a:solidFill>
-                  <a:srgbClr val="000000"/>
-                </a:solidFill>
-                <a:latin typeface="Inconsolata" panose="020B0609030003000000" pitchFamily="49" charset="77"/>
-              </a:rPr>
-              <a:t> </a:t>
-            </a:r>
-            <a:r>
-              <a:rPr lang="en-US" sz="1800" b="1" dirty="0">
-                <a:solidFill>
-                  <a:srgbClr val="34A327"/>
-                </a:solidFill>
-                <a:latin typeface="Inconsolata" panose="020B0609030003000000" pitchFamily="49" charset="77"/>
-              </a:rPr>
-              <a:t>as</a:t>
-            </a:r>
-            <a:r>
-              <a:rPr lang="en-US" sz="1800" b="1" dirty="0">
-                <a:solidFill>
-                  <a:srgbClr val="000000"/>
-                </a:solidFill>
-                <a:latin typeface="Inconsolata" panose="020B0609030003000000" pitchFamily="49" charset="77"/>
-              </a:rPr>
-              <a:t> </a:t>
-            </a:r>
-            <a:r>
-              <a:rPr lang="en-US" sz="1800" b="1" dirty="0" err="1">
-                <a:solidFill>
-                  <a:srgbClr val="3C9FF2"/>
-                </a:solidFill>
-                <a:latin typeface="Inconsolata" panose="020B0609030003000000" pitchFamily="49" charset="77"/>
-              </a:rPr>
-              <a:t>plt</a:t>
-            </a:r>
-            <a:r>
-              <a:rPr lang="en-US" sz="1800" b="1" dirty="0">
-                <a:solidFill>
-                  <a:srgbClr val="000000"/>
-                </a:solidFill>
-                <a:latin typeface="Inconsolata" panose="020B0609030003000000" pitchFamily="49" charset="77"/>
-              </a:rPr>
-              <a:t> </a:t>
-            </a:r>
-          </a:p>
-          <a:p>
-            <a:pPr marL="0" indent="0">
-              <a:buNone/>
-            </a:pPr>
-            <a:r>
-              <a:rPr lang="en-US" sz="1800" b="1" dirty="0" err="1">
-                <a:latin typeface="Inconsolata" panose="020B0609030003000000" pitchFamily="49" charset="77"/>
-              </a:rPr>
-              <a:t>nums</a:t>
-            </a:r>
-            <a:r>
-              <a:rPr lang="en-US" sz="1800" b="1" dirty="0">
-                <a:latin typeface="Inconsolata" panose="020B0609030003000000" pitchFamily="49" charset="77"/>
-              </a:rPr>
-              <a:t> = </a:t>
-            </a:r>
-            <a:r>
-              <a:rPr lang="en-US" sz="1800" b="1" dirty="0" err="1">
-                <a:latin typeface="Inconsolata" panose="020B0609030003000000" pitchFamily="49" charset="77"/>
-              </a:rPr>
-              <a:t>np.loadtxt</a:t>
-            </a:r>
-            <a:r>
-              <a:rPr lang="en-US" sz="1800" b="1" dirty="0">
-                <a:latin typeface="Inconsolata" panose="020B0609030003000000" pitchFamily="49" charset="77"/>
-              </a:rPr>
-              <a:t>("</a:t>
-            </a:r>
-            <a:r>
-              <a:rPr lang="en-US" sz="1800" b="1" dirty="0" err="1">
-                <a:latin typeface="Inconsolata" panose="020B0609030003000000" pitchFamily="49" charset="77"/>
-              </a:rPr>
-              <a:t>numbers.txt</a:t>
-            </a:r>
-            <a:r>
-              <a:rPr lang="en-US" sz="1800" b="1" dirty="0">
-                <a:latin typeface="Inconsolata" panose="020B0609030003000000" pitchFamily="49" charset="77"/>
-              </a:rPr>
-              <a:t>", </a:t>
-            </a:r>
-            <a:r>
-              <a:rPr lang="en-US" sz="1800" b="1" dirty="0" err="1">
-                <a:latin typeface="Inconsolata" panose="020B0609030003000000" pitchFamily="49" charset="77"/>
-              </a:rPr>
-              <a:t>dtype</a:t>
-            </a:r>
-            <a:r>
-              <a:rPr lang="en-US" sz="1800" b="1" dirty="0">
-                <a:latin typeface="Inconsolata" panose="020B0609030003000000" pitchFamily="49" charset="77"/>
-              </a:rPr>
-              <a:t>="uint8")</a:t>
-            </a:r>
-          </a:p>
-          <a:p>
-            <a:pPr marL="0" indent="0">
-              <a:buNone/>
-            </a:pPr>
-            <a:r>
-              <a:rPr lang="en-US" sz="1800" b="1" dirty="0">
-                <a:latin typeface="Inconsolata" panose="020B0609030003000000" pitchFamily="49" charset="77"/>
-              </a:rPr>
-              <a:t>print(</a:t>
-            </a:r>
-            <a:r>
-              <a:rPr lang="en-US" sz="1800" b="1" dirty="0" err="1">
-                <a:latin typeface="Inconsolata" panose="020B0609030003000000" pitchFamily="49" charset="77"/>
-              </a:rPr>
-              <a:t>nums</a:t>
-            </a:r>
-            <a:r>
-              <a:rPr lang="en-US" sz="1800" b="1" dirty="0">
-                <a:latin typeface="Inconsolata" panose="020B0609030003000000" pitchFamily="49" charset="77"/>
-              </a:rPr>
-              <a:t>) 	</a:t>
-            </a:r>
-            <a:r>
-              <a:rPr lang="en-US" sz="1800" b="1" dirty="0">
-                <a:solidFill>
-                  <a:srgbClr val="FF0000"/>
-                </a:solidFill>
-                <a:latin typeface="Inconsolata" panose="020B0609030003000000" pitchFamily="49" charset="77"/>
-              </a:rPr>
-              <a:t># </a:t>
-            </a:r>
-            <a:r>
-              <a:rPr lang="en-US" sz="1800" b="1" dirty="0">
-                <a:solidFill>
-                  <a:srgbClr val="FF0000"/>
-                </a:solidFill>
-                <a:latin typeface="INCONSOLATA" panose="020B0609030003000000" pitchFamily="49" charset="77"/>
-              </a:rPr>
-              <a:t>array([210 190 225 ..., ]), same list of numbers</a:t>
-            </a:r>
-            <a:endParaRPr lang="en-US" sz="1800" b="1" dirty="0">
-              <a:solidFill>
-                <a:srgbClr val="34A327"/>
-              </a:solidFill>
-              <a:latin typeface="Inconsolata" panose="020B0609030003000000" pitchFamily="49" charset="77"/>
-            </a:endParaRPr>
-          </a:p>
-          <a:p>
-            <a:pPr marL="0" indent="0">
-              <a:buNone/>
-            </a:pPr>
-            <a:r>
-              <a:rPr lang="en-US" sz="1800" b="1" dirty="0" err="1">
-                <a:solidFill>
-                  <a:srgbClr val="000000"/>
-                </a:solidFill>
-                <a:latin typeface="Inconsolata" panose="020B0609030003000000" pitchFamily="49" charset="77"/>
-              </a:rPr>
-              <a:t>nums</a:t>
-            </a:r>
-            <a:r>
-              <a:rPr lang="en-US" sz="1800" b="1" dirty="0">
-                <a:solidFill>
-                  <a:srgbClr val="000000"/>
-                </a:solidFill>
-                <a:latin typeface="Inconsolata" panose="020B0609030003000000" pitchFamily="49" charset="77"/>
-              </a:rPr>
-              <a:t> = </a:t>
-            </a:r>
-            <a:r>
-              <a:rPr lang="en-US" sz="1800" b="1" dirty="0" err="1">
-                <a:solidFill>
-                  <a:srgbClr val="000000"/>
-                </a:solidFill>
-                <a:latin typeface="Inconsolata" panose="020B0609030003000000" pitchFamily="49" charset="77"/>
-              </a:rPr>
-              <a:t>nums.reshape</a:t>
-            </a:r>
-            <a:r>
-              <a:rPr lang="en-US" sz="1800" b="1" dirty="0">
-                <a:solidFill>
-                  <a:srgbClr val="000000"/>
-                </a:solidFill>
-                <a:latin typeface="Inconsolata" panose="020B0609030003000000" pitchFamily="49" charset="77"/>
-              </a:rPr>
-              <a:t>(417, 626, 3)</a:t>
-            </a:r>
-          </a:p>
-          <a:p>
-            <a:pPr marL="0" indent="0">
-              <a:buNone/>
-            </a:pPr>
-            <a:r>
-              <a:rPr lang="en-US" sz="1800" b="1" dirty="0">
-                <a:solidFill>
-                  <a:srgbClr val="000000"/>
-                </a:solidFill>
-                <a:latin typeface="Inconsolata" panose="020B0609030003000000" pitchFamily="49" charset="77"/>
-              </a:rPr>
-              <a:t>fig, ax = </a:t>
-            </a:r>
-            <a:r>
-              <a:rPr lang="en-US" sz="1800" b="1" dirty="0" err="1">
-                <a:solidFill>
-                  <a:srgbClr val="000000"/>
-                </a:solidFill>
-                <a:latin typeface="Inconsolata" panose="020B0609030003000000" pitchFamily="49" charset="77"/>
-              </a:rPr>
-              <a:t>plt.subplots</a:t>
-            </a:r>
-            <a:r>
-              <a:rPr lang="en-US" sz="1800" b="1" dirty="0">
-                <a:solidFill>
-                  <a:srgbClr val="000000"/>
-                </a:solidFill>
-                <a:latin typeface="Inconsolata" panose="020B0609030003000000" pitchFamily="49" charset="77"/>
-              </a:rPr>
-              <a:t>()</a:t>
-            </a:r>
-          </a:p>
-          <a:p>
-            <a:pPr marL="0" indent="0">
-              <a:buNone/>
-            </a:pPr>
-            <a:r>
-              <a:rPr lang="en-US" altLang="en-US" sz="1800" b="1" dirty="0" err="1">
-                <a:latin typeface="Inconsolata" panose="020B0609030003000000" pitchFamily="49" charset="77"/>
-                <a:ea typeface="ＭＳ Ｐゴシック" panose="020B0600070205080204" pitchFamily="34" charset="-128"/>
-              </a:rPr>
-              <a:t>ax.imshow</a:t>
-            </a:r>
-            <a:r>
-              <a:rPr lang="en-US" altLang="en-US" sz="1800" b="1" dirty="0">
-                <a:latin typeface="Inconsolata" panose="020B0609030003000000" pitchFamily="49" charset="77"/>
-                <a:ea typeface="ＭＳ Ｐゴシック" panose="020B0600070205080204" pitchFamily="34" charset="-128"/>
-              </a:rPr>
-              <a:t>(</a:t>
-            </a:r>
-            <a:r>
-              <a:rPr lang="en-US" altLang="en-US" sz="1800" b="1" dirty="0" err="1">
-                <a:latin typeface="Inconsolata" panose="020B0609030003000000" pitchFamily="49" charset="77"/>
-                <a:ea typeface="ＭＳ Ｐゴシック" panose="020B0600070205080204" pitchFamily="34" charset="-128"/>
-              </a:rPr>
-              <a:t>nums</a:t>
-            </a:r>
-            <a:r>
-              <a:rPr lang="en-US" altLang="en-US" sz="1800" b="1" dirty="0">
-                <a:latin typeface="Inconsolata" panose="020B0609030003000000" pitchFamily="49" charset="77"/>
-                <a:ea typeface="ＭＳ Ｐゴシック" panose="020B0600070205080204" pitchFamily="34" charset="-128"/>
-              </a:rPr>
-              <a:t>)</a:t>
-            </a:r>
-          </a:p>
-          <a:p>
-            <a:pPr marL="0" indent="0">
-              <a:buNone/>
-            </a:pPr>
-            <a:endParaRPr lang="en-US" sz="1800" b="1" dirty="0">
-              <a:solidFill>
-                <a:srgbClr val="34A327"/>
-              </a:solidFill>
-              <a:latin typeface="Inconsolata" panose="020B0609030003000000" pitchFamily="49" charset="77"/>
-            </a:endParaRPr>
-          </a:p>
-          <a:p>
-            <a:pPr marL="0" indent="0">
-              <a:buNone/>
-            </a:pPr>
-            <a:endParaRPr lang="en-US" altLang="en-US" sz="1800" dirty="0">
-              <a:latin typeface="Tahoma" panose="020B0604030504040204" pitchFamily="34" charset="0"/>
-              <a:ea typeface="ＭＳ Ｐゴシック" panose="020B0600070205080204" pitchFamily="34" charset="-128"/>
-            </a:endParaRPr>
-          </a:p>
-          <a:p>
-            <a:pPr marL="0" indent="0">
-              <a:buNone/>
-            </a:pPr>
-            <a:endParaRPr lang="en-US" altLang="en-US" sz="1833" dirty="0">
-              <a:ea typeface="ＭＳ Ｐゴシック" panose="020B0600070205080204" pitchFamily="34" charset="-128"/>
-            </a:endParaRPr>
-          </a:p>
-        </p:txBody>
-      </p:sp>
-      <p:sp>
-        <p:nvSpPr>
-          <p:cNvPr id="37891" name="TextBox 3">
-            <a:extLst>
-              <a:ext uri="{FF2B5EF4-FFF2-40B4-BE49-F238E27FC236}">
-                <a16:creationId xmlns:a16="http://schemas.microsoft.com/office/drawing/2014/main" id="{AA4154A8-D2A5-0F4B-A28A-26FA8A4D8EE6}"/>
-              </a:ext>
-            </a:extLst>
-          </p:cNvPr>
-          <p:cNvSpPr txBox="1">
-            <a:spLocks noChangeArrowheads="1"/>
-          </p:cNvSpPr>
-          <p:nvPr/>
-        </p:nvSpPr>
-        <p:spPr bwMode="auto">
-          <a:xfrm>
-            <a:off x="3892021" y="67470"/>
-            <a:ext cx="184731" cy="323165"/>
-          </a:xfrm>
-          <a:prstGeom prst="rect">
-            <a:avLst/>
-          </a:prstGeom>
-          <a:noFill/>
-          <a:ln>
-            <a:noFill/>
-          </a:ln>
-          <a:extLst>
-            <a:ext uri="{909E8E84-426E-40DD-AFC4-6F175D3DCCD1}">
-              <a14:hiddenFill xmlns:a14="http://schemas.microsoft.com/office/drawing/2010/main">
-                <a:solidFill>
-                  <a:srgbClr val="FFFFFF"/>
-                </a:solidFill>
-              </a14:hiddenFill>
-            </a:ext>
-            <a:ext uri="{91240B29-F687-4F45-9708-019B960494DF}">
-              <a14:hiddenLine xmlns:a14="http://schemas.microsoft.com/office/drawing/2010/main" w="9525">
-                <a:solidFill>
-                  <a:srgbClr val="000000"/>
-                </a:solidFill>
-                <a:miter lim="800000"/>
-                <a:headEnd/>
-                <a:tailEnd/>
-              </a14:hiddenLine>
-            </a:ext>
-          </a:extLst>
-        </p:spPr>
-        <p:txBody>
-          <a:bodyPr wrap="none">
-            <a:spAutoFit/>
-          </a:bodyPr>
-          <a:lstStyle>
-            <a:lvl1pPr>
-              <a:spcBef>
-                <a:spcPct val="20000"/>
-              </a:spcBef>
-              <a:buChar char="•"/>
-              <a:defRPr sz="3200">
-                <a:solidFill>
-                  <a:schemeClr val="tx1"/>
-                </a:solidFill>
-                <a:latin typeface="Arial" panose="020B0604020202020204" pitchFamily="34" charset="0"/>
-                <a:ea typeface="ＭＳ Ｐゴシック" panose="020B0600070205080204" pitchFamily="34" charset="-128"/>
-                <a:cs typeface="Arial" panose="020B0604020202020204" pitchFamily="34" charset="0"/>
-              </a:defRPr>
-            </a:lvl1pPr>
-            <a:lvl2pPr marL="742950" indent="-285750">
-              <a:spcBef>
-                <a:spcPct val="20000"/>
-              </a:spcBef>
-              <a:buChar char="–"/>
-              <a:defRPr sz="2800">
-                <a:solidFill>
-                  <a:schemeClr val="tx1"/>
-                </a:solidFill>
-                <a:latin typeface="Arial" panose="020B0604020202020204" pitchFamily="34" charset="0"/>
-                <a:ea typeface="Arial" panose="020B0604020202020204" pitchFamily="34" charset="0"/>
-                <a:cs typeface="Arial" panose="020B0604020202020204" pitchFamily="34" charset="0"/>
-              </a:defRPr>
-            </a:lvl2pPr>
-            <a:lvl3pPr marL="1143000" indent="-228600">
-              <a:spcBef>
-                <a:spcPct val="20000"/>
-              </a:spcBef>
-              <a:buChar char="•"/>
-              <a:defRPr sz="2400">
-                <a:solidFill>
-                  <a:schemeClr val="tx1"/>
-                </a:solidFill>
-                <a:latin typeface="Arial" panose="020B0604020202020204" pitchFamily="34" charset="0"/>
-                <a:ea typeface="Arial" panose="020B0604020202020204" pitchFamily="34" charset="0"/>
-                <a:cs typeface="Arial" panose="020B0604020202020204" pitchFamily="34" charset="0"/>
-              </a:defRPr>
-            </a:lvl3pPr>
-            <a:lvl4pPr marL="1600200" indent="-228600">
-              <a:spcBef>
-                <a:spcPct val="20000"/>
-              </a:spcBef>
-              <a:buChar char="–"/>
-              <a:defRPr sz="2000">
-                <a:solidFill>
-                  <a:schemeClr val="tx1"/>
-                </a:solidFill>
-                <a:latin typeface="Arial" panose="020B0604020202020204" pitchFamily="34" charset="0"/>
-                <a:ea typeface="Arial" panose="020B0604020202020204" pitchFamily="34" charset="0"/>
-                <a:cs typeface="Arial" panose="020B0604020202020204" pitchFamily="34" charset="0"/>
-              </a:defRPr>
-            </a:lvl4pPr>
-            <a:lvl5pPr marL="2057400" indent="-228600">
-              <a:spcBef>
-                <a:spcPct val="20000"/>
-              </a:spcBef>
-              <a:buChar char="»"/>
-              <a:defRPr sz="2000">
-                <a:solidFill>
-                  <a:schemeClr val="tx1"/>
-                </a:solidFill>
-                <a:latin typeface="Arial" panose="020B0604020202020204" pitchFamily="34" charset="0"/>
-                <a:ea typeface="Arial" panose="020B0604020202020204" pitchFamily="34" charset="0"/>
-                <a:cs typeface="Arial" panose="020B0604020202020204" pitchFamily="34" charset="0"/>
-              </a:defRPr>
-            </a:lvl5pPr>
-            <a:lvl6pPr marL="2514600" indent="-228600" eaLnBrk="0" fontAlgn="base" hangingPunct="0">
-              <a:spcBef>
-                <a:spcPct val="20000"/>
-              </a:spcBef>
-              <a:spcAft>
-                <a:spcPct val="0"/>
-              </a:spcAft>
-              <a:buChar char="»"/>
-              <a:defRPr sz="2000">
-                <a:solidFill>
-                  <a:schemeClr val="tx1"/>
-                </a:solidFill>
-                <a:latin typeface="Arial" panose="020B0604020202020204" pitchFamily="34" charset="0"/>
-                <a:ea typeface="Arial" panose="020B0604020202020204" pitchFamily="34" charset="0"/>
-                <a:cs typeface="Arial" panose="020B0604020202020204" pitchFamily="34" charset="0"/>
-              </a:defRPr>
-            </a:lvl6pPr>
-            <a:lvl7pPr marL="2971800" indent="-228600" eaLnBrk="0" fontAlgn="base" hangingPunct="0">
-              <a:spcBef>
-                <a:spcPct val="20000"/>
-              </a:spcBef>
-              <a:spcAft>
-                <a:spcPct val="0"/>
-              </a:spcAft>
-              <a:buChar char="»"/>
-              <a:defRPr sz="2000">
-                <a:solidFill>
-                  <a:schemeClr val="tx1"/>
-                </a:solidFill>
-                <a:latin typeface="Arial" panose="020B0604020202020204" pitchFamily="34" charset="0"/>
-                <a:ea typeface="Arial" panose="020B0604020202020204" pitchFamily="34" charset="0"/>
-                <a:cs typeface="Arial" panose="020B0604020202020204" pitchFamily="34" charset="0"/>
-              </a:defRPr>
-            </a:lvl7pPr>
-            <a:lvl8pPr marL="3429000" indent="-228600" eaLnBrk="0" fontAlgn="base" hangingPunct="0">
-              <a:spcBef>
-                <a:spcPct val="20000"/>
-              </a:spcBef>
-              <a:spcAft>
-                <a:spcPct val="0"/>
-              </a:spcAft>
-              <a:buChar char="»"/>
-              <a:defRPr sz="2000">
-                <a:solidFill>
-                  <a:schemeClr val="tx1"/>
-                </a:solidFill>
-                <a:latin typeface="Arial" panose="020B0604020202020204" pitchFamily="34" charset="0"/>
-                <a:ea typeface="Arial" panose="020B0604020202020204" pitchFamily="34" charset="0"/>
-                <a:cs typeface="Arial" panose="020B0604020202020204" pitchFamily="34" charset="0"/>
-              </a:defRPr>
-            </a:lvl8pPr>
-            <a:lvl9pPr marL="3886200" indent="-228600" eaLnBrk="0" fontAlgn="base" hangingPunct="0">
-              <a:spcBef>
-                <a:spcPct val="20000"/>
-              </a:spcBef>
-              <a:spcAft>
-                <a:spcPct val="0"/>
-              </a:spcAft>
-              <a:buChar char="»"/>
-              <a:defRPr sz="2000">
-                <a:solidFill>
-                  <a:schemeClr val="tx1"/>
-                </a:solidFill>
-                <a:latin typeface="Arial" panose="020B0604020202020204" pitchFamily="34" charset="0"/>
-                <a:ea typeface="Arial" panose="020B0604020202020204" pitchFamily="34" charset="0"/>
-                <a:cs typeface="Arial" panose="020B0604020202020204" pitchFamily="34" charset="0"/>
-              </a:defRPr>
-            </a:lvl9pPr>
-          </a:lstStyle>
-          <a:p>
-            <a:pPr>
-              <a:spcBef>
-                <a:spcPct val="0"/>
-              </a:spcBef>
-              <a:buFontTx/>
-              <a:buNone/>
-            </a:pPr>
-            <a:endParaRPr lang="en-US" altLang="en-US" sz="1500"/>
-          </a:p>
-        </p:txBody>
-      </p:sp>
-      <p:pic>
-        <p:nvPicPr>
-          <p:cNvPr id="2" name="Picture 1">
-            <a:extLst>
-              <a:ext uri="{FF2B5EF4-FFF2-40B4-BE49-F238E27FC236}">
-                <a16:creationId xmlns:a16="http://schemas.microsoft.com/office/drawing/2014/main" id="{26261424-4D92-434A-9647-D9B174BCFE30}"/>
-              </a:ext>
-            </a:extLst>
-          </p:cNvPr>
-          <p:cNvPicPr>
-            <a:picLocks noChangeAspect="1"/>
-          </p:cNvPicPr>
-          <p:nvPr/>
-        </p:nvPicPr>
-        <p:blipFill>
-          <a:blip r:embed="rId2"/>
-          <a:stretch>
-            <a:fillRect/>
-          </a:stretch>
-        </p:blipFill>
-        <p:spPr>
-          <a:xfrm>
-            <a:off x="5084748" y="2828621"/>
-            <a:ext cx="3957111" cy="2815637"/>
-          </a:xfrm>
-          <a:prstGeom prst="rect">
-            <a:avLst/>
-          </a:prstGeom>
-        </p:spPr>
-      </p:pic>
-      <p:sp>
-        <p:nvSpPr>
-          <p:cNvPr id="4" name="TextBox 3">
-            <a:extLst>
-              <a:ext uri="{FF2B5EF4-FFF2-40B4-BE49-F238E27FC236}">
-                <a16:creationId xmlns:a16="http://schemas.microsoft.com/office/drawing/2014/main" id="{82244787-A2A1-4749-A8B7-E2FA026920E8}"/>
-              </a:ext>
-            </a:extLst>
-          </p:cNvPr>
-          <p:cNvSpPr txBox="1"/>
-          <p:nvPr/>
-        </p:nvSpPr>
-        <p:spPr>
-          <a:xfrm>
-            <a:off x="717847" y="4236439"/>
-            <a:ext cx="3487943" cy="1015663"/>
-          </a:xfrm>
-          <a:prstGeom prst="rect">
-            <a:avLst/>
-          </a:prstGeom>
-          <a:noFill/>
-        </p:spPr>
-        <p:txBody>
-          <a:bodyPr wrap="none" rtlCol="0">
-            <a:spAutoFit/>
-          </a:bodyPr>
-          <a:lstStyle/>
-          <a:p>
-            <a:r>
-              <a:rPr lang="en-US" sz="2000" dirty="0">
-                <a:solidFill>
-                  <a:srgbClr val="FF0000"/>
-                </a:solidFill>
-              </a:rPr>
-              <a:t>The following output is </a:t>
-            </a:r>
-          </a:p>
-          <a:p>
-            <a:r>
-              <a:rPr lang="en-US" sz="2000" dirty="0">
-                <a:solidFill>
-                  <a:srgbClr val="FF0000"/>
-                </a:solidFill>
-              </a:rPr>
-              <a:t>produced by running the above </a:t>
-            </a:r>
-          </a:p>
-          <a:p>
-            <a:r>
-              <a:rPr lang="en-US" sz="2000" dirty="0">
-                <a:solidFill>
-                  <a:srgbClr val="FF0000"/>
-                </a:solidFill>
-              </a:rPr>
-              <a:t>code on the </a:t>
-            </a:r>
-            <a:r>
-              <a:rPr lang="en-US" sz="2000" dirty="0" err="1">
-                <a:solidFill>
-                  <a:srgbClr val="FF0000"/>
-                </a:solidFill>
-              </a:rPr>
-              <a:t>Jupyter</a:t>
-            </a:r>
-            <a:r>
-              <a:rPr lang="en-US" sz="2000" dirty="0">
-                <a:solidFill>
-                  <a:srgbClr val="FF0000"/>
-                </a:solidFill>
-              </a:rPr>
-              <a:t> Notebook</a:t>
-            </a:r>
-          </a:p>
-        </p:txBody>
-      </p:sp>
-      <p:cxnSp>
-        <p:nvCxnSpPr>
-          <p:cNvPr id="7" name="Straight Arrow Connector 6">
-            <a:extLst>
-              <a:ext uri="{FF2B5EF4-FFF2-40B4-BE49-F238E27FC236}">
-                <a16:creationId xmlns:a16="http://schemas.microsoft.com/office/drawing/2014/main" id="{30424A34-CC6B-CA47-AE5D-5E507CCCA0D2}"/>
-              </a:ext>
-            </a:extLst>
-          </p:cNvPr>
-          <p:cNvCxnSpPr>
-            <a:cxnSpLocks/>
-          </p:cNvCxnSpPr>
-          <p:nvPr/>
-        </p:nvCxnSpPr>
-        <p:spPr>
-          <a:xfrm>
-            <a:off x="3564855" y="4391143"/>
-            <a:ext cx="1460072" cy="0"/>
-          </a:xfrm>
-          <a:prstGeom prst="straightConnector1">
-            <a:avLst/>
-          </a:prstGeom>
-          <a:ln w="38100">
-            <a:solidFill>
-              <a:schemeClr val="tx1"/>
-            </a:solidFill>
-            <a:tailEnd type="triangle"/>
-          </a:ln>
-        </p:spPr>
-        <p:style>
-          <a:lnRef idx="1">
-            <a:schemeClr val="accent1"/>
-          </a:lnRef>
-          <a:fillRef idx="0">
-            <a:schemeClr val="accent1"/>
-          </a:fillRef>
-          <a:effectRef idx="0">
-            <a:schemeClr val="accent1"/>
-          </a:effectRef>
-          <a:fontRef idx="minor">
-            <a:schemeClr val="tx1"/>
-          </a:fontRef>
-        </p:style>
-      </p:cxnSp>
-    </p:spTree>
-    <p:extLst>
-      <p:ext uri="{BB962C8B-B14F-4D97-AF65-F5344CB8AC3E}">
-        <p14:creationId xmlns:p14="http://schemas.microsoft.com/office/powerpoint/2010/main" val="4189100123"/>
-      </p:ext>
-    </p:extLst>
-  </p:cSld>
-  <p:clrMapOvr>
-    <a:masterClrMapping/>
-  </p:clrMapOvr>
-  <p:timing>
-    <p:tnLst>
-      <p:par>
-        <p:cTn id="1" dur="indefinite" restart="never" nodeType="tmRoot">
-          <p:childTnLst>
-            <p:seq concurrent="1" nextAc="seek">
-              <p:cTn id="2" dur="indefinite" nodeType="mainSeq">
-                <p:childTnLst>
-                  <p:par>
-                    <p:cTn id="3" fill="hold">
-                      <p:stCondLst>
-                        <p:cond delay="indefinite"/>
-                      </p:stCondLst>
-                      <p:childTnLst>
-                        <p:par>
-                          <p:cTn id="4" fill="hold">
-                            <p:stCondLst>
-                              <p:cond delay="0"/>
-                            </p:stCondLst>
-                            <p:childTnLst>
-                              <p:par>
-                                <p:cTn id="5" presetID="1" presetClass="entr" presetSubtype="0" fill="hold" nodeType="clickEffect">
-                                  <p:stCondLst>
-                                    <p:cond delay="0"/>
-                                  </p:stCondLst>
-                                  <p:childTnLst>
-                                    <p:set>
-                                      <p:cBhvr>
-                                        <p:cTn id="6" dur="1" fill="hold">
-                                          <p:stCondLst>
-                                            <p:cond delay="0"/>
-                                          </p:stCondLst>
-                                        </p:cTn>
-                                        <p:tgtEl>
-                                          <p:spTgt spid="3">
-                                            <p:txEl>
-                                              <p:pRg st="2" end="2"/>
-                                            </p:txEl>
-                                          </p:spTgt>
-                                        </p:tgtEl>
-                                        <p:attrNameLst>
-                                          <p:attrName>style.visibility</p:attrName>
-                                        </p:attrNameLst>
-                                      </p:cBhvr>
-                                      <p:to>
-                                        <p:strVal val="visible"/>
-                                      </p:to>
-                                    </p:set>
-                                  </p:childTnLst>
-                                </p:cTn>
-                              </p:par>
-                            </p:childTnLst>
-                          </p:cTn>
-                        </p:par>
-                      </p:childTnLst>
-                    </p:cTn>
-                  </p:par>
-                  <p:par>
-                    <p:cTn id="7" fill="hold">
-                      <p:stCondLst>
-                        <p:cond delay="indefinite"/>
-                      </p:stCondLst>
-                      <p:childTnLst>
-                        <p:par>
-                          <p:cTn id="8" fill="hold">
+                          <p:cTn id="8" fill="hold" nodeType="withGroup">
                             <p:stCondLst>
                               <p:cond delay="0"/>
                             </p:stCondLst>
@@ -18810,7 +16860,7 @@
                                         <p:tgtEl>
                                           <p:spTgt spid="3">
                                             <p:txEl>
-                                              <p:pRg st="3" end="3"/>
+                                              <p:pRg st="2" end="2"/>
                                             </p:txEl>
                                           </p:spTgt>
                                         </p:tgtEl>
@@ -18908,7 +16958,2067 @@
                                         <p:tgtEl>
                                           <p:spTgt spid="3">
                                             <p:txEl>
+                                              <p:pRg st="6" end="6"/>
+                                            </p:txEl>
+                                          </p:spTgt>
+                                        </p:tgtEl>
+                                        <p:attrNameLst>
+                                          <p:attrName>style.visibility</p:attrName>
+                                        </p:attrNameLst>
+                                      </p:cBhvr>
+                                      <p:to>
+                                        <p:strVal val="visible"/>
+                                      </p:to>
+                                    </p:set>
+                                  </p:childTnLst>
+                                </p:cTn>
+                              </p:par>
+                            </p:childTnLst>
+                          </p:cTn>
+                        </p:par>
+                      </p:childTnLst>
+                    </p:cTn>
+                  </p:par>
+                </p:childTnLst>
+              </p:cTn>
+              <p:prevCondLst>
+                <p:cond evt="onPrev" delay="0">
+                  <p:tgtEl>
+                    <p:sldTgt/>
+                  </p:tgtEl>
+                </p:cond>
+              </p:prevCondLst>
+              <p:nextCondLst>
+                <p:cond evt="onNext" delay="0">
+                  <p:tgtEl>
+                    <p:sldTgt/>
+                  </p:tgtEl>
+                </p:cond>
+              </p:nextCondLst>
+            </p:seq>
+          </p:childTnLst>
+        </p:cTn>
+      </p:par>
+    </p:tnLst>
+  </p:timing>
+</p:sld>
+</file>
+
+<file path=ppt/slides/slide25.xml><?xml version="1.0" encoding="utf-8"?>
+<p:sld xmlns:a="http://schemas.openxmlformats.org/drawingml/2006/main" xmlns:r="http://schemas.openxmlformats.org/officeDocument/2006/relationships" xmlns:p="http://schemas.openxmlformats.org/presentationml/2006/main">
+  <p:cSld>
+    <p:spTree>
+      <p:nvGrpSpPr>
+        <p:cNvPr id="1" name=""/>
+        <p:cNvGrpSpPr/>
+        <p:nvPr/>
+      </p:nvGrpSpPr>
+      <p:grpSpPr>
+        <a:xfrm>
+          <a:off x="0" y="0"/>
+          <a:ext cx="0" cy="0"/>
+          <a:chOff x="0" y="0"/>
+          <a:chExt cx="0" cy="0"/>
+        </a:xfrm>
+      </p:grpSpPr>
+      <p:sp>
+        <p:nvSpPr>
+          <p:cNvPr id="47105" name="Title 1">
+            <a:extLst>
+              <a:ext uri="{FF2B5EF4-FFF2-40B4-BE49-F238E27FC236}">
+                <a16:creationId xmlns:a16="http://schemas.microsoft.com/office/drawing/2014/main" id="{1DE02734-8557-4D41-97D1-1E8E963F734C}"/>
+              </a:ext>
+            </a:extLst>
+          </p:cNvPr>
+          <p:cNvSpPr>
+            <a:spLocks noGrp="1" noChangeArrowheads="1"/>
+          </p:cNvSpPr>
+          <p:nvPr>
+            <p:ph type="title"/>
+          </p:nvPr>
+        </p:nvSpPr>
+        <p:spPr>
+          <a:xfrm>
+            <a:off x="133402" y="236544"/>
+            <a:ext cx="7886700" cy="841376"/>
+          </a:xfrm>
+        </p:spPr>
+        <p:txBody>
+          <a:bodyPr/>
+          <a:lstStyle/>
+          <a:p>
+            <a:pPr eaLnBrk="1" hangingPunct="1"/>
+            <a:r>
+              <a:rPr lang="en-US" altLang="en-US" dirty="0">
+                <a:ea typeface="ＭＳ Ｐゴシック" panose="020B0600070205080204" pitchFamily="34" charset="-128"/>
+              </a:rPr>
+              <a:t>UTF-32</a:t>
+            </a:r>
+          </a:p>
+        </p:txBody>
+      </p:sp>
+      <p:sp>
+        <p:nvSpPr>
+          <p:cNvPr id="3" name="Content Placeholder 2">
+            <a:extLst>
+              <a:ext uri="{FF2B5EF4-FFF2-40B4-BE49-F238E27FC236}">
+                <a16:creationId xmlns:a16="http://schemas.microsoft.com/office/drawing/2014/main" id="{02BD6BC0-0DF6-1C41-B2F6-DF171A4BD0C7}"/>
+              </a:ext>
+            </a:extLst>
+          </p:cNvPr>
+          <p:cNvSpPr>
+            <a:spLocks noGrp="1" noChangeArrowheads="1"/>
+          </p:cNvSpPr>
+          <p:nvPr>
+            <p:ph idx="1"/>
+          </p:nvPr>
+        </p:nvSpPr>
+        <p:spPr>
+          <a:xfrm>
+            <a:off x="133403" y="986319"/>
+            <a:ext cx="8877196" cy="4661211"/>
+          </a:xfrm>
+        </p:spPr>
+        <p:txBody>
+          <a:bodyPr/>
+          <a:lstStyle/>
+          <a:p>
+            <a:pPr marL="0" indent="0">
+              <a:buNone/>
+            </a:pPr>
+            <a:r>
+              <a:rPr lang="en-US" altLang="en-US" sz="2000" dirty="0">
+                <a:ea typeface="ＭＳ Ｐゴシック" panose="020B0600070205080204" pitchFamily="34" charset="-128"/>
+              </a:rPr>
+              <a:t>To represent 1,114,112 different values, two bytes aren't enough. Three bytes are, but three bytes are often awkward to work with, so four bytes would be the comfortable minimum. </a:t>
+            </a:r>
+          </a:p>
+          <a:p>
+            <a:pPr marL="0" indent="0">
+              <a:buNone/>
+            </a:pPr>
+            <a:endParaRPr lang="en-US" altLang="en-US" sz="2000" dirty="0">
+              <a:ea typeface="ＭＳ Ｐゴシック" panose="020B0600070205080204" pitchFamily="34" charset="-128"/>
+            </a:endParaRPr>
+          </a:p>
+          <a:p>
+            <a:pPr marL="0" indent="0">
+              <a:buNone/>
+            </a:pPr>
+            <a:r>
+              <a:rPr lang="en-US" altLang="en-US" sz="2000" b="1" dirty="0">
+                <a:ea typeface="ＭＳ Ｐゴシック" panose="020B0600070205080204" pitchFamily="34" charset="-128"/>
+              </a:rPr>
+              <a:t>UTF-32(Unicode Transformation Format) </a:t>
+            </a:r>
+            <a:r>
+              <a:rPr lang="en-US" altLang="en-US" sz="2000" dirty="0">
+                <a:ea typeface="ＭＳ Ｐゴシック" panose="020B0600070205080204" pitchFamily="34" charset="-128"/>
+              </a:rPr>
+              <a:t>is such an encoding that encodes all Unicode code points using 32 bits. That is, four bytes per character. </a:t>
+            </a:r>
+          </a:p>
+          <a:p>
+            <a:pPr marL="0" indent="0">
+              <a:buNone/>
+            </a:pPr>
+            <a:endParaRPr lang="en-US" altLang="en-US" sz="2000" dirty="0">
+              <a:ea typeface="ＭＳ Ｐゴシック" panose="020B0600070205080204" pitchFamily="34" charset="-128"/>
+            </a:endParaRPr>
+          </a:p>
+          <a:p>
+            <a:pPr marL="0" indent="0">
+              <a:buNone/>
+            </a:pPr>
+            <a:r>
+              <a:rPr lang="en-US" altLang="en-US" sz="2000" dirty="0">
+                <a:ea typeface="ＭＳ Ｐゴシック" panose="020B0600070205080204" pitchFamily="34" charset="-128"/>
+              </a:rPr>
+              <a:t>UTF-32 very simple, but often wastes a lot of space. For example, if A is always encoded as 00000000 00000000 00000000 01000001 and B as 00000000 00000000 00000000 01000010 and so on, documents would bloat to 4x its necessary size. </a:t>
+            </a:r>
+          </a:p>
+          <a:p>
+            <a:pPr marL="0" indent="0">
+              <a:buNone/>
+            </a:pPr>
+            <a:endParaRPr lang="en-US" altLang="en-US" sz="1833" dirty="0">
+              <a:ea typeface="ＭＳ Ｐゴシック" panose="020B0600070205080204" pitchFamily="34" charset="-128"/>
+            </a:endParaRPr>
+          </a:p>
+        </p:txBody>
+      </p:sp>
+      <p:sp>
+        <p:nvSpPr>
+          <p:cNvPr id="47107" name="TextBox 3">
+            <a:extLst>
+              <a:ext uri="{FF2B5EF4-FFF2-40B4-BE49-F238E27FC236}">
+                <a16:creationId xmlns:a16="http://schemas.microsoft.com/office/drawing/2014/main" id="{76F7609D-7E75-8449-A8A5-323CA4C72880}"/>
+              </a:ext>
+            </a:extLst>
+          </p:cNvPr>
+          <p:cNvSpPr txBox="1">
+            <a:spLocks noChangeArrowheads="1"/>
+          </p:cNvSpPr>
+          <p:nvPr/>
+        </p:nvSpPr>
+        <p:spPr bwMode="auto">
+          <a:xfrm>
+            <a:off x="3892021" y="67470"/>
+            <a:ext cx="184731" cy="323165"/>
+          </a:xfrm>
+          <a:prstGeom prst="rect">
+            <a:avLst/>
+          </a:prstGeom>
+          <a:noFill/>
+          <a:ln>
+            <a:noFill/>
+          </a:ln>
+          <a:extLst>
+            <a:ext uri="{909E8E84-426E-40DD-AFC4-6F175D3DCCD1}">
+              <a14:hiddenFill xmlns:a14="http://schemas.microsoft.com/office/drawing/2010/main">
+                <a:solidFill>
+                  <a:srgbClr val="FFFFFF"/>
+                </a:solidFill>
+              </a14:hiddenFill>
+            </a:ext>
+            <a:ext uri="{91240B29-F687-4F45-9708-019B960494DF}">
+              <a14:hiddenLine xmlns:a14="http://schemas.microsoft.com/office/drawing/2010/main" w="9525">
+                <a:solidFill>
+                  <a:srgbClr val="000000"/>
+                </a:solidFill>
+                <a:miter lim="800000"/>
+                <a:headEnd/>
+                <a:tailEnd/>
+              </a14:hiddenLine>
+            </a:ext>
+          </a:extLst>
+        </p:spPr>
+        <p:txBody>
+          <a:bodyPr wrap="none">
+            <a:spAutoFit/>
+          </a:bodyPr>
+          <a:lstStyle>
+            <a:lvl1pPr>
+              <a:spcBef>
+                <a:spcPct val="20000"/>
+              </a:spcBef>
+              <a:buChar char="•"/>
+              <a:defRPr sz="3200">
+                <a:solidFill>
+                  <a:schemeClr val="tx1"/>
+                </a:solidFill>
+                <a:latin typeface="Arial" panose="020B0604020202020204" pitchFamily="34" charset="0"/>
+                <a:ea typeface="ＭＳ Ｐゴシック" panose="020B0600070205080204" pitchFamily="34" charset="-128"/>
+                <a:cs typeface="Arial" panose="020B0604020202020204" pitchFamily="34" charset="0"/>
+              </a:defRPr>
+            </a:lvl1pPr>
+            <a:lvl2pPr marL="742950" indent="-285750">
+              <a:spcBef>
+                <a:spcPct val="20000"/>
+              </a:spcBef>
+              <a:buChar char="–"/>
+              <a:defRPr sz="2800">
+                <a:solidFill>
+                  <a:schemeClr val="tx1"/>
+                </a:solidFill>
+                <a:latin typeface="Arial" panose="020B0604020202020204" pitchFamily="34" charset="0"/>
+                <a:ea typeface="Arial" panose="020B0604020202020204" pitchFamily="34" charset="0"/>
+                <a:cs typeface="Arial" panose="020B0604020202020204" pitchFamily="34" charset="0"/>
+              </a:defRPr>
+            </a:lvl2pPr>
+            <a:lvl3pPr marL="1143000" indent="-228600">
+              <a:spcBef>
+                <a:spcPct val="20000"/>
+              </a:spcBef>
+              <a:buChar char="•"/>
+              <a:defRPr sz="2400">
+                <a:solidFill>
+                  <a:schemeClr val="tx1"/>
+                </a:solidFill>
+                <a:latin typeface="Arial" panose="020B0604020202020204" pitchFamily="34" charset="0"/>
+                <a:ea typeface="Arial" panose="020B0604020202020204" pitchFamily="34" charset="0"/>
+                <a:cs typeface="Arial" panose="020B0604020202020204" pitchFamily="34" charset="0"/>
+              </a:defRPr>
+            </a:lvl3pPr>
+            <a:lvl4pPr marL="1600200" indent="-228600">
+              <a:spcBef>
+                <a:spcPct val="20000"/>
+              </a:spcBef>
+              <a:buChar char="–"/>
+              <a:defRPr sz="2000">
+                <a:solidFill>
+                  <a:schemeClr val="tx1"/>
+                </a:solidFill>
+                <a:latin typeface="Arial" panose="020B0604020202020204" pitchFamily="34" charset="0"/>
+                <a:ea typeface="Arial" panose="020B0604020202020204" pitchFamily="34" charset="0"/>
+                <a:cs typeface="Arial" panose="020B0604020202020204" pitchFamily="34" charset="0"/>
+              </a:defRPr>
+            </a:lvl4pPr>
+            <a:lvl5pPr marL="2057400" indent="-228600">
+              <a:spcBef>
+                <a:spcPct val="20000"/>
+              </a:spcBef>
+              <a:buChar char="»"/>
+              <a:defRPr sz="2000">
+                <a:solidFill>
+                  <a:schemeClr val="tx1"/>
+                </a:solidFill>
+                <a:latin typeface="Arial" panose="020B0604020202020204" pitchFamily="34" charset="0"/>
+                <a:ea typeface="Arial" panose="020B0604020202020204" pitchFamily="34" charset="0"/>
+                <a:cs typeface="Arial" panose="020B0604020202020204" pitchFamily="34" charset="0"/>
+              </a:defRPr>
+            </a:lvl5pPr>
+            <a:lvl6pPr marL="2514600" indent="-228600" eaLnBrk="0" fontAlgn="base" hangingPunct="0">
+              <a:spcBef>
+                <a:spcPct val="20000"/>
+              </a:spcBef>
+              <a:spcAft>
+                <a:spcPct val="0"/>
+              </a:spcAft>
+              <a:buChar char="»"/>
+              <a:defRPr sz="2000">
+                <a:solidFill>
+                  <a:schemeClr val="tx1"/>
+                </a:solidFill>
+                <a:latin typeface="Arial" panose="020B0604020202020204" pitchFamily="34" charset="0"/>
+                <a:ea typeface="Arial" panose="020B0604020202020204" pitchFamily="34" charset="0"/>
+                <a:cs typeface="Arial" panose="020B0604020202020204" pitchFamily="34" charset="0"/>
+              </a:defRPr>
+            </a:lvl6pPr>
+            <a:lvl7pPr marL="2971800" indent="-228600" eaLnBrk="0" fontAlgn="base" hangingPunct="0">
+              <a:spcBef>
+                <a:spcPct val="20000"/>
+              </a:spcBef>
+              <a:spcAft>
+                <a:spcPct val="0"/>
+              </a:spcAft>
+              <a:buChar char="»"/>
+              <a:defRPr sz="2000">
+                <a:solidFill>
+                  <a:schemeClr val="tx1"/>
+                </a:solidFill>
+                <a:latin typeface="Arial" panose="020B0604020202020204" pitchFamily="34" charset="0"/>
+                <a:ea typeface="Arial" panose="020B0604020202020204" pitchFamily="34" charset="0"/>
+                <a:cs typeface="Arial" panose="020B0604020202020204" pitchFamily="34" charset="0"/>
+              </a:defRPr>
+            </a:lvl7pPr>
+            <a:lvl8pPr marL="3429000" indent="-228600" eaLnBrk="0" fontAlgn="base" hangingPunct="0">
+              <a:spcBef>
+                <a:spcPct val="20000"/>
+              </a:spcBef>
+              <a:spcAft>
+                <a:spcPct val="0"/>
+              </a:spcAft>
+              <a:buChar char="»"/>
+              <a:defRPr sz="2000">
+                <a:solidFill>
+                  <a:schemeClr val="tx1"/>
+                </a:solidFill>
+                <a:latin typeface="Arial" panose="020B0604020202020204" pitchFamily="34" charset="0"/>
+                <a:ea typeface="Arial" panose="020B0604020202020204" pitchFamily="34" charset="0"/>
+                <a:cs typeface="Arial" panose="020B0604020202020204" pitchFamily="34" charset="0"/>
+              </a:defRPr>
+            </a:lvl8pPr>
+            <a:lvl9pPr marL="3886200" indent="-228600" eaLnBrk="0" fontAlgn="base" hangingPunct="0">
+              <a:spcBef>
+                <a:spcPct val="20000"/>
+              </a:spcBef>
+              <a:spcAft>
+                <a:spcPct val="0"/>
+              </a:spcAft>
+              <a:buChar char="»"/>
+              <a:defRPr sz="2000">
+                <a:solidFill>
+                  <a:schemeClr val="tx1"/>
+                </a:solidFill>
+                <a:latin typeface="Arial" panose="020B0604020202020204" pitchFamily="34" charset="0"/>
+                <a:ea typeface="Arial" panose="020B0604020202020204" pitchFamily="34" charset="0"/>
+                <a:cs typeface="Arial" panose="020B0604020202020204" pitchFamily="34" charset="0"/>
+              </a:defRPr>
+            </a:lvl9pPr>
+          </a:lstStyle>
+          <a:p>
+            <a:pPr>
+              <a:spcBef>
+                <a:spcPct val="0"/>
+              </a:spcBef>
+              <a:buFontTx/>
+              <a:buNone/>
+            </a:pPr>
+            <a:endParaRPr lang="en-US" altLang="en-US" sz="1500"/>
+          </a:p>
+        </p:txBody>
+      </p:sp>
+    </p:spTree>
+    <p:extLst>
+      <p:ext uri="{BB962C8B-B14F-4D97-AF65-F5344CB8AC3E}">
+        <p14:creationId xmlns:p14="http://schemas.microsoft.com/office/powerpoint/2010/main" val="3749436800"/>
+      </p:ext>
+    </p:extLst>
+  </p:cSld>
+  <p:clrMapOvr>
+    <a:masterClrMapping/>
+  </p:clrMapOvr>
+  <p:timing>
+    <p:tnLst>
+      <p:par>
+        <p:cTn id="1" dur="indefinite" restart="never" nodeType="tmRoot">
+          <p:childTnLst>
+            <p:seq concurrent="1" nextAc="seek">
+              <p:cTn id="2" dur="indefinite" nodeType="mainSeq">
+                <p:childTnLst>
+                  <p:par>
+                    <p:cTn id="3" fill="hold" nodeType="clickPar">
+                      <p:stCondLst>
+                        <p:cond delay="indefinite"/>
+                      </p:stCondLst>
+                      <p:childTnLst>
+                        <p:par>
+                          <p:cTn id="4" fill="hold" nodeType="withGroup">
+                            <p:stCondLst>
+                              <p:cond delay="0"/>
+                            </p:stCondLst>
+                            <p:childTnLst>
+                              <p:par>
+                                <p:cTn id="5" presetID="1" presetClass="entr" presetSubtype="0" fill="hold" nodeType="clickEffect">
+                                  <p:stCondLst>
+                                    <p:cond delay="0"/>
+                                  </p:stCondLst>
+                                  <p:childTnLst>
+                                    <p:set>
+                                      <p:cBhvr>
+                                        <p:cTn id="6" dur="1" fill="hold">
+                                          <p:stCondLst>
+                                            <p:cond delay="0"/>
+                                          </p:stCondLst>
+                                        </p:cTn>
+                                        <p:tgtEl>
+                                          <p:spTgt spid="3">
+                                            <p:txEl>
+                                              <p:pRg st="0" end="0"/>
+                                            </p:txEl>
+                                          </p:spTgt>
+                                        </p:tgtEl>
+                                        <p:attrNameLst>
+                                          <p:attrName>style.visibility</p:attrName>
+                                        </p:attrNameLst>
+                                      </p:cBhvr>
+                                      <p:to>
+                                        <p:strVal val="visible"/>
+                                      </p:to>
+                                    </p:set>
+                                  </p:childTnLst>
+                                </p:cTn>
+                              </p:par>
+                            </p:childTnLst>
+                          </p:cTn>
+                        </p:par>
+                      </p:childTnLst>
+                    </p:cTn>
+                  </p:par>
+                  <p:par>
+                    <p:cTn id="7" fill="hold" nodeType="clickPar">
+                      <p:stCondLst>
+                        <p:cond delay="indefinite"/>
+                      </p:stCondLst>
+                      <p:childTnLst>
+                        <p:par>
+                          <p:cTn id="8" fill="hold" nodeType="withGroup">
+                            <p:stCondLst>
+                              <p:cond delay="0"/>
+                            </p:stCondLst>
+                            <p:childTnLst>
+                              <p:par>
+                                <p:cTn id="9" presetID="1" presetClass="entr" presetSubtype="0" fill="hold" nodeType="clickEffect">
+                                  <p:stCondLst>
+                                    <p:cond delay="0"/>
+                                  </p:stCondLst>
+                                  <p:childTnLst>
+                                    <p:set>
+                                      <p:cBhvr>
+                                        <p:cTn id="10" dur="1" fill="hold">
+                                          <p:stCondLst>
+                                            <p:cond delay="0"/>
+                                          </p:stCondLst>
+                                        </p:cTn>
+                                        <p:tgtEl>
+                                          <p:spTgt spid="3">
+                                            <p:txEl>
+                                              <p:pRg st="2" end="2"/>
+                                            </p:txEl>
+                                          </p:spTgt>
+                                        </p:tgtEl>
+                                        <p:attrNameLst>
+                                          <p:attrName>style.visibility</p:attrName>
+                                        </p:attrNameLst>
+                                      </p:cBhvr>
+                                      <p:to>
+                                        <p:strVal val="visible"/>
+                                      </p:to>
+                                    </p:set>
+                                  </p:childTnLst>
+                                </p:cTn>
+                              </p:par>
+                            </p:childTnLst>
+                          </p:cTn>
+                        </p:par>
+                      </p:childTnLst>
+                    </p:cTn>
+                  </p:par>
+                  <p:par>
+                    <p:cTn id="11" fill="hold">
+                      <p:stCondLst>
+                        <p:cond delay="indefinite"/>
+                      </p:stCondLst>
+                      <p:childTnLst>
+                        <p:par>
+                          <p:cTn id="12" fill="hold">
+                            <p:stCondLst>
+                              <p:cond delay="0"/>
+                            </p:stCondLst>
+                            <p:childTnLst>
+                              <p:par>
+                                <p:cTn id="13" presetID="1" presetClass="entr" presetSubtype="0" fill="hold" nodeType="clickEffect">
+                                  <p:stCondLst>
+                                    <p:cond delay="0"/>
+                                  </p:stCondLst>
+                                  <p:childTnLst>
+                                    <p:set>
+                                      <p:cBhvr>
+                                        <p:cTn id="14" dur="1" fill="hold">
+                                          <p:stCondLst>
+                                            <p:cond delay="0"/>
+                                          </p:stCondLst>
+                                        </p:cTn>
+                                        <p:tgtEl>
+                                          <p:spTgt spid="3">
+                                            <p:txEl>
+                                              <p:pRg st="4" end="4"/>
+                                            </p:txEl>
+                                          </p:spTgt>
+                                        </p:tgtEl>
+                                        <p:attrNameLst>
+                                          <p:attrName>style.visibility</p:attrName>
+                                        </p:attrNameLst>
+                                      </p:cBhvr>
+                                      <p:to>
+                                        <p:strVal val="visible"/>
+                                      </p:to>
+                                    </p:set>
+                                  </p:childTnLst>
+                                </p:cTn>
+                              </p:par>
+                            </p:childTnLst>
+                          </p:cTn>
+                        </p:par>
+                      </p:childTnLst>
+                    </p:cTn>
+                  </p:par>
+                </p:childTnLst>
+              </p:cTn>
+              <p:prevCondLst>
+                <p:cond evt="onPrev" delay="0">
+                  <p:tgtEl>
+                    <p:sldTgt/>
+                  </p:tgtEl>
+                </p:cond>
+              </p:prevCondLst>
+              <p:nextCondLst>
+                <p:cond evt="onNext" delay="0">
+                  <p:tgtEl>
+                    <p:sldTgt/>
+                  </p:tgtEl>
+                </p:cond>
+              </p:nextCondLst>
+            </p:seq>
+          </p:childTnLst>
+        </p:cTn>
+      </p:par>
+    </p:tnLst>
+  </p:timing>
+</p:sld>
+</file>
+
+<file path=ppt/slides/slide26.xml><?xml version="1.0" encoding="utf-8"?>
+<p:sld xmlns:a="http://schemas.openxmlformats.org/drawingml/2006/main" xmlns:r="http://schemas.openxmlformats.org/officeDocument/2006/relationships" xmlns:p="http://schemas.openxmlformats.org/presentationml/2006/main">
+  <p:cSld>
+    <p:spTree>
+      <p:nvGrpSpPr>
+        <p:cNvPr id="1" name=""/>
+        <p:cNvGrpSpPr/>
+        <p:nvPr/>
+      </p:nvGrpSpPr>
+      <p:grpSpPr>
+        <a:xfrm>
+          <a:off x="0" y="0"/>
+          <a:ext cx="0" cy="0"/>
+          <a:chOff x="0" y="0"/>
+          <a:chExt cx="0" cy="0"/>
+        </a:xfrm>
+      </p:grpSpPr>
+      <p:sp>
+        <p:nvSpPr>
+          <p:cNvPr id="48129" name="Title 1">
+            <a:extLst>
+              <a:ext uri="{FF2B5EF4-FFF2-40B4-BE49-F238E27FC236}">
+                <a16:creationId xmlns:a16="http://schemas.microsoft.com/office/drawing/2014/main" id="{328FB4D7-49E6-9E40-B559-A0D74E019365}"/>
+              </a:ext>
+            </a:extLst>
+          </p:cNvPr>
+          <p:cNvSpPr>
+            <a:spLocks noGrp="1" noChangeArrowheads="1"/>
+          </p:cNvSpPr>
+          <p:nvPr>
+            <p:ph type="title"/>
+          </p:nvPr>
+        </p:nvSpPr>
+        <p:spPr>
+          <a:xfrm>
+            <a:off x="266925" y="197778"/>
+            <a:ext cx="7888626" cy="802732"/>
+          </a:xfrm>
+        </p:spPr>
+        <p:txBody>
+          <a:bodyPr/>
+          <a:lstStyle/>
+          <a:p>
+            <a:pPr eaLnBrk="1" hangingPunct="1"/>
+            <a:r>
+              <a:rPr lang="en-US" altLang="en-US" dirty="0">
+                <a:ea typeface="ＭＳ Ｐゴシック" panose="020B0600070205080204" pitchFamily="34" charset="-128"/>
+              </a:rPr>
+              <a:t>UTF-16 and UTF-8</a:t>
+            </a:r>
+          </a:p>
+        </p:txBody>
+      </p:sp>
+      <p:sp>
+        <p:nvSpPr>
+          <p:cNvPr id="3" name="Content Placeholder 2">
+            <a:extLst>
+              <a:ext uri="{FF2B5EF4-FFF2-40B4-BE49-F238E27FC236}">
+                <a16:creationId xmlns:a16="http://schemas.microsoft.com/office/drawing/2014/main" id="{EDD173A5-7515-4344-96F1-DFBABC544ED0}"/>
+              </a:ext>
+            </a:extLst>
+          </p:cNvPr>
+          <p:cNvSpPr>
+            <a:spLocks noGrp="1" noChangeArrowheads="1"/>
+          </p:cNvSpPr>
+          <p:nvPr>
+            <p:ph idx="1"/>
+          </p:nvPr>
+        </p:nvSpPr>
+        <p:spPr>
+          <a:xfrm>
+            <a:off x="266925" y="883578"/>
+            <a:ext cx="8733237" cy="4633644"/>
+          </a:xfrm>
+        </p:spPr>
+        <p:txBody>
+          <a:bodyPr/>
+          <a:lstStyle/>
+          <a:p>
+            <a:pPr marL="0" indent="0">
+              <a:buNone/>
+            </a:pPr>
+            <a:r>
+              <a:rPr lang="en-US" altLang="en-US" sz="1667" b="1" dirty="0">
+                <a:ea typeface="ＭＳ Ｐゴシック" panose="020B0600070205080204" pitchFamily="34" charset="-128"/>
+              </a:rPr>
+              <a:t>UTF-16 </a:t>
+            </a:r>
+            <a:r>
+              <a:rPr lang="en-US" altLang="en-US" sz="1667" dirty="0">
+                <a:ea typeface="ＭＳ Ｐゴシック" panose="020B0600070205080204" pitchFamily="34" charset="-128"/>
+              </a:rPr>
+              <a:t>and </a:t>
+            </a:r>
+            <a:r>
+              <a:rPr lang="en-US" altLang="en-US" sz="1667" b="1" dirty="0">
+                <a:ea typeface="ＭＳ Ｐゴシック" panose="020B0600070205080204" pitchFamily="34" charset="-128"/>
+              </a:rPr>
+              <a:t>UTF-8 </a:t>
+            </a:r>
+            <a:r>
+              <a:rPr lang="en-US" altLang="en-US" sz="1667" dirty="0">
+                <a:ea typeface="ＭＳ Ｐゴシック" panose="020B0600070205080204" pitchFamily="34" charset="-128"/>
+              </a:rPr>
+              <a:t>are </a:t>
+            </a:r>
+            <a:r>
+              <a:rPr lang="en-US" altLang="en-US" sz="1667" i="1" dirty="0">
+                <a:ea typeface="ＭＳ Ｐゴシック" panose="020B0600070205080204" pitchFamily="34" charset="-128"/>
+              </a:rPr>
+              <a:t>variable-length encodings</a:t>
+            </a:r>
+            <a:r>
+              <a:rPr lang="en-US" altLang="en-US" sz="1667" dirty="0">
+                <a:ea typeface="ＭＳ Ｐゴシック" panose="020B0600070205080204" pitchFamily="34" charset="-128"/>
+              </a:rPr>
+              <a:t>. If a character can be represented using a single byte (because its code point is a very small number), UTF-8 will encode it with a single byte. If it requires two bytes, it will use two bytes and so on. UTF-16 is in the middle, using at least two bytes, growing to up to four bytes as necessary.</a:t>
+            </a:r>
+          </a:p>
+          <a:p>
+            <a:pPr marL="0" indent="0">
+              <a:buNone/>
+            </a:pPr>
+            <a:endParaRPr lang="en-US" altLang="en-US" sz="1667" dirty="0">
+              <a:ea typeface="ＭＳ Ｐゴシック" panose="020B0600070205080204" pitchFamily="34" charset="-128"/>
+            </a:endParaRPr>
+          </a:p>
+          <a:p>
+            <a:pPr marL="0" indent="0">
+              <a:buNone/>
+            </a:pPr>
+            <a:endParaRPr lang="en-US" altLang="en-US" sz="1667" dirty="0">
+              <a:ea typeface="ＭＳ Ｐゴシック" panose="020B0600070205080204" pitchFamily="34" charset="-128"/>
+            </a:endParaRPr>
+          </a:p>
+          <a:p>
+            <a:pPr marL="0" indent="0">
+              <a:buNone/>
+            </a:pPr>
+            <a:endParaRPr lang="en-US" altLang="en-US" sz="1667" dirty="0">
+              <a:ea typeface="ＭＳ Ｐゴシック" panose="020B0600070205080204" pitchFamily="34" charset="-128"/>
+            </a:endParaRPr>
+          </a:p>
+          <a:p>
+            <a:pPr marL="0" indent="0">
+              <a:buNone/>
+            </a:pPr>
+            <a:endParaRPr lang="en-US" altLang="en-US" sz="1667" dirty="0">
+              <a:ea typeface="ＭＳ Ｐゴシック" panose="020B0600070205080204" pitchFamily="34" charset="-128"/>
+            </a:endParaRPr>
+          </a:p>
+          <a:p>
+            <a:pPr marL="0" indent="0">
+              <a:buNone/>
+            </a:pPr>
+            <a:endParaRPr lang="en-US" altLang="en-US" sz="1667" dirty="0">
+              <a:ea typeface="ＭＳ Ｐゴシック" panose="020B0600070205080204" pitchFamily="34" charset="-128"/>
+            </a:endParaRPr>
+          </a:p>
+          <a:p>
+            <a:pPr marL="0" indent="0">
+              <a:buNone/>
+            </a:pPr>
+            <a:endParaRPr lang="en-US" altLang="en-US" sz="1667" dirty="0">
+              <a:ea typeface="ＭＳ Ｐゴシック" panose="020B0600070205080204" pitchFamily="34" charset="-128"/>
+            </a:endParaRPr>
+          </a:p>
+          <a:p>
+            <a:pPr marL="0" indent="0">
+              <a:buNone/>
+            </a:pPr>
+            <a:endParaRPr lang="en-US" altLang="en-US" sz="1667" dirty="0">
+              <a:ea typeface="ＭＳ Ｐゴシック" panose="020B0600070205080204" pitchFamily="34" charset="-128"/>
+            </a:endParaRPr>
+          </a:p>
+          <a:p>
+            <a:pPr marL="0" indent="0">
+              <a:buNone/>
+            </a:pPr>
+            <a:endParaRPr lang="en-US" altLang="en-US" sz="1667" dirty="0">
+              <a:ea typeface="ＭＳ Ｐゴシック" panose="020B0600070205080204" pitchFamily="34" charset="-128"/>
+            </a:endParaRPr>
+          </a:p>
+          <a:p>
+            <a:pPr marL="0" indent="0">
+              <a:buNone/>
+            </a:pPr>
+            <a:endParaRPr lang="en-US" altLang="en-US" sz="1667" dirty="0">
+              <a:ea typeface="ＭＳ Ｐゴシック" panose="020B0600070205080204" pitchFamily="34" charset="-128"/>
+            </a:endParaRPr>
+          </a:p>
+          <a:p>
+            <a:pPr marL="0" indent="0">
+              <a:buNone/>
+            </a:pPr>
+            <a:r>
+              <a:rPr lang="en-US" altLang="en-US" sz="1667" b="1" dirty="0">
+                <a:ea typeface="ＭＳ Ｐゴシック" panose="020B0600070205080204" pitchFamily="34" charset="-128"/>
+              </a:rPr>
+              <a:t>Unicode is a large table mapping characters to numbers and the different UTF encodings specify how these numbers are encoded as bits.</a:t>
+            </a:r>
+          </a:p>
+          <a:p>
+            <a:pPr marL="0" indent="0">
+              <a:buNone/>
+            </a:pPr>
+            <a:endParaRPr lang="en-US" altLang="en-US" sz="1667" dirty="0">
+              <a:ea typeface="ＭＳ Ｐゴシック" panose="020B0600070205080204" pitchFamily="34" charset="-128"/>
+            </a:endParaRPr>
+          </a:p>
+          <a:p>
+            <a:pPr marL="0" indent="0">
+              <a:buNone/>
+            </a:pPr>
+            <a:endParaRPr lang="en-US" altLang="en-US" sz="1667" dirty="0">
+              <a:ea typeface="ＭＳ Ｐゴシック" panose="020B0600070205080204" pitchFamily="34" charset="-128"/>
+            </a:endParaRPr>
+          </a:p>
+        </p:txBody>
+      </p:sp>
+      <p:sp>
+        <p:nvSpPr>
+          <p:cNvPr id="48131" name="TextBox 3">
+            <a:extLst>
+              <a:ext uri="{FF2B5EF4-FFF2-40B4-BE49-F238E27FC236}">
+                <a16:creationId xmlns:a16="http://schemas.microsoft.com/office/drawing/2014/main" id="{DDB8E675-AFDF-E34D-9CF4-E13C67A198ED}"/>
+              </a:ext>
+            </a:extLst>
+          </p:cNvPr>
+          <p:cNvSpPr txBox="1">
+            <a:spLocks noChangeArrowheads="1"/>
+          </p:cNvSpPr>
+          <p:nvPr/>
+        </p:nvSpPr>
+        <p:spPr bwMode="auto">
+          <a:xfrm>
+            <a:off x="3892021" y="67470"/>
+            <a:ext cx="184731" cy="323165"/>
+          </a:xfrm>
+          <a:prstGeom prst="rect">
+            <a:avLst/>
+          </a:prstGeom>
+          <a:noFill/>
+          <a:ln>
+            <a:noFill/>
+          </a:ln>
+          <a:extLst>
+            <a:ext uri="{909E8E84-426E-40DD-AFC4-6F175D3DCCD1}">
+              <a14:hiddenFill xmlns:a14="http://schemas.microsoft.com/office/drawing/2010/main">
+                <a:solidFill>
+                  <a:srgbClr val="FFFFFF"/>
+                </a:solidFill>
+              </a14:hiddenFill>
+            </a:ext>
+            <a:ext uri="{91240B29-F687-4F45-9708-019B960494DF}">
+              <a14:hiddenLine xmlns:a14="http://schemas.microsoft.com/office/drawing/2010/main" w="9525">
+                <a:solidFill>
+                  <a:srgbClr val="000000"/>
+                </a:solidFill>
+                <a:miter lim="800000"/>
+                <a:headEnd/>
+                <a:tailEnd/>
+              </a14:hiddenLine>
+            </a:ext>
+          </a:extLst>
+        </p:spPr>
+        <p:txBody>
+          <a:bodyPr wrap="none">
+            <a:spAutoFit/>
+          </a:bodyPr>
+          <a:lstStyle>
+            <a:lvl1pPr>
+              <a:spcBef>
+                <a:spcPct val="20000"/>
+              </a:spcBef>
+              <a:buChar char="•"/>
+              <a:defRPr sz="3200">
+                <a:solidFill>
+                  <a:schemeClr val="tx1"/>
+                </a:solidFill>
+                <a:latin typeface="Arial" panose="020B0604020202020204" pitchFamily="34" charset="0"/>
+                <a:ea typeface="ＭＳ Ｐゴシック" panose="020B0600070205080204" pitchFamily="34" charset="-128"/>
+                <a:cs typeface="Arial" panose="020B0604020202020204" pitchFamily="34" charset="0"/>
+              </a:defRPr>
+            </a:lvl1pPr>
+            <a:lvl2pPr marL="742950" indent="-285750">
+              <a:spcBef>
+                <a:spcPct val="20000"/>
+              </a:spcBef>
+              <a:buChar char="–"/>
+              <a:defRPr sz="2800">
+                <a:solidFill>
+                  <a:schemeClr val="tx1"/>
+                </a:solidFill>
+                <a:latin typeface="Arial" panose="020B0604020202020204" pitchFamily="34" charset="0"/>
+                <a:ea typeface="Arial" panose="020B0604020202020204" pitchFamily="34" charset="0"/>
+                <a:cs typeface="Arial" panose="020B0604020202020204" pitchFamily="34" charset="0"/>
+              </a:defRPr>
+            </a:lvl2pPr>
+            <a:lvl3pPr marL="1143000" indent="-228600">
+              <a:spcBef>
+                <a:spcPct val="20000"/>
+              </a:spcBef>
+              <a:buChar char="•"/>
+              <a:defRPr sz="2400">
+                <a:solidFill>
+                  <a:schemeClr val="tx1"/>
+                </a:solidFill>
+                <a:latin typeface="Arial" panose="020B0604020202020204" pitchFamily="34" charset="0"/>
+                <a:ea typeface="Arial" panose="020B0604020202020204" pitchFamily="34" charset="0"/>
+                <a:cs typeface="Arial" panose="020B0604020202020204" pitchFamily="34" charset="0"/>
+              </a:defRPr>
+            </a:lvl3pPr>
+            <a:lvl4pPr marL="1600200" indent="-228600">
+              <a:spcBef>
+                <a:spcPct val="20000"/>
+              </a:spcBef>
+              <a:buChar char="–"/>
+              <a:defRPr sz="2000">
+                <a:solidFill>
+                  <a:schemeClr val="tx1"/>
+                </a:solidFill>
+                <a:latin typeface="Arial" panose="020B0604020202020204" pitchFamily="34" charset="0"/>
+                <a:ea typeface="Arial" panose="020B0604020202020204" pitchFamily="34" charset="0"/>
+                <a:cs typeface="Arial" panose="020B0604020202020204" pitchFamily="34" charset="0"/>
+              </a:defRPr>
+            </a:lvl4pPr>
+            <a:lvl5pPr marL="2057400" indent="-228600">
+              <a:spcBef>
+                <a:spcPct val="20000"/>
+              </a:spcBef>
+              <a:buChar char="»"/>
+              <a:defRPr sz="2000">
+                <a:solidFill>
+                  <a:schemeClr val="tx1"/>
+                </a:solidFill>
+                <a:latin typeface="Arial" panose="020B0604020202020204" pitchFamily="34" charset="0"/>
+                <a:ea typeface="Arial" panose="020B0604020202020204" pitchFamily="34" charset="0"/>
+                <a:cs typeface="Arial" panose="020B0604020202020204" pitchFamily="34" charset="0"/>
+              </a:defRPr>
+            </a:lvl5pPr>
+            <a:lvl6pPr marL="2514600" indent="-228600" eaLnBrk="0" fontAlgn="base" hangingPunct="0">
+              <a:spcBef>
+                <a:spcPct val="20000"/>
+              </a:spcBef>
+              <a:spcAft>
+                <a:spcPct val="0"/>
+              </a:spcAft>
+              <a:buChar char="»"/>
+              <a:defRPr sz="2000">
+                <a:solidFill>
+                  <a:schemeClr val="tx1"/>
+                </a:solidFill>
+                <a:latin typeface="Arial" panose="020B0604020202020204" pitchFamily="34" charset="0"/>
+                <a:ea typeface="Arial" panose="020B0604020202020204" pitchFamily="34" charset="0"/>
+                <a:cs typeface="Arial" panose="020B0604020202020204" pitchFamily="34" charset="0"/>
+              </a:defRPr>
+            </a:lvl6pPr>
+            <a:lvl7pPr marL="2971800" indent="-228600" eaLnBrk="0" fontAlgn="base" hangingPunct="0">
+              <a:spcBef>
+                <a:spcPct val="20000"/>
+              </a:spcBef>
+              <a:spcAft>
+                <a:spcPct val="0"/>
+              </a:spcAft>
+              <a:buChar char="»"/>
+              <a:defRPr sz="2000">
+                <a:solidFill>
+                  <a:schemeClr val="tx1"/>
+                </a:solidFill>
+                <a:latin typeface="Arial" panose="020B0604020202020204" pitchFamily="34" charset="0"/>
+                <a:ea typeface="Arial" panose="020B0604020202020204" pitchFamily="34" charset="0"/>
+                <a:cs typeface="Arial" panose="020B0604020202020204" pitchFamily="34" charset="0"/>
+              </a:defRPr>
+            </a:lvl7pPr>
+            <a:lvl8pPr marL="3429000" indent="-228600" eaLnBrk="0" fontAlgn="base" hangingPunct="0">
+              <a:spcBef>
+                <a:spcPct val="20000"/>
+              </a:spcBef>
+              <a:spcAft>
+                <a:spcPct val="0"/>
+              </a:spcAft>
+              <a:buChar char="»"/>
+              <a:defRPr sz="2000">
+                <a:solidFill>
+                  <a:schemeClr val="tx1"/>
+                </a:solidFill>
+                <a:latin typeface="Arial" panose="020B0604020202020204" pitchFamily="34" charset="0"/>
+                <a:ea typeface="Arial" panose="020B0604020202020204" pitchFamily="34" charset="0"/>
+                <a:cs typeface="Arial" panose="020B0604020202020204" pitchFamily="34" charset="0"/>
+              </a:defRPr>
+            </a:lvl8pPr>
+            <a:lvl9pPr marL="3886200" indent="-228600" eaLnBrk="0" fontAlgn="base" hangingPunct="0">
+              <a:spcBef>
+                <a:spcPct val="20000"/>
+              </a:spcBef>
+              <a:spcAft>
+                <a:spcPct val="0"/>
+              </a:spcAft>
+              <a:buChar char="»"/>
+              <a:defRPr sz="2000">
+                <a:solidFill>
+                  <a:schemeClr val="tx1"/>
+                </a:solidFill>
+                <a:latin typeface="Arial" panose="020B0604020202020204" pitchFamily="34" charset="0"/>
+                <a:ea typeface="Arial" panose="020B0604020202020204" pitchFamily="34" charset="0"/>
+                <a:cs typeface="Arial" panose="020B0604020202020204" pitchFamily="34" charset="0"/>
+              </a:defRPr>
+            </a:lvl9pPr>
+          </a:lstStyle>
+          <a:p>
+            <a:pPr>
+              <a:spcBef>
+                <a:spcPct val="0"/>
+              </a:spcBef>
+              <a:buFontTx/>
+              <a:buNone/>
+            </a:pPr>
+            <a:endParaRPr lang="en-US" altLang="en-US" sz="1500"/>
+          </a:p>
+        </p:txBody>
+      </p:sp>
+      <p:pic>
+        <p:nvPicPr>
+          <p:cNvPr id="5" name="Picture 3">
+            <a:extLst>
+              <a:ext uri="{FF2B5EF4-FFF2-40B4-BE49-F238E27FC236}">
+                <a16:creationId xmlns:a16="http://schemas.microsoft.com/office/drawing/2014/main" id="{CA642D09-6AF6-464A-A462-CA3AD0CFF973}"/>
+              </a:ext>
+            </a:extLst>
+          </p:cNvPr>
+          <p:cNvPicPr>
+            <a:picLocks noChangeAspect="1"/>
+          </p:cNvPicPr>
+          <p:nvPr/>
+        </p:nvPicPr>
+        <p:blipFill>
+          <a:blip r:embed="rId2">
+            <a:extLst>
+              <a:ext uri="{28A0092B-C50C-407E-A947-70E740481C1C}">
+                <a14:useLocalDpi xmlns:a14="http://schemas.microsoft.com/office/drawing/2010/main" val="0"/>
+              </a:ext>
+            </a:extLst>
+          </a:blip>
+          <a:srcRect/>
+          <a:stretch>
+            <a:fillRect/>
+          </a:stretch>
+        </p:blipFill>
+        <p:spPr bwMode="auto">
+          <a:xfrm>
+            <a:off x="1659302" y="2004080"/>
+            <a:ext cx="6703218" cy="2700073"/>
+          </a:xfrm>
+          <a:prstGeom prst="rect">
+            <a:avLst/>
+          </a:prstGeom>
+          <a:noFill/>
+          <a:ln>
+            <a:noFill/>
+          </a:ln>
+          <a:extLst>
+            <a:ext uri="{909E8E84-426E-40DD-AFC4-6F175D3DCCD1}">
+              <a14:hiddenFill xmlns:a14="http://schemas.microsoft.com/office/drawing/2010/main">
+                <a:solidFill>
+                  <a:srgbClr val="FFFFFF"/>
+                </a:solidFill>
+              </a14:hiddenFill>
+            </a:ext>
+            <a:ext uri="{91240B29-F687-4F45-9708-019B960494DF}">
+              <a14:hiddenLine xmlns:a14="http://schemas.microsoft.com/office/drawing/2010/main" w="9525">
+                <a:solidFill>
+                  <a:srgbClr val="000000"/>
+                </a:solidFill>
+                <a:miter lim="800000"/>
+                <a:headEnd/>
+                <a:tailEnd/>
+              </a14:hiddenLine>
+            </a:ext>
+          </a:extLst>
+        </p:spPr>
+      </p:pic>
+    </p:spTree>
+    <p:extLst>
+      <p:ext uri="{BB962C8B-B14F-4D97-AF65-F5344CB8AC3E}">
+        <p14:creationId xmlns:p14="http://schemas.microsoft.com/office/powerpoint/2010/main" val="461704868"/>
+      </p:ext>
+    </p:extLst>
+  </p:cSld>
+  <p:clrMapOvr>
+    <a:masterClrMapping/>
+  </p:clrMapOvr>
+  <p:timing>
+    <p:tnLst>
+      <p:par>
+        <p:cTn id="1" dur="indefinite" restart="never" nodeType="tmRoot">
+          <p:childTnLst>
+            <p:seq concurrent="1" nextAc="seek">
+              <p:cTn id="2" dur="indefinite" nodeType="mainSeq">
+                <p:childTnLst>
+                  <p:par>
+                    <p:cTn id="3" fill="hold" nodeType="clickPar">
+                      <p:stCondLst>
+                        <p:cond delay="indefinite"/>
+                      </p:stCondLst>
+                      <p:childTnLst>
+                        <p:par>
+                          <p:cTn id="4" fill="hold" nodeType="withGroup">
+                            <p:stCondLst>
+                              <p:cond delay="0"/>
+                            </p:stCondLst>
+                            <p:childTnLst>
+                              <p:par>
+                                <p:cTn id="5" presetID="1" presetClass="entr" presetSubtype="0" fill="hold" nodeType="clickEffect">
+                                  <p:stCondLst>
+                                    <p:cond delay="0"/>
+                                  </p:stCondLst>
+                                  <p:childTnLst>
+                                    <p:set>
+                                      <p:cBhvr>
+                                        <p:cTn id="6" dur="1" fill="hold">
+                                          <p:stCondLst>
+                                            <p:cond delay="0"/>
+                                          </p:stCondLst>
+                                        </p:cTn>
+                                        <p:tgtEl>
+                                          <p:spTgt spid="3">
+                                            <p:txEl>
+                                              <p:pRg st="0" end="0"/>
+                                            </p:txEl>
+                                          </p:spTgt>
+                                        </p:tgtEl>
+                                        <p:attrNameLst>
+                                          <p:attrName>style.visibility</p:attrName>
+                                        </p:attrNameLst>
+                                      </p:cBhvr>
+                                      <p:to>
+                                        <p:strVal val="visible"/>
+                                      </p:to>
+                                    </p:set>
+                                  </p:childTnLst>
+                                </p:cTn>
+                              </p:par>
+                            </p:childTnLst>
+                          </p:cTn>
+                        </p:par>
+                      </p:childTnLst>
+                    </p:cTn>
+                  </p:par>
+                  <p:par>
+                    <p:cTn id="7" fill="hold">
+                      <p:stCondLst>
+                        <p:cond delay="indefinite"/>
+                      </p:stCondLst>
+                      <p:childTnLst>
+                        <p:par>
+                          <p:cTn id="8" fill="hold">
+                            <p:stCondLst>
+                              <p:cond delay="0"/>
+                            </p:stCondLst>
+                            <p:childTnLst>
+                              <p:par>
+                                <p:cTn id="9" presetID="1" presetClass="entr" presetSubtype="0" fill="hold" nodeType="clickEffect">
+                                  <p:stCondLst>
+                                    <p:cond delay="0"/>
+                                  </p:stCondLst>
+                                  <p:childTnLst>
+                                    <p:set>
+                                      <p:cBhvr>
+                                        <p:cTn id="10" dur="1" fill="hold">
+                                          <p:stCondLst>
+                                            <p:cond delay="0"/>
+                                          </p:stCondLst>
+                                        </p:cTn>
+                                        <p:tgtEl>
+                                          <p:spTgt spid="3">
+                                            <p:txEl>
+                                              <p:pRg st="10" end="10"/>
+                                            </p:txEl>
+                                          </p:spTgt>
+                                        </p:tgtEl>
+                                        <p:attrNameLst>
+                                          <p:attrName>style.visibility</p:attrName>
+                                        </p:attrNameLst>
+                                      </p:cBhvr>
+                                      <p:to>
+                                        <p:strVal val="visible"/>
+                                      </p:to>
+                                    </p:set>
+                                  </p:childTnLst>
+                                </p:cTn>
+                              </p:par>
+                            </p:childTnLst>
+                          </p:cTn>
+                        </p:par>
+                      </p:childTnLst>
+                    </p:cTn>
+                  </p:par>
+                </p:childTnLst>
+              </p:cTn>
+              <p:prevCondLst>
+                <p:cond evt="onPrev" delay="0">
+                  <p:tgtEl>
+                    <p:sldTgt/>
+                  </p:tgtEl>
+                </p:cond>
+              </p:prevCondLst>
+              <p:nextCondLst>
+                <p:cond evt="onNext" delay="0">
+                  <p:tgtEl>
+                    <p:sldTgt/>
+                  </p:tgtEl>
+                </p:cond>
+              </p:nextCondLst>
+            </p:seq>
+          </p:childTnLst>
+        </p:cTn>
+      </p:par>
+    </p:tnLst>
+  </p:timing>
+</p:sld>
+</file>
+
+<file path=ppt/slides/slide27.xml><?xml version="1.0" encoding="utf-8"?>
+<p:sld xmlns:a="http://schemas.openxmlformats.org/drawingml/2006/main" xmlns:r="http://schemas.openxmlformats.org/officeDocument/2006/relationships" xmlns:p="http://schemas.openxmlformats.org/presentationml/2006/main">
+  <p:cSld>
+    <p:spTree>
+      <p:nvGrpSpPr>
+        <p:cNvPr id="1" name=""/>
+        <p:cNvGrpSpPr/>
+        <p:nvPr/>
+      </p:nvGrpSpPr>
+      <p:grpSpPr>
+        <a:xfrm>
+          <a:off x="0" y="0"/>
+          <a:ext cx="0" cy="0"/>
+          <a:chOff x="0" y="0"/>
+          <a:chExt cx="0" cy="0"/>
+        </a:xfrm>
+      </p:grpSpPr>
+      <p:sp>
+        <p:nvSpPr>
+          <p:cNvPr id="37889" name="Title 1">
+            <a:extLst>
+              <a:ext uri="{FF2B5EF4-FFF2-40B4-BE49-F238E27FC236}">
+                <a16:creationId xmlns:a16="http://schemas.microsoft.com/office/drawing/2014/main" id="{AC3C8F6C-38DD-984D-AB5D-B5D4807018F9}"/>
+              </a:ext>
+            </a:extLst>
+          </p:cNvPr>
+          <p:cNvSpPr>
+            <a:spLocks noGrp="1" noChangeArrowheads="1"/>
+          </p:cNvSpPr>
+          <p:nvPr>
+            <p:ph type="title"/>
+          </p:nvPr>
+        </p:nvSpPr>
+        <p:spPr>
+          <a:xfrm>
+            <a:off x="226998" y="70742"/>
+            <a:ext cx="7886700" cy="639786"/>
+          </a:xfrm>
+        </p:spPr>
+        <p:txBody>
+          <a:bodyPr/>
+          <a:lstStyle/>
+          <a:p>
+            <a:pPr eaLnBrk="1" hangingPunct="1"/>
+            <a:r>
+              <a:rPr lang="en-US" altLang="en-US" dirty="0">
+                <a:ea typeface="ＭＳ Ｐゴシック" panose="020B0600070205080204" pitchFamily="34" charset="-128"/>
+              </a:rPr>
+              <a:t>Sequences of Bits</a:t>
+            </a:r>
+          </a:p>
+        </p:txBody>
+      </p:sp>
+      <p:sp>
+        <p:nvSpPr>
+          <p:cNvPr id="3" name="Content Placeholder 2">
+            <a:extLst>
+              <a:ext uri="{FF2B5EF4-FFF2-40B4-BE49-F238E27FC236}">
+                <a16:creationId xmlns:a16="http://schemas.microsoft.com/office/drawing/2014/main" id="{D7CDD189-AC0E-DF4B-95CF-A617BFC2B7FC}"/>
+              </a:ext>
+            </a:extLst>
+          </p:cNvPr>
+          <p:cNvSpPr>
+            <a:spLocks noGrp="1" noChangeArrowheads="1"/>
+          </p:cNvSpPr>
+          <p:nvPr>
+            <p:ph idx="1"/>
+          </p:nvPr>
+        </p:nvSpPr>
+        <p:spPr>
+          <a:xfrm>
+            <a:off x="119641" y="710528"/>
+            <a:ext cx="8938901" cy="4933730"/>
+          </a:xfrm>
+        </p:spPr>
+        <p:txBody>
+          <a:bodyPr>
+            <a:normAutofit/>
+          </a:bodyPr>
+          <a:lstStyle/>
+          <a:p>
+            <a:pPr marL="0" indent="0">
+              <a:buNone/>
+            </a:pPr>
+            <a:r>
+              <a:rPr lang="en-US" dirty="0"/>
+              <a:t>What does a list of numbers, an image and an audio file have in common? </a:t>
+            </a:r>
+          </a:p>
+          <a:p>
+            <a:pPr marL="0" indent="0">
+              <a:buNone/>
+            </a:pPr>
+            <a:r>
+              <a:rPr lang="en-US" dirty="0"/>
+              <a:t>They are all just lists of numbers!</a:t>
+            </a:r>
+          </a:p>
+          <a:p>
+            <a:pPr marL="0" indent="0">
+              <a:buNone/>
+            </a:pPr>
+            <a:endParaRPr lang="en-US" dirty="0"/>
+          </a:p>
+          <a:p>
+            <a:pPr marL="0" indent="0">
+              <a:buNone/>
+            </a:pPr>
+            <a:r>
+              <a:rPr lang="en-US" dirty="0"/>
+              <a:t>The same sequence of bits may represent different types of data in different contexts. </a:t>
+            </a:r>
+          </a:p>
+          <a:p>
+            <a:pPr marL="0" indent="0">
+              <a:buNone/>
+            </a:pPr>
+            <a:r>
+              <a:rPr lang="en-US" sz="1800" b="1" dirty="0">
+                <a:solidFill>
+                  <a:srgbClr val="34A327"/>
+                </a:solidFill>
+                <a:latin typeface="Inconsolata" panose="020B0609030003000000" pitchFamily="49" charset="77"/>
+              </a:rPr>
+              <a:t>import </a:t>
+            </a:r>
+            <a:r>
+              <a:rPr lang="en-US" sz="1800" b="1" dirty="0" err="1">
+                <a:solidFill>
+                  <a:srgbClr val="3C9FF2"/>
+                </a:solidFill>
+                <a:latin typeface="Inconsolata" panose="020B0609030003000000" pitchFamily="49" charset="77"/>
+              </a:rPr>
+              <a:t>numpy</a:t>
+            </a:r>
+            <a:r>
+              <a:rPr lang="en-US" sz="1800" b="1" dirty="0">
+                <a:solidFill>
+                  <a:srgbClr val="34A327"/>
+                </a:solidFill>
+                <a:latin typeface="Inconsolata" panose="020B0609030003000000" pitchFamily="49" charset="77"/>
+              </a:rPr>
+              <a:t> as </a:t>
+            </a:r>
+            <a:r>
+              <a:rPr lang="en-US" sz="1800" b="1" dirty="0">
+                <a:solidFill>
+                  <a:srgbClr val="3C9FF2"/>
+                </a:solidFill>
+                <a:latin typeface="Inconsolata" panose="020B0609030003000000" pitchFamily="49" charset="77"/>
+              </a:rPr>
+              <a:t>np</a:t>
+            </a:r>
+            <a:endParaRPr lang="en-US" sz="1800" b="1" dirty="0">
+              <a:solidFill>
+                <a:srgbClr val="34A327"/>
+              </a:solidFill>
+              <a:latin typeface="Inconsolata" panose="020B0609030003000000" pitchFamily="49" charset="77"/>
+            </a:endParaRPr>
+          </a:p>
+          <a:p>
+            <a:pPr marL="0" indent="0">
+              <a:buNone/>
+            </a:pPr>
+            <a:r>
+              <a:rPr lang="en-US" sz="1800" b="1" dirty="0">
+                <a:solidFill>
+                  <a:srgbClr val="34A327"/>
+                </a:solidFill>
+                <a:latin typeface="Inconsolata" panose="020B0609030003000000" pitchFamily="49" charset="77"/>
+              </a:rPr>
+              <a:t>import</a:t>
+            </a:r>
+            <a:r>
+              <a:rPr lang="en-US" sz="1800" b="1" dirty="0">
+                <a:solidFill>
+                  <a:srgbClr val="000000"/>
+                </a:solidFill>
+                <a:latin typeface="Inconsolata" panose="020B0609030003000000" pitchFamily="49" charset="77"/>
+              </a:rPr>
+              <a:t> </a:t>
+            </a:r>
+            <a:r>
+              <a:rPr lang="en-US" sz="1800" b="1" dirty="0" err="1">
+                <a:solidFill>
+                  <a:srgbClr val="3C9FF2"/>
+                </a:solidFill>
+                <a:latin typeface="Inconsolata" panose="020B0609030003000000" pitchFamily="49" charset="77"/>
+              </a:rPr>
+              <a:t>matplotlib.pyplot</a:t>
+            </a:r>
+            <a:r>
+              <a:rPr lang="en-US" sz="1800" b="1" dirty="0">
+                <a:solidFill>
+                  <a:srgbClr val="000000"/>
+                </a:solidFill>
+                <a:latin typeface="Inconsolata" panose="020B0609030003000000" pitchFamily="49" charset="77"/>
+              </a:rPr>
+              <a:t> </a:t>
+            </a:r>
+            <a:r>
+              <a:rPr lang="en-US" sz="1800" b="1" dirty="0">
+                <a:solidFill>
+                  <a:srgbClr val="34A327"/>
+                </a:solidFill>
+                <a:latin typeface="Inconsolata" panose="020B0609030003000000" pitchFamily="49" charset="77"/>
+              </a:rPr>
+              <a:t>as</a:t>
+            </a:r>
+            <a:r>
+              <a:rPr lang="en-US" sz="1800" b="1" dirty="0">
+                <a:solidFill>
+                  <a:srgbClr val="000000"/>
+                </a:solidFill>
+                <a:latin typeface="Inconsolata" panose="020B0609030003000000" pitchFamily="49" charset="77"/>
+              </a:rPr>
+              <a:t> </a:t>
+            </a:r>
+            <a:r>
+              <a:rPr lang="en-US" sz="1800" b="1" dirty="0" err="1">
+                <a:solidFill>
+                  <a:srgbClr val="3C9FF2"/>
+                </a:solidFill>
+                <a:latin typeface="Inconsolata" panose="020B0609030003000000" pitchFamily="49" charset="77"/>
+              </a:rPr>
+              <a:t>plt</a:t>
+            </a:r>
+            <a:r>
+              <a:rPr lang="en-US" sz="1800" b="1" dirty="0">
+                <a:solidFill>
+                  <a:srgbClr val="000000"/>
+                </a:solidFill>
+                <a:latin typeface="Inconsolata" panose="020B0609030003000000" pitchFamily="49" charset="77"/>
+              </a:rPr>
+              <a:t> </a:t>
+            </a:r>
+            <a:endParaRPr lang="en-US" sz="1800" b="1" dirty="0">
+              <a:solidFill>
+                <a:srgbClr val="34A327"/>
+              </a:solidFill>
+              <a:latin typeface="Inconsolata" panose="020B0609030003000000" pitchFamily="49" charset="77"/>
+            </a:endParaRPr>
+          </a:p>
+          <a:p>
+            <a:pPr marL="0" indent="0">
+              <a:buNone/>
+            </a:pPr>
+            <a:r>
+              <a:rPr lang="en-US" sz="1800" b="1" dirty="0" err="1">
+                <a:latin typeface="Inconsolata" panose="020B0609030003000000" pitchFamily="49" charset="77"/>
+              </a:rPr>
+              <a:t>nums</a:t>
+            </a:r>
+            <a:r>
+              <a:rPr lang="en-US" sz="1800" b="1" dirty="0">
+                <a:latin typeface="Inconsolata" panose="020B0609030003000000" pitchFamily="49" charset="77"/>
+              </a:rPr>
+              <a:t> = </a:t>
+            </a:r>
+            <a:r>
+              <a:rPr lang="en-US" sz="1800" b="1" dirty="0" err="1">
+                <a:latin typeface="Inconsolata" panose="020B0609030003000000" pitchFamily="49" charset="77"/>
+              </a:rPr>
+              <a:t>np.loadtxt</a:t>
+            </a:r>
+            <a:r>
+              <a:rPr lang="en-US" sz="1800" b="1" dirty="0">
+                <a:latin typeface="Inconsolata" panose="020B0609030003000000" pitchFamily="49" charset="77"/>
+              </a:rPr>
+              <a:t>("</a:t>
+            </a:r>
+            <a:r>
+              <a:rPr lang="en-US" sz="1800" b="1" dirty="0" err="1">
+                <a:latin typeface="Inconsolata" panose="020B0609030003000000" pitchFamily="49" charset="77"/>
+              </a:rPr>
+              <a:t>numbers.txt</a:t>
+            </a:r>
+            <a:r>
+              <a:rPr lang="en-US" sz="1800" b="1" dirty="0">
+                <a:latin typeface="Inconsolata" panose="020B0609030003000000" pitchFamily="49" charset="77"/>
+              </a:rPr>
+              <a:t>")</a:t>
+            </a:r>
+          </a:p>
+          <a:p>
+            <a:pPr marL="0" indent="0">
+              <a:buNone/>
+            </a:pPr>
+            <a:r>
+              <a:rPr lang="en-US" sz="1800" b="1" dirty="0">
+                <a:latin typeface="Inconsolata" panose="020B0609030003000000" pitchFamily="49" charset="77"/>
+              </a:rPr>
+              <a:t>print(</a:t>
+            </a:r>
+            <a:r>
+              <a:rPr lang="en-US" sz="1800" b="1" dirty="0" err="1">
+                <a:latin typeface="Inconsolata" panose="020B0609030003000000" pitchFamily="49" charset="77"/>
+              </a:rPr>
+              <a:t>nums</a:t>
+            </a:r>
+            <a:r>
+              <a:rPr lang="en-US" sz="1800" b="1" dirty="0">
+                <a:latin typeface="Inconsolata" panose="020B0609030003000000" pitchFamily="49" charset="77"/>
+              </a:rPr>
+              <a:t>) 		</a:t>
+            </a:r>
+            <a:r>
+              <a:rPr lang="en-US" sz="1800" b="1" dirty="0">
+                <a:solidFill>
+                  <a:srgbClr val="FF0000"/>
+                </a:solidFill>
+                <a:latin typeface="Inconsolata" panose="020B0609030003000000" pitchFamily="49" charset="77"/>
+              </a:rPr>
+              <a:t># </a:t>
+            </a:r>
+            <a:r>
+              <a:rPr lang="en-US" sz="1800" b="1" dirty="0">
+                <a:solidFill>
+                  <a:srgbClr val="FF0000"/>
+                </a:solidFill>
+                <a:latin typeface="INCONSOLATA" panose="020B0609030003000000" pitchFamily="49" charset="77"/>
+              </a:rPr>
+              <a:t>array([210 190 225 ..., ])</a:t>
+            </a:r>
+          </a:p>
+          <a:p>
+            <a:pPr marL="0" indent="0">
+              <a:buNone/>
+            </a:pPr>
+            <a:r>
+              <a:rPr lang="en-US" sz="1800" b="1" dirty="0">
+                <a:latin typeface="Inconsolata" panose="020B0609030003000000" pitchFamily="49" charset="77"/>
+              </a:rPr>
+              <a:t>print(</a:t>
+            </a:r>
+            <a:r>
+              <a:rPr lang="en-US" sz="1800" b="1" dirty="0" err="1">
+                <a:latin typeface="Inconsolata" panose="020B0609030003000000" pitchFamily="49" charset="77"/>
+              </a:rPr>
+              <a:t>nums.size</a:t>
+            </a:r>
+            <a:r>
+              <a:rPr lang="en-US" sz="1800" b="1" dirty="0">
+                <a:latin typeface="Inconsolata" panose="020B0609030003000000" pitchFamily="49" charset="77"/>
+              </a:rPr>
+              <a:t>) 		</a:t>
+            </a:r>
+            <a:r>
+              <a:rPr lang="en-US" sz="1800" b="1" dirty="0">
+                <a:solidFill>
+                  <a:srgbClr val="FF0000"/>
+                </a:solidFill>
+                <a:latin typeface="INCONSOLATA" panose="020B0609030003000000" pitchFamily="49" charset="77"/>
+              </a:rPr>
+              <a:t># 783126</a:t>
+            </a:r>
+          </a:p>
+          <a:p>
+            <a:pPr marL="0" indent="0">
+              <a:buNone/>
+            </a:pPr>
+            <a:endParaRPr lang="en-US" sz="1800" dirty="0">
+              <a:solidFill>
+                <a:srgbClr val="000000"/>
+              </a:solidFill>
+              <a:latin typeface="Gill Sans MT" panose="020B0502020104020203" pitchFamily="34" charset="77"/>
+            </a:endParaRPr>
+          </a:p>
+          <a:p>
+            <a:pPr marL="0" indent="0">
+              <a:buNone/>
+            </a:pPr>
+            <a:r>
+              <a:rPr lang="en-US" sz="1800" dirty="0">
+                <a:solidFill>
+                  <a:srgbClr val="000000"/>
+                </a:solidFill>
+                <a:latin typeface="Gill Sans MT" panose="020B0502020104020203" pitchFamily="34" charset="77"/>
+              </a:rPr>
+              <a:t>These numbers can represent anything. For example, it could represent the number of characters in a list of </a:t>
+            </a:r>
+            <a:r>
+              <a:rPr lang="en-US" sz="1800" dirty="0">
+                <a:latin typeface="Gill Sans MT" panose="020B0502020104020203" pitchFamily="34" charset="77"/>
+              </a:rPr>
+              <a:t>783,126 </a:t>
+            </a:r>
+            <a:r>
+              <a:rPr lang="en-US" sz="1800" dirty="0">
+                <a:solidFill>
+                  <a:srgbClr val="000000"/>
+                </a:solidFill>
+                <a:latin typeface="Gill Sans MT" panose="020B0502020104020203" pitchFamily="34" charset="77"/>
+              </a:rPr>
+              <a:t>tweets that were tweeted over some one-minute interval. </a:t>
+            </a:r>
+          </a:p>
+          <a:p>
+            <a:pPr marL="0" indent="0">
+              <a:buNone/>
+            </a:pPr>
+            <a:r>
+              <a:rPr lang="en-US" sz="1800" dirty="0">
+                <a:solidFill>
+                  <a:srgbClr val="000000"/>
+                </a:solidFill>
+                <a:latin typeface="Gill Sans MT" panose="020B0502020104020203" pitchFamily="34" charset="77"/>
+              </a:rPr>
+              <a:t>Or this same list could represent something else entirely. See the next slide!</a:t>
+            </a:r>
+          </a:p>
+          <a:p>
+            <a:pPr marL="0" indent="0">
+              <a:buNone/>
+            </a:pPr>
+            <a:endParaRPr lang="en-US" sz="1800" b="1" dirty="0">
+              <a:solidFill>
+                <a:srgbClr val="000000"/>
+              </a:solidFill>
+              <a:latin typeface="Inconsolata" panose="020B0609030003000000" pitchFamily="49" charset="77"/>
+            </a:endParaRPr>
+          </a:p>
+          <a:p>
+            <a:pPr marL="0" indent="0">
+              <a:buNone/>
+            </a:pPr>
+            <a:endParaRPr lang="en-US" sz="1800" b="1" dirty="0">
+              <a:solidFill>
+                <a:srgbClr val="000000"/>
+              </a:solidFill>
+              <a:latin typeface="Inconsolata" panose="020B0609030003000000" pitchFamily="49" charset="77"/>
+            </a:endParaRPr>
+          </a:p>
+        </p:txBody>
+      </p:sp>
+      <p:sp>
+        <p:nvSpPr>
+          <p:cNvPr id="37891" name="TextBox 3">
+            <a:extLst>
+              <a:ext uri="{FF2B5EF4-FFF2-40B4-BE49-F238E27FC236}">
+                <a16:creationId xmlns:a16="http://schemas.microsoft.com/office/drawing/2014/main" id="{AA4154A8-D2A5-0F4B-A28A-26FA8A4D8EE6}"/>
+              </a:ext>
+            </a:extLst>
+          </p:cNvPr>
+          <p:cNvSpPr txBox="1">
+            <a:spLocks noChangeArrowheads="1"/>
+          </p:cNvSpPr>
+          <p:nvPr/>
+        </p:nvSpPr>
+        <p:spPr bwMode="auto">
+          <a:xfrm>
+            <a:off x="3892021" y="67470"/>
+            <a:ext cx="184731" cy="323165"/>
+          </a:xfrm>
+          <a:prstGeom prst="rect">
+            <a:avLst/>
+          </a:prstGeom>
+          <a:noFill/>
+          <a:ln>
+            <a:noFill/>
+          </a:ln>
+          <a:extLst>
+            <a:ext uri="{909E8E84-426E-40DD-AFC4-6F175D3DCCD1}">
+              <a14:hiddenFill xmlns:a14="http://schemas.microsoft.com/office/drawing/2010/main">
+                <a:solidFill>
+                  <a:srgbClr val="FFFFFF"/>
+                </a:solidFill>
+              </a14:hiddenFill>
+            </a:ext>
+            <a:ext uri="{91240B29-F687-4F45-9708-019B960494DF}">
+              <a14:hiddenLine xmlns:a14="http://schemas.microsoft.com/office/drawing/2010/main" w="9525">
+                <a:solidFill>
+                  <a:srgbClr val="000000"/>
+                </a:solidFill>
+                <a:miter lim="800000"/>
+                <a:headEnd/>
+                <a:tailEnd/>
+              </a14:hiddenLine>
+            </a:ext>
+          </a:extLst>
+        </p:spPr>
+        <p:txBody>
+          <a:bodyPr wrap="none">
+            <a:spAutoFit/>
+          </a:bodyPr>
+          <a:lstStyle>
+            <a:lvl1pPr>
+              <a:spcBef>
+                <a:spcPct val="20000"/>
+              </a:spcBef>
+              <a:buChar char="•"/>
+              <a:defRPr sz="3200">
+                <a:solidFill>
+                  <a:schemeClr val="tx1"/>
+                </a:solidFill>
+                <a:latin typeface="Arial" panose="020B0604020202020204" pitchFamily="34" charset="0"/>
+                <a:ea typeface="ＭＳ Ｐゴシック" panose="020B0600070205080204" pitchFamily="34" charset="-128"/>
+                <a:cs typeface="Arial" panose="020B0604020202020204" pitchFamily="34" charset="0"/>
+              </a:defRPr>
+            </a:lvl1pPr>
+            <a:lvl2pPr marL="742950" indent="-285750">
+              <a:spcBef>
+                <a:spcPct val="20000"/>
+              </a:spcBef>
+              <a:buChar char="–"/>
+              <a:defRPr sz="2800">
+                <a:solidFill>
+                  <a:schemeClr val="tx1"/>
+                </a:solidFill>
+                <a:latin typeface="Arial" panose="020B0604020202020204" pitchFamily="34" charset="0"/>
+                <a:ea typeface="Arial" panose="020B0604020202020204" pitchFamily="34" charset="0"/>
+                <a:cs typeface="Arial" panose="020B0604020202020204" pitchFamily="34" charset="0"/>
+              </a:defRPr>
+            </a:lvl2pPr>
+            <a:lvl3pPr marL="1143000" indent="-228600">
+              <a:spcBef>
+                <a:spcPct val="20000"/>
+              </a:spcBef>
+              <a:buChar char="•"/>
+              <a:defRPr sz="2400">
+                <a:solidFill>
+                  <a:schemeClr val="tx1"/>
+                </a:solidFill>
+                <a:latin typeface="Arial" panose="020B0604020202020204" pitchFamily="34" charset="0"/>
+                <a:ea typeface="Arial" panose="020B0604020202020204" pitchFamily="34" charset="0"/>
+                <a:cs typeface="Arial" panose="020B0604020202020204" pitchFamily="34" charset="0"/>
+              </a:defRPr>
+            </a:lvl3pPr>
+            <a:lvl4pPr marL="1600200" indent="-228600">
+              <a:spcBef>
+                <a:spcPct val="20000"/>
+              </a:spcBef>
+              <a:buChar char="–"/>
+              <a:defRPr sz="2000">
+                <a:solidFill>
+                  <a:schemeClr val="tx1"/>
+                </a:solidFill>
+                <a:latin typeface="Arial" panose="020B0604020202020204" pitchFamily="34" charset="0"/>
+                <a:ea typeface="Arial" panose="020B0604020202020204" pitchFamily="34" charset="0"/>
+                <a:cs typeface="Arial" panose="020B0604020202020204" pitchFamily="34" charset="0"/>
+              </a:defRPr>
+            </a:lvl4pPr>
+            <a:lvl5pPr marL="2057400" indent="-228600">
+              <a:spcBef>
+                <a:spcPct val="20000"/>
+              </a:spcBef>
+              <a:buChar char="»"/>
+              <a:defRPr sz="2000">
+                <a:solidFill>
+                  <a:schemeClr val="tx1"/>
+                </a:solidFill>
+                <a:latin typeface="Arial" panose="020B0604020202020204" pitchFamily="34" charset="0"/>
+                <a:ea typeface="Arial" panose="020B0604020202020204" pitchFamily="34" charset="0"/>
+                <a:cs typeface="Arial" panose="020B0604020202020204" pitchFamily="34" charset="0"/>
+              </a:defRPr>
+            </a:lvl5pPr>
+            <a:lvl6pPr marL="2514600" indent="-228600" eaLnBrk="0" fontAlgn="base" hangingPunct="0">
+              <a:spcBef>
+                <a:spcPct val="20000"/>
+              </a:spcBef>
+              <a:spcAft>
+                <a:spcPct val="0"/>
+              </a:spcAft>
+              <a:buChar char="»"/>
+              <a:defRPr sz="2000">
+                <a:solidFill>
+                  <a:schemeClr val="tx1"/>
+                </a:solidFill>
+                <a:latin typeface="Arial" panose="020B0604020202020204" pitchFamily="34" charset="0"/>
+                <a:ea typeface="Arial" panose="020B0604020202020204" pitchFamily="34" charset="0"/>
+                <a:cs typeface="Arial" panose="020B0604020202020204" pitchFamily="34" charset="0"/>
+              </a:defRPr>
+            </a:lvl6pPr>
+            <a:lvl7pPr marL="2971800" indent="-228600" eaLnBrk="0" fontAlgn="base" hangingPunct="0">
+              <a:spcBef>
+                <a:spcPct val="20000"/>
+              </a:spcBef>
+              <a:spcAft>
+                <a:spcPct val="0"/>
+              </a:spcAft>
+              <a:buChar char="»"/>
+              <a:defRPr sz="2000">
+                <a:solidFill>
+                  <a:schemeClr val="tx1"/>
+                </a:solidFill>
+                <a:latin typeface="Arial" panose="020B0604020202020204" pitchFamily="34" charset="0"/>
+                <a:ea typeface="Arial" panose="020B0604020202020204" pitchFamily="34" charset="0"/>
+                <a:cs typeface="Arial" panose="020B0604020202020204" pitchFamily="34" charset="0"/>
+              </a:defRPr>
+            </a:lvl7pPr>
+            <a:lvl8pPr marL="3429000" indent="-228600" eaLnBrk="0" fontAlgn="base" hangingPunct="0">
+              <a:spcBef>
+                <a:spcPct val="20000"/>
+              </a:spcBef>
+              <a:spcAft>
+                <a:spcPct val="0"/>
+              </a:spcAft>
+              <a:buChar char="»"/>
+              <a:defRPr sz="2000">
+                <a:solidFill>
+                  <a:schemeClr val="tx1"/>
+                </a:solidFill>
+                <a:latin typeface="Arial" panose="020B0604020202020204" pitchFamily="34" charset="0"/>
+                <a:ea typeface="Arial" panose="020B0604020202020204" pitchFamily="34" charset="0"/>
+                <a:cs typeface="Arial" panose="020B0604020202020204" pitchFamily="34" charset="0"/>
+              </a:defRPr>
+            </a:lvl8pPr>
+            <a:lvl9pPr marL="3886200" indent="-228600" eaLnBrk="0" fontAlgn="base" hangingPunct="0">
+              <a:spcBef>
+                <a:spcPct val="20000"/>
+              </a:spcBef>
+              <a:spcAft>
+                <a:spcPct val="0"/>
+              </a:spcAft>
+              <a:buChar char="»"/>
+              <a:defRPr sz="2000">
+                <a:solidFill>
+                  <a:schemeClr val="tx1"/>
+                </a:solidFill>
+                <a:latin typeface="Arial" panose="020B0604020202020204" pitchFamily="34" charset="0"/>
+                <a:ea typeface="Arial" panose="020B0604020202020204" pitchFamily="34" charset="0"/>
+                <a:cs typeface="Arial" panose="020B0604020202020204" pitchFamily="34" charset="0"/>
+              </a:defRPr>
+            </a:lvl9pPr>
+          </a:lstStyle>
+          <a:p>
+            <a:pPr>
+              <a:spcBef>
+                <a:spcPct val="0"/>
+              </a:spcBef>
+              <a:buFontTx/>
+              <a:buNone/>
+            </a:pPr>
+            <a:endParaRPr lang="en-US" altLang="en-US" sz="1500"/>
+          </a:p>
+        </p:txBody>
+      </p:sp>
+    </p:spTree>
+    <p:extLst>
+      <p:ext uri="{BB962C8B-B14F-4D97-AF65-F5344CB8AC3E}">
+        <p14:creationId xmlns:p14="http://schemas.microsoft.com/office/powerpoint/2010/main" val="781734240"/>
+      </p:ext>
+    </p:extLst>
+  </p:cSld>
+  <p:clrMapOvr>
+    <a:masterClrMapping/>
+  </p:clrMapOvr>
+  <p:timing>
+    <p:tnLst>
+      <p:par>
+        <p:cTn id="1" dur="indefinite" restart="never" nodeType="tmRoot">
+          <p:childTnLst>
+            <p:seq concurrent="1" nextAc="seek">
+              <p:cTn id="2" dur="indefinite" nodeType="mainSeq">
+                <p:childTnLst>
+                  <p:par>
+                    <p:cTn id="3" fill="hold">
+                      <p:stCondLst>
+                        <p:cond delay="indefinite"/>
+                      </p:stCondLst>
+                      <p:childTnLst>
+                        <p:par>
+                          <p:cTn id="4" fill="hold">
+                            <p:stCondLst>
+                              <p:cond delay="0"/>
+                            </p:stCondLst>
+                            <p:childTnLst>
+                              <p:par>
+                                <p:cTn id="5" presetID="1" presetClass="entr" presetSubtype="0" fill="hold" nodeType="clickEffect">
+                                  <p:stCondLst>
+                                    <p:cond delay="0"/>
+                                  </p:stCondLst>
+                                  <p:childTnLst>
+                                    <p:set>
+                                      <p:cBhvr>
+                                        <p:cTn id="6" dur="1" fill="hold">
+                                          <p:stCondLst>
+                                            <p:cond delay="0"/>
+                                          </p:stCondLst>
+                                        </p:cTn>
+                                        <p:tgtEl>
+                                          <p:spTgt spid="3">
+                                            <p:txEl>
+                                              <p:pRg st="3" end="3"/>
+                                            </p:txEl>
+                                          </p:spTgt>
+                                        </p:tgtEl>
+                                        <p:attrNameLst>
+                                          <p:attrName>style.visibility</p:attrName>
+                                        </p:attrNameLst>
+                                      </p:cBhvr>
+                                      <p:to>
+                                        <p:strVal val="visible"/>
+                                      </p:to>
+                                    </p:set>
+                                  </p:childTnLst>
+                                </p:cTn>
+                              </p:par>
+                            </p:childTnLst>
+                          </p:cTn>
+                        </p:par>
+                      </p:childTnLst>
+                    </p:cTn>
+                  </p:par>
+                  <p:par>
+                    <p:cTn id="7" fill="hold">
+                      <p:stCondLst>
+                        <p:cond delay="indefinite"/>
+                      </p:stCondLst>
+                      <p:childTnLst>
+                        <p:par>
+                          <p:cTn id="8" fill="hold">
+                            <p:stCondLst>
+                              <p:cond delay="0"/>
+                            </p:stCondLst>
+                            <p:childTnLst>
+                              <p:par>
+                                <p:cTn id="9" presetID="1" presetClass="entr" presetSubtype="0" fill="hold" nodeType="clickEffect">
+                                  <p:stCondLst>
+                                    <p:cond delay="0"/>
+                                  </p:stCondLst>
+                                  <p:childTnLst>
+                                    <p:set>
+                                      <p:cBhvr>
+                                        <p:cTn id="10" dur="1" fill="hold">
+                                          <p:stCondLst>
+                                            <p:cond delay="0"/>
+                                          </p:stCondLst>
+                                        </p:cTn>
+                                        <p:tgtEl>
+                                          <p:spTgt spid="3">
+                                            <p:txEl>
+                                              <p:pRg st="4" end="4"/>
+                                            </p:txEl>
+                                          </p:spTgt>
+                                        </p:tgtEl>
+                                        <p:attrNameLst>
+                                          <p:attrName>style.visibility</p:attrName>
+                                        </p:attrNameLst>
+                                      </p:cBhvr>
+                                      <p:to>
+                                        <p:strVal val="visible"/>
+                                      </p:to>
+                                    </p:set>
+                                  </p:childTnLst>
+                                </p:cTn>
+                              </p:par>
+                              <p:par>
+                                <p:cTn id="11" presetID="1" presetClass="entr" presetSubtype="0" fill="hold" nodeType="withEffect">
+                                  <p:stCondLst>
+                                    <p:cond delay="0"/>
+                                  </p:stCondLst>
+                                  <p:childTnLst>
+                                    <p:set>
+                                      <p:cBhvr>
+                                        <p:cTn id="12" dur="1" fill="hold">
+                                          <p:stCondLst>
+                                            <p:cond delay="0"/>
+                                          </p:stCondLst>
+                                        </p:cTn>
+                                        <p:tgtEl>
+                                          <p:spTgt spid="3">
+                                            <p:txEl>
                                               <p:pRg st="5" end="5"/>
+                                            </p:txEl>
+                                          </p:spTgt>
+                                        </p:tgtEl>
+                                        <p:attrNameLst>
+                                          <p:attrName>style.visibility</p:attrName>
+                                        </p:attrNameLst>
+                                      </p:cBhvr>
+                                      <p:to>
+                                        <p:strVal val="visible"/>
+                                      </p:to>
+                                    </p:set>
+                                  </p:childTnLst>
+                                </p:cTn>
+                              </p:par>
+                              <p:par>
+                                <p:cTn id="13" presetID="1" presetClass="entr" presetSubtype="0" fill="hold" nodeType="withEffect">
+                                  <p:stCondLst>
+                                    <p:cond delay="0"/>
+                                  </p:stCondLst>
+                                  <p:childTnLst>
+                                    <p:set>
+                                      <p:cBhvr>
+                                        <p:cTn id="14" dur="1" fill="hold">
+                                          <p:stCondLst>
+                                            <p:cond delay="0"/>
+                                          </p:stCondLst>
+                                        </p:cTn>
+                                        <p:tgtEl>
+                                          <p:spTgt spid="3">
+                                            <p:txEl>
+                                              <p:pRg st="6" end="6"/>
+                                            </p:txEl>
+                                          </p:spTgt>
+                                        </p:tgtEl>
+                                        <p:attrNameLst>
+                                          <p:attrName>style.visibility</p:attrName>
+                                        </p:attrNameLst>
+                                      </p:cBhvr>
+                                      <p:to>
+                                        <p:strVal val="visible"/>
+                                      </p:to>
+                                    </p:set>
+                                  </p:childTnLst>
+                                </p:cTn>
+                              </p:par>
+                              <p:par>
+                                <p:cTn id="15" presetID="1" presetClass="entr" presetSubtype="0" fill="hold" nodeType="withEffect">
+                                  <p:stCondLst>
+                                    <p:cond delay="0"/>
+                                  </p:stCondLst>
+                                  <p:childTnLst>
+                                    <p:set>
+                                      <p:cBhvr>
+                                        <p:cTn id="16" dur="1" fill="hold">
+                                          <p:stCondLst>
+                                            <p:cond delay="0"/>
+                                          </p:stCondLst>
+                                        </p:cTn>
+                                        <p:tgtEl>
+                                          <p:spTgt spid="3">
+                                            <p:txEl>
+                                              <p:pRg st="7" end="7"/>
+                                            </p:txEl>
+                                          </p:spTgt>
+                                        </p:tgtEl>
+                                        <p:attrNameLst>
+                                          <p:attrName>style.visibility</p:attrName>
+                                        </p:attrNameLst>
+                                      </p:cBhvr>
+                                      <p:to>
+                                        <p:strVal val="visible"/>
+                                      </p:to>
+                                    </p:set>
+                                  </p:childTnLst>
+                                </p:cTn>
+                              </p:par>
+                              <p:par>
+                                <p:cTn id="17" presetID="1" presetClass="entr" presetSubtype="0" fill="hold" nodeType="withEffect">
+                                  <p:stCondLst>
+                                    <p:cond delay="0"/>
+                                  </p:stCondLst>
+                                  <p:childTnLst>
+                                    <p:set>
+                                      <p:cBhvr>
+                                        <p:cTn id="18" dur="1" fill="hold">
+                                          <p:stCondLst>
+                                            <p:cond delay="0"/>
+                                          </p:stCondLst>
+                                        </p:cTn>
+                                        <p:tgtEl>
+                                          <p:spTgt spid="3">
+                                            <p:txEl>
+                                              <p:pRg st="8" end="8"/>
                                             </p:txEl>
                                           </p:spTgt>
                                         </p:tgtEl>
@@ -18957,9 +19067,1161 @@
                                         <p:tgtEl>
                                           <p:spTgt spid="3">
                                             <p:txEl>
-                                              <p:pRg st="0" end="0"/>
+                                              <p:pRg st="10" end="10"/>
                                             </p:txEl>
                                           </p:spTgt>
+                                        </p:tgtEl>
+                                        <p:attrNameLst>
+                                          <p:attrName>style.visibility</p:attrName>
+                                        </p:attrNameLst>
+                                      </p:cBhvr>
+                                      <p:to>
+                                        <p:strVal val="visible"/>
+                                      </p:to>
+                                    </p:set>
+                                  </p:childTnLst>
+                                </p:cTn>
+                              </p:par>
+                              <p:par>
+                                <p:cTn id="23" presetID="1" presetClass="entr" presetSubtype="0" fill="hold" nodeType="withEffect">
+                                  <p:stCondLst>
+                                    <p:cond delay="0"/>
+                                  </p:stCondLst>
+                                  <p:childTnLst>
+                                    <p:set>
+                                      <p:cBhvr>
+                                        <p:cTn id="24" dur="1" fill="hold">
+                                          <p:stCondLst>
+                                            <p:cond delay="0"/>
+                                          </p:stCondLst>
+                                        </p:cTn>
+                                        <p:tgtEl>
+                                          <p:spTgt spid="3">
+                                            <p:txEl>
+                                              <p:pRg st="11" end="11"/>
+                                            </p:txEl>
+                                          </p:spTgt>
+                                        </p:tgtEl>
+                                        <p:attrNameLst>
+                                          <p:attrName>style.visibility</p:attrName>
+                                        </p:attrNameLst>
+                                      </p:cBhvr>
+                                      <p:to>
+                                        <p:strVal val="visible"/>
+                                      </p:to>
+                                    </p:set>
+                                  </p:childTnLst>
+                                </p:cTn>
+                              </p:par>
+                            </p:childTnLst>
+                          </p:cTn>
+                        </p:par>
+                      </p:childTnLst>
+                    </p:cTn>
+                  </p:par>
+                </p:childTnLst>
+              </p:cTn>
+              <p:prevCondLst>
+                <p:cond evt="onPrev" delay="0">
+                  <p:tgtEl>
+                    <p:sldTgt/>
+                  </p:tgtEl>
+                </p:cond>
+              </p:prevCondLst>
+              <p:nextCondLst>
+                <p:cond evt="onNext" delay="0">
+                  <p:tgtEl>
+                    <p:sldTgt/>
+                  </p:tgtEl>
+                </p:cond>
+              </p:nextCondLst>
+            </p:seq>
+          </p:childTnLst>
+        </p:cTn>
+      </p:par>
+    </p:tnLst>
+  </p:timing>
+</p:sld>
+</file>
+
+<file path=ppt/slides/slide28.xml><?xml version="1.0" encoding="utf-8"?>
+<p:sld xmlns:a="http://schemas.openxmlformats.org/drawingml/2006/main" xmlns:r="http://schemas.openxmlformats.org/officeDocument/2006/relationships" xmlns:p="http://schemas.openxmlformats.org/presentationml/2006/main">
+  <p:cSld>
+    <p:spTree>
+      <p:nvGrpSpPr>
+        <p:cNvPr id="1" name=""/>
+        <p:cNvGrpSpPr/>
+        <p:nvPr/>
+      </p:nvGrpSpPr>
+      <p:grpSpPr>
+        <a:xfrm>
+          <a:off x="0" y="0"/>
+          <a:ext cx="0" cy="0"/>
+          <a:chOff x="0" y="0"/>
+          <a:chExt cx="0" cy="0"/>
+        </a:xfrm>
+      </p:grpSpPr>
+      <p:sp>
+        <p:nvSpPr>
+          <p:cNvPr id="37889" name="Title 1">
+            <a:extLst>
+              <a:ext uri="{FF2B5EF4-FFF2-40B4-BE49-F238E27FC236}">
+                <a16:creationId xmlns:a16="http://schemas.microsoft.com/office/drawing/2014/main" id="{AC3C8F6C-38DD-984D-AB5D-B5D4807018F9}"/>
+              </a:ext>
+            </a:extLst>
+          </p:cNvPr>
+          <p:cNvSpPr>
+            <a:spLocks noGrp="1" noChangeArrowheads="1"/>
+          </p:cNvSpPr>
+          <p:nvPr>
+            <p:ph type="title"/>
+          </p:nvPr>
+        </p:nvSpPr>
+        <p:spPr>
+          <a:xfrm>
+            <a:off x="226998" y="70742"/>
+            <a:ext cx="7886700" cy="639786"/>
+          </a:xfrm>
+        </p:spPr>
+        <p:txBody>
+          <a:bodyPr/>
+          <a:lstStyle/>
+          <a:p>
+            <a:pPr eaLnBrk="1" hangingPunct="1"/>
+            <a:r>
+              <a:rPr lang="en-US" altLang="en-US" dirty="0">
+                <a:ea typeface="ＭＳ Ｐゴシック" panose="020B0600070205080204" pitchFamily="34" charset="-128"/>
+              </a:rPr>
+              <a:t>List of Numbers is An Image</a:t>
+            </a:r>
+          </a:p>
+        </p:txBody>
+      </p:sp>
+      <p:sp>
+        <p:nvSpPr>
+          <p:cNvPr id="3" name="Content Placeholder 2">
+            <a:extLst>
+              <a:ext uri="{FF2B5EF4-FFF2-40B4-BE49-F238E27FC236}">
+                <a16:creationId xmlns:a16="http://schemas.microsoft.com/office/drawing/2014/main" id="{D7CDD189-AC0E-DF4B-95CF-A617BFC2B7FC}"/>
+              </a:ext>
+            </a:extLst>
+          </p:cNvPr>
+          <p:cNvSpPr>
+            <a:spLocks noGrp="1" noChangeArrowheads="1"/>
+          </p:cNvSpPr>
+          <p:nvPr>
+            <p:ph idx="1"/>
+          </p:nvPr>
+        </p:nvSpPr>
+        <p:spPr>
+          <a:xfrm>
+            <a:off x="119641" y="710528"/>
+            <a:ext cx="8938901" cy="4933730"/>
+          </a:xfrm>
+        </p:spPr>
+        <p:txBody>
+          <a:bodyPr/>
+          <a:lstStyle/>
+          <a:p>
+            <a:pPr marL="0" indent="0">
+              <a:buNone/>
+            </a:pPr>
+            <a:r>
+              <a:rPr lang="en-US" dirty="0"/>
+              <a:t>The list of numbers in the previous example is now an image! We'll discuss how to write the code below in the next lecture. </a:t>
+            </a:r>
+          </a:p>
+          <a:p>
+            <a:pPr marL="0" indent="0">
+              <a:buNone/>
+            </a:pPr>
+            <a:r>
+              <a:rPr lang="en-US" sz="1800" b="1" dirty="0">
+                <a:solidFill>
+                  <a:srgbClr val="34A327"/>
+                </a:solidFill>
+                <a:latin typeface="Inconsolata" panose="020B0609030003000000" pitchFamily="49" charset="77"/>
+              </a:rPr>
+              <a:t>import </a:t>
+            </a:r>
+            <a:r>
+              <a:rPr lang="en-US" sz="1800" b="1" dirty="0" err="1">
+                <a:solidFill>
+                  <a:srgbClr val="3C9FF2"/>
+                </a:solidFill>
+                <a:latin typeface="Inconsolata" panose="020B0609030003000000" pitchFamily="49" charset="77"/>
+              </a:rPr>
+              <a:t>numpy</a:t>
+            </a:r>
+            <a:r>
+              <a:rPr lang="en-US" sz="1800" b="1" dirty="0">
+                <a:solidFill>
+                  <a:srgbClr val="34A327"/>
+                </a:solidFill>
+                <a:latin typeface="Inconsolata" panose="020B0609030003000000" pitchFamily="49" charset="77"/>
+              </a:rPr>
+              <a:t> as </a:t>
+            </a:r>
+            <a:r>
+              <a:rPr lang="en-US" sz="1800" b="1" dirty="0">
+                <a:solidFill>
+                  <a:srgbClr val="3C9FF2"/>
+                </a:solidFill>
+                <a:latin typeface="Inconsolata" panose="020B0609030003000000" pitchFamily="49" charset="77"/>
+              </a:rPr>
+              <a:t>np</a:t>
+            </a:r>
+            <a:endParaRPr lang="en-US" sz="1800" b="1" dirty="0">
+              <a:solidFill>
+                <a:srgbClr val="34A327"/>
+              </a:solidFill>
+              <a:latin typeface="Inconsolata" panose="020B0609030003000000" pitchFamily="49" charset="77"/>
+            </a:endParaRPr>
+          </a:p>
+          <a:p>
+            <a:pPr marL="0" indent="0">
+              <a:buNone/>
+            </a:pPr>
+            <a:r>
+              <a:rPr lang="en-US" sz="1800" b="1" dirty="0">
+                <a:solidFill>
+                  <a:srgbClr val="34A327"/>
+                </a:solidFill>
+                <a:latin typeface="Inconsolata" panose="020B0609030003000000" pitchFamily="49" charset="77"/>
+              </a:rPr>
+              <a:t>import</a:t>
+            </a:r>
+            <a:r>
+              <a:rPr lang="en-US" sz="1800" b="1" dirty="0">
+                <a:solidFill>
+                  <a:srgbClr val="000000"/>
+                </a:solidFill>
+                <a:latin typeface="Inconsolata" panose="020B0609030003000000" pitchFamily="49" charset="77"/>
+              </a:rPr>
+              <a:t> </a:t>
+            </a:r>
+            <a:r>
+              <a:rPr lang="en-US" sz="1800" b="1" dirty="0" err="1">
+                <a:solidFill>
+                  <a:srgbClr val="3C9FF2"/>
+                </a:solidFill>
+                <a:latin typeface="Inconsolata" panose="020B0609030003000000" pitchFamily="49" charset="77"/>
+              </a:rPr>
+              <a:t>matplotlib.pyplot</a:t>
+            </a:r>
+            <a:r>
+              <a:rPr lang="en-US" sz="1800" b="1" dirty="0">
+                <a:solidFill>
+                  <a:srgbClr val="000000"/>
+                </a:solidFill>
+                <a:latin typeface="Inconsolata" panose="020B0609030003000000" pitchFamily="49" charset="77"/>
+              </a:rPr>
+              <a:t> </a:t>
+            </a:r>
+            <a:r>
+              <a:rPr lang="en-US" sz="1800" b="1" dirty="0">
+                <a:solidFill>
+                  <a:srgbClr val="34A327"/>
+                </a:solidFill>
+                <a:latin typeface="Inconsolata" panose="020B0609030003000000" pitchFamily="49" charset="77"/>
+              </a:rPr>
+              <a:t>as</a:t>
+            </a:r>
+            <a:r>
+              <a:rPr lang="en-US" sz="1800" b="1" dirty="0">
+                <a:solidFill>
+                  <a:srgbClr val="000000"/>
+                </a:solidFill>
+                <a:latin typeface="Inconsolata" panose="020B0609030003000000" pitchFamily="49" charset="77"/>
+              </a:rPr>
+              <a:t> </a:t>
+            </a:r>
+            <a:r>
+              <a:rPr lang="en-US" sz="1800" b="1" dirty="0" err="1">
+                <a:solidFill>
+                  <a:srgbClr val="3C9FF2"/>
+                </a:solidFill>
+                <a:latin typeface="Inconsolata" panose="020B0609030003000000" pitchFamily="49" charset="77"/>
+              </a:rPr>
+              <a:t>plt</a:t>
+            </a:r>
+            <a:r>
+              <a:rPr lang="en-US" sz="1800" b="1" dirty="0">
+                <a:solidFill>
+                  <a:srgbClr val="000000"/>
+                </a:solidFill>
+                <a:latin typeface="Inconsolata" panose="020B0609030003000000" pitchFamily="49" charset="77"/>
+              </a:rPr>
+              <a:t> </a:t>
+            </a:r>
+          </a:p>
+          <a:p>
+            <a:pPr marL="0" indent="0">
+              <a:buNone/>
+            </a:pPr>
+            <a:r>
+              <a:rPr lang="en-US" sz="1800" b="1" dirty="0" err="1">
+                <a:latin typeface="Inconsolata" panose="020B0609030003000000" pitchFamily="49" charset="77"/>
+              </a:rPr>
+              <a:t>nums</a:t>
+            </a:r>
+            <a:r>
+              <a:rPr lang="en-US" sz="1800" b="1" dirty="0">
+                <a:latin typeface="Inconsolata" panose="020B0609030003000000" pitchFamily="49" charset="77"/>
+              </a:rPr>
+              <a:t> = </a:t>
+            </a:r>
+            <a:r>
+              <a:rPr lang="en-US" sz="1800" b="1" dirty="0" err="1">
+                <a:latin typeface="Inconsolata" panose="020B0609030003000000" pitchFamily="49" charset="77"/>
+              </a:rPr>
+              <a:t>np.loadtxt</a:t>
+            </a:r>
+            <a:r>
+              <a:rPr lang="en-US" sz="1800" b="1" dirty="0">
+                <a:latin typeface="Inconsolata" panose="020B0609030003000000" pitchFamily="49" charset="77"/>
+              </a:rPr>
+              <a:t>("</a:t>
+            </a:r>
+            <a:r>
+              <a:rPr lang="en-US" sz="1800" b="1" dirty="0" err="1">
+                <a:latin typeface="Inconsolata" panose="020B0609030003000000" pitchFamily="49" charset="77"/>
+              </a:rPr>
+              <a:t>numbers.txt</a:t>
+            </a:r>
+            <a:r>
+              <a:rPr lang="en-US" sz="1800" b="1" dirty="0">
+                <a:latin typeface="Inconsolata" panose="020B0609030003000000" pitchFamily="49" charset="77"/>
+              </a:rPr>
+              <a:t>", </a:t>
+            </a:r>
+            <a:r>
+              <a:rPr lang="en-US" sz="1800" b="1" dirty="0" err="1">
+                <a:latin typeface="Inconsolata" panose="020B0609030003000000" pitchFamily="49" charset="77"/>
+              </a:rPr>
+              <a:t>dtype</a:t>
+            </a:r>
+            <a:r>
+              <a:rPr lang="en-US" sz="1800" b="1" dirty="0">
+                <a:latin typeface="Inconsolata" panose="020B0609030003000000" pitchFamily="49" charset="77"/>
+              </a:rPr>
+              <a:t>="uint8")</a:t>
+            </a:r>
+          </a:p>
+          <a:p>
+            <a:pPr marL="0" indent="0">
+              <a:buNone/>
+            </a:pPr>
+            <a:r>
+              <a:rPr lang="en-US" sz="1800" b="1" dirty="0">
+                <a:latin typeface="Inconsolata" panose="020B0609030003000000" pitchFamily="49" charset="77"/>
+              </a:rPr>
+              <a:t>print(</a:t>
+            </a:r>
+            <a:r>
+              <a:rPr lang="en-US" sz="1800" b="1" dirty="0" err="1">
+                <a:latin typeface="Inconsolata" panose="020B0609030003000000" pitchFamily="49" charset="77"/>
+              </a:rPr>
+              <a:t>nums</a:t>
+            </a:r>
+            <a:r>
+              <a:rPr lang="en-US" sz="1800" b="1" dirty="0">
+                <a:latin typeface="Inconsolata" panose="020B0609030003000000" pitchFamily="49" charset="77"/>
+              </a:rPr>
+              <a:t>) 	</a:t>
+            </a:r>
+            <a:r>
+              <a:rPr lang="en-US" sz="1800" b="1" dirty="0">
+                <a:solidFill>
+                  <a:srgbClr val="FF0000"/>
+                </a:solidFill>
+                <a:latin typeface="Inconsolata" panose="020B0609030003000000" pitchFamily="49" charset="77"/>
+              </a:rPr>
+              <a:t># </a:t>
+            </a:r>
+            <a:r>
+              <a:rPr lang="en-US" sz="1800" b="1" dirty="0">
+                <a:solidFill>
+                  <a:srgbClr val="FF0000"/>
+                </a:solidFill>
+                <a:latin typeface="INCONSOLATA" panose="020B0609030003000000" pitchFamily="49" charset="77"/>
+              </a:rPr>
+              <a:t>array([210 190 225 ..., ]), same list of numbers</a:t>
+            </a:r>
+            <a:endParaRPr lang="en-US" sz="1800" b="1" dirty="0">
+              <a:solidFill>
+                <a:srgbClr val="34A327"/>
+              </a:solidFill>
+              <a:latin typeface="Inconsolata" panose="020B0609030003000000" pitchFamily="49" charset="77"/>
+            </a:endParaRPr>
+          </a:p>
+          <a:p>
+            <a:pPr marL="0" indent="0">
+              <a:buNone/>
+            </a:pPr>
+            <a:r>
+              <a:rPr lang="en-US" sz="1800" b="1" dirty="0" err="1">
+                <a:solidFill>
+                  <a:srgbClr val="000000"/>
+                </a:solidFill>
+                <a:latin typeface="Inconsolata" panose="020B0609030003000000" pitchFamily="49" charset="77"/>
+              </a:rPr>
+              <a:t>nums</a:t>
+            </a:r>
+            <a:r>
+              <a:rPr lang="en-US" sz="1800" b="1" dirty="0">
+                <a:solidFill>
+                  <a:srgbClr val="000000"/>
+                </a:solidFill>
+                <a:latin typeface="Inconsolata" panose="020B0609030003000000" pitchFamily="49" charset="77"/>
+              </a:rPr>
+              <a:t> = </a:t>
+            </a:r>
+            <a:r>
+              <a:rPr lang="en-US" sz="1800" b="1" dirty="0" err="1">
+                <a:solidFill>
+                  <a:srgbClr val="000000"/>
+                </a:solidFill>
+                <a:latin typeface="Inconsolata" panose="020B0609030003000000" pitchFamily="49" charset="77"/>
+              </a:rPr>
+              <a:t>nums.reshape</a:t>
+            </a:r>
+            <a:r>
+              <a:rPr lang="en-US" sz="1800" b="1" dirty="0">
+                <a:solidFill>
+                  <a:srgbClr val="000000"/>
+                </a:solidFill>
+                <a:latin typeface="Inconsolata" panose="020B0609030003000000" pitchFamily="49" charset="77"/>
+              </a:rPr>
+              <a:t>(417, 626, 3)</a:t>
+            </a:r>
+          </a:p>
+          <a:p>
+            <a:pPr marL="0" indent="0">
+              <a:buNone/>
+            </a:pPr>
+            <a:r>
+              <a:rPr lang="en-US" sz="1800" b="1" dirty="0">
+                <a:solidFill>
+                  <a:srgbClr val="000000"/>
+                </a:solidFill>
+                <a:latin typeface="Inconsolata" panose="020B0609030003000000" pitchFamily="49" charset="77"/>
+              </a:rPr>
+              <a:t>fig, ax = </a:t>
+            </a:r>
+            <a:r>
+              <a:rPr lang="en-US" sz="1800" b="1" dirty="0" err="1">
+                <a:solidFill>
+                  <a:srgbClr val="000000"/>
+                </a:solidFill>
+                <a:latin typeface="Inconsolata" panose="020B0609030003000000" pitchFamily="49" charset="77"/>
+              </a:rPr>
+              <a:t>plt.subplots</a:t>
+            </a:r>
+            <a:r>
+              <a:rPr lang="en-US" sz="1800" b="1" dirty="0">
+                <a:solidFill>
+                  <a:srgbClr val="000000"/>
+                </a:solidFill>
+                <a:latin typeface="Inconsolata" panose="020B0609030003000000" pitchFamily="49" charset="77"/>
+              </a:rPr>
+              <a:t>()</a:t>
+            </a:r>
+          </a:p>
+          <a:p>
+            <a:pPr marL="0" indent="0">
+              <a:buNone/>
+            </a:pPr>
+            <a:r>
+              <a:rPr lang="en-US" altLang="en-US" sz="1800" b="1" dirty="0" err="1">
+                <a:latin typeface="Inconsolata" panose="020B0609030003000000" pitchFamily="49" charset="77"/>
+                <a:ea typeface="ＭＳ Ｐゴシック" panose="020B0600070205080204" pitchFamily="34" charset="-128"/>
+              </a:rPr>
+              <a:t>ax.imshow</a:t>
+            </a:r>
+            <a:r>
+              <a:rPr lang="en-US" altLang="en-US" sz="1800" b="1" dirty="0">
+                <a:latin typeface="Inconsolata" panose="020B0609030003000000" pitchFamily="49" charset="77"/>
+                <a:ea typeface="ＭＳ Ｐゴシック" panose="020B0600070205080204" pitchFamily="34" charset="-128"/>
+              </a:rPr>
+              <a:t>(</a:t>
+            </a:r>
+            <a:r>
+              <a:rPr lang="en-US" altLang="en-US" sz="1800" b="1" dirty="0" err="1">
+                <a:latin typeface="Inconsolata" panose="020B0609030003000000" pitchFamily="49" charset="77"/>
+                <a:ea typeface="ＭＳ Ｐゴシック" panose="020B0600070205080204" pitchFamily="34" charset="-128"/>
+              </a:rPr>
+              <a:t>nums</a:t>
+            </a:r>
+            <a:r>
+              <a:rPr lang="en-US" altLang="en-US" sz="1800" b="1" dirty="0">
+                <a:latin typeface="Inconsolata" panose="020B0609030003000000" pitchFamily="49" charset="77"/>
+                <a:ea typeface="ＭＳ Ｐゴシック" panose="020B0600070205080204" pitchFamily="34" charset="-128"/>
+              </a:rPr>
+              <a:t>)</a:t>
+            </a:r>
+          </a:p>
+          <a:p>
+            <a:pPr marL="0" indent="0">
+              <a:buNone/>
+            </a:pPr>
+            <a:endParaRPr lang="en-US" sz="1800" b="1" dirty="0">
+              <a:solidFill>
+                <a:srgbClr val="34A327"/>
+              </a:solidFill>
+              <a:latin typeface="Inconsolata" panose="020B0609030003000000" pitchFamily="49" charset="77"/>
+            </a:endParaRPr>
+          </a:p>
+          <a:p>
+            <a:pPr marL="0" indent="0">
+              <a:buNone/>
+            </a:pPr>
+            <a:endParaRPr lang="en-US" altLang="en-US" sz="1800" dirty="0">
+              <a:latin typeface="Tahoma" panose="020B0604030504040204" pitchFamily="34" charset="0"/>
+              <a:ea typeface="ＭＳ Ｐゴシック" panose="020B0600070205080204" pitchFamily="34" charset="-128"/>
+            </a:endParaRPr>
+          </a:p>
+          <a:p>
+            <a:pPr marL="0" indent="0">
+              <a:buNone/>
+            </a:pPr>
+            <a:endParaRPr lang="en-US" altLang="en-US" sz="1833" dirty="0">
+              <a:ea typeface="ＭＳ Ｐゴシック" panose="020B0600070205080204" pitchFamily="34" charset="-128"/>
+            </a:endParaRPr>
+          </a:p>
+        </p:txBody>
+      </p:sp>
+      <p:sp>
+        <p:nvSpPr>
+          <p:cNvPr id="37891" name="TextBox 3">
+            <a:extLst>
+              <a:ext uri="{FF2B5EF4-FFF2-40B4-BE49-F238E27FC236}">
+                <a16:creationId xmlns:a16="http://schemas.microsoft.com/office/drawing/2014/main" id="{AA4154A8-D2A5-0F4B-A28A-26FA8A4D8EE6}"/>
+              </a:ext>
+            </a:extLst>
+          </p:cNvPr>
+          <p:cNvSpPr txBox="1">
+            <a:spLocks noChangeArrowheads="1"/>
+          </p:cNvSpPr>
+          <p:nvPr/>
+        </p:nvSpPr>
+        <p:spPr bwMode="auto">
+          <a:xfrm>
+            <a:off x="3892021" y="67470"/>
+            <a:ext cx="184731" cy="323165"/>
+          </a:xfrm>
+          <a:prstGeom prst="rect">
+            <a:avLst/>
+          </a:prstGeom>
+          <a:noFill/>
+          <a:ln>
+            <a:noFill/>
+          </a:ln>
+          <a:extLst>
+            <a:ext uri="{909E8E84-426E-40DD-AFC4-6F175D3DCCD1}">
+              <a14:hiddenFill xmlns:a14="http://schemas.microsoft.com/office/drawing/2010/main">
+                <a:solidFill>
+                  <a:srgbClr val="FFFFFF"/>
+                </a:solidFill>
+              </a14:hiddenFill>
+            </a:ext>
+            <a:ext uri="{91240B29-F687-4F45-9708-019B960494DF}">
+              <a14:hiddenLine xmlns:a14="http://schemas.microsoft.com/office/drawing/2010/main" w="9525">
+                <a:solidFill>
+                  <a:srgbClr val="000000"/>
+                </a:solidFill>
+                <a:miter lim="800000"/>
+                <a:headEnd/>
+                <a:tailEnd/>
+              </a14:hiddenLine>
+            </a:ext>
+          </a:extLst>
+        </p:spPr>
+        <p:txBody>
+          <a:bodyPr wrap="none">
+            <a:spAutoFit/>
+          </a:bodyPr>
+          <a:lstStyle>
+            <a:lvl1pPr>
+              <a:spcBef>
+                <a:spcPct val="20000"/>
+              </a:spcBef>
+              <a:buChar char="•"/>
+              <a:defRPr sz="3200">
+                <a:solidFill>
+                  <a:schemeClr val="tx1"/>
+                </a:solidFill>
+                <a:latin typeface="Arial" panose="020B0604020202020204" pitchFamily="34" charset="0"/>
+                <a:ea typeface="ＭＳ Ｐゴシック" panose="020B0600070205080204" pitchFamily="34" charset="-128"/>
+                <a:cs typeface="Arial" panose="020B0604020202020204" pitchFamily="34" charset="0"/>
+              </a:defRPr>
+            </a:lvl1pPr>
+            <a:lvl2pPr marL="742950" indent="-285750">
+              <a:spcBef>
+                <a:spcPct val="20000"/>
+              </a:spcBef>
+              <a:buChar char="–"/>
+              <a:defRPr sz="2800">
+                <a:solidFill>
+                  <a:schemeClr val="tx1"/>
+                </a:solidFill>
+                <a:latin typeface="Arial" panose="020B0604020202020204" pitchFamily="34" charset="0"/>
+                <a:ea typeface="Arial" panose="020B0604020202020204" pitchFamily="34" charset="0"/>
+                <a:cs typeface="Arial" panose="020B0604020202020204" pitchFamily="34" charset="0"/>
+              </a:defRPr>
+            </a:lvl2pPr>
+            <a:lvl3pPr marL="1143000" indent="-228600">
+              <a:spcBef>
+                <a:spcPct val="20000"/>
+              </a:spcBef>
+              <a:buChar char="•"/>
+              <a:defRPr sz="2400">
+                <a:solidFill>
+                  <a:schemeClr val="tx1"/>
+                </a:solidFill>
+                <a:latin typeface="Arial" panose="020B0604020202020204" pitchFamily="34" charset="0"/>
+                <a:ea typeface="Arial" panose="020B0604020202020204" pitchFamily="34" charset="0"/>
+                <a:cs typeface="Arial" panose="020B0604020202020204" pitchFamily="34" charset="0"/>
+              </a:defRPr>
+            </a:lvl3pPr>
+            <a:lvl4pPr marL="1600200" indent="-228600">
+              <a:spcBef>
+                <a:spcPct val="20000"/>
+              </a:spcBef>
+              <a:buChar char="–"/>
+              <a:defRPr sz="2000">
+                <a:solidFill>
+                  <a:schemeClr val="tx1"/>
+                </a:solidFill>
+                <a:latin typeface="Arial" panose="020B0604020202020204" pitchFamily="34" charset="0"/>
+                <a:ea typeface="Arial" panose="020B0604020202020204" pitchFamily="34" charset="0"/>
+                <a:cs typeface="Arial" panose="020B0604020202020204" pitchFamily="34" charset="0"/>
+              </a:defRPr>
+            </a:lvl4pPr>
+            <a:lvl5pPr marL="2057400" indent="-228600">
+              <a:spcBef>
+                <a:spcPct val="20000"/>
+              </a:spcBef>
+              <a:buChar char="»"/>
+              <a:defRPr sz="2000">
+                <a:solidFill>
+                  <a:schemeClr val="tx1"/>
+                </a:solidFill>
+                <a:latin typeface="Arial" panose="020B0604020202020204" pitchFamily="34" charset="0"/>
+                <a:ea typeface="Arial" panose="020B0604020202020204" pitchFamily="34" charset="0"/>
+                <a:cs typeface="Arial" panose="020B0604020202020204" pitchFamily="34" charset="0"/>
+              </a:defRPr>
+            </a:lvl5pPr>
+            <a:lvl6pPr marL="2514600" indent="-228600" eaLnBrk="0" fontAlgn="base" hangingPunct="0">
+              <a:spcBef>
+                <a:spcPct val="20000"/>
+              </a:spcBef>
+              <a:spcAft>
+                <a:spcPct val="0"/>
+              </a:spcAft>
+              <a:buChar char="»"/>
+              <a:defRPr sz="2000">
+                <a:solidFill>
+                  <a:schemeClr val="tx1"/>
+                </a:solidFill>
+                <a:latin typeface="Arial" panose="020B0604020202020204" pitchFamily="34" charset="0"/>
+                <a:ea typeface="Arial" panose="020B0604020202020204" pitchFamily="34" charset="0"/>
+                <a:cs typeface="Arial" panose="020B0604020202020204" pitchFamily="34" charset="0"/>
+              </a:defRPr>
+            </a:lvl6pPr>
+            <a:lvl7pPr marL="2971800" indent="-228600" eaLnBrk="0" fontAlgn="base" hangingPunct="0">
+              <a:spcBef>
+                <a:spcPct val="20000"/>
+              </a:spcBef>
+              <a:spcAft>
+                <a:spcPct val="0"/>
+              </a:spcAft>
+              <a:buChar char="»"/>
+              <a:defRPr sz="2000">
+                <a:solidFill>
+                  <a:schemeClr val="tx1"/>
+                </a:solidFill>
+                <a:latin typeface="Arial" panose="020B0604020202020204" pitchFamily="34" charset="0"/>
+                <a:ea typeface="Arial" panose="020B0604020202020204" pitchFamily="34" charset="0"/>
+                <a:cs typeface="Arial" panose="020B0604020202020204" pitchFamily="34" charset="0"/>
+              </a:defRPr>
+            </a:lvl7pPr>
+            <a:lvl8pPr marL="3429000" indent="-228600" eaLnBrk="0" fontAlgn="base" hangingPunct="0">
+              <a:spcBef>
+                <a:spcPct val="20000"/>
+              </a:spcBef>
+              <a:spcAft>
+                <a:spcPct val="0"/>
+              </a:spcAft>
+              <a:buChar char="»"/>
+              <a:defRPr sz="2000">
+                <a:solidFill>
+                  <a:schemeClr val="tx1"/>
+                </a:solidFill>
+                <a:latin typeface="Arial" panose="020B0604020202020204" pitchFamily="34" charset="0"/>
+                <a:ea typeface="Arial" panose="020B0604020202020204" pitchFamily="34" charset="0"/>
+                <a:cs typeface="Arial" panose="020B0604020202020204" pitchFamily="34" charset="0"/>
+              </a:defRPr>
+            </a:lvl8pPr>
+            <a:lvl9pPr marL="3886200" indent="-228600" eaLnBrk="0" fontAlgn="base" hangingPunct="0">
+              <a:spcBef>
+                <a:spcPct val="20000"/>
+              </a:spcBef>
+              <a:spcAft>
+                <a:spcPct val="0"/>
+              </a:spcAft>
+              <a:buChar char="»"/>
+              <a:defRPr sz="2000">
+                <a:solidFill>
+                  <a:schemeClr val="tx1"/>
+                </a:solidFill>
+                <a:latin typeface="Arial" panose="020B0604020202020204" pitchFamily="34" charset="0"/>
+                <a:ea typeface="Arial" panose="020B0604020202020204" pitchFamily="34" charset="0"/>
+                <a:cs typeface="Arial" panose="020B0604020202020204" pitchFamily="34" charset="0"/>
+              </a:defRPr>
+            </a:lvl9pPr>
+          </a:lstStyle>
+          <a:p>
+            <a:pPr>
+              <a:spcBef>
+                <a:spcPct val="0"/>
+              </a:spcBef>
+              <a:buFontTx/>
+              <a:buNone/>
+            </a:pPr>
+            <a:endParaRPr lang="en-US" altLang="en-US" sz="1500"/>
+          </a:p>
+        </p:txBody>
+      </p:sp>
+      <p:pic>
+        <p:nvPicPr>
+          <p:cNvPr id="2" name="Picture 1">
+            <a:extLst>
+              <a:ext uri="{FF2B5EF4-FFF2-40B4-BE49-F238E27FC236}">
+                <a16:creationId xmlns:a16="http://schemas.microsoft.com/office/drawing/2014/main" id="{26261424-4D92-434A-9647-D9B174BCFE30}"/>
+              </a:ext>
+            </a:extLst>
+          </p:cNvPr>
+          <p:cNvPicPr>
+            <a:picLocks noChangeAspect="1"/>
+          </p:cNvPicPr>
+          <p:nvPr/>
+        </p:nvPicPr>
+        <p:blipFill>
+          <a:blip r:embed="rId2"/>
+          <a:stretch>
+            <a:fillRect/>
+          </a:stretch>
+        </p:blipFill>
+        <p:spPr>
+          <a:xfrm>
+            <a:off x="5084748" y="2828621"/>
+            <a:ext cx="3957111" cy="2815637"/>
+          </a:xfrm>
+          <a:prstGeom prst="rect">
+            <a:avLst/>
+          </a:prstGeom>
+        </p:spPr>
+      </p:pic>
+      <p:sp>
+        <p:nvSpPr>
+          <p:cNvPr id="4" name="TextBox 3">
+            <a:extLst>
+              <a:ext uri="{FF2B5EF4-FFF2-40B4-BE49-F238E27FC236}">
+                <a16:creationId xmlns:a16="http://schemas.microsoft.com/office/drawing/2014/main" id="{82244787-A2A1-4749-A8B7-E2FA026920E8}"/>
+              </a:ext>
+            </a:extLst>
+          </p:cNvPr>
+          <p:cNvSpPr txBox="1"/>
+          <p:nvPr/>
+        </p:nvSpPr>
+        <p:spPr>
+          <a:xfrm>
+            <a:off x="717847" y="4236439"/>
+            <a:ext cx="3487943" cy="1015663"/>
+          </a:xfrm>
+          <a:prstGeom prst="rect">
+            <a:avLst/>
+          </a:prstGeom>
+          <a:noFill/>
+        </p:spPr>
+        <p:txBody>
+          <a:bodyPr wrap="none" rtlCol="0">
+            <a:spAutoFit/>
+          </a:bodyPr>
+          <a:lstStyle/>
+          <a:p>
+            <a:r>
+              <a:rPr lang="en-US" sz="2000" dirty="0">
+                <a:solidFill>
+                  <a:srgbClr val="FF0000"/>
+                </a:solidFill>
+              </a:rPr>
+              <a:t>The following output is </a:t>
+            </a:r>
+          </a:p>
+          <a:p>
+            <a:r>
+              <a:rPr lang="en-US" sz="2000" dirty="0">
+                <a:solidFill>
+                  <a:srgbClr val="FF0000"/>
+                </a:solidFill>
+              </a:rPr>
+              <a:t>produced by running the above </a:t>
+            </a:r>
+          </a:p>
+          <a:p>
+            <a:r>
+              <a:rPr lang="en-US" sz="2000" dirty="0">
+                <a:solidFill>
+                  <a:srgbClr val="FF0000"/>
+                </a:solidFill>
+              </a:rPr>
+              <a:t>code on the </a:t>
+            </a:r>
+            <a:r>
+              <a:rPr lang="en-US" sz="2000" dirty="0" err="1">
+                <a:solidFill>
+                  <a:srgbClr val="FF0000"/>
+                </a:solidFill>
+              </a:rPr>
+              <a:t>Jupyter</a:t>
+            </a:r>
+            <a:r>
+              <a:rPr lang="en-US" sz="2000" dirty="0">
+                <a:solidFill>
+                  <a:srgbClr val="FF0000"/>
+                </a:solidFill>
+              </a:rPr>
+              <a:t> Notebook</a:t>
+            </a:r>
+          </a:p>
+        </p:txBody>
+      </p:sp>
+      <p:cxnSp>
+        <p:nvCxnSpPr>
+          <p:cNvPr id="7" name="Straight Arrow Connector 6">
+            <a:extLst>
+              <a:ext uri="{FF2B5EF4-FFF2-40B4-BE49-F238E27FC236}">
+                <a16:creationId xmlns:a16="http://schemas.microsoft.com/office/drawing/2014/main" id="{30424A34-CC6B-CA47-AE5D-5E507CCCA0D2}"/>
+              </a:ext>
+            </a:extLst>
+          </p:cNvPr>
+          <p:cNvCxnSpPr>
+            <a:cxnSpLocks/>
+          </p:cNvCxnSpPr>
+          <p:nvPr/>
+        </p:nvCxnSpPr>
+        <p:spPr>
+          <a:xfrm>
+            <a:off x="3564855" y="4391143"/>
+            <a:ext cx="1460072" cy="0"/>
+          </a:xfrm>
+          <a:prstGeom prst="straightConnector1">
+            <a:avLst/>
+          </a:prstGeom>
+          <a:ln w="38100">
+            <a:solidFill>
+              <a:schemeClr val="tx1"/>
+            </a:solidFill>
+            <a:tailEnd type="triangle"/>
+          </a:ln>
+        </p:spPr>
+        <p:style>
+          <a:lnRef idx="1">
+            <a:schemeClr val="accent1"/>
+          </a:lnRef>
+          <a:fillRef idx="0">
+            <a:schemeClr val="accent1"/>
+          </a:fillRef>
+          <a:effectRef idx="0">
+            <a:schemeClr val="accent1"/>
+          </a:effectRef>
+          <a:fontRef idx="minor">
+            <a:schemeClr val="tx1"/>
+          </a:fontRef>
+        </p:style>
+      </p:cxnSp>
+    </p:spTree>
+    <p:extLst>
+      <p:ext uri="{BB962C8B-B14F-4D97-AF65-F5344CB8AC3E}">
+        <p14:creationId xmlns:p14="http://schemas.microsoft.com/office/powerpoint/2010/main" val="4189100123"/>
+      </p:ext>
+    </p:extLst>
+  </p:cSld>
+  <p:clrMapOvr>
+    <a:masterClrMapping/>
+  </p:clrMapOvr>
+  <p:timing>
+    <p:tnLst>
+      <p:par>
+        <p:cTn id="1" dur="indefinite" restart="never" nodeType="tmRoot">
+          <p:childTnLst>
+            <p:seq concurrent="1" nextAc="seek">
+              <p:cTn id="2" dur="indefinite" nodeType="mainSeq">
+                <p:childTnLst>
+                  <p:par>
+                    <p:cTn id="3" fill="hold">
+                      <p:stCondLst>
+                        <p:cond delay="indefinite"/>
+                      </p:stCondLst>
+                      <p:childTnLst>
+                        <p:par>
+                          <p:cTn id="4" fill="hold">
+                            <p:stCondLst>
+                              <p:cond delay="0"/>
+                            </p:stCondLst>
+                            <p:childTnLst>
+                              <p:par>
+                                <p:cTn id="5" presetID="1" presetClass="entr" presetSubtype="0" fill="hold" nodeType="clickEffect">
+                                  <p:stCondLst>
+                                    <p:cond delay="0"/>
+                                  </p:stCondLst>
+                                  <p:childTnLst>
+                                    <p:set>
+                                      <p:cBhvr>
+                                        <p:cTn id="6" dur="1" fill="hold">
+                                          <p:stCondLst>
+                                            <p:cond delay="0"/>
+                                          </p:stCondLst>
+                                        </p:cTn>
+                                        <p:tgtEl>
+                                          <p:spTgt spid="3">
+                                            <p:txEl>
+                                              <p:pRg st="1" end="1"/>
+                                            </p:txEl>
+                                          </p:spTgt>
+                                        </p:tgtEl>
+                                        <p:attrNameLst>
+                                          <p:attrName>style.visibility</p:attrName>
+                                        </p:attrNameLst>
+                                      </p:cBhvr>
+                                      <p:to>
+                                        <p:strVal val="visible"/>
+                                      </p:to>
+                                    </p:set>
+                                  </p:childTnLst>
+                                </p:cTn>
+                              </p:par>
+                              <p:par>
+                                <p:cTn id="7" presetID="1" presetClass="entr" presetSubtype="0" fill="hold" nodeType="withEffect">
+                                  <p:stCondLst>
+                                    <p:cond delay="0"/>
+                                  </p:stCondLst>
+                                  <p:childTnLst>
+                                    <p:set>
+                                      <p:cBhvr>
+                                        <p:cTn id="8" dur="1" fill="hold">
+                                          <p:stCondLst>
+                                            <p:cond delay="0"/>
+                                          </p:stCondLst>
+                                        </p:cTn>
+                                        <p:tgtEl>
+                                          <p:spTgt spid="3">
+                                            <p:txEl>
+                                              <p:pRg st="2" end="2"/>
+                                            </p:txEl>
+                                          </p:spTgt>
+                                        </p:tgtEl>
+                                        <p:attrNameLst>
+                                          <p:attrName>style.visibility</p:attrName>
+                                        </p:attrNameLst>
+                                      </p:cBhvr>
+                                      <p:to>
+                                        <p:strVal val="visible"/>
+                                      </p:to>
+                                    </p:set>
+                                  </p:childTnLst>
+                                </p:cTn>
+                              </p:par>
+                              <p:par>
+                                <p:cTn id="9" presetID="1" presetClass="entr" presetSubtype="0" fill="hold" nodeType="withEffect">
+                                  <p:stCondLst>
+                                    <p:cond delay="0"/>
+                                  </p:stCondLst>
+                                  <p:childTnLst>
+                                    <p:set>
+                                      <p:cBhvr>
+                                        <p:cTn id="10" dur="1" fill="hold">
+                                          <p:stCondLst>
+                                            <p:cond delay="0"/>
+                                          </p:stCondLst>
+                                        </p:cTn>
+                                        <p:tgtEl>
+                                          <p:spTgt spid="3">
+                                            <p:txEl>
+                                              <p:pRg st="3" end="3"/>
+                                            </p:txEl>
+                                          </p:spTgt>
+                                        </p:tgtEl>
+                                        <p:attrNameLst>
+                                          <p:attrName>style.visibility</p:attrName>
+                                        </p:attrNameLst>
+                                      </p:cBhvr>
+                                      <p:to>
+                                        <p:strVal val="visible"/>
+                                      </p:to>
+                                    </p:set>
+                                  </p:childTnLst>
+                                </p:cTn>
+                              </p:par>
+                              <p:par>
+                                <p:cTn id="11" presetID="1" presetClass="entr" presetSubtype="0" fill="hold" nodeType="withEffect">
+                                  <p:stCondLst>
+                                    <p:cond delay="0"/>
+                                  </p:stCondLst>
+                                  <p:childTnLst>
+                                    <p:set>
+                                      <p:cBhvr>
+                                        <p:cTn id="12" dur="1" fill="hold">
+                                          <p:stCondLst>
+                                            <p:cond delay="0"/>
+                                          </p:stCondLst>
+                                        </p:cTn>
+                                        <p:tgtEl>
+                                          <p:spTgt spid="3">
+                                            <p:txEl>
+                                              <p:pRg st="4" end="4"/>
+                                            </p:txEl>
+                                          </p:spTgt>
+                                        </p:tgtEl>
+                                        <p:attrNameLst>
+                                          <p:attrName>style.visibility</p:attrName>
+                                        </p:attrNameLst>
+                                      </p:cBhvr>
+                                      <p:to>
+                                        <p:strVal val="visible"/>
+                                      </p:to>
+                                    </p:set>
+                                  </p:childTnLst>
+                                </p:cTn>
+                              </p:par>
+                              <p:par>
+                                <p:cTn id="13" presetID="1" presetClass="entr" presetSubtype="0" fill="hold" nodeType="withEffect">
+                                  <p:stCondLst>
+                                    <p:cond delay="0"/>
+                                  </p:stCondLst>
+                                  <p:childTnLst>
+                                    <p:set>
+                                      <p:cBhvr>
+                                        <p:cTn id="14" dur="1" fill="hold">
+                                          <p:stCondLst>
+                                            <p:cond delay="0"/>
+                                          </p:stCondLst>
+                                        </p:cTn>
+                                        <p:tgtEl>
+                                          <p:spTgt spid="3">
+                                            <p:txEl>
+                                              <p:pRg st="5" end="5"/>
+                                            </p:txEl>
+                                          </p:spTgt>
+                                        </p:tgtEl>
+                                        <p:attrNameLst>
+                                          <p:attrName>style.visibility</p:attrName>
+                                        </p:attrNameLst>
+                                      </p:cBhvr>
+                                      <p:to>
+                                        <p:strVal val="visible"/>
+                                      </p:to>
+                                    </p:set>
+                                  </p:childTnLst>
+                                </p:cTn>
+                              </p:par>
+                              <p:par>
+                                <p:cTn id="15" presetID="1" presetClass="entr" presetSubtype="0" fill="hold" nodeType="withEffect">
+                                  <p:stCondLst>
+                                    <p:cond delay="0"/>
+                                  </p:stCondLst>
+                                  <p:childTnLst>
+                                    <p:set>
+                                      <p:cBhvr>
+                                        <p:cTn id="16" dur="1" fill="hold">
+                                          <p:stCondLst>
+                                            <p:cond delay="0"/>
+                                          </p:stCondLst>
+                                        </p:cTn>
+                                        <p:tgtEl>
+                                          <p:spTgt spid="3">
+                                            <p:txEl>
+                                              <p:pRg st="6" end="6"/>
+                                            </p:txEl>
+                                          </p:spTgt>
+                                        </p:tgtEl>
+                                        <p:attrNameLst>
+                                          <p:attrName>style.visibility</p:attrName>
+                                        </p:attrNameLst>
+                                      </p:cBhvr>
+                                      <p:to>
+                                        <p:strVal val="visible"/>
+                                      </p:to>
+                                    </p:set>
+                                  </p:childTnLst>
+                                </p:cTn>
+                              </p:par>
+                              <p:par>
+                                <p:cTn id="17" presetID="1" presetClass="entr" presetSubtype="0" fill="hold" nodeType="withEffect">
+                                  <p:stCondLst>
+                                    <p:cond delay="0"/>
+                                  </p:stCondLst>
+                                  <p:childTnLst>
+                                    <p:set>
+                                      <p:cBhvr>
+                                        <p:cTn id="18" dur="1" fill="hold">
+                                          <p:stCondLst>
+                                            <p:cond delay="0"/>
+                                          </p:stCondLst>
+                                        </p:cTn>
+                                        <p:tgtEl>
+                                          <p:spTgt spid="3">
+                                            <p:txEl>
+                                              <p:pRg st="7" end="7"/>
+                                            </p:txEl>
+                                          </p:spTgt>
+                                        </p:tgtEl>
+                                        <p:attrNameLst>
+                                          <p:attrName>style.visibility</p:attrName>
+                                        </p:attrNameLst>
+                                      </p:cBhvr>
+                                      <p:to>
+                                        <p:strVal val="visible"/>
+                                      </p:to>
+                                    </p:set>
+                                  </p:childTnLst>
+                                </p:cTn>
+                              </p:par>
+                            </p:childTnLst>
+                          </p:cTn>
+                        </p:par>
+                      </p:childTnLst>
+                    </p:cTn>
+                  </p:par>
+                  <p:par>
+                    <p:cTn id="19" fill="hold">
+                      <p:stCondLst>
+                        <p:cond delay="indefinite"/>
+                      </p:stCondLst>
+                      <p:childTnLst>
+                        <p:par>
+                          <p:cTn id="20" fill="hold">
+                            <p:stCondLst>
+                              <p:cond delay="0"/>
+                            </p:stCondLst>
+                            <p:childTnLst>
+                              <p:par>
+                                <p:cTn id="21" presetID="1" presetClass="entr" presetSubtype="0" fill="hold" nodeType="clickEffect">
+                                  <p:stCondLst>
+                                    <p:cond delay="0"/>
+                                  </p:stCondLst>
+                                  <p:childTnLst>
+                                    <p:set>
+                                      <p:cBhvr>
+                                        <p:cTn id="22" dur="1" fill="hold">
+                                          <p:stCondLst>
+                                            <p:cond delay="0"/>
+                                          </p:stCondLst>
+                                        </p:cTn>
+                                        <p:tgtEl>
+                                          <p:spTgt spid="2"/>
                                         </p:tgtEl>
                                         <p:attrNameLst>
                                           <p:attrName>style.visibility</p:attrName>
@@ -18991,7 +20253,7 @@
                             </p:stCondLst>
                             <p:childTnLst>
                               <p:par>
-                                <p:cTn id="25" presetID="1" presetClass="entr" presetSubtype="0" fill="hold" nodeType="clickEffect">
+                                <p:cTn id="25" presetID="1" presetClass="entr" presetSubtype="0" fill="hold" grpId="0" nodeType="clickEffect">
                                   <p:stCondLst>
                                     <p:cond delay="0"/>
                                   </p:stCondLst>
@@ -19004,11 +20266,7 @@
                                           </p:stCondLst>
                                         </p:cTn>
                                         <p:tgtEl>
-                                          <p:spTgt spid="3">
-                                            <p:txEl>
-                                              <p:pRg st="1" end="1"/>
-                                            </p:txEl>
-                                          </p:spTgt>
+                                          <p:spTgt spid="4"/>
                                         </p:tgtEl>
                                         <p:attrNameLst>
                                           <p:attrName>style.visibility</p:attrName>
@@ -19021,131 +20279,15 @@
                                   </p:childTnLst>
                                 </p:cTn>
                               </p:par>
-                            </p:childTnLst>
-                          </p:cTn>
-                        </p:par>
-                      </p:childTnLst>
-                    </p:cTn>
-                  </p:par>
-                  <p:par>
-                    <p:cTn id="27" fill="hold">
-                      <p:stCondLst>
-                        <p:cond delay="indefinite"/>
-                      </p:stCondLst>
-                      <p:childTnLst>
-                        <p:par>
-                          <p:cTn id="28" fill="hold">
-                            <p:stCondLst>
-                              <p:cond delay="0"/>
-                            </p:stCondLst>
-                            <p:childTnLst>
                               <p:par>
-                                <p:cTn id="29" presetID="1" presetClass="entr" presetSubtype="0" fill="hold" nodeType="clickEffect">
+                                <p:cTn id="27" presetID="1" presetClass="entr" presetSubtype="0" fill="hold" nodeType="withEffect">
                                   <p:stCondLst>
                                     <p:cond delay="0"/>
                                   </p:stCondLst>
                                   <p:childTnLst>
                                     <p:set>
                                       <p:cBhvr>
-                                        <p:cTn id="30" dur="1" fill="hold">
-                                          <p:stCondLst>
-                                            <p:cond delay="0"/>
-                                          </p:stCondLst>
-                                        </p:cTn>
-                                        <p:tgtEl>
-                                          <p:spTgt spid="3">
-                                            <p:txEl>
-                                              <p:pRg st="6" end="6"/>
-                                            </p:txEl>
-                                          </p:spTgt>
-                                        </p:tgtEl>
-                                        <p:attrNameLst>
-                                          <p:attrName>style.visibility</p:attrName>
-                                        </p:attrNameLst>
-                                      </p:cBhvr>
-                                      <p:to>
-                                        <p:strVal val="visible"/>
-                                      </p:to>
-                                    </p:set>
-                                  </p:childTnLst>
-                                </p:cTn>
-                              </p:par>
-                            </p:childTnLst>
-                          </p:cTn>
-                        </p:par>
-                      </p:childTnLst>
-                    </p:cTn>
-                  </p:par>
-                  <p:par>
-                    <p:cTn id="31" fill="hold">
-                      <p:stCondLst>
-                        <p:cond delay="indefinite"/>
-                      </p:stCondLst>
-                      <p:childTnLst>
-                        <p:par>
-                          <p:cTn id="32" fill="hold">
-                            <p:stCondLst>
-                              <p:cond delay="0"/>
-                            </p:stCondLst>
-                            <p:childTnLst>
-                              <p:par>
-                                <p:cTn id="33" presetID="1" presetClass="entr" presetSubtype="0" fill="hold" nodeType="clickEffect">
-                                  <p:stCondLst>
-                                    <p:cond delay="0"/>
-                                  </p:stCondLst>
-                                  <p:childTnLst>
-                                    <p:set>
-                                      <p:cBhvr>
-                                        <p:cTn id="34" dur="1" fill="hold">
-                                          <p:stCondLst>
-                                            <p:cond delay="0"/>
-                                          </p:stCondLst>
-                                        </p:cTn>
-                                        <p:tgtEl>
-                                          <p:spTgt spid="3">
-                                            <p:txEl>
-                                              <p:pRg st="7" end="7"/>
-                                            </p:txEl>
-                                          </p:spTgt>
-                                        </p:tgtEl>
-                                        <p:attrNameLst>
-                                          <p:attrName>style.visibility</p:attrName>
-                                        </p:attrNameLst>
-                                      </p:cBhvr>
-                                      <p:to>
-                                        <p:strVal val="visible"/>
-                                      </p:to>
-                                    </p:set>
-                                  </p:childTnLst>
-                                </p:cTn>
-                              </p:par>
-                            </p:childTnLst>
-                          </p:cTn>
-                        </p:par>
-                      </p:childTnLst>
-                    </p:cTn>
-                  </p:par>
-                  <p:par>
-                    <p:cTn id="35" fill="hold">
-                      <p:stCondLst>
-                        <p:cond delay="indefinite"/>
-                      </p:stCondLst>
-                      <p:childTnLst>
-                        <p:par>
-                          <p:cTn id="36" fill="hold">
-                            <p:stCondLst>
-                              <p:cond delay="0"/>
-                            </p:stCondLst>
-                            <p:childTnLst>
-                              <p:par>
-                                <p:cTn id="37" presetID="1" presetClass="entr" presetSubtype="0" fill="hold" nodeType="clickEffect">
-                                  <p:stCondLst>
-                                    <p:cond delay="0"/>
-                                  </p:stCondLst>
-                                  <p:childTnLst>
-                                    <p:set>
-                                      <p:cBhvr>
-                                        <p:cTn id="38" dur="1" fill="hold">
+                                        <p:cTn id="28" dur="1" fill="hold">
                                           <p:stCondLst>
                                             <p:cond delay="0"/>
                                           </p:stCondLst>
@@ -19191,11 +20333,14 @@
         </p:cTn>
       </p:par>
     </p:tnLst>
+    <p:bldLst>
+      <p:bldP spid="4" grpId="0"/>
+    </p:bldLst>
   </p:timing>
 </p:sld>
 </file>
 
-<file path=ppt/slides/slide26.xml><?xml version="1.0" encoding="utf-8"?>
+<file path=ppt/slides/slide29.xml><?xml version="1.0" encoding="utf-8"?>
 <p:sld xmlns:a="http://schemas.openxmlformats.org/drawingml/2006/main" xmlns:r="http://schemas.openxmlformats.org/officeDocument/2006/relationships" xmlns:p="http://schemas.openxmlformats.org/presentationml/2006/main">
   <p:cSld>
     <p:spTree>
@@ -19562,7 +20707,542 @@
 </p:sld>
 </file>
 
-<file path=ppt/slides/slide27.xml><?xml version="1.0" encoding="utf-8"?>
+<file path=ppt/slides/slide3.xml><?xml version="1.0" encoding="utf-8"?>
+<p:sld xmlns:a="http://schemas.openxmlformats.org/drawingml/2006/main" xmlns:r="http://schemas.openxmlformats.org/officeDocument/2006/relationships" xmlns:p="http://schemas.openxmlformats.org/presentationml/2006/main">
+  <p:cSld>
+    <p:spTree>
+      <p:nvGrpSpPr>
+        <p:cNvPr id="1" name=""/>
+        <p:cNvGrpSpPr/>
+        <p:nvPr/>
+      </p:nvGrpSpPr>
+      <p:grpSpPr>
+        <a:xfrm>
+          <a:off x="0" y="0"/>
+          <a:ext cx="0" cy="0"/>
+          <a:chOff x="0" y="0"/>
+          <a:chExt cx="0" cy="0"/>
+        </a:xfrm>
+      </p:grpSpPr>
+      <p:sp>
+        <p:nvSpPr>
+          <p:cNvPr id="21505" name="Title 1">
+            <a:extLst>
+              <a:ext uri="{FF2B5EF4-FFF2-40B4-BE49-F238E27FC236}">
+                <a16:creationId xmlns:a16="http://schemas.microsoft.com/office/drawing/2014/main" id="{BCBA125C-ACA7-FB47-96FC-9420F821AD81}"/>
+              </a:ext>
+            </a:extLst>
+          </p:cNvPr>
+          <p:cNvSpPr>
+            <a:spLocks noGrp="1" noChangeArrowheads="1"/>
+          </p:cNvSpPr>
+          <p:nvPr>
+            <p:ph type="title"/>
+          </p:nvPr>
+        </p:nvSpPr>
+        <p:spPr>
+          <a:xfrm>
+            <a:off x="235543" y="179462"/>
+            <a:ext cx="7886700" cy="622693"/>
+          </a:xfrm>
+        </p:spPr>
+        <p:txBody>
+          <a:bodyPr/>
+          <a:lstStyle/>
+          <a:p>
+            <a:pPr eaLnBrk="1" hangingPunct="1"/>
+            <a:r>
+              <a:rPr lang="en-US" altLang="en-US" dirty="0">
+                <a:ea typeface="ＭＳ Ｐゴシック" panose="020B0600070205080204" pitchFamily="34" charset="-128"/>
+              </a:rPr>
+              <a:t>Base 10 </a:t>
+            </a:r>
+            <a:r>
+              <a:rPr lang="en-US" altLang="zh-CN" dirty="0">
+                <a:ea typeface="宋体" panose="02010600030101010101" pitchFamily="2" charset="-122"/>
+              </a:rPr>
+              <a:t>(Decimal numbers)</a:t>
+            </a:r>
+            <a:endParaRPr lang="en-US" altLang="en-US" dirty="0">
+              <a:ea typeface="ＭＳ Ｐゴシック" panose="020B0600070205080204" pitchFamily="34" charset="-128"/>
+            </a:endParaRPr>
+          </a:p>
+        </p:txBody>
+      </p:sp>
+      <p:sp>
+        <p:nvSpPr>
+          <p:cNvPr id="3" name="Content Placeholder 2">
+            <a:extLst>
+              <a:ext uri="{FF2B5EF4-FFF2-40B4-BE49-F238E27FC236}">
+                <a16:creationId xmlns:a16="http://schemas.microsoft.com/office/drawing/2014/main" id="{44A58473-3189-0C44-8A5E-E353CDFB3E5C}"/>
+              </a:ext>
+            </a:extLst>
+          </p:cNvPr>
+          <p:cNvSpPr>
+            <a:spLocks noGrp="1" noChangeArrowheads="1"/>
+          </p:cNvSpPr>
+          <p:nvPr>
+            <p:ph idx="1"/>
+          </p:nvPr>
+        </p:nvSpPr>
+        <p:spPr>
+          <a:xfrm>
+            <a:off x="235543" y="931492"/>
+            <a:ext cx="8763178" cy="4604046"/>
+          </a:xfrm>
+        </p:spPr>
+        <p:txBody>
+          <a:bodyPr>
+            <a:normAutofit/>
+          </a:bodyPr>
+          <a:lstStyle/>
+          <a:p>
+            <a:pPr marL="0" indent="0">
+              <a:buNone/>
+            </a:pPr>
+            <a:r>
+              <a:rPr lang="en-US" altLang="en-US" dirty="0">
+                <a:solidFill>
+                  <a:srgbClr val="000000"/>
+                </a:solidFill>
+                <a:ea typeface="ＭＳ Ｐゴシック" panose="020B0600070205080204" pitchFamily="34" charset="-128"/>
+              </a:rPr>
+              <a:t>Computers store all information in the form of binary numbers. To understand binary numbers, let's first look at a more familiar system: decimal numbers.</a:t>
+            </a:r>
+          </a:p>
+          <a:p>
+            <a:pPr marL="0" indent="0">
+              <a:buNone/>
+            </a:pPr>
+            <a:endParaRPr lang="en-US" altLang="en-US" dirty="0">
+              <a:solidFill>
+                <a:srgbClr val="000000"/>
+              </a:solidFill>
+              <a:ea typeface="ＭＳ Ｐゴシック" panose="020B0600070205080204" pitchFamily="34" charset="-128"/>
+            </a:endParaRPr>
+          </a:p>
+          <a:p>
+            <a:pPr marL="0" indent="0">
+              <a:buNone/>
+            </a:pPr>
+            <a:r>
+              <a:rPr lang="en-US" altLang="en-US" dirty="0">
+                <a:solidFill>
+                  <a:srgbClr val="000000"/>
+                </a:solidFill>
+                <a:ea typeface="ＭＳ Ｐゴシック" panose="020B0600070205080204" pitchFamily="34" charset="-128"/>
+              </a:rPr>
+              <a:t>Decimal numbers is base 10. It uses 10 digits </a:t>
+            </a:r>
+            <a:r>
+              <a:rPr lang="en-US" altLang="zh-CN" dirty="0">
+                <a:ea typeface="宋体" panose="02010600030101010101" pitchFamily="2" charset="-122"/>
+              </a:rPr>
+              <a:t>{0,1,2,3…,9}.  </a:t>
+            </a:r>
+            <a:r>
+              <a:rPr lang="en-US" altLang="en-US" dirty="0">
+                <a:solidFill>
+                  <a:srgbClr val="000000"/>
+                </a:solidFill>
+                <a:ea typeface="ＭＳ Ｐゴシック" panose="020B0600070205080204" pitchFamily="34" charset="-128"/>
+              </a:rPr>
+              <a:t>Why do we prefer base 10? There are many reasons but one simple reason is simply because we </a:t>
+            </a:r>
+            <a:r>
+              <a:rPr lang="en-US" altLang="zh-CN" dirty="0">
+                <a:ea typeface="宋体" panose="02010600030101010101" pitchFamily="2" charset="-122"/>
+              </a:rPr>
+              <a:t>have ten fingers.</a:t>
+            </a:r>
+          </a:p>
+          <a:p>
+            <a:pPr marL="0" indent="0">
+              <a:buNone/>
+            </a:pPr>
+            <a:endParaRPr lang="en-US" altLang="zh-CN" dirty="0">
+              <a:ea typeface="宋体" panose="02010600030101010101" pitchFamily="2" charset="-122"/>
+            </a:endParaRPr>
+          </a:p>
+          <a:p>
+            <a:pPr marL="0" indent="0">
+              <a:buNone/>
+            </a:pPr>
+            <a:r>
+              <a:rPr lang="en-US" altLang="zh-CN" dirty="0">
+                <a:ea typeface="宋体" panose="02010600030101010101" pitchFamily="2" charset="-122"/>
+              </a:rPr>
+              <a:t>Base 10 (Decimal) uses 10 digits: {0,1,2,3…,9}.</a:t>
+            </a:r>
+          </a:p>
+          <a:p>
+            <a:pPr marL="0" indent="0">
+              <a:buNone/>
+            </a:pPr>
+            <a:r>
+              <a:rPr lang="en-US" altLang="zh-CN" dirty="0">
+                <a:ea typeface="宋体" panose="02010600030101010101" pitchFamily="2" charset="-122"/>
+              </a:rPr>
+              <a:t>Base 2 (Binary) uses 2 digits: {0,1}.</a:t>
+            </a:r>
+          </a:p>
+          <a:p>
+            <a:pPr marL="0" indent="0">
+              <a:buNone/>
+            </a:pPr>
+            <a:r>
+              <a:rPr lang="en-US" altLang="zh-CN" dirty="0">
+                <a:ea typeface="宋体" panose="02010600030101010101" pitchFamily="2" charset="-122"/>
+              </a:rPr>
+              <a:t>Base 8 (Octal) uses 8 digits: {0,1,2,3,4,5,6,7}</a:t>
+            </a:r>
+          </a:p>
+          <a:p>
+            <a:pPr marL="0" indent="0">
+              <a:buNone/>
+            </a:pPr>
+            <a:r>
+              <a:rPr lang="en-US" altLang="zh-CN" dirty="0">
+                <a:ea typeface="宋体" panose="02010600030101010101" pitchFamily="2" charset="-122"/>
+              </a:rPr>
+              <a:t>Base 16 (Hexadecimal) uses 16 digits: {0,1,2,3,4…,9,A,B,C,D,E,F}</a:t>
+            </a:r>
+          </a:p>
+          <a:p>
+            <a:pPr marL="0" indent="0">
+              <a:buNone/>
+            </a:pPr>
+            <a:endParaRPr lang="en-US" altLang="zh-CN" dirty="0">
+              <a:ea typeface="宋体" panose="02010600030101010101" pitchFamily="2" charset="-122"/>
+            </a:endParaRPr>
+          </a:p>
+          <a:p>
+            <a:pPr marL="0" indent="0"/>
+            <a:endParaRPr lang="en-US" altLang="en-US" dirty="0">
+              <a:ea typeface="ＭＳ Ｐゴシック" panose="020B0600070205080204" pitchFamily="34" charset="-128"/>
+            </a:endParaRPr>
+          </a:p>
+          <a:p>
+            <a:pPr marL="0" indent="0">
+              <a:buNone/>
+            </a:pPr>
+            <a:endParaRPr lang="en-US" altLang="en-US" dirty="0">
+              <a:ea typeface="ＭＳ Ｐゴシック" panose="020B0600070205080204" pitchFamily="34" charset="-128"/>
+            </a:endParaRPr>
+          </a:p>
+          <a:p>
+            <a:pPr marL="0" indent="0">
+              <a:buNone/>
+            </a:pPr>
+            <a:endParaRPr lang="en-US" altLang="en-US" dirty="0">
+              <a:latin typeface="Tahoma" panose="020B0604030504040204" pitchFamily="34" charset="0"/>
+              <a:ea typeface="ＭＳ Ｐゴシック" panose="020B0600070205080204" pitchFamily="34" charset="-128"/>
+            </a:endParaRPr>
+          </a:p>
+        </p:txBody>
+      </p:sp>
+    </p:spTree>
+    <p:extLst>
+      <p:ext uri="{BB962C8B-B14F-4D97-AF65-F5344CB8AC3E}">
+        <p14:creationId xmlns:p14="http://schemas.microsoft.com/office/powerpoint/2010/main" val="833801237"/>
+      </p:ext>
+    </p:extLst>
+  </p:cSld>
+  <p:clrMapOvr>
+    <a:masterClrMapping/>
+  </p:clrMapOvr>
+  <p:timing>
+    <p:tnLst>
+      <p:par>
+        <p:cTn id="1" dur="indefinite" restart="never" nodeType="tmRoot">
+          <p:childTnLst>
+            <p:seq concurrent="1" nextAc="seek">
+              <p:cTn id="2" dur="indefinite" nodeType="mainSeq">
+                <p:childTnLst>
+                  <p:par>
+                    <p:cTn id="3" fill="hold">
+                      <p:stCondLst>
+                        <p:cond delay="indefinite"/>
+                      </p:stCondLst>
+                      <p:childTnLst>
+                        <p:par>
+                          <p:cTn id="4" fill="hold">
+                            <p:stCondLst>
+                              <p:cond delay="0"/>
+                            </p:stCondLst>
+                            <p:childTnLst>
+                              <p:par>
+                                <p:cTn id="5" presetID="1" presetClass="entr" presetSubtype="0" fill="hold" nodeType="clickEffect">
+                                  <p:stCondLst>
+                                    <p:cond delay="0"/>
+                                  </p:stCondLst>
+                                  <p:childTnLst>
+                                    <p:set>
+                                      <p:cBhvr>
+                                        <p:cTn id="6" dur="1" fill="hold">
+                                          <p:stCondLst>
+                                            <p:cond delay="0"/>
+                                          </p:stCondLst>
+                                        </p:cTn>
+                                        <p:tgtEl>
+                                          <p:spTgt spid="3">
+                                            <p:txEl>
+                                              <p:pRg st="2" end="2"/>
+                                            </p:txEl>
+                                          </p:spTgt>
+                                        </p:tgtEl>
+                                        <p:attrNameLst>
+                                          <p:attrName>style.visibility</p:attrName>
+                                        </p:attrNameLst>
+                                      </p:cBhvr>
+                                      <p:to>
+                                        <p:strVal val="visible"/>
+                                      </p:to>
+                                    </p:set>
+                                  </p:childTnLst>
+                                </p:cTn>
+                              </p:par>
+                            </p:childTnLst>
+                          </p:cTn>
+                        </p:par>
+                      </p:childTnLst>
+                    </p:cTn>
+                  </p:par>
+                  <p:par>
+                    <p:cTn id="7" fill="hold">
+                      <p:stCondLst>
+                        <p:cond delay="indefinite"/>
+                      </p:stCondLst>
+                      <p:childTnLst>
+                        <p:par>
+                          <p:cTn id="8" fill="hold">
+                            <p:stCondLst>
+                              <p:cond delay="0"/>
+                            </p:stCondLst>
+                            <p:childTnLst>
+                              <p:par>
+                                <p:cTn id="9" presetID="1" presetClass="entr" presetSubtype="0" fill="hold" nodeType="clickEffect">
+                                  <p:stCondLst>
+                                    <p:cond delay="0"/>
+                                  </p:stCondLst>
+                                  <p:childTnLst>
+                                    <p:set>
+                                      <p:cBhvr>
+                                        <p:cTn id="10" dur="1" fill="hold">
+                                          <p:stCondLst>
+                                            <p:cond delay="0"/>
+                                          </p:stCondLst>
+                                        </p:cTn>
+                                        <p:tgtEl>
+                                          <p:spTgt spid="3">
+                                            <p:txEl>
+                                              <p:pRg st="4" end="4"/>
+                                            </p:txEl>
+                                          </p:spTgt>
+                                        </p:tgtEl>
+                                        <p:attrNameLst>
+                                          <p:attrName>style.visibility</p:attrName>
+                                        </p:attrNameLst>
+                                      </p:cBhvr>
+                                      <p:to>
+                                        <p:strVal val="visible"/>
+                                      </p:to>
+                                    </p:set>
+                                  </p:childTnLst>
+                                </p:cTn>
+                              </p:par>
+                            </p:childTnLst>
+                          </p:cTn>
+                        </p:par>
+                      </p:childTnLst>
+                    </p:cTn>
+                  </p:par>
+                  <p:par>
+                    <p:cTn id="11" fill="hold">
+                      <p:stCondLst>
+                        <p:cond delay="indefinite"/>
+                      </p:stCondLst>
+                      <p:childTnLst>
+                        <p:par>
+                          <p:cTn id="12" fill="hold">
+                            <p:stCondLst>
+                              <p:cond delay="0"/>
+                            </p:stCondLst>
+                            <p:childTnLst>
+                              <p:par>
+                                <p:cTn id="13" presetID="1" presetClass="entr" presetSubtype="0" fill="hold" nodeType="clickEffect">
+                                  <p:stCondLst>
+                                    <p:cond delay="0"/>
+                                  </p:stCondLst>
+                                  <p:childTnLst>
+                                    <p:set>
+                                      <p:cBhvr>
+                                        <p:cTn id="14" dur="1" fill="hold">
+                                          <p:stCondLst>
+                                            <p:cond delay="0"/>
+                                          </p:stCondLst>
+                                        </p:cTn>
+                                        <p:tgtEl>
+                                          <p:spTgt spid="3">
+                                            <p:txEl>
+                                              <p:pRg st="5" end="5"/>
+                                            </p:txEl>
+                                          </p:spTgt>
+                                        </p:tgtEl>
+                                        <p:attrNameLst>
+                                          <p:attrName>style.visibility</p:attrName>
+                                        </p:attrNameLst>
+                                      </p:cBhvr>
+                                      <p:to>
+                                        <p:strVal val="visible"/>
+                                      </p:to>
+                                    </p:set>
+                                  </p:childTnLst>
+                                </p:cTn>
+                              </p:par>
+                            </p:childTnLst>
+                          </p:cTn>
+                        </p:par>
+                      </p:childTnLst>
+                    </p:cTn>
+                  </p:par>
+                  <p:par>
+                    <p:cTn id="15" fill="hold">
+                      <p:stCondLst>
+                        <p:cond delay="indefinite"/>
+                      </p:stCondLst>
+                      <p:childTnLst>
+                        <p:par>
+                          <p:cTn id="16" fill="hold">
+                            <p:stCondLst>
+                              <p:cond delay="0"/>
+                            </p:stCondLst>
+                            <p:childTnLst>
+                              <p:par>
+                                <p:cTn id="17" presetID="1" presetClass="entr" presetSubtype="0" fill="hold" nodeType="clickEffect">
+                                  <p:stCondLst>
+                                    <p:cond delay="0"/>
+                                  </p:stCondLst>
+                                  <p:childTnLst>
+                                    <p:set>
+                                      <p:cBhvr>
+                                        <p:cTn id="18" dur="1" fill="hold">
+                                          <p:stCondLst>
+                                            <p:cond delay="0"/>
+                                          </p:stCondLst>
+                                        </p:cTn>
+                                        <p:tgtEl>
+                                          <p:spTgt spid="3">
+                                            <p:txEl>
+                                              <p:pRg st="0" end="0"/>
+                                            </p:txEl>
+                                          </p:spTgt>
+                                        </p:tgtEl>
+                                        <p:attrNameLst>
+                                          <p:attrName>style.visibility</p:attrName>
+                                        </p:attrNameLst>
+                                      </p:cBhvr>
+                                      <p:to>
+                                        <p:strVal val="visible"/>
+                                      </p:to>
+                                    </p:set>
+                                  </p:childTnLst>
+                                </p:cTn>
+                              </p:par>
+                              <p:par>
+                                <p:cTn id="19" presetID="1" presetClass="entr" presetSubtype="0" fill="hold" nodeType="withEffect">
+                                  <p:stCondLst>
+                                    <p:cond delay="0"/>
+                                  </p:stCondLst>
+                                  <p:childTnLst>
+                                    <p:set>
+                                      <p:cBhvr>
+                                        <p:cTn id="20" dur="1" fill="hold">
+                                          <p:stCondLst>
+                                            <p:cond delay="0"/>
+                                          </p:stCondLst>
+                                        </p:cTn>
+                                        <p:tgtEl>
+                                          <p:spTgt spid="3">
+                                            <p:txEl>
+                                              <p:pRg st="6" end="6"/>
+                                            </p:txEl>
+                                          </p:spTgt>
+                                        </p:tgtEl>
+                                        <p:attrNameLst>
+                                          <p:attrName>style.visibility</p:attrName>
+                                        </p:attrNameLst>
+                                      </p:cBhvr>
+                                      <p:to>
+                                        <p:strVal val="visible"/>
+                                      </p:to>
+                                    </p:set>
+                                  </p:childTnLst>
+                                </p:cTn>
+                              </p:par>
+                              <p:par>
+                                <p:cTn id="21" presetID="1" presetClass="entr" presetSubtype="0" fill="hold" nodeType="withEffect">
+                                  <p:stCondLst>
+                                    <p:cond delay="0"/>
+                                  </p:stCondLst>
+                                  <p:childTnLst>
+                                    <p:set>
+                                      <p:cBhvr>
+                                        <p:cTn id="22" dur="1" fill="hold">
+                                          <p:stCondLst>
+                                            <p:cond delay="0"/>
+                                          </p:stCondLst>
+                                        </p:cTn>
+                                        <p:tgtEl>
+                                          <p:spTgt spid="3">
+                                            <p:txEl>
+                                              <p:pRg st="7" end="7"/>
+                                            </p:txEl>
+                                          </p:spTgt>
+                                        </p:tgtEl>
+                                        <p:attrNameLst>
+                                          <p:attrName>style.visibility</p:attrName>
+                                        </p:attrNameLst>
+                                      </p:cBhvr>
+                                      <p:to>
+                                        <p:strVal val="visible"/>
+                                      </p:to>
+                                    </p:set>
+                                  </p:childTnLst>
+                                </p:cTn>
+                              </p:par>
+                            </p:childTnLst>
+                          </p:cTn>
+                        </p:par>
+                      </p:childTnLst>
+                    </p:cTn>
+                  </p:par>
+                </p:childTnLst>
+              </p:cTn>
+              <p:prevCondLst>
+                <p:cond evt="onPrev" delay="0">
+                  <p:tgtEl>
+                    <p:sldTgt/>
+                  </p:tgtEl>
+                </p:cond>
+              </p:prevCondLst>
+              <p:nextCondLst>
+                <p:cond evt="onNext" delay="0">
+                  <p:tgtEl>
+                    <p:sldTgt/>
+                  </p:tgtEl>
+                </p:cond>
+              </p:nextCondLst>
+            </p:seq>
+          </p:childTnLst>
+        </p:cTn>
+      </p:par>
+    </p:tnLst>
+  </p:timing>
+</p:sld>
+</file>
+
+<file path=ppt/slides/slide30.xml><?xml version="1.0" encoding="utf-8"?>
 <p:sld xmlns:a="http://schemas.openxmlformats.org/drawingml/2006/main" xmlns:r="http://schemas.openxmlformats.org/officeDocument/2006/relationships" xmlns:p="http://schemas.openxmlformats.org/presentationml/2006/main">
   <p:cSld>
     <p:spTree>
@@ -20190,541 +21870,6 @@
                                         </p:cTn>
                                         <p:tgtEl>
                                           <p:spTgt spid="47107"/>
-                                        </p:tgtEl>
-                                        <p:attrNameLst>
-                                          <p:attrName>style.visibility</p:attrName>
-                                        </p:attrNameLst>
-                                      </p:cBhvr>
-                                      <p:to>
-                                        <p:strVal val="visible"/>
-                                      </p:to>
-                                    </p:set>
-                                  </p:childTnLst>
-                                </p:cTn>
-                              </p:par>
-                            </p:childTnLst>
-                          </p:cTn>
-                        </p:par>
-                      </p:childTnLst>
-                    </p:cTn>
-                  </p:par>
-                </p:childTnLst>
-              </p:cTn>
-              <p:prevCondLst>
-                <p:cond evt="onPrev" delay="0">
-                  <p:tgtEl>
-                    <p:sldTgt/>
-                  </p:tgtEl>
-                </p:cond>
-              </p:prevCondLst>
-              <p:nextCondLst>
-                <p:cond evt="onNext" delay="0">
-                  <p:tgtEl>
-                    <p:sldTgt/>
-                  </p:tgtEl>
-                </p:cond>
-              </p:nextCondLst>
-            </p:seq>
-          </p:childTnLst>
-        </p:cTn>
-      </p:par>
-    </p:tnLst>
-  </p:timing>
-</p:sld>
-</file>
-
-<file path=ppt/slides/slide3.xml><?xml version="1.0" encoding="utf-8"?>
-<p:sld xmlns:a="http://schemas.openxmlformats.org/drawingml/2006/main" xmlns:r="http://schemas.openxmlformats.org/officeDocument/2006/relationships" xmlns:p="http://schemas.openxmlformats.org/presentationml/2006/main">
-  <p:cSld>
-    <p:spTree>
-      <p:nvGrpSpPr>
-        <p:cNvPr id="1" name=""/>
-        <p:cNvGrpSpPr/>
-        <p:nvPr/>
-      </p:nvGrpSpPr>
-      <p:grpSpPr>
-        <a:xfrm>
-          <a:off x="0" y="0"/>
-          <a:ext cx="0" cy="0"/>
-          <a:chOff x="0" y="0"/>
-          <a:chExt cx="0" cy="0"/>
-        </a:xfrm>
-      </p:grpSpPr>
-      <p:sp>
-        <p:nvSpPr>
-          <p:cNvPr id="21505" name="Title 1">
-            <a:extLst>
-              <a:ext uri="{FF2B5EF4-FFF2-40B4-BE49-F238E27FC236}">
-                <a16:creationId xmlns:a16="http://schemas.microsoft.com/office/drawing/2014/main" id="{BCBA125C-ACA7-FB47-96FC-9420F821AD81}"/>
-              </a:ext>
-            </a:extLst>
-          </p:cNvPr>
-          <p:cNvSpPr>
-            <a:spLocks noGrp="1" noChangeArrowheads="1"/>
-          </p:cNvSpPr>
-          <p:nvPr>
-            <p:ph type="title"/>
-          </p:nvPr>
-        </p:nvSpPr>
-        <p:spPr>
-          <a:xfrm>
-            <a:off x="235543" y="179462"/>
-            <a:ext cx="7886700" cy="622693"/>
-          </a:xfrm>
-        </p:spPr>
-        <p:txBody>
-          <a:bodyPr/>
-          <a:lstStyle/>
-          <a:p>
-            <a:pPr eaLnBrk="1" hangingPunct="1"/>
-            <a:r>
-              <a:rPr lang="en-US" altLang="en-US" dirty="0">
-                <a:ea typeface="ＭＳ Ｐゴシック" panose="020B0600070205080204" pitchFamily="34" charset="-128"/>
-              </a:rPr>
-              <a:t>Base 10 </a:t>
-            </a:r>
-            <a:r>
-              <a:rPr lang="en-US" altLang="zh-CN" dirty="0">
-                <a:ea typeface="宋体" panose="02010600030101010101" pitchFamily="2" charset="-122"/>
-              </a:rPr>
-              <a:t>(Decimal numbers)</a:t>
-            </a:r>
-            <a:endParaRPr lang="en-US" altLang="en-US" dirty="0">
-              <a:ea typeface="ＭＳ Ｐゴシック" panose="020B0600070205080204" pitchFamily="34" charset="-128"/>
-            </a:endParaRPr>
-          </a:p>
-        </p:txBody>
-      </p:sp>
-      <p:sp>
-        <p:nvSpPr>
-          <p:cNvPr id="3" name="Content Placeholder 2">
-            <a:extLst>
-              <a:ext uri="{FF2B5EF4-FFF2-40B4-BE49-F238E27FC236}">
-                <a16:creationId xmlns:a16="http://schemas.microsoft.com/office/drawing/2014/main" id="{44A58473-3189-0C44-8A5E-E353CDFB3E5C}"/>
-              </a:ext>
-            </a:extLst>
-          </p:cNvPr>
-          <p:cNvSpPr>
-            <a:spLocks noGrp="1" noChangeArrowheads="1"/>
-          </p:cNvSpPr>
-          <p:nvPr>
-            <p:ph idx="1"/>
-          </p:nvPr>
-        </p:nvSpPr>
-        <p:spPr>
-          <a:xfrm>
-            <a:off x="235543" y="931492"/>
-            <a:ext cx="8763178" cy="4604046"/>
-          </a:xfrm>
-        </p:spPr>
-        <p:txBody>
-          <a:bodyPr>
-            <a:normAutofit/>
-          </a:bodyPr>
-          <a:lstStyle/>
-          <a:p>
-            <a:pPr marL="0" indent="0">
-              <a:buNone/>
-            </a:pPr>
-            <a:r>
-              <a:rPr lang="en-US" altLang="en-US" dirty="0">
-                <a:solidFill>
-                  <a:srgbClr val="000000"/>
-                </a:solidFill>
-                <a:ea typeface="ＭＳ Ｐゴシック" panose="020B0600070205080204" pitchFamily="34" charset="-128"/>
-              </a:rPr>
-              <a:t>Computers store all information in the form of binary numbers. To understand binary numbers, let's first look at a more familiar system: decimal numbers.</a:t>
-            </a:r>
-          </a:p>
-          <a:p>
-            <a:pPr marL="0" indent="0">
-              <a:buNone/>
-            </a:pPr>
-            <a:endParaRPr lang="en-US" altLang="en-US" dirty="0">
-              <a:solidFill>
-                <a:srgbClr val="000000"/>
-              </a:solidFill>
-              <a:ea typeface="ＭＳ Ｐゴシック" panose="020B0600070205080204" pitchFamily="34" charset="-128"/>
-            </a:endParaRPr>
-          </a:p>
-          <a:p>
-            <a:pPr marL="0" indent="0">
-              <a:buNone/>
-            </a:pPr>
-            <a:r>
-              <a:rPr lang="en-US" altLang="en-US" dirty="0">
-                <a:solidFill>
-                  <a:srgbClr val="000000"/>
-                </a:solidFill>
-                <a:ea typeface="ＭＳ Ｐゴシック" panose="020B0600070205080204" pitchFamily="34" charset="-128"/>
-              </a:rPr>
-              <a:t>Decimal numbers is base 10. It uses 10 digits </a:t>
-            </a:r>
-            <a:r>
-              <a:rPr lang="en-US" altLang="zh-CN" dirty="0">
-                <a:ea typeface="宋体" panose="02010600030101010101" pitchFamily="2" charset="-122"/>
-              </a:rPr>
-              <a:t>{0,1,2,3…,9}.  </a:t>
-            </a:r>
-            <a:r>
-              <a:rPr lang="en-US" altLang="en-US" dirty="0">
-                <a:solidFill>
-                  <a:srgbClr val="000000"/>
-                </a:solidFill>
-                <a:ea typeface="ＭＳ Ｐゴシック" panose="020B0600070205080204" pitchFamily="34" charset="-128"/>
-              </a:rPr>
-              <a:t>Why do we prefer base 10? There are many reasons but one simple reason is simply because we </a:t>
-            </a:r>
-            <a:r>
-              <a:rPr lang="en-US" altLang="zh-CN" dirty="0">
-                <a:ea typeface="宋体" panose="02010600030101010101" pitchFamily="2" charset="-122"/>
-              </a:rPr>
-              <a:t>have ten fingers.</a:t>
-            </a:r>
-          </a:p>
-          <a:p>
-            <a:pPr marL="0" indent="0">
-              <a:buNone/>
-            </a:pPr>
-            <a:endParaRPr lang="en-US" altLang="zh-CN" dirty="0">
-              <a:ea typeface="宋体" panose="02010600030101010101" pitchFamily="2" charset="-122"/>
-            </a:endParaRPr>
-          </a:p>
-          <a:p>
-            <a:pPr marL="0" indent="0">
-              <a:buNone/>
-            </a:pPr>
-            <a:r>
-              <a:rPr lang="en-US" altLang="zh-CN" dirty="0">
-                <a:ea typeface="宋体" panose="02010600030101010101" pitchFamily="2" charset="-122"/>
-              </a:rPr>
-              <a:t>Base 10 (Decimal) uses 10 digits: {0,1,2,3…,9}.</a:t>
-            </a:r>
-          </a:p>
-          <a:p>
-            <a:pPr marL="0" indent="0">
-              <a:buNone/>
-            </a:pPr>
-            <a:r>
-              <a:rPr lang="en-US" altLang="zh-CN" dirty="0">
-                <a:ea typeface="宋体" panose="02010600030101010101" pitchFamily="2" charset="-122"/>
-              </a:rPr>
-              <a:t>Base 2 (Binary) uses 2 digits: {0,1}.</a:t>
-            </a:r>
-          </a:p>
-          <a:p>
-            <a:pPr marL="0" indent="0">
-              <a:buNone/>
-            </a:pPr>
-            <a:r>
-              <a:rPr lang="en-US" altLang="zh-CN" dirty="0">
-                <a:ea typeface="宋体" panose="02010600030101010101" pitchFamily="2" charset="-122"/>
-              </a:rPr>
-              <a:t>Base 8 (Octal) uses 8 digits: {0,1,2,3,4,5,6,7}</a:t>
-            </a:r>
-          </a:p>
-          <a:p>
-            <a:pPr marL="0" indent="0">
-              <a:buNone/>
-            </a:pPr>
-            <a:r>
-              <a:rPr lang="en-US" altLang="zh-CN" dirty="0">
-                <a:ea typeface="宋体" panose="02010600030101010101" pitchFamily="2" charset="-122"/>
-              </a:rPr>
-              <a:t>Base 16 (Hexadecimal) uses 16 digits: {0,1,2,3,4…,9,A,B,C,D,E,F}</a:t>
-            </a:r>
-          </a:p>
-          <a:p>
-            <a:pPr marL="0" indent="0">
-              <a:buNone/>
-            </a:pPr>
-            <a:endParaRPr lang="en-US" altLang="zh-CN" dirty="0">
-              <a:ea typeface="宋体" panose="02010600030101010101" pitchFamily="2" charset="-122"/>
-            </a:endParaRPr>
-          </a:p>
-          <a:p>
-            <a:pPr marL="0" indent="0"/>
-            <a:endParaRPr lang="en-US" altLang="en-US" dirty="0">
-              <a:ea typeface="ＭＳ Ｐゴシック" panose="020B0600070205080204" pitchFamily="34" charset="-128"/>
-            </a:endParaRPr>
-          </a:p>
-          <a:p>
-            <a:pPr marL="0" indent="0">
-              <a:buNone/>
-            </a:pPr>
-            <a:endParaRPr lang="en-US" altLang="en-US" dirty="0">
-              <a:ea typeface="ＭＳ Ｐゴシック" panose="020B0600070205080204" pitchFamily="34" charset="-128"/>
-            </a:endParaRPr>
-          </a:p>
-          <a:p>
-            <a:pPr marL="0" indent="0">
-              <a:buNone/>
-            </a:pPr>
-            <a:endParaRPr lang="en-US" altLang="en-US" dirty="0">
-              <a:latin typeface="Tahoma" panose="020B0604030504040204" pitchFamily="34" charset="0"/>
-              <a:ea typeface="ＭＳ Ｐゴシック" panose="020B0600070205080204" pitchFamily="34" charset="-128"/>
-            </a:endParaRPr>
-          </a:p>
-        </p:txBody>
-      </p:sp>
-    </p:spTree>
-    <p:extLst>
-      <p:ext uri="{BB962C8B-B14F-4D97-AF65-F5344CB8AC3E}">
-        <p14:creationId xmlns:p14="http://schemas.microsoft.com/office/powerpoint/2010/main" val="833801237"/>
-      </p:ext>
-    </p:extLst>
-  </p:cSld>
-  <p:clrMapOvr>
-    <a:masterClrMapping/>
-  </p:clrMapOvr>
-  <p:timing>
-    <p:tnLst>
-      <p:par>
-        <p:cTn id="1" dur="indefinite" restart="never" nodeType="tmRoot">
-          <p:childTnLst>
-            <p:seq concurrent="1" nextAc="seek">
-              <p:cTn id="2" dur="indefinite" nodeType="mainSeq">
-                <p:childTnLst>
-                  <p:par>
-                    <p:cTn id="3" fill="hold">
-                      <p:stCondLst>
-                        <p:cond delay="indefinite"/>
-                      </p:stCondLst>
-                      <p:childTnLst>
-                        <p:par>
-                          <p:cTn id="4" fill="hold">
-                            <p:stCondLst>
-                              <p:cond delay="0"/>
-                            </p:stCondLst>
-                            <p:childTnLst>
-                              <p:par>
-                                <p:cTn id="5" presetID="1" presetClass="entr" presetSubtype="0" fill="hold" nodeType="clickEffect">
-                                  <p:stCondLst>
-                                    <p:cond delay="0"/>
-                                  </p:stCondLst>
-                                  <p:childTnLst>
-                                    <p:set>
-                                      <p:cBhvr>
-                                        <p:cTn id="6" dur="1" fill="hold">
-                                          <p:stCondLst>
-                                            <p:cond delay="0"/>
-                                          </p:stCondLst>
-                                        </p:cTn>
-                                        <p:tgtEl>
-                                          <p:spTgt spid="3">
-                                            <p:txEl>
-                                              <p:pRg st="2" end="2"/>
-                                            </p:txEl>
-                                          </p:spTgt>
-                                        </p:tgtEl>
-                                        <p:attrNameLst>
-                                          <p:attrName>style.visibility</p:attrName>
-                                        </p:attrNameLst>
-                                      </p:cBhvr>
-                                      <p:to>
-                                        <p:strVal val="visible"/>
-                                      </p:to>
-                                    </p:set>
-                                  </p:childTnLst>
-                                </p:cTn>
-                              </p:par>
-                            </p:childTnLst>
-                          </p:cTn>
-                        </p:par>
-                      </p:childTnLst>
-                    </p:cTn>
-                  </p:par>
-                  <p:par>
-                    <p:cTn id="7" fill="hold">
-                      <p:stCondLst>
-                        <p:cond delay="indefinite"/>
-                      </p:stCondLst>
-                      <p:childTnLst>
-                        <p:par>
-                          <p:cTn id="8" fill="hold">
-                            <p:stCondLst>
-                              <p:cond delay="0"/>
-                            </p:stCondLst>
-                            <p:childTnLst>
-                              <p:par>
-                                <p:cTn id="9" presetID="1" presetClass="entr" presetSubtype="0" fill="hold" nodeType="clickEffect">
-                                  <p:stCondLst>
-                                    <p:cond delay="0"/>
-                                  </p:stCondLst>
-                                  <p:childTnLst>
-                                    <p:set>
-                                      <p:cBhvr>
-                                        <p:cTn id="10" dur="1" fill="hold">
-                                          <p:stCondLst>
-                                            <p:cond delay="0"/>
-                                          </p:stCondLst>
-                                        </p:cTn>
-                                        <p:tgtEl>
-                                          <p:spTgt spid="3">
-                                            <p:txEl>
-                                              <p:pRg st="4" end="4"/>
-                                            </p:txEl>
-                                          </p:spTgt>
-                                        </p:tgtEl>
-                                        <p:attrNameLst>
-                                          <p:attrName>style.visibility</p:attrName>
-                                        </p:attrNameLst>
-                                      </p:cBhvr>
-                                      <p:to>
-                                        <p:strVal val="visible"/>
-                                      </p:to>
-                                    </p:set>
-                                  </p:childTnLst>
-                                </p:cTn>
-                              </p:par>
-                            </p:childTnLst>
-                          </p:cTn>
-                        </p:par>
-                      </p:childTnLst>
-                    </p:cTn>
-                  </p:par>
-                  <p:par>
-                    <p:cTn id="11" fill="hold">
-                      <p:stCondLst>
-                        <p:cond delay="indefinite"/>
-                      </p:stCondLst>
-                      <p:childTnLst>
-                        <p:par>
-                          <p:cTn id="12" fill="hold">
-                            <p:stCondLst>
-                              <p:cond delay="0"/>
-                            </p:stCondLst>
-                            <p:childTnLst>
-                              <p:par>
-                                <p:cTn id="13" presetID="1" presetClass="entr" presetSubtype="0" fill="hold" nodeType="clickEffect">
-                                  <p:stCondLst>
-                                    <p:cond delay="0"/>
-                                  </p:stCondLst>
-                                  <p:childTnLst>
-                                    <p:set>
-                                      <p:cBhvr>
-                                        <p:cTn id="14" dur="1" fill="hold">
-                                          <p:stCondLst>
-                                            <p:cond delay="0"/>
-                                          </p:stCondLst>
-                                        </p:cTn>
-                                        <p:tgtEl>
-                                          <p:spTgt spid="3">
-                                            <p:txEl>
-                                              <p:pRg st="5" end="5"/>
-                                            </p:txEl>
-                                          </p:spTgt>
-                                        </p:tgtEl>
-                                        <p:attrNameLst>
-                                          <p:attrName>style.visibility</p:attrName>
-                                        </p:attrNameLst>
-                                      </p:cBhvr>
-                                      <p:to>
-                                        <p:strVal val="visible"/>
-                                      </p:to>
-                                    </p:set>
-                                  </p:childTnLst>
-                                </p:cTn>
-                              </p:par>
-                            </p:childTnLst>
-                          </p:cTn>
-                        </p:par>
-                      </p:childTnLst>
-                    </p:cTn>
-                  </p:par>
-                  <p:par>
-                    <p:cTn id="15" fill="hold">
-                      <p:stCondLst>
-                        <p:cond delay="indefinite"/>
-                      </p:stCondLst>
-                      <p:childTnLst>
-                        <p:par>
-                          <p:cTn id="16" fill="hold">
-                            <p:stCondLst>
-                              <p:cond delay="0"/>
-                            </p:stCondLst>
-                            <p:childTnLst>
-                              <p:par>
-                                <p:cTn id="17" presetID="1" presetClass="entr" presetSubtype="0" fill="hold" nodeType="clickEffect">
-                                  <p:stCondLst>
-                                    <p:cond delay="0"/>
-                                  </p:stCondLst>
-                                  <p:childTnLst>
-                                    <p:set>
-                                      <p:cBhvr>
-                                        <p:cTn id="18" dur="1" fill="hold">
-                                          <p:stCondLst>
-                                            <p:cond delay="0"/>
-                                          </p:stCondLst>
-                                        </p:cTn>
-                                        <p:tgtEl>
-                                          <p:spTgt spid="3">
-                                            <p:txEl>
-                                              <p:pRg st="0" end="0"/>
-                                            </p:txEl>
-                                          </p:spTgt>
-                                        </p:tgtEl>
-                                        <p:attrNameLst>
-                                          <p:attrName>style.visibility</p:attrName>
-                                        </p:attrNameLst>
-                                      </p:cBhvr>
-                                      <p:to>
-                                        <p:strVal val="visible"/>
-                                      </p:to>
-                                    </p:set>
-                                  </p:childTnLst>
-                                </p:cTn>
-                              </p:par>
-                              <p:par>
-                                <p:cTn id="19" presetID="1" presetClass="entr" presetSubtype="0" fill="hold" nodeType="withEffect">
-                                  <p:stCondLst>
-                                    <p:cond delay="0"/>
-                                  </p:stCondLst>
-                                  <p:childTnLst>
-                                    <p:set>
-                                      <p:cBhvr>
-                                        <p:cTn id="20" dur="1" fill="hold">
-                                          <p:stCondLst>
-                                            <p:cond delay="0"/>
-                                          </p:stCondLst>
-                                        </p:cTn>
-                                        <p:tgtEl>
-                                          <p:spTgt spid="3">
-                                            <p:txEl>
-                                              <p:pRg st="6" end="6"/>
-                                            </p:txEl>
-                                          </p:spTgt>
-                                        </p:tgtEl>
-                                        <p:attrNameLst>
-                                          <p:attrName>style.visibility</p:attrName>
-                                        </p:attrNameLst>
-                                      </p:cBhvr>
-                                      <p:to>
-                                        <p:strVal val="visible"/>
-                                      </p:to>
-                                    </p:set>
-                                  </p:childTnLst>
-                                </p:cTn>
-                              </p:par>
-                              <p:par>
-                                <p:cTn id="21" presetID="1" presetClass="entr" presetSubtype="0" fill="hold" nodeType="withEffect">
-                                  <p:stCondLst>
-                                    <p:cond delay="0"/>
-                                  </p:stCondLst>
-                                  <p:childTnLst>
-                                    <p:set>
-                                      <p:cBhvr>
-                                        <p:cTn id="22" dur="1" fill="hold">
-                                          <p:stCondLst>
-                                            <p:cond delay="0"/>
-                                          </p:stCondLst>
-                                        </p:cTn>
-                                        <p:tgtEl>
-                                          <p:spTgt spid="3">
-                                            <p:txEl>
-                                              <p:pRg st="7" end="7"/>
-                                            </p:txEl>
-                                          </p:spTgt>
                                         </p:tgtEl>
                                         <p:attrNameLst>
                                           <p:attrName>style.visibility</p:attrName>

--- a/courses/apcsp/lect14a.pptx
+++ b/courses/apcsp/lect14a.pptx
@@ -147,13 +147,67 @@
 <file path=ppt/revisionInfo.xml><?xml version="1.0" encoding="utf-8"?>
 <p1510:revInfo xmlns:a="http://schemas.openxmlformats.org/drawingml/2006/main" xmlns:r="http://schemas.openxmlformats.org/officeDocument/2006/relationships" xmlns:p1510="http://schemas.microsoft.com/office/powerpoint/2015/10/main">
   <p1510:revLst>
-    <p1510:client id="{C6ABB480-C010-584A-AC18-3EA8C44B919D}" v="42" dt="2022-02-08T18:27:04.387"/>
+    <p1510:client id="{8FB70B1A-2045-594F-B9FC-1F74F57CD7C4}" v="2" dt="2023-02-06T15:42:55.871"/>
   </p1510:revLst>
 </p1510:revInfo>
 </file>
 
 <file path=ppt/changesInfos/changesInfo1.xml><?xml version="1.0" encoding="utf-8"?>
 <pc:chgInfo xmlns:a="http://schemas.openxmlformats.org/drawingml/2006/main" xmlns:r="http://schemas.openxmlformats.org/officeDocument/2006/relationships" xmlns:ac="http://schemas.microsoft.com/office/drawing/2013/main/command" xmlns:pc="http://schemas.microsoft.com/office/powerpoint/2013/main/command">
+  <pc:docChgLst>
+    <pc:chgData name="Long Nguyen" userId="f59fb8f3-a021-417a-8bc1-65c8d471c621" providerId="ADAL" clId="{8FB70B1A-2045-594F-B9FC-1F74F57CD7C4}"/>
+    <pc:docChg chg="modSld">
+      <pc:chgData name="Long Nguyen" userId="f59fb8f3-a021-417a-8bc1-65c8d471c621" providerId="ADAL" clId="{8FB70B1A-2045-594F-B9FC-1F74F57CD7C4}" dt="2023-02-06T16:50:11.068" v="63" actId="20577"/>
+      <pc:docMkLst>
+        <pc:docMk/>
+      </pc:docMkLst>
+      <pc:sldChg chg="modSp modAnim">
+        <pc:chgData name="Long Nguyen" userId="f59fb8f3-a021-417a-8bc1-65c8d471c621" providerId="ADAL" clId="{8FB70B1A-2045-594F-B9FC-1F74F57CD7C4}" dt="2023-02-06T15:42:55.871" v="1" actId="20577"/>
+        <pc:sldMkLst>
+          <pc:docMk/>
+          <pc:sldMk cId="3866550465" sldId="335"/>
+        </pc:sldMkLst>
+        <pc:spChg chg="mod">
+          <ac:chgData name="Long Nguyen" userId="f59fb8f3-a021-417a-8bc1-65c8d471c621" providerId="ADAL" clId="{8FB70B1A-2045-594F-B9FC-1F74F57CD7C4}" dt="2023-02-06T15:42:55.871" v="1" actId="20577"/>
+          <ac:spMkLst>
+            <pc:docMk/>
+            <pc:sldMk cId="3866550465" sldId="335"/>
+            <ac:spMk id="3" creationId="{4F1EC0A4-9C99-4C4C-8EB1-0CF10BF35EF6}"/>
+          </ac:spMkLst>
+        </pc:spChg>
+      </pc:sldChg>
+      <pc:sldChg chg="modSp modAnim">
+        <pc:chgData name="Long Nguyen" userId="f59fb8f3-a021-417a-8bc1-65c8d471c621" providerId="ADAL" clId="{8FB70B1A-2045-594F-B9FC-1F74F57CD7C4}" dt="2023-02-06T15:42:50.262" v="0" actId="20577"/>
+        <pc:sldMkLst>
+          <pc:docMk/>
+          <pc:sldMk cId="3749436800" sldId="336"/>
+        </pc:sldMkLst>
+        <pc:spChg chg="mod">
+          <ac:chgData name="Long Nguyen" userId="f59fb8f3-a021-417a-8bc1-65c8d471c621" providerId="ADAL" clId="{8FB70B1A-2045-594F-B9FC-1F74F57CD7C4}" dt="2023-02-06T15:42:50.262" v="0" actId="20577"/>
+          <ac:spMkLst>
+            <pc:docMk/>
+            <pc:sldMk cId="3749436800" sldId="336"/>
+            <ac:spMk id="3" creationId="{02BD6BC0-0DF6-1C41-B2F6-DF171A4BD0C7}"/>
+          </ac:spMkLst>
+        </pc:spChg>
+      </pc:sldChg>
+      <pc:sldChg chg="modSp mod">
+        <pc:chgData name="Long Nguyen" userId="f59fb8f3-a021-417a-8bc1-65c8d471c621" providerId="ADAL" clId="{8FB70B1A-2045-594F-B9FC-1F74F57CD7C4}" dt="2023-02-06T16:50:11.068" v="63" actId="20577"/>
+        <pc:sldMkLst>
+          <pc:docMk/>
+          <pc:sldMk cId="3668115397" sldId="643"/>
+        </pc:sldMkLst>
+        <pc:spChg chg="mod">
+          <ac:chgData name="Long Nguyen" userId="f59fb8f3-a021-417a-8bc1-65c8d471c621" providerId="ADAL" clId="{8FB70B1A-2045-594F-B9FC-1F74F57CD7C4}" dt="2023-02-06T16:50:11.068" v="63" actId="20577"/>
+          <ac:spMkLst>
+            <pc:docMk/>
+            <pc:sldMk cId="3668115397" sldId="643"/>
+            <ac:spMk id="3" creationId="{8EE44610-8AB0-B84C-9003-2B8BA850F328}"/>
+          </ac:spMkLst>
+        </pc:spChg>
+      </pc:sldChg>
+    </pc:docChg>
+  </pc:docChgLst>
   <pc:docChgLst>
     <pc:chgData name="Long Nguyen" userId="f59fb8f3-a021-417a-8bc1-65c8d471c621" providerId="ADAL" clId="{C6ABB480-C010-584A-AC18-3EA8C44B919D}"/>
     <pc:docChg chg="custSel addSld delSld modSld">
@@ -3392,7 +3446,7 @@
           <a:p>
             <a:fld id="{11759725-BFEE-644C-A872-B7D4268C5620}" type="datetimeFigureOut">
               <a:rPr lang="en-US" smtClean="0"/>
-              <a:t>2/8/22</a:t>
+              <a:t>2/6/23</a:t>
             </a:fld>
             <a:endParaRPr lang="en-US"/>
           </a:p>
@@ -4366,7 +4420,7 @@
           <a:p>
             <a:fld id="{4AAD347D-5ACD-4C99-B74B-A9C85AD731AF}" type="datetimeFigureOut">
               <a:rPr lang="en-US" smtClean="0"/>
-              <a:t>2/8/22</a:t>
+              <a:t>2/6/23</a:t>
             </a:fld>
             <a:endParaRPr lang="en-US" dirty="0"/>
           </a:p>
@@ -4536,7 +4590,7 @@
           <a:p>
             <a:fld id="{4509A250-FF31-4206-8172-F9D3106AACB1}" type="datetimeFigureOut">
               <a:rPr lang="en-US" smtClean="0"/>
-              <a:t>2/8/22</a:t>
+              <a:t>2/6/23</a:t>
             </a:fld>
             <a:endParaRPr lang="en-US" dirty="0"/>
           </a:p>
@@ -4716,7 +4770,7 @@
           <a:p>
             <a:fld id="{4509A250-FF31-4206-8172-F9D3106AACB1}" type="datetimeFigureOut">
               <a:rPr lang="en-US" smtClean="0"/>
-              <a:t>2/8/22</a:t>
+              <a:t>2/6/23</a:t>
             </a:fld>
             <a:endParaRPr lang="en-US" dirty="0"/>
           </a:p>
@@ -4886,7 +4940,7 @@
           <a:p>
             <a:fld id="{4509A250-FF31-4206-8172-F9D3106AACB1}" type="datetimeFigureOut">
               <a:rPr lang="en-US" smtClean="0"/>
-              <a:t>2/8/22</a:t>
+              <a:t>2/6/23</a:t>
             </a:fld>
             <a:endParaRPr lang="en-US" dirty="0"/>
           </a:p>
@@ -5132,7 +5186,7 @@
           <a:p>
             <a:fld id="{9796027F-7875-4030-9381-8BD8C4F21935}" type="datetimeFigureOut">
               <a:rPr lang="en-US" smtClean="0"/>
-              <a:t>2/8/22</a:t>
+              <a:t>2/6/23</a:t>
             </a:fld>
             <a:endParaRPr lang="en-US" dirty="0"/>
           </a:p>
@@ -5364,7 +5418,7 @@
           <a:p>
             <a:fld id="{9796027F-7875-4030-9381-8BD8C4F21935}" type="datetimeFigureOut">
               <a:rPr lang="en-US" smtClean="0"/>
-              <a:t>2/8/22</a:t>
+              <a:t>2/6/23</a:t>
             </a:fld>
             <a:endParaRPr lang="en-US" dirty="0"/>
           </a:p>
@@ -5731,7 +5785,7 @@
           <a:p>
             <a:fld id="{9796027F-7875-4030-9381-8BD8C4F21935}" type="datetimeFigureOut">
               <a:rPr lang="en-US" smtClean="0"/>
-              <a:t>2/8/22</a:t>
+              <a:t>2/6/23</a:t>
             </a:fld>
             <a:endParaRPr lang="en-US" dirty="0"/>
           </a:p>
@@ -5849,7 +5903,7 @@
           <a:p>
             <a:fld id="{4509A250-FF31-4206-8172-F9D3106AACB1}" type="datetimeFigureOut">
               <a:rPr lang="en-US" smtClean="0"/>
-              <a:t>2/8/22</a:t>
+              <a:t>2/6/23</a:t>
             </a:fld>
             <a:endParaRPr lang="en-US" dirty="0"/>
           </a:p>
@@ -5944,7 +5998,7 @@
           <a:p>
             <a:fld id="{4509A250-FF31-4206-8172-F9D3106AACB1}" type="datetimeFigureOut">
               <a:rPr lang="en-US" smtClean="0"/>
-              <a:t>2/8/22</a:t>
+              <a:t>2/6/23</a:t>
             </a:fld>
             <a:endParaRPr lang="en-US" dirty="0"/>
           </a:p>
@@ -6221,7 +6275,7 @@
           <a:p>
             <a:fld id="{4509A250-FF31-4206-8172-F9D3106AACB1}" type="datetimeFigureOut">
               <a:rPr lang="en-US" smtClean="0"/>
-              <a:t>2/8/22</a:t>
+              <a:t>2/6/23</a:t>
             </a:fld>
             <a:endParaRPr lang="en-US" dirty="0"/>
           </a:p>
@@ -6478,7 +6532,7 @@
           <a:p>
             <a:fld id="{4509A250-FF31-4206-8172-F9D3106AACB1}" type="datetimeFigureOut">
               <a:rPr lang="en-US" smtClean="0"/>
-              <a:t>2/8/22</a:t>
+              <a:t>2/6/23</a:t>
             </a:fld>
             <a:endParaRPr lang="en-US" dirty="0"/>
           </a:p>
@@ -6691,7 +6745,7 @@
           <a:p>
             <a:fld id="{4AAD347D-5ACD-4C99-B74B-A9C85AD731AF}" type="datetimeFigureOut">
               <a:rPr lang="en-US" smtClean="0"/>
-              <a:t>2/8/22</a:t>
+              <a:t>2/6/23</a:t>
             </a:fld>
             <a:endParaRPr lang="en-US" dirty="0"/>
           </a:p>
@@ -11663,7 +11717,7 @@
             </a:pPr>
             <a:r>
               <a:rPr lang="en-US" dirty="0"/>
-              <a:t>Some languages like Python, integers do not have limits on number size but, instead, expand to the limit of the available memory. </a:t>
+              <a:t>Some languages like Python, integers do not have limits on number size but, instead, expand to the limit of the available memory. Python floats are represented with 64 bits. </a:t>
             </a:r>
           </a:p>
           <a:p>
@@ -16537,26 +16591,6 @@
             <a:pPr marL="0" indent="0">
               <a:buNone/>
             </a:pPr>
-            <a:r>
-              <a:rPr lang="en-US" altLang="en-US" sz="2000" b="1" dirty="0">
-                <a:ea typeface="ＭＳ Ｐゴシック" panose="020B0600070205080204" pitchFamily="34" charset="-128"/>
-              </a:rPr>
-              <a:t>UTF-32(Unicode Transformation Format) </a:t>
-            </a:r>
-            <a:r>
-              <a:rPr lang="en-US" altLang="en-US" sz="2000" dirty="0">
-                <a:ea typeface="ＭＳ Ｐゴシック" panose="020B0600070205080204" pitchFamily="34" charset="-128"/>
-              </a:rPr>
-              <a:t>is such an encoding that encodes all Unicode code points using 32 bits. That is, four bytes per character. </a:t>
-            </a:r>
-            <a:endParaRPr lang="en-US" altLang="en-US" sz="1833" dirty="0">
-              <a:ea typeface="ＭＳ Ｐゴシック" panose="020B0600070205080204" pitchFamily="34" charset="-128"/>
-            </a:endParaRPr>
-          </a:p>
-          <a:p>
-            <a:pPr marL="0" indent="0">
-              <a:buNone/>
-            </a:pPr>
             <a:endParaRPr lang="en-US" altLang="en-US" sz="2000" dirty="0">
               <a:ea typeface="ＭＳ Ｐゴシック" panose="020B0600070205080204" pitchFamily="34" charset="-128"/>
             </a:endParaRPr>
@@ -16930,55 +16964,6 @@
                       </p:childTnLst>
                     </p:cTn>
                   </p:par>
-                  <p:par>
-                    <p:cTn id="15" fill="hold">
-                      <p:stCondLst>
-                        <p:cond delay="indefinite"/>
-                      </p:stCondLst>
-                      <p:childTnLst>
-                        <p:par>
-                          <p:cTn id="16" fill="hold">
-                            <p:stCondLst>
-                              <p:cond delay="0"/>
-                            </p:stCondLst>
-                            <p:childTnLst>
-                              <p:par>
-                                <p:cTn id="17" presetID="1" presetClass="entr" presetSubtype="0" fill="hold" nodeType="clickEffect">
-                                  <p:stCondLst>
-                                    <p:cond delay="0"/>
-                                  </p:stCondLst>
-                                  <p:childTnLst>
-                                    <p:set>
-                                      <p:cBhvr>
-                                        <p:cTn id="18" dur="1" fill="hold">
-                                          <p:stCondLst>
-                                            <p:cond delay="0"/>
-                                          </p:stCondLst>
-                                        </p:cTn>
-                                        <p:tgtEl>
-                                          <p:spTgt spid="3">
-                                            <p:txEl>
-                                              <p:pRg st="6" end="6"/>
-                                            </p:txEl>
-                                          </p:spTgt>
-                                        </p:tgtEl>
-                                        <p:attrNameLst>
-                                          <p:attrName>style.visibility</p:attrName>
-                                        </p:attrNameLst>
-                                      </p:cBhvr>
-                                      <p:to>
-                                        <p:strVal val="visible"/>
-                                      </p:to>
-                                    </p:set>
-                                  </p:childTnLst>
-                                </p:cTn>
-                              </p:par>
-                            </p:childTnLst>
-                          </p:cTn>
-                        </p:par>
-                      </p:childTnLst>
-                    </p:cTn>
-                  </p:par>
                 </p:childTnLst>
               </p:cTn>
               <p:prevCondLst>
@@ -17086,17 +17071,6 @@
             <a:pPr marL="0" indent="0">
               <a:buNone/>
             </a:pPr>
-            <a:r>
-              <a:rPr lang="en-US" altLang="en-US" sz="2000" dirty="0">
-                <a:ea typeface="ＭＳ Ｐゴシック" panose="020B0600070205080204" pitchFamily="34" charset="-128"/>
-              </a:rPr>
-              <a:t>To represent 1,114,112 different values, two bytes aren't enough. Three bytes are, but three bytes are often awkward to work with, so four bytes would be the comfortable minimum. </a:t>
-            </a:r>
-          </a:p>
-          <a:p>
-            <a:pPr marL="0" indent="0">
-              <a:buNone/>
-            </a:pPr>
             <a:endParaRPr lang="en-US" altLang="en-US" sz="2000" dirty="0">
               <a:ea typeface="ＭＳ Ｐゴシック" panose="020B0600070205080204" pitchFamily="34" charset="-128"/>
             </a:endParaRPr>
@@ -17395,7 +17369,7 @@
                                         <p:tgtEl>
                                           <p:spTgt spid="3">
                                             <p:txEl>
-                                              <p:pRg st="0" end="0"/>
+                                              <p:pRg st="1" end="1"/>
                                             </p:txEl>
                                           </p:spTgt>
                                         </p:tgtEl>
@@ -17417,13 +17391,13 @@
                     </p:cTn>
                   </p:par>
                   <p:par>
-                    <p:cTn id="7" fill="hold" nodeType="clickPar">
+                    <p:cTn id="7" fill="hold">
                       <p:stCondLst>
                         <p:cond delay="indefinite"/>
                       </p:stCondLst>
                       <p:childTnLst>
                         <p:par>
-                          <p:cTn id="8" fill="hold" nodeType="withGroup">
+                          <p:cTn id="8" fill="hold">
                             <p:stCondLst>
                               <p:cond delay="0"/>
                             </p:stCondLst>
@@ -17444,56 +17418,7 @@
                                         <p:tgtEl>
                                           <p:spTgt spid="3">
                                             <p:txEl>
-                                              <p:pRg st="2" end="2"/>
-                                            </p:txEl>
-                                          </p:spTgt>
-                                        </p:tgtEl>
-                                        <p:attrNameLst>
-                                          <p:attrName>style.visibility</p:attrName>
-                                        </p:attrNameLst>
-                                      </p:cBhvr>
-                                      <p:to>
-                                        <p:strVal val="visible"/>
-                                      </p:to>
-                                    </p:set>
-                                  </p:childTnLst>
-                                </p:cTn>
-                              </p:par>
-                            </p:childTnLst>
-                          </p:cTn>
-                        </p:par>
-                      </p:childTnLst>
-                    </p:cTn>
-                  </p:par>
-                  <p:par>
-                    <p:cTn id="11" fill="hold">
-                      <p:stCondLst>
-                        <p:cond delay="indefinite"/>
-                      </p:stCondLst>
-                      <p:childTnLst>
-                        <p:par>
-                          <p:cTn id="12" fill="hold">
-                            <p:stCondLst>
-                              <p:cond delay="0"/>
-                            </p:stCondLst>
-                            <p:childTnLst>
-                              <p:par>
-                                <p:cTn id="13" presetID="1" presetClass="entr" presetSubtype="0" fill="hold" nodeType="clickEffect">
-                                  <p:stCondLst>
-                                    <p:cond delay="0"/>
-                                  </p:stCondLst>
-                                  <p:childTnLst>
-                                    <p:set>
-                                      <p:cBhvr>
-                                        <p:cTn id="14" dur="1" fill="hold">
-                                          <p:stCondLst>
-                                            <p:cond delay="0"/>
-                                          </p:stCondLst>
-                                        </p:cTn>
-                                        <p:tgtEl>
-                                          <p:spTgt spid="3">
-                                            <p:txEl>
-                                              <p:pRg st="4" end="4"/>
+                                              <p:pRg st="3" end="3"/>
                                             </p:txEl>
                                           </p:spTgt>
                                         </p:tgtEl>

--- a/courses/apcsp/lect14a.pptx
+++ b/courses/apcsp/lect14a.pptx
@@ -147,7 +147,7 @@
 <file path=ppt/revisionInfo.xml><?xml version="1.0" encoding="utf-8"?>
 <p1510:revInfo xmlns:a="http://schemas.openxmlformats.org/drawingml/2006/main" xmlns:r="http://schemas.openxmlformats.org/officeDocument/2006/relationships" xmlns:p1510="http://schemas.microsoft.com/office/powerpoint/2015/10/main">
   <p1510:revLst>
-    <p1510:client id="{8FB70B1A-2045-594F-B9FC-1F74F57CD7C4}" v="2" dt="2023-02-06T15:42:55.871"/>
+    <p1510:client id="{63956BDE-1760-9E47-86E5-1948DE91DAB5}" v="671" dt="2024-11-18T03:25:48.662"/>
   </p1510:revLst>
 </p1510:revInfo>
 </file>
@@ -167,14 +167,6 @@
           <pc:docMk/>
           <pc:sldMk cId="3866550465" sldId="335"/>
         </pc:sldMkLst>
-        <pc:spChg chg="mod">
-          <ac:chgData name="Long Nguyen" userId="f59fb8f3-a021-417a-8bc1-65c8d471c621" providerId="ADAL" clId="{8FB70B1A-2045-594F-B9FC-1F74F57CD7C4}" dt="2023-02-06T15:42:55.871" v="1" actId="20577"/>
-          <ac:spMkLst>
-            <pc:docMk/>
-            <pc:sldMk cId="3866550465" sldId="335"/>
-            <ac:spMk id="3" creationId="{4F1EC0A4-9C99-4C4C-8EB1-0CF10BF35EF6}"/>
-          </ac:spMkLst>
-        </pc:spChg>
       </pc:sldChg>
       <pc:sldChg chg="modSp modAnim">
         <pc:chgData name="Long Nguyen" userId="f59fb8f3-a021-417a-8bc1-65c8d471c621" providerId="ADAL" clId="{8FB70B1A-2045-594F-B9FC-1F74F57CD7C4}" dt="2023-02-06T15:42:50.262" v="0" actId="20577"/>
@@ -182,14 +174,6 @@
           <pc:docMk/>
           <pc:sldMk cId="3749436800" sldId="336"/>
         </pc:sldMkLst>
-        <pc:spChg chg="mod">
-          <ac:chgData name="Long Nguyen" userId="f59fb8f3-a021-417a-8bc1-65c8d471c621" providerId="ADAL" clId="{8FB70B1A-2045-594F-B9FC-1F74F57CD7C4}" dt="2023-02-06T15:42:50.262" v="0" actId="20577"/>
-          <ac:spMkLst>
-            <pc:docMk/>
-            <pc:sldMk cId="3749436800" sldId="336"/>
-            <ac:spMk id="3" creationId="{02BD6BC0-0DF6-1C41-B2F6-DF171A4BD0C7}"/>
-          </ac:spMkLst>
-        </pc:spChg>
       </pc:sldChg>
       <pc:sldChg chg="modSp mod">
         <pc:chgData name="Long Nguyen" userId="f59fb8f3-a021-417a-8bc1-65c8d471c621" providerId="ADAL" clId="{8FB70B1A-2045-594F-B9FC-1F74F57CD7C4}" dt="2023-02-06T16:50:11.068" v="63" actId="20577"/>
@@ -197,14 +181,6 @@
           <pc:docMk/>
           <pc:sldMk cId="3668115397" sldId="643"/>
         </pc:sldMkLst>
-        <pc:spChg chg="mod">
-          <ac:chgData name="Long Nguyen" userId="f59fb8f3-a021-417a-8bc1-65c8d471c621" providerId="ADAL" clId="{8FB70B1A-2045-594F-B9FC-1F74F57CD7C4}" dt="2023-02-06T16:50:11.068" v="63" actId="20577"/>
-          <ac:spMkLst>
-            <pc:docMk/>
-            <pc:sldMk cId="3668115397" sldId="643"/>
-            <ac:spMk id="3" creationId="{8EE44610-8AB0-B84C-9003-2B8BA850F328}"/>
-          </ac:spMkLst>
-        </pc:spChg>
       </pc:sldChg>
     </pc:docChg>
   </pc:docChgLst>
@@ -242,22 +218,6 @@
           <pc:docMk/>
           <pc:sldMk cId="3866550465" sldId="335"/>
         </pc:sldMkLst>
-        <pc:spChg chg="mod">
-          <ac:chgData name="Long Nguyen" userId="f59fb8f3-a021-417a-8bc1-65c8d471c621" providerId="ADAL" clId="{C6ABB480-C010-584A-AC18-3EA8C44B919D}" dt="2022-02-08T15:36:21.423" v="18" actId="27636"/>
-          <ac:spMkLst>
-            <pc:docMk/>
-            <pc:sldMk cId="3866550465" sldId="335"/>
-            <ac:spMk id="3" creationId="{4F1EC0A4-9C99-4C4C-8EB1-0CF10BF35EF6}"/>
-          </ac:spMkLst>
-        </pc:spChg>
-        <pc:spChg chg="mod">
-          <ac:chgData name="Long Nguyen" userId="f59fb8f3-a021-417a-8bc1-65c8d471c621" providerId="ADAL" clId="{C6ABB480-C010-584A-AC18-3EA8C44B919D}" dt="2022-02-08T15:35:52.400" v="8" actId="1076"/>
-          <ac:spMkLst>
-            <pc:docMk/>
-            <pc:sldMk cId="3866550465" sldId="335"/>
-            <ac:spMk id="46081" creationId="{757C5CE4-E449-0B4E-873C-236EF71BBBF0}"/>
-          </ac:spMkLst>
-        </pc:spChg>
       </pc:sldChg>
       <pc:sldChg chg="modSp add mod modAnim">
         <pc:chgData name="Long Nguyen" userId="f59fb8f3-a021-417a-8bc1-65c8d471c621" providerId="ADAL" clId="{C6ABB480-C010-584A-AC18-3EA8C44B919D}" dt="2022-02-08T15:37:07.783" v="29" actId="14100"/>
@@ -265,22 +225,6 @@
           <pc:docMk/>
           <pc:sldMk cId="3749436800" sldId="336"/>
         </pc:sldMkLst>
-        <pc:spChg chg="mod">
-          <ac:chgData name="Long Nguyen" userId="f59fb8f3-a021-417a-8bc1-65c8d471c621" providerId="ADAL" clId="{C6ABB480-C010-584A-AC18-3EA8C44B919D}" dt="2022-02-08T15:37:07.783" v="29" actId="14100"/>
-          <ac:spMkLst>
-            <pc:docMk/>
-            <pc:sldMk cId="3749436800" sldId="336"/>
-            <ac:spMk id="3" creationId="{02BD6BC0-0DF6-1C41-B2F6-DF171A4BD0C7}"/>
-          </ac:spMkLst>
-        </pc:spChg>
-        <pc:spChg chg="mod">
-          <ac:chgData name="Long Nguyen" userId="f59fb8f3-a021-417a-8bc1-65c8d471c621" providerId="ADAL" clId="{C6ABB480-C010-584A-AC18-3EA8C44B919D}" dt="2022-02-08T15:36:37.976" v="20" actId="1076"/>
-          <ac:spMkLst>
-            <pc:docMk/>
-            <pc:sldMk cId="3749436800" sldId="336"/>
-            <ac:spMk id="47105" creationId="{1DE02734-8557-4D41-97D1-1E8E963F734C}"/>
-          </ac:spMkLst>
-        </pc:spChg>
       </pc:sldChg>
       <pc:sldChg chg="addSp modSp add mod modAnim">
         <pc:chgData name="Long Nguyen" userId="f59fb8f3-a021-417a-8bc1-65c8d471c621" providerId="ADAL" clId="{C6ABB480-C010-584A-AC18-3EA8C44B919D}" dt="2022-02-08T15:38:08.553" v="68"/>
@@ -288,30 +232,6 @@
           <pc:docMk/>
           <pc:sldMk cId="461704868" sldId="337"/>
         </pc:sldMkLst>
-        <pc:spChg chg="mod">
-          <ac:chgData name="Long Nguyen" userId="f59fb8f3-a021-417a-8bc1-65c8d471c621" providerId="ADAL" clId="{C6ABB480-C010-584A-AC18-3EA8C44B919D}" dt="2022-02-08T15:38:08.553" v="68"/>
-          <ac:spMkLst>
-            <pc:docMk/>
-            <pc:sldMk cId="461704868" sldId="337"/>
-            <ac:spMk id="3" creationId="{EDD173A5-7515-4344-96F1-DFBABC544ED0}"/>
-          </ac:spMkLst>
-        </pc:spChg>
-        <pc:spChg chg="mod">
-          <ac:chgData name="Long Nguyen" userId="f59fb8f3-a021-417a-8bc1-65c8d471c621" providerId="ADAL" clId="{C6ABB480-C010-584A-AC18-3EA8C44B919D}" dt="2022-02-08T15:37:38.278" v="49" actId="20577"/>
-          <ac:spMkLst>
-            <pc:docMk/>
-            <pc:sldMk cId="461704868" sldId="337"/>
-            <ac:spMk id="48129" creationId="{328FB4D7-49E6-9E40-B559-A0D74E019365}"/>
-          </ac:spMkLst>
-        </pc:spChg>
-        <pc:picChg chg="add mod">
-          <ac:chgData name="Long Nguyen" userId="f59fb8f3-a021-417a-8bc1-65c8d471c621" providerId="ADAL" clId="{C6ABB480-C010-584A-AC18-3EA8C44B919D}" dt="2022-02-08T15:37:55.435" v="57" actId="1076"/>
-          <ac:picMkLst>
-            <pc:docMk/>
-            <pc:sldMk cId="461704868" sldId="337"/>
-            <ac:picMk id="5" creationId="{CA642D09-6AF6-464A-A462-CA3AD0CFF973}"/>
-          </ac:picMkLst>
-        </pc:picChg>
       </pc:sldChg>
       <pc:sldChg chg="add del">
         <pc:chgData name="Long Nguyen" userId="f59fb8f3-a021-417a-8bc1-65c8d471c621" providerId="ADAL" clId="{C6ABB480-C010-584A-AC18-3EA8C44B919D}" dt="2022-02-08T15:38:11.977" v="69" actId="2696"/>
@@ -333,14 +253,6 @@
           <pc:docMk/>
           <pc:sldMk cId="1173183267" sldId="350"/>
         </pc:sldMkLst>
-        <pc:spChg chg="mod">
-          <ac:chgData name="Long Nguyen" userId="f59fb8f3-a021-417a-8bc1-65c8d471c621" providerId="ADAL" clId="{C6ABB480-C010-584A-AC18-3EA8C44B919D}" dt="2022-02-08T15:33:46.376" v="4" actId="27636"/>
-          <ac:spMkLst>
-            <pc:docMk/>
-            <pc:sldMk cId="1173183267" sldId="350"/>
-            <ac:spMk id="3" creationId="{44A58473-3189-0C44-8A5E-E353CDFB3E5C}"/>
-          </ac:spMkLst>
-        </pc:spChg>
       </pc:sldChg>
       <pc:sldChg chg="modSp mod modAnim">
         <pc:chgData name="Long Nguyen" userId="f59fb8f3-a021-417a-8bc1-65c8d471c621" providerId="ADAL" clId="{C6ABB480-C010-584A-AC18-3EA8C44B919D}" dt="2022-02-08T18:26:15.943" v="76"/>
@@ -348,14 +260,6 @@
           <pc:docMk/>
           <pc:sldMk cId="781734240" sldId="628"/>
         </pc:sldMkLst>
-        <pc:spChg chg="mod">
-          <ac:chgData name="Long Nguyen" userId="f59fb8f3-a021-417a-8bc1-65c8d471c621" providerId="ADAL" clId="{C6ABB480-C010-584A-AC18-3EA8C44B919D}" dt="2022-02-08T18:24:37.968" v="71" actId="27636"/>
-          <ac:spMkLst>
-            <pc:docMk/>
-            <pc:sldMk cId="781734240" sldId="628"/>
-            <ac:spMk id="3" creationId="{D7CDD189-AC0E-DF4B-95CF-A617BFC2B7FC}"/>
-          </ac:spMkLst>
-        </pc:spChg>
       </pc:sldChg>
       <pc:sldChg chg="modAnim">
         <pc:chgData name="Long Nguyen" userId="f59fb8f3-a021-417a-8bc1-65c8d471c621" providerId="ADAL" clId="{C6ABB480-C010-584A-AC18-3EA8C44B919D}" dt="2022-02-08T18:27:04.387" v="79"/>
@@ -379,14 +283,6 @@
           <pc:docMk/>
           <pc:sldMk cId="4247104139" sldId="256"/>
         </pc:sldMkLst>
-        <pc:spChg chg="mod">
-          <ac:chgData name="Long B Nguyen" userId="f59fb8f3-a021-417a-8bc1-65c8d471c621" providerId="ADAL" clId="{A54A5039-9BC6-1548-AC61-7314DB675A9D}" dt="2019-09-25T14:17:33.020" v="2843" actId="20577"/>
-          <ac:spMkLst>
-            <pc:docMk/>
-            <pc:sldMk cId="4247104139" sldId="256"/>
-            <ac:spMk id="3" creationId="{1BDC47C8-6776-7B44-9CD4-95FC91452D62}"/>
-          </ac:spMkLst>
-        </pc:spChg>
       </pc:sldChg>
       <pc:sldChg chg="modSp modAnim">
         <pc:chgData name="Long B Nguyen" userId="f59fb8f3-a021-417a-8bc1-65c8d471c621" providerId="ADAL" clId="{A54A5039-9BC6-1548-AC61-7314DB675A9D}" dt="2019-09-24T11:45:26.007" v="2185" actId="20577"/>
@@ -394,22 +290,6 @@
           <pc:docMk/>
           <pc:sldMk cId="1438711869" sldId="284"/>
         </pc:sldMkLst>
-        <pc:spChg chg="mod">
-          <ac:chgData name="Long B Nguyen" userId="f59fb8f3-a021-417a-8bc1-65c8d471c621" providerId="ADAL" clId="{A54A5039-9BC6-1548-AC61-7314DB675A9D}" dt="2019-09-24T11:43:23.898" v="2145" actId="20577"/>
-          <ac:spMkLst>
-            <pc:docMk/>
-            <pc:sldMk cId="1438711869" sldId="284"/>
-            <ac:spMk id="2" creationId="{AA3A228F-61D0-D949-A5E7-F83756230BF8}"/>
-          </ac:spMkLst>
-        </pc:spChg>
-        <pc:spChg chg="mod">
-          <ac:chgData name="Long B Nguyen" userId="f59fb8f3-a021-417a-8bc1-65c8d471c621" providerId="ADAL" clId="{A54A5039-9BC6-1548-AC61-7314DB675A9D}" dt="2019-09-24T11:45:26.007" v="2185" actId="20577"/>
-          <ac:spMkLst>
-            <pc:docMk/>
-            <pc:sldMk cId="1438711869" sldId="284"/>
-            <ac:spMk id="9" creationId="{E3B2E017-30B2-884B-A113-B419A2ED51AD}"/>
-          </ac:spMkLst>
-        </pc:spChg>
       </pc:sldChg>
       <pc:sldChg chg="modSp">
         <pc:chgData name="Long B Nguyen" userId="f59fb8f3-a021-417a-8bc1-65c8d471c621" providerId="ADAL" clId="{A54A5039-9BC6-1548-AC61-7314DB675A9D}" dt="2019-09-19T14:18:56.959" v="28" actId="20577"/>
@@ -417,14 +297,6 @@
           <pc:docMk/>
           <pc:sldMk cId="131840209" sldId="286"/>
         </pc:sldMkLst>
-        <pc:spChg chg="mod">
-          <ac:chgData name="Long B Nguyen" userId="f59fb8f3-a021-417a-8bc1-65c8d471c621" providerId="ADAL" clId="{A54A5039-9BC6-1548-AC61-7314DB675A9D}" dt="2019-09-19T14:18:56.959" v="28" actId="20577"/>
-          <ac:spMkLst>
-            <pc:docMk/>
-            <pc:sldMk cId="131840209" sldId="286"/>
-            <ac:spMk id="9" creationId="{E3B2E017-30B2-884B-A113-B419A2ED51AD}"/>
-          </ac:spMkLst>
-        </pc:spChg>
       </pc:sldChg>
       <pc:sldChg chg="modSp add del modAnim">
         <pc:chgData name="Long B Nguyen" userId="f59fb8f3-a021-417a-8bc1-65c8d471c621" providerId="ADAL" clId="{A54A5039-9BC6-1548-AC61-7314DB675A9D}" dt="2019-09-24T11:43:26.738" v="2146" actId="2696"/>
@@ -432,14 +304,6 @@
           <pc:docMk/>
           <pc:sldMk cId="3439768680" sldId="294"/>
         </pc:sldMkLst>
-        <pc:spChg chg="mod">
-          <ac:chgData name="Long B Nguyen" userId="f59fb8f3-a021-417a-8bc1-65c8d471c621" providerId="ADAL" clId="{A54A5039-9BC6-1548-AC61-7314DB675A9D}" dt="2019-09-24T11:40:12.100" v="2004"/>
-          <ac:spMkLst>
-            <pc:docMk/>
-            <pc:sldMk cId="3439768680" sldId="294"/>
-            <ac:spMk id="40963" creationId="{66AA56B3-AB86-6341-92AC-3BDB5774CCA3}"/>
-          </ac:spMkLst>
-        </pc:spChg>
       </pc:sldChg>
       <pc:sldChg chg="addSp modSp modAnim">
         <pc:chgData name="Long B Nguyen" userId="f59fb8f3-a021-417a-8bc1-65c8d471c621" providerId="ADAL" clId="{A54A5039-9BC6-1548-AC61-7314DB675A9D}" dt="2019-09-23T12:04:10.373" v="1911"/>
@@ -447,30 +311,6 @@
           <pc:docMk/>
           <pc:sldMk cId="1816941262" sldId="295"/>
         </pc:sldMkLst>
-        <pc:spChg chg="add mod">
-          <ac:chgData name="Long B Nguyen" userId="f59fb8f3-a021-417a-8bc1-65c8d471c621" providerId="ADAL" clId="{A54A5039-9BC6-1548-AC61-7314DB675A9D}" dt="2019-09-23T12:03:30.239" v="1901" actId="1076"/>
-          <ac:spMkLst>
-            <pc:docMk/>
-            <pc:sldMk cId="1816941262" sldId="295"/>
-            <ac:spMk id="3" creationId="{53AD888D-2F6F-BB43-86CA-1A3B376061A2}"/>
-          </ac:spMkLst>
-        </pc:spChg>
-        <pc:spChg chg="mod">
-          <ac:chgData name="Long B Nguyen" userId="f59fb8f3-a021-417a-8bc1-65c8d471c621" providerId="ADAL" clId="{A54A5039-9BC6-1548-AC61-7314DB675A9D}" dt="2019-09-23T11:58:12.789" v="1765" actId="20577"/>
-          <ac:spMkLst>
-            <pc:docMk/>
-            <pc:sldMk cId="1816941262" sldId="295"/>
-            <ac:spMk id="9" creationId="{E3B2E017-30B2-884B-A113-B419A2ED51AD}"/>
-          </ac:spMkLst>
-        </pc:spChg>
-        <pc:cxnChg chg="add mod">
-          <ac:chgData name="Long B Nguyen" userId="f59fb8f3-a021-417a-8bc1-65c8d471c621" providerId="ADAL" clId="{A54A5039-9BC6-1548-AC61-7314DB675A9D}" dt="2019-09-23T12:03:49.489" v="1909" actId="692"/>
-          <ac:cxnSpMkLst>
-            <pc:docMk/>
-            <pc:sldMk cId="1816941262" sldId="295"/>
-            <ac:cxnSpMk id="5" creationId="{0FA56ED4-EC25-B14C-B73E-DC4E17ADBF86}"/>
-          </ac:cxnSpMkLst>
-        </pc:cxnChg>
       </pc:sldChg>
       <pc:sldChg chg="modSp modAnim">
         <pc:chgData name="Long B Nguyen" userId="f59fb8f3-a021-417a-8bc1-65c8d471c621" providerId="ADAL" clId="{A54A5039-9BC6-1548-AC61-7314DB675A9D}" dt="2019-09-23T11:59:17.508" v="1794"/>
@@ -478,14 +318,6 @@
           <pc:docMk/>
           <pc:sldMk cId="553003360" sldId="296"/>
         </pc:sldMkLst>
-        <pc:spChg chg="mod">
-          <ac:chgData name="Long B Nguyen" userId="f59fb8f3-a021-417a-8bc1-65c8d471c621" providerId="ADAL" clId="{A54A5039-9BC6-1548-AC61-7314DB675A9D}" dt="2019-09-23T11:59:10.982" v="1792" actId="20577"/>
-          <ac:spMkLst>
-            <pc:docMk/>
-            <pc:sldMk cId="553003360" sldId="296"/>
-            <ac:spMk id="9" creationId="{E3B2E017-30B2-884B-A113-B419A2ED51AD}"/>
-          </ac:spMkLst>
-        </pc:spChg>
       </pc:sldChg>
       <pc:sldChg chg="modSp modAnim">
         <pc:chgData name="Long B Nguyen" userId="f59fb8f3-a021-417a-8bc1-65c8d471c621" providerId="ADAL" clId="{A54A5039-9BC6-1548-AC61-7314DB675A9D}" dt="2019-09-23T11:59:34.632" v="1798"/>
@@ -493,14 +325,6 @@
           <pc:docMk/>
           <pc:sldMk cId="3006175481" sldId="297"/>
         </pc:sldMkLst>
-        <pc:spChg chg="mod">
-          <ac:chgData name="Long B Nguyen" userId="f59fb8f3-a021-417a-8bc1-65c8d471c621" providerId="ADAL" clId="{A54A5039-9BC6-1548-AC61-7314DB675A9D}" dt="2019-09-23T11:59:28.174" v="1796" actId="20577"/>
-          <ac:spMkLst>
-            <pc:docMk/>
-            <pc:sldMk cId="3006175481" sldId="297"/>
-            <ac:spMk id="9" creationId="{E3B2E017-30B2-884B-A113-B419A2ED51AD}"/>
-          </ac:spMkLst>
-        </pc:spChg>
       </pc:sldChg>
       <pc:sldChg chg="modSp modAnim">
         <pc:chgData name="Long B Nguyen" userId="f59fb8f3-a021-417a-8bc1-65c8d471c621" providerId="ADAL" clId="{A54A5039-9BC6-1548-AC61-7314DB675A9D}" dt="2019-09-23T12:06:41.861" v="1992"/>
@@ -508,14 +332,6 @@
           <pc:docMk/>
           <pc:sldMk cId="3150557076" sldId="298"/>
         </pc:sldMkLst>
-        <pc:spChg chg="mod">
-          <ac:chgData name="Long B Nguyen" userId="f59fb8f3-a021-417a-8bc1-65c8d471c621" providerId="ADAL" clId="{A54A5039-9BC6-1548-AC61-7314DB675A9D}" dt="2019-09-23T12:05:19.573" v="1985" actId="20577"/>
-          <ac:spMkLst>
-            <pc:docMk/>
-            <pc:sldMk cId="3150557076" sldId="298"/>
-            <ac:spMk id="9" creationId="{E3B2E017-30B2-884B-A113-B419A2ED51AD}"/>
-          </ac:spMkLst>
-        </pc:spChg>
       </pc:sldChg>
       <pc:sldChg chg="addSp delSp modSp modAnim">
         <pc:chgData name="Long B Nguyen" userId="f59fb8f3-a021-417a-8bc1-65c8d471c621" providerId="ADAL" clId="{A54A5039-9BC6-1548-AC61-7314DB675A9D}" dt="2019-09-23T12:01:44.436" v="1840"/>
@@ -523,22 +339,6 @@
           <pc:docMk/>
           <pc:sldMk cId="128704095" sldId="302"/>
         </pc:sldMkLst>
-        <pc:spChg chg="add del">
-          <ac:chgData name="Long B Nguyen" userId="f59fb8f3-a021-417a-8bc1-65c8d471c621" providerId="ADAL" clId="{A54A5039-9BC6-1548-AC61-7314DB675A9D}" dt="2019-09-19T16:47:34.465" v="464"/>
-          <ac:spMkLst>
-            <pc:docMk/>
-            <pc:sldMk cId="128704095" sldId="302"/>
-            <ac:spMk id="3" creationId="{EA19F625-AB76-8A4B-B39A-0F2D018DC68D}"/>
-          </ac:spMkLst>
-        </pc:spChg>
-        <pc:spChg chg="mod">
-          <ac:chgData name="Long B Nguyen" userId="f59fb8f3-a021-417a-8bc1-65c8d471c621" providerId="ADAL" clId="{A54A5039-9BC6-1548-AC61-7314DB675A9D}" dt="2019-09-23T12:01:36.243" v="1838" actId="20577"/>
-          <ac:spMkLst>
-            <pc:docMk/>
-            <pc:sldMk cId="128704095" sldId="302"/>
-            <ac:spMk id="9" creationId="{E3B2E017-30B2-884B-A113-B419A2ED51AD}"/>
-          </ac:spMkLst>
-        </pc:spChg>
       </pc:sldChg>
       <pc:sldChg chg="modSp add modAnim">
         <pc:chgData name="Long B Nguyen" userId="f59fb8f3-a021-417a-8bc1-65c8d471c621" providerId="ADAL" clId="{A54A5039-9BC6-1548-AC61-7314DB675A9D}" dt="2019-09-23T12:00:26.516" v="1826" actId="20577"/>
@@ -546,14 +346,6 @@
           <pc:docMk/>
           <pc:sldMk cId="3275945509" sldId="303"/>
         </pc:sldMkLst>
-        <pc:spChg chg="mod">
-          <ac:chgData name="Long B Nguyen" userId="f59fb8f3-a021-417a-8bc1-65c8d471c621" providerId="ADAL" clId="{A54A5039-9BC6-1548-AC61-7314DB675A9D}" dt="2019-09-23T12:00:26.516" v="1826" actId="20577"/>
-          <ac:spMkLst>
-            <pc:docMk/>
-            <pc:sldMk cId="3275945509" sldId="303"/>
-            <ac:spMk id="9" creationId="{E3B2E017-30B2-884B-A113-B419A2ED51AD}"/>
-          </ac:spMkLst>
-        </pc:spChg>
       </pc:sldChg>
       <pc:sldChg chg="modSp add modAnim">
         <pc:chgData name="Long B Nguyen" userId="f59fb8f3-a021-417a-8bc1-65c8d471c621" providerId="ADAL" clId="{A54A5039-9BC6-1548-AC61-7314DB675A9D}" dt="2019-09-23T12:00:38.314" v="1827"/>
@@ -561,14 +353,6 @@
           <pc:docMk/>
           <pc:sldMk cId="406772024" sldId="304"/>
         </pc:sldMkLst>
-        <pc:spChg chg="mod">
-          <ac:chgData name="Long B Nguyen" userId="f59fb8f3-a021-417a-8bc1-65c8d471c621" providerId="ADAL" clId="{A54A5039-9BC6-1548-AC61-7314DB675A9D}" dt="2019-09-23T12:00:12.500" v="1808" actId="20577"/>
-          <ac:spMkLst>
-            <pc:docMk/>
-            <pc:sldMk cId="406772024" sldId="304"/>
-            <ac:spMk id="9" creationId="{E3B2E017-30B2-884B-A113-B419A2ED51AD}"/>
-          </ac:spMkLst>
-        </pc:spChg>
       </pc:sldChg>
       <pc:sldChg chg="modSp add modAnim">
         <pc:chgData name="Long B Nguyen" userId="f59fb8f3-a021-417a-8bc1-65c8d471c621" providerId="ADAL" clId="{A54A5039-9BC6-1548-AC61-7314DB675A9D}" dt="2019-09-23T13:27:58.707" v="2000" actId="20577"/>
@@ -576,22 +360,6 @@
           <pc:docMk/>
           <pc:sldMk cId="1703902501" sldId="305"/>
         </pc:sldMkLst>
-        <pc:spChg chg="mod">
-          <ac:chgData name="Long B Nguyen" userId="f59fb8f3-a021-417a-8bc1-65c8d471c621" providerId="ADAL" clId="{A54A5039-9BC6-1548-AC61-7314DB675A9D}" dt="2019-09-19T14:31:00.333" v="110" actId="20577"/>
-          <ac:spMkLst>
-            <pc:docMk/>
-            <pc:sldMk cId="1703902501" sldId="305"/>
-            <ac:spMk id="2" creationId="{AA3A228F-61D0-D949-A5E7-F83756230BF8}"/>
-          </ac:spMkLst>
-        </pc:spChg>
-        <pc:spChg chg="mod">
-          <ac:chgData name="Long B Nguyen" userId="f59fb8f3-a021-417a-8bc1-65c8d471c621" providerId="ADAL" clId="{A54A5039-9BC6-1548-AC61-7314DB675A9D}" dt="2019-09-23T13:27:58.707" v="2000" actId="20577"/>
-          <ac:spMkLst>
-            <pc:docMk/>
-            <pc:sldMk cId="1703902501" sldId="305"/>
-            <ac:spMk id="9" creationId="{E3B2E017-30B2-884B-A113-B419A2ED51AD}"/>
-          </ac:spMkLst>
-        </pc:spChg>
       </pc:sldChg>
       <pc:sldChg chg="modSp add modAnim">
         <pc:chgData name="Long B Nguyen" userId="f59fb8f3-a021-417a-8bc1-65c8d471c621" providerId="ADAL" clId="{A54A5039-9BC6-1548-AC61-7314DB675A9D}" dt="2019-09-23T12:01:58.728" v="1843"/>
@@ -599,22 +367,6 @@
           <pc:docMk/>
           <pc:sldMk cId="3614829039" sldId="306"/>
         </pc:sldMkLst>
-        <pc:spChg chg="mod">
-          <ac:chgData name="Long B Nguyen" userId="f59fb8f3-a021-417a-8bc1-65c8d471c621" providerId="ADAL" clId="{A54A5039-9BC6-1548-AC61-7314DB675A9D}" dt="2019-09-19T16:51:57.917" v="536" actId="20577"/>
-          <ac:spMkLst>
-            <pc:docMk/>
-            <pc:sldMk cId="3614829039" sldId="306"/>
-            <ac:spMk id="2" creationId="{AA3A228F-61D0-D949-A5E7-F83756230BF8}"/>
-          </ac:spMkLst>
-        </pc:spChg>
-        <pc:spChg chg="mod">
-          <ac:chgData name="Long B Nguyen" userId="f59fb8f3-a021-417a-8bc1-65c8d471c621" providerId="ADAL" clId="{A54A5039-9BC6-1548-AC61-7314DB675A9D}" dt="2019-09-23T12:01:50.092" v="1842" actId="20577"/>
-          <ac:spMkLst>
-            <pc:docMk/>
-            <pc:sldMk cId="3614829039" sldId="306"/>
-            <ac:spMk id="9" creationId="{E3B2E017-30B2-884B-A113-B419A2ED51AD}"/>
-          </ac:spMkLst>
-        </pc:spChg>
       </pc:sldChg>
       <pc:sldChg chg="modSp add modAnim">
         <pc:chgData name="Long B Nguyen" userId="f59fb8f3-a021-417a-8bc1-65c8d471c621" providerId="ADAL" clId="{A54A5039-9BC6-1548-AC61-7314DB675A9D}" dt="2019-09-23T12:02:15.154" v="1846"/>
@@ -622,22 +374,6 @@
           <pc:docMk/>
           <pc:sldMk cId="295911327" sldId="307"/>
         </pc:sldMkLst>
-        <pc:spChg chg="mod">
-          <ac:chgData name="Long B Nguyen" userId="f59fb8f3-a021-417a-8bc1-65c8d471c621" providerId="ADAL" clId="{A54A5039-9BC6-1548-AC61-7314DB675A9D}" dt="2019-09-19T17:17:25.590" v="539" actId="20577"/>
-          <ac:spMkLst>
-            <pc:docMk/>
-            <pc:sldMk cId="295911327" sldId="307"/>
-            <ac:spMk id="2" creationId="{AA3A228F-61D0-D949-A5E7-F83756230BF8}"/>
-          </ac:spMkLst>
-        </pc:spChg>
-        <pc:spChg chg="mod">
-          <ac:chgData name="Long B Nguyen" userId="f59fb8f3-a021-417a-8bc1-65c8d471c621" providerId="ADAL" clId="{A54A5039-9BC6-1548-AC61-7314DB675A9D}" dt="2019-09-23T12:02:10.526" v="1845" actId="20577"/>
-          <ac:spMkLst>
-            <pc:docMk/>
-            <pc:sldMk cId="295911327" sldId="307"/>
-            <ac:spMk id="9" creationId="{E3B2E017-30B2-884B-A113-B419A2ED51AD}"/>
-          </ac:spMkLst>
-        </pc:spChg>
       </pc:sldChg>
       <pc:sldChg chg="modSp add modAnim">
         <pc:chgData name="Long B Nguyen" userId="f59fb8f3-a021-417a-8bc1-65c8d471c621" providerId="ADAL" clId="{A54A5039-9BC6-1548-AC61-7314DB675A9D}" dt="2019-09-23T12:01:05.311" v="1832"/>
@@ -645,22 +381,6 @@
           <pc:docMk/>
           <pc:sldMk cId="67957925" sldId="308"/>
         </pc:sldMkLst>
-        <pc:spChg chg="mod">
-          <ac:chgData name="Long B Nguyen" userId="f59fb8f3-a021-417a-8bc1-65c8d471c621" providerId="ADAL" clId="{A54A5039-9BC6-1548-AC61-7314DB675A9D}" dt="2019-09-20T12:22:34.233" v="599" actId="20577"/>
-          <ac:spMkLst>
-            <pc:docMk/>
-            <pc:sldMk cId="67957925" sldId="308"/>
-            <ac:spMk id="2" creationId="{AA3A228F-61D0-D949-A5E7-F83756230BF8}"/>
-          </ac:spMkLst>
-        </pc:spChg>
-        <pc:spChg chg="mod">
-          <ac:chgData name="Long B Nguyen" userId="f59fb8f3-a021-417a-8bc1-65c8d471c621" providerId="ADAL" clId="{A54A5039-9BC6-1548-AC61-7314DB675A9D}" dt="2019-09-20T12:37:26.490" v="1123" actId="20577"/>
-          <ac:spMkLst>
-            <pc:docMk/>
-            <pc:sldMk cId="67957925" sldId="308"/>
-            <ac:spMk id="9" creationId="{E3B2E017-30B2-884B-A113-B419A2ED51AD}"/>
-          </ac:spMkLst>
-        </pc:spChg>
       </pc:sldChg>
       <pc:sldChg chg="modSp add modAnim">
         <pc:chgData name="Long B Nguyen" userId="f59fb8f3-a021-417a-8bc1-65c8d471c621" providerId="ADAL" clId="{A54A5039-9BC6-1548-AC61-7314DB675A9D}" dt="2019-09-23T12:01:18.117" v="1835"/>
@@ -668,22 +388,6 @@
           <pc:docMk/>
           <pc:sldMk cId="1872435103" sldId="309"/>
         </pc:sldMkLst>
-        <pc:spChg chg="mod">
-          <ac:chgData name="Long B Nguyen" userId="f59fb8f3-a021-417a-8bc1-65c8d471c621" providerId="ADAL" clId="{A54A5039-9BC6-1548-AC61-7314DB675A9D}" dt="2019-09-20T12:24:39.851" v="793" actId="20577"/>
-          <ac:spMkLst>
-            <pc:docMk/>
-            <pc:sldMk cId="1872435103" sldId="309"/>
-            <ac:spMk id="2" creationId="{AA3A228F-61D0-D949-A5E7-F83756230BF8}"/>
-          </ac:spMkLst>
-        </pc:spChg>
-        <pc:spChg chg="mod">
-          <ac:chgData name="Long B Nguyen" userId="f59fb8f3-a021-417a-8bc1-65c8d471c621" providerId="ADAL" clId="{A54A5039-9BC6-1548-AC61-7314DB675A9D}" dt="2019-09-20T12:37:20.580" v="1117" actId="20577"/>
-          <ac:spMkLst>
-            <pc:docMk/>
-            <pc:sldMk cId="1872435103" sldId="309"/>
-            <ac:spMk id="9" creationId="{E3B2E017-30B2-884B-A113-B419A2ED51AD}"/>
-          </ac:spMkLst>
-        </pc:spChg>
       </pc:sldChg>
       <pc:sldChg chg="modSp add">
         <pc:chgData name="Long B Nguyen" userId="f59fb8f3-a021-417a-8bc1-65c8d471c621" providerId="ADAL" clId="{A54A5039-9BC6-1548-AC61-7314DB675A9D}" dt="2019-09-20T12:40:48.118" v="1409" actId="20577"/>
@@ -691,22 +395,6 @@
           <pc:docMk/>
           <pc:sldMk cId="4088965571" sldId="310"/>
         </pc:sldMkLst>
-        <pc:spChg chg="mod">
-          <ac:chgData name="Long B Nguyen" userId="f59fb8f3-a021-417a-8bc1-65c8d471c621" providerId="ADAL" clId="{A54A5039-9BC6-1548-AC61-7314DB675A9D}" dt="2019-09-20T12:40:48.118" v="1409" actId="20577"/>
-          <ac:spMkLst>
-            <pc:docMk/>
-            <pc:sldMk cId="4088965571" sldId="310"/>
-            <ac:spMk id="2" creationId="{AA3A228F-61D0-D949-A5E7-F83756230BF8}"/>
-          </ac:spMkLst>
-        </pc:spChg>
-        <pc:spChg chg="mod">
-          <ac:chgData name="Long B Nguyen" userId="f59fb8f3-a021-417a-8bc1-65c8d471c621" providerId="ADAL" clId="{A54A5039-9BC6-1548-AC61-7314DB675A9D}" dt="2019-09-20T12:40:27.809" v="1394" actId="255"/>
-          <ac:spMkLst>
-            <pc:docMk/>
-            <pc:sldMk cId="4088965571" sldId="310"/>
-            <ac:spMk id="9" creationId="{E3B2E017-30B2-884B-A113-B419A2ED51AD}"/>
-          </ac:spMkLst>
-        </pc:spChg>
       </pc:sldChg>
       <pc:sldChg chg="modSp add modAnim">
         <pc:chgData name="Long B Nguyen" userId="f59fb8f3-a021-417a-8bc1-65c8d471c621" providerId="ADAL" clId="{A54A5039-9BC6-1548-AC61-7314DB675A9D}" dt="2019-09-23T12:01:26.997" v="1836"/>
@@ -714,22 +402,6 @@
           <pc:docMk/>
           <pc:sldMk cId="2255846137" sldId="311"/>
         </pc:sldMkLst>
-        <pc:spChg chg="mod">
-          <ac:chgData name="Long B Nguyen" userId="f59fb8f3-a021-417a-8bc1-65c8d471c621" providerId="ADAL" clId="{A54A5039-9BC6-1548-AC61-7314DB675A9D}" dt="2019-09-20T12:42:38.115" v="1565" actId="20577"/>
-          <ac:spMkLst>
-            <pc:docMk/>
-            <pc:sldMk cId="2255846137" sldId="311"/>
-            <ac:spMk id="2" creationId="{AA3A228F-61D0-D949-A5E7-F83756230BF8}"/>
-          </ac:spMkLst>
-        </pc:spChg>
-        <pc:spChg chg="mod">
-          <ac:chgData name="Long B Nguyen" userId="f59fb8f3-a021-417a-8bc1-65c8d471c621" providerId="ADAL" clId="{A54A5039-9BC6-1548-AC61-7314DB675A9D}" dt="2019-09-20T12:43:18.312" v="1623" actId="20577"/>
-          <ac:spMkLst>
-            <pc:docMk/>
-            <pc:sldMk cId="2255846137" sldId="311"/>
-            <ac:spMk id="9" creationId="{E3B2E017-30B2-884B-A113-B419A2ED51AD}"/>
-          </ac:spMkLst>
-        </pc:spChg>
       </pc:sldChg>
       <pc:sldChg chg="modSp add">
         <pc:chgData name="Long B Nguyen" userId="f59fb8f3-a021-417a-8bc1-65c8d471c621" providerId="ADAL" clId="{A54A5039-9BC6-1548-AC61-7314DB675A9D}" dt="2019-09-23T11:49:40.764" v="1759" actId="20577"/>
@@ -737,22 +409,6 @@
           <pc:docMk/>
           <pc:sldMk cId="1513627164" sldId="312"/>
         </pc:sldMkLst>
-        <pc:spChg chg="mod">
-          <ac:chgData name="Long B Nguyen" userId="f59fb8f3-a021-417a-8bc1-65c8d471c621" providerId="ADAL" clId="{A54A5039-9BC6-1548-AC61-7314DB675A9D}" dt="2019-09-20T12:44:10.623" v="1625" actId="20577"/>
-          <ac:spMkLst>
-            <pc:docMk/>
-            <pc:sldMk cId="1513627164" sldId="312"/>
-            <ac:spMk id="2" creationId="{AA3A228F-61D0-D949-A5E7-F83756230BF8}"/>
-          </ac:spMkLst>
-        </pc:spChg>
-        <pc:spChg chg="mod">
-          <ac:chgData name="Long B Nguyen" userId="f59fb8f3-a021-417a-8bc1-65c8d471c621" providerId="ADAL" clId="{A54A5039-9BC6-1548-AC61-7314DB675A9D}" dt="2019-09-23T11:49:40.764" v="1759" actId="20577"/>
-          <ac:spMkLst>
-            <pc:docMk/>
-            <pc:sldMk cId="1513627164" sldId="312"/>
-            <ac:spMk id="9" creationId="{E3B2E017-30B2-884B-A113-B419A2ED51AD}"/>
-          </ac:spMkLst>
-        </pc:spChg>
       </pc:sldChg>
       <pc:sldChg chg="modSp add modAnim">
         <pc:chgData name="Long B Nguyen" userId="f59fb8f3-a021-417a-8bc1-65c8d471c621" providerId="ADAL" clId="{A54A5039-9BC6-1548-AC61-7314DB675A9D}" dt="2019-09-23T11:58:57.499" v="1789"/>
@@ -760,14 +416,6 @@
           <pc:docMk/>
           <pc:sldMk cId="2097059918" sldId="313"/>
         </pc:sldMkLst>
-        <pc:spChg chg="mod">
-          <ac:chgData name="Long B Nguyen" userId="f59fb8f3-a021-417a-8bc1-65c8d471c621" providerId="ADAL" clId="{A54A5039-9BC6-1548-AC61-7314DB675A9D}" dt="2019-09-23T11:58:47.576" v="1783" actId="20577"/>
-          <ac:spMkLst>
-            <pc:docMk/>
-            <pc:sldMk cId="2097059918" sldId="313"/>
-            <ac:spMk id="9" creationId="{E3B2E017-30B2-884B-A113-B419A2ED51AD}"/>
-          </ac:spMkLst>
-        </pc:spChg>
       </pc:sldChg>
       <pc:sldChg chg="modSp add del">
         <pc:chgData name="Long B Nguyen" userId="f59fb8f3-a021-417a-8bc1-65c8d471c621" providerId="ADAL" clId="{A54A5039-9BC6-1548-AC61-7314DB675A9D}" dt="2019-09-24T11:43:27.284" v="2147" actId="2696"/>
@@ -775,22 +423,6 @@
           <pc:docMk/>
           <pc:sldMk cId="3916896519" sldId="314"/>
         </pc:sldMkLst>
-        <pc:spChg chg="mod">
-          <ac:chgData name="Long B Nguyen" userId="f59fb8f3-a021-417a-8bc1-65c8d471c621" providerId="ADAL" clId="{A54A5039-9BC6-1548-AC61-7314DB675A9D}" dt="2019-09-24T11:40:07.514" v="2003"/>
-          <ac:spMkLst>
-            <pc:docMk/>
-            <pc:sldMk cId="3916896519" sldId="314"/>
-            <ac:spMk id="2" creationId="{AA3A228F-61D0-D949-A5E7-F83756230BF8}"/>
-          </ac:spMkLst>
-        </pc:spChg>
-        <pc:spChg chg="mod">
-          <ac:chgData name="Long B Nguyen" userId="f59fb8f3-a021-417a-8bc1-65c8d471c621" providerId="ADAL" clId="{A54A5039-9BC6-1548-AC61-7314DB675A9D}" dt="2019-09-24T11:41:32.486" v="2043"/>
-          <ac:spMkLst>
-            <pc:docMk/>
-            <pc:sldMk cId="3916896519" sldId="314"/>
-            <ac:spMk id="9" creationId="{E3B2E017-30B2-884B-A113-B419A2ED51AD}"/>
-          </ac:spMkLst>
-        </pc:spChg>
       </pc:sldChg>
       <pc:sldChg chg="modSp add del">
         <pc:chgData name="Long B Nguyen" userId="f59fb8f3-a021-417a-8bc1-65c8d471c621" providerId="ADAL" clId="{A54A5039-9BC6-1548-AC61-7314DB675A9D}" dt="2019-09-24T14:05:24.942" v="2839" actId="2696"/>
@@ -798,22 +430,6 @@
           <pc:docMk/>
           <pc:sldMk cId="2798321153" sldId="315"/>
         </pc:sldMkLst>
-        <pc:spChg chg="mod">
-          <ac:chgData name="Long B Nguyen" userId="f59fb8f3-a021-417a-8bc1-65c8d471c621" providerId="ADAL" clId="{A54A5039-9BC6-1548-AC61-7314DB675A9D}" dt="2019-09-24T11:47:07.801" v="2189" actId="20577"/>
-          <ac:spMkLst>
-            <pc:docMk/>
-            <pc:sldMk cId="2798321153" sldId="315"/>
-            <ac:spMk id="2" creationId="{AA3A228F-61D0-D949-A5E7-F83756230BF8}"/>
-          </ac:spMkLst>
-        </pc:spChg>
-        <pc:spChg chg="mod">
-          <ac:chgData name="Long B Nguyen" userId="f59fb8f3-a021-417a-8bc1-65c8d471c621" providerId="ADAL" clId="{A54A5039-9BC6-1548-AC61-7314DB675A9D}" dt="2019-09-24T11:53:13.884" v="2630" actId="20577"/>
-          <ac:spMkLst>
-            <pc:docMk/>
-            <pc:sldMk cId="2798321153" sldId="315"/>
-            <ac:spMk id="9" creationId="{E3B2E017-30B2-884B-A113-B419A2ED51AD}"/>
-          </ac:spMkLst>
-        </pc:spChg>
       </pc:sldChg>
       <pc:sldChg chg="add">
         <pc:chgData name="Long B Nguyen" userId="f59fb8f3-a021-417a-8bc1-65c8d471c621" providerId="ADAL" clId="{A54A5039-9BC6-1548-AC61-7314DB675A9D}" dt="2019-09-24T11:47:01.081" v="2186"/>
@@ -828,22 +444,6 @@
           <pc:docMk/>
           <pc:sldMk cId="1787114790" sldId="317"/>
         </pc:sldMkLst>
-        <pc:spChg chg="mod">
-          <ac:chgData name="Long B Nguyen" userId="f59fb8f3-a021-417a-8bc1-65c8d471c621" providerId="ADAL" clId="{A54A5039-9BC6-1548-AC61-7314DB675A9D}" dt="2019-09-24T11:53:24.383" v="2634" actId="20577"/>
-          <ac:spMkLst>
-            <pc:docMk/>
-            <pc:sldMk cId="1787114790" sldId="317"/>
-            <ac:spMk id="2" creationId="{AA3A228F-61D0-D949-A5E7-F83756230BF8}"/>
-          </ac:spMkLst>
-        </pc:spChg>
-        <pc:spChg chg="mod">
-          <ac:chgData name="Long B Nguyen" userId="f59fb8f3-a021-417a-8bc1-65c8d471c621" providerId="ADAL" clId="{A54A5039-9BC6-1548-AC61-7314DB675A9D}" dt="2019-09-25T14:26:33.714" v="2899" actId="20577"/>
-          <ac:spMkLst>
-            <pc:docMk/>
-            <pc:sldMk cId="1787114790" sldId="317"/>
-            <ac:spMk id="9" creationId="{E3B2E017-30B2-884B-A113-B419A2ED51AD}"/>
-          </ac:spMkLst>
-        </pc:spChg>
       </pc:sldChg>
       <pc:sldChg chg="modSp add">
         <pc:chgData name="Long B Nguyen" userId="f59fb8f3-a021-417a-8bc1-65c8d471c621" providerId="ADAL" clId="{A54A5039-9BC6-1548-AC61-7314DB675A9D}" dt="2019-09-24T13:44:10.963" v="2838" actId="20577"/>
@@ -851,14 +451,6 @@
           <pc:docMk/>
           <pc:sldMk cId="1215229427" sldId="318"/>
         </pc:sldMkLst>
-        <pc:spChg chg="mod">
-          <ac:chgData name="Long B Nguyen" userId="f59fb8f3-a021-417a-8bc1-65c8d471c621" providerId="ADAL" clId="{A54A5039-9BC6-1548-AC61-7314DB675A9D}" dt="2019-09-24T13:44:10.963" v="2838" actId="20577"/>
-          <ac:spMkLst>
-            <pc:docMk/>
-            <pc:sldMk cId="1215229427" sldId="318"/>
-            <ac:spMk id="9" creationId="{E3B2E017-30B2-884B-A113-B419A2ED51AD}"/>
-          </ac:spMkLst>
-        </pc:spChg>
       </pc:sldChg>
     </pc:docChg>
   </pc:docChgLst>
@@ -875,22 +467,6 @@
           <pc:docMk/>
           <pc:sldMk cId="4247104139" sldId="256"/>
         </pc:sldMkLst>
-        <pc:spChg chg="mod">
-          <ac:chgData name="Long B Nguyen" userId="f59fb8f3-a021-417a-8bc1-65c8d471c621" providerId="ADAL" clId="{6AC26564-89E3-E046-BFB4-F80582D7E17B}" dt="2020-01-13T13:43:45.441" v="40" actId="20577"/>
-          <ac:spMkLst>
-            <pc:docMk/>
-            <pc:sldMk cId="4247104139" sldId="256"/>
-            <ac:spMk id="2" creationId="{6117A749-B1BA-E24B-8FB0-0604EF651FB3}"/>
-          </ac:spMkLst>
-        </pc:spChg>
-        <pc:spChg chg="mod">
-          <ac:chgData name="Long B Nguyen" userId="f59fb8f3-a021-417a-8bc1-65c8d471c621" providerId="ADAL" clId="{6AC26564-89E3-E046-BFB4-F80582D7E17B}" dt="2020-01-13T13:44:20.464" v="85" actId="20577"/>
-          <ac:spMkLst>
-            <pc:docMk/>
-            <pc:sldMk cId="4247104139" sldId="256"/>
-            <ac:spMk id="3" creationId="{1BDC47C8-6776-7B44-9CD4-95FC91452D62}"/>
-          </ac:spMkLst>
-        </pc:spChg>
       </pc:sldChg>
       <pc:sldChg chg="add del">
         <pc:chgData name="Long B Nguyen" userId="f59fb8f3-a021-417a-8bc1-65c8d471c621" providerId="ADAL" clId="{6AC26564-89E3-E046-BFB4-F80582D7E17B}" dt="2020-01-13T13:46:54.924" v="89" actId="2696"/>
@@ -905,14 +481,6 @@
           <pc:docMk/>
           <pc:sldMk cId="1758448129" sldId="309"/>
         </pc:sldMkLst>
-        <pc:spChg chg="mod">
-          <ac:chgData name="Long B Nguyen" userId="f59fb8f3-a021-417a-8bc1-65c8d471c621" providerId="ADAL" clId="{6AC26564-89E3-E046-BFB4-F80582D7E17B}" dt="2020-01-13T13:52:43.079" v="100" actId="2711"/>
-          <ac:spMkLst>
-            <pc:docMk/>
-            <pc:sldMk cId="1758448129" sldId="309"/>
-            <ac:spMk id="3" creationId="{4213F693-710A-A34B-8BA8-AF2EE315F4BD}"/>
-          </ac:spMkLst>
-        </pc:spChg>
       </pc:sldChg>
       <pc:sldChg chg="modSp add del">
         <pc:chgData name="Long B Nguyen" userId="f59fb8f3-a021-417a-8bc1-65c8d471c621" providerId="ADAL" clId="{6AC26564-89E3-E046-BFB4-F80582D7E17B}" dt="2020-01-13T13:46:55.484" v="90" actId="2696"/>
@@ -920,14 +488,6 @@
           <pc:docMk/>
           <pc:sldMk cId="174202529" sldId="310"/>
         </pc:sldMkLst>
-        <pc:spChg chg="mod">
-          <ac:chgData name="Long B Nguyen" userId="f59fb8f3-a021-417a-8bc1-65c8d471c621" providerId="ADAL" clId="{6AC26564-89E3-E046-BFB4-F80582D7E17B}" dt="2020-01-13T13:44:35.816" v="86" actId="20577"/>
-          <ac:spMkLst>
-            <pc:docMk/>
-            <pc:sldMk cId="174202529" sldId="310"/>
-            <ac:spMk id="18434" creationId="{72F3E48A-CDFA-CE46-B991-D35BF55EC8E6}"/>
-          </ac:spMkLst>
-        </pc:spChg>
       </pc:sldChg>
       <pc:sldChg chg="add del">
         <pc:chgData name="Long B Nguyen" userId="f59fb8f3-a021-417a-8bc1-65c8d471c621" providerId="ADAL" clId="{6AC26564-89E3-E046-BFB4-F80582D7E17B}" dt="2020-01-13T13:46:56.092" v="91" actId="2696"/>
@@ -949,14 +509,6 @@
           <pc:docMk/>
           <pc:sldMk cId="3947558204" sldId="313"/>
         </pc:sldMkLst>
-        <pc:spChg chg="mod">
-          <ac:chgData name="Long B Nguyen" userId="f59fb8f3-a021-417a-8bc1-65c8d471c621" providerId="ADAL" clId="{6AC26564-89E3-E046-BFB4-F80582D7E17B}" dt="2020-01-13T14:05:02.598" v="149" actId="20577"/>
-          <ac:spMkLst>
-            <pc:docMk/>
-            <pc:sldMk cId="3947558204" sldId="313"/>
-            <ac:spMk id="3" creationId="{44A58473-3189-0C44-8A5E-E353CDFB3E5C}"/>
-          </ac:spMkLst>
-        </pc:spChg>
       </pc:sldChg>
       <pc:sldChg chg="modSp add modAnim">
         <pc:chgData name="Long B Nguyen" userId="f59fb8f3-a021-417a-8bc1-65c8d471c621" providerId="ADAL" clId="{6AC26564-89E3-E046-BFB4-F80582D7E17B}" dt="2020-01-16T12:46:51.559" v="758" actId="255"/>
@@ -964,14 +516,6 @@
           <pc:docMk/>
           <pc:sldMk cId="2054265466" sldId="314"/>
         </pc:sldMkLst>
-        <pc:spChg chg="mod">
-          <ac:chgData name="Long B Nguyen" userId="f59fb8f3-a021-417a-8bc1-65c8d471c621" providerId="ADAL" clId="{6AC26564-89E3-E046-BFB4-F80582D7E17B}" dt="2020-01-16T12:46:51.559" v="758" actId="255"/>
-          <ac:spMkLst>
-            <pc:docMk/>
-            <pc:sldMk cId="2054265466" sldId="314"/>
-            <ac:spMk id="3" creationId="{A2015382-9B7F-FE46-8251-9DC1E84F44FE}"/>
-          </ac:spMkLst>
-        </pc:spChg>
       </pc:sldChg>
       <pc:sldChg chg="modSp add modAnim">
         <pc:chgData name="Long B Nguyen" userId="f59fb8f3-a021-417a-8bc1-65c8d471c621" providerId="ADAL" clId="{6AC26564-89E3-E046-BFB4-F80582D7E17B}" dt="2020-01-16T12:49:13.049" v="816" actId="255"/>
@@ -979,14 +523,6 @@
           <pc:docMk/>
           <pc:sldMk cId="917461937" sldId="315"/>
         </pc:sldMkLst>
-        <pc:spChg chg="mod">
-          <ac:chgData name="Long B Nguyen" userId="f59fb8f3-a021-417a-8bc1-65c8d471c621" providerId="ADAL" clId="{6AC26564-89E3-E046-BFB4-F80582D7E17B}" dt="2020-01-16T12:49:13.049" v="816" actId="255"/>
-          <ac:spMkLst>
-            <pc:docMk/>
-            <pc:sldMk cId="917461937" sldId="315"/>
-            <ac:spMk id="3" creationId="{1749D47C-23C2-834A-9FE9-50A8E8BE40E7}"/>
-          </ac:spMkLst>
-        </pc:spChg>
       </pc:sldChg>
       <pc:sldChg chg="del">
         <pc:chgData name="Long B Nguyen" userId="f59fb8f3-a021-417a-8bc1-65c8d471c621" providerId="ADAL" clId="{6AC26564-89E3-E046-BFB4-F80582D7E17B}" dt="2020-01-13T13:43:17.195" v="13" actId="2696"/>
@@ -1001,14 +537,6 @@
           <pc:docMk/>
           <pc:sldMk cId="3266234076" sldId="316"/>
         </pc:sldMkLst>
-        <pc:spChg chg="mod">
-          <ac:chgData name="Long B Nguyen" userId="f59fb8f3-a021-417a-8bc1-65c8d471c621" providerId="ADAL" clId="{6AC26564-89E3-E046-BFB4-F80582D7E17B}" dt="2020-01-16T12:49:23.670" v="817" actId="255"/>
-          <ac:spMkLst>
-            <pc:docMk/>
-            <pc:sldMk cId="3266234076" sldId="316"/>
-            <ac:spMk id="3" creationId="{C1BB7D3F-3A2C-0E43-B723-6E892A40421F}"/>
-          </ac:spMkLst>
-        </pc:spChg>
       </pc:sldChg>
       <pc:sldChg chg="addSp delSp modSp add">
         <pc:chgData name="Long B Nguyen" userId="f59fb8f3-a021-417a-8bc1-65c8d471c621" providerId="ADAL" clId="{6AC26564-89E3-E046-BFB4-F80582D7E17B}" dt="2020-01-16T12:48:56.620" v="814" actId="20577"/>
@@ -1016,30 +544,6 @@
           <pc:docMk/>
           <pc:sldMk cId="2886319738" sldId="317"/>
         </pc:sldMkLst>
-        <pc:spChg chg="mod">
-          <ac:chgData name="Long B Nguyen" userId="f59fb8f3-a021-417a-8bc1-65c8d471c621" providerId="ADAL" clId="{6AC26564-89E3-E046-BFB4-F80582D7E17B}" dt="2020-01-16T12:48:56.620" v="814" actId="20577"/>
-          <ac:spMkLst>
-            <pc:docMk/>
-            <pc:sldMk cId="2886319738" sldId="317"/>
-            <ac:spMk id="23553" creationId="{5E6C904F-B0D2-8542-BF56-4B43E4386E3D}"/>
-          </ac:spMkLst>
-        </pc:spChg>
-        <pc:picChg chg="add mod">
-          <ac:chgData name="Long B Nguyen" userId="f59fb8f3-a021-417a-8bc1-65c8d471c621" providerId="ADAL" clId="{6AC26564-89E3-E046-BFB4-F80582D7E17B}" dt="2020-01-16T12:47:30.817" v="764" actId="1076"/>
-          <ac:picMkLst>
-            <pc:docMk/>
-            <pc:sldMk cId="2886319738" sldId="317"/>
-            <ac:picMk id="2" creationId="{D5FC4C3C-5059-9845-989F-6DA2B906114F}"/>
-          </ac:picMkLst>
-        </pc:picChg>
-        <pc:picChg chg="del">
-          <ac:chgData name="Long B Nguyen" userId="f59fb8f3-a021-417a-8bc1-65c8d471c621" providerId="ADAL" clId="{6AC26564-89E3-E046-BFB4-F80582D7E17B}" dt="2020-01-16T12:47:24.975" v="761" actId="478"/>
-          <ac:picMkLst>
-            <pc:docMk/>
-            <pc:sldMk cId="2886319738" sldId="317"/>
-            <ac:picMk id="23555" creationId="{03C56796-055B-E94B-ACE3-C4CD06B2EB8A}"/>
-          </ac:picMkLst>
-        </pc:picChg>
       </pc:sldChg>
       <pc:sldChg chg="del">
         <pc:chgData name="Long B Nguyen" userId="f59fb8f3-a021-417a-8bc1-65c8d471c621" providerId="ADAL" clId="{6AC26564-89E3-E046-BFB4-F80582D7E17B}" dt="2020-01-13T13:43:16.993" v="0" actId="2696"/>
@@ -1054,22 +558,6 @@
           <pc:docMk/>
           <pc:sldMk cId="3906700287" sldId="319"/>
         </pc:sldMkLst>
-        <pc:spChg chg="mod">
-          <ac:chgData name="Long B Nguyen" userId="f59fb8f3-a021-417a-8bc1-65c8d471c621" providerId="ADAL" clId="{6AC26564-89E3-E046-BFB4-F80582D7E17B}" dt="2020-01-16T12:52:41.941" v="1121" actId="20577"/>
-          <ac:spMkLst>
-            <pc:docMk/>
-            <pc:sldMk cId="3906700287" sldId="319"/>
-            <ac:spMk id="3" creationId="{6BAAF3A1-8774-5448-8A90-E12045B4D3F2}"/>
-          </ac:spMkLst>
-        </pc:spChg>
-        <pc:picChg chg="mod">
-          <ac:chgData name="Long B Nguyen" userId="f59fb8f3-a021-417a-8bc1-65c8d471c621" providerId="ADAL" clId="{6AC26564-89E3-E046-BFB4-F80582D7E17B}" dt="2020-01-16T12:52:39.412" v="1113" actId="1076"/>
-          <ac:picMkLst>
-            <pc:docMk/>
-            <pc:sldMk cId="3906700287" sldId="319"/>
-            <ac:picMk id="27653" creationId="{75F4E284-8B62-804D-956D-6A4F07E681AD}"/>
-          </ac:picMkLst>
-        </pc:picChg>
       </pc:sldChg>
       <pc:sldChg chg="modSp add modAnim">
         <pc:chgData name="Long B Nguyen" userId="f59fb8f3-a021-417a-8bc1-65c8d471c621" providerId="ADAL" clId="{6AC26564-89E3-E046-BFB4-F80582D7E17B}" dt="2020-01-16T12:53:13.597" v="1127"/>
@@ -1077,14 +565,6 @@
           <pc:docMk/>
           <pc:sldMk cId="1810541734" sldId="320"/>
         </pc:sldMkLst>
-        <pc:spChg chg="mod">
-          <ac:chgData name="Long B Nguyen" userId="f59fb8f3-a021-417a-8bc1-65c8d471c621" providerId="ADAL" clId="{6AC26564-89E3-E046-BFB4-F80582D7E17B}" dt="2020-01-14T14:42:38.364" v="596" actId="20577"/>
-          <ac:spMkLst>
-            <pc:docMk/>
-            <pc:sldMk cId="1810541734" sldId="320"/>
-            <ac:spMk id="3" creationId="{D1CC84C1-64E3-8C44-A271-6413B01F1B9F}"/>
-          </ac:spMkLst>
-        </pc:spChg>
       </pc:sldChg>
       <pc:sldChg chg="del">
         <pc:chgData name="Long B Nguyen" userId="f59fb8f3-a021-417a-8bc1-65c8d471c621" providerId="ADAL" clId="{6AC26564-89E3-E046-BFB4-F80582D7E17B}" dt="2020-01-13T13:43:17.009" v="1" actId="2696"/>
@@ -1183,14 +663,6 @@
           <pc:docMk/>
           <pc:sldMk cId="4174920299" sldId="327"/>
         </pc:sldMkLst>
-        <pc:spChg chg="mod">
-          <ac:chgData name="Long B Nguyen" userId="f59fb8f3-a021-417a-8bc1-65c8d471c621" providerId="ADAL" clId="{6AC26564-89E3-E046-BFB4-F80582D7E17B}" dt="2020-01-16T12:53:51.150" v="1128" actId="1076"/>
-          <ac:spMkLst>
-            <pc:docMk/>
-            <pc:sldMk cId="4174920299" sldId="327"/>
-            <ac:spMk id="35842" creationId="{0B0C4E89-D419-8343-A309-ADA122397E36}"/>
-          </ac:spMkLst>
-        </pc:spChg>
       </pc:sldChg>
       <pc:sldChg chg="add">
         <pc:chgData name="Long B Nguyen" userId="f59fb8f3-a021-417a-8bc1-65c8d471c621" providerId="ADAL" clId="{6AC26564-89E3-E046-BFB4-F80582D7E17B}" dt="2020-01-13T13:43:29.420" v="22"/>
@@ -1212,46 +684,6 @@
           <pc:docMk/>
           <pc:sldMk cId="3080714931" sldId="329"/>
         </pc:sldMkLst>
-        <pc:spChg chg="mod">
-          <ac:chgData name="Long B Nguyen" userId="f59fb8f3-a021-417a-8bc1-65c8d471c621" providerId="ADAL" clId="{6AC26564-89E3-E046-BFB4-F80582D7E17B}" dt="2020-01-13T14:12:06.301" v="356" actId="14100"/>
-          <ac:spMkLst>
-            <pc:docMk/>
-            <pc:sldMk cId="3080714931" sldId="329"/>
-            <ac:spMk id="3" creationId="{BB8CCA41-667F-A84D-B02D-127C2C6A9C6F}"/>
-          </ac:spMkLst>
-        </pc:spChg>
-        <pc:spChg chg="add mod">
-          <ac:chgData name="Long B Nguyen" userId="f59fb8f3-a021-417a-8bc1-65c8d471c621" providerId="ADAL" clId="{6AC26564-89E3-E046-BFB4-F80582D7E17B}" dt="2020-01-13T14:12:01.184" v="353" actId="1076"/>
-          <ac:spMkLst>
-            <pc:docMk/>
-            <pc:sldMk cId="3080714931" sldId="329"/>
-            <ac:spMk id="6" creationId="{0C12779A-B12E-0448-BF0F-7347D8303363}"/>
-          </ac:spMkLst>
-        </pc:spChg>
-        <pc:spChg chg="add mod">
-          <ac:chgData name="Long B Nguyen" userId="f59fb8f3-a021-417a-8bc1-65c8d471c621" providerId="ADAL" clId="{6AC26564-89E3-E046-BFB4-F80582D7E17B}" dt="2020-01-13T14:12:14.884" v="363" actId="20577"/>
-          <ac:spMkLst>
-            <pc:docMk/>
-            <pc:sldMk cId="3080714931" sldId="329"/>
-            <ac:spMk id="11" creationId="{9C89A8C8-352A-8644-A4A5-084EFF78A7D2}"/>
-          </ac:spMkLst>
-        </pc:spChg>
-        <pc:cxnChg chg="add mod">
-          <ac:chgData name="Long B Nguyen" userId="f59fb8f3-a021-417a-8bc1-65c8d471c621" providerId="ADAL" clId="{6AC26564-89E3-E046-BFB4-F80582D7E17B}" dt="2020-01-13T14:11:39.483" v="341" actId="692"/>
-          <ac:cxnSpMkLst>
-            <pc:docMk/>
-            <pc:sldMk cId="3080714931" sldId="329"/>
-            <ac:cxnSpMk id="4" creationId="{F95E1657-42A9-DC49-AFC7-6462A6CBC043}"/>
-          </ac:cxnSpMkLst>
-        </pc:cxnChg>
-        <pc:cxnChg chg="add mod">
-          <ac:chgData name="Long B Nguyen" userId="f59fb8f3-a021-417a-8bc1-65c8d471c621" providerId="ADAL" clId="{6AC26564-89E3-E046-BFB4-F80582D7E17B}" dt="2020-01-13T14:12:22.399" v="366" actId="1076"/>
-          <ac:cxnSpMkLst>
-            <pc:docMk/>
-            <pc:sldMk cId="3080714931" sldId="329"/>
-            <ac:cxnSpMk id="10" creationId="{ABDF95F1-7709-2B48-B322-0972E58D26B3}"/>
-          </ac:cxnSpMkLst>
-        </pc:cxnChg>
       </pc:sldChg>
       <pc:sldChg chg="del">
         <pc:chgData name="Long B Nguyen" userId="f59fb8f3-a021-417a-8bc1-65c8d471c621" providerId="ADAL" clId="{6AC26564-89E3-E046-BFB4-F80582D7E17B}" dt="2020-01-13T13:43:17.064" v="4" actId="2696"/>
@@ -1266,14 +698,6 @@
           <pc:docMk/>
           <pc:sldMk cId="532184546" sldId="330"/>
         </pc:sldMkLst>
-        <pc:spChg chg="mod">
-          <ac:chgData name="Long B Nguyen" userId="f59fb8f3-a021-417a-8bc1-65c8d471c621" providerId="ADAL" clId="{6AC26564-89E3-E046-BFB4-F80582D7E17B}" dt="2020-01-16T12:55:29.239" v="1161" actId="20577"/>
-          <ac:spMkLst>
-            <pc:docMk/>
-            <pc:sldMk cId="532184546" sldId="330"/>
-            <ac:spMk id="39937" creationId="{8C524C6D-7080-AE45-B989-CF5B895D67C8}"/>
-          </ac:spMkLst>
-        </pc:spChg>
       </pc:sldChg>
       <pc:sldChg chg="del">
         <pc:chgData name="Long B Nguyen" userId="f59fb8f3-a021-417a-8bc1-65c8d471c621" providerId="ADAL" clId="{6AC26564-89E3-E046-BFB4-F80582D7E17B}" dt="2020-01-13T13:43:17.136" v="8" actId="2696"/>
@@ -1288,14 +712,6 @@
           <pc:docMk/>
           <pc:sldMk cId="3264629021" sldId="331"/>
         </pc:sldMkLst>
-        <pc:spChg chg="mod">
-          <ac:chgData name="Long B Nguyen" userId="f59fb8f3-a021-417a-8bc1-65c8d471c621" providerId="ADAL" clId="{6AC26564-89E3-E046-BFB4-F80582D7E17B}" dt="2020-01-16T12:55:34.788" v="1174" actId="20577"/>
-          <ac:spMkLst>
-            <pc:docMk/>
-            <pc:sldMk cId="3264629021" sldId="331"/>
-            <ac:spMk id="40961" creationId="{296F68FC-4103-DB4E-A72A-65C1FF52FEE9}"/>
-          </ac:spMkLst>
-        </pc:spChg>
       </pc:sldChg>
       <pc:sldChg chg="del">
         <pc:chgData name="Long B Nguyen" userId="f59fb8f3-a021-417a-8bc1-65c8d471c621" providerId="ADAL" clId="{6AC26564-89E3-E046-BFB4-F80582D7E17B}" dt="2020-01-13T13:43:17.188" v="12" actId="2696"/>
@@ -1317,14 +733,6 @@
           <pc:docMk/>
           <pc:sldMk cId="4022722016" sldId="332"/>
         </pc:sldMkLst>
-        <pc:spChg chg="mod">
-          <ac:chgData name="Long B Nguyen" userId="f59fb8f3-a021-417a-8bc1-65c8d471c621" providerId="ADAL" clId="{6AC26564-89E3-E046-BFB4-F80582D7E17B}" dt="2020-01-13T14:18:10.052" v="509" actId="20577"/>
-          <ac:spMkLst>
-            <pc:docMk/>
-            <pc:sldMk cId="4022722016" sldId="332"/>
-            <ac:spMk id="44034" creationId="{0EF23BEA-EF32-984F-8450-57FC941452FE}"/>
-          </ac:spMkLst>
-        </pc:spChg>
       </pc:sldChg>
       <pc:sldChg chg="add">
         <pc:chgData name="Long B Nguyen" userId="f59fb8f3-a021-417a-8bc1-65c8d471c621" providerId="ADAL" clId="{6AC26564-89E3-E046-BFB4-F80582D7E17B}" dt="2020-01-13T13:43:29.420" v="22"/>
@@ -1381,14 +789,6 @@
           <pc:docMk/>
           <pc:sldMk cId="678299524" sldId="340"/>
         </pc:sldMkLst>
-        <pc:spChg chg="mod">
-          <ac:chgData name="Long B Nguyen" userId="f59fb8f3-a021-417a-8bc1-65c8d471c621" providerId="ADAL" clId="{6AC26564-89E3-E046-BFB4-F80582D7E17B}" dt="2020-01-16T12:56:12.663" v="1177" actId="20577"/>
-          <ac:spMkLst>
-            <pc:docMk/>
-            <pc:sldMk cId="678299524" sldId="340"/>
-            <ac:spMk id="50178" creationId="{67FBFF4E-84BD-104A-B697-66B57B261691}"/>
-          </ac:spMkLst>
-        </pc:spChg>
       </pc:sldChg>
       <pc:sldChg chg="modSp add modAnim">
         <pc:chgData name="Long B Nguyen" userId="f59fb8f3-a021-417a-8bc1-65c8d471c621" providerId="ADAL" clId="{6AC26564-89E3-E046-BFB4-F80582D7E17B}" dt="2020-01-13T14:19:32.433" v="590" actId="20577"/>
@@ -1396,14 +796,6 @@
           <pc:docMk/>
           <pc:sldMk cId="225127645" sldId="341"/>
         </pc:sldMkLst>
-        <pc:spChg chg="mod">
-          <ac:chgData name="Long B Nguyen" userId="f59fb8f3-a021-417a-8bc1-65c8d471c621" providerId="ADAL" clId="{6AC26564-89E3-E046-BFB4-F80582D7E17B}" dt="2020-01-13T14:19:32.433" v="590" actId="20577"/>
-          <ac:spMkLst>
-            <pc:docMk/>
-            <pc:sldMk cId="225127645" sldId="341"/>
-            <ac:spMk id="3" creationId="{C4B2C292-CF9B-CF4B-95A6-2A1828F1B32F}"/>
-          </ac:spMkLst>
-        </pc:spChg>
       </pc:sldChg>
       <pc:sldChg chg="add">
         <pc:chgData name="Long B Nguyen" userId="f59fb8f3-a021-417a-8bc1-65c8d471c621" providerId="ADAL" clId="{6AC26564-89E3-E046-BFB4-F80582D7E17B}" dt="2020-01-13T13:43:29.420" v="22"/>
@@ -1418,14 +810,6 @@
           <pc:docMk/>
           <pc:sldMk cId="1356056044" sldId="343"/>
         </pc:sldMkLst>
-        <pc:spChg chg="mod">
-          <ac:chgData name="Long B Nguyen" userId="f59fb8f3-a021-417a-8bc1-65c8d471c621" providerId="ADAL" clId="{6AC26564-89E3-E046-BFB4-F80582D7E17B}" dt="2020-01-14T14:43:22.774" v="624" actId="20577"/>
-          <ac:spMkLst>
-            <pc:docMk/>
-            <pc:sldMk cId="1356056044" sldId="343"/>
-            <ac:spMk id="3" creationId="{BB84A3DF-3845-E44E-BE23-31EA988FAEBB}"/>
-          </ac:spMkLst>
-        </pc:spChg>
       </pc:sldChg>
       <pc:sldChg chg="modSp add">
         <pc:chgData name="Long B Nguyen" userId="f59fb8f3-a021-417a-8bc1-65c8d471c621" providerId="ADAL" clId="{6AC26564-89E3-E046-BFB4-F80582D7E17B}" dt="2020-01-13T13:52:32.924" v="99" actId="2711"/>
@@ -1433,14 +817,6 @@
           <pc:docMk/>
           <pc:sldMk cId="1270247652" sldId="344"/>
         </pc:sldMkLst>
-        <pc:spChg chg="mod">
-          <ac:chgData name="Long B Nguyen" userId="f59fb8f3-a021-417a-8bc1-65c8d471c621" providerId="ADAL" clId="{6AC26564-89E3-E046-BFB4-F80582D7E17B}" dt="2020-01-13T13:52:32.924" v="99" actId="2711"/>
-          <ac:spMkLst>
-            <pc:docMk/>
-            <pc:sldMk cId="1270247652" sldId="344"/>
-            <ac:spMk id="55298" creationId="{4AA38F8C-E2AA-EA4D-A486-FA2F457B38F7}"/>
-          </ac:spMkLst>
-        </pc:spChg>
       </pc:sldChg>
       <pc:sldChg chg="modSp add modAnim">
         <pc:chgData name="Long B Nguyen" userId="f59fb8f3-a021-417a-8bc1-65c8d471c621" providerId="ADAL" clId="{6AC26564-89E3-E046-BFB4-F80582D7E17B}" dt="2020-01-16T12:52:56.169" v="1124"/>
@@ -1448,30 +824,6 @@
           <pc:docMk/>
           <pc:sldMk cId="902308803" sldId="345"/>
         </pc:sldMkLst>
-        <pc:spChg chg="mod">
-          <ac:chgData name="Long B Nguyen" userId="f59fb8f3-a021-417a-8bc1-65c8d471c621" providerId="ADAL" clId="{6AC26564-89E3-E046-BFB4-F80582D7E17B}" dt="2020-01-16T12:51:09.080" v="992" actId="1076"/>
-          <ac:spMkLst>
-            <pc:docMk/>
-            <pc:sldMk cId="902308803" sldId="345"/>
-            <ac:spMk id="26625" creationId="{EEE37393-73E7-7A42-A21D-4773DC200BF6}"/>
-          </ac:spMkLst>
-        </pc:spChg>
-        <pc:spChg chg="mod">
-          <ac:chgData name="Long B Nguyen" userId="f59fb8f3-a021-417a-8bc1-65c8d471c621" providerId="ADAL" clId="{6AC26564-89E3-E046-BFB4-F80582D7E17B}" dt="2020-01-16T12:51:14.786" v="994" actId="255"/>
-          <ac:spMkLst>
-            <pc:docMk/>
-            <pc:sldMk cId="902308803" sldId="345"/>
-            <ac:spMk id="26626" creationId="{EBDCF6EE-E392-F04F-9B69-A1B47BE13E5F}"/>
-          </ac:spMkLst>
-        </pc:spChg>
-        <pc:picChg chg="mod">
-          <ac:chgData name="Long B Nguyen" userId="f59fb8f3-a021-417a-8bc1-65c8d471c621" providerId="ADAL" clId="{6AC26564-89E3-E046-BFB4-F80582D7E17B}" dt="2020-01-16T12:51:17.248" v="995" actId="1076"/>
-          <ac:picMkLst>
-            <pc:docMk/>
-            <pc:sldMk cId="902308803" sldId="345"/>
-            <ac:picMk id="26627" creationId="{4CB819D5-BF58-EF49-ADC3-C5DAC8299BED}"/>
-          </ac:picMkLst>
-        </pc:picChg>
       </pc:sldChg>
       <pc:sldChg chg="add">
         <pc:chgData name="Long B Nguyen" userId="f59fb8f3-a021-417a-8bc1-65c8d471c621" providerId="ADAL" clId="{6AC26564-89E3-E046-BFB4-F80582D7E17B}" dt="2020-01-13T13:43:29.420" v="22"/>
@@ -1493,14 +845,6 @@
           <pc:docMk/>
           <pc:sldMk cId="3556500226" sldId="347"/>
         </pc:sldMkLst>
-        <pc:spChg chg="mod">
-          <ac:chgData name="Long B Nguyen" userId="f59fb8f3-a021-417a-8bc1-65c8d471c621" providerId="ADAL" clId="{6AC26564-89E3-E046-BFB4-F80582D7E17B}" dt="2020-01-14T14:41:50.033" v="591" actId="1076"/>
-          <ac:spMkLst>
-            <pc:docMk/>
-            <pc:sldMk cId="3556500226" sldId="347"/>
-            <ac:spMk id="35842" creationId="{0B0C4E89-D419-8343-A309-ADA122397E36}"/>
-          </ac:spMkLst>
-        </pc:spChg>
       </pc:sldChg>
       <pc:sldChg chg="addSp delSp modSp add">
         <pc:chgData name="Long B Nguyen" userId="f59fb8f3-a021-417a-8bc1-65c8d471c621" providerId="ADAL" clId="{6AC26564-89E3-E046-BFB4-F80582D7E17B}" dt="2020-01-16T12:48:48.788" v="791" actId="20577"/>
@@ -1508,38 +852,68 @@
           <pc:docMk/>
           <pc:sldMk cId="3512088914" sldId="348"/>
         </pc:sldMkLst>
+      </pc:sldChg>
+    </pc:docChg>
+  </pc:docChgLst>
+  <pc:docChgLst>
+    <pc:chgData name="Long B Nguyen" userId="f59fb8f3-a021-417a-8bc1-65c8d471c621" providerId="ADAL" clId="{63956BDE-1760-9E47-86E5-1948DE91DAB5}"/>
+    <pc:docChg chg="undo custSel modSld">
+      <pc:chgData name="Long B Nguyen" userId="f59fb8f3-a021-417a-8bc1-65c8d471c621" providerId="ADAL" clId="{63956BDE-1760-9E47-86E5-1948DE91DAB5}" dt="2024-11-18T03:25:48.662" v="881" actId="20577"/>
+      <pc:docMkLst>
+        <pc:docMk/>
+      </pc:docMkLst>
+      <pc:sldChg chg="modSp mod">
+        <pc:chgData name="Long B Nguyen" userId="f59fb8f3-a021-417a-8bc1-65c8d471c621" providerId="ADAL" clId="{63956BDE-1760-9E47-86E5-1948DE91DAB5}" dt="2024-11-18T03:20:03.837" v="427" actId="20577"/>
+        <pc:sldMkLst>
+          <pc:docMk/>
+          <pc:sldMk cId="1902012464" sldId="315"/>
+        </pc:sldMkLst>
         <pc:spChg chg="mod">
-          <ac:chgData name="Long B Nguyen" userId="f59fb8f3-a021-417a-8bc1-65c8d471c621" providerId="ADAL" clId="{6AC26564-89E3-E046-BFB4-F80582D7E17B}" dt="2020-01-16T12:48:48.788" v="791" actId="20577"/>
+          <ac:chgData name="Long B Nguyen" userId="f59fb8f3-a021-417a-8bc1-65c8d471c621" providerId="ADAL" clId="{63956BDE-1760-9E47-86E5-1948DE91DAB5}" dt="2024-11-18T03:19:46.661" v="404" actId="20577"/>
           <ac:spMkLst>
             <pc:docMk/>
-            <pc:sldMk cId="3512088914" sldId="348"/>
-            <ac:spMk id="23553" creationId="{5E6C904F-B0D2-8542-BF56-4B43E4386E3D}"/>
+            <pc:sldMk cId="1902012464" sldId="315"/>
+            <ac:spMk id="3" creationId="{1749D47C-23C2-834A-9FE9-50A8E8BE40E7}"/>
           </ac:spMkLst>
         </pc:spChg>
-        <pc:picChg chg="del">
-          <ac:chgData name="Long B Nguyen" userId="f59fb8f3-a021-417a-8bc1-65c8d471c621" providerId="ADAL" clId="{6AC26564-89E3-E046-BFB4-F80582D7E17B}" dt="2020-01-16T12:47:37.467" v="765" actId="478"/>
-          <ac:picMkLst>
+        <pc:spChg chg="mod">
+          <ac:chgData name="Long B Nguyen" userId="f59fb8f3-a021-417a-8bc1-65c8d471c621" providerId="ADAL" clId="{63956BDE-1760-9E47-86E5-1948DE91DAB5}" dt="2024-11-18T03:20:03.837" v="427" actId="20577"/>
+          <ac:spMkLst>
             <pc:docMk/>
-            <pc:sldMk cId="3512088914" sldId="348"/>
-            <ac:picMk id="2" creationId="{D5FC4C3C-5059-9845-989F-6DA2B906114F}"/>
-          </ac:picMkLst>
-        </pc:picChg>
-        <pc:picChg chg="add mod">
-          <ac:chgData name="Long B Nguyen" userId="f59fb8f3-a021-417a-8bc1-65c8d471c621" providerId="ADAL" clId="{6AC26564-89E3-E046-BFB4-F80582D7E17B}" dt="2020-01-16T12:47:50.861" v="770" actId="1076"/>
-          <ac:picMkLst>
+            <pc:sldMk cId="1902012464" sldId="315"/>
+            <ac:spMk id="24577" creationId="{44A4C074-C74F-714A-A8EE-ABAB5BC20626}"/>
+          </ac:spMkLst>
+        </pc:spChg>
+      </pc:sldChg>
+      <pc:sldChg chg="modSp mod modAnim">
+        <pc:chgData name="Long B Nguyen" userId="f59fb8f3-a021-417a-8bc1-65c8d471c621" providerId="ADAL" clId="{63956BDE-1760-9E47-86E5-1948DE91DAB5}" dt="2024-11-18T03:25:48.662" v="881" actId="20577"/>
+        <pc:sldMkLst>
+          <pc:docMk/>
+          <pc:sldMk cId="1824894821" sldId="316"/>
+        </pc:sldMkLst>
+        <pc:spChg chg="mod">
+          <ac:chgData name="Long B Nguyen" userId="f59fb8f3-a021-417a-8bc1-65c8d471c621" providerId="ADAL" clId="{63956BDE-1760-9E47-86E5-1948DE91DAB5}" dt="2024-11-18T03:25:48.662" v="881" actId="20577"/>
+          <ac:spMkLst>
             <pc:docMk/>
-            <pc:sldMk cId="3512088914" sldId="348"/>
-            <ac:picMk id="3" creationId="{CB795113-FB6C-E648-85D0-183CDD5AF882}"/>
-          </ac:picMkLst>
-        </pc:picChg>
-        <pc:picChg chg="del">
-          <ac:chgData name="Long B Nguyen" userId="f59fb8f3-a021-417a-8bc1-65c8d471c621" providerId="ADAL" clId="{6AC26564-89E3-E046-BFB4-F80582D7E17B}" dt="2020-01-16T12:47:46.031" v="767" actId="478"/>
-          <ac:picMkLst>
+            <pc:sldMk cId="1824894821" sldId="316"/>
+            <ac:spMk id="3" creationId="{C1BB7D3F-3A2C-0E43-B723-6E892A40421F}"/>
+          </ac:spMkLst>
+        </pc:spChg>
+      </pc:sldChg>
+      <pc:sldChg chg="modSp">
+        <pc:chgData name="Long B Nguyen" userId="f59fb8f3-a021-417a-8bc1-65c8d471c621" providerId="ADAL" clId="{63956BDE-1760-9E47-86E5-1948DE91DAB5}" dt="2024-11-18T03:11:45.539" v="103" actId="20577"/>
+        <pc:sldMkLst>
+          <pc:docMk/>
+          <pc:sldMk cId="1173183267" sldId="350"/>
+        </pc:sldMkLst>
+        <pc:spChg chg="mod">
+          <ac:chgData name="Long B Nguyen" userId="f59fb8f3-a021-417a-8bc1-65c8d471c621" providerId="ADAL" clId="{63956BDE-1760-9E47-86E5-1948DE91DAB5}" dt="2024-11-18T03:11:45.539" v="103" actId="20577"/>
+          <ac:spMkLst>
             <pc:docMk/>
-            <pc:sldMk cId="3512088914" sldId="348"/>
-            <ac:picMk id="23555" creationId="{03C56796-055B-E94B-ACE3-C4CD06B2EB8A}"/>
-          </ac:picMkLst>
-        </pc:picChg>
+            <pc:sldMk cId="1173183267" sldId="350"/>
+            <ac:spMk id="3" creationId="{44A58473-3189-0C44-8A5E-E353CDFB3E5C}"/>
+          </ac:spMkLst>
+        </pc:spChg>
       </pc:sldChg>
     </pc:docChg>
   </pc:docChgLst>
@@ -1556,22 +930,6 @@
           <pc:docMk/>
           <pc:sldMk cId="924617162" sldId="319"/>
         </pc:sldMkLst>
-        <pc:spChg chg="mod">
-          <ac:chgData name="Long B Nguyen" userId="f59fb8f3-a021-417a-8bc1-65c8d471c621" providerId="ADAL" clId="{CC9C9D9A-5149-2947-86C0-576F501F60DC}" dt="2020-01-04T15:45:14.876" v="4" actId="20577"/>
-          <ac:spMkLst>
-            <pc:docMk/>
-            <pc:sldMk cId="924617162" sldId="319"/>
-            <ac:spMk id="2" creationId="{AA3A228F-61D0-D949-A5E7-F83756230BF8}"/>
-          </ac:spMkLst>
-        </pc:spChg>
-        <pc:spChg chg="mod">
-          <ac:chgData name="Long B Nguyen" userId="f59fb8f3-a021-417a-8bc1-65c8d471c621" providerId="ADAL" clId="{CC9C9D9A-5149-2947-86C0-576F501F60DC}" dt="2020-01-04T15:49:37.373" v="563" actId="20577"/>
-          <ac:spMkLst>
-            <pc:docMk/>
-            <pc:sldMk cId="924617162" sldId="319"/>
-            <ac:spMk id="9" creationId="{E3B2E017-30B2-884B-A113-B419A2ED51AD}"/>
-          </ac:spMkLst>
-        </pc:spChg>
       </pc:sldChg>
       <pc:sldChg chg="modSp add">
         <pc:chgData name="Long B Nguyen" userId="f59fb8f3-a021-417a-8bc1-65c8d471c621" providerId="ADAL" clId="{CC9C9D9A-5149-2947-86C0-576F501F60DC}" dt="2020-01-04T15:57:55.835" v="789" actId="14100"/>
@@ -1579,22 +937,6 @@
           <pc:docMk/>
           <pc:sldMk cId="3758830494" sldId="320"/>
         </pc:sldMkLst>
-        <pc:spChg chg="mod">
-          <ac:chgData name="Long B Nguyen" userId="f59fb8f3-a021-417a-8bc1-65c8d471c621" providerId="ADAL" clId="{CC9C9D9A-5149-2947-86C0-576F501F60DC}" dt="2020-01-04T15:57:52.065" v="788" actId="1076"/>
-          <ac:spMkLst>
-            <pc:docMk/>
-            <pc:sldMk cId="3758830494" sldId="320"/>
-            <ac:spMk id="2" creationId="{AA3A228F-61D0-D949-A5E7-F83756230BF8}"/>
-          </ac:spMkLst>
-        </pc:spChg>
-        <pc:spChg chg="mod">
-          <ac:chgData name="Long B Nguyen" userId="f59fb8f3-a021-417a-8bc1-65c8d471c621" providerId="ADAL" clId="{CC9C9D9A-5149-2947-86C0-576F501F60DC}" dt="2020-01-04T15:57:55.835" v="789" actId="14100"/>
-          <ac:spMkLst>
-            <pc:docMk/>
-            <pc:sldMk cId="3758830494" sldId="320"/>
-            <ac:spMk id="9" creationId="{E3B2E017-30B2-884B-A113-B419A2ED51AD}"/>
-          </ac:spMkLst>
-        </pc:spChg>
       </pc:sldChg>
       <pc:sldChg chg="modSp add">
         <pc:chgData name="Long B Nguyen" userId="f59fb8f3-a021-417a-8bc1-65c8d471c621" providerId="ADAL" clId="{CC9C9D9A-5149-2947-86C0-576F501F60DC}" dt="2020-01-05T21:51:37.442" v="2325" actId="20577"/>
@@ -1602,22 +944,6 @@
           <pc:docMk/>
           <pc:sldMk cId="1022945305" sldId="321"/>
         </pc:sldMkLst>
-        <pc:spChg chg="mod">
-          <ac:chgData name="Long B Nguyen" userId="f59fb8f3-a021-417a-8bc1-65c8d471c621" providerId="ADAL" clId="{CC9C9D9A-5149-2947-86C0-576F501F60DC}" dt="2020-01-05T21:51:37.442" v="2325" actId="20577"/>
-          <ac:spMkLst>
-            <pc:docMk/>
-            <pc:sldMk cId="1022945305" sldId="321"/>
-            <ac:spMk id="2" creationId="{AA3A228F-61D0-D949-A5E7-F83756230BF8}"/>
-          </ac:spMkLst>
-        </pc:spChg>
-        <pc:spChg chg="mod">
-          <ac:chgData name="Long B Nguyen" userId="f59fb8f3-a021-417a-8bc1-65c8d471c621" providerId="ADAL" clId="{CC9C9D9A-5149-2947-86C0-576F501F60DC}" dt="2020-01-05T21:33:21.485" v="2304" actId="20577"/>
-          <ac:spMkLst>
-            <pc:docMk/>
-            <pc:sldMk cId="1022945305" sldId="321"/>
-            <ac:spMk id="9" creationId="{E3B2E017-30B2-884B-A113-B419A2ED51AD}"/>
-          </ac:spMkLst>
-        </pc:spChg>
       </pc:sldChg>
       <pc:sldChg chg="modSp add">
         <pc:chgData name="Long B Nguyen" userId="f59fb8f3-a021-417a-8bc1-65c8d471c621" providerId="ADAL" clId="{CC9C9D9A-5149-2947-86C0-576F501F60DC}" dt="2020-01-04T17:41:57.489" v="1203" actId="20577"/>
@@ -1625,14 +951,6 @@
           <pc:docMk/>
           <pc:sldMk cId="3456840474" sldId="322"/>
         </pc:sldMkLst>
-        <pc:spChg chg="mod">
-          <ac:chgData name="Long B Nguyen" userId="f59fb8f3-a021-417a-8bc1-65c8d471c621" providerId="ADAL" clId="{CC9C9D9A-5149-2947-86C0-576F501F60DC}" dt="2020-01-04T17:41:57.489" v="1203" actId="20577"/>
-          <ac:spMkLst>
-            <pc:docMk/>
-            <pc:sldMk cId="3456840474" sldId="322"/>
-            <ac:spMk id="9" creationId="{E3B2E017-30B2-884B-A113-B419A2ED51AD}"/>
-          </ac:spMkLst>
-        </pc:spChg>
       </pc:sldChg>
       <pc:sldChg chg="modSp add">
         <pc:chgData name="Long B Nguyen" userId="f59fb8f3-a021-417a-8bc1-65c8d471c621" providerId="ADAL" clId="{CC9C9D9A-5149-2947-86C0-576F501F60DC}" dt="2020-01-04T18:38:26.241" v="1214" actId="113"/>
@@ -1640,14 +958,6 @@
           <pc:docMk/>
           <pc:sldMk cId="1062075874" sldId="323"/>
         </pc:sldMkLst>
-        <pc:spChg chg="mod">
-          <ac:chgData name="Long B Nguyen" userId="f59fb8f3-a021-417a-8bc1-65c8d471c621" providerId="ADAL" clId="{CC9C9D9A-5149-2947-86C0-576F501F60DC}" dt="2020-01-04T18:38:26.241" v="1214" actId="113"/>
-          <ac:spMkLst>
-            <pc:docMk/>
-            <pc:sldMk cId="1062075874" sldId="323"/>
-            <ac:spMk id="9" creationId="{E3B2E017-30B2-884B-A113-B419A2ED51AD}"/>
-          </ac:spMkLst>
-        </pc:spChg>
       </pc:sldChg>
       <pc:sldChg chg="modSp add">
         <pc:chgData name="Long B Nguyen" userId="f59fb8f3-a021-417a-8bc1-65c8d471c621" providerId="ADAL" clId="{CC9C9D9A-5149-2947-86C0-576F501F60DC}" dt="2020-01-04T20:58:36.932" v="1972" actId="20577"/>
@@ -1655,22 +965,6 @@
           <pc:docMk/>
           <pc:sldMk cId="1310010799" sldId="324"/>
         </pc:sldMkLst>
-        <pc:spChg chg="mod">
-          <ac:chgData name="Long B Nguyen" userId="f59fb8f3-a021-417a-8bc1-65c8d471c621" providerId="ADAL" clId="{CC9C9D9A-5149-2947-86C0-576F501F60DC}" dt="2020-01-04T20:55:25.731" v="1962" actId="1076"/>
-          <ac:spMkLst>
-            <pc:docMk/>
-            <pc:sldMk cId="1310010799" sldId="324"/>
-            <ac:spMk id="2" creationId="{AA3A228F-61D0-D949-A5E7-F83756230BF8}"/>
-          </ac:spMkLst>
-        </pc:spChg>
-        <pc:spChg chg="mod">
-          <ac:chgData name="Long B Nguyen" userId="f59fb8f3-a021-417a-8bc1-65c8d471c621" providerId="ADAL" clId="{CC9C9D9A-5149-2947-86C0-576F501F60DC}" dt="2020-01-04T20:58:36.932" v="1972" actId="20577"/>
-          <ac:spMkLst>
-            <pc:docMk/>
-            <pc:sldMk cId="1310010799" sldId="324"/>
-            <ac:spMk id="9" creationId="{E3B2E017-30B2-884B-A113-B419A2ED51AD}"/>
-          </ac:spMkLst>
-        </pc:spChg>
       </pc:sldChg>
       <pc:sldChg chg="modSp add">
         <pc:chgData name="Long B Nguyen" userId="f59fb8f3-a021-417a-8bc1-65c8d471c621" providerId="ADAL" clId="{CC9C9D9A-5149-2947-86C0-576F501F60DC}" dt="2020-01-05T21:27:04.952" v="2119" actId="20577"/>
@@ -1678,22 +972,6 @@
           <pc:docMk/>
           <pc:sldMk cId="3314372952" sldId="325"/>
         </pc:sldMkLst>
-        <pc:spChg chg="mod">
-          <ac:chgData name="Long B Nguyen" userId="f59fb8f3-a021-417a-8bc1-65c8d471c621" providerId="ADAL" clId="{CC9C9D9A-5149-2947-86C0-576F501F60DC}" dt="2020-01-05T21:26:41.210" v="2114" actId="20577"/>
-          <ac:spMkLst>
-            <pc:docMk/>
-            <pc:sldMk cId="3314372952" sldId="325"/>
-            <ac:spMk id="2" creationId="{AA3A228F-61D0-D949-A5E7-F83756230BF8}"/>
-          </ac:spMkLst>
-        </pc:spChg>
-        <pc:spChg chg="mod">
-          <ac:chgData name="Long B Nguyen" userId="f59fb8f3-a021-417a-8bc1-65c8d471c621" providerId="ADAL" clId="{CC9C9D9A-5149-2947-86C0-576F501F60DC}" dt="2020-01-05T21:27:04.952" v="2119" actId="20577"/>
-          <ac:spMkLst>
-            <pc:docMk/>
-            <pc:sldMk cId="3314372952" sldId="325"/>
-            <ac:spMk id="9" creationId="{E3B2E017-30B2-884B-A113-B419A2ED51AD}"/>
-          </ac:spMkLst>
-        </pc:spChg>
       </pc:sldChg>
       <pc:sldChg chg="modSp add">
         <pc:chgData name="Long B Nguyen" userId="f59fb8f3-a021-417a-8bc1-65c8d471c621" providerId="ADAL" clId="{CC9C9D9A-5149-2947-86C0-576F501F60DC}" dt="2020-01-05T21:29:58.563" v="2178" actId="20577"/>
@@ -1701,14 +979,6 @@
           <pc:docMk/>
           <pc:sldMk cId="3117943122" sldId="326"/>
         </pc:sldMkLst>
-        <pc:spChg chg="mod">
-          <ac:chgData name="Long B Nguyen" userId="f59fb8f3-a021-417a-8bc1-65c8d471c621" providerId="ADAL" clId="{CC9C9D9A-5149-2947-86C0-576F501F60DC}" dt="2020-01-05T21:29:58.563" v="2178" actId="20577"/>
-          <ac:spMkLst>
-            <pc:docMk/>
-            <pc:sldMk cId="3117943122" sldId="326"/>
-            <ac:spMk id="9" creationId="{E3B2E017-30B2-884B-A113-B419A2ED51AD}"/>
-          </ac:spMkLst>
-        </pc:spChg>
       </pc:sldChg>
       <pc:sldChg chg="modSp add">
         <pc:chgData name="Long B Nguyen" userId="f59fb8f3-a021-417a-8bc1-65c8d471c621" providerId="ADAL" clId="{CC9C9D9A-5149-2947-86C0-576F501F60DC}" dt="2020-01-05T21:59:55.597" v="2392" actId="14100"/>
@@ -1716,14 +986,6 @@
           <pc:docMk/>
           <pc:sldMk cId="1025618360" sldId="327"/>
         </pc:sldMkLst>
-        <pc:spChg chg="mod">
-          <ac:chgData name="Long B Nguyen" userId="f59fb8f3-a021-417a-8bc1-65c8d471c621" providerId="ADAL" clId="{CC9C9D9A-5149-2947-86C0-576F501F60DC}" dt="2020-01-05T21:59:55.597" v="2392" actId="14100"/>
-          <ac:spMkLst>
-            <pc:docMk/>
-            <pc:sldMk cId="1025618360" sldId="327"/>
-            <ac:spMk id="9" creationId="{E3B2E017-30B2-884B-A113-B419A2ED51AD}"/>
-          </ac:spMkLst>
-        </pc:spChg>
       </pc:sldChg>
       <pc:sldChg chg="modSp add">
         <pc:chgData name="Long B Nguyen" userId="f59fb8f3-a021-417a-8bc1-65c8d471c621" providerId="ADAL" clId="{CC9C9D9A-5149-2947-86C0-576F501F60DC}" dt="2020-01-05T21:54:47.081" v="2356" actId="2711"/>
@@ -1731,22 +993,6 @@
           <pc:docMk/>
           <pc:sldMk cId="3894299887" sldId="328"/>
         </pc:sldMkLst>
-        <pc:spChg chg="mod">
-          <ac:chgData name="Long B Nguyen" userId="f59fb8f3-a021-417a-8bc1-65c8d471c621" providerId="ADAL" clId="{CC9C9D9A-5149-2947-86C0-576F501F60DC}" dt="2020-01-05T21:51:41.306" v="2327" actId="20577"/>
-          <ac:spMkLst>
-            <pc:docMk/>
-            <pc:sldMk cId="3894299887" sldId="328"/>
-            <ac:spMk id="2" creationId="{AA3A228F-61D0-D949-A5E7-F83756230BF8}"/>
-          </ac:spMkLst>
-        </pc:spChg>
-        <pc:spChg chg="mod">
-          <ac:chgData name="Long B Nguyen" userId="f59fb8f3-a021-417a-8bc1-65c8d471c621" providerId="ADAL" clId="{CC9C9D9A-5149-2947-86C0-576F501F60DC}" dt="2020-01-05T21:54:47.081" v="2356" actId="2711"/>
-          <ac:spMkLst>
-            <pc:docMk/>
-            <pc:sldMk cId="3894299887" sldId="328"/>
-            <ac:spMk id="9" creationId="{E3B2E017-30B2-884B-A113-B419A2ED51AD}"/>
-          </ac:spMkLst>
-        </pc:spChg>
       </pc:sldChg>
       <pc:sldChg chg="add">
         <pc:chgData name="Long B Nguyen" userId="f59fb8f3-a021-417a-8bc1-65c8d471c621" providerId="ADAL" clId="{CC9C9D9A-5149-2947-86C0-576F501F60DC}" dt="2020-01-05T21:57:38.736" v="2357"/>
@@ -1770,14 +1016,6 @@
           <pc:docMk/>
           <pc:sldMk cId="4247104139" sldId="256"/>
         </pc:sldMkLst>
-        <pc:spChg chg="mod">
-          <ac:chgData name="Long B Nguyen" userId="f59fb8f3-a021-417a-8bc1-65c8d471c621" providerId="ADAL" clId="{AA9102B5-DACA-D841-B260-AEEBF90FC60A}" dt="2020-01-05T22:05:23.536" v="23" actId="20577"/>
-          <ac:spMkLst>
-            <pc:docMk/>
-            <pc:sldMk cId="4247104139" sldId="256"/>
-            <ac:spMk id="3" creationId="{1BDC47C8-6776-7B44-9CD4-95FC91452D62}"/>
-          </ac:spMkLst>
-        </pc:spChg>
       </pc:sldChg>
       <pc:sldChg chg="del">
         <pc:chgData name="Long B Nguyen" userId="f59fb8f3-a021-417a-8bc1-65c8d471c621" providerId="ADAL" clId="{AA9102B5-DACA-D841-B260-AEEBF90FC60A}" dt="2020-01-05T22:05:52.483" v="41" actId="2696"/>
@@ -1911,14 +1149,6 @@
           <pc:docMk/>
           <pc:sldMk cId="1452600724" sldId="316"/>
         </pc:sldMkLst>
-        <pc:spChg chg="mod">
-          <ac:chgData name="Long B Nguyen" userId="f59fb8f3-a021-417a-8bc1-65c8d471c621" providerId="ADAL" clId="{AA9102B5-DACA-D841-B260-AEEBF90FC60A}" dt="2020-01-06T15:37:30.346" v="948" actId="20577"/>
-          <ac:spMkLst>
-            <pc:docMk/>
-            <pc:sldMk cId="1452600724" sldId="316"/>
-            <ac:spMk id="9" creationId="{E3B2E017-30B2-884B-A113-B419A2ED51AD}"/>
-          </ac:spMkLst>
-        </pc:spChg>
       </pc:sldChg>
       <pc:sldChg chg="del">
         <pc:chgData name="Long B Nguyen" userId="f59fb8f3-a021-417a-8bc1-65c8d471c621" providerId="ADAL" clId="{AA9102B5-DACA-D841-B260-AEEBF90FC60A}" dt="2020-01-06T15:03:11.354" v="848" actId="2696"/>
@@ -1940,14 +1170,6 @@
           <pc:docMk/>
           <pc:sldMk cId="924617162" sldId="319"/>
         </pc:sldMkLst>
-        <pc:spChg chg="mod">
-          <ac:chgData name="Long B Nguyen" userId="f59fb8f3-a021-417a-8bc1-65c8d471c621" providerId="ADAL" clId="{AA9102B5-DACA-D841-B260-AEEBF90FC60A}" dt="2020-01-06T01:48:03.413" v="110" actId="20577"/>
-          <ac:spMkLst>
-            <pc:docMk/>
-            <pc:sldMk cId="924617162" sldId="319"/>
-            <ac:spMk id="9" creationId="{E3B2E017-30B2-884B-A113-B419A2ED51AD}"/>
-          </ac:spMkLst>
-        </pc:spChg>
       </pc:sldChg>
       <pc:sldChg chg="modSp">
         <pc:chgData name="Long B Nguyen" userId="f59fb8f3-a021-417a-8bc1-65c8d471c621" providerId="ADAL" clId="{AA9102B5-DACA-D841-B260-AEEBF90FC60A}" dt="2020-01-06T01:56:11.549" v="712" actId="1076"/>
@@ -1955,14 +1177,6 @@
           <pc:docMk/>
           <pc:sldMk cId="1310010799" sldId="324"/>
         </pc:sldMkLst>
-        <pc:spChg chg="mod">
-          <ac:chgData name="Long B Nguyen" userId="f59fb8f3-a021-417a-8bc1-65c8d471c621" providerId="ADAL" clId="{AA9102B5-DACA-D841-B260-AEEBF90FC60A}" dt="2020-01-06T01:56:11.549" v="712" actId="1076"/>
-          <ac:spMkLst>
-            <pc:docMk/>
-            <pc:sldMk cId="1310010799" sldId="324"/>
-            <ac:spMk id="9" creationId="{E3B2E017-30B2-884B-A113-B419A2ED51AD}"/>
-          </ac:spMkLst>
-        </pc:spChg>
       </pc:sldChg>
       <pc:sldChg chg="modSp">
         <pc:chgData name="Long B Nguyen" userId="f59fb8f3-a021-417a-8bc1-65c8d471c621" providerId="ADAL" clId="{AA9102B5-DACA-D841-B260-AEEBF90FC60A}" dt="2020-01-06T15:35:11.658" v="853" actId="20577"/>
@@ -1970,22 +1184,6 @@
           <pc:docMk/>
           <pc:sldMk cId="3314372952" sldId="325"/>
         </pc:sldMkLst>
-        <pc:spChg chg="mod">
-          <ac:chgData name="Long B Nguyen" userId="f59fb8f3-a021-417a-8bc1-65c8d471c621" providerId="ADAL" clId="{AA9102B5-DACA-D841-B260-AEEBF90FC60A}" dt="2020-01-06T15:35:11.658" v="853" actId="20577"/>
-          <ac:spMkLst>
-            <pc:docMk/>
-            <pc:sldMk cId="3314372952" sldId="325"/>
-            <ac:spMk id="2" creationId="{AA3A228F-61D0-D949-A5E7-F83756230BF8}"/>
-          </ac:spMkLst>
-        </pc:spChg>
-        <pc:spChg chg="mod">
-          <ac:chgData name="Long B Nguyen" userId="f59fb8f3-a021-417a-8bc1-65c8d471c621" providerId="ADAL" clId="{AA9102B5-DACA-D841-B260-AEEBF90FC60A}" dt="2020-01-06T15:02:45.351" v="846" actId="20577"/>
-          <ac:spMkLst>
-            <pc:docMk/>
-            <pc:sldMk cId="3314372952" sldId="325"/>
-            <ac:spMk id="9" creationId="{E3B2E017-30B2-884B-A113-B419A2ED51AD}"/>
-          </ac:spMkLst>
-        </pc:spChg>
       </pc:sldChg>
       <pc:sldChg chg="del">
         <pc:chgData name="Long B Nguyen" userId="f59fb8f3-a021-417a-8bc1-65c8d471c621" providerId="ADAL" clId="{AA9102B5-DACA-D841-B260-AEEBF90FC60A}" dt="2020-01-06T15:03:07.580" v="847" actId="2696"/>
@@ -2007,14 +1205,6 @@
           <pc:docMk/>
           <pc:sldMk cId="1724104636" sldId="327"/>
         </pc:sldMkLst>
-        <pc:spChg chg="mod">
-          <ac:chgData name="Long B Nguyen" userId="f59fb8f3-a021-417a-8bc1-65c8d471c621" providerId="ADAL" clId="{AA9102B5-DACA-D841-B260-AEEBF90FC60A}" dt="2020-01-06T15:00:48.763" v="818" actId="113"/>
-          <ac:spMkLst>
-            <pc:docMk/>
-            <pc:sldMk cId="1724104636" sldId="327"/>
-            <ac:spMk id="9" creationId="{E3B2E017-30B2-884B-A113-B419A2ED51AD}"/>
-          </ac:spMkLst>
-        </pc:spChg>
       </pc:sldChg>
       <pc:sldChg chg="modSp">
         <pc:chgData name="Long B Nguyen" userId="f59fb8f3-a021-417a-8bc1-65c8d471c621" providerId="ADAL" clId="{AA9102B5-DACA-D841-B260-AEEBF90FC60A}" dt="2020-01-06T01:55:34.369" v="708" actId="20577"/>
@@ -2022,14 +1212,6 @@
           <pc:docMk/>
           <pc:sldMk cId="4294143140" sldId="329"/>
         </pc:sldMkLst>
-        <pc:spChg chg="mod">
-          <ac:chgData name="Long B Nguyen" userId="f59fb8f3-a021-417a-8bc1-65c8d471c621" providerId="ADAL" clId="{AA9102B5-DACA-D841-B260-AEEBF90FC60A}" dt="2020-01-06T01:55:34.369" v="708" actId="20577"/>
-          <ac:spMkLst>
-            <pc:docMk/>
-            <pc:sldMk cId="4294143140" sldId="329"/>
-            <ac:spMk id="9" creationId="{E3B2E017-30B2-884B-A113-B419A2ED51AD}"/>
-          </ac:spMkLst>
-        </pc:spChg>
       </pc:sldChg>
       <pc:sldChg chg="modSp add">
         <pc:chgData name="Long B Nguyen" userId="f59fb8f3-a021-417a-8bc1-65c8d471c621" providerId="ADAL" clId="{AA9102B5-DACA-D841-B260-AEEBF90FC60A}" dt="2020-01-06T15:01:01.638" v="819" actId="2711"/>
@@ -2037,14 +1219,6 @@
           <pc:docMk/>
           <pc:sldMk cId="3594730708" sldId="330"/>
         </pc:sldMkLst>
-        <pc:spChg chg="mod">
-          <ac:chgData name="Long B Nguyen" userId="f59fb8f3-a021-417a-8bc1-65c8d471c621" providerId="ADAL" clId="{AA9102B5-DACA-D841-B260-AEEBF90FC60A}" dt="2020-01-06T15:01:01.638" v="819" actId="2711"/>
-          <ac:spMkLst>
-            <pc:docMk/>
-            <pc:sldMk cId="3594730708" sldId="330"/>
-            <ac:spMk id="9" creationId="{E3B2E017-30B2-884B-A113-B419A2ED51AD}"/>
-          </ac:spMkLst>
-        </pc:spChg>
       </pc:sldChg>
       <pc:sldChg chg="modSp add">
         <pc:chgData name="Long B Nguyen" userId="f59fb8f3-a021-417a-8bc1-65c8d471c621" providerId="ADAL" clId="{AA9102B5-DACA-D841-B260-AEEBF90FC60A}" dt="2020-01-06T02:00:17.493" v="815" actId="255"/>
@@ -2052,14 +1226,6 @@
           <pc:docMk/>
           <pc:sldMk cId="3870816631" sldId="331"/>
         </pc:sldMkLst>
-        <pc:spChg chg="mod">
-          <ac:chgData name="Long B Nguyen" userId="f59fb8f3-a021-417a-8bc1-65c8d471c621" providerId="ADAL" clId="{AA9102B5-DACA-D841-B260-AEEBF90FC60A}" dt="2020-01-06T02:00:17.493" v="815" actId="255"/>
-          <ac:spMkLst>
-            <pc:docMk/>
-            <pc:sldMk cId="3870816631" sldId="331"/>
-            <ac:spMk id="9" creationId="{E3B2E017-30B2-884B-A113-B419A2ED51AD}"/>
-          </ac:spMkLst>
-        </pc:spChg>
       </pc:sldChg>
       <pc:sldChg chg="modSp add">
         <pc:chgData name="Long B Nguyen" userId="f59fb8f3-a021-417a-8bc1-65c8d471c621" providerId="ADAL" clId="{AA9102B5-DACA-D841-B260-AEEBF90FC60A}" dt="2020-01-06T17:07:10.515" v="1519" actId="2711"/>
@@ -2067,22 +1233,6 @@
           <pc:docMk/>
           <pc:sldMk cId="3124353102" sldId="332"/>
         </pc:sldMkLst>
-        <pc:spChg chg="mod">
-          <ac:chgData name="Long B Nguyen" userId="f59fb8f3-a021-417a-8bc1-65c8d471c621" providerId="ADAL" clId="{AA9102B5-DACA-D841-B260-AEEBF90FC60A}" dt="2020-01-06T17:03:36.721" v="1332" actId="20577"/>
-          <ac:spMkLst>
-            <pc:docMk/>
-            <pc:sldMk cId="3124353102" sldId="332"/>
-            <ac:spMk id="2" creationId="{AA3A228F-61D0-D949-A5E7-F83756230BF8}"/>
-          </ac:spMkLst>
-        </pc:spChg>
-        <pc:spChg chg="mod">
-          <ac:chgData name="Long B Nguyen" userId="f59fb8f3-a021-417a-8bc1-65c8d471c621" providerId="ADAL" clId="{AA9102B5-DACA-D841-B260-AEEBF90FC60A}" dt="2020-01-06T17:07:10.515" v="1519" actId="2711"/>
-          <ac:spMkLst>
-            <pc:docMk/>
-            <pc:sldMk cId="3124353102" sldId="332"/>
-            <ac:spMk id="9" creationId="{E3B2E017-30B2-884B-A113-B419A2ED51AD}"/>
-          </ac:spMkLst>
-        </pc:spChg>
       </pc:sldChg>
     </pc:docChg>
   </pc:docChgLst>
@@ -2099,14 +1249,6 @@
           <pc:docMk/>
           <pc:sldMk cId="4247104139" sldId="256"/>
         </pc:sldMkLst>
-        <pc:spChg chg="mod">
-          <ac:chgData name="Long B Nguyen" userId="f59fb8f3-a021-417a-8bc1-65c8d471c621" providerId="ADAL" clId="{B5860C40-AA08-4447-A918-2D2782E0FC0B}" dt="2019-09-16T13:58:36.640" v="18" actId="20577"/>
-          <ac:spMkLst>
-            <pc:docMk/>
-            <pc:sldMk cId="4247104139" sldId="256"/>
-            <ac:spMk id="3" creationId="{1BDC47C8-6776-7B44-9CD4-95FC91452D62}"/>
-          </ac:spMkLst>
-        </pc:spChg>
       </pc:sldChg>
     </pc:docChg>
   </pc:docChgLst>
@@ -2130,22 +1272,6 @@
           <pc:docMk/>
           <pc:sldMk cId="833801237" sldId="313"/>
         </pc:sldMkLst>
-        <pc:spChg chg="mod">
-          <ac:chgData name="Long B Nguyen" userId="f59fb8f3-a021-417a-8bc1-65c8d471c621" providerId="ADAL" clId="{7E551B6C-1E81-B548-A72C-C51786C7D0CC}" dt="2021-06-11T12:17:07.088" v="2124" actId="20577"/>
-          <ac:spMkLst>
-            <pc:docMk/>
-            <pc:sldMk cId="833801237" sldId="313"/>
-            <ac:spMk id="3" creationId="{44A58473-3189-0C44-8A5E-E353CDFB3E5C}"/>
-          </ac:spMkLst>
-        </pc:spChg>
-        <pc:spChg chg="mod">
-          <ac:chgData name="Long B Nguyen" userId="f59fb8f3-a021-417a-8bc1-65c8d471c621" providerId="ADAL" clId="{7E551B6C-1E81-B548-A72C-C51786C7D0CC}" dt="2021-06-10T17:08:52.682" v="1374" actId="1076"/>
-          <ac:spMkLst>
-            <pc:docMk/>
-            <pc:sldMk cId="833801237" sldId="313"/>
-            <ac:spMk id="21505" creationId="{BCBA125C-ACA7-FB47-96FC-9420F821AD81}"/>
-          </ac:spMkLst>
-        </pc:spChg>
       </pc:sldChg>
       <pc:sldChg chg="modSp del mod">
         <pc:chgData name="Long B Nguyen" userId="f59fb8f3-a021-417a-8bc1-65c8d471c621" providerId="ADAL" clId="{7E551B6C-1E81-B548-A72C-C51786C7D0CC}" dt="2021-06-10T17:08:32.914" v="1371" actId="2696"/>
@@ -2153,14 +1279,6 @@
           <pc:docMk/>
           <pc:sldMk cId="3947558204" sldId="313"/>
         </pc:sldMkLst>
-        <pc:spChg chg="mod">
-          <ac:chgData name="Long B Nguyen" userId="f59fb8f3-a021-417a-8bc1-65c8d471c621" providerId="ADAL" clId="{7E551B6C-1E81-B548-A72C-C51786C7D0CC}" dt="2021-06-10T17:07:55.946" v="1369" actId="14100"/>
-          <ac:spMkLst>
-            <pc:docMk/>
-            <pc:sldMk cId="3947558204" sldId="313"/>
-            <ac:spMk id="21505" creationId="{BCBA125C-ACA7-FB47-96FC-9420F821AD81}"/>
-          </ac:spMkLst>
-        </pc:spChg>
       </pc:sldChg>
       <pc:sldChg chg="del">
         <pc:chgData name="Long B Nguyen" userId="f59fb8f3-a021-417a-8bc1-65c8d471c621" providerId="ADAL" clId="{7E551B6C-1E81-B548-A72C-C51786C7D0CC}" dt="2021-06-10T17:02:53.723" v="1102" actId="2696"/>
@@ -2175,22 +1293,6 @@
           <pc:docMk/>
           <pc:sldMk cId="4199940570" sldId="314"/>
         </pc:sldMkLst>
-        <pc:spChg chg="mod">
-          <ac:chgData name="Long B Nguyen" userId="f59fb8f3-a021-417a-8bc1-65c8d471c621" providerId="ADAL" clId="{7E551B6C-1E81-B548-A72C-C51786C7D0CC}" dt="2021-06-11T12:17:35.863" v="2130" actId="255"/>
-          <ac:spMkLst>
-            <pc:docMk/>
-            <pc:sldMk cId="4199940570" sldId="314"/>
-            <ac:spMk id="3" creationId="{A2015382-9B7F-FE46-8251-9DC1E84F44FE}"/>
-          </ac:spMkLst>
-        </pc:spChg>
-        <pc:spChg chg="mod">
-          <ac:chgData name="Long B Nguyen" userId="f59fb8f3-a021-417a-8bc1-65c8d471c621" providerId="ADAL" clId="{7E551B6C-1E81-B548-A72C-C51786C7D0CC}" dt="2021-06-11T12:17:25.436" v="2126" actId="1076"/>
-          <ac:spMkLst>
-            <pc:docMk/>
-            <pc:sldMk cId="4199940570" sldId="314"/>
-            <ac:spMk id="22529" creationId="{D64B8878-850A-FD49-812E-00E5D00C2909}"/>
-          </ac:spMkLst>
-        </pc:spChg>
       </pc:sldChg>
       <pc:sldChg chg="del">
         <pc:chgData name="Long B Nguyen" userId="f59fb8f3-a021-417a-8bc1-65c8d471c621" providerId="ADAL" clId="{7E551B6C-1E81-B548-A72C-C51786C7D0CC}" dt="2021-06-10T17:02:53.787" v="1105" actId="2696"/>
@@ -2205,22 +1307,6 @@
           <pc:docMk/>
           <pc:sldMk cId="1902012464" sldId="315"/>
         </pc:sldMkLst>
-        <pc:spChg chg="mod">
-          <ac:chgData name="Long B Nguyen" userId="f59fb8f3-a021-417a-8bc1-65c8d471c621" providerId="ADAL" clId="{7E551B6C-1E81-B548-A72C-C51786C7D0CC}" dt="2021-06-11T12:18:09.763" v="2139" actId="14100"/>
-          <ac:spMkLst>
-            <pc:docMk/>
-            <pc:sldMk cId="1902012464" sldId="315"/>
-            <ac:spMk id="3" creationId="{1749D47C-23C2-834A-9FE9-50A8E8BE40E7}"/>
-          </ac:spMkLst>
-        </pc:spChg>
-        <pc:spChg chg="mod">
-          <ac:chgData name="Long B Nguyen" userId="f59fb8f3-a021-417a-8bc1-65c8d471c621" providerId="ADAL" clId="{7E551B6C-1E81-B548-A72C-C51786C7D0CC}" dt="2021-06-11T12:18:05.222" v="2137" actId="1076"/>
-          <ac:spMkLst>
-            <pc:docMk/>
-            <pc:sldMk cId="1902012464" sldId="315"/>
-            <ac:spMk id="24577" creationId="{44A4C074-C74F-714A-A8EE-ABAB5BC20626}"/>
-          </ac:spMkLst>
-        </pc:spChg>
       </pc:sldChg>
       <pc:sldChg chg="modSp add mod">
         <pc:chgData name="Long B Nguyen" userId="f59fb8f3-a021-417a-8bc1-65c8d471c621" providerId="ADAL" clId="{7E551B6C-1E81-B548-A72C-C51786C7D0CC}" dt="2021-06-11T12:18:43.912" v="2147" actId="255"/>
@@ -2228,22 +1314,6 @@
           <pc:docMk/>
           <pc:sldMk cId="1824894821" sldId="316"/>
         </pc:sldMkLst>
-        <pc:spChg chg="mod">
-          <ac:chgData name="Long B Nguyen" userId="f59fb8f3-a021-417a-8bc1-65c8d471c621" providerId="ADAL" clId="{7E551B6C-1E81-B548-A72C-C51786C7D0CC}" dt="2021-06-11T12:18:43.912" v="2147" actId="255"/>
-          <ac:spMkLst>
-            <pc:docMk/>
-            <pc:sldMk cId="1824894821" sldId="316"/>
-            <ac:spMk id="3" creationId="{C1BB7D3F-3A2C-0E43-B723-6E892A40421F}"/>
-          </ac:spMkLst>
-        </pc:spChg>
-        <pc:spChg chg="mod">
-          <ac:chgData name="Long B Nguyen" userId="f59fb8f3-a021-417a-8bc1-65c8d471c621" providerId="ADAL" clId="{7E551B6C-1E81-B548-A72C-C51786C7D0CC}" dt="2021-06-11T12:18:17.165" v="2141" actId="1076"/>
-          <ac:spMkLst>
-            <pc:docMk/>
-            <pc:sldMk cId="1824894821" sldId="316"/>
-            <ac:spMk id="25601" creationId="{D924ED1B-1F5B-5B4D-BA47-0A5B5F4A1A7F}"/>
-          </ac:spMkLst>
-        </pc:spChg>
       </pc:sldChg>
       <pc:sldChg chg="del">
         <pc:chgData name="Long B Nguyen" userId="f59fb8f3-a021-417a-8bc1-65c8d471c621" providerId="ADAL" clId="{7E551B6C-1E81-B548-A72C-C51786C7D0CC}" dt="2021-06-10T17:02:53.804" v="1106" actId="2696"/>
@@ -2258,22 +1328,6 @@
           <pc:docMk/>
           <pc:sldMk cId="1105327036" sldId="317"/>
         </pc:sldMkLst>
-        <pc:spChg chg="mod">
-          <ac:chgData name="Long B Nguyen" userId="f59fb8f3-a021-417a-8bc1-65c8d471c621" providerId="ADAL" clId="{7E551B6C-1E81-B548-A72C-C51786C7D0CC}" dt="2021-06-11T12:17:48.263" v="2132" actId="1076"/>
-          <ac:spMkLst>
-            <pc:docMk/>
-            <pc:sldMk cId="1105327036" sldId="317"/>
-            <ac:spMk id="23553" creationId="{5E6C904F-B0D2-8542-BF56-4B43E4386E3D}"/>
-          </ac:spMkLst>
-        </pc:spChg>
-        <pc:picChg chg="mod">
-          <ac:chgData name="Long B Nguyen" userId="f59fb8f3-a021-417a-8bc1-65c8d471c621" providerId="ADAL" clId="{7E551B6C-1E81-B548-A72C-C51786C7D0CC}" dt="2021-06-11T12:17:51.591" v="2133" actId="14100"/>
-          <ac:picMkLst>
-            <pc:docMk/>
-            <pc:sldMk cId="1105327036" sldId="317"/>
-            <ac:picMk id="2" creationId="{D5FC4C3C-5059-9845-989F-6DA2B906114F}"/>
-          </ac:picMkLst>
-        </pc:picChg>
       </pc:sldChg>
       <pc:sldChg chg="del">
         <pc:chgData name="Long B Nguyen" userId="f59fb8f3-a021-417a-8bc1-65c8d471c621" providerId="ADAL" clId="{7E551B6C-1E81-B548-A72C-C51786C7D0CC}" dt="2021-06-10T17:02:53.738" v="1103" actId="2696"/>
@@ -2288,22 +1342,6 @@
           <pc:docMk/>
           <pc:sldMk cId="1694859685" sldId="319"/>
         </pc:sldMkLst>
-        <pc:spChg chg="mod">
-          <ac:chgData name="Long B Nguyen" userId="f59fb8f3-a021-417a-8bc1-65c8d471c621" providerId="ADAL" clId="{7E551B6C-1E81-B548-A72C-C51786C7D0CC}" dt="2021-06-11T12:19:10.483" v="2165" actId="14100"/>
-          <ac:spMkLst>
-            <pc:docMk/>
-            <pc:sldMk cId="1694859685" sldId="319"/>
-            <ac:spMk id="3" creationId="{6BAAF3A1-8774-5448-8A90-E12045B4D3F2}"/>
-          </ac:spMkLst>
-        </pc:spChg>
-        <pc:spChg chg="mod">
-          <ac:chgData name="Long B Nguyen" userId="f59fb8f3-a021-417a-8bc1-65c8d471c621" providerId="ADAL" clId="{7E551B6C-1E81-B548-A72C-C51786C7D0CC}" dt="2021-06-11T12:19:05.294" v="2163" actId="1076"/>
-          <ac:spMkLst>
-            <pc:docMk/>
-            <pc:sldMk cId="1694859685" sldId="319"/>
-            <ac:spMk id="27649" creationId="{6DF2718B-6957-A844-8110-C38E5F3B4833}"/>
-          </ac:spMkLst>
-        </pc:spChg>
       </pc:sldChg>
       <pc:sldChg chg="del">
         <pc:chgData name="Long B Nguyen" userId="f59fb8f3-a021-417a-8bc1-65c8d471c621" providerId="ADAL" clId="{7E551B6C-1E81-B548-A72C-C51786C7D0CC}" dt="2021-06-10T17:02:53.844" v="1108" actId="2696"/>
@@ -2325,22 +1363,6 @@
           <pc:docMk/>
           <pc:sldMk cId="3981954340" sldId="320"/>
         </pc:sldMkLst>
-        <pc:spChg chg="mod">
-          <ac:chgData name="Long B Nguyen" userId="f59fb8f3-a021-417a-8bc1-65c8d471c621" providerId="ADAL" clId="{7E551B6C-1E81-B548-A72C-C51786C7D0CC}" dt="2021-06-11T12:19:53.077" v="2177" actId="20577"/>
-          <ac:spMkLst>
-            <pc:docMk/>
-            <pc:sldMk cId="3981954340" sldId="320"/>
-            <ac:spMk id="3" creationId="{D1CC84C1-64E3-8C44-A271-6413B01F1B9F}"/>
-          </ac:spMkLst>
-        </pc:spChg>
-        <pc:spChg chg="mod">
-          <ac:chgData name="Long B Nguyen" userId="f59fb8f3-a021-417a-8bc1-65c8d471c621" providerId="ADAL" clId="{7E551B6C-1E81-B548-A72C-C51786C7D0CC}" dt="2021-06-11T12:19:34.831" v="2173" actId="1076"/>
-          <ac:spMkLst>
-            <pc:docMk/>
-            <pc:sldMk cId="3981954340" sldId="320"/>
-            <ac:spMk id="29697" creationId="{5D843E53-35E9-E74F-AAF1-1C6E9C7CF5DA}"/>
-          </ac:spMkLst>
-        </pc:spChg>
       </pc:sldChg>
       <pc:sldChg chg="del">
         <pc:chgData name="Long B Nguyen" userId="f59fb8f3-a021-417a-8bc1-65c8d471c621" providerId="ADAL" clId="{7E551B6C-1E81-B548-A72C-C51786C7D0CC}" dt="2021-06-10T17:02:54.010" v="1111" actId="2696"/>
@@ -2362,14 +1384,6 @@
           <pc:docMk/>
           <pc:sldMk cId="545779161" sldId="322"/>
         </pc:sldMkLst>
-        <pc:spChg chg="mod">
-          <ac:chgData name="Long B Nguyen" userId="f59fb8f3-a021-417a-8bc1-65c8d471c621" providerId="ADAL" clId="{7E551B6C-1E81-B548-A72C-C51786C7D0CC}" dt="2021-06-11T12:20:03.206" v="2179" actId="1076"/>
-          <ac:spMkLst>
-            <pc:docMk/>
-            <pc:sldMk cId="545779161" sldId="322"/>
-            <ac:spMk id="31745" creationId="{4BD382BA-290D-A94B-A7DD-7AEF84D0700A}"/>
-          </ac:spMkLst>
-        </pc:spChg>
       </pc:sldChg>
       <pc:sldChg chg="del">
         <pc:chgData name="Long B Nguyen" userId="f59fb8f3-a021-417a-8bc1-65c8d471c621" providerId="ADAL" clId="{7E551B6C-1E81-B548-A72C-C51786C7D0CC}" dt="2021-06-10T17:02:54.030" v="1112" actId="2696"/>
@@ -2391,22 +1405,6 @@
           <pc:docMk/>
           <pc:sldMk cId="3176068915" sldId="323"/>
         </pc:sldMkLst>
-        <pc:spChg chg="mod">
-          <ac:chgData name="Long B Nguyen" userId="f59fb8f3-a021-417a-8bc1-65c8d471c621" providerId="ADAL" clId="{7E551B6C-1E81-B548-A72C-C51786C7D0CC}" dt="2021-06-11T12:19:28.750" v="2171" actId="20577"/>
-          <ac:spMkLst>
-            <pc:docMk/>
-            <pc:sldMk cId="3176068915" sldId="323"/>
-            <ac:spMk id="3" creationId="{5401327B-FADD-F14B-8EF1-39E2659DA6FA}"/>
-          </ac:spMkLst>
-        </pc:spChg>
-        <pc:spChg chg="mod">
-          <ac:chgData name="Long B Nguyen" userId="f59fb8f3-a021-417a-8bc1-65c8d471c621" providerId="ADAL" clId="{7E551B6C-1E81-B548-A72C-C51786C7D0CC}" dt="2021-06-11T12:19:21.329" v="2167" actId="1076"/>
-          <ac:spMkLst>
-            <pc:docMk/>
-            <pc:sldMk cId="3176068915" sldId="323"/>
-            <ac:spMk id="28673" creationId="{BF249FBE-A176-1A4F-8C85-4F68915D9637}"/>
-          </ac:spMkLst>
-        </pc:spChg>
       </pc:sldChg>
       <pc:sldChg chg="del">
         <pc:chgData name="Long B Nguyen" userId="f59fb8f3-a021-417a-8bc1-65c8d471c621" providerId="ADAL" clId="{7E551B6C-1E81-B548-A72C-C51786C7D0CC}" dt="2021-06-10T17:08:30.582" v="1370" actId="2696"/>
@@ -2428,22 +1426,6 @@
           <pc:docMk/>
           <pc:sldMk cId="2087798247" sldId="328"/>
         </pc:sldMkLst>
-        <pc:spChg chg="mod">
-          <ac:chgData name="Long B Nguyen" userId="f59fb8f3-a021-417a-8bc1-65c8d471c621" providerId="ADAL" clId="{7E551B6C-1E81-B548-A72C-C51786C7D0CC}" dt="2021-06-10T17:16:12.092" v="1739" actId="20577"/>
-          <ac:spMkLst>
-            <pc:docMk/>
-            <pc:sldMk cId="2087798247" sldId="328"/>
-            <ac:spMk id="3" creationId="{D7CDD189-AC0E-DF4B-95CF-A617BFC2B7FC}"/>
-          </ac:spMkLst>
-        </pc:spChg>
-        <pc:spChg chg="mod">
-          <ac:chgData name="Long B Nguyen" userId="f59fb8f3-a021-417a-8bc1-65c8d471c621" providerId="ADAL" clId="{7E551B6C-1E81-B548-A72C-C51786C7D0CC}" dt="2021-06-10T13:17:35.866" v="817" actId="1076"/>
-          <ac:spMkLst>
-            <pc:docMk/>
-            <pc:sldMk cId="2087798247" sldId="328"/>
-            <ac:spMk id="37889" creationId="{AC3C8F6C-38DD-984D-AB5D-B5D4807018F9}"/>
-          </ac:spMkLst>
-        </pc:spChg>
       </pc:sldChg>
       <pc:sldChg chg="del">
         <pc:chgData name="Long B Nguyen" userId="f59fb8f3-a021-417a-8bc1-65c8d471c621" providerId="ADAL" clId="{7E551B6C-1E81-B548-A72C-C51786C7D0CC}" dt="2021-06-10T13:17:07.707" v="800" actId="2696"/>
@@ -2458,62 +1440,6 @@
           <pc:docMk/>
           <pc:sldMk cId="1447299358" sldId="329"/>
         </pc:sldMkLst>
-        <pc:spChg chg="mod">
-          <ac:chgData name="Long B Nguyen" userId="f59fb8f3-a021-417a-8bc1-65c8d471c621" providerId="ADAL" clId="{7E551B6C-1E81-B548-A72C-C51786C7D0CC}" dt="2021-06-10T13:19:08.237" v="863" actId="14100"/>
-          <ac:spMkLst>
-            <pc:docMk/>
-            <pc:sldMk cId="1447299358" sldId="329"/>
-            <ac:spMk id="3" creationId="{BB8CCA41-667F-A84D-B02D-127C2C6A9C6F}"/>
-          </ac:spMkLst>
-        </pc:spChg>
-        <pc:spChg chg="mod">
-          <ac:chgData name="Long B Nguyen" userId="f59fb8f3-a021-417a-8bc1-65c8d471c621" providerId="ADAL" clId="{7E551B6C-1E81-B548-A72C-C51786C7D0CC}" dt="2021-06-10T13:19:20.801" v="904" actId="1037"/>
-          <ac:spMkLst>
-            <pc:docMk/>
-            <pc:sldMk cId="1447299358" sldId="329"/>
-            <ac:spMk id="6" creationId="{0C12779A-B12E-0448-BF0F-7347D8303363}"/>
-          </ac:spMkLst>
-        </pc:spChg>
-        <pc:spChg chg="mod">
-          <ac:chgData name="Long B Nguyen" userId="f59fb8f3-a021-417a-8bc1-65c8d471c621" providerId="ADAL" clId="{7E551B6C-1E81-B548-A72C-C51786C7D0CC}" dt="2021-06-10T13:19:20.801" v="904" actId="1037"/>
-          <ac:spMkLst>
-            <pc:docMk/>
-            <pc:sldMk cId="1447299358" sldId="329"/>
-            <ac:spMk id="11" creationId="{9C89A8C8-352A-8644-A4A5-084EFF78A7D2}"/>
-          </ac:spMkLst>
-        </pc:spChg>
-        <pc:spChg chg="mod">
-          <ac:chgData name="Long B Nguyen" userId="f59fb8f3-a021-417a-8bc1-65c8d471c621" providerId="ADAL" clId="{7E551B6C-1E81-B548-A72C-C51786C7D0CC}" dt="2021-06-10T13:19:02.158" v="861" actId="1076"/>
-          <ac:spMkLst>
-            <pc:docMk/>
-            <pc:sldMk cId="1447299358" sldId="329"/>
-            <ac:spMk id="38913" creationId="{A620ED67-6E46-7A46-93AD-3EE39C4B8501}"/>
-          </ac:spMkLst>
-        </pc:spChg>
-        <pc:picChg chg="mod">
-          <ac:chgData name="Long B Nguyen" userId="f59fb8f3-a021-417a-8bc1-65c8d471c621" providerId="ADAL" clId="{7E551B6C-1E81-B548-A72C-C51786C7D0CC}" dt="2021-06-10T13:19:20.801" v="904" actId="1037"/>
-          <ac:picMkLst>
-            <pc:docMk/>
-            <pc:sldMk cId="1447299358" sldId="329"/>
-            <ac:picMk id="38916" creationId="{BBEB7BEA-C910-F148-A998-2A272DBB50FE}"/>
-          </ac:picMkLst>
-        </pc:picChg>
-        <pc:cxnChg chg="mod">
-          <ac:chgData name="Long B Nguyen" userId="f59fb8f3-a021-417a-8bc1-65c8d471c621" providerId="ADAL" clId="{7E551B6C-1E81-B548-A72C-C51786C7D0CC}" dt="2021-06-10T13:19:20.801" v="904" actId="1037"/>
-          <ac:cxnSpMkLst>
-            <pc:docMk/>
-            <pc:sldMk cId="1447299358" sldId="329"/>
-            <ac:cxnSpMk id="4" creationId="{F95E1657-42A9-DC49-AFC7-6462A6CBC043}"/>
-          </ac:cxnSpMkLst>
-        </pc:cxnChg>
-        <pc:cxnChg chg="mod">
-          <ac:chgData name="Long B Nguyen" userId="f59fb8f3-a021-417a-8bc1-65c8d471c621" providerId="ADAL" clId="{7E551B6C-1E81-B548-A72C-C51786C7D0CC}" dt="2021-06-10T13:19:20.801" v="904" actId="1037"/>
-          <ac:cxnSpMkLst>
-            <pc:docMk/>
-            <pc:sldMk cId="1447299358" sldId="329"/>
-            <ac:cxnSpMk id="10" creationId="{ABDF95F1-7709-2B48-B322-0972E58D26B3}"/>
-          </ac:cxnSpMkLst>
-        </pc:cxnChg>
       </pc:sldChg>
       <pc:sldChg chg="del">
         <pc:chgData name="Long B Nguyen" userId="f59fb8f3-a021-417a-8bc1-65c8d471c621" providerId="ADAL" clId="{7E551B6C-1E81-B548-A72C-C51786C7D0CC}" dt="2021-06-10T13:17:07.730" v="801" actId="2696"/>
@@ -2535,30 +1461,6 @@
           <pc:docMk/>
           <pc:sldMk cId="3718226292" sldId="330"/>
         </pc:sldMkLst>
-        <pc:spChg chg="mod">
-          <ac:chgData name="Long B Nguyen" userId="f59fb8f3-a021-417a-8bc1-65c8d471c621" providerId="ADAL" clId="{7E551B6C-1E81-B548-A72C-C51786C7D0CC}" dt="2021-06-10T13:28:41.438" v="1089" actId="20577"/>
-          <ac:spMkLst>
-            <pc:docMk/>
-            <pc:sldMk cId="3718226292" sldId="330"/>
-            <ac:spMk id="3" creationId="{E5E13A60-825E-8F49-94C7-C8A397D6D52E}"/>
-          </ac:spMkLst>
-        </pc:spChg>
-        <pc:spChg chg="mod">
-          <ac:chgData name="Long B Nguyen" userId="f59fb8f3-a021-417a-8bc1-65c8d471c621" providerId="ADAL" clId="{7E551B6C-1E81-B548-A72C-C51786C7D0CC}" dt="2021-06-10T13:21:37.740" v="906" actId="1076"/>
-          <ac:spMkLst>
-            <pc:docMk/>
-            <pc:sldMk cId="3718226292" sldId="330"/>
-            <ac:spMk id="39937" creationId="{8C524C6D-7080-AE45-B989-CF5B895D67C8}"/>
-          </ac:spMkLst>
-        </pc:spChg>
-        <pc:picChg chg="add mod">
-          <ac:chgData name="Long B Nguyen" userId="f59fb8f3-a021-417a-8bc1-65c8d471c621" providerId="ADAL" clId="{7E551B6C-1E81-B548-A72C-C51786C7D0CC}" dt="2021-06-10T13:28:44.783" v="1090" actId="1076"/>
-          <ac:picMkLst>
-            <pc:docMk/>
-            <pc:sldMk cId="3718226292" sldId="330"/>
-            <ac:picMk id="5" creationId="{924514C3-F39C-7341-93B2-4E0DA224D089}"/>
-          </ac:picMkLst>
-        </pc:picChg>
       </pc:sldChg>
       <pc:sldChg chg="del">
         <pc:chgData name="Long B Nguyen" userId="f59fb8f3-a021-417a-8bc1-65c8d471c621" providerId="ADAL" clId="{7E551B6C-1E81-B548-A72C-C51786C7D0CC}" dt="2021-06-10T13:17:07.770" v="803" actId="2696"/>
@@ -2608,30 +1510,6 @@
           <pc:docMk/>
           <pc:sldMk cId="323835452" sldId="334"/>
         </pc:sldMkLst>
-        <pc:spChg chg="mod">
-          <ac:chgData name="Long B Nguyen" userId="f59fb8f3-a021-417a-8bc1-65c8d471c621" providerId="ADAL" clId="{7E551B6C-1E81-B548-A72C-C51786C7D0CC}" dt="2021-06-10T13:29:18.763" v="1095" actId="14100"/>
-          <ac:spMkLst>
-            <pc:docMk/>
-            <pc:sldMk cId="323835452" sldId="334"/>
-            <ac:spMk id="3" creationId="{EB9566AF-2FAA-1C47-B9B8-7EA0473DC635}"/>
-          </ac:spMkLst>
-        </pc:spChg>
-        <pc:spChg chg="mod">
-          <ac:chgData name="Long B Nguyen" userId="f59fb8f3-a021-417a-8bc1-65c8d471c621" providerId="ADAL" clId="{7E551B6C-1E81-B548-A72C-C51786C7D0CC}" dt="2021-06-10T13:29:13.254" v="1093" actId="1076"/>
-          <ac:spMkLst>
-            <pc:docMk/>
-            <pc:sldMk cId="323835452" sldId="334"/>
-            <ac:spMk id="43009" creationId="{3649281C-BA5A-FA43-B3FE-20F4E7A74FE2}"/>
-          </ac:spMkLst>
-        </pc:spChg>
-        <pc:picChg chg="mod">
-          <ac:chgData name="Long B Nguyen" userId="f59fb8f3-a021-417a-8bc1-65c8d471c621" providerId="ADAL" clId="{7E551B6C-1E81-B548-A72C-C51786C7D0CC}" dt="2021-06-10T13:29:21.110" v="1096" actId="1076"/>
-          <ac:picMkLst>
-            <pc:docMk/>
-            <pc:sldMk cId="323835452" sldId="334"/>
-            <ac:picMk id="43012" creationId="{380655BC-1837-ED42-8428-F449A3301456}"/>
-          </ac:picMkLst>
-        </pc:picChg>
       </pc:sldChg>
       <pc:sldChg chg="del">
         <pc:chgData name="Long B Nguyen" userId="f59fb8f3-a021-417a-8bc1-65c8d471c621" providerId="ADAL" clId="{7E551B6C-1E81-B548-A72C-C51786C7D0CC}" dt="2021-06-10T13:17:07.813" v="805" actId="2696"/>
@@ -2646,22 +1524,6 @@
           <pc:docMk/>
           <pc:sldMk cId="1198473218" sldId="335"/>
         </pc:sldMkLst>
-        <pc:spChg chg="mod">
-          <ac:chgData name="Long B Nguyen" userId="f59fb8f3-a021-417a-8bc1-65c8d471c621" providerId="ADAL" clId="{7E551B6C-1E81-B548-A72C-C51786C7D0CC}" dt="2021-06-10T17:14:58.328" v="1634" actId="21"/>
-          <ac:spMkLst>
-            <pc:docMk/>
-            <pc:sldMk cId="1198473218" sldId="335"/>
-            <ac:spMk id="3" creationId="{4F1EC0A4-9C99-4C4C-8EB1-0CF10BF35EF6}"/>
-          </ac:spMkLst>
-        </pc:spChg>
-        <pc:spChg chg="mod">
-          <ac:chgData name="Long B Nguyen" userId="f59fb8f3-a021-417a-8bc1-65c8d471c621" providerId="ADAL" clId="{7E551B6C-1E81-B548-A72C-C51786C7D0CC}" dt="2021-06-10T17:04:05.462" v="1118" actId="1076"/>
-          <ac:spMkLst>
-            <pc:docMk/>
-            <pc:sldMk cId="1198473218" sldId="335"/>
-            <ac:spMk id="46081" creationId="{757C5CE4-E449-0B4E-873C-236EF71BBBF0}"/>
-          </ac:spMkLst>
-        </pc:spChg>
       </pc:sldChg>
       <pc:sldChg chg="del">
         <pc:chgData name="Long B Nguyen" userId="f59fb8f3-a021-417a-8bc1-65c8d471c621" providerId="ADAL" clId="{7E551B6C-1E81-B548-A72C-C51786C7D0CC}" dt="2021-06-10T13:17:07.871" v="808" actId="2696"/>
@@ -2676,14 +1538,6 @@
           <pc:docMk/>
           <pc:sldMk cId="2376304450" sldId="336"/>
         </pc:sldMkLst>
-        <pc:spChg chg="mod">
-          <ac:chgData name="Long B Nguyen" userId="f59fb8f3-a021-417a-8bc1-65c8d471c621" providerId="ADAL" clId="{7E551B6C-1E81-B548-A72C-C51786C7D0CC}" dt="2021-06-10T17:04:30.364" v="1122" actId="21"/>
-          <ac:spMkLst>
-            <pc:docMk/>
-            <pc:sldMk cId="2376304450" sldId="336"/>
-            <ac:spMk id="3" creationId="{02BD6BC0-0DF6-1C41-B2F6-DF171A4BD0C7}"/>
-          </ac:spMkLst>
-        </pc:spChg>
       </pc:sldChg>
       <pc:sldChg chg="del">
         <pc:chgData name="Long B Nguyen" userId="f59fb8f3-a021-417a-8bc1-65c8d471c621" providerId="ADAL" clId="{7E551B6C-1E81-B548-A72C-C51786C7D0CC}" dt="2021-06-10T13:17:07.893" v="809" actId="2696"/>
@@ -2705,22 +1559,6 @@
           <pc:docMk/>
           <pc:sldMk cId="2550687832" sldId="337"/>
         </pc:sldMkLst>
-        <pc:spChg chg="mod">
-          <ac:chgData name="Long B Nguyen" userId="f59fb8f3-a021-417a-8bc1-65c8d471c621" providerId="ADAL" clId="{7E551B6C-1E81-B548-A72C-C51786C7D0CC}" dt="2021-06-10T17:15:23.699" v="1657" actId="21"/>
-          <ac:spMkLst>
-            <pc:docMk/>
-            <pc:sldMk cId="2550687832" sldId="337"/>
-            <ac:spMk id="3" creationId="{EDD173A5-7515-4344-96F1-DFBABC544ED0}"/>
-          </ac:spMkLst>
-        </pc:spChg>
-        <pc:spChg chg="mod">
-          <ac:chgData name="Long B Nguyen" userId="f59fb8f3-a021-417a-8bc1-65c8d471c621" providerId="ADAL" clId="{7E551B6C-1E81-B548-A72C-C51786C7D0CC}" dt="2021-06-10T17:06:52.900" v="1296" actId="20577"/>
-          <ac:spMkLst>
-            <pc:docMk/>
-            <pc:sldMk cId="2550687832" sldId="337"/>
-            <ac:spMk id="48129" creationId="{328FB4D7-49E6-9E40-B559-A0D74E019365}"/>
-          </ac:spMkLst>
-        </pc:spChg>
       </pc:sldChg>
       <pc:sldChg chg="del">
         <pc:chgData name="Long B Nguyen" userId="f59fb8f3-a021-417a-8bc1-65c8d471c621" providerId="ADAL" clId="{7E551B6C-1E81-B548-A72C-C51786C7D0CC}" dt="2021-06-10T13:17:07.933" v="811" actId="2696"/>
@@ -2777,14 +1615,6 @@
           <pc:docMk/>
           <pc:sldMk cId="3326640392" sldId="341"/>
         </pc:sldMkLst>
-        <pc:spChg chg="mod">
-          <ac:chgData name="Long B Nguyen" userId="f59fb8f3-a021-417a-8bc1-65c8d471c621" providerId="ADAL" clId="{7E551B6C-1E81-B548-A72C-C51786C7D0CC}" dt="2021-06-10T17:07:07.822" v="1352" actId="21"/>
-          <ac:spMkLst>
-            <pc:docMk/>
-            <pc:sldMk cId="3326640392" sldId="341"/>
-            <ac:spMk id="3" creationId="{C4B2C292-CF9B-CF4B-95A6-2A1828F1B32F}"/>
-          </ac:spMkLst>
-        </pc:spChg>
       </pc:sldChg>
       <pc:sldChg chg="modSp add mod">
         <pc:chgData name="Long B Nguyen" userId="f59fb8f3-a021-417a-8bc1-65c8d471c621" providerId="ADAL" clId="{7E551B6C-1E81-B548-A72C-C51786C7D0CC}" dt="2021-06-11T12:21:04.695" v="2199" actId="1076"/>
@@ -2792,70 +1622,6 @@
           <pc:docMk/>
           <pc:sldMk cId="1830555247" sldId="342"/>
         </pc:sldMkLst>
-        <pc:spChg chg="mod">
-          <ac:chgData name="Long B Nguyen" userId="f59fb8f3-a021-417a-8bc1-65c8d471c621" providerId="ADAL" clId="{7E551B6C-1E81-B548-A72C-C51786C7D0CC}" dt="2021-06-11T12:20:25.422" v="2187" actId="14100"/>
-          <ac:spMkLst>
-            <pc:docMk/>
-            <pc:sldMk cId="1830555247" sldId="342"/>
-            <ac:spMk id="3" creationId="{E82DB29A-E2B2-8646-BD98-C234E64E220A}"/>
-          </ac:spMkLst>
-        </pc:spChg>
-        <pc:spChg chg="mod">
-          <ac:chgData name="Long B Nguyen" userId="f59fb8f3-a021-417a-8bc1-65c8d471c621" providerId="ADAL" clId="{7E551B6C-1E81-B548-A72C-C51786C7D0CC}" dt="2021-06-11T12:20:20.014" v="2185" actId="1076"/>
-          <ac:spMkLst>
-            <pc:docMk/>
-            <pc:sldMk cId="1830555247" sldId="342"/>
-            <ac:spMk id="34817" creationId="{DE07AFA2-897D-1246-9C8B-446B67E7BFE4}"/>
-          </ac:spMkLst>
-        </pc:spChg>
-        <pc:picChg chg="mod">
-          <ac:chgData name="Long B Nguyen" userId="f59fb8f3-a021-417a-8bc1-65c8d471c621" providerId="ADAL" clId="{7E551B6C-1E81-B548-A72C-C51786C7D0CC}" dt="2021-06-11T12:21:03.206" v="2198" actId="1076"/>
-          <ac:picMkLst>
-            <pc:docMk/>
-            <pc:sldMk cId="1830555247" sldId="342"/>
-            <ac:picMk id="4" creationId="{FDC9B311-9DA7-9948-8004-00E508A39ED6}"/>
-          </ac:picMkLst>
-        </pc:picChg>
-        <pc:picChg chg="mod">
-          <ac:chgData name="Long B Nguyen" userId="f59fb8f3-a021-417a-8bc1-65c8d471c621" providerId="ADAL" clId="{7E551B6C-1E81-B548-A72C-C51786C7D0CC}" dt="2021-06-11T12:21:04.695" v="2199" actId="1076"/>
-          <ac:picMkLst>
-            <pc:docMk/>
-            <pc:sldMk cId="1830555247" sldId="342"/>
-            <ac:picMk id="5" creationId="{4DCFC96C-D965-244F-9EDF-23EC6C1A18B7}"/>
-          </ac:picMkLst>
-        </pc:picChg>
-        <pc:picChg chg="mod">
-          <ac:chgData name="Long B Nguyen" userId="f59fb8f3-a021-417a-8bc1-65c8d471c621" providerId="ADAL" clId="{7E551B6C-1E81-B548-A72C-C51786C7D0CC}" dt="2021-06-11T12:20:49.972" v="2193" actId="1076"/>
-          <ac:picMkLst>
-            <pc:docMk/>
-            <pc:sldMk cId="1830555247" sldId="342"/>
-            <ac:picMk id="6" creationId="{CDC6C3C4-C8B3-4048-984B-B2480C8C3191}"/>
-          </ac:picMkLst>
-        </pc:picChg>
-        <pc:picChg chg="mod">
-          <ac:chgData name="Long B Nguyen" userId="f59fb8f3-a021-417a-8bc1-65c8d471c621" providerId="ADAL" clId="{7E551B6C-1E81-B548-A72C-C51786C7D0CC}" dt="2021-06-11T12:20:51.345" v="2194" actId="1076"/>
-          <ac:picMkLst>
-            <pc:docMk/>
-            <pc:sldMk cId="1830555247" sldId="342"/>
-            <ac:picMk id="7" creationId="{6E44BAB4-410B-0B4B-BDAF-22047930EE62}"/>
-          </ac:picMkLst>
-        </pc:picChg>
-        <pc:picChg chg="mod">
-          <ac:chgData name="Long B Nguyen" userId="f59fb8f3-a021-417a-8bc1-65c8d471c621" providerId="ADAL" clId="{7E551B6C-1E81-B548-A72C-C51786C7D0CC}" dt="2021-06-11T12:21:01.225" v="2197" actId="1076"/>
-          <ac:picMkLst>
-            <pc:docMk/>
-            <pc:sldMk cId="1830555247" sldId="342"/>
-            <ac:picMk id="8" creationId="{3699A654-DBFF-8E42-9025-0BD47A3552A3}"/>
-          </ac:picMkLst>
-        </pc:picChg>
-        <pc:picChg chg="mod">
-          <ac:chgData name="Long B Nguyen" userId="f59fb8f3-a021-417a-8bc1-65c8d471c621" providerId="ADAL" clId="{7E551B6C-1E81-B548-A72C-C51786C7D0CC}" dt="2021-06-11T12:20:58.217" v="2196" actId="1076"/>
-          <ac:picMkLst>
-            <pc:docMk/>
-            <pc:sldMk cId="1830555247" sldId="342"/>
-            <ac:picMk id="9" creationId="{3581F40A-57CF-324D-91E0-064EA307AAAF}"/>
-          </ac:picMkLst>
-        </pc:picChg>
       </pc:sldChg>
       <pc:sldChg chg="del">
         <pc:chgData name="Long B Nguyen" userId="f59fb8f3-a021-417a-8bc1-65c8d471c621" providerId="ADAL" clId="{7E551B6C-1E81-B548-A72C-C51786C7D0CC}" dt="2021-06-10T17:02:54.078" v="1114" actId="2696"/>
@@ -2877,22 +1643,6 @@
           <pc:docMk/>
           <pc:sldMk cId="2861772922" sldId="343"/>
         </pc:sldMkLst>
-        <pc:spChg chg="mod">
-          <ac:chgData name="Long B Nguyen" userId="f59fb8f3-a021-417a-8bc1-65c8d471c621" providerId="ADAL" clId="{7E551B6C-1E81-B548-A72C-C51786C7D0CC}" dt="2021-06-11T12:20:13.671" v="2183" actId="14100"/>
-          <ac:spMkLst>
-            <pc:docMk/>
-            <pc:sldMk cId="2861772922" sldId="343"/>
-            <ac:spMk id="3" creationId="{BB84A3DF-3845-E44E-BE23-31EA988FAEBB}"/>
-          </ac:spMkLst>
-        </pc:spChg>
-        <pc:spChg chg="mod">
-          <ac:chgData name="Long B Nguyen" userId="f59fb8f3-a021-417a-8bc1-65c8d471c621" providerId="ADAL" clId="{7E551B6C-1E81-B548-A72C-C51786C7D0CC}" dt="2021-06-11T12:20:08.739" v="2181" actId="1076"/>
-          <ac:spMkLst>
-            <pc:docMk/>
-            <pc:sldMk cId="2861772922" sldId="343"/>
-            <ac:spMk id="33793" creationId="{EF6B3B38-3472-E741-B04E-BCDB92C17E95}"/>
-          </ac:spMkLst>
-        </pc:spChg>
       </pc:sldChg>
       <pc:sldChg chg="modSp mod">
         <pc:chgData name="Long B Nguyen" userId="f59fb8f3-a021-417a-8bc1-65c8d471c621" providerId="ADAL" clId="{7E551B6C-1E81-B548-A72C-C51786C7D0CC}" dt="2021-06-11T15:53:57.641" v="3218" actId="20577"/>
@@ -2900,14 +1650,6 @@
           <pc:docMk/>
           <pc:sldMk cId="1270247652" sldId="344"/>
         </pc:sldMkLst>
-        <pc:spChg chg="mod">
-          <ac:chgData name="Long B Nguyen" userId="f59fb8f3-a021-417a-8bc1-65c8d471c621" providerId="ADAL" clId="{7E551B6C-1E81-B548-A72C-C51786C7D0CC}" dt="2021-06-11T15:53:57.641" v="3218" actId="20577"/>
-          <ac:spMkLst>
-            <pc:docMk/>
-            <pc:sldMk cId="1270247652" sldId="344"/>
-            <ac:spMk id="55298" creationId="{4AA38F8C-E2AA-EA4D-A486-FA2F457B38F7}"/>
-          </ac:spMkLst>
-        </pc:spChg>
       </pc:sldChg>
       <pc:sldChg chg="del">
         <pc:chgData name="Long B Nguyen" userId="f59fb8f3-a021-417a-8bc1-65c8d471c621" providerId="ADAL" clId="{7E551B6C-1E81-B548-A72C-C51786C7D0CC}" dt="2021-06-10T17:02:53.825" v="1107" actId="2696"/>
@@ -2922,30 +1664,6 @@
           <pc:docMk/>
           <pc:sldMk cId="2130219534" sldId="345"/>
         </pc:sldMkLst>
-        <pc:spChg chg="mod">
-          <ac:chgData name="Long B Nguyen" userId="f59fb8f3-a021-417a-8bc1-65c8d471c621" providerId="ADAL" clId="{7E551B6C-1E81-B548-A72C-C51786C7D0CC}" dt="2021-06-11T12:18:49.317" v="2149" actId="1076"/>
-          <ac:spMkLst>
-            <pc:docMk/>
-            <pc:sldMk cId="2130219534" sldId="345"/>
-            <ac:spMk id="26625" creationId="{EEE37393-73E7-7A42-A21D-4773DC200BF6}"/>
-          </ac:spMkLst>
-        </pc:spChg>
-        <pc:spChg chg="mod">
-          <ac:chgData name="Long B Nguyen" userId="f59fb8f3-a021-417a-8bc1-65c8d471c621" providerId="ADAL" clId="{7E551B6C-1E81-B548-A72C-C51786C7D0CC}" dt="2021-06-11T12:18:55.117" v="2151" actId="14100"/>
-          <ac:spMkLst>
-            <pc:docMk/>
-            <pc:sldMk cId="2130219534" sldId="345"/>
-            <ac:spMk id="26626" creationId="{EBDCF6EE-E392-F04F-9B69-A1B47BE13E5F}"/>
-          </ac:spMkLst>
-        </pc:spChg>
-        <pc:picChg chg="mod">
-          <ac:chgData name="Long B Nguyen" userId="f59fb8f3-a021-417a-8bc1-65c8d471c621" providerId="ADAL" clId="{7E551B6C-1E81-B548-A72C-C51786C7D0CC}" dt="2021-06-11T12:18:57.762" v="2161" actId="1036"/>
-          <ac:picMkLst>
-            <pc:docMk/>
-            <pc:sldMk cId="2130219534" sldId="345"/>
-            <ac:picMk id="26627" creationId="{4CB819D5-BF58-EF49-ADC3-C5DAC8299BED}"/>
-          </ac:picMkLst>
-        </pc:picChg>
       </pc:sldChg>
       <pc:sldChg chg="add del">
         <pc:chgData name="Long B Nguyen" userId="f59fb8f3-a021-417a-8bc1-65c8d471c621" providerId="ADAL" clId="{7E551B6C-1E81-B548-A72C-C51786C7D0CC}" dt="2021-06-10T13:28:50.891" v="1091" actId="2696"/>
@@ -2967,14 +1685,6 @@
           <pc:docMk/>
           <pc:sldMk cId="2921473555" sldId="348"/>
         </pc:sldMkLst>
-        <pc:spChg chg="mod">
-          <ac:chgData name="Long B Nguyen" userId="f59fb8f3-a021-417a-8bc1-65c8d471c621" providerId="ADAL" clId="{7E551B6C-1E81-B548-A72C-C51786C7D0CC}" dt="2021-06-11T12:17:58.259" v="2135" actId="1076"/>
-          <ac:spMkLst>
-            <pc:docMk/>
-            <pc:sldMk cId="2921473555" sldId="348"/>
-            <ac:spMk id="23553" creationId="{5E6C904F-B0D2-8542-BF56-4B43E4386E3D}"/>
-          </ac:spMkLst>
-        </pc:spChg>
       </pc:sldChg>
       <pc:sldChg chg="del">
         <pc:chgData name="Long B Nguyen" userId="f59fb8f3-a021-417a-8bc1-65c8d471c621" providerId="ADAL" clId="{7E551B6C-1E81-B548-A72C-C51786C7D0CC}" dt="2021-06-10T17:02:53.758" v="1104" actId="2696"/>
@@ -2989,22 +1699,6 @@
           <pc:docMk/>
           <pc:sldMk cId="1685712336" sldId="349"/>
         </pc:sldMkLst>
-        <pc:spChg chg="mod">
-          <ac:chgData name="Long B Nguyen" userId="f59fb8f3-a021-417a-8bc1-65c8d471c621" providerId="ADAL" clId="{7E551B6C-1E81-B548-A72C-C51786C7D0CC}" dt="2021-06-14T17:19:50.006" v="4358" actId="1076"/>
-          <ac:spMkLst>
-            <pc:docMk/>
-            <pc:sldMk cId="1685712336" sldId="349"/>
-            <ac:spMk id="2" creationId="{6117A749-B1BA-E24B-8FB0-0604EF651FB3}"/>
-          </ac:spMkLst>
-        </pc:spChg>
-        <pc:spChg chg="mod">
-          <ac:chgData name="Long B Nguyen" userId="f59fb8f3-a021-417a-8bc1-65c8d471c621" providerId="ADAL" clId="{7E551B6C-1E81-B548-A72C-C51786C7D0CC}" dt="2021-06-14T12:55:33.847" v="4335" actId="20577"/>
-          <ac:spMkLst>
-            <pc:docMk/>
-            <pc:sldMk cId="1685712336" sldId="349"/>
-            <ac:spMk id="3" creationId="{1BDC47C8-6776-7B44-9CD4-95FC91452D62}"/>
-          </ac:spMkLst>
-        </pc:spChg>
       </pc:sldChg>
       <pc:sldChg chg="modSp add">
         <pc:chgData name="Long B Nguyen" userId="f59fb8f3-a021-417a-8bc1-65c8d471c621" providerId="ADAL" clId="{7E551B6C-1E81-B548-A72C-C51786C7D0CC}" dt="2021-06-11T12:01:35.808" v="1748" actId="20577"/>
@@ -3012,14 +1706,6 @@
           <pc:docMk/>
           <pc:sldMk cId="1173183267" sldId="350"/>
         </pc:sldMkLst>
-        <pc:spChg chg="mod">
-          <ac:chgData name="Long B Nguyen" userId="f59fb8f3-a021-417a-8bc1-65c8d471c621" providerId="ADAL" clId="{7E551B6C-1E81-B548-A72C-C51786C7D0CC}" dt="2021-06-11T12:01:35.808" v="1748" actId="20577"/>
-          <ac:spMkLst>
-            <pc:docMk/>
-            <pc:sldMk cId="1173183267" sldId="350"/>
-            <ac:spMk id="3" creationId="{44A58473-3189-0C44-8A5E-E353CDFB3E5C}"/>
-          </ac:spMkLst>
-        </pc:spChg>
       </pc:sldChg>
       <pc:sldChg chg="modSp add del mod modAnim">
         <pc:chgData name="Long B Nguyen" userId="f59fb8f3-a021-417a-8bc1-65c8d471c621" providerId="ADAL" clId="{7E551B6C-1E81-B548-A72C-C51786C7D0CC}" dt="2021-06-10T13:03:10.803" v="496" actId="2696"/>
@@ -3027,22 +1713,6 @@
           <pc:docMk/>
           <pc:sldMk cId="1718290988" sldId="350"/>
         </pc:sldMkLst>
-        <pc:spChg chg="mod">
-          <ac:chgData name="Long B Nguyen" userId="f59fb8f3-a021-417a-8bc1-65c8d471c621" providerId="ADAL" clId="{7E551B6C-1E81-B548-A72C-C51786C7D0CC}" dt="2021-06-10T13:02:13.226" v="495" actId="20577"/>
-          <ac:spMkLst>
-            <pc:docMk/>
-            <pc:sldMk cId="1718290988" sldId="350"/>
-            <ac:spMk id="3" creationId="{44A58473-3189-0C44-8A5E-E353CDFB3E5C}"/>
-          </ac:spMkLst>
-        </pc:spChg>
-        <pc:spChg chg="mod">
-          <ac:chgData name="Long B Nguyen" userId="f59fb8f3-a021-417a-8bc1-65c8d471c621" providerId="ADAL" clId="{7E551B6C-1E81-B548-A72C-C51786C7D0CC}" dt="2021-06-10T12:53:16.344" v="47" actId="20577"/>
-          <ac:spMkLst>
-            <pc:docMk/>
-            <pc:sldMk cId="1718290988" sldId="350"/>
-            <ac:spMk id="21505" creationId="{BCBA125C-ACA7-FB47-96FC-9420F821AD81}"/>
-          </ac:spMkLst>
-        </pc:spChg>
       </pc:sldChg>
       <pc:sldChg chg="modSp add mod modAnim">
         <pc:chgData name="Long B Nguyen" userId="f59fb8f3-a021-417a-8bc1-65c8d471c621" providerId="ADAL" clId="{7E551B6C-1E81-B548-A72C-C51786C7D0CC}" dt="2021-06-11T12:21:24.691" v="2200" actId="1076"/>
@@ -3050,22 +1720,6 @@
           <pc:docMk/>
           <pc:sldMk cId="1166836157" sldId="351"/>
         </pc:sldMkLst>
-        <pc:spChg chg="mod">
-          <ac:chgData name="Long B Nguyen" userId="f59fb8f3-a021-417a-8bc1-65c8d471c621" providerId="ADAL" clId="{7E551B6C-1E81-B548-A72C-C51786C7D0CC}" dt="2021-06-10T13:06:10.319" v="551"/>
-          <ac:spMkLst>
-            <pc:docMk/>
-            <pc:sldMk cId="1166836157" sldId="351"/>
-            <ac:spMk id="3" creationId="{44A58473-3189-0C44-8A5E-E353CDFB3E5C}"/>
-          </ac:spMkLst>
-        </pc:spChg>
-        <pc:spChg chg="mod">
-          <ac:chgData name="Long B Nguyen" userId="f59fb8f3-a021-417a-8bc1-65c8d471c621" providerId="ADAL" clId="{7E551B6C-1E81-B548-A72C-C51786C7D0CC}" dt="2021-06-11T12:21:24.691" v="2200" actId="1076"/>
-          <ac:spMkLst>
-            <pc:docMk/>
-            <pc:sldMk cId="1166836157" sldId="351"/>
-            <ac:spMk id="21505" creationId="{BCBA125C-ACA7-FB47-96FC-9420F821AD81}"/>
-          </ac:spMkLst>
-        </pc:spChg>
       </pc:sldChg>
       <pc:sldChg chg="modSp add del modAnim">
         <pc:chgData name="Long B Nguyen" userId="f59fb8f3-a021-417a-8bc1-65c8d471c621" providerId="ADAL" clId="{7E551B6C-1E81-B548-A72C-C51786C7D0CC}" dt="2021-06-10T13:08:38.854" v="566" actId="2696"/>
@@ -3073,14 +1727,6 @@
           <pc:docMk/>
           <pc:sldMk cId="486956964" sldId="352"/>
         </pc:sldMkLst>
-        <pc:spChg chg="mod">
-          <ac:chgData name="Long B Nguyen" userId="f59fb8f3-a021-417a-8bc1-65c8d471c621" providerId="ADAL" clId="{7E551B6C-1E81-B548-A72C-C51786C7D0CC}" dt="2021-06-10T13:06:23.912" v="564" actId="20577"/>
-          <ac:spMkLst>
-            <pc:docMk/>
-            <pc:sldMk cId="486956964" sldId="352"/>
-            <ac:spMk id="3" creationId="{44A58473-3189-0C44-8A5E-E353CDFB3E5C}"/>
-          </ac:spMkLst>
-        </pc:spChg>
       </pc:sldChg>
       <pc:sldChg chg="delSp modSp add mod modAnim">
         <pc:chgData name="Long B Nguyen" userId="f59fb8f3-a021-417a-8bc1-65c8d471c621" providerId="ADAL" clId="{7E551B6C-1E81-B548-A72C-C51786C7D0CC}" dt="2021-06-11T17:27:42.670" v="4039" actId="20577"/>
@@ -3088,30 +1734,6 @@
           <pc:docMk/>
           <pc:sldMk cId="630408664" sldId="598"/>
         </pc:sldMkLst>
-        <pc:spChg chg="mod">
-          <ac:chgData name="Long B Nguyen" userId="f59fb8f3-a021-417a-8bc1-65c8d471c621" providerId="ADAL" clId="{7E551B6C-1E81-B548-A72C-C51786C7D0CC}" dt="2021-06-11T17:27:42.670" v="4039" actId="20577"/>
-          <ac:spMkLst>
-            <pc:docMk/>
-            <pc:sldMk cId="630408664" sldId="598"/>
-            <ac:spMk id="16386" creationId="{BDE71382-597F-7140-BB2A-61A70538093D}"/>
-          </ac:spMkLst>
-        </pc:spChg>
-        <pc:spChg chg="mod">
-          <ac:chgData name="Long B Nguyen" userId="f59fb8f3-a021-417a-8bc1-65c8d471c621" providerId="ADAL" clId="{7E551B6C-1E81-B548-A72C-C51786C7D0CC}" dt="2021-06-11T17:23:30.022" v="3808" actId="1076"/>
-          <ac:spMkLst>
-            <pc:docMk/>
-            <pc:sldMk cId="630408664" sldId="598"/>
-            <ac:spMk id="49153" creationId="{1680CCD0-15B9-9C43-A98A-AA8370C7D7D7}"/>
-          </ac:spMkLst>
-        </pc:spChg>
-        <pc:picChg chg="del mod">
-          <ac:chgData name="Long B Nguyen" userId="f59fb8f3-a021-417a-8bc1-65c8d471c621" providerId="ADAL" clId="{7E551B6C-1E81-B548-A72C-C51786C7D0CC}" dt="2021-06-11T17:27:02.105" v="4027" actId="478"/>
-          <ac:picMkLst>
-            <pc:docMk/>
-            <pc:sldMk cId="630408664" sldId="598"/>
-            <ac:picMk id="47107" creationId="{3DDFC360-56E5-D24E-96BC-A8AE220FFD5D}"/>
-          </ac:picMkLst>
-        </pc:picChg>
       </pc:sldChg>
       <pc:sldChg chg="add del">
         <pc:chgData name="Long B Nguyen" userId="f59fb8f3-a021-417a-8bc1-65c8d471c621" providerId="ADAL" clId="{7E551B6C-1E81-B548-A72C-C51786C7D0CC}" dt="2021-06-11T17:22:36.725" v="3805" actId="2696"/>
@@ -3133,22 +1755,6 @@
           <pc:docMk/>
           <pc:sldMk cId="890660370" sldId="626"/>
         </pc:sldMkLst>
-        <pc:spChg chg="mod">
-          <ac:chgData name="Long B Nguyen" userId="f59fb8f3-a021-417a-8bc1-65c8d471c621" providerId="ADAL" clId="{7E551B6C-1E81-B548-A72C-C51786C7D0CC}" dt="2021-06-11T12:02:43.847" v="1765" actId="207"/>
-          <ac:spMkLst>
-            <pc:docMk/>
-            <pc:sldMk cId="890660370" sldId="626"/>
-            <ac:spMk id="6146" creationId="{EAA042DF-FAF2-DA4B-9FB9-A8E93FAB0389}"/>
-          </ac:spMkLst>
-        </pc:spChg>
-        <pc:picChg chg="add mod">
-          <ac:chgData name="Long B Nguyen" userId="f59fb8f3-a021-417a-8bc1-65c8d471c621" providerId="ADAL" clId="{7E551B6C-1E81-B548-A72C-C51786C7D0CC}" dt="2021-06-10T13:14:21.548" v="721" actId="1076"/>
-          <ac:picMkLst>
-            <pc:docMk/>
-            <pc:sldMk cId="890660370" sldId="626"/>
-            <ac:picMk id="3" creationId="{88E06D57-59AD-D342-BCB1-54EACBEAB164}"/>
-          </ac:picMkLst>
-        </pc:picChg>
       </pc:sldChg>
       <pc:sldChg chg="modSp add mod">
         <pc:chgData name="Long B Nguyen" userId="f59fb8f3-a021-417a-8bc1-65c8d471c621" providerId="ADAL" clId="{7E551B6C-1E81-B548-A72C-C51786C7D0CC}" dt="2021-06-10T17:01:49.146" v="1101" actId="20577"/>
@@ -3156,30 +1762,6 @@
           <pc:docMk/>
           <pc:sldMk cId="3969006746" sldId="627"/>
         </pc:sldMkLst>
-        <pc:spChg chg="mod">
-          <ac:chgData name="Long B Nguyen" userId="f59fb8f3-a021-417a-8bc1-65c8d471c621" providerId="ADAL" clId="{7E551B6C-1E81-B548-A72C-C51786C7D0CC}" dt="2021-06-10T17:01:49.146" v="1101" actId="20577"/>
-          <ac:spMkLst>
-            <pc:docMk/>
-            <pc:sldMk cId="3969006746" sldId="627"/>
-            <ac:spMk id="3" creationId="{98EB71F4-DBF4-ED4C-9334-B829AAEF3E2C}"/>
-          </ac:spMkLst>
-        </pc:spChg>
-        <pc:spChg chg="mod">
-          <ac:chgData name="Long B Nguyen" userId="f59fb8f3-a021-417a-8bc1-65c8d471c621" providerId="ADAL" clId="{7E551B6C-1E81-B548-A72C-C51786C7D0CC}" dt="2021-06-10T13:15:47.488" v="794" actId="1076"/>
-          <ac:spMkLst>
-            <pc:docMk/>
-            <pc:sldMk cId="3969006746" sldId="627"/>
-            <ac:spMk id="36865" creationId="{80DCD7AD-00FD-2F40-91CE-625DA6FD1285}"/>
-          </ac:spMkLst>
-        </pc:spChg>
-        <pc:picChg chg="mod">
-          <ac:chgData name="Long B Nguyen" userId="f59fb8f3-a021-417a-8bc1-65c8d471c621" providerId="ADAL" clId="{7E551B6C-1E81-B548-A72C-C51786C7D0CC}" dt="2021-06-10T13:18:09.842" v="848" actId="1036"/>
-          <ac:picMkLst>
-            <pc:docMk/>
-            <pc:sldMk cId="3969006746" sldId="627"/>
-            <ac:picMk id="34820" creationId="{88DD05B8-5A7A-0F4F-AC0A-AB11673ED631}"/>
-          </ac:picMkLst>
-        </pc:picChg>
       </pc:sldChg>
       <pc:sldChg chg="modSp add mod modAnim">
         <pc:chgData name="Long B Nguyen" userId="f59fb8f3-a021-417a-8bc1-65c8d471c621" providerId="ADAL" clId="{7E551B6C-1E81-B548-A72C-C51786C7D0CC}" dt="2021-06-11T16:15:09.711" v="3219" actId="20577"/>
@@ -3187,22 +1769,6 @@
           <pc:docMk/>
           <pc:sldMk cId="781734240" sldId="628"/>
         </pc:sldMkLst>
-        <pc:spChg chg="mod">
-          <ac:chgData name="Long B Nguyen" userId="f59fb8f3-a021-417a-8bc1-65c8d471c621" providerId="ADAL" clId="{7E551B6C-1E81-B548-A72C-C51786C7D0CC}" dt="2021-06-11T16:15:09.711" v="3219" actId="20577"/>
-          <ac:spMkLst>
-            <pc:docMk/>
-            <pc:sldMk cId="781734240" sldId="628"/>
-            <ac:spMk id="3" creationId="{D7CDD189-AC0E-DF4B-95CF-A617BFC2B7FC}"/>
-          </ac:spMkLst>
-        </pc:spChg>
-        <pc:spChg chg="mod">
-          <ac:chgData name="Long B Nguyen" userId="f59fb8f3-a021-417a-8bc1-65c8d471c621" providerId="ADAL" clId="{7E551B6C-1E81-B548-A72C-C51786C7D0CC}" dt="2021-06-11T12:25:44.185" v="2222" actId="20577"/>
-          <ac:spMkLst>
-            <pc:docMk/>
-            <pc:sldMk cId="781734240" sldId="628"/>
-            <ac:spMk id="37889" creationId="{AC3C8F6C-38DD-984D-AB5D-B5D4807018F9}"/>
-          </ac:spMkLst>
-        </pc:spChg>
       </pc:sldChg>
       <pc:sldChg chg="addSp modSp add mod modAnim">
         <pc:chgData name="Long B Nguyen" userId="f59fb8f3-a021-417a-8bc1-65c8d471c621" providerId="ADAL" clId="{7E551B6C-1E81-B548-A72C-C51786C7D0CC}" dt="2021-06-14T17:29:13.636" v="4362" actId="20577"/>
@@ -3210,46 +1776,6 @@
           <pc:docMk/>
           <pc:sldMk cId="4189100123" sldId="629"/>
         </pc:sldMkLst>
-        <pc:spChg chg="mod">
-          <ac:chgData name="Long B Nguyen" userId="f59fb8f3-a021-417a-8bc1-65c8d471c621" providerId="ADAL" clId="{7E551B6C-1E81-B548-A72C-C51786C7D0CC}" dt="2021-06-14T17:29:13.636" v="4362" actId="20577"/>
-          <ac:spMkLst>
-            <pc:docMk/>
-            <pc:sldMk cId="4189100123" sldId="629"/>
-            <ac:spMk id="3" creationId="{D7CDD189-AC0E-DF4B-95CF-A617BFC2B7FC}"/>
-          </ac:spMkLst>
-        </pc:spChg>
-        <pc:spChg chg="add mod">
-          <ac:chgData name="Long B Nguyen" userId="f59fb8f3-a021-417a-8bc1-65c8d471c621" providerId="ADAL" clId="{7E551B6C-1E81-B548-A72C-C51786C7D0CC}" dt="2021-06-11T15:48:49.712" v="3088" actId="20577"/>
-          <ac:spMkLst>
-            <pc:docMk/>
-            <pc:sldMk cId="4189100123" sldId="629"/>
-            <ac:spMk id="4" creationId="{82244787-A2A1-4749-A8B7-E2FA026920E8}"/>
-          </ac:spMkLst>
-        </pc:spChg>
-        <pc:spChg chg="mod">
-          <ac:chgData name="Long B Nguyen" userId="f59fb8f3-a021-417a-8bc1-65c8d471c621" providerId="ADAL" clId="{7E551B6C-1E81-B548-A72C-C51786C7D0CC}" dt="2021-06-11T16:15:30.481" v="3246" actId="20577"/>
-          <ac:spMkLst>
-            <pc:docMk/>
-            <pc:sldMk cId="4189100123" sldId="629"/>
-            <ac:spMk id="37889" creationId="{AC3C8F6C-38DD-984D-AB5D-B5D4807018F9}"/>
-          </ac:spMkLst>
-        </pc:spChg>
-        <pc:picChg chg="add mod">
-          <ac:chgData name="Long B Nguyen" userId="f59fb8f3-a021-417a-8bc1-65c8d471c621" providerId="ADAL" clId="{7E551B6C-1E81-B548-A72C-C51786C7D0CC}" dt="2021-06-11T15:47:39.112" v="2972" actId="14100"/>
-          <ac:picMkLst>
-            <pc:docMk/>
-            <pc:sldMk cId="4189100123" sldId="629"/>
-            <ac:picMk id="2" creationId="{26261424-4D92-434A-9647-D9B174BCFE30}"/>
-          </ac:picMkLst>
-        </pc:picChg>
-        <pc:cxnChg chg="add mod">
-          <ac:chgData name="Long B Nguyen" userId="f59fb8f3-a021-417a-8bc1-65c8d471c621" providerId="ADAL" clId="{7E551B6C-1E81-B548-A72C-C51786C7D0CC}" dt="2021-06-11T15:48:38.223" v="3085" actId="14100"/>
-          <ac:cxnSpMkLst>
-            <pc:docMk/>
-            <pc:sldMk cId="4189100123" sldId="629"/>
-            <ac:cxnSpMk id="7" creationId="{30424A34-CC6B-CA47-AE5D-5E507CCCA0D2}"/>
-          </ac:cxnSpMkLst>
-        </pc:cxnChg>
       </pc:sldChg>
       <pc:sldChg chg="modSp add mod">
         <pc:chgData name="Long B Nguyen" userId="f59fb8f3-a021-417a-8bc1-65c8d471c621" providerId="ADAL" clId="{7E551B6C-1E81-B548-A72C-C51786C7D0CC}" dt="2021-06-11T17:21:15.863" v="3803" actId="20577"/>
@@ -3257,22 +1783,6 @@
           <pc:docMk/>
           <pc:sldMk cId="3668115397" sldId="643"/>
         </pc:sldMkLst>
-        <pc:spChg chg="mod">
-          <ac:chgData name="Long B Nguyen" userId="f59fb8f3-a021-417a-8bc1-65c8d471c621" providerId="ADAL" clId="{7E551B6C-1E81-B548-A72C-C51786C7D0CC}" dt="2021-06-11T16:47:42.961" v="3262" actId="20577"/>
-          <ac:spMkLst>
-            <pc:docMk/>
-            <pc:sldMk cId="3668115397" sldId="643"/>
-            <ac:spMk id="2" creationId="{893AF10F-C12D-6B4A-84C5-206A244BF7C6}"/>
-          </ac:spMkLst>
-        </pc:spChg>
-        <pc:spChg chg="mod">
-          <ac:chgData name="Long B Nguyen" userId="f59fb8f3-a021-417a-8bc1-65c8d471c621" providerId="ADAL" clId="{7E551B6C-1E81-B548-A72C-C51786C7D0CC}" dt="2021-06-11T17:21:15.863" v="3803" actId="20577"/>
-          <ac:spMkLst>
-            <pc:docMk/>
-            <pc:sldMk cId="3668115397" sldId="643"/>
-            <ac:spMk id="3" creationId="{8EE44610-8AB0-B84C-9003-2B8BA850F328}"/>
-          </ac:spMkLst>
-        </pc:spChg>
       </pc:sldChg>
       <pc:sldChg chg="delSp modSp add mod">
         <pc:chgData name="Long B Nguyen" userId="f59fb8f3-a021-417a-8bc1-65c8d471c621" providerId="ADAL" clId="{7E551B6C-1E81-B548-A72C-C51786C7D0CC}" dt="2021-06-11T16:51:13.848" v="3411" actId="20577"/>
@@ -3280,30 +1790,6 @@
           <pc:docMk/>
           <pc:sldMk cId="3323891907" sldId="647"/>
         </pc:sldMkLst>
-        <pc:spChg chg="mod">
-          <ac:chgData name="Long B Nguyen" userId="f59fb8f3-a021-417a-8bc1-65c8d471c621" providerId="ADAL" clId="{7E551B6C-1E81-B548-A72C-C51786C7D0CC}" dt="2021-06-11T16:51:13.848" v="3411" actId="20577"/>
-          <ac:spMkLst>
-            <pc:docMk/>
-            <pc:sldMk cId="3323891907" sldId="647"/>
-            <ac:spMk id="2" creationId="{893AF10F-C12D-6B4A-84C5-206A244BF7C6}"/>
-          </ac:spMkLst>
-        </pc:spChg>
-        <pc:spChg chg="mod">
-          <ac:chgData name="Long B Nguyen" userId="f59fb8f3-a021-417a-8bc1-65c8d471c621" providerId="ADAL" clId="{7E551B6C-1E81-B548-A72C-C51786C7D0CC}" dt="2021-06-11T16:48:57.583" v="3397" actId="20577"/>
-          <ac:spMkLst>
-            <pc:docMk/>
-            <pc:sldMk cId="3323891907" sldId="647"/>
-            <ac:spMk id="3" creationId="{8EE44610-8AB0-B84C-9003-2B8BA850F328}"/>
-          </ac:spMkLst>
-        </pc:spChg>
-        <pc:picChg chg="del">
-          <ac:chgData name="Long B Nguyen" userId="f59fb8f3-a021-417a-8bc1-65c8d471c621" providerId="ADAL" clId="{7E551B6C-1E81-B548-A72C-C51786C7D0CC}" dt="2021-06-11T16:48:51.409" v="3393" actId="478"/>
-          <ac:picMkLst>
-            <pc:docMk/>
-            <pc:sldMk cId="3323891907" sldId="647"/>
-            <ac:picMk id="5" creationId="{7347089B-D462-CA4B-A5E9-0F42EB323F77}"/>
-          </ac:picMkLst>
-        </pc:picChg>
       </pc:sldChg>
       <pc:sldChg chg="modSp add mod">
         <pc:chgData name="Long B Nguyen" userId="f59fb8f3-a021-417a-8bc1-65c8d471c621" providerId="ADAL" clId="{7E551B6C-1E81-B548-A72C-C51786C7D0CC}" dt="2021-06-11T17:18:06.386" v="3802" actId="20577"/>
@@ -3311,22 +1797,6 @@
           <pc:docMk/>
           <pc:sldMk cId="2605170431" sldId="648"/>
         </pc:sldMkLst>
-        <pc:spChg chg="mod">
-          <ac:chgData name="Long B Nguyen" userId="f59fb8f3-a021-417a-8bc1-65c8d471c621" providerId="ADAL" clId="{7E551B6C-1E81-B548-A72C-C51786C7D0CC}" dt="2021-06-11T17:18:06.386" v="3802" actId="20577"/>
-          <ac:spMkLst>
-            <pc:docMk/>
-            <pc:sldMk cId="2605170431" sldId="648"/>
-            <ac:spMk id="3" creationId="{9B071422-AD72-304B-9DED-839E5307DF2B}"/>
-          </ac:spMkLst>
-        </pc:spChg>
-        <pc:spChg chg="mod">
-          <ac:chgData name="Long B Nguyen" userId="f59fb8f3-a021-417a-8bc1-65c8d471c621" providerId="ADAL" clId="{7E551B6C-1E81-B548-A72C-C51786C7D0CC}" dt="2021-06-11T17:10:48.781" v="3428" actId="20577"/>
-          <ac:spMkLst>
-            <pc:docMk/>
-            <pc:sldMk cId="2605170431" sldId="648"/>
-            <ac:spMk id="5" creationId="{EFF5F4AD-D9C7-1040-B066-A50136540666}"/>
-          </ac:spMkLst>
-        </pc:spChg>
       </pc:sldChg>
       <pc:sldChg chg="addSp modSp add modAnim">
         <pc:chgData name="Long B Nguyen" userId="f59fb8f3-a021-417a-8bc1-65c8d471c621" providerId="ADAL" clId="{7E551B6C-1E81-B548-A72C-C51786C7D0CC}" dt="2021-06-11T17:34:26.776" v="4329" actId="1036"/>
@@ -3334,30 +1804,6 @@
           <pc:docMk/>
           <pc:sldMk cId="1498021361" sldId="649"/>
         </pc:sldMkLst>
-        <pc:spChg chg="mod">
-          <ac:chgData name="Long B Nguyen" userId="f59fb8f3-a021-417a-8bc1-65c8d471c621" providerId="ADAL" clId="{7E551B6C-1E81-B548-A72C-C51786C7D0CC}" dt="2021-06-11T17:34:09.575" v="4320" actId="20577"/>
-          <ac:spMkLst>
-            <pc:docMk/>
-            <pc:sldMk cId="1498021361" sldId="649"/>
-            <ac:spMk id="16386" creationId="{BDE71382-597F-7140-BB2A-61A70538093D}"/>
-          </ac:spMkLst>
-        </pc:spChg>
-        <pc:picChg chg="add mod">
-          <ac:chgData name="Long B Nguyen" userId="f59fb8f3-a021-417a-8bc1-65c8d471c621" providerId="ADAL" clId="{7E551B6C-1E81-B548-A72C-C51786C7D0CC}" dt="2021-06-11T17:33:09.453" v="4262" actId="1076"/>
-          <ac:picMkLst>
-            <pc:docMk/>
-            <pc:sldMk cId="1498021361" sldId="649"/>
-            <ac:picMk id="5" creationId="{D8EE8A97-9242-D644-A186-3494C7C3D77B}"/>
-          </ac:picMkLst>
-        </pc:picChg>
-        <pc:picChg chg="mod">
-          <ac:chgData name="Long B Nguyen" userId="f59fb8f3-a021-417a-8bc1-65c8d471c621" providerId="ADAL" clId="{7E551B6C-1E81-B548-A72C-C51786C7D0CC}" dt="2021-06-11T17:34:26.776" v="4329" actId="1036"/>
-          <ac:picMkLst>
-            <pc:docMk/>
-            <pc:sldMk cId="1498021361" sldId="649"/>
-            <ac:picMk id="47107" creationId="{3DDFC360-56E5-D24E-96BC-A8AE220FFD5D}"/>
-          </ac:picMkLst>
-        </pc:picChg>
       </pc:sldChg>
     </pc:docChg>
   </pc:docChgLst>
@@ -3446,7 +1892,7 @@
           <a:p>
             <a:fld id="{11759725-BFEE-644C-A872-B7D4268C5620}" type="datetimeFigureOut">
               <a:rPr lang="en-US" smtClean="0"/>
-              <a:t>2/6/23</a:t>
+              <a:t>11/17/24</a:t>
             </a:fld>
             <a:endParaRPr lang="en-US"/>
           </a:p>
@@ -4420,7 +2866,7 @@
           <a:p>
             <a:fld id="{4AAD347D-5ACD-4C99-B74B-A9C85AD731AF}" type="datetimeFigureOut">
               <a:rPr lang="en-US" smtClean="0"/>
-              <a:t>2/6/23</a:t>
+              <a:t>11/17/24</a:t>
             </a:fld>
             <a:endParaRPr lang="en-US" dirty="0"/>
           </a:p>
@@ -4590,7 +3036,7 @@
           <a:p>
             <a:fld id="{4509A250-FF31-4206-8172-F9D3106AACB1}" type="datetimeFigureOut">
               <a:rPr lang="en-US" smtClean="0"/>
-              <a:t>2/6/23</a:t>
+              <a:t>11/17/24</a:t>
             </a:fld>
             <a:endParaRPr lang="en-US" dirty="0"/>
           </a:p>
@@ -4770,7 +3216,7 @@
           <a:p>
             <a:fld id="{4509A250-FF31-4206-8172-F9D3106AACB1}" type="datetimeFigureOut">
               <a:rPr lang="en-US" smtClean="0"/>
-              <a:t>2/6/23</a:t>
+              <a:t>11/17/24</a:t>
             </a:fld>
             <a:endParaRPr lang="en-US" dirty="0"/>
           </a:p>
@@ -4940,7 +3386,7 @@
           <a:p>
             <a:fld id="{4509A250-FF31-4206-8172-F9D3106AACB1}" type="datetimeFigureOut">
               <a:rPr lang="en-US" smtClean="0"/>
-              <a:t>2/6/23</a:t>
+              <a:t>11/17/24</a:t>
             </a:fld>
             <a:endParaRPr lang="en-US" dirty="0"/>
           </a:p>
@@ -5186,7 +3632,7 @@
           <a:p>
             <a:fld id="{9796027F-7875-4030-9381-8BD8C4F21935}" type="datetimeFigureOut">
               <a:rPr lang="en-US" smtClean="0"/>
-              <a:t>2/6/23</a:t>
+              <a:t>11/17/24</a:t>
             </a:fld>
             <a:endParaRPr lang="en-US" dirty="0"/>
           </a:p>
@@ -5418,7 +3864,7 @@
           <a:p>
             <a:fld id="{9796027F-7875-4030-9381-8BD8C4F21935}" type="datetimeFigureOut">
               <a:rPr lang="en-US" smtClean="0"/>
-              <a:t>2/6/23</a:t>
+              <a:t>11/17/24</a:t>
             </a:fld>
             <a:endParaRPr lang="en-US" dirty="0"/>
           </a:p>
@@ -5785,7 +4231,7 @@
           <a:p>
             <a:fld id="{9796027F-7875-4030-9381-8BD8C4F21935}" type="datetimeFigureOut">
               <a:rPr lang="en-US" smtClean="0"/>
-              <a:t>2/6/23</a:t>
+              <a:t>11/17/24</a:t>
             </a:fld>
             <a:endParaRPr lang="en-US" dirty="0"/>
           </a:p>
@@ -5903,7 +4349,7 @@
           <a:p>
             <a:fld id="{4509A250-FF31-4206-8172-F9D3106AACB1}" type="datetimeFigureOut">
               <a:rPr lang="en-US" smtClean="0"/>
-              <a:t>2/6/23</a:t>
+              <a:t>11/17/24</a:t>
             </a:fld>
             <a:endParaRPr lang="en-US" dirty="0"/>
           </a:p>
@@ -5998,7 +4444,7 @@
           <a:p>
             <a:fld id="{4509A250-FF31-4206-8172-F9D3106AACB1}" type="datetimeFigureOut">
               <a:rPr lang="en-US" smtClean="0"/>
-              <a:t>2/6/23</a:t>
+              <a:t>11/17/24</a:t>
             </a:fld>
             <a:endParaRPr lang="en-US" dirty="0"/>
           </a:p>
@@ -6275,7 +4721,7 @@
           <a:p>
             <a:fld id="{4509A250-FF31-4206-8172-F9D3106AACB1}" type="datetimeFigureOut">
               <a:rPr lang="en-US" smtClean="0"/>
-              <a:t>2/6/23</a:t>
+              <a:t>11/17/24</a:t>
             </a:fld>
             <a:endParaRPr lang="en-US" dirty="0"/>
           </a:p>
@@ -6532,7 +4978,7 @@
           <a:p>
             <a:fld id="{4509A250-FF31-4206-8172-F9D3106AACB1}" type="datetimeFigureOut">
               <a:rPr lang="en-US" smtClean="0"/>
-              <a:t>2/6/23</a:t>
+              <a:t>11/17/24</a:t>
             </a:fld>
             <a:endParaRPr lang="en-US" dirty="0"/>
           </a:p>
@@ -6745,7 +5191,7 @@
           <a:p>
             <a:fld id="{4AAD347D-5ACD-4C99-B74B-A9C85AD731AF}" type="datetimeFigureOut">
               <a:rPr lang="en-US" smtClean="0"/>
-              <a:t>2/6/23</a:t>
+              <a:t>11/17/24</a:t>
             </a:fld>
             <a:endParaRPr lang="en-US" dirty="0"/>
           </a:p>
@@ -13005,7 +11451,7 @@
             </a:r>
             <a:r>
               <a:rPr lang="en-US" dirty="0"/>
-              <a:t> is simply some sequence of 0's and 1s representing some information.</a:t>
+              <a:t> is simply some sequence of 0's and 1s representing some information. An image, audio recording or movie can be represented using just 0’s and 1’s!</a:t>
             </a:r>
             <a:endParaRPr lang="en-US" sz="2000" dirty="0"/>
           </a:p>
@@ -22600,132 +21046,383 @@
               <a:rPr lang="en-US" altLang="en-US" dirty="0">
                 <a:ea typeface="ＭＳ Ｐゴシック" panose="020B0600070205080204" pitchFamily="34" charset="-128"/>
               </a:rPr>
-              <a:t>Base 2 </a:t>
-            </a:r>
-            <a:r>
-              <a:rPr lang="en-US" altLang="zh-CN" dirty="0">
-                <a:ea typeface="宋体" panose="02010600030101010101" pitchFamily="2" charset="-122"/>
-              </a:rPr>
-              <a:t>(Binary)</a:t>
-            </a:r>
-            <a:endParaRPr lang="en-US" altLang="en-US" dirty="0">
-              <a:ea typeface="ＭＳ Ｐゴシック" panose="020B0600070205080204" pitchFamily="34" charset="-128"/>
-            </a:endParaRPr>
+              <a:t>Subscripts Notation</a:t>
+            </a:r>
           </a:p>
         </p:txBody>
       </p:sp>
-      <p:sp>
-        <p:nvSpPr>
-          <p:cNvPr id="3" name="Content Placeholder 2">
-            <a:extLst>
-              <a:ext uri="{FF2B5EF4-FFF2-40B4-BE49-F238E27FC236}">
-                <a16:creationId xmlns:a16="http://schemas.microsoft.com/office/drawing/2014/main" id="{1749D47C-23C2-834A-9FE9-50A8E8BE40E7}"/>
-              </a:ext>
-            </a:extLst>
-          </p:cNvPr>
-          <p:cNvSpPr>
-            <a:spLocks noGrp="1"/>
-          </p:cNvSpPr>
-          <p:nvPr>
-            <p:ph idx="1"/>
-          </p:nvPr>
-        </p:nvSpPr>
-        <p:spPr>
-          <a:xfrm>
-            <a:off x="282011" y="948584"/>
-            <a:ext cx="8631253" cy="4537816"/>
-          </a:xfrm>
-        </p:spPr>
-        <p:txBody>
-          <a:bodyPr/>
-          <a:lstStyle/>
-          <a:p>
-            <a:pPr marL="0" indent="0">
-              <a:buNone/>
-              <a:defRPr/>
-            </a:pPr>
-            <a:endParaRPr lang="en-US" sz="2000" dirty="0"/>
-          </a:p>
-          <a:p>
-            <a:pPr>
-              <a:buFont typeface="Wingdings" charset="0"/>
-              <a:buNone/>
-              <a:defRPr/>
-            </a:pPr>
-            <a:r>
-              <a:rPr lang="en-US" sz="2500" b="1" dirty="0"/>
-              <a:t>Base 2</a:t>
-            </a:r>
-          </a:p>
-          <a:p>
-            <a:pPr>
-              <a:buFont typeface="Wingdings" charset="0"/>
-              <a:buNone/>
-              <a:defRPr/>
-            </a:pPr>
-            <a:r>
-              <a:rPr lang="en-US" sz="2500" dirty="0"/>
-              <a:t>1011 = 1 x 2</a:t>
-            </a:r>
-            <a:r>
-              <a:rPr lang="en-US" sz="2500" baseline="30000" dirty="0"/>
-              <a:t>3 </a:t>
-            </a:r>
-            <a:r>
-              <a:rPr lang="en-US" sz="2500" dirty="0"/>
-              <a:t>+ 0 x 2</a:t>
-            </a:r>
-            <a:r>
-              <a:rPr lang="en-US" sz="2500" baseline="30000" dirty="0"/>
-              <a:t>2</a:t>
-            </a:r>
-            <a:r>
-              <a:rPr lang="en-US" sz="2500" dirty="0"/>
-              <a:t> + 1 x 2</a:t>
-            </a:r>
-            <a:r>
-              <a:rPr lang="en-US" sz="2500" baseline="30000" dirty="0"/>
-              <a:t>1</a:t>
-            </a:r>
-            <a:r>
-              <a:rPr lang="en-US" sz="2500" dirty="0"/>
-              <a:t> + 1 x 2</a:t>
-            </a:r>
-            <a:r>
-              <a:rPr lang="en-US" sz="2500" baseline="30000" dirty="0"/>
-              <a:t>0</a:t>
-            </a:r>
-          </a:p>
-          <a:p>
-            <a:pPr>
-              <a:buFont typeface="Wingdings" charset="0"/>
-              <a:buNone/>
-              <a:defRPr/>
-            </a:pPr>
-            <a:r>
-              <a:rPr lang="en-US" sz="2500" dirty="0"/>
-              <a:t>1011 = 1 x 8 + 0 x 4 + 1 x 2 + 1 x 1 =11 in Base 10</a:t>
-            </a:r>
-          </a:p>
-          <a:p>
-            <a:pPr marL="0" indent="0">
-              <a:buNone/>
-              <a:defRPr/>
-            </a:pPr>
-            <a:endParaRPr lang="en-US" sz="1833" dirty="0"/>
-          </a:p>
-          <a:p>
-            <a:pPr marL="0" indent="0">
-              <a:buNone/>
-              <a:defRPr/>
-            </a:pPr>
-            <a:endParaRPr lang="en-US" sz="1833" dirty="0">
-              <a:latin typeface="Tahoma"/>
-              <a:cs typeface="Tahoma"/>
-            </a:endParaRPr>
-          </a:p>
-        </p:txBody>
-      </p:sp>
+      <mc:AlternateContent xmlns:mc="http://schemas.openxmlformats.org/markup-compatibility/2006">
+        <mc:Choice xmlns:a14="http://schemas.microsoft.com/office/drawing/2010/main" Requires="a14">
+          <p:sp>
+            <p:nvSpPr>
+              <p:cNvPr id="3" name="Content Placeholder 2">
+                <a:extLst>
+                  <a:ext uri="{FF2B5EF4-FFF2-40B4-BE49-F238E27FC236}">
+                    <a16:creationId xmlns:a16="http://schemas.microsoft.com/office/drawing/2014/main" id="{1749D47C-23C2-834A-9FE9-50A8E8BE40E7}"/>
+                  </a:ext>
+                </a:extLst>
+              </p:cNvPr>
+              <p:cNvSpPr>
+                <a:spLocks noGrp="1"/>
+              </p:cNvSpPr>
+              <p:nvPr>
+                <p:ph idx="1"/>
+              </p:nvPr>
+            </p:nvSpPr>
+            <p:spPr>
+              <a:xfrm>
+                <a:off x="282011" y="948584"/>
+                <a:ext cx="8631253" cy="4537816"/>
+              </a:xfrm>
+            </p:spPr>
+            <p:txBody>
+              <a:bodyPr>
+                <a:normAutofit lnSpcReduction="10000"/>
+              </a:bodyPr>
+              <a:lstStyle/>
+              <a:p>
+                <a:pPr marL="0" indent="0">
+                  <a:buNone/>
+                  <a:defRPr/>
+                </a:pPr>
+                <a:endParaRPr lang="en-US" sz="2000" dirty="0"/>
+              </a:p>
+              <a:p>
+                <a:pPr>
+                  <a:buFont typeface="Wingdings" charset="0"/>
+                  <a:buNone/>
+                  <a:defRPr/>
+                </a:pPr>
+                <a:r>
+                  <a:rPr lang="en-US" sz="2500" b="1" dirty="0"/>
+                  <a:t>Base 2</a:t>
+                </a:r>
+              </a:p>
+              <a:p>
+                <a:pPr>
+                  <a:buFont typeface="Wingdings" charset="0"/>
+                  <a:buNone/>
+                  <a:defRPr/>
+                </a:pPr>
+                <a:r>
+                  <a:rPr lang="en-US" sz="2500" dirty="0"/>
+                  <a:t>1011 = 1 x 2</a:t>
+                </a:r>
+                <a:r>
+                  <a:rPr lang="en-US" sz="2500" baseline="30000" dirty="0"/>
+                  <a:t>3 </a:t>
+                </a:r>
+                <a:r>
+                  <a:rPr lang="en-US" sz="2500" dirty="0"/>
+                  <a:t>+ 0 x 2</a:t>
+                </a:r>
+                <a:r>
+                  <a:rPr lang="en-US" sz="2500" baseline="30000" dirty="0"/>
+                  <a:t>2</a:t>
+                </a:r>
+                <a:r>
+                  <a:rPr lang="en-US" sz="2500" dirty="0"/>
+                  <a:t> + 1 x 2</a:t>
+                </a:r>
+                <a:r>
+                  <a:rPr lang="en-US" sz="2500" baseline="30000" dirty="0"/>
+                  <a:t>1</a:t>
+                </a:r>
+                <a:r>
+                  <a:rPr lang="en-US" sz="2500" dirty="0"/>
+                  <a:t> + 1 x 2</a:t>
+                </a:r>
+                <a:r>
+                  <a:rPr lang="en-US" sz="2500" baseline="30000" dirty="0"/>
+                  <a:t>0</a:t>
+                </a:r>
+              </a:p>
+              <a:p>
+                <a:pPr>
+                  <a:buFont typeface="Wingdings" charset="0"/>
+                  <a:buNone/>
+                  <a:defRPr/>
+                </a:pPr>
+                <a:r>
+                  <a:rPr lang="en-US" sz="2500" dirty="0"/>
+                  <a:t>	      = 1 x 8 + 0 x 4 + 1 x 2 + 1 x 1 = 11 in Base 10</a:t>
+                </a:r>
+              </a:p>
+              <a:p>
+                <a:pPr>
+                  <a:buFont typeface="Wingdings" charset="0"/>
+                  <a:buNone/>
+                  <a:defRPr/>
+                </a:pPr>
+                <a:endParaRPr lang="en-US" sz="2500" dirty="0"/>
+              </a:p>
+              <a:p>
+                <a:pPr>
+                  <a:buFont typeface="Wingdings" charset="0"/>
+                  <a:buNone/>
+                  <a:defRPr/>
+                </a:pPr>
+                <a:r>
+                  <a:rPr lang="en-US" sz="2500" dirty="0"/>
+                  <a:t>We’ll use subscripts to denote the base of a number.</a:t>
+                </a:r>
+              </a:p>
+              <a:p>
+                <a:pPr>
+                  <a:buFont typeface="Wingdings" charset="0"/>
+                  <a:buNone/>
+                  <a:defRPr/>
+                </a:pPr>
+                <a:endParaRPr lang="en-US" sz="2500" dirty="0"/>
+              </a:p>
+              <a:p>
+                <a:pPr>
+                  <a:buFont typeface="Wingdings" charset="0"/>
+                  <a:buNone/>
+                  <a:defRPr/>
+                </a:pPr>
+                <a:r>
+                  <a:rPr lang="en-US" sz="2500" dirty="0"/>
+                  <a:t>For example, </a:t>
+                </a:r>
+                <a14:m>
+                  <m:oMath xmlns:m="http://schemas.openxmlformats.org/officeDocument/2006/math">
+                    <m:sSub>
+                      <m:sSubPr>
+                        <m:ctrlPr>
+                          <a:rPr lang="en-US" sz="2500" b="0" i="1" smtClean="0">
+                            <a:latin typeface="Cambria Math" panose="02040503050406030204" pitchFamily="18" charset="0"/>
+                          </a:rPr>
+                        </m:ctrlPr>
+                      </m:sSubPr>
+                      <m:e>
+                        <m:r>
+                          <a:rPr lang="en-US" sz="2500" b="0" i="1" smtClean="0">
+                            <a:latin typeface="Cambria Math" panose="02040503050406030204" pitchFamily="18" charset="0"/>
+                          </a:rPr>
+                          <m:t>11</m:t>
+                        </m:r>
+                      </m:e>
+                      <m:sub>
+                        <m:r>
+                          <a:rPr lang="en-US" sz="2500" b="0" i="1" smtClean="0">
+                            <a:latin typeface="Cambria Math" panose="02040503050406030204" pitchFamily="18" charset="0"/>
+                          </a:rPr>
+                          <m:t>10</m:t>
+                        </m:r>
+                      </m:sub>
+                    </m:sSub>
+                  </m:oMath>
+                </a14:m>
+                <a:r>
+                  <a:rPr lang="en-US" sz="2500" dirty="0"/>
+                  <a:t> is 11 in base 10.  And </a:t>
+                </a:r>
+                <a14:m>
+                  <m:oMath xmlns:m="http://schemas.openxmlformats.org/officeDocument/2006/math">
+                    <m:sSub>
+                      <m:sSubPr>
+                        <m:ctrlPr>
+                          <a:rPr lang="en-US" sz="2500" b="0" i="1" smtClean="0">
+                            <a:latin typeface="Cambria Math" panose="02040503050406030204" pitchFamily="18" charset="0"/>
+                          </a:rPr>
+                        </m:ctrlPr>
+                      </m:sSubPr>
+                      <m:e>
+                        <m:r>
+                          <a:rPr lang="en-US" sz="2500" b="0" i="1" smtClean="0">
+                            <a:latin typeface="Cambria Math" panose="02040503050406030204" pitchFamily="18" charset="0"/>
+                          </a:rPr>
+                          <m:t>1011</m:t>
+                        </m:r>
+                      </m:e>
+                      <m:sub>
+                        <m:r>
+                          <a:rPr lang="en-US" sz="2500" b="0" i="1" smtClean="0">
+                            <a:latin typeface="Cambria Math" panose="02040503050406030204" pitchFamily="18" charset="0"/>
+                          </a:rPr>
+                          <m:t>2</m:t>
+                        </m:r>
+                      </m:sub>
+                    </m:sSub>
+                  </m:oMath>
+                </a14:m>
+                <a:r>
+                  <a:rPr lang="en-US" sz="2500" dirty="0"/>
+                  <a:t> is a number in </a:t>
+                </a:r>
+              </a:p>
+              <a:p>
+                <a:pPr>
+                  <a:buFont typeface="Wingdings" charset="0"/>
+                  <a:buNone/>
+                  <a:defRPr/>
+                </a:pPr>
+                <a:r>
+                  <a:rPr lang="en-US" sz="2500" dirty="0"/>
+                  <a:t>base 2 that is equal to 11 in base 10. So,</a:t>
+                </a:r>
+              </a:p>
+              <a:p>
+                <a:pPr>
+                  <a:buFont typeface="Wingdings" charset="0"/>
+                  <a:buNone/>
+                  <a:defRPr/>
+                </a:pPr>
+                <a:endParaRPr lang="en-US" sz="2500" dirty="0"/>
+              </a:p>
+              <a:p>
+                <a:pPr>
+                  <a:buFont typeface="Wingdings" charset="0"/>
+                  <a:buNone/>
+                  <a:defRPr/>
+                </a:pPr>
+                <a:r>
+                  <a:rPr lang="en-US" sz="2500" dirty="0"/>
+                  <a:t> </a:t>
+                </a:r>
+                <a14:m>
+                  <m:oMath xmlns:m="http://schemas.openxmlformats.org/officeDocument/2006/math">
+                    <m:sSub>
+                      <m:sSubPr>
+                        <m:ctrlPr>
+                          <a:rPr lang="en-US" sz="2500" b="0" i="1" smtClean="0">
+                            <a:latin typeface="Cambria Math" panose="02040503050406030204" pitchFamily="18" charset="0"/>
+                          </a:rPr>
+                        </m:ctrlPr>
+                      </m:sSubPr>
+                      <m:e>
+                        <m:r>
+                          <a:rPr lang="en-US" sz="2500" b="0" i="1" smtClean="0">
+                            <a:latin typeface="Cambria Math" panose="02040503050406030204" pitchFamily="18" charset="0"/>
+                          </a:rPr>
+                          <m:t>1011</m:t>
+                        </m:r>
+                      </m:e>
+                      <m:sub>
+                        <m:r>
+                          <a:rPr lang="en-US" sz="2500" b="0" i="1" smtClean="0">
+                            <a:latin typeface="Cambria Math" panose="02040503050406030204" pitchFamily="18" charset="0"/>
+                          </a:rPr>
+                          <m:t>2</m:t>
+                        </m:r>
+                      </m:sub>
+                    </m:sSub>
+                    <m:r>
+                      <a:rPr lang="en-US" sz="2500" b="0" i="1" smtClean="0">
+                        <a:latin typeface="Cambria Math" panose="02040503050406030204" pitchFamily="18" charset="0"/>
+                      </a:rPr>
+                      <m:t>=</m:t>
+                    </m:r>
+                    <m:sSub>
+                      <m:sSubPr>
+                        <m:ctrlPr>
+                          <a:rPr lang="en-US" sz="2500" b="0" i="1" smtClean="0">
+                            <a:latin typeface="Cambria Math" panose="02040503050406030204" pitchFamily="18" charset="0"/>
+                          </a:rPr>
+                        </m:ctrlPr>
+                      </m:sSubPr>
+                      <m:e>
+                        <m:r>
+                          <a:rPr lang="en-US" sz="2500" b="0" i="1" smtClean="0">
+                            <a:latin typeface="Cambria Math" panose="02040503050406030204" pitchFamily="18" charset="0"/>
+                          </a:rPr>
+                          <m:t>11</m:t>
+                        </m:r>
+                      </m:e>
+                      <m:sub>
+                        <m:r>
+                          <a:rPr lang="en-US" sz="2500" b="0" i="1" smtClean="0">
+                            <a:latin typeface="Cambria Math" panose="02040503050406030204" pitchFamily="18" charset="0"/>
+                          </a:rPr>
+                          <m:t>10</m:t>
+                        </m:r>
+                      </m:sub>
+                    </m:sSub>
+                  </m:oMath>
+                </a14:m>
+                <a:endParaRPr lang="en-US" sz="2500" dirty="0"/>
+              </a:p>
+              <a:p>
+                <a:pPr>
+                  <a:buFont typeface="Wingdings" charset="0"/>
+                  <a:buNone/>
+                  <a:defRPr/>
+                </a:pPr>
+                <a:endParaRPr lang="en-US" sz="2500" dirty="0"/>
+              </a:p>
+              <a:p>
+                <a:pPr>
+                  <a:buFont typeface="Wingdings" charset="0"/>
+                  <a:buNone/>
+                  <a:defRPr/>
+                </a:pPr>
+                <a:endParaRPr lang="en-US" sz="2500" dirty="0"/>
+              </a:p>
+              <a:p>
+                <a:pPr marL="0" indent="0">
+                  <a:buNone/>
+                  <a:defRPr/>
+                </a:pPr>
+                <a:endParaRPr lang="en-US" sz="1833" dirty="0"/>
+              </a:p>
+              <a:p>
+                <a:pPr marL="0" indent="0">
+                  <a:buNone/>
+                  <a:defRPr/>
+                </a:pPr>
+                <a:endParaRPr lang="en-US" sz="1833" dirty="0">
+                  <a:latin typeface="Tahoma"/>
+                  <a:cs typeface="Tahoma"/>
+                </a:endParaRPr>
+              </a:p>
+            </p:txBody>
+          </p:sp>
+        </mc:Choice>
+        <mc:Fallback>
+          <p:sp>
+            <p:nvSpPr>
+              <p:cNvPr id="3" name="Content Placeholder 2">
+                <a:extLst>
+                  <a:ext uri="{FF2B5EF4-FFF2-40B4-BE49-F238E27FC236}">
+                    <a16:creationId xmlns:a16="http://schemas.microsoft.com/office/drawing/2014/main" id="{1749D47C-23C2-834A-9FE9-50A8E8BE40E7}"/>
+                  </a:ext>
+                </a:extLst>
+              </p:cNvPr>
+              <p:cNvSpPr>
+                <a:spLocks noGrp="1" noRot="1" noChangeAspect="1" noMove="1" noResize="1" noEditPoints="1" noAdjustHandles="1" noChangeArrowheads="1" noChangeShapeType="1" noTextEdit="1"/>
+              </p:cNvSpPr>
+              <p:nvPr>
+                <p:ph idx="1"/>
+              </p:nvPr>
+            </p:nvSpPr>
+            <p:spPr>
+              <a:xfrm>
+                <a:off x="282011" y="948584"/>
+                <a:ext cx="8631253" cy="4537816"/>
+              </a:xfrm>
+              <a:blipFill>
+                <a:blip r:embed="rId2"/>
+                <a:stretch>
+                  <a:fillRect l="-1176"/>
+                </a:stretch>
+              </a:blipFill>
+            </p:spPr>
+            <p:txBody>
+              <a:bodyPr/>
+              <a:lstStyle/>
+              <a:p>
+                <a:r>
+                  <a:rPr lang="en-US">
+                    <a:noFill/>
+                  </a:rPr>
+                  <a:t> </a:t>
+                </a:r>
+              </a:p>
+            </p:txBody>
+          </p:sp>
+        </mc:Fallback>
+      </mc:AlternateContent>
     </p:spTree>
     <p:extLst>
       <p:ext uri="{BB962C8B-B14F-4D97-AF65-F5344CB8AC3E}">
@@ -22792,142 +21489,566 @@
           </a:p>
         </p:txBody>
       </p:sp>
-      <p:sp>
-        <p:nvSpPr>
-          <p:cNvPr id="3" name="Content Placeholder 2">
-            <a:extLst>
-              <a:ext uri="{FF2B5EF4-FFF2-40B4-BE49-F238E27FC236}">
-                <a16:creationId xmlns:a16="http://schemas.microsoft.com/office/drawing/2014/main" id="{C1BB7D3F-3A2C-0E43-B723-6E892A40421F}"/>
-              </a:ext>
-            </a:extLst>
-          </p:cNvPr>
-          <p:cNvSpPr>
-            <a:spLocks noGrp="1"/>
-          </p:cNvSpPr>
-          <p:nvPr>
-            <p:ph idx="1"/>
-          </p:nvPr>
-        </p:nvSpPr>
-        <p:spPr>
-          <a:xfrm>
-            <a:off x="201361" y="934426"/>
-            <a:ext cx="8677719" cy="4579938"/>
-          </a:xfrm>
-        </p:spPr>
-        <p:txBody>
-          <a:bodyPr>
-            <a:normAutofit/>
-          </a:bodyPr>
-          <a:lstStyle/>
-          <a:p>
-            <a:pPr marL="0" indent="0">
-              <a:buNone/>
-              <a:defRPr/>
-            </a:pPr>
-            <a:endParaRPr lang="en-US" dirty="0"/>
-          </a:p>
-          <a:p>
-            <a:pPr marL="0" indent="0">
-              <a:buNone/>
-              <a:defRPr/>
-            </a:pPr>
-            <a:r>
-              <a:rPr lang="en-US" dirty="0"/>
-              <a:t>1 </a:t>
-            </a:r>
-            <a:r>
-              <a:rPr lang="en-US" b="1" dirty="0"/>
-              <a:t>bit</a:t>
-            </a:r>
-            <a:r>
-              <a:rPr lang="en-US" dirty="0"/>
-              <a:t> is a single bit of information, a 1 or 0(Only two possible values)</a:t>
-            </a:r>
-          </a:p>
-          <a:p>
-            <a:pPr marL="0" indent="0">
-              <a:buNone/>
-              <a:defRPr/>
-            </a:pPr>
-            <a:endParaRPr lang="en-US" dirty="0"/>
-          </a:p>
-          <a:p>
-            <a:pPr marL="0" indent="0">
-              <a:buNone/>
-              <a:defRPr/>
-            </a:pPr>
-            <a:r>
-              <a:rPr lang="en-US" dirty="0"/>
-              <a:t>1 </a:t>
-            </a:r>
-            <a:r>
-              <a:rPr lang="en-US" b="1" dirty="0"/>
-              <a:t>byte</a:t>
-            </a:r>
-            <a:r>
-              <a:rPr lang="en-US" dirty="0"/>
-              <a:t> is 8 bits, an 8-bit word</a:t>
-            </a:r>
-          </a:p>
-          <a:p>
-            <a:pPr lvl="1">
-              <a:defRPr/>
-            </a:pPr>
-            <a:r>
-              <a:rPr lang="en-US" sz="2100" dirty="0"/>
-              <a:t>256 possible values from 0-255 </a:t>
-            </a:r>
-            <a:r>
-              <a:rPr lang="en-US" sz="2100" b="1" dirty="0"/>
-              <a:t>base 10</a:t>
-            </a:r>
-            <a:r>
-              <a:rPr lang="en-US" sz="2100" dirty="0"/>
-              <a:t> </a:t>
-            </a:r>
-          </a:p>
-          <a:p>
-            <a:pPr lvl="1">
-              <a:defRPr/>
-            </a:pPr>
-            <a:r>
-              <a:rPr lang="en-US" sz="2100" dirty="0"/>
-              <a:t>or 00000000 to 11111111 </a:t>
-            </a:r>
-            <a:r>
-              <a:rPr lang="en-US" sz="2100" b="1" dirty="0"/>
-              <a:t>base 2</a:t>
-            </a:r>
-          </a:p>
-          <a:p>
-            <a:pPr marL="380985" lvl="1" indent="0">
-              <a:buNone/>
-              <a:defRPr/>
-            </a:pPr>
-            <a:endParaRPr lang="en-US" sz="2100" b="1" dirty="0"/>
-          </a:p>
-          <a:p>
-            <a:pPr marL="0" indent="0">
-              <a:buNone/>
-              <a:defRPr/>
-            </a:pPr>
-            <a:r>
-              <a:rPr lang="en-US" dirty="0"/>
-              <a:t>For example, 10100110 is a single byte.</a:t>
-            </a:r>
-          </a:p>
-          <a:p>
-            <a:pPr marL="0" indent="0">
-              <a:buNone/>
-              <a:defRPr/>
-            </a:pPr>
-            <a:endParaRPr lang="en-US" dirty="0">
-              <a:latin typeface="Tahoma"/>
-              <a:cs typeface="Tahoma"/>
-            </a:endParaRPr>
-          </a:p>
-        </p:txBody>
-      </p:sp>
+      <mc:AlternateContent xmlns:mc="http://schemas.openxmlformats.org/markup-compatibility/2006">
+        <mc:Choice xmlns:a14="http://schemas.microsoft.com/office/drawing/2010/main" Requires="a14">
+          <p:sp>
+            <p:nvSpPr>
+              <p:cNvPr id="3" name="Content Placeholder 2">
+                <a:extLst>
+                  <a:ext uri="{FF2B5EF4-FFF2-40B4-BE49-F238E27FC236}">
+                    <a16:creationId xmlns:a16="http://schemas.microsoft.com/office/drawing/2014/main" id="{C1BB7D3F-3A2C-0E43-B723-6E892A40421F}"/>
+                  </a:ext>
+                </a:extLst>
+              </p:cNvPr>
+              <p:cNvSpPr>
+                <a:spLocks noGrp="1"/>
+              </p:cNvSpPr>
+              <p:nvPr>
+                <p:ph idx="1"/>
+              </p:nvPr>
+            </p:nvSpPr>
+            <p:spPr>
+              <a:xfrm>
+                <a:off x="201361" y="934426"/>
+                <a:ext cx="8677719" cy="4579938"/>
+              </a:xfrm>
+            </p:spPr>
+            <p:txBody>
+              <a:bodyPr>
+                <a:normAutofit fontScale="77500" lnSpcReduction="20000"/>
+              </a:bodyPr>
+              <a:lstStyle/>
+              <a:p>
+                <a:pPr marL="0" indent="0">
+                  <a:buNone/>
+                  <a:defRPr/>
+                </a:pPr>
+                <a:r>
+                  <a:rPr lang="en-US" dirty="0"/>
+                  <a:t>1 </a:t>
+                </a:r>
+                <a:r>
+                  <a:rPr lang="en-US" b="1" dirty="0"/>
+                  <a:t>bit</a:t>
+                </a:r>
+                <a:r>
+                  <a:rPr lang="en-US" dirty="0"/>
+                  <a:t> is a single bit of information, a 1 or 0(Only two possible values)</a:t>
+                </a:r>
+              </a:p>
+              <a:p>
+                <a:pPr marL="0" indent="0">
+                  <a:buNone/>
+                  <a:defRPr/>
+                </a:pPr>
+                <a:endParaRPr lang="en-US" dirty="0"/>
+              </a:p>
+              <a:p>
+                <a:pPr marL="0" indent="0">
+                  <a:buNone/>
+                  <a:defRPr/>
+                </a:pPr>
+                <a:r>
+                  <a:rPr lang="en-US" dirty="0"/>
+                  <a:t>1 </a:t>
+                </a:r>
+                <a:r>
+                  <a:rPr lang="en-US" b="1" dirty="0"/>
+                  <a:t>byte</a:t>
+                </a:r>
+                <a:r>
+                  <a:rPr lang="en-US" dirty="0"/>
+                  <a:t> is 8 bits, an 8-bit word</a:t>
+                </a:r>
+              </a:p>
+              <a:p>
+                <a:pPr marL="0" indent="0">
+                  <a:buNone/>
+                  <a:defRPr/>
+                </a:pPr>
+                <a:endParaRPr lang="en-US" dirty="0"/>
+              </a:p>
+              <a:p>
+                <a:pPr marL="0" indent="0">
+                  <a:buNone/>
+                  <a:defRPr/>
+                </a:pPr>
+                <a:r>
+                  <a:rPr lang="en-US" dirty="0"/>
+                  <a:t>Here are all the 8-bit words:</a:t>
+                </a:r>
+              </a:p>
+              <a:p>
+                <a:pPr marL="0" indent="0">
+                  <a:buNone/>
+                  <a:defRPr/>
+                </a:pPr>
+                <a14:m>
+                  <m:oMath xmlns:m="http://schemas.openxmlformats.org/officeDocument/2006/math">
+                    <m:sSub>
+                      <m:sSubPr>
+                        <m:ctrlPr>
+                          <a:rPr lang="en-US" i="1" smtClean="0">
+                            <a:latin typeface="Cambria Math" panose="02040503050406030204" pitchFamily="18" charset="0"/>
+                          </a:rPr>
+                        </m:ctrlPr>
+                      </m:sSubPr>
+                      <m:e>
+                        <m:r>
+                          <a:rPr lang="en-US" b="0" i="1" smtClean="0">
+                            <a:latin typeface="Cambria Math" panose="02040503050406030204" pitchFamily="18" charset="0"/>
+                          </a:rPr>
+                          <m:t>00000000</m:t>
+                        </m:r>
+                      </m:e>
+                      <m:sub>
+                        <m:r>
+                          <a:rPr lang="en-US" b="0" i="1" smtClean="0">
+                            <a:latin typeface="Cambria Math" panose="02040503050406030204" pitchFamily="18" charset="0"/>
+                          </a:rPr>
+                          <m:t>2</m:t>
+                        </m:r>
+                      </m:sub>
+                    </m:sSub>
+                    <m:r>
+                      <a:rPr lang="en-US" b="0" i="1" smtClean="0">
+                        <a:latin typeface="Cambria Math" panose="02040503050406030204" pitchFamily="18" charset="0"/>
+                      </a:rPr>
+                      <m:t>=</m:t>
+                    </m:r>
+                    <m:sSub>
+                      <m:sSubPr>
+                        <m:ctrlPr>
+                          <a:rPr lang="en-US" b="0" i="1" smtClean="0">
+                            <a:latin typeface="Cambria Math" panose="02040503050406030204" pitchFamily="18" charset="0"/>
+                          </a:rPr>
+                        </m:ctrlPr>
+                      </m:sSubPr>
+                      <m:e>
+                        <m:r>
+                          <a:rPr lang="en-US" b="0" i="1" smtClean="0">
+                            <a:latin typeface="Cambria Math" panose="02040503050406030204" pitchFamily="18" charset="0"/>
+                          </a:rPr>
+                          <m:t>0</m:t>
+                        </m:r>
+                      </m:e>
+                      <m:sub>
+                        <m:r>
+                          <a:rPr lang="en-US" b="0" i="1" smtClean="0">
+                            <a:latin typeface="Cambria Math" panose="02040503050406030204" pitchFamily="18" charset="0"/>
+                          </a:rPr>
+                          <m:t>10</m:t>
+                        </m:r>
+                      </m:sub>
+                    </m:sSub>
+                  </m:oMath>
+                </a14:m>
+                <a:r>
+                  <a:rPr lang="en-US" dirty="0"/>
+                  <a:t> </a:t>
+                </a:r>
+              </a:p>
+              <a:p>
+                <a:pPr marL="0" indent="0">
+                  <a:buNone/>
+                  <a:defRPr/>
+                </a:pPr>
+                <a14:m>
+                  <m:oMath xmlns:m="http://schemas.openxmlformats.org/officeDocument/2006/math">
+                    <m:sSub>
+                      <m:sSubPr>
+                        <m:ctrlPr>
+                          <a:rPr lang="en-US" i="1">
+                            <a:latin typeface="Cambria Math" panose="02040503050406030204" pitchFamily="18" charset="0"/>
+                          </a:rPr>
+                        </m:ctrlPr>
+                      </m:sSubPr>
+                      <m:e>
+                        <m:r>
+                          <a:rPr lang="en-US" i="1">
+                            <a:latin typeface="Cambria Math" panose="02040503050406030204" pitchFamily="18" charset="0"/>
+                          </a:rPr>
+                          <m:t>0000000</m:t>
+                        </m:r>
+                        <m:r>
+                          <a:rPr lang="en-US" b="0" i="1" smtClean="0">
+                            <a:latin typeface="Cambria Math" panose="02040503050406030204" pitchFamily="18" charset="0"/>
+                          </a:rPr>
+                          <m:t>1</m:t>
+                        </m:r>
+                      </m:e>
+                      <m:sub>
+                        <m:r>
+                          <a:rPr lang="en-US" i="1">
+                            <a:latin typeface="Cambria Math" panose="02040503050406030204" pitchFamily="18" charset="0"/>
+                          </a:rPr>
+                          <m:t>2</m:t>
+                        </m:r>
+                      </m:sub>
+                    </m:sSub>
+                    <m:r>
+                      <a:rPr lang="en-US" i="1">
+                        <a:latin typeface="Cambria Math" panose="02040503050406030204" pitchFamily="18" charset="0"/>
+                      </a:rPr>
+                      <m:t>=</m:t>
+                    </m:r>
+                    <m:sSub>
+                      <m:sSubPr>
+                        <m:ctrlPr>
+                          <a:rPr lang="en-US" i="1">
+                            <a:latin typeface="Cambria Math" panose="02040503050406030204" pitchFamily="18" charset="0"/>
+                          </a:rPr>
+                        </m:ctrlPr>
+                      </m:sSubPr>
+                      <m:e>
+                        <m:r>
+                          <a:rPr lang="en-US" b="0" i="1" smtClean="0">
+                            <a:latin typeface="Cambria Math" panose="02040503050406030204" pitchFamily="18" charset="0"/>
+                          </a:rPr>
+                          <m:t>1</m:t>
+                        </m:r>
+                      </m:e>
+                      <m:sub>
+                        <m:r>
+                          <a:rPr lang="en-US" i="1">
+                            <a:latin typeface="Cambria Math" panose="02040503050406030204" pitchFamily="18" charset="0"/>
+                          </a:rPr>
+                          <m:t>10</m:t>
+                        </m:r>
+                      </m:sub>
+                    </m:sSub>
+                  </m:oMath>
+                </a14:m>
+                <a:r>
+                  <a:rPr lang="en-US" dirty="0"/>
+                  <a:t> </a:t>
+                </a:r>
+              </a:p>
+              <a:p>
+                <a:pPr marL="0" indent="0">
+                  <a:buNone/>
+                  <a:defRPr/>
+                </a:pPr>
+                <a14:m>
+                  <m:oMath xmlns:m="http://schemas.openxmlformats.org/officeDocument/2006/math">
+                    <m:sSub>
+                      <m:sSubPr>
+                        <m:ctrlPr>
+                          <a:rPr lang="en-US" i="1">
+                            <a:latin typeface="Cambria Math" panose="02040503050406030204" pitchFamily="18" charset="0"/>
+                          </a:rPr>
+                        </m:ctrlPr>
+                      </m:sSubPr>
+                      <m:e>
+                        <m:r>
+                          <a:rPr lang="en-US" i="1">
+                            <a:latin typeface="Cambria Math" panose="02040503050406030204" pitchFamily="18" charset="0"/>
+                          </a:rPr>
+                          <m:t>000000</m:t>
+                        </m:r>
+                        <m:r>
+                          <a:rPr lang="en-US" b="0" i="1" smtClean="0">
+                            <a:latin typeface="Cambria Math" panose="02040503050406030204" pitchFamily="18" charset="0"/>
+                          </a:rPr>
+                          <m:t>10</m:t>
+                        </m:r>
+                      </m:e>
+                      <m:sub>
+                        <m:r>
+                          <a:rPr lang="en-US" i="1">
+                            <a:latin typeface="Cambria Math" panose="02040503050406030204" pitchFamily="18" charset="0"/>
+                          </a:rPr>
+                          <m:t>2</m:t>
+                        </m:r>
+                      </m:sub>
+                    </m:sSub>
+                    <m:r>
+                      <a:rPr lang="en-US" i="1">
+                        <a:latin typeface="Cambria Math" panose="02040503050406030204" pitchFamily="18" charset="0"/>
+                      </a:rPr>
+                      <m:t>=</m:t>
+                    </m:r>
+                    <m:sSub>
+                      <m:sSubPr>
+                        <m:ctrlPr>
+                          <a:rPr lang="en-US" i="1">
+                            <a:latin typeface="Cambria Math" panose="02040503050406030204" pitchFamily="18" charset="0"/>
+                          </a:rPr>
+                        </m:ctrlPr>
+                      </m:sSubPr>
+                      <m:e>
+                        <m:r>
+                          <a:rPr lang="en-US" b="0" i="1" smtClean="0">
+                            <a:latin typeface="Cambria Math" panose="02040503050406030204" pitchFamily="18" charset="0"/>
+                          </a:rPr>
+                          <m:t>2</m:t>
+                        </m:r>
+                      </m:e>
+                      <m:sub>
+                        <m:r>
+                          <a:rPr lang="en-US" i="1">
+                            <a:latin typeface="Cambria Math" panose="02040503050406030204" pitchFamily="18" charset="0"/>
+                          </a:rPr>
+                          <m:t>10</m:t>
+                        </m:r>
+                      </m:sub>
+                    </m:sSub>
+                  </m:oMath>
+                </a14:m>
+                <a:r>
+                  <a:rPr lang="en-US" dirty="0"/>
+                  <a:t> </a:t>
+                </a:r>
+              </a:p>
+              <a:p>
+                <a:pPr marL="0" indent="0">
+                  <a:buNone/>
+                  <a:defRPr/>
+                </a:pPr>
+                <a:r>
+                  <a:rPr lang="en-US" sz="2100" dirty="0"/>
+                  <a:t>…</a:t>
+                </a:r>
+              </a:p>
+              <a:p>
+                <a:pPr marL="0" indent="0">
+                  <a:buNone/>
+                  <a:defRPr/>
+                </a:pPr>
+                <a14:m>
+                  <m:oMath xmlns:m="http://schemas.openxmlformats.org/officeDocument/2006/math">
+                    <m:sSub>
+                      <m:sSubPr>
+                        <m:ctrlPr>
+                          <a:rPr lang="en-US" i="1">
+                            <a:latin typeface="Cambria Math" panose="02040503050406030204" pitchFamily="18" charset="0"/>
+                          </a:rPr>
+                        </m:ctrlPr>
+                      </m:sSubPr>
+                      <m:e>
+                        <m:r>
+                          <a:rPr lang="en-US" b="0" i="1" smtClean="0">
+                            <a:latin typeface="Cambria Math" panose="02040503050406030204" pitchFamily="18" charset="0"/>
+                          </a:rPr>
+                          <m:t>11111110</m:t>
+                        </m:r>
+                      </m:e>
+                      <m:sub>
+                        <m:r>
+                          <a:rPr lang="en-US" i="1">
+                            <a:latin typeface="Cambria Math" panose="02040503050406030204" pitchFamily="18" charset="0"/>
+                          </a:rPr>
+                          <m:t>2</m:t>
+                        </m:r>
+                      </m:sub>
+                    </m:sSub>
+                    <m:r>
+                      <a:rPr lang="en-US" i="1">
+                        <a:latin typeface="Cambria Math" panose="02040503050406030204" pitchFamily="18" charset="0"/>
+                      </a:rPr>
+                      <m:t>=</m:t>
+                    </m:r>
+                    <m:sSub>
+                      <m:sSubPr>
+                        <m:ctrlPr>
+                          <a:rPr lang="en-US" i="1">
+                            <a:latin typeface="Cambria Math" panose="02040503050406030204" pitchFamily="18" charset="0"/>
+                          </a:rPr>
+                        </m:ctrlPr>
+                      </m:sSubPr>
+                      <m:e>
+                        <m:r>
+                          <a:rPr lang="en-US" b="0" i="1" smtClean="0">
+                            <a:latin typeface="Cambria Math" panose="02040503050406030204" pitchFamily="18" charset="0"/>
+                          </a:rPr>
+                          <m:t>254</m:t>
+                        </m:r>
+                      </m:e>
+                      <m:sub>
+                        <m:r>
+                          <a:rPr lang="en-US" i="1">
+                            <a:latin typeface="Cambria Math" panose="02040503050406030204" pitchFamily="18" charset="0"/>
+                          </a:rPr>
+                          <m:t>10</m:t>
+                        </m:r>
+                      </m:sub>
+                    </m:sSub>
+                  </m:oMath>
+                </a14:m>
+                <a:r>
+                  <a:rPr lang="en-US" dirty="0"/>
+                  <a:t> </a:t>
+                </a:r>
+              </a:p>
+              <a:p>
+                <a:pPr marL="0" indent="0">
+                  <a:buNone/>
+                  <a:defRPr/>
+                </a:pPr>
+                <a14:m>
+                  <m:oMath xmlns:m="http://schemas.openxmlformats.org/officeDocument/2006/math">
+                    <m:sSub>
+                      <m:sSubPr>
+                        <m:ctrlPr>
+                          <a:rPr lang="en-US" i="1">
+                            <a:latin typeface="Cambria Math" panose="02040503050406030204" pitchFamily="18" charset="0"/>
+                          </a:rPr>
+                        </m:ctrlPr>
+                      </m:sSubPr>
+                      <m:e>
+                        <m:r>
+                          <a:rPr lang="en-US" b="0" i="1" smtClean="0">
+                            <a:latin typeface="Cambria Math" panose="02040503050406030204" pitchFamily="18" charset="0"/>
+                          </a:rPr>
+                          <m:t>11111111</m:t>
+                        </m:r>
+                      </m:e>
+                      <m:sub>
+                        <m:r>
+                          <a:rPr lang="en-US" i="1">
+                            <a:latin typeface="Cambria Math" panose="02040503050406030204" pitchFamily="18" charset="0"/>
+                          </a:rPr>
+                          <m:t>2</m:t>
+                        </m:r>
+                      </m:sub>
+                    </m:sSub>
+                    <m:r>
+                      <a:rPr lang="en-US" i="1">
+                        <a:latin typeface="Cambria Math" panose="02040503050406030204" pitchFamily="18" charset="0"/>
+                      </a:rPr>
+                      <m:t>=</m:t>
+                    </m:r>
+                    <m:sSub>
+                      <m:sSubPr>
+                        <m:ctrlPr>
+                          <a:rPr lang="en-US" i="1">
+                            <a:latin typeface="Cambria Math" panose="02040503050406030204" pitchFamily="18" charset="0"/>
+                          </a:rPr>
+                        </m:ctrlPr>
+                      </m:sSubPr>
+                      <m:e>
+                        <m:r>
+                          <a:rPr lang="en-US" b="0" i="1" smtClean="0">
+                            <a:latin typeface="Cambria Math" panose="02040503050406030204" pitchFamily="18" charset="0"/>
+                          </a:rPr>
+                          <m:t>255</m:t>
+                        </m:r>
+                      </m:e>
+                      <m:sub>
+                        <m:r>
+                          <a:rPr lang="en-US" i="1">
+                            <a:latin typeface="Cambria Math" panose="02040503050406030204" pitchFamily="18" charset="0"/>
+                          </a:rPr>
+                          <m:t>10</m:t>
+                        </m:r>
+                      </m:sub>
+                    </m:sSub>
+                  </m:oMath>
+                </a14:m>
+                <a:r>
+                  <a:rPr lang="en-US" dirty="0"/>
+                  <a:t> </a:t>
+                </a:r>
+              </a:p>
+              <a:p>
+                <a:pPr marL="0" indent="0">
+                  <a:buNone/>
+                  <a:defRPr/>
+                </a:pPr>
+                <a:endParaRPr lang="en-US" sz="2100" dirty="0"/>
+              </a:p>
+              <a:p>
+                <a:pPr marL="0" indent="0">
+                  <a:buNone/>
+                  <a:defRPr/>
+                </a:pPr>
+                <a:r>
+                  <a:rPr lang="en-US" sz="2100" dirty="0"/>
+                  <a:t>Thus a byte is a string of length 8 whose value is either 0 or 1. A byte can be used to represent numbers in the range from 0 to 255. </a:t>
+                </a:r>
+              </a:p>
+              <a:p>
+                <a:pPr marL="0" indent="0">
+                  <a:buNone/>
+                  <a:defRPr/>
+                </a:pPr>
+                <a:endParaRPr lang="en-US" dirty="0"/>
+              </a:p>
+              <a:p>
+                <a:pPr marL="0" indent="0">
+                  <a:buNone/>
+                  <a:defRPr/>
+                </a:pPr>
+                <a:r>
+                  <a:rPr lang="en-US" dirty="0"/>
+                  <a:t>For example, 10100110 is a single byte. We’ll see later, for example, that a single byte can store a letter of </a:t>
+                </a:r>
+                <a:r>
+                  <a:rPr lang="en-US"/>
+                  <a:t>the English alphabet</a:t>
+                </a:r>
+                <a:r>
+                  <a:rPr lang="en-US" dirty="0"/>
+                  <a:t>. </a:t>
+                </a:r>
+              </a:p>
+              <a:p>
+                <a:pPr marL="0" indent="0">
+                  <a:buNone/>
+                  <a:defRPr/>
+                </a:pPr>
+                <a:endParaRPr lang="en-US" dirty="0">
+                  <a:latin typeface="Tahoma"/>
+                  <a:cs typeface="Tahoma"/>
+                </a:endParaRPr>
+              </a:p>
+            </p:txBody>
+          </p:sp>
+        </mc:Choice>
+        <mc:Fallback>
+          <p:sp>
+            <p:nvSpPr>
+              <p:cNvPr id="3" name="Content Placeholder 2">
+                <a:extLst>
+                  <a:ext uri="{FF2B5EF4-FFF2-40B4-BE49-F238E27FC236}">
+                    <a16:creationId xmlns:a16="http://schemas.microsoft.com/office/drawing/2014/main" id="{C1BB7D3F-3A2C-0E43-B723-6E892A40421F}"/>
+                  </a:ext>
+                </a:extLst>
+              </p:cNvPr>
+              <p:cNvSpPr>
+                <a:spLocks noGrp="1" noRot="1" noChangeAspect="1" noMove="1" noResize="1" noEditPoints="1" noAdjustHandles="1" noChangeArrowheads="1" noChangeShapeType="1" noTextEdit="1"/>
+              </p:cNvSpPr>
+              <p:nvPr>
+                <p:ph idx="1"/>
+              </p:nvPr>
+            </p:nvSpPr>
+            <p:spPr>
+              <a:xfrm>
+                <a:off x="201361" y="934426"/>
+                <a:ext cx="8677719" cy="4579938"/>
+              </a:xfrm>
+              <a:blipFill>
+                <a:blip r:embed="rId2"/>
+                <a:stretch>
+                  <a:fillRect l="-292" t="-1657" r="-146"/>
+                </a:stretch>
+              </a:blipFill>
+            </p:spPr>
+            <p:txBody>
+              <a:bodyPr/>
+              <a:lstStyle/>
+              <a:p>
+                <a:r>
+                  <a:rPr lang="en-US">
+                    <a:noFill/>
+                  </a:rPr>
+                  <a:t> </a:t>
+                </a:r>
+              </a:p>
+            </p:txBody>
+          </p:sp>
+        </mc:Fallback>
+      </mc:AlternateContent>
     </p:spTree>
     <p:extLst>
       <p:ext uri="{BB962C8B-B14F-4D97-AF65-F5344CB8AC3E}">
@@ -22938,281 +22059,6 @@
   <p:clrMapOvr>
     <a:masterClrMapping/>
   </p:clrMapOvr>
-  <p:timing>
-    <p:tnLst>
-      <p:par>
-        <p:cTn id="1" dur="indefinite" restart="never" nodeType="tmRoot">
-          <p:childTnLst>
-            <p:seq concurrent="1" nextAc="seek">
-              <p:cTn id="2" dur="indefinite" nodeType="mainSeq">
-                <p:childTnLst>
-                  <p:par>
-                    <p:cTn id="3" fill="hold" nodeType="clickPar">
-                      <p:stCondLst>
-                        <p:cond delay="indefinite"/>
-                      </p:stCondLst>
-                      <p:childTnLst>
-                        <p:par>
-                          <p:cTn id="4" fill="hold" nodeType="withGroup">
-                            <p:stCondLst>
-                              <p:cond delay="0"/>
-                            </p:stCondLst>
-                            <p:childTnLst>
-                              <p:par>
-                                <p:cTn id="5" presetID="1" presetClass="entr" presetSubtype="0" fill="hold" nodeType="clickEffect">
-                                  <p:stCondLst>
-                                    <p:cond delay="0"/>
-                                  </p:stCondLst>
-                                  <p:childTnLst>
-                                    <p:set>
-                                      <p:cBhvr>
-                                        <p:cTn id="6" dur="1" fill="hold">
-                                          <p:stCondLst>
-                                            <p:cond delay="0"/>
-                                          </p:stCondLst>
-                                        </p:cTn>
-                                        <p:tgtEl>
-                                          <p:spTgt spid="3">
-                                            <p:txEl>
-                                              <p:pRg st="1" end="1"/>
-                                            </p:txEl>
-                                          </p:spTgt>
-                                        </p:tgtEl>
-                                        <p:attrNameLst>
-                                          <p:attrName>style.visibility</p:attrName>
-                                        </p:attrNameLst>
-                                      </p:cBhvr>
-                                      <p:to>
-                                        <p:strVal val="visible"/>
-                                      </p:to>
-                                    </p:set>
-                                  </p:childTnLst>
-                                </p:cTn>
-                              </p:par>
-                            </p:childTnLst>
-                          </p:cTn>
-                        </p:par>
-                      </p:childTnLst>
-                    </p:cTn>
-                  </p:par>
-                  <p:par>
-                    <p:cTn id="7" fill="hold" nodeType="clickPar">
-                      <p:stCondLst>
-                        <p:cond delay="indefinite"/>
-                      </p:stCondLst>
-                      <p:childTnLst>
-                        <p:par>
-                          <p:cTn id="8" fill="hold" nodeType="withGroup">
-                            <p:stCondLst>
-                              <p:cond delay="0"/>
-                            </p:stCondLst>
-                            <p:childTnLst>
-                              <p:par>
-                                <p:cTn id="9" presetID="1" presetClass="entr" presetSubtype="0" fill="hold" nodeType="clickEffect">
-                                  <p:stCondLst>
-                                    <p:cond delay="0"/>
-                                  </p:stCondLst>
-                                  <p:childTnLst>
-                                    <p:set>
-                                      <p:cBhvr>
-                                        <p:cTn id="10" dur="1" fill="hold">
-                                          <p:stCondLst>
-                                            <p:cond delay="0"/>
-                                          </p:stCondLst>
-                                        </p:cTn>
-                                        <p:tgtEl>
-                                          <p:spTgt spid="3">
-                                            <p:txEl>
-                                              <p:pRg st="3" end="3"/>
-                                            </p:txEl>
-                                          </p:spTgt>
-                                        </p:tgtEl>
-                                        <p:attrNameLst>
-                                          <p:attrName>style.visibility</p:attrName>
-                                        </p:attrNameLst>
-                                      </p:cBhvr>
-                                      <p:to>
-                                        <p:strVal val="visible"/>
-                                      </p:to>
-                                    </p:set>
-                                  </p:childTnLst>
-                                </p:cTn>
-                              </p:par>
-                            </p:childTnLst>
-                          </p:cTn>
-                        </p:par>
-                      </p:childTnLst>
-                    </p:cTn>
-                  </p:par>
-                  <p:par>
-                    <p:cTn id="11" fill="hold">
-                      <p:stCondLst>
-                        <p:cond delay="indefinite"/>
-                      </p:stCondLst>
-                      <p:childTnLst>
-                        <p:par>
-                          <p:cTn id="12" fill="hold">
-                            <p:stCondLst>
-                              <p:cond delay="0"/>
-                            </p:stCondLst>
-                            <p:childTnLst>
-                              <p:par>
-                                <p:cTn id="13" presetID="1" presetClass="entr" presetSubtype="0" fill="hold" nodeType="clickEffect">
-                                  <p:stCondLst>
-                                    <p:cond delay="0"/>
-                                  </p:stCondLst>
-                                  <p:childTnLst>
-                                    <p:set>
-                                      <p:cBhvr>
-                                        <p:cTn id="14" dur="1" fill="hold">
-                                          <p:stCondLst>
-                                            <p:cond delay="0"/>
-                                          </p:stCondLst>
-                                        </p:cTn>
-                                        <p:tgtEl>
-                                          <p:spTgt spid="3">
-                                            <p:txEl>
-                                              <p:pRg st="4" end="4"/>
-                                            </p:txEl>
-                                          </p:spTgt>
-                                        </p:tgtEl>
-                                        <p:attrNameLst>
-                                          <p:attrName>style.visibility</p:attrName>
-                                        </p:attrNameLst>
-                                      </p:cBhvr>
-                                      <p:to>
-                                        <p:strVal val="visible"/>
-                                      </p:to>
-                                    </p:set>
-                                  </p:childTnLst>
-                                </p:cTn>
-                              </p:par>
-                            </p:childTnLst>
-                          </p:cTn>
-                        </p:par>
-                      </p:childTnLst>
-                    </p:cTn>
-                  </p:par>
-                  <p:par>
-                    <p:cTn id="15" fill="hold">
-                      <p:stCondLst>
-                        <p:cond delay="indefinite"/>
-                      </p:stCondLst>
-                      <p:childTnLst>
-                        <p:par>
-                          <p:cTn id="16" fill="hold">
-                            <p:stCondLst>
-                              <p:cond delay="0"/>
-                            </p:stCondLst>
-                            <p:childTnLst>
-                              <p:par>
-                                <p:cTn id="17" presetID="1" presetClass="entr" presetSubtype="0" fill="hold" nodeType="clickEffect">
-                                  <p:stCondLst>
-                                    <p:cond delay="0"/>
-                                  </p:stCondLst>
-                                  <p:childTnLst>
-                                    <p:set>
-                                      <p:cBhvr>
-                                        <p:cTn id="18" dur="1" fill="hold">
-                                          <p:stCondLst>
-                                            <p:cond delay="0"/>
-                                          </p:stCondLst>
-                                        </p:cTn>
-                                        <p:tgtEl>
-                                          <p:spTgt spid="3">
-                                            <p:txEl>
-                                              <p:pRg st="5" end="5"/>
-                                            </p:txEl>
-                                          </p:spTgt>
-                                        </p:tgtEl>
-                                        <p:attrNameLst>
-                                          <p:attrName>style.visibility</p:attrName>
-                                        </p:attrNameLst>
-                                      </p:cBhvr>
-                                      <p:to>
-                                        <p:strVal val="visible"/>
-                                      </p:to>
-                                    </p:set>
-                                  </p:childTnLst>
-                                </p:cTn>
-                              </p:par>
-                            </p:childTnLst>
-                          </p:cTn>
-                        </p:par>
-                      </p:childTnLst>
-                    </p:cTn>
-                  </p:par>
-                  <p:par>
-                    <p:cTn id="19" fill="hold" nodeType="clickPar">
-                      <p:stCondLst>
-                        <p:cond delay="indefinite"/>
-                      </p:stCondLst>
-                      <p:childTnLst>
-                        <p:par>
-                          <p:cTn id="20" fill="hold" nodeType="withGroup">
-                            <p:stCondLst>
-                              <p:cond delay="0"/>
-                            </p:stCondLst>
-                            <p:childTnLst>
-                              <p:par>
-                                <p:cTn id="21" presetID="1" presetClass="entr" presetSubtype="0" fill="hold" nodeType="clickEffect">
-                                  <p:stCondLst>
-                                    <p:cond delay="0"/>
-                                  </p:stCondLst>
-                                  <p:childTnLst>
-                                    <p:set>
-                                      <p:cBhvr>
-                                        <p:cTn id="22" dur="1" fill="hold">
-                                          <p:stCondLst>
-                                            <p:cond delay="0"/>
-                                          </p:stCondLst>
-                                        </p:cTn>
-                                        <p:tgtEl>
-                                          <p:spTgt spid="3">
-                                            <p:txEl>
-                                              <p:pRg st="7" end="7"/>
-                                            </p:txEl>
-                                          </p:spTgt>
-                                        </p:tgtEl>
-                                        <p:attrNameLst>
-                                          <p:attrName>style.visibility</p:attrName>
-                                        </p:attrNameLst>
-                                      </p:cBhvr>
-                                      <p:to>
-                                        <p:strVal val="visible"/>
-                                      </p:to>
-                                    </p:set>
-                                  </p:childTnLst>
-                                </p:cTn>
-                              </p:par>
-                            </p:childTnLst>
-                          </p:cTn>
-                        </p:par>
-                      </p:childTnLst>
-                    </p:cTn>
-                  </p:par>
-                </p:childTnLst>
-              </p:cTn>
-              <p:prevCondLst>
-                <p:cond evt="onPrev" delay="0">
-                  <p:tgtEl>
-                    <p:sldTgt/>
-                  </p:tgtEl>
-                </p:cond>
-              </p:prevCondLst>
-              <p:nextCondLst>
-                <p:cond evt="onNext" delay="0">
-                  <p:tgtEl>
-                    <p:sldTgt/>
-                  </p:tgtEl>
-                </p:cond>
-              </p:nextCondLst>
-            </p:seq>
-          </p:childTnLst>
-        </p:cTn>
-      </p:par>
-    </p:tnLst>
-  </p:timing>
 </p:sld>
 </file>
 

--- a/courses/apcsp/lect14a.pptx
+++ b/courses/apcsp/lect14a.pptx
@@ -5,7 +5,7 @@
     <p:sldMasterId id="2147483791" r:id="rId1"/>
   </p:sldMasterIdLst>
   <p:notesMasterIdLst>
-    <p:notesMasterId r:id="rId32"/>
+    <p:notesMasterId r:id="rId35"/>
   </p:notesMasterIdLst>
   <p:sldIdLst>
     <p:sldId id="349" r:id="rId2"/>
@@ -17,27 +17,30 @@
     <p:sldId id="315" r:id="rId8"/>
     <p:sldId id="316" r:id="rId9"/>
     <p:sldId id="345" r:id="rId10"/>
-    <p:sldId id="323" r:id="rId11"/>
-    <p:sldId id="320" r:id="rId12"/>
-    <p:sldId id="321" r:id="rId13"/>
-    <p:sldId id="322" r:id="rId14"/>
-    <p:sldId id="343" r:id="rId15"/>
-    <p:sldId id="342" r:id="rId16"/>
-    <p:sldId id="643" r:id="rId17"/>
-    <p:sldId id="647" r:id="rId18"/>
-    <p:sldId id="648" r:id="rId19"/>
-    <p:sldId id="351" r:id="rId20"/>
-    <p:sldId id="626" r:id="rId21"/>
-    <p:sldId id="627" r:id="rId22"/>
-    <p:sldId id="328" r:id="rId23"/>
-    <p:sldId id="329" r:id="rId24"/>
-    <p:sldId id="335" r:id="rId25"/>
-    <p:sldId id="336" r:id="rId26"/>
-    <p:sldId id="337" r:id="rId27"/>
-    <p:sldId id="628" r:id="rId28"/>
-    <p:sldId id="629" r:id="rId29"/>
-    <p:sldId id="598" r:id="rId30"/>
-    <p:sldId id="649" r:id="rId31"/>
+    <p:sldId id="652" r:id="rId11"/>
+    <p:sldId id="654" r:id="rId12"/>
+    <p:sldId id="650" r:id="rId13"/>
+    <p:sldId id="323" r:id="rId14"/>
+    <p:sldId id="320" r:id="rId15"/>
+    <p:sldId id="321" r:id="rId16"/>
+    <p:sldId id="322" r:id="rId17"/>
+    <p:sldId id="343" r:id="rId18"/>
+    <p:sldId id="342" r:id="rId19"/>
+    <p:sldId id="643" r:id="rId20"/>
+    <p:sldId id="647" r:id="rId21"/>
+    <p:sldId id="648" r:id="rId22"/>
+    <p:sldId id="351" r:id="rId23"/>
+    <p:sldId id="626" r:id="rId24"/>
+    <p:sldId id="627" r:id="rId25"/>
+    <p:sldId id="328" r:id="rId26"/>
+    <p:sldId id="329" r:id="rId27"/>
+    <p:sldId id="335" r:id="rId28"/>
+    <p:sldId id="336" r:id="rId29"/>
+    <p:sldId id="337" r:id="rId30"/>
+    <p:sldId id="628" r:id="rId31"/>
+    <p:sldId id="629" r:id="rId32"/>
+    <p:sldId id="598" r:id="rId33"/>
+    <p:sldId id="649" r:id="rId34"/>
   </p:sldIdLst>
   <p:sldSz cx="9144000" cy="5715000" type="screen16x10"/>
   <p:notesSz cx="6858000" cy="9144000"/>
@@ -147,7 +150,7 @@
 <file path=ppt/revisionInfo.xml><?xml version="1.0" encoding="utf-8"?>
 <p1510:revInfo xmlns:a="http://schemas.openxmlformats.org/drawingml/2006/main" xmlns:r="http://schemas.openxmlformats.org/officeDocument/2006/relationships" xmlns:p1510="http://schemas.microsoft.com/office/powerpoint/2015/10/main">
   <p1510:revLst>
-    <p1510:client id="{63956BDE-1760-9E47-86E5-1948DE91DAB5}" v="671" dt="2024-11-18T03:25:48.662"/>
+    <p1510:client id="{63956BDE-1760-9E47-86E5-1948DE91DAB5}" v="857" dt="2024-11-18T04:32:36.874"/>
   </p1510:revLst>
 </p1510:revInfo>
 </file>
@@ -857,8 +860,8 @@
   </pc:docChgLst>
   <pc:docChgLst>
     <pc:chgData name="Long B Nguyen" userId="f59fb8f3-a021-417a-8bc1-65c8d471c621" providerId="ADAL" clId="{63956BDE-1760-9E47-86E5-1948DE91DAB5}"/>
-    <pc:docChg chg="undo custSel modSld">
-      <pc:chgData name="Long B Nguyen" userId="f59fb8f3-a021-417a-8bc1-65c8d471c621" providerId="ADAL" clId="{63956BDE-1760-9E47-86E5-1948DE91DAB5}" dt="2024-11-18T03:25:48.662" v="881" actId="20577"/>
+    <pc:docChg chg="undo custSel addSld delSld modSld">
+      <pc:chgData name="Long B Nguyen" userId="f59fb8f3-a021-417a-8bc1-65c8d471c621" providerId="ADAL" clId="{63956BDE-1760-9E47-86E5-1948DE91DAB5}" dt="2024-11-18T04:32:54.427" v="2163" actId="20577"/>
       <pc:docMkLst>
         <pc:docMk/>
       </pc:docMkLst>
@@ -900,6 +903,45 @@
           </ac:spMkLst>
         </pc:spChg>
       </pc:sldChg>
+      <pc:sldChg chg="addSp delSp modSp mod modAnim">
+        <pc:chgData name="Long B Nguyen" userId="f59fb8f3-a021-417a-8bc1-65c8d471c621" providerId="ADAL" clId="{63956BDE-1760-9E47-86E5-1948DE91DAB5}" dt="2024-11-18T04:23:38.412" v="1539" actId="20577"/>
+        <pc:sldMkLst>
+          <pc:docMk/>
+          <pc:sldMk cId="2130219534" sldId="345"/>
+        </pc:sldMkLst>
+        <pc:spChg chg="mod">
+          <ac:chgData name="Long B Nguyen" userId="f59fb8f3-a021-417a-8bc1-65c8d471c621" providerId="ADAL" clId="{63956BDE-1760-9E47-86E5-1948DE91DAB5}" dt="2024-11-18T04:12:17.407" v="908" actId="20577"/>
+          <ac:spMkLst>
+            <pc:docMk/>
+            <pc:sldMk cId="2130219534" sldId="345"/>
+            <ac:spMk id="26625" creationId="{EEE37393-73E7-7A42-A21D-4773DC200BF6}"/>
+          </ac:spMkLst>
+        </pc:spChg>
+        <pc:spChg chg="mod">
+          <ac:chgData name="Long B Nguyen" userId="f59fb8f3-a021-417a-8bc1-65c8d471c621" providerId="ADAL" clId="{63956BDE-1760-9E47-86E5-1948DE91DAB5}" dt="2024-11-18T04:23:38.412" v="1539" actId="20577"/>
+          <ac:spMkLst>
+            <pc:docMk/>
+            <pc:sldMk cId="2130219534" sldId="345"/>
+            <ac:spMk id="26626" creationId="{EBDCF6EE-E392-F04F-9B69-A1B47BE13E5F}"/>
+          </ac:spMkLst>
+        </pc:spChg>
+        <pc:graphicFrameChg chg="add mod modGraphic">
+          <ac:chgData name="Long B Nguyen" userId="f59fb8f3-a021-417a-8bc1-65c8d471c621" providerId="ADAL" clId="{63956BDE-1760-9E47-86E5-1948DE91DAB5}" dt="2024-11-18T04:19:36.747" v="1387" actId="1076"/>
+          <ac:graphicFrameMkLst>
+            <pc:docMk/>
+            <pc:sldMk cId="2130219534" sldId="345"/>
+            <ac:graphicFrameMk id="2" creationId="{17729940-62AC-1D01-AA18-D3078CC59D28}"/>
+          </ac:graphicFrameMkLst>
+        </pc:graphicFrameChg>
+        <pc:picChg chg="del mod">
+          <ac:chgData name="Long B Nguyen" userId="f59fb8f3-a021-417a-8bc1-65c8d471c621" providerId="ADAL" clId="{63956BDE-1760-9E47-86E5-1948DE91DAB5}" dt="2024-11-18T04:12:06.477" v="903" actId="478"/>
+          <ac:picMkLst>
+            <pc:docMk/>
+            <pc:sldMk cId="2130219534" sldId="345"/>
+            <ac:picMk id="26627" creationId="{4CB819D5-BF58-EF49-ADC3-C5DAC8299BED}"/>
+          </ac:picMkLst>
+        </pc:picChg>
+      </pc:sldChg>
       <pc:sldChg chg="modSp">
         <pc:chgData name="Long B Nguyen" userId="f59fb8f3-a021-417a-8bc1-65c8d471c621" providerId="ADAL" clId="{63956BDE-1760-9E47-86E5-1948DE91DAB5}" dt="2024-11-18T03:11:45.539" v="103" actId="20577"/>
         <pc:sldMkLst>
@@ -914,6 +956,129 @@
             <ac:spMk id="3" creationId="{44A58473-3189-0C44-8A5E-E353CDFB3E5C}"/>
           </ac:spMkLst>
         </pc:spChg>
+      </pc:sldChg>
+      <pc:sldChg chg="modSp add mod">
+        <pc:chgData name="Long B Nguyen" userId="f59fb8f3-a021-417a-8bc1-65c8d471c621" providerId="ADAL" clId="{63956BDE-1760-9E47-86E5-1948DE91DAB5}" dt="2024-11-18T04:32:54.427" v="2163" actId="20577"/>
+        <pc:sldMkLst>
+          <pc:docMk/>
+          <pc:sldMk cId="598433456" sldId="650"/>
+        </pc:sldMkLst>
+        <pc:spChg chg="mod">
+          <ac:chgData name="Long B Nguyen" userId="f59fb8f3-a021-417a-8bc1-65c8d471c621" providerId="ADAL" clId="{63956BDE-1760-9E47-86E5-1948DE91DAB5}" dt="2024-11-18T04:32:54.427" v="2163" actId="20577"/>
+          <ac:spMkLst>
+            <pc:docMk/>
+            <pc:sldMk cId="598433456" sldId="650"/>
+            <ac:spMk id="26626" creationId="{7054DCD3-4753-73C3-6C3B-66EA2DA7B51B}"/>
+          </ac:spMkLst>
+        </pc:spChg>
+        <pc:picChg chg="mod">
+          <ac:chgData name="Long B Nguyen" userId="f59fb8f3-a021-417a-8bc1-65c8d471c621" providerId="ADAL" clId="{63956BDE-1760-9E47-86E5-1948DE91DAB5}" dt="2024-11-18T04:32:36.874" v="2108" actId="1076"/>
+          <ac:picMkLst>
+            <pc:docMk/>
+            <pc:sldMk cId="598433456" sldId="650"/>
+            <ac:picMk id="26627" creationId="{051B3B2A-D190-D1AB-20A7-40A5E2CB3248}"/>
+          </ac:picMkLst>
+        </pc:picChg>
+      </pc:sldChg>
+      <pc:sldChg chg="modSp new del mod">
+        <pc:chgData name="Long B Nguyen" userId="f59fb8f3-a021-417a-8bc1-65c8d471c621" providerId="ADAL" clId="{63956BDE-1760-9E47-86E5-1948DE91DAB5}" dt="2024-11-18T04:29:34.923" v="1782" actId="2696"/>
+        <pc:sldMkLst>
+          <pc:docMk/>
+          <pc:sldMk cId="3257112468" sldId="651"/>
+        </pc:sldMkLst>
+        <pc:spChg chg="mod">
+          <ac:chgData name="Long B Nguyen" userId="f59fb8f3-a021-417a-8bc1-65c8d471c621" providerId="ADAL" clId="{63956BDE-1760-9E47-86E5-1948DE91DAB5}" dt="2024-11-18T04:24:33.192" v="1543" actId="21"/>
+          <ac:spMkLst>
+            <pc:docMk/>
+            <pc:sldMk cId="3257112468" sldId="651"/>
+            <ac:spMk id="3" creationId="{CD010D0C-2417-5792-2AD0-9A8E27B7EFD7}"/>
+          </ac:spMkLst>
+        </pc:spChg>
+      </pc:sldChg>
+      <pc:sldChg chg="addSp delSp modSp add mod">
+        <pc:chgData name="Long B Nguyen" userId="f59fb8f3-a021-417a-8bc1-65c8d471c621" providerId="ADAL" clId="{63956BDE-1760-9E47-86E5-1948DE91DAB5}" dt="2024-11-18T04:29:31.662" v="1781" actId="20577"/>
+        <pc:sldMkLst>
+          <pc:docMk/>
+          <pc:sldMk cId="189185762" sldId="652"/>
+        </pc:sldMkLst>
+        <pc:spChg chg="mod">
+          <ac:chgData name="Long B Nguyen" userId="f59fb8f3-a021-417a-8bc1-65c8d471c621" providerId="ADAL" clId="{63956BDE-1760-9E47-86E5-1948DE91DAB5}" dt="2024-11-18T04:29:31.662" v="1781" actId="20577"/>
+          <ac:spMkLst>
+            <pc:docMk/>
+            <pc:sldMk cId="189185762" sldId="652"/>
+            <ac:spMk id="26626" creationId="{05B95D02-F9AC-3F56-6E6C-D7BF6A2FB04A}"/>
+          </ac:spMkLst>
+        </pc:spChg>
+        <pc:graphicFrameChg chg="del modGraphic">
+          <ac:chgData name="Long B Nguyen" userId="f59fb8f3-a021-417a-8bc1-65c8d471c621" providerId="ADAL" clId="{63956BDE-1760-9E47-86E5-1948DE91DAB5}" dt="2024-11-18T04:24:45.097" v="1547" actId="478"/>
+          <ac:graphicFrameMkLst>
+            <pc:docMk/>
+            <pc:sldMk cId="189185762" sldId="652"/>
+            <ac:graphicFrameMk id="2" creationId="{FCBD8419-DBD2-A089-C0F5-67BFA00440F7}"/>
+          </ac:graphicFrameMkLst>
+        </pc:graphicFrameChg>
+        <pc:graphicFrameChg chg="add mod">
+          <ac:chgData name="Long B Nguyen" userId="f59fb8f3-a021-417a-8bc1-65c8d471c621" providerId="ADAL" clId="{63956BDE-1760-9E47-86E5-1948DE91DAB5}" dt="2024-11-18T04:27:25.129" v="1622" actId="1076"/>
+          <ac:graphicFrameMkLst>
+            <pc:docMk/>
+            <pc:sldMk cId="189185762" sldId="652"/>
+            <ac:graphicFrameMk id="3" creationId="{149111A9-7859-C25A-06F7-8D51EFBB8133}"/>
+          </ac:graphicFrameMkLst>
+        </pc:graphicFrameChg>
+        <pc:graphicFrameChg chg="add mod">
+          <ac:chgData name="Long B Nguyen" userId="f59fb8f3-a021-417a-8bc1-65c8d471c621" providerId="ADAL" clId="{63956BDE-1760-9E47-86E5-1948DE91DAB5}" dt="2024-11-18T04:28:44.990" v="1725" actId="1076"/>
+          <ac:graphicFrameMkLst>
+            <pc:docMk/>
+            <pc:sldMk cId="189185762" sldId="652"/>
+            <ac:graphicFrameMk id="4" creationId="{F0D516D1-1B5F-E96C-1F37-108878A94C59}"/>
+          </ac:graphicFrameMkLst>
+        </pc:graphicFrameChg>
+      </pc:sldChg>
+      <pc:sldChg chg="new del">
+        <pc:chgData name="Long B Nguyen" userId="f59fb8f3-a021-417a-8bc1-65c8d471c621" providerId="ADAL" clId="{63956BDE-1760-9E47-86E5-1948DE91DAB5}" dt="2024-11-18T04:30:45.337" v="1871" actId="2696"/>
+        <pc:sldMkLst>
+          <pc:docMk/>
+          <pc:sldMk cId="717746914" sldId="653"/>
+        </pc:sldMkLst>
+      </pc:sldChg>
+      <pc:sldChg chg="addSp delSp modSp add mod">
+        <pc:chgData name="Long B Nguyen" userId="f59fb8f3-a021-417a-8bc1-65c8d471c621" providerId="ADAL" clId="{63956BDE-1760-9E47-86E5-1948DE91DAB5}" dt="2024-11-18T04:30:41.790" v="1870" actId="1076"/>
+        <pc:sldMkLst>
+          <pc:docMk/>
+          <pc:sldMk cId="2108380087" sldId="654"/>
+        </pc:sldMkLst>
+        <pc:spChg chg="mod">
+          <ac:chgData name="Long B Nguyen" userId="f59fb8f3-a021-417a-8bc1-65c8d471c621" providerId="ADAL" clId="{63956BDE-1760-9E47-86E5-1948DE91DAB5}" dt="2024-11-18T04:30:06.041" v="1867" actId="20577"/>
+          <ac:spMkLst>
+            <pc:docMk/>
+            <pc:sldMk cId="2108380087" sldId="654"/>
+            <ac:spMk id="26626" creationId="{4744823D-E99B-460B-102A-9FD2EAC467D9}"/>
+          </ac:spMkLst>
+        </pc:spChg>
+        <pc:graphicFrameChg chg="del">
+          <ac:chgData name="Long B Nguyen" userId="f59fb8f3-a021-417a-8bc1-65c8d471c621" providerId="ADAL" clId="{63956BDE-1760-9E47-86E5-1948DE91DAB5}" dt="2024-11-18T04:29:51.286" v="1787" actId="478"/>
+          <ac:graphicFrameMkLst>
+            <pc:docMk/>
+            <pc:sldMk cId="2108380087" sldId="654"/>
+            <ac:graphicFrameMk id="3" creationId="{34B1DF66-1396-1B97-BC57-CF9D8B309ACE}"/>
+          </ac:graphicFrameMkLst>
+        </pc:graphicFrameChg>
+        <pc:graphicFrameChg chg="del">
+          <ac:chgData name="Long B Nguyen" userId="f59fb8f3-a021-417a-8bc1-65c8d471c621" providerId="ADAL" clId="{63956BDE-1760-9E47-86E5-1948DE91DAB5}" dt="2024-11-18T04:29:49.797" v="1786" actId="478"/>
+          <ac:graphicFrameMkLst>
+            <pc:docMk/>
+            <pc:sldMk cId="2108380087" sldId="654"/>
+            <ac:graphicFrameMk id="4" creationId="{D0F6C210-BBFE-E814-DA24-C68B5ECCD433}"/>
+          </ac:graphicFrameMkLst>
+        </pc:graphicFrameChg>
+        <pc:picChg chg="add mod">
+          <ac:chgData name="Long B Nguyen" userId="f59fb8f3-a021-417a-8bc1-65c8d471c621" providerId="ADAL" clId="{63956BDE-1760-9E47-86E5-1948DE91DAB5}" dt="2024-11-18T04:30:41.790" v="1870" actId="1076"/>
+          <ac:picMkLst>
+            <pc:docMk/>
+            <pc:sldMk cId="2108380087" sldId="654"/>
+            <ac:picMk id="2" creationId="{964C1739-33E4-8F21-060A-7F65603CB8C6}"/>
+          </ac:picMkLst>
+        </pc:picChg>
       </pc:sldChg>
     </pc:docChg>
   </pc:docChgLst>
@@ -2327,7 +2492,7 @@
             <a:fld id="{1483603F-536E-5348-85CA-469E92E29B2B}" type="slidenum">
               <a:rPr lang="en-US" altLang="en-US" smtClean="0"/>
               <a:pPr/>
-              <a:t>29</a:t>
+              <a:t>32</a:t>
             </a:fld>
             <a:endParaRPr lang="en-US" altLang="en-US"/>
           </a:p>
@@ -2615,7 +2780,7 @@
             <a:fld id="{1483603F-536E-5348-85CA-469E92E29B2B}" type="slidenum">
               <a:rPr lang="en-US" altLang="en-US" smtClean="0"/>
               <a:pPr/>
-              <a:t>30</a:t>
+              <a:t>33</a:t>
             </a:fld>
             <a:endParaRPr lang="en-US" altLang="en-US"/>
           </a:p>
@@ -6094,6 +6259,1052 @@
   <p:cSld>
     <p:spTree>
       <p:nvGrpSpPr>
+        <p:cNvPr id="1" name="">
+          <a:extLst>
+            <a:ext uri="{FF2B5EF4-FFF2-40B4-BE49-F238E27FC236}">
+              <a16:creationId xmlns:a16="http://schemas.microsoft.com/office/drawing/2014/main" id="{54081D2D-ACEF-5764-A87B-73A24EBEEE24}"/>
+            </a:ext>
+          </a:extLst>
+        </p:cNvPr>
+        <p:cNvGrpSpPr/>
+        <p:nvPr/>
+      </p:nvGrpSpPr>
+      <p:grpSpPr>
+        <a:xfrm>
+          <a:off x="0" y="0"/>
+          <a:ext cx="0" cy="0"/>
+          <a:chOff x="0" y="0"/>
+          <a:chExt cx="0" cy="0"/>
+        </a:xfrm>
+      </p:grpSpPr>
+      <p:sp>
+        <p:nvSpPr>
+          <p:cNvPr id="26625" name="Title 1">
+            <a:extLst>
+              <a:ext uri="{FF2B5EF4-FFF2-40B4-BE49-F238E27FC236}">
+                <a16:creationId xmlns:a16="http://schemas.microsoft.com/office/drawing/2014/main" id="{6109F2E1-04EF-8119-A1C0-C803FEF65039}"/>
+              </a:ext>
+            </a:extLst>
+          </p:cNvPr>
+          <p:cNvSpPr>
+            <a:spLocks noGrp="1" noChangeArrowheads="1"/>
+          </p:cNvSpPr>
+          <p:nvPr>
+            <p:ph type="title"/>
+          </p:nvPr>
+        </p:nvSpPr>
+        <p:spPr>
+          <a:xfrm>
+            <a:off x="115903" y="139126"/>
+            <a:ext cx="7886700" cy="856808"/>
+          </a:xfrm>
+        </p:spPr>
+        <p:txBody>
+          <a:bodyPr/>
+          <a:lstStyle/>
+          <a:p>
+            <a:pPr eaLnBrk="1" hangingPunct="1"/>
+            <a:r>
+              <a:rPr lang="en-US" altLang="en-US" dirty="0">
+                <a:ea typeface="ＭＳ Ｐゴシック" panose="020B0600070205080204" pitchFamily="34" charset="-128"/>
+              </a:rPr>
+              <a:t>Decimal to Binary(Method 1)</a:t>
+            </a:r>
+          </a:p>
+        </p:txBody>
+      </p:sp>
+      <mc:AlternateContent xmlns:mc="http://schemas.openxmlformats.org/markup-compatibility/2006">
+        <mc:Choice xmlns:a14="http://schemas.microsoft.com/office/drawing/2010/main" Requires="a14">
+          <p:sp>
+            <p:nvSpPr>
+              <p:cNvPr id="26626" name="Content Placeholder 2">
+                <a:extLst>
+                  <a:ext uri="{FF2B5EF4-FFF2-40B4-BE49-F238E27FC236}">
+                    <a16:creationId xmlns:a16="http://schemas.microsoft.com/office/drawing/2014/main" id="{05B95D02-F9AC-3F56-6E6C-D7BF6A2FB04A}"/>
+                  </a:ext>
+                </a:extLst>
+              </p:cNvPr>
+              <p:cNvSpPr>
+                <a:spLocks noGrp="1" noChangeArrowheads="1"/>
+              </p:cNvSpPr>
+              <p:nvPr>
+                <p:ph idx="1"/>
+              </p:nvPr>
+            </p:nvSpPr>
+            <p:spPr>
+              <a:xfrm>
+                <a:off x="213644" y="905854"/>
+                <a:ext cx="8732051" cy="4809146"/>
+              </a:xfrm>
+            </p:spPr>
+            <p:txBody>
+              <a:bodyPr>
+                <a:normAutofit/>
+              </a:bodyPr>
+              <a:lstStyle/>
+              <a:p>
+                <a:pPr marL="457200" indent="-457200">
+                  <a:buAutoNum type="arabicParenR" startAt="3"/>
+                </a:pPr>
+                <a:r>
+                  <a:rPr lang="en-US" altLang="en-US" sz="2000" dirty="0">
+                    <a:ea typeface="ＭＳ Ｐゴシック" panose="020B0600070205080204" pitchFamily="34" charset="-128"/>
+                  </a:rPr>
+                  <a:t>Using your new number (7), move down the chart marking how many times each power of 2 can fit into your dividend. 8 does not go into 7, so write a 0 beneath that box for the next binary digit to the right. Continue until you reach a number that can go into 7. Since 4 can fit into 7, mark it with a 1.</a:t>
+                </a:r>
+              </a:p>
+              <a:p>
+                <a:pPr marL="457200" indent="-457200">
+                  <a:buAutoNum type="arabicParenR" startAt="3"/>
+                </a:pPr>
+                <a:endParaRPr lang="en-US" altLang="en-US" sz="2000" dirty="0">
+                  <a:ea typeface="ＭＳ Ｐゴシック" panose="020B0600070205080204" pitchFamily="34" charset="-128"/>
+                </a:endParaRPr>
+              </a:p>
+              <a:p>
+                <a:pPr marL="0" indent="0">
+                  <a:buNone/>
+                </a:pPr>
+                <a:endParaRPr lang="en-US" sz="2000" dirty="0"/>
+              </a:p>
+              <a:p>
+                <a:pPr marL="0" indent="0">
+                  <a:buNone/>
+                </a:pPr>
+                <a:r>
+                  <a:rPr lang="en-US" altLang="en-US" sz="2000" dirty="0">
+                    <a:ea typeface="ＭＳ Ｐゴシック" panose="020B0600070205080204" pitchFamily="34" charset="-128"/>
+                  </a:rPr>
+                  <a:t>		    1		 0	         1</a:t>
+                </a:r>
+              </a:p>
+              <a:p>
+                <a:pPr marL="0" indent="0">
+                  <a:buNone/>
+                </a:pPr>
+                <a:endParaRPr lang="en-US" altLang="en-US" sz="2000" dirty="0">
+                  <a:ea typeface="ＭＳ Ｐゴシック" panose="020B0600070205080204" pitchFamily="34" charset="-128"/>
+                </a:endParaRPr>
+              </a:p>
+              <a:p>
+                <a:pPr marL="457200" indent="-457200">
+                  <a:buAutoNum type="arabicParenR" startAt="4"/>
+                </a:pPr>
+                <a:r>
+                  <a:rPr lang="en-US" altLang="en-US" sz="2000" dirty="0">
+                    <a:ea typeface="ＭＳ Ｐゴシック" panose="020B0600070205080204" pitchFamily="34" charset="-128"/>
+                  </a:rPr>
+                  <a:t>Subtract 4 from 7 to get 3. Then repeat this for 3.  </a:t>
+                </a:r>
+              </a:p>
+              <a:p>
+                <a:pPr marL="0" indent="0">
+                  <a:buNone/>
+                </a:pPr>
+                <a:endParaRPr lang="en-US" altLang="en-US" sz="2000" dirty="0">
+                  <a:ea typeface="ＭＳ Ｐゴシック" panose="020B0600070205080204" pitchFamily="34" charset="-128"/>
+                </a:endParaRPr>
+              </a:p>
+              <a:p>
+                <a:pPr marL="457200" indent="-457200">
+                  <a:buAutoNum type="arabicParenR" startAt="4"/>
+                </a:pPr>
+                <a:endParaRPr lang="en-US" altLang="en-US" sz="2000" dirty="0">
+                  <a:ea typeface="ＭＳ Ｐゴシック" panose="020B0600070205080204" pitchFamily="34" charset="-128"/>
+                </a:endParaRPr>
+              </a:p>
+              <a:p>
+                <a:pPr marL="0" indent="0">
+                  <a:buNone/>
+                </a:pPr>
+                <a:r>
+                  <a:rPr lang="en-US" altLang="en-US" sz="2000" dirty="0">
+                    <a:ea typeface="ＭＳ Ｐゴシック" panose="020B0600070205080204" pitchFamily="34" charset="-128"/>
+                  </a:rPr>
+                  <a:t>		    1		 0	         1	       1		     1</a:t>
+                </a:r>
+              </a:p>
+              <a:p>
+                <a:pPr marL="0" indent="0">
+                  <a:buNone/>
+                </a:pPr>
+                <a:r>
+                  <a:rPr lang="en-US" altLang="en-US" sz="2000" dirty="0">
+                    <a:ea typeface="ＭＳ Ｐゴシック" panose="020B0600070205080204" pitchFamily="34" charset="-128"/>
+                  </a:rPr>
+                  <a:t>Thus </a:t>
+                </a:r>
+                <a14:m>
+                  <m:oMath xmlns:m="http://schemas.openxmlformats.org/officeDocument/2006/math">
+                    <m:sSub>
+                      <m:sSubPr>
+                        <m:ctrlPr>
+                          <a:rPr lang="en-US" altLang="en-US" sz="2000" b="0" i="1" smtClean="0">
+                            <a:latin typeface="Cambria Math" panose="02040503050406030204" pitchFamily="18" charset="0"/>
+                            <a:ea typeface="ＭＳ Ｐゴシック" panose="020B0600070205080204" pitchFamily="34" charset="-128"/>
+                          </a:rPr>
+                        </m:ctrlPr>
+                      </m:sSubPr>
+                      <m:e>
+                        <m:r>
+                          <a:rPr lang="en-US" altLang="en-US" sz="2000" b="0" i="1" smtClean="0">
+                            <a:latin typeface="Cambria Math" panose="02040503050406030204" pitchFamily="18" charset="0"/>
+                            <a:ea typeface="ＭＳ Ｐゴシック" panose="020B0600070205080204" pitchFamily="34" charset="-128"/>
+                          </a:rPr>
+                          <m:t>23</m:t>
+                        </m:r>
+                      </m:e>
+                      <m:sub>
+                        <m:r>
+                          <a:rPr lang="en-US" altLang="en-US" sz="2000" b="0" i="1" smtClean="0">
+                            <a:latin typeface="Cambria Math" panose="02040503050406030204" pitchFamily="18" charset="0"/>
+                            <a:ea typeface="ＭＳ Ｐゴシック" panose="020B0600070205080204" pitchFamily="34" charset="-128"/>
+                          </a:rPr>
+                          <m:t>10</m:t>
+                        </m:r>
+                      </m:sub>
+                    </m:sSub>
+                    <m:r>
+                      <a:rPr lang="en-US" altLang="en-US" sz="2000" b="0" i="1" smtClean="0">
+                        <a:latin typeface="Cambria Math" panose="02040503050406030204" pitchFamily="18" charset="0"/>
+                        <a:ea typeface="ＭＳ Ｐゴシック" panose="020B0600070205080204" pitchFamily="34" charset="-128"/>
+                      </a:rPr>
+                      <m:t>=</m:t>
+                    </m:r>
+                    <m:sSub>
+                      <m:sSubPr>
+                        <m:ctrlPr>
+                          <a:rPr lang="en-US" altLang="en-US" sz="2000" b="0" i="1" smtClean="0">
+                            <a:latin typeface="Cambria Math" panose="02040503050406030204" pitchFamily="18" charset="0"/>
+                            <a:ea typeface="ＭＳ Ｐゴシック" panose="020B0600070205080204" pitchFamily="34" charset="-128"/>
+                          </a:rPr>
+                        </m:ctrlPr>
+                      </m:sSubPr>
+                      <m:e>
+                        <m:r>
+                          <a:rPr lang="en-US" altLang="en-US" sz="2000" b="0" i="1" smtClean="0">
+                            <a:latin typeface="Cambria Math" panose="02040503050406030204" pitchFamily="18" charset="0"/>
+                            <a:ea typeface="ＭＳ Ｐゴシック" panose="020B0600070205080204" pitchFamily="34" charset="-128"/>
+                          </a:rPr>
+                          <m:t>10111</m:t>
+                        </m:r>
+                      </m:e>
+                      <m:sub>
+                        <m:r>
+                          <a:rPr lang="en-US" altLang="en-US" sz="2000" b="0" i="1" smtClean="0">
+                            <a:latin typeface="Cambria Math" panose="02040503050406030204" pitchFamily="18" charset="0"/>
+                            <a:ea typeface="ＭＳ Ｐゴシック" panose="020B0600070205080204" pitchFamily="34" charset="-128"/>
+                          </a:rPr>
+                          <m:t>2</m:t>
+                        </m:r>
+                      </m:sub>
+                    </m:sSub>
+                  </m:oMath>
+                </a14:m>
+                <a:r>
+                  <a:rPr lang="en-US" altLang="en-US" sz="2000" dirty="0">
+                    <a:ea typeface="ＭＳ Ｐゴシック" panose="020B0600070205080204" pitchFamily="34" charset="-128"/>
+                  </a:rPr>
+                  <a:t>.</a:t>
+                </a:r>
+              </a:p>
+              <a:p>
+                <a:pPr marL="457200" indent="-457200">
+                  <a:buAutoNum type="arabicParenR" startAt="4"/>
+                </a:pPr>
+                <a:endParaRPr lang="en-US" altLang="en-US" sz="2000" dirty="0">
+                  <a:ea typeface="ＭＳ Ｐゴシック" panose="020B0600070205080204" pitchFamily="34" charset="-128"/>
+                </a:endParaRPr>
+              </a:p>
+            </p:txBody>
+          </p:sp>
+        </mc:Choice>
+        <mc:Fallback>
+          <p:sp>
+            <p:nvSpPr>
+              <p:cNvPr id="26626" name="Content Placeholder 2">
+                <a:extLst>
+                  <a:ext uri="{FF2B5EF4-FFF2-40B4-BE49-F238E27FC236}">
+                    <a16:creationId xmlns:a16="http://schemas.microsoft.com/office/drawing/2014/main" id="{05B95D02-F9AC-3F56-6E6C-D7BF6A2FB04A}"/>
+                  </a:ext>
+                </a:extLst>
+              </p:cNvPr>
+              <p:cNvSpPr>
+                <a:spLocks noGrp="1" noRot="1" noChangeAspect="1" noMove="1" noResize="1" noEditPoints="1" noAdjustHandles="1" noChangeArrowheads="1" noChangeShapeType="1" noTextEdit="1"/>
+              </p:cNvSpPr>
+              <p:nvPr>
+                <p:ph idx="1"/>
+              </p:nvPr>
+            </p:nvSpPr>
+            <p:spPr>
+              <a:xfrm>
+                <a:off x="213644" y="905854"/>
+                <a:ext cx="8732051" cy="4809146"/>
+              </a:xfrm>
+              <a:blipFill>
+                <a:blip r:embed="rId2"/>
+                <a:stretch>
+                  <a:fillRect l="-581" t="-1316"/>
+                </a:stretch>
+              </a:blipFill>
+            </p:spPr>
+            <p:txBody>
+              <a:bodyPr/>
+              <a:lstStyle/>
+              <a:p>
+                <a:r>
+                  <a:rPr lang="en-US">
+                    <a:noFill/>
+                  </a:rPr>
+                  <a:t> </a:t>
+                </a:r>
+              </a:p>
+            </p:txBody>
+          </p:sp>
+        </mc:Fallback>
+      </mc:AlternateContent>
+      <p:graphicFrame>
+        <p:nvGraphicFramePr>
+          <p:cNvPr id="3" name="Table 2">
+            <a:extLst>
+              <a:ext uri="{FF2B5EF4-FFF2-40B4-BE49-F238E27FC236}">
+                <a16:creationId xmlns:a16="http://schemas.microsoft.com/office/drawing/2014/main" id="{149111A9-7859-C25A-06F7-8D51EFBB8133}"/>
+              </a:ext>
+            </a:extLst>
+          </p:cNvPr>
+          <p:cNvGraphicFramePr>
+            <a:graphicFrameLocks noGrp="1"/>
+          </p:cNvGraphicFramePr>
+          <p:nvPr>
+            <p:extLst>
+              <p:ext uri="{D42A27DB-BD31-4B8C-83A1-F6EECF244321}">
+                <p14:modId xmlns:p14="http://schemas.microsoft.com/office/powerpoint/2010/main" val="2011643002"/>
+              </p:ext>
+            </p:extLst>
+          </p:nvPr>
+        </p:nvGraphicFramePr>
+        <p:xfrm>
+          <a:off x="1374809" y="2345101"/>
+          <a:ext cx="6096000" cy="370840"/>
+        </p:xfrm>
+        <a:graphic>
+          <a:graphicData uri="http://schemas.openxmlformats.org/drawingml/2006/table">
+            <a:tbl>
+              <a:tblPr firstRow="1" bandRow="1">
+                <a:tableStyleId>{5940675A-B579-460E-94D1-54222C63F5DA}</a:tableStyleId>
+              </a:tblPr>
+              <a:tblGrid>
+                <a:gridCol w="1219200">
+                  <a:extLst>
+                    <a:ext uri="{9D8B030D-6E8A-4147-A177-3AD203B41FA5}">
+                      <a16:colId xmlns:a16="http://schemas.microsoft.com/office/drawing/2014/main" val="3325921765"/>
+                    </a:ext>
+                  </a:extLst>
+                </a:gridCol>
+                <a:gridCol w="1219200">
+                  <a:extLst>
+                    <a:ext uri="{9D8B030D-6E8A-4147-A177-3AD203B41FA5}">
+                      <a16:colId xmlns:a16="http://schemas.microsoft.com/office/drawing/2014/main" val="1150075258"/>
+                    </a:ext>
+                  </a:extLst>
+                </a:gridCol>
+                <a:gridCol w="1219200">
+                  <a:extLst>
+                    <a:ext uri="{9D8B030D-6E8A-4147-A177-3AD203B41FA5}">
+                      <a16:colId xmlns:a16="http://schemas.microsoft.com/office/drawing/2014/main" val="22037491"/>
+                    </a:ext>
+                  </a:extLst>
+                </a:gridCol>
+                <a:gridCol w="1219200">
+                  <a:extLst>
+                    <a:ext uri="{9D8B030D-6E8A-4147-A177-3AD203B41FA5}">
+                      <a16:colId xmlns:a16="http://schemas.microsoft.com/office/drawing/2014/main" val="3459991895"/>
+                    </a:ext>
+                  </a:extLst>
+                </a:gridCol>
+                <a:gridCol w="1219200">
+                  <a:extLst>
+                    <a:ext uri="{9D8B030D-6E8A-4147-A177-3AD203B41FA5}">
+                      <a16:colId xmlns:a16="http://schemas.microsoft.com/office/drawing/2014/main" val="3035601106"/>
+                    </a:ext>
+                  </a:extLst>
+                </a:gridCol>
+              </a:tblGrid>
+              <a:tr h="370840">
+                <a:tc>
+                  <a:txBody>
+                    <a:bodyPr/>
+                    <a:lstStyle/>
+                    <a:p>
+                      <a:pPr algn="ctr"/>
+                      <a:r>
+                        <a:rPr lang="en-US" sz="1800" dirty="0"/>
+                        <a:t>16</a:t>
+                      </a:r>
+                    </a:p>
+                  </a:txBody>
+                  <a:tcPr/>
+                </a:tc>
+                <a:tc>
+                  <a:txBody>
+                    <a:bodyPr/>
+                    <a:lstStyle/>
+                    <a:p>
+                      <a:pPr algn="ctr"/>
+                      <a:r>
+                        <a:rPr lang="en-US" sz="1800" dirty="0"/>
+                        <a:t>8</a:t>
+                      </a:r>
+                    </a:p>
+                  </a:txBody>
+                  <a:tcPr/>
+                </a:tc>
+                <a:tc>
+                  <a:txBody>
+                    <a:bodyPr/>
+                    <a:lstStyle/>
+                    <a:p>
+                      <a:pPr algn="ctr"/>
+                      <a:r>
+                        <a:rPr lang="en-US" sz="1800" dirty="0"/>
+                        <a:t>4</a:t>
+                      </a:r>
+                    </a:p>
+                  </a:txBody>
+                  <a:tcPr/>
+                </a:tc>
+                <a:tc>
+                  <a:txBody>
+                    <a:bodyPr/>
+                    <a:lstStyle/>
+                    <a:p>
+                      <a:pPr algn="ctr"/>
+                      <a:r>
+                        <a:rPr lang="en-US" sz="1800" dirty="0"/>
+                        <a:t>2</a:t>
+                      </a:r>
+                    </a:p>
+                  </a:txBody>
+                  <a:tcPr/>
+                </a:tc>
+                <a:tc>
+                  <a:txBody>
+                    <a:bodyPr/>
+                    <a:lstStyle/>
+                    <a:p>
+                      <a:pPr algn="ctr"/>
+                      <a:r>
+                        <a:rPr lang="en-US" sz="1800" dirty="0"/>
+                        <a:t>1</a:t>
+                      </a:r>
+                    </a:p>
+                  </a:txBody>
+                  <a:tcPr/>
+                </a:tc>
+                <a:extLst>
+                  <a:ext uri="{0D108BD9-81ED-4DB2-BD59-A6C34878D82A}">
+                    <a16:rowId xmlns:a16="http://schemas.microsoft.com/office/drawing/2014/main" val="1788510752"/>
+                  </a:ext>
+                </a:extLst>
+              </a:tr>
+            </a:tbl>
+          </a:graphicData>
+        </a:graphic>
+      </p:graphicFrame>
+      <p:graphicFrame>
+        <p:nvGraphicFramePr>
+          <p:cNvPr id="4" name="Table 3">
+            <a:extLst>
+              <a:ext uri="{FF2B5EF4-FFF2-40B4-BE49-F238E27FC236}">
+                <a16:creationId xmlns:a16="http://schemas.microsoft.com/office/drawing/2014/main" id="{F0D516D1-1B5F-E96C-1F37-108878A94C59}"/>
+              </a:ext>
+            </a:extLst>
+          </p:cNvPr>
+          <p:cNvGraphicFramePr>
+            <a:graphicFrameLocks noGrp="1"/>
+          </p:cNvGraphicFramePr>
+          <p:nvPr>
+            <p:extLst>
+              <p:ext uri="{D42A27DB-BD31-4B8C-83A1-F6EECF244321}">
+                <p14:modId xmlns:p14="http://schemas.microsoft.com/office/powerpoint/2010/main" val="643230712"/>
+              </p:ext>
+            </p:extLst>
+          </p:nvPr>
+        </p:nvGraphicFramePr>
+        <p:xfrm>
+          <a:off x="1374809" y="4194099"/>
+          <a:ext cx="6096000" cy="370840"/>
+        </p:xfrm>
+        <a:graphic>
+          <a:graphicData uri="http://schemas.openxmlformats.org/drawingml/2006/table">
+            <a:tbl>
+              <a:tblPr firstRow="1" bandRow="1">
+                <a:tableStyleId>{5940675A-B579-460E-94D1-54222C63F5DA}</a:tableStyleId>
+              </a:tblPr>
+              <a:tblGrid>
+                <a:gridCol w="1219200">
+                  <a:extLst>
+                    <a:ext uri="{9D8B030D-6E8A-4147-A177-3AD203B41FA5}">
+                      <a16:colId xmlns:a16="http://schemas.microsoft.com/office/drawing/2014/main" val="3325921765"/>
+                    </a:ext>
+                  </a:extLst>
+                </a:gridCol>
+                <a:gridCol w="1219200">
+                  <a:extLst>
+                    <a:ext uri="{9D8B030D-6E8A-4147-A177-3AD203B41FA5}">
+                      <a16:colId xmlns:a16="http://schemas.microsoft.com/office/drawing/2014/main" val="1150075258"/>
+                    </a:ext>
+                  </a:extLst>
+                </a:gridCol>
+                <a:gridCol w="1219200">
+                  <a:extLst>
+                    <a:ext uri="{9D8B030D-6E8A-4147-A177-3AD203B41FA5}">
+                      <a16:colId xmlns:a16="http://schemas.microsoft.com/office/drawing/2014/main" val="22037491"/>
+                    </a:ext>
+                  </a:extLst>
+                </a:gridCol>
+                <a:gridCol w="1219200">
+                  <a:extLst>
+                    <a:ext uri="{9D8B030D-6E8A-4147-A177-3AD203B41FA5}">
+                      <a16:colId xmlns:a16="http://schemas.microsoft.com/office/drawing/2014/main" val="3459991895"/>
+                    </a:ext>
+                  </a:extLst>
+                </a:gridCol>
+                <a:gridCol w="1219200">
+                  <a:extLst>
+                    <a:ext uri="{9D8B030D-6E8A-4147-A177-3AD203B41FA5}">
+                      <a16:colId xmlns:a16="http://schemas.microsoft.com/office/drawing/2014/main" val="3035601106"/>
+                    </a:ext>
+                  </a:extLst>
+                </a:gridCol>
+              </a:tblGrid>
+              <a:tr h="370840">
+                <a:tc>
+                  <a:txBody>
+                    <a:bodyPr/>
+                    <a:lstStyle/>
+                    <a:p>
+                      <a:pPr algn="ctr"/>
+                      <a:r>
+                        <a:rPr lang="en-US" sz="1800" dirty="0"/>
+                        <a:t>16</a:t>
+                      </a:r>
+                    </a:p>
+                  </a:txBody>
+                  <a:tcPr/>
+                </a:tc>
+                <a:tc>
+                  <a:txBody>
+                    <a:bodyPr/>
+                    <a:lstStyle/>
+                    <a:p>
+                      <a:pPr algn="ctr"/>
+                      <a:r>
+                        <a:rPr lang="en-US" sz="1800" dirty="0"/>
+                        <a:t>8</a:t>
+                      </a:r>
+                    </a:p>
+                  </a:txBody>
+                  <a:tcPr/>
+                </a:tc>
+                <a:tc>
+                  <a:txBody>
+                    <a:bodyPr/>
+                    <a:lstStyle/>
+                    <a:p>
+                      <a:pPr algn="ctr"/>
+                      <a:r>
+                        <a:rPr lang="en-US" sz="1800" dirty="0"/>
+                        <a:t>4</a:t>
+                      </a:r>
+                    </a:p>
+                  </a:txBody>
+                  <a:tcPr/>
+                </a:tc>
+                <a:tc>
+                  <a:txBody>
+                    <a:bodyPr/>
+                    <a:lstStyle/>
+                    <a:p>
+                      <a:pPr algn="ctr"/>
+                      <a:r>
+                        <a:rPr lang="en-US" sz="1800" dirty="0"/>
+                        <a:t>2</a:t>
+                      </a:r>
+                    </a:p>
+                  </a:txBody>
+                  <a:tcPr/>
+                </a:tc>
+                <a:tc>
+                  <a:txBody>
+                    <a:bodyPr/>
+                    <a:lstStyle/>
+                    <a:p>
+                      <a:pPr algn="ctr"/>
+                      <a:r>
+                        <a:rPr lang="en-US" sz="1800" dirty="0"/>
+                        <a:t>1</a:t>
+                      </a:r>
+                    </a:p>
+                  </a:txBody>
+                  <a:tcPr/>
+                </a:tc>
+                <a:extLst>
+                  <a:ext uri="{0D108BD9-81ED-4DB2-BD59-A6C34878D82A}">
+                    <a16:rowId xmlns:a16="http://schemas.microsoft.com/office/drawing/2014/main" val="1788510752"/>
+                  </a:ext>
+                </a:extLst>
+              </a:tr>
+            </a:tbl>
+          </a:graphicData>
+        </a:graphic>
+      </p:graphicFrame>
+    </p:spTree>
+    <p:extLst>
+      <p:ext uri="{BB962C8B-B14F-4D97-AF65-F5344CB8AC3E}">
+        <p14:creationId xmlns:p14="http://schemas.microsoft.com/office/powerpoint/2010/main" val="189185762"/>
+      </p:ext>
+    </p:extLst>
+  </p:cSld>
+  <p:clrMapOvr>
+    <a:masterClrMapping/>
+  </p:clrMapOvr>
+</p:sld>
+</file>
+
+<file path=ppt/slides/slide11.xml><?xml version="1.0" encoding="utf-8"?>
+<p:sld xmlns:a="http://schemas.openxmlformats.org/drawingml/2006/main" xmlns:r="http://schemas.openxmlformats.org/officeDocument/2006/relationships" xmlns:p="http://schemas.openxmlformats.org/presentationml/2006/main">
+  <p:cSld>
+    <p:spTree>
+      <p:nvGrpSpPr>
+        <p:cNvPr id="1" name="">
+          <a:extLst>
+            <a:ext uri="{FF2B5EF4-FFF2-40B4-BE49-F238E27FC236}">
+              <a16:creationId xmlns:a16="http://schemas.microsoft.com/office/drawing/2014/main" id="{E48AEC62-A039-50B5-A8CE-B8D68541C314}"/>
+            </a:ext>
+          </a:extLst>
+        </p:cNvPr>
+        <p:cNvGrpSpPr/>
+        <p:nvPr/>
+      </p:nvGrpSpPr>
+      <p:grpSpPr>
+        <a:xfrm>
+          <a:off x="0" y="0"/>
+          <a:ext cx="0" cy="0"/>
+          <a:chOff x="0" y="0"/>
+          <a:chExt cx="0" cy="0"/>
+        </a:xfrm>
+      </p:grpSpPr>
+      <p:sp>
+        <p:nvSpPr>
+          <p:cNvPr id="26625" name="Title 1">
+            <a:extLst>
+              <a:ext uri="{FF2B5EF4-FFF2-40B4-BE49-F238E27FC236}">
+                <a16:creationId xmlns:a16="http://schemas.microsoft.com/office/drawing/2014/main" id="{BD74B7DB-4D2B-8FB8-4545-C4DF69AD1A90}"/>
+              </a:ext>
+            </a:extLst>
+          </p:cNvPr>
+          <p:cNvSpPr>
+            <a:spLocks noGrp="1" noChangeArrowheads="1"/>
+          </p:cNvSpPr>
+          <p:nvPr>
+            <p:ph type="title"/>
+          </p:nvPr>
+        </p:nvSpPr>
+        <p:spPr>
+          <a:xfrm>
+            <a:off x="115903" y="139126"/>
+            <a:ext cx="7886700" cy="856808"/>
+          </a:xfrm>
+        </p:spPr>
+        <p:txBody>
+          <a:bodyPr/>
+          <a:lstStyle/>
+          <a:p>
+            <a:pPr eaLnBrk="1" hangingPunct="1"/>
+            <a:r>
+              <a:rPr lang="en-US" altLang="en-US" dirty="0">
+                <a:ea typeface="ＭＳ Ｐゴシック" panose="020B0600070205080204" pitchFamily="34" charset="-128"/>
+              </a:rPr>
+              <a:t>Decimal to Binary(Method 1)</a:t>
+            </a:r>
+          </a:p>
+        </p:txBody>
+      </p:sp>
+      <p:sp>
+        <p:nvSpPr>
+          <p:cNvPr id="26626" name="Content Placeholder 2">
+            <a:extLst>
+              <a:ext uri="{FF2B5EF4-FFF2-40B4-BE49-F238E27FC236}">
+                <a16:creationId xmlns:a16="http://schemas.microsoft.com/office/drawing/2014/main" id="{4744823D-E99B-460B-102A-9FD2EAC467D9}"/>
+              </a:ext>
+            </a:extLst>
+          </p:cNvPr>
+          <p:cNvSpPr>
+            <a:spLocks noGrp="1" noChangeArrowheads="1"/>
+          </p:cNvSpPr>
+          <p:nvPr>
+            <p:ph idx="1"/>
+          </p:nvPr>
+        </p:nvSpPr>
+        <p:spPr>
+          <a:xfrm>
+            <a:off x="213644" y="905854"/>
+            <a:ext cx="8732051" cy="4809146"/>
+          </a:xfrm>
+        </p:spPr>
+        <p:txBody>
+          <a:bodyPr>
+            <a:normAutofit/>
+          </a:bodyPr>
+          <a:lstStyle/>
+          <a:p>
+            <a:pPr marL="0" indent="0">
+              <a:buNone/>
+            </a:pPr>
+            <a:r>
+              <a:rPr lang="en-US" altLang="en-US" sz="2000" dirty="0">
+                <a:ea typeface="ＭＳ Ｐゴシック" panose="020B0600070205080204" pitchFamily="34" charset="-128"/>
+              </a:rPr>
+              <a:t>Here’s a visual example of how to convert 156 to binary.</a:t>
+            </a:r>
+          </a:p>
+          <a:p>
+            <a:pPr marL="0" indent="0">
+              <a:buNone/>
+            </a:pPr>
+            <a:endParaRPr lang="en-US" altLang="en-US" sz="2000" dirty="0">
+              <a:ea typeface="ＭＳ Ｐゴシック" panose="020B0600070205080204" pitchFamily="34" charset="-128"/>
+            </a:endParaRPr>
+          </a:p>
+          <a:p>
+            <a:pPr marL="0" indent="0">
+              <a:buNone/>
+            </a:pPr>
+            <a:endParaRPr lang="en-US" altLang="en-US" sz="2000" dirty="0">
+              <a:ea typeface="ＭＳ Ｐゴシック" panose="020B0600070205080204" pitchFamily="34" charset="-128"/>
+            </a:endParaRPr>
+          </a:p>
+        </p:txBody>
+      </p:sp>
+      <p:pic>
+        <p:nvPicPr>
+          <p:cNvPr id="2" name="Picture 1">
+            <a:extLst>
+              <a:ext uri="{FF2B5EF4-FFF2-40B4-BE49-F238E27FC236}">
+                <a16:creationId xmlns:a16="http://schemas.microsoft.com/office/drawing/2014/main" id="{964C1739-33E4-8F21-060A-7F65603CB8C6}"/>
+              </a:ext>
+            </a:extLst>
+          </p:cNvPr>
+          <p:cNvPicPr>
+            <a:picLocks noChangeAspect="1"/>
+          </p:cNvPicPr>
+          <p:nvPr/>
+        </p:nvPicPr>
+        <p:blipFill>
+          <a:blip r:embed="rId2"/>
+          <a:stretch>
+            <a:fillRect/>
+          </a:stretch>
+        </p:blipFill>
+        <p:spPr>
+          <a:xfrm>
+            <a:off x="1241263" y="1385361"/>
+            <a:ext cx="5864617" cy="4329639"/>
+          </a:xfrm>
+          <a:prstGeom prst="rect">
+            <a:avLst/>
+          </a:prstGeom>
+        </p:spPr>
+      </p:pic>
+    </p:spTree>
+    <p:extLst>
+      <p:ext uri="{BB962C8B-B14F-4D97-AF65-F5344CB8AC3E}">
+        <p14:creationId xmlns:p14="http://schemas.microsoft.com/office/powerpoint/2010/main" val="2108380087"/>
+      </p:ext>
+    </p:extLst>
+  </p:cSld>
+  <p:clrMapOvr>
+    <a:masterClrMapping/>
+  </p:clrMapOvr>
+</p:sld>
+</file>
+
+<file path=ppt/slides/slide12.xml><?xml version="1.0" encoding="utf-8"?>
+<p:sld xmlns:a="http://schemas.openxmlformats.org/drawingml/2006/main" xmlns:r="http://schemas.openxmlformats.org/officeDocument/2006/relationships" xmlns:p="http://schemas.openxmlformats.org/presentationml/2006/main">
+  <p:cSld>
+    <p:spTree>
+      <p:nvGrpSpPr>
+        <p:cNvPr id="1" name="">
+          <a:extLst>
+            <a:ext uri="{FF2B5EF4-FFF2-40B4-BE49-F238E27FC236}">
+              <a16:creationId xmlns:a16="http://schemas.microsoft.com/office/drawing/2014/main" id="{4CB2E729-BBE7-1CDD-9EB3-DEC1839A8ABB}"/>
+            </a:ext>
+          </a:extLst>
+        </p:cNvPr>
+        <p:cNvGrpSpPr/>
+        <p:nvPr/>
+      </p:nvGrpSpPr>
+      <p:grpSpPr>
+        <a:xfrm>
+          <a:off x="0" y="0"/>
+          <a:ext cx="0" cy="0"/>
+          <a:chOff x="0" y="0"/>
+          <a:chExt cx="0" cy="0"/>
+        </a:xfrm>
+      </p:grpSpPr>
+      <p:sp>
+        <p:nvSpPr>
+          <p:cNvPr id="26625" name="Title 1">
+            <a:extLst>
+              <a:ext uri="{FF2B5EF4-FFF2-40B4-BE49-F238E27FC236}">
+                <a16:creationId xmlns:a16="http://schemas.microsoft.com/office/drawing/2014/main" id="{76FA05B1-8D75-69D6-5361-5FE9F89D6D72}"/>
+              </a:ext>
+            </a:extLst>
+          </p:cNvPr>
+          <p:cNvSpPr>
+            <a:spLocks noGrp="1" noChangeArrowheads="1"/>
+          </p:cNvSpPr>
+          <p:nvPr>
+            <p:ph type="title"/>
+          </p:nvPr>
+        </p:nvSpPr>
+        <p:spPr>
+          <a:xfrm>
+            <a:off x="115903" y="139126"/>
+            <a:ext cx="7886700" cy="856808"/>
+          </a:xfrm>
+        </p:spPr>
+        <p:txBody>
+          <a:bodyPr/>
+          <a:lstStyle/>
+          <a:p>
+            <a:pPr eaLnBrk="1" hangingPunct="1"/>
+            <a:r>
+              <a:rPr lang="en-US" altLang="en-US" dirty="0">
+                <a:ea typeface="ＭＳ Ｐゴシック" panose="020B0600070205080204" pitchFamily="34" charset="-128"/>
+              </a:rPr>
+              <a:t>Decimal to Binary(Method 2)</a:t>
+            </a:r>
+          </a:p>
+        </p:txBody>
+      </p:sp>
+      <p:sp>
+        <p:nvSpPr>
+          <p:cNvPr id="26626" name="Content Placeholder 2">
+            <a:extLst>
+              <a:ext uri="{FF2B5EF4-FFF2-40B4-BE49-F238E27FC236}">
+                <a16:creationId xmlns:a16="http://schemas.microsoft.com/office/drawing/2014/main" id="{7054DCD3-4753-73C3-6C3B-66EA2DA7B51B}"/>
+              </a:ext>
+            </a:extLst>
+          </p:cNvPr>
+          <p:cNvSpPr>
+            <a:spLocks noGrp="1" noChangeArrowheads="1"/>
+          </p:cNvSpPr>
+          <p:nvPr>
+            <p:ph idx="1"/>
+          </p:nvPr>
+        </p:nvSpPr>
+        <p:spPr>
+          <a:xfrm>
+            <a:off x="213645" y="905854"/>
+            <a:ext cx="8716710" cy="4412806"/>
+          </a:xfrm>
+        </p:spPr>
+        <p:txBody>
+          <a:bodyPr>
+            <a:normAutofit/>
+          </a:bodyPr>
+          <a:lstStyle/>
+          <a:p>
+            <a:pPr marL="0" indent="0">
+              <a:buNone/>
+            </a:pPr>
+            <a:r>
+              <a:rPr lang="en-US" altLang="en-US" sz="2000" dirty="0">
+                <a:ea typeface="ＭＳ Ｐゴシック" panose="020B0600070205080204" pitchFamily="34" charset="-128"/>
+              </a:rPr>
+              <a:t>This method provides a nice algorithm for converting from decimal to binary. You can use this method, for example, to write a function in Python to do the conversion. On tests and worksheets, I recommend using Method 1. </a:t>
+            </a:r>
+          </a:p>
+          <a:p>
+            <a:pPr marL="0" indent="0">
+              <a:buNone/>
+            </a:pPr>
+            <a:r>
+              <a:rPr lang="en-US" altLang="en-US" sz="2000" dirty="0">
+                <a:ea typeface="ＭＳ Ｐゴシック" panose="020B0600070205080204" pitchFamily="34" charset="-128"/>
+              </a:rPr>
+              <a:t>Repeatedly modulo 2 and the divide by 2. Stop at 0. The remainder list read top to bottom are the digits from left to right. </a:t>
+            </a:r>
+          </a:p>
+        </p:txBody>
+      </p:sp>
+      <p:pic>
+        <p:nvPicPr>
+          <p:cNvPr id="26627" name="Picture 4" descr="ten22">
+            <a:extLst>
+              <a:ext uri="{FF2B5EF4-FFF2-40B4-BE49-F238E27FC236}">
+                <a16:creationId xmlns:a16="http://schemas.microsoft.com/office/drawing/2014/main" id="{051B3B2A-D190-D1AB-20A7-40A5E2CB3248}"/>
+              </a:ext>
+            </a:extLst>
+          </p:cNvPr>
+          <p:cNvPicPr>
+            <a:picLocks noChangeAspect="1" noChangeArrowheads="1"/>
+          </p:cNvPicPr>
+          <p:nvPr/>
+        </p:nvPicPr>
+        <p:blipFill>
+          <a:blip r:embed="rId2">
+            <a:extLst>
+              <a:ext uri="{28A0092B-C50C-407E-A947-70E740481C1C}">
+                <a14:useLocalDpi xmlns:a14="http://schemas.microsoft.com/office/drawing/2010/main" val="0"/>
+              </a:ext>
+            </a:extLst>
+          </a:blip>
+          <a:srcRect/>
+          <a:stretch>
+            <a:fillRect/>
+          </a:stretch>
+        </p:blipFill>
+        <p:spPr bwMode="auto">
+          <a:xfrm>
+            <a:off x="2400989" y="2506204"/>
+            <a:ext cx="3779236" cy="3069670"/>
+          </a:xfrm>
+          <a:prstGeom prst="rect">
+            <a:avLst/>
+          </a:prstGeom>
+          <a:noFill/>
+          <a:ln>
+            <a:noFill/>
+          </a:ln>
+          <a:effectLst/>
+          <a:extLst>
+            <a:ext uri="{909E8E84-426E-40DD-AFC4-6F175D3DCCD1}">
+              <a14:hiddenFill xmlns:a14="http://schemas.microsoft.com/office/drawing/2010/main">
+                <a:solidFill>
+                  <a:srgbClr val="FFFFFF"/>
+                </a:solidFill>
+              </a14:hiddenFill>
+            </a:ext>
+            <a:ext uri="{91240B29-F687-4F45-9708-019B960494DF}">
+              <a14:hiddenLine xmlns:a14="http://schemas.microsoft.com/office/drawing/2010/main" w="9525">
+                <a:solidFill>
+                  <a:srgbClr val="000000"/>
+                </a:solidFill>
+                <a:miter lim="800000"/>
+                <a:headEnd/>
+                <a:tailEnd/>
+              </a14:hiddenLine>
+            </a:ext>
+            <a:ext uri="{AF507438-7753-43E0-B8FC-AC1667EBCBE1}">
+              <a14:hiddenEffects xmlns:a14="http://schemas.microsoft.com/office/drawing/2010/main">
+                <a:effectLst>
+                  <a:outerShdw dist="35921" dir="2700000" algn="ctr" rotWithShape="0">
+                    <a:srgbClr val="808080">
+                      <a:alpha val="74997"/>
+                    </a:srgbClr>
+                  </a:outerShdw>
+                </a:effectLst>
+              </a14:hiddenEffects>
+            </a:ext>
+          </a:extLst>
+        </p:spPr>
+      </p:pic>
+    </p:spTree>
+    <p:extLst>
+      <p:ext uri="{BB962C8B-B14F-4D97-AF65-F5344CB8AC3E}">
+        <p14:creationId xmlns:p14="http://schemas.microsoft.com/office/powerpoint/2010/main" val="598433456"/>
+      </p:ext>
+    </p:extLst>
+  </p:cSld>
+  <p:clrMapOvr>
+    <a:masterClrMapping/>
+  </p:clrMapOvr>
+  <p:timing>
+    <p:tnLst>
+      <p:par>
+        <p:cTn id="1" dur="indefinite" restart="never" nodeType="tmRoot">
+          <p:childTnLst>
+            <p:seq concurrent="1" nextAc="seek">
+              <p:cTn id="2" dur="indefinite" nodeType="mainSeq">
+                <p:childTnLst>
+                  <p:par>
+                    <p:cTn id="3" fill="hold">
+                      <p:stCondLst>
+                        <p:cond delay="indefinite"/>
+                      </p:stCondLst>
+                      <p:childTnLst>
+                        <p:par>
+                          <p:cTn id="4" fill="hold">
+                            <p:stCondLst>
+                              <p:cond delay="0"/>
+                            </p:stCondLst>
+                            <p:childTnLst>
+                              <p:par>
+                                <p:cTn id="5" presetID="1" presetClass="entr" presetSubtype="0" fill="hold" nodeType="clickEffect">
+                                  <p:stCondLst>
+                                    <p:cond delay="0"/>
+                                  </p:stCondLst>
+                                  <p:childTnLst>
+                                    <p:set>
+                                      <p:cBhvr>
+                                        <p:cTn id="6" dur="1" fill="hold">
+                                          <p:stCondLst>
+                                            <p:cond delay="0"/>
+                                          </p:stCondLst>
+                                        </p:cTn>
+                                        <p:tgtEl>
+                                          <p:spTgt spid="26627"/>
+                                        </p:tgtEl>
+                                        <p:attrNameLst>
+                                          <p:attrName>style.visibility</p:attrName>
+                                        </p:attrNameLst>
+                                      </p:cBhvr>
+                                      <p:to>
+                                        <p:strVal val="visible"/>
+                                      </p:to>
+                                    </p:set>
+                                  </p:childTnLst>
+                                </p:cTn>
+                              </p:par>
+                            </p:childTnLst>
+                          </p:cTn>
+                        </p:par>
+                      </p:childTnLst>
+                    </p:cTn>
+                  </p:par>
+                </p:childTnLst>
+              </p:cTn>
+              <p:prevCondLst>
+                <p:cond evt="onPrev" delay="0">
+                  <p:tgtEl>
+                    <p:sldTgt/>
+                  </p:tgtEl>
+                </p:cond>
+              </p:prevCondLst>
+              <p:nextCondLst>
+                <p:cond evt="onNext" delay="0">
+                  <p:tgtEl>
+                    <p:sldTgt/>
+                  </p:tgtEl>
+                </p:cond>
+              </p:nextCondLst>
+            </p:seq>
+          </p:childTnLst>
+        </p:cTn>
+      </p:par>
+    </p:tnLst>
+  </p:timing>
+</p:sld>
+</file>
+
+<file path=ppt/slides/slide13.xml><?xml version="1.0" encoding="utf-8"?>
+<p:sld xmlns:a="http://schemas.openxmlformats.org/drawingml/2006/main" xmlns:r="http://schemas.openxmlformats.org/officeDocument/2006/relationships" xmlns:p="http://schemas.openxmlformats.org/presentationml/2006/main">
+  <p:cSld>
+    <p:spTree>
+      <p:nvGrpSpPr>
         <p:cNvPr id="1" name=""/>
         <p:cNvGrpSpPr/>
         <p:nvPr/>
@@ -6599,7 +7810,7 @@
 </p:sld>
 </file>
 
-<file path=ppt/slides/slide11.xml><?xml version="1.0" encoding="utf-8"?>
+<file path=ppt/slides/slide14.xml><?xml version="1.0" encoding="utf-8"?>
 <p:sld xmlns:a="http://schemas.openxmlformats.org/drawingml/2006/main" xmlns:r="http://schemas.openxmlformats.org/officeDocument/2006/relationships" xmlns:p="http://schemas.openxmlformats.org/presentationml/2006/main">
   <p:cSld>
     <p:spTree>
@@ -7006,7 +8217,7 @@
 </p:sld>
 </file>
 
-<file path=ppt/slides/slide12.xml><?xml version="1.0" encoding="utf-8"?>
+<file path=ppt/slides/slide15.xml><?xml version="1.0" encoding="utf-8"?>
 <p:sld xmlns:a="http://schemas.openxmlformats.org/drawingml/2006/main" xmlns:r="http://schemas.openxmlformats.org/officeDocument/2006/relationships" xmlns:p="http://schemas.openxmlformats.org/presentationml/2006/main">
   <p:cSld>
     <p:spTree>
@@ -7570,7 +8781,7 @@
 </p:sld>
 </file>
 
-<file path=ppt/slides/slide13.xml><?xml version="1.0" encoding="utf-8"?>
+<file path=ppt/slides/slide16.xml><?xml version="1.0" encoding="utf-8"?>
 <p:sld xmlns:a="http://schemas.openxmlformats.org/drawingml/2006/main" xmlns:r="http://schemas.openxmlformats.org/officeDocument/2006/relationships" xmlns:p="http://schemas.openxmlformats.org/presentationml/2006/main">
   <p:cSld>
     <p:spTree>
@@ -8151,7 +9362,7 @@
 </p:sld>
 </file>
 
-<file path=ppt/slides/slide14.xml><?xml version="1.0" encoding="utf-8"?>
+<file path=ppt/slides/slide17.xml><?xml version="1.0" encoding="utf-8"?>
 <p:sld xmlns:a="http://schemas.openxmlformats.org/drawingml/2006/main" xmlns:r="http://schemas.openxmlformats.org/officeDocument/2006/relationships" xmlns:p="http://schemas.openxmlformats.org/presentationml/2006/main">
   <p:cSld>
     <p:spTree>
@@ -8827,7 +10038,7 @@
 </p:sld>
 </file>
 
-<file path=ppt/slides/slide15.xml><?xml version="1.0" encoding="utf-8"?>
+<file path=ppt/slides/slide18.xml><?xml version="1.0" encoding="utf-8"?>
 <p:sld xmlns:a="http://schemas.openxmlformats.org/drawingml/2006/main" xmlns:r="http://schemas.openxmlformats.org/officeDocument/2006/relationships" xmlns:p="http://schemas.openxmlformats.org/presentationml/2006/main">
   <p:cSld>
     <p:spTree>
@@ -10035,7 +11246,7 @@
 </p:sld>
 </file>
 
-<file path=ppt/slides/slide16.xml><?xml version="1.0" encoding="utf-8"?>
+<file path=ppt/slides/slide19.xml><?xml version="1.0" encoding="utf-8"?>
 <p:sld xmlns:a="http://schemas.openxmlformats.org/drawingml/2006/main" xmlns:r="http://schemas.openxmlformats.org/officeDocument/2006/relationships" xmlns:p="http://schemas.openxmlformats.org/presentationml/2006/main">
   <p:cSld>
     <p:spTree>
@@ -10197,7 +11408,7 @@
           <a:p>
             <a:fld id="{D57F1E4F-1CFF-5643-939E-02111984F565}" type="slidenum">
               <a:rPr lang="en-US" smtClean="0"/>
-              <a:t>16</a:t>
+              <a:t>19</a:t>
             </a:fld>
             <a:endParaRPr lang="en-US" dirty="0"/>
           </a:p>
@@ -10213,995 +11424,6 @@
   <p:clrMapOvr>
     <a:masterClrMapping/>
   </p:clrMapOvr>
-</p:sld>
-</file>
-
-<file path=ppt/slides/slide17.xml><?xml version="1.0" encoding="utf-8"?>
-<p:sld xmlns:a="http://schemas.openxmlformats.org/drawingml/2006/main" xmlns:r="http://schemas.openxmlformats.org/officeDocument/2006/relationships" xmlns:p="http://schemas.openxmlformats.org/presentationml/2006/main">
-  <p:cSld>
-    <p:spTree>
-      <p:nvGrpSpPr>
-        <p:cNvPr id="1" name=""/>
-        <p:cNvGrpSpPr/>
-        <p:nvPr/>
-      </p:nvGrpSpPr>
-      <p:grpSpPr>
-        <a:xfrm>
-          <a:off x="0" y="0"/>
-          <a:ext cx="0" cy="0"/>
-          <a:chOff x="0" y="0"/>
-          <a:chExt cx="0" cy="0"/>
-        </a:xfrm>
-      </p:grpSpPr>
-      <p:sp>
-        <p:nvSpPr>
-          <p:cNvPr id="2" name="Title 1">
-            <a:extLst>
-              <a:ext uri="{FF2B5EF4-FFF2-40B4-BE49-F238E27FC236}">
-                <a16:creationId xmlns:a16="http://schemas.microsoft.com/office/drawing/2014/main" id="{893AF10F-C12D-6B4A-84C5-206A244BF7C6}"/>
-              </a:ext>
-            </a:extLst>
-          </p:cNvPr>
-          <p:cNvSpPr>
-            <a:spLocks noGrp="1"/>
-          </p:cNvSpPr>
-          <p:nvPr>
-            <p:ph type="title"/>
-          </p:nvPr>
-        </p:nvSpPr>
-        <p:spPr>
-          <a:xfrm>
-            <a:off x="73947" y="15066"/>
-            <a:ext cx="7886700" cy="841376"/>
-          </a:xfrm>
-        </p:spPr>
-        <p:txBody>
-          <a:bodyPr/>
-          <a:lstStyle/>
-          <a:p>
-            <a:r>
-              <a:rPr lang="en-US" dirty="0"/>
-              <a:t>Overflow Error</a:t>
-            </a:r>
-          </a:p>
-        </p:txBody>
-      </p:sp>
-      <p:sp>
-        <p:nvSpPr>
-          <p:cNvPr id="3" name="Content Placeholder 2">
-            <a:extLst>
-              <a:ext uri="{FF2B5EF4-FFF2-40B4-BE49-F238E27FC236}">
-                <a16:creationId xmlns:a16="http://schemas.microsoft.com/office/drawing/2014/main" id="{8EE44610-8AB0-B84C-9003-2B8BA850F328}"/>
-              </a:ext>
-            </a:extLst>
-          </p:cNvPr>
-          <p:cNvSpPr>
-            <a:spLocks noGrp="1"/>
-          </p:cNvSpPr>
-          <p:nvPr>
-            <p:ph idx="1"/>
-          </p:nvPr>
-        </p:nvSpPr>
-        <p:spPr>
-          <a:xfrm>
-            <a:off x="196645" y="855406"/>
-            <a:ext cx="8873408" cy="4745824"/>
-          </a:xfrm>
-        </p:spPr>
-        <p:txBody>
-          <a:bodyPr/>
-          <a:lstStyle/>
-          <a:p>
-            <a:pPr marL="0" indent="0">
-              <a:buNone/>
-            </a:pPr>
-            <a:r>
-              <a:rPr lang="en-US" dirty="0"/>
-              <a:t>The formula to calculate the largest number stored using n bits is 2^n – 1. </a:t>
-            </a:r>
-          </a:p>
-          <a:p>
-            <a:pPr marL="0" indent="0">
-              <a:buNone/>
-            </a:pPr>
-            <a:endParaRPr lang="en-US" dirty="0"/>
-          </a:p>
-          <a:p>
-            <a:pPr marL="0" indent="0">
-              <a:buNone/>
-            </a:pPr>
-            <a:r>
-              <a:rPr lang="en-US" dirty="0"/>
-              <a:t>Example 1:</a:t>
-            </a:r>
-          </a:p>
-          <a:p>
-            <a:pPr marL="0" indent="0">
-              <a:buNone/>
-            </a:pPr>
-            <a:r>
-              <a:rPr lang="en-US" dirty="0"/>
-              <a:t>With 4 bits, the largest integer that can be stored is 2^4 - 1 = 15.</a:t>
-            </a:r>
-          </a:p>
-          <a:p>
-            <a:pPr marL="0" indent="0">
-              <a:buNone/>
-            </a:pPr>
-            <a:endParaRPr lang="en-US" dirty="0"/>
-          </a:p>
-          <a:p>
-            <a:pPr marL="0" indent="0">
-              <a:buNone/>
-            </a:pPr>
-            <a:r>
-              <a:rPr lang="en-US" dirty="0"/>
-              <a:t>Example 2:</a:t>
-            </a:r>
-          </a:p>
-          <a:p>
-            <a:pPr marL="0" indent="0">
-              <a:buNone/>
-            </a:pPr>
-            <a:r>
-              <a:rPr lang="en-US" dirty="0"/>
-              <a:t>A 4-bit integer can any value in {0,1,2,..,15}. Thus, storing the value of 10 + 6 = 16 would cause an overflow error since the 16 = 10000 requires at least 5 bits. </a:t>
-            </a:r>
-          </a:p>
-          <a:p>
-            <a:pPr marL="0" indent="0">
-              <a:buNone/>
-            </a:pPr>
-            <a:endParaRPr lang="en-US" dirty="0"/>
-          </a:p>
-          <a:p>
-            <a:pPr marL="0" indent="0">
-              <a:buNone/>
-            </a:pPr>
-            <a:r>
-              <a:rPr lang="en-US" dirty="0"/>
-              <a:t>Example 3:</a:t>
-            </a:r>
-          </a:p>
-          <a:p>
-            <a:pPr marL="0" indent="0">
-              <a:buNone/>
-            </a:pPr>
-            <a:r>
-              <a:rPr lang="en-US" dirty="0"/>
-              <a:t>If x is a 3-bit integer, then x = 111 + 111 will cause an overflow error since the sum is 1110 which requires at least 4 bits.</a:t>
-            </a:r>
-          </a:p>
-        </p:txBody>
-      </p:sp>
-      <p:sp>
-        <p:nvSpPr>
-          <p:cNvPr id="4" name="Slide Number Placeholder 3">
-            <a:extLst>
-              <a:ext uri="{FF2B5EF4-FFF2-40B4-BE49-F238E27FC236}">
-                <a16:creationId xmlns:a16="http://schemas.microsoft.com/office/drawing/2014/main" id="{75C7B0F0-6928-7047-81B0-E8C50BC3208B}"/>
-              </a:ext>
-            </a:extLst>
-          </p:cNvPr>
-          <p:cNvSpPr>
-            <a:spLocks noGrp="1"/>
-          </p:cNvSpPr>
-          <p:nvPr>
-            <p:ph type="sldNum" sz="quarter" idx="12"/>
-          </p:nvPr>
-        </p:nvSpPr>
-        <p:spPr/>
-        <p:txBody>
-          <a:bodyPr/>
-          <a:lstStyle/>
-          <a:p>
-            <a:fld id="{D57F1E4F-1CFF-5643-939E-02111984F565}" type="slidenum">
-              <a:rPr lang="en-US" smtClean="0"/>
-              <a:t>17</a:t>
-            </a:fld>
-            <a:endParaRPr lang="en-US" dirty="0"/>
-          </a:p>
-        </p:txBody>
-      </p:sp>
-      <p:sp>
-        <p:nvSpPr>
-          <p:cNvPr id="6" name="TextBox 5">
-            <a:extLst>
-              <a:ext uri="{FF2B5EF4-FFF2-40B4-BE49-F238E27FC236}">
-                <a16:creationId xmlns:a16="http://schemas.microsoft.com/office/drawing/2014/main" id="{F2DE35F1-B009-034E-A058-765EBEEB9217}"/>
-              </a:ext>
-            </a:extLst>
-          </p:cNvPr>
-          <p:cNvSpPr txBox="1"/>
-          <p:nvPr/>
-        </p:nvSpPr>
-        <p:spPr>
-          <a:xfrm>
-            <a:off x="-6300592" y="-3106455"/>
-            <a:ext cx="184731" cy="308418"/>
-          </a:xfrm>
-          <a:prstGeom prst="rect">
-            <a:avLst/>
-          </a:prstGeom>
-          <a:noFill/>
-        </p:spPr>
-        <p:txBody>
-          <a:bodyPr wrap="none" rtlCol="0">
-            <a:spAutoFit/>
-          </a:bodyPr>
-          <a:lstStyle/>
-          <a:p>
-            <a:endParaRPr lang="en-US"/>
-          </a:p>
-        </p:txBody>
-      </p:sp>
-    </p:spTree>
-    <p:extLst>
-      <p:ext uri="{BB962C8B-B14F-4D97-AF65-F5344CB8AC3E}">
-        <p14:creationId xmlns:p14="http://schemas.microsoft.com/office/powerpoint/2010/main" val="3323891907"/>
-      </p:ext>
-    </p:extLst>
-  </p:cSld>
-  <p:clrMapOvr>
-    <a:masterClrMapping/>
-  </p:clrMapOvr>
-</p:sld>
-</file>
-
-<file path=ppt/slides/slide18.xml><?xml version="1.0" encoding="utf-8"?>
-<p:sld xmlns:a="http://schemas.openxmlformats.org/drawingml/2006/main" xmlns:r="http://schemas.openxmlformats.org/officeDocument/2006/relationships" xmlns:p="http://schemas.openxmlformats.org/presentationml/2006/main">
-  <p:cSld>
-    <p:spTree>
-      <p:nvGrpSpPr>
-        <p:cNvPr id="1" name=""/>
-        <p:cNvGrpSpPr/>
-        <p:nvPr/>
-      </p:nvGrpSpPr>
-      <p:grpSpPr>
-        <a:xfrm>
-          <a:off x="0" y="0"/>
-          <a:ext cx="0" cy="0"/>
-          <a:chOff x="0" y="0"/>
-          <a:chExt cx="0" cy="0"/>
-        </a:xfrm>
-      </p:grpSpPr>
-      <p:sp>
-        <p:nvSpPr>
-          <p:cNvPr id="3" name="Content Placeholder 2">
-            <a:extLst>
-              <a:ext uri="{FF2B5EF4-FFF2-40B4-BE49-F238E27FC236}">
-                <a16:creationId xmlns:a16="http://schemas.microsoft.com/office/drawing/2014/main" id="{9B071422-AD72-304B-9DED-839E5307DF2B}"/>
-              </a:ext>
-            </a:extLst>
-          </p:cNvPr>
-          <p:cNvSpPr>
-            <a:spLocks noGrp="1"/>
-          </p:cNvSpPr>
-          <p:nvPr>
-            <p:ph idx="1"/>
-          </p:nvPr>
-        </p:nvSpPr>
-        <p:spPr>
-          <a:xfrm>
-            <a:off x="73947" y="856442"/>
-            <a:ext cx="8441403" cy="4291027"/>
-          </a:xfrm>
-        </p:spPr>
-        <p:txBody>
-          <a:bodyPr/>
-          <a:lstStyle/>
-          <a:p>
-            <a:pPr marL="0" indent="0">
-              <a:buNone/>
-            </a:pPr>
-            <a:endParaRPr lang="en-US" dirty="0"/>
-          </a:p>
-          <a:p>
-            <a:pPr marL="0" indent="0">
-              <a:buNone/>
-            </a:pPr>
-            <a:r>
-              <a:rPr lang="en-US" dirty="0"/>
-              <a:t>A fixed number of bits is used to store real numbers. Because of this limitation, round-off errors can occur. </a:t>
-            </a:r>
-          </a:p>
-          <a:p>
-            <a:pPr marL="0" indent="0">
-              <a:buNone/>
-            </a:pPr>
-            <a:endParaRPr lang="en-US" dirty="0"/>
-          </a:p>
-          <a:p>
-            <a:pPr marL="0" indent="0">
-              <a:buNone/>
-            </a:pPr>
-            <a:r>
-              <a:rPr lang="en-US" dirty="0"/>
-              <a:t>Python computes 1/3 as 0.3333333333333333. This value is only an approximation of 1/3 which is an infinitely repeating decimal. </a:t>
-            </a:r>
-          </a:p>
-          <a:p>
-            <a:pPr marL="0" indent="0">
-              <a:buNone/>
-            </a:pPr>
-            <a:r>
-              <a:rPr lang="en-US" dirty="0"/>
-              <a:t> </a:t>
-            </a:r>
-          </a:p>
-          <a:p>
-            <a:pPr marL="0" indent="0">
-              <a:buNone/>
-            </a:pPr>
-            <a:r>
-              <a:rPr lang="en-US" b="1" dirty="0"/>
-              <a:t>Round-off error </a:t>
-            </a:r>
-            <a:r>
-              <a:rPr lang="en-US" dirty="0"/>
-              <a:t>occurs when decimals (real numbers) are rounded. </a:t>
-            </a:r>
-          </a:p>
-          <a:p>
-            <a:pPr marL="0" indent="0">
-              <a:buNone/>
-            </a:pPr>
-            <a:endParaRPr lang="en-US" dirty="0"/>
-          </a:p>
-          <a:p>
-            <a:pPr marL="0" indent="0">
-              <a:buNone/>
-            </a:pPr>
-            <a:endParaRPr lang="en-US" dirty="0"/>
-          </a:p>
-        </p:txBody>
-      </p:sp>
-      <p:sp>
-        <p:nvSpPr>
-          <p:cNvPr id="4" name="Slide Number Placeholder 3">
-            <a:extLst>
-              <a:ext uri="{FF2B5EF4-FFF2-40B4-BE49-F238E27FC236}">
-                <a16:creationId xmlns:a16="http://schemas.microsoft.com/office/drawing/2014/main" id="{E1B4D9A6-ED34-F346-94E7-068B66748D8C}"/>
-              </a:ext>
-            </a:extLst>
-          </p:cNvPr>
-          <p:cNvSpPr>
-            <a:spLocks noGrp="1"/>
-          </p:cNvSpPr>
-          <p:nvPr>
-            <p:ph type="sldNum" sz="quarter" idx="12"/>
-          </p:nvPr>
-        </p:nvSpPr>
-        <p:spPr/>
-        <p:txBody>
-          <a:bodyPr/>
-          <a:lstStyle/>
-          <a:p>
-            <a:fld id="{D57F1E4F-1CFF-5643-939E-02111984F565}" type="slidenum">
-              <a:rPr lang="en-US" smtClean="0"/>
-              <a:t>18</a:t>
-            </a:fld>
-            <a:endParaRPr lang="en-US" dirty="0"/>
-          </a:p>
-        </p:txBody>
-      </p:sp>
-      <p:sp>
-        <p:nvSpPr>
-          <p:cNvPr id="5" name="Title 1">
-            <a:extLst>
-              <a:ext uri="{FF2B5EF4-FFF2-40B4-BE49-F238E27FC236}">
-                <a16:creationId xmlns:a16="http://schemas.microsoft.com/office/drawing/2014/main" id="{EFF5F4AD-D9C7-1040-B066-A50136540666}"/>
-              </a:ext>
-            </a:extLst>
-          </p:cNvPr>
-          <p:cNvSpPr>
-            <a:spLocks noGrp="1"/>
-          </p:cNvSpPr>
-          <p:nvPr>
-            <p:ph type="title"/>
-          </p:nvPr>
-        </p:nvSpPr>
-        <p:spPr>
-          <a:xfrm>
-            <a:off x="73947" y="15066"/>
-            <a:ext cx="7886700" cy="841376"/>
-          </a:xfrm>
-        </p:spPr>
-        <p:txBody>
-          <a:bodyPr/>
-          <a:lstStyle/>
-          <a:p>
-            <a:r>
-              <a:rPr lang="en-US" dirty="0"/>
-              <a:t>Round Off Errors</a:t>
-            </a:r>
-          </a:p>
-        </p:txBody>
-      </p:sp>
-    </p:spTree>
-    <p:extLst>
-      <p:ext uri="{BB962C8B-B14F-4D97-AF65-F5344CB8AC3E}">
-        <p14:creationId xmlns:p14="http://schemas.microsoft.com/office/powerpoint/2010/main" val="2605170431"/>
-      </p:ext>
-    </p:extLst>
-  </p:cSld>
-  <p:clrMapOvr>
-    <a:masterClrMapping/>
-  </p:clrMapOvr>
-</p:sld>
-</file>
-
-<file path=ppt/slides/slide19.xml><?xml version="1.0" encoding="utf-8"?>
-<p:sld xmlns:a="http://schemas.openxmlformats.org/drawingml/2006/main" xmlns:r="http://schemas.openxmlformats.org/officeDocument/2006/relationships" xmlns:p="http://schemas.openxmlformats.org/presentationml/2006/main">
-  <p:cSld>
-    <p:spTree>
-      <p:nvGrpSpPr>
-        <p:cNvPr id="1" name=""/>
-        <p:cNvGrpSpPr/>
-        <p:nvPr/>
-      </p:nvGrpSpPr>
-      <p:grpSpPr>
-        <a:xfrm>
-          <a:off x="0" y="0"/>
-          <a:ext cx="0" cy="0"/>
-          <a:chOff x="0" y="0"/>
-          <a:chExt cx="0" cy="0"/>
-        </a:xfrm>
-      </p:grpSpPr>
-      <p:sp>
-        <p:nvSpPr>
-          <p:cNvPr id="21505" name="Title 1">
-            <a:extLst>
-              <a:ext uri="{FF2B5EF4-FFF2-40B4-BE49-F238E27FC236}">
-                <a16:creationId xmlns:a16="http://schemas.microsoft.com/office/drawing/2014/main" id="{BCBA125C-ACA7-FB47-96FC-9420F821AD81}"/>
-              </a:ext>
-            </a:extLst>
-          </p:cNvPr>
-          <p:cNvSpPr>
-            <a:spLocks noGrp="1" noChangeArrowheads="1"/>
-          </p:cNvSpPr>
-          <p:nvPr>
-            <p:ph type="title"/>
-          </p:nvPr>
-        </p:nvSpPr>
-        <p:spPr>
-          <a:xfrm>
-            <a:off x="51276" y="94002"/>
-            <a:ext cx="7886700" cy="605602"/>
-          </a:xfrm>
-        </p:spPr>
-        <p:txBody>
-          <a:bodyPr/>
-          <a:lstStyle/>
-          <a:p>
-            <a:pPr eaLnBrk="1" hangingPunct="1"/>
-            <a:r>
-              <a:rPr lang="en-US" altLang="en-US" dirty="0">
-                <a:ea typeface="ＭＳ Ｐゴシック" panose="020B0600070205080204" pitchFamily="34" charset="-128"/>
-              </a:rPr>
-              <a:t>Abstraction</a:t>
-            </a:r>
-          </a:p>
-        </p:txBody>
-      </p:sp>
-      <p:sp>
-        <p:nvSpPr>
-          <p:cNvPr id="3" name="Content Placeholder 2">
-            <a:extLst>
-              <a:ext uri="{FF2B5EF4-FFF2-40B4-BE49-F238E27FC236}">
-                <a16:creationId xmlns:a16="http://schemas.microsoft.com/office/drawing/2014/main" id="{44A58473-3189-0C44-8A5E-E353CDFB3E5C}"/>
-              </a:ext>
-            </a:extLst>
-          </p:cNvPr>
-          <p:cNvSpPr>
-            <a:spLocks noGrp="1" noChangeArrowheads="1"/>
-          </p:cNvSpPr>
-          <p:nvPr>
-            <p:ph idx="1"/>
-          </p:nvPr>
-        </p:nvSpPr>
-        <p:spPr>
-          <a:xfrm>
-            <a:off x="107355" y="699604"/>
-            <a:ext cx="8985369" cy="4929936"/>
-          </a:xfrm>
-        </p:spPr>
-        <p:txBody>
-          <a:bodyPr/>
-          <a:lstStyle/>
-          <a:p>
-            <a:pPr marL="0" indent="0">
-              <a:buNone/>
-            </a:pPr>
-            <a:r>
-              <a:rPr lang="en-US" b="1" dirty="0"/>
-              <a:t>Abstraction</a:t>
-            </a:r>
-            <a:r>
-              <a:rPr lang="en-US" i="1" dirty="0"/>
-              <a:t> </a:t>
-            </a:r>
-            <a:r>
-              <a:rPr lang="en-US" dirty="0"/>
-              <a:t>is the process of reducing complexity by focusing on the main idea.</a:t>
-            </a:r>
-            <a:br>
-              <a:rPr lang="en-US" dirty="0"/>
-            </a:br>
-            <a:endParaRPr lang="en-US" dirty="0"/>
-          </a:p>
-          <a:p>
-            <a:pPr marL="0" indent="0">
-              <a:buNone/>
-            </a:pPr>
-            <a:r>
-              <a:rPr lang="en-US" dirty="0"/>
-              <a:t>By hiding details irrelevant to the question at hand and bringing together related and useful details, abstraction reduces complexity and allows one to focus on the idea. </a:t>
-            </a:r>
-            <a:endParaRPr lang="en-US" sz="2000" dirty="0"/>
-          </a:p>
-          <a:p>
-            <a:pPr marL="0" indent="0">
-              <a:buNone/>
-            </a:pPr>
-            <a:endParaRPr lang="en-US" altLang="en-US" sz="1833" dirty="0">
-              <a:latin typeface="Tahoma" panose="020B0604030504040204" pitchFamily="34" charset="0"/>
-              <a:ea typeface="ＭＳ Ｐゴシック" panose="020B0600070205080204" pitchFamily="34" charset="-128"/>
-            </a:endParaRPr>
-          </a:p>
-          <a:p>
-            <a:pPr marL="0" indent="0">
-              <a:buNone/>
-            </a:pPr>
-            <a:r>
-              <a:rPr lang="en-US" altLang="en-US" sz="2000" dirty="0">
-                <a:latin typeface="Gill Sans MT" panose="020B0502020104020203" pitchFamily="34" charset="77"/>
-                <a:ea typeface="ＭＳ Ｐゴシック" panose="020B0600070205080204" pitchFamily="34" charset="-128"/>
-              </a:rPr>
-              <a:t>One type of abstraction we saw was </a:t>
-            </a:r>
-            <a:r>
-              <a:rPr lang="en-US" sz="2000" b="1" dirty="0">
-                <a:latin typeface="Gill Sans MT" panose="020B0502020104020203" pitchFamily="34" charset="77"/>
-              </a:rPr>
-              <a:t>procedural abstraction</a:t>
-            </a:r>
-            <a:r>
-              <a:rPr lang="en-US" sz="2000" dirty="0">
-                <a:latin typeface="Gill Sans MT" panose="020B0502020104020203" pitchFamily="34" charset="77"/>
-              </a:rPr>
-              <a:t>, which provides a name for a procedure(function) and allows it to be used only knowing what it does, not how it does it. </a:t>
-            </a:r>
-          </a:p>
-          <a:p>
-            <a:pPr marL="0" indent="0">
-              <a:buNone/>
-            </a:pPr>
-            <a:endParaRPr lang="en-US" altLang="en-US" sz="1833" dirty="0">
-              <a:latin typeface="Tahoma" panose="020B0604030504040204" pitchFamily="34" charset="0"/>
-              <a:ea typeface="ＭＳ Ｐゴシック" panose="020B0600070205080204" pitchFamily="34" charset="-128"/>
-            </a:endParaRPr>
-          </a:p>
-          <a:p>
-            <a:pPr marL="0" indent="0">
-              <a:buNone/>
-            </a:pPr>
-            <a:r>
-              <a:rPr lang="en-US" sz="1800" b="1" dirty="0">
-                <a:latin typeface="INCONSOLATA" panose="020B0609030003000000" pitchFamily="49" charset="77"/>
-              </a:rPr>
-              <a:t>import random</a:t>
-            </a:r>
-          </a:p>
-          <a:p>
-            <a:pPr marL="0" indent="0">
-              <a:buNone/>
-            </a:pPr>
-            <a:r>
-              <a:rPr lang="en-US" sz="1800" b="1" dirty="0">
-                <a:latin typeface="INCONSOLATA" panose="020B0609030003000000" pitchFamily="49" charset="77"/>
-              </a:rPr>
-              <a:t>print(</a:t>
-            </a:r>
-            <a:r>
-              <a:rPr lang="en-US" sz="1800" b="1" dirty="0" err="1">
-                <a:latin typeface="INCONSOLATA" panose="020B0609030003000000" pitchFamily="49" charset="77"/>
-              </a:rPr>
-              <a:t>random.randrange</a:t>
-            </a:r>
-            <a:r>
-              <a:rPr lang="en-US" sz="1800" b="1" dirty="0">
-                <a:latin typeface="INCONSOLATA" panose="020B0609030003000000" pitchFamily="49" charset="77"/>
-              </a:rPr>
-              <a:t>(10)) </a:t>
-            </a:r>
-            <a:r>
-              <a:rPr lang="en-US" sz="1800" b="1" dirty="0">
-                <a:solidFill>
-                  <a:schemeClr val="accent6"/>
-                </a:solidFill>
-                <a:latin typeface="INCONSOLATA" panose="020B0609030003000000" pitchFamily="49" charset="77"/>
-              </a:rPr>
-              <a:t># random number from 0 - 9</a:t>
-            </a:r>
-          </a:p>
-          <a:p>
-            <a:pPr marL="0" indent="0">
-              <a:buNone/>
-            </a:pPr>
-            <a:endParaRPr lang="en-US" sz="1800" b="1" dirty="0">
-              <a:latin typeface="INCONSOLATA" panose="020B0609030003000000" pitchFamily="49" charset="77"/>
-            </a:endParaRPr>
-          </a:p>
-          <a:p>
-            <a:pPr marL="0" indent="0">
-              <a:buNone/>
-            </a:pPr>
-            <a:r>
-              <a:rPr lang="en-US" sz="1800" dirty="0">
-                <a:latin typeface="Gill Sans MT" panose="020B0502020104020203" pitchFamily="34" charset="77"/>
-              </a:rPr>
-              <a:t>We don't need to know how the </a:t>
-            </a:r>
-            <a:r>
-              <a:rPr lang="en-US" sz="1800" dirty="0" err="1">
-                <a:latin typeface="Gill Sans MT" panose="020B0502020104020203" pitchFamily="34" charset="77"/>
-              </a:rPr>
-              <a:t>randrange</a:t>
-            </a:r>
-            <a:r>
-              <a:rPr lang="en-US" sz="1800" dirty="0">
-                <a:latin typeface="Gill Sans MT" panose="020B0502020104020203" pitchFamily="34" charset="77"/>
-              </a:rPr>
-              <a:t>() function is implemented to be able use it. </a:t>
-            </a:r>
-            <a:endParaRPr lang="en-US" sz="1800" dirty="0"/>
-          </a:p>
-          <a:p>
-            <a:pPr marL="0" indent="0">
-              <a:buNone/>
-            </a:pPr>
-            <a:endParaRPr lang="en-US" altLang="en-US" sz="1833" dirty="0">
-              <a:latin typeface="Tahoma" panose="020B0604030504040204" pitchFamily="34" charset="0"/>
-              <a:ea typeface="ＭＳ Ｐゴシック" panose="020B0600070205080204" pitchFamily="34" charset="-128"/>
-            </a:endParaRPr>
-          </a:p>
-        </p:txBody>
-      </p:sp>
-    </p:spTree>
-    <p:extLst>
-      <p:ext uri="{BB962C8B-B14F-4D97-AF65-F5344CB8AC3E}">
-        <p14:creationId xmlns:p14="http://schemas.microsoft.com/office/powerpoint/2010/main" val="1166836157"/>
-      </p:ext>
-    </p:extLst>
-  </p:cSld>
-  <p:clrMapOvr>
-    <a:masterClrMapping/>
-  </p:clrMapOvr>
-  <p:timing>
-    <p:tnLst>
-      <p:par>
-        <p:cTn id="1" dur="indefinite" restart="never" nodeType="tmRoot">
-          <p:childTnLst>
-            <p:seq concurrent="1" nextAc="seek">
-              <p:cTn id="2" dur="indefinite" nodeType="mainSeq">
-                <p:childTnLst>
-                  <p:par>
-                    <p:cTn id="3" fill="hold" nodeType="clickPar">
-                      <p:stCondLst>
-                        <p:cond delay="indefinite"/>
-                      </p:stCondLst>
-                      <p:childTnLst>
-                        <p:par>
-                          <p:cTn id="4" fill="hold" nodeType="withGroup">
-                            <p:stCondLst>
-                              <p:cond delay="0"/>
-                            </p:stCondLst>
-                            <p:childTnLst>
-                              <p:par>
-                                <p:cTn id="5" presetID="1" presetClass="entr" presetSubtype="0" fill="hold" nodeType="clickEffect">
-                                  <p:stCondLst>
-                                    <p:cond delay="0"/>
-                                  </p:stCondLst>
-                                  <p:childTnLst>
-                                    <p:set>
-                                      <p:cBhvr>
-                                        <p:cTn id="6" dur="1" fill="hold">
-                                          <p:stCondLst>
-                                            <p:cond delay="0"/>
-                                          </p:stCondLst>
-                                        </p:cTn>
-                                        <p:tgtEl>
-                                          <p:spTgt spid="3">
-                                            <p:txEl>
-                                              <p:pRg st="0" end="0"/>
-                                            </p:txEl>
-                                          </p:spTgt>
-                                        </p:tgtEl>
-                                        <p:attrNameLst>
-                                          <p:attrName>style.visibility</p:attrName>
-                                        </p:attrNameLst>
-                                      </p:cBhvr>
-                                      <p:to>
-                                        <p:strVal val="visible"/>
-                                      </p:to>
-                                    </p:set>
-                                  </p:childTnLst>
-                                </p:cTn>
-                              </p:par>
-                            </p:childTnLst>
-                          </p:cTn>
-                        </p:par>
-                      </p:childTnLst>
-                    </p:cTn>
-                  </p:par>
-                  <p:par>
-                    <p:cTn id="7" fill="hold">
-                      <p:stCondLst>
-                        <p:cond delay="indefinite"/>
-                      </p:stCondLst>
-                      <p:childTnLst>
-                        <p:par>
-                          <p:cTn id="8" fill="hold">
-                            <p:stCondLst>
-                              <p:cond delay="0"/>
-                            </p:stCondLst>
-                            <p:childTnLst>
-                              <p:par>
-                                <p:cTn id="9" presetID="1" presetClass="entr" presetSubtype="0" fill="hold" nodeType="clickEffect">
-                                  <p:stCondLst>
-                                    <p:cond delay="0"/>
-                                  </p:stCondLst>
-                                  <p:childTnLst>
-                                    <p:set>
-                                      <p:cBhvr>
-                                        <p:cTn id="10" dur="1" fill="hold">
-                                          <p:stCondLst>
-                                            <p:cond delay="0"/>
-                                          </p:stCondLst>
-                                        </p:cTn>
-                                        <p:tgtEl>
-                                          <p:spTgt spid="3">
-                                            <p:txEl>
-                                              <p:pRg st="1" end="1"/>
-                                            </p:txEl>
-                                          </p:spTgt>
-                                        </p:tgtEl>
-                                        <p:attrNameLst>
-                                          <p:attrName>style.visibility</p:attrName>
-                                        </p:attrNameLst>
-                                      </p:cBhvr>
-                                      <p:to>
-                                        <p:strVal val="visible"/>
-                                      </p:to>
-                                    </p:set>
-                                  </p:childTnLst>
-                                </p:cTn>
-                              </p:par>
-                            </p:childTnLst>
-                          </p:cTn>
-                        </p:par>
-                      </p:childTnLst>
-                    </p:cTn>
-                  </p:par>
-                  <p:par>
-                    <p:cTn id="11" fill="hold">
-                      <p:stCondLst>
-                        <p:cond delay="indefinite"/>
-                      </p:stCondLst>
-                      <p:childTnLst>
-                        <p:par>
-                          <p:cTn id="12" fill="hold">
-                            <p:stCondLst>
-                              <p:cond delay="0"/>
-                            </p:stCondLst>
-                            <p:childTnLst>
-                              <p:par>
-                                <p:cTn id="13" presetID="1" presetClass="entr" presetSubtype="0" fill="hold" nodeType="clickEffect">
-                                  <p:stCondLst>
-                                    <p:cond delay="0"/>
-                                  </p:stCondLst>
-                                  <p:childTnLst>
-                                    <p:set>
-                                      <p:cBhvr>
-                                        <p:cTn id="14" dur="1" fill="hold">
-                                          <p:stCondLst>
-                                            <p:cond delay="0"/>
-                                          </p:stCondLst>
-                                        </p:cTn>
-                                        <p:tgtEl>
-                                          <p:spTgt spid="3">
-                                            <p:txEl>
-                                              <p:pRg st="3" end="3"/>
-                                            </p:txEl>
-                                          </p:spTgt>
-                                        </p:tgtEl>
-                                        <p:attrNameLst>
-                                          <p:attrName>style.visibility</p:attrName>
-                                        </p:attrNameLst>
-                                      </p:cBhvr>
-                                      <p:to>
-                                        <p:strVal val="visible"/>
-                                      </p:to>
-                                    </p:set>
-                                  </p:childTnLst>
-                                </p:cTn>
-                              </p:par>
-                            </p:childTnLst>
-                          </p:cTn>
-                        </p:par>
-                      </p:childTnLst>
-                    </p:cTn>
-                  </p:par>
-                  <p:par>
-                    <p:cTn id="15" fill="hold">
-                      <p:stCondLst>
-                        <p:cond delay="indefinite"/>
-                      </p:stCondLst>
-                      <p:childTnLst>
-                        <p:par>
-                          <p:cTn id="16" fill="hold">
-                            <p:stCondLst>
-                              <p:cond delay="0"/>
-                            </p:stCondLst>
-                            <p:childTnLst>
-                              <p:par>
-                                <p:cTn id="17" presetID="1" presetClass="entr" presetSubtype="0" fill="hold" nodeType="clickEffect">
-                                  <p:stCondLst>
-                                    <p:cond delay="0"/>
-                                  </p:stCondLst>
-                                  <p:childTnLst>
-                                    <p:set>
-                                      <p:cBhvr>
-                                        <p:cTn id="18" dur="1" fill="hold">
-                                          <p:stCondLst>
-                                            <p:cond delay="0"/>
-                                          </p:stCondLst>
-                                        </p:cTn>
-                                        <p:tgtEl>
-                                          <p:spTgt spid="3">
-                                            <p:txEl>
-                                              <p:pRg st="5" end="5"/>
-                                            </p:txEl>
-                                          </p:spTgt>
-                                        </p:tgtEl>
-                                        <p:attrNameLst>
-                                          <p:attrName>style.visibility</p:attrName>
-                                        </p:attrNameLst>
-                                      </p:cBhvr>
-                                      <p:to>
-                                        <p:strVal val="visible"/>
-                                      </p:to>
-                                    </p:set>
-                                  </p:childTnLst>
-                                </p:cTn>
-                              </p:par>
-                            </p:childTnLst>
-                          </p:cTn>
-                        </p:par>
-                      </p:childTnLst>
-                    </p:cTn>
-                  </p:par>
-                  <p:par>
-                    <p:cTn id="19" fill="hold">
-                      <p:stCondLst>
-                        <p:cond delay="indefinite"/>
-                      </p:stCondLst>
-                      <p:childTnLst>
-                        <p:par>
-                          <p:cTn id="20" fill="hold">
-                            <p:stCondLst>
-                              <p:cond delay="0"/>
-                            </p:stCondLst>
-                            <p:childTnLst>
-                              <p:par>
-                                <p:cTn id="21" presetID="1" presetClass="entr" presetSubtype="0" fill="hold" nodeType="clickEffect">
-                                  <p:stCondLst>
-                                    <p:cond delay="0"/>
-                                  </p:stCondLst>
-                                  <p:childTnLst>
-                                    <p:set>
-                                      <p:cBhvr>
-                                        <p:cTn id="22" dur="1" fill="hold">
-                                          <p:stCondLst>
-                                            <p:cond delay="0"/>
-                                          </p:stCondLst>
-                                        </p:cTn>
-                                        <p:tgtEl>
-                                          <p:spTgt spid="3">
-                                            <p:txEl>
-                                              <p:pRg st="6" end="6"/>
-                                            </p:txEl>
-                                          </p:spTgt>
-                                        </p:tgtEl>
-                                        <p:attrNameLst>
-                                          <p:attrName>style.visibility</p:attrName>
-                                        </p:attrNameLst>
-                                      </p:cBhvr>
-                                      <p:to>
-                                        <p:strVal val="visible"/>
-                                      </p:to>
-                                    </p:set>
-                                  </p:childTnLst>
-                                </p:cTn>
-                              </p:par>
-                            </p:childTnLst>
-                          </p:cTn>
-                        </p:par>
-                      </p:childTnLst>
-                    </p:cTn>
-                  </p:par>
-                  <p:par>
-                    <p:cTn id="23" fill="hold">
-                      <p:stCondLst>
-                        <p:cond delay="indefinite"/>
-                      </p:stCondLst>
-                      <p:childTnLst>
-                        <p:par>
-                          <p:cTn id="24" fill="hold">
-                            <p:stCondLst>
-                              <p:cond delay="0"/>
-                            </p:stCondLst>
-                            <p:childTnLst>
-                              <p:par>
-                                <p:cTn id="25" presetID="1" presetClass="entr" presetSubtype="0" fill="hold" nodeType="clickEffect">
-                                  <p:stCondLst>
-                                    <p:cond delay="0"/>
-                                  </p:stCondLst>
-                                  <p:childTnLst>
-                                    <p:set>
-                                      <p:cBhvr>
-                                        <p:cTn id="26" dur="1" fill="hold">
-                                          <p:stCondLst>
-                                            <p:cond delay="0"/>
-                                          </p:stCondLst>
-                                        </p:cTn>
-                                        <p:tgtEl>
-                                          <p:spTgt spid="3">
-                                            <p:txEl>
-                                              <p:pRg st="8" end="8"/>
-                                            </p:txEl>
-                                          </p:spTgt>
-                                        </p:tgtEl>
-                                        <p:attrNameLst>
-                                          <p:attrName>style.visibility</p:attrName>
-                                        </p:attrNameLst>
-                                      </p:cBhvr>
-                                      <p:to>
-                                        <p:strVal val="visible"/>
-                                      </p:to>
-                                    </p:set>
-                                  </p:childTnLst>
-                                </p:cTn>
-                              </p:par>
-                            </p:childTnLst>
-                          </p:cTn>
-                        </p:par>
-                      </p:childTnLst>
-                    </p:cTn>
-                  </p:par>
-                </p:childTnLst>
-              </p:cTn>
-              <p:prevCondLst>
-                <p:cond evt="onPrev" delay="0">
-                  <p:tgtEl>
-                    <p:sldTgt/>
-                  </p:tgtEl>
-                </p:cond>
-              </p:prevCondLst>
-              <p:nextCondLst>
-                <p:cond evt="onNext" delay="0">
-                  <p:tgtEl>
-                    <p:sldTgt/>
-                  </p:tgtEl>
-                </p:cond>
-              </p:nextCondLst>
-            </p:seq>
-          </p:childTnLst>
-        </p:cTn>
-      </p:par>
-    </p:tnLst>
-  </p:timing>
 </p:sld>
 </file>
 
@@ -11822,6 +12044,995 @@
       </p:grpSpPr>
       <p:sp>
         <p:nvSpPr>
+          <p:cNvPr id="2" name="Title 1">
+            <a:extLst>
+              <a:ext uri="{FF2B5EF4-FFF2-40B4-BE49-F238E27FC236}">
+                <a16:creationId xmlns:a16="http://schemas.microsoft.com/office/drawing/2014/main" id="{893AF10F-C12D-6B4A-84C5-206A244BF7C6}"/>
+              </a:ext>
+            </a:extLst>
+          </p:cNvPr>
+          <p:cNvSpPr>
+            <a:spLocks noGrp="1"/>
+          </p:cNvSpPr>
+          <p:nvPr>
+            <p:ph type="title"/>
+          </p:nvPr>
+        </p:nvSpPr>
+        <p:spPr>
+          <a:xfrm>
+            <a:off x="73947" y="15066"/>
+            <a:ext cx="7886700" cy="841376"/>
+          </a:xfrm>
+        </p:spPr>
+        <p:txBody>
+          <a:bodyPr/>
+          <a:lstStyle/>
+          <a:p>
+            <a:r>
+              <a:rPr lang="en-US" dirty="0"/>
+              <a:t>Overflow Error</a:t>
+            </a:r>
+          </a:p>
+        </p:txBody>
+      </p:sp>
+      <p:sp>
+        <p:nvSpPr>
+          <p:cNvPr id="3" name="Content Placeholder 2">
+            <a:extLst>
+              <a:ext uri="{FF2B5EF4-FFF2-40B4-BE49-F238E27FC236}">
+                <a16:creationId xmlns:a16="http://schemas.microsoft.com/office/drawing/2014/main" id="{8EE44610-8AB0-B84C-9003-2B8BA850F328}"/>
+              </a:ext>
+            </a:extLst>
+          </p:cNvPr>
+          <p:cNvSpPr>
+            <a:spLocks noGrp="1"/>
+          </p:cNvSpPr>
+          <p:nvPr>
+            <p:ph idx="1"/>
+          </p:nvPr>
+        </p:nvSpPr>
+        <p:spPr>
+          <a:xfrm>
+            <a:off x="196645" y="855406"/>
+            <a:ext cx="8873408" cy="4745824"/>
+          </a:xfrm>
+        </p:spPr>
+        <p:txBody>
+          <a:bodyPr/>
+          <a:lstStyle/>
+          <a:p>
+            <a:pPr marL="0" indent="0">
+              <a:buNone/>
+            </a:pPr>
+            <a:r>
+              <a:rPr lang="en-US" dirty="0"/>
+              <a:t>The formula to calculate the largest number stored using n bits is 2^n – 1. </a:t>
+            </a:r>
+          </a:p>
+          <a:p>
+            <a:pPr marL="0" indent="0">
+              <a:buNone/>
+            </a:pPr>
+            <a:endParaRPr lang="en-US" dirty="0"/>
+          </a:p>
+          <a:p>
+            <a:pPr marL="0" indent="0">
+              <a:buNone/>
+            </a:pPr>
+            <a:r>
+              <a:rPr lang="en-US" dirty="0"/>
+              <a:t>Example 1:</a:t>
+            </a:r>
+          </a:p>
+          <a:p>
+            <a:pPr marL="0" indent="0">
+              <a:buNone/>
+            </a:pPr>
+            <a:r>
+              <a:rPr lang="en-US" dirty="0"/>
+              <a:t>With 4 bits, the largest integer that can be stored is 2^4 - 1 = 15.</a:t>
+            </a:r>
+          </a:p>
+          <a:p>
+            <a:pPr marL="0" indent="0">
+              <a:buNone/>
+            </a:pPr>
+            <a:endParaRPr lang="en-US" dirty="0"/>
+          </a:p>
+          <a:p>
+            <a:pPr marL="0" indent="0">
+              <a:buNone/>
+            </a:pPr>
+            <a:r>
+              <a:rPr lang="en-US" dirty="0"/>
+              <a:t>Example 2:</a:t>
+            </a:r>
+          </a:p>
+          <a:p>
+            <a:pPr marL="0" indent="0">
+              <a:buNone/>
+            </a:pPr>
+            <a:r>
+              <a:rPr lang="en-US" dirty="0"/>
+              <a:t>A 4-bit integer can any value in {0,1,2,..,15}. Thus, storing the value of 10 + 6 = 16 would cause an overflow error since the 16 = 10000 requires at least 5 bits. </a:t>
+            </a:r>
+          </a:p>
+          <a:p>
+            <a:pPr marL="0" indent="0">
+              <a:buNone/>
+            </a:pPr>
+            <a:endParaRPr lang="en-US" dirty="0"/>
+          </a:p>
+          <a:p>
+            <a:pPr marL="0" indent="0">
+              <a:buNone/>
+            </a:pPr>
+            <a:r>
+              <a:rPr lang="en-US" dirty="0"/>
+              <a:t>Example 3:</a:t>
+            </a:r>
+          </a:p>
+          <a:p>
+            <a:pPr marL="0" indent="0">
+              <a:buNone/>
+            </a:pPr>
+            <a:r>
+              <a:rPr lang="en-US" dirty="0"/>
+              <a:t>If x is a 3-bit integer, then x = 111 + 111 will cause an overflow error since the sum is 1110 which requires at least 4 bits.</a:t>
+            </a:r>
+          </a:p>
+        </p:txBody>
+      </p:sp>
+      <p:sp>
+        <p:nvSpPr>
+          <p:cNvPr id="4" name="Slide Number Placeholder 3">
+            <a:extLst>
+              <a:ext uri="{FF2B5EF4-FFF2-40B4-BE49-F238E27FC236}">
+                <a16:creationId xmlns:a16="http://schemas.microsoft.com/office/drawing/2014/main" id="{75C7B0F0-6928-7047-81B0-E8C50BC3208B}"/>
+              </a:ext>
+            </a:extLst>
+          </p:cNvPr>
+          <p:cNvSpPr>
+            <a:spLocks noGrp="1"/>
+          </p:cNvSpPr>
+          <p:nvPr>
+            <p:ph type="sldNum" sz="quarter" idx="12"/>
+          </p:nvPr>
+        </p:nvSpPr>
+        <p:spPr/>
+        <p:txBody>
+          <a:bodyPr/>
+          <a:lstStyle/>
+          <a:p>
+            <a:fld id="{D57F1E4F-1CFF-5643-939E-02111984F565}" type="slidenum">
+              <a:rPr lang="en-US" smtClean="0"/>
+              <a:t>20</a:t>
+            </a:fld>
+            <a:endParaRPr lang="en-US" dirty="0"/>
+          </a:p>
+        </p:txBody>
+      </p:sp>
+      <p:sp>
+        <p:nvSpPr>
+          <p:cNvPr id="6" name="TextBox 5">
+            <a:extLst>
+              <a:ext uri="{FF2B5EF4-FFF2-40B4-BE49-F238E27FC236}">
+                <a16:creationId xmlns:a16="http://schemas.microsoft.com/office/drawing/2014/main" id="{F2DE35F1-B009-034E-A058-765EBEEB9217}"/>
+              </a:ext>
+            </a:extLst>
+          </p:cNvPr>
+          <p:cNvSpPr txBox="1"/>
+          <p:nvPr/>
+        </p:nvSpPr>
+        <p:spPr>
+          <a:xfrm>
+            <a:off x="-6300592" y="-3106455"/>
+            <a:ext cx="184731" cy="308418"/>
+          </a:xfrm>
+          <a:prstGeom prst="rect">
+            <a:avLst/>
+          </a:prstGeom>
+          <a:noFill/>
+        </p:spPr>
+        <p:txBody>
+          <a:bodyPr wrap="none" rtlCol="0">
+            <a:spAutoFit/>
+          </a:bodyPr>
+          <a:lstStyle/>
+          <a:p>
+            <a:endParaRPr lang="en-US"/>
+          </a:p>
+        </p:txBody>
+      </p:sp>
+    </p:spTree>
+    <p:extLst>
+      <p:ext uri="{BB962C8B-B14F-4D97-AF65-F5344CB8AC3E}">
+        <p14:creationId xmlns:p14="http://schemas.microsoft.com/office/powerpoint/2010/main" val="3323891907"/>
+      </p:ext>
+    </p:extLst>
+  </p:cSld>
+  <p:clrMapOvr>
+    <a:masterClrMapping/>
+  </p:clrMapOvr>
+</p:sld>
+</file>
+
+<file path=ppt/slides/slide21.xml><?xml version="1.0" encoding="utf-8"?>
+<p:sld xmlns:a="http://schemas.openxmlformats.org/drawingml/2006/main" xmlns:r="http://schemas.openxmlformats.org/officeDocument/2006/relationships" xmlns:p="http://schemas.openxmlformats.org/presentationml/2006/main">
+  <p:cSld>
+    <p:spTree>
+      <p:nvGrpSpPr>
+        <p:cNvPr id="1" name=""/>
+        <p:cNvGrpSpPr/>
+        <p:nvPr/>
+      </p:nvGrpSpPr>
+      <p:grpSpPr>
+        <a:xfrm>
+          <a:off x="0" y="0"/>
+          <a:ext cx="0" cy="0"/>
+          <a:chOff x="0" y="0"/>
+          <a:chExt cx="0" cy="0"/>
+        </a:xfrm>
+      </p:grpSpPr>
+      <p:sp>
+        <p:nvSpPr>
+          <p:cNvPr id="3" name="Content Placeholder 2">
+            <a:extLst>
+              <a:ext uri="{FF2B5EF4-FFF2-40B4-BE49-F238E27FC236}">
+                <a16:creationId xmlns:a16="http://schemas.microsoft.com/office/drawing/2014/main" id="{9B071422-AD72-304B-9DED-839E5307DF2B}"/>
+              </a:ext>
+            </a:extLst>
+          </p:cNvPr>
+          <p:cNvSpPr>
+            <a:spLocks noGrp="1"/>
+          </p:cNvSpPr>
+          <p:nvPr>
+            <p:ph idx="1"/>
+          </p:nvPr>
+        </p:nvSpPr>
+        <p:spPr>
+          <a:xfrm>
+            <a:off x="73947" y="856442"/>
+            <a:ext cx="8441403" cy="4291027"/>
+          </a:xfrm>
+        </p:spPr>
+        <p:txBody>
+          <a:bodyPr/>
+          <a:lstStyle/>
+          <a:p>
+            <a:pPr marL="0" indent="0">
+              <a:buNone/>
+            </a:pPr>
+            <a:endParaRPr lang="en-US" dirty="0"/>
+          </a:p>
+          <a:p>
+            <a:pPr marL="0" indent="0">
+              <a:buNone/>
+            </a:pPr>
+            <a:r>
+              <a:rPr lang="en-US" dirty="0"/>
+              <a:t>A fixed number of bits is used to store real numbers. Because of this limitation, round-off errors can occur. </a:t>
+            </a:r>
+          </a:p>
+          <a:p>
+            <a:pPr marL="0" indent="0">
+              <a:buNone/>
+            </a:pPr>
+            <a:endParaRPr lang="en-US" dirty="0"/>
+          </a:p>
+          <a:p>
+            <a:pPr marL="0" indent="0">
+              <a:buNone/>
+            </a:pPr>
+            <a:r>
+              <a:rPr lang="en-US" dirty="0"/>
+              <a:t>Python computes 1/3 as 0.3333333333333333. This value is only an approximation of 1/3 which is an infinitely repeating decimal. </a:t>
+            </a:r>
+          </a:p>
+          <a:p>
+            <a:pPr marL="0" indent="0">
+              <a:buNone/>
+            </a:pPr>
+            <a:r>
+              <a:rPr lang="en-US" dirty="0"/>
+              <a:t> </a:t>
+            </a:r>
+          </a:p>
+          <a:p>
+            <a:pPr marL="0" indent="0">
+              <a:buNone/>
+            </a:pPr>
+            <a:r>
+              <a:rPr lang="en-US" b="1" dirty="0"/>
+              <a:t>Round-off error </a:t>
+            </a:r>
+            <a:r>
+              <a:rPr lang="en-US" dirty="0"/>
+              <a:t>occurs when decimals (real numbers) are rounded. </a:t>
+            </a:r>
+          </a:p>
+          <a:p>
+            <a:pPr marL="0" indent="0">
+              <a:buNone/>
+            </a:pPr>
+            <a:endParaRPr lang="en-US" dirty="0"/>
+          </a:p>
+          <a:p>
+            <a:pPr marL="0" indent="0">
+              <a:buNone/>
+            </a:pPr>
+            <a:endParaRPr lang="en-US" dirty="0"/>
+          </a:p>
+        </p:txBody>
+      </p:sp>
+      <p:sp>
+        <p:nvSpPr>
+          <p:cNvPr id="4" name="Slide Number Placeholder 3">
+            <a:extLst>
+              <a:ext uri="{FF2B5EF4-FFF2-40B4-BE49-F238E27FC236}">
+                <a16:creationId xmlns:a16="http://schemas.microsoft.com/office/drawing/2014/main" id="{E1B4D9A6-ED34-F346-94E7-068B66748D8C}"/>
+              </a:ext>
+            </a:extLst>
+          </p:cNvPr>
+          <p:cNvSpPr>
+            <a:spLocks noGrp="1"/>
+          </p:cNvSpPr>
+          <p:nvPr>
+            <p:ph type="sldNum" sz="quarter" idx="12"/>
+          </p:nvPr>
+        </p:nvSpPr>
+        <p:spPr/>
+        <p:txBody>
+          <a:bodyPr/>
+          <a:lstStyle/>
+          <a:p>
+            <a:fld id="{D57F1E4F-1CFF-5643-939E-02111984F565}" type="slidenum">
+              <a:rPr lang="en-US" smtClean="0"/>
+              <a:t>21</a:t>
+            </a:fld>
+            <a:endParaRPr lang="en-US" dirty="0"/>
+          </a:p>
+        </p:txBody>
+      </p:sp>
+      <p:sp>
+        <p:nvSpPr>
+          <p:cNvPr id="5" name="Title 1">
+            <a:extLst>
+              <a:ext uri="{FF2B5EF4-FFF2-40B4-BE49-F238E27FC236}">
+                <a16:creationId xmlns:a16="http://schemas.microsoft.com/office/drawing/2014/main" id="{EFF5F4AD-D9C7-1040-B066-A50136540666}"/>
+              </a:ext>
+            </a:extLst>
+          </p:cNvPr>
+          <p:cNvSpPr>
+            <a:spLocks noGrp="1"/>
+          </p:cNvSpPr>
+          <p:nvPr>
+            <p:ph type="title"/>
+          </p:nvPr>
+        </p:nvSpPr>
+        <p:spPr>
+          <a:xfrm>
+            <a:off x="73947" y="15066"/>
+            <a:ext cx="7886700" cy="841376"/>
+          </a:xfrm>
+        </p:spPr>
+        <p:txBody>
+          <a:bodyPr/>
+          <a:lstStyle/>
+          <a:p>
+            <a:r>
+              <a:rPr lang="en-US" dirty="0"/>
+              <a:t>Round Off Errors</a:t>
+            </a:r>
+          </a:p>
+        </p:txBody>
+      </p:sp>
+    </p:spTree>
+    <p:extLst>
+      <p:ext uri="{BB962C8B-B14F-4D97-AF65-F5344CB8AC3E}">
+        <p14:creationId xmlns:p14="http://schemas.microsoft.com/office/powerpoint/2010/main" val="2605170431"/>
+      </p:ext>
+    </p:extLst>
+  </p:cSld>
+  <p:clrMapOvr>
+    <a:masterClrMapping/>
+  </p:clrMapOvr>
+</p:sld>
+</file>
+
+<file path=ppt/slides/slide22.xml><?xml version="1.0" encoding="utf-8"?>
+<p:sld xmlns:a="http://schemas.openxmlformats.org/drawingml/2006/main" xmlns:r="http://schemas.openxmlformats.org/officeDocument/2006/relationships" xmlns:p="http://schemas.openxmlformats.org/presentationml/2006/main">
+  <p:cSld>
+    <p:spTree>
+      <p:nvGrpSpPr>
+        <p:cNvPr id="1" name=""/>
+        <p:cNvGrpSpPr/>
+        <p:nvPr/>
+      </p:nvGrpSpPr>
+      <p:grpSpPr>
+        <a:xfrm>
+          <a:off x="0" y="0"/>
+          <a:ext cx="0" cy="0"/>
+          <a:chOff x="0" y="0"/>
+          <a:chExt cx="0" cy="0"/>
+        </a:xfrm>
+      </p:grpSpPr>
+      <p:sp>
+        <p:nvSpPr>
+          <p:cNvPr id="21505" name="Title 1">
+            <a:extLst>
+              <a:ext uri="{FF2B5EF4-FFF2-40B4-BE49-F238E27FC236}">
+                <a16:creationId xmlns:a16="http://schemas.microsoft.com/office/drawing/2014/main" id="{BCBA125C-ACA7-FB47-96FC-9420F821AD81}"/>
+              </a:ext>
+            </a:extLst>
+          </p:cNvPr>
+          <p:cNvSpPr>
+            <a:spLocks noGrp="1" noChangeArrowheads="1"/>
+          </p:cNvSpPr>
+          <p:nvPr>
+            <p:ph type="title"/>
+          </p:nvPr>
+        </p:nvSpPr>
+        <p:spPr>
+          <a:xfrm>
+            <a:off x="51276" y="94002"/>
+            <a:ext cx="7886700" cy="605602"/>
+          </a:xfrm>
+        </p:spPr>
+        <p:txBody>
+          <a:bodyPr/>
+          <a:lstStyle/>
+          <a:p>
+            <a:pPr eaLnBrk="1" hangingPunct="1"/>
+            <a:r>
+              <a:rPr lang="en-US" altLang="en-US" dirty="0">
+                <a:ea typeface="ＭＳ Ｐゴシック" panose="020B0600070205080204" pitchFamily="34" charset="-128"/>
+              </a:rPr>
+              <a:t>Abstraction</a:t>
+            </a:r>
+          </a:p>
+        </p:txBody>
+      </p:sp>
+      <p:sp>
+        <p:nvSpPr>
+          <p:cNvPr id="3" name="Content Placeholder 2">
+            <a:extLst>
+              <a:ext uri="{FF2B5EF4-FFF2-40B4-BE49-F238E27FC236}">
+                <a16:creationId xmlns:a16="http://schemas.microsoft.com/office/drawing/2014/main" id="{44A58473-3189-0C44-8A5E-E353CDFB3E5C}"/>
+              </a:ext>
+            </a:extLst>
+          </p:cNvPr>
+          <p:cNvSpPr>
+            <a:spLocks noGrp="1" noChangeArrowheads="1"/>
+          </p:cNvSpPr>
+          <p:nvPr>
+            <p:ph idx="1"/>
+          </p:nvPr>
+        </p:nvSpPr>
+        <p:spPr>
+          <a:xfrm>
+            <a:off x="107355" y="699604"/>
+            <a:ext cx="8985369" cy="4929936"/>
+          </a:xfrm>
+        </p:spPr>
+        <p:txBody>
+          <a:bodyPr/>
+          <a:lstStyle/>
+          <a:p>
+            <a:pPr marL="0" indent="0">
+              <a:buNone/>
+            </a:pPr>
+            <a:r>
+              <a:rPr lang="en-US" b="1" dirty="0"/>
+              <a:t>Abstraction</a:t>
+            </a:r>
+            <a:r>
+              <a:rPr lang="en-US" i="1" dirty="0"/>
+              <a:t> </a:t>
+            </a:r>
+            <a:r>
+              <a:rPr lang="en-US" dirty="0"/>
+              <a:t>is the process of reducing complexity by focusing on the main idea.</a:t>
+            </a:r>
+            <a:br>
+              <a:rPr lang="en-US" dirty="0"/>
+            </a:br>
+            <a:endParaRPr lang="en-US" dirty="0"/>
+          </a:p>
+          <a:p>
+            <a:pPr marL="0" indent="0">
+              <a:buNone/>
+            </a:pPr>
+            <a:r>
+              <a:rPr lang="en-US" dirty="0"/>
+              <a:t>By hiding details irrelevant to the question at hand and bringing together related and useful details, abstraction reduces complexity and allows one to focus on the idea. </a:t>
+            </a:r>
+            <a:endParaRPr lang="en-US" sz="2000" dirty="0"/>
+          </a:p>
+          <a:p>
+            <a:pPr marL="0" indent="0">
+              <a:buNone/>
+            </a:pPr>
+            <a:endParaRPr lang="en-US" altLang="en-US" sz="1833" dirty="0">
+              <a:latin typeface="Tahoma" panose="020B0604030504040204" pitchFamily="34" charset="0"/>
+              <a:ea typeface="ＭＳ Ｐゴシック" panose="020B0600070205080204" pitchFamily="34" charset="-128"/>
+            </a:endParaRPr>
+          </a:p>
+          <a:p>
+            <a:pPr marL="0" indent="0">
+              <a:buNone/>
+            </a:pPr>
+            <a:r>
+              <a:rPr lang="en-US" altLang="en-US" sz="2000" dirty="0">
+                <a:latin typeface="Gill Sans MT" panose="020B0502020104020203" pitchFamily="34" charset="77"/>
+                <a:ea typeface="ＭＳ Ｐゴシック" panose="020B0600070205080204" pitchFamily="34" charset="-128"/>
+              </a:rPr>
+              <a:t>One type of abstraction we saw was </a:t>
+            </a:r>
+            <a:r>
+              <a:rPr lang="en-US" sz="2000" b="1" dirty="0">
+                <a:latin typeface="Gill Sans MT" panose="020B0502020104020203" pitchFamily="34" charset="77"/>
+              </a:rPr>
+              <a:t>procedural abstraction</a:t>
+            </a:r>
+            <a:r>
+              <a:rPr lang="en-US" sz="2000" dirty="0">
+                <a:latin typeface="Gill Sans MT" panose="020B0502020104020203" pitchFamily="34" charset="77"/>
+              </a:rPr>
+              <a:t>, which provides a name for a procedure(function) and allows it to be used only knowing what it does, not how it does it. </a:t>
+            </a:r>
+          </a:p>
+          <a:p>
+            <a:pPr marL="0" indent="0">
+              <a:buNone/>
+            </a:pPr>
+            <a:endParaRPr lang="en-US" altLang="en-US" sz="1833" dirty="0">
+              <a:latin typeface="Tahoma" panose="020B0604030504040204" pitchFamily="34" charset="0"/>
+              <a:ea typeface="ＭＳ Ｐゴシック" panose="020B0600070205080204" pitchFamily="34" charset="-128"/>
+            </a:endParaRPr>
+          </a:p>
+          <a:p>
+            <a:pPr marL="0" indent="0">
+              <a:buNone/>
+            </a:pPr>
+            <a:r>
+              <a:rPr lang="en-US" sz="1800" b="1" dirty="0">
+                <a:latin typeface="INCONSOLATA" panose="020B0609030003000000" pitchFamily="49" charset="77"/>
+              </a:rPr>
+              <a:t>import random</a:t>
+            </a:r>
+          </a:p>
+          <a:p>
+            <a:pPr marL="0" indent="0">
+              <a:buNone/>
+            </a:pPr>
+            <a:r>
+              <a:rPr lang="en-US" sz="1800" b="1" dirty="0">
+                <a:latin typeface="INCONSOLATA" panose="020B0609030003000000" pitchFamily="49" charset="77"/>
+              </a:rPr>
+              <a:t>print(</a:t>
+            </a:r>
+            <a:r>
+              <a:rPr lang="en-US" sz="1800" b="1" dirty="0" err="1">
+                <a:latin typeface="INCONSOLATA" panose="020B0609030003000000" pitchFamily="49" charset="77"/>
+              </a:rPr>
+              <a:t>random.randrange</a:t>
+            </a:r>
+            <a:r>
+              <a:rPr lang="en-US" sz="1800" b="1" dirty="0">
+                <a:latin typeface="INCONSOLATA" panose="020B0609030003000000" pitchFamily="49" charset="77"/>
+              </a:rPr>
+              <a:t>(10)) </a:t>
+            </a:r>
+            <a:r>
+              <a:rPr lang="en-US" sz="1800" b="1" dirty="0">
+                <a:solidFill>
+                  <a:schemeClr val="accent6"/>
+                </a:solidFill>
+                <a:latin typeface="INCONSOLATA" panose="020B0609030003000000" pitchFamily="49" charset="77"/>
+              </a:rPr>
+              <a:t># random number from 0 - 9</a:t>
+            </a:r>
+          </a:p>
+          <a:p>
+            <a:pPr marL="0" indent="0">
+              <a:buNone/>
+            </a:pPr>
+            <a:endParaRPr lang="en-US" sz="1800" b="1" dirty="0">
+              <a:latin typeface="INCONSOLATA" panose="020B0609030003000000" pitchFamily="49" charset="77"/>
+            </a:endParaRPr>
+          </a:p>
+          <a:p>
+            <a:pPr marL="0" indent="0">
+              <a:buNone/>
+            </a:pPr>
+            <a:r>
+              <a:rPr lang="en-US" sz="1800" dirty="0">
+                <a:latin typeface="Gill Sans MT" panose="020B0502020104020203" pitchFamily="34" charset="77"/>
+              </a:rPr>
+              <a:t>We don't need to know how the </a:t>
+            </a:r>
+            <a:r>
+              <a:rPr lang="en-US" sz="1800" dirty="0" err="1">
+                <a:latin typeface="Gill Sans MT" panose="020B0502020104020203" pitchFamily="34" charset="77"/>
+              </a:rPr>
+              <a:t>randrange</a:t>
+            </a:r>
+            <a:r>
+              <a:rPr lang="en-US" sz="1800" dirty="0">
+                <a:latin typeface="Gill Sans MT" panose="020B0502020104020203" pitchFamily="34" charset="77"/>
+              </a:rPr>
+              <a:t>() function is implemented to be able use it. </a:t>
+            </a:r>
+            <a:endParaRPr lang="en-US" sz="1800" dirty="0"/>
+          </a:p>
+          <a:p>
+            <a:pPr marL="0" indent="0">
+              <a:buNone/>
+            </a:pPr>
+            <a:endParaRPr lang="en-US" altLang="en-US" sz="1833" dirty="0">
+              <a:latin typeface="Tahoma" panose="020B0604030504040204" pitchFamily="34" charset="0"/>
+              <a:ea typeface="ＭＳ Ｐゴシック" panose="020B0600070205080204" pitchFamily="34" charset="-128"/>
+            </a:endParaRPr>
+          </a:p>
+        </p:txBody>
+      </p:sp>
+    </p:spTree>
+    <p:extLst>
+      <p:ext uri="{BB962C8B-B14F-4D97-AF65-F5344CB8AC3E}">
+        <p14:creationId xmlns:p14="http://schemas.microsoft.com/office/powerpoint/2010/main" val="1166836157"/>
+      </p:ext>
+    </p:extLst>
+  </p:cSld>
+  <p:clrMapOvr>
+    <a:masterClrMapping/>
+  </p:clrMapOvr>
+  <p:timing>
+    <p:tnLst>
+      <p:par>
+        <p:cTn id="1" dur="indefinite" restart="never" nodeType="tmRoot">
+          <p:childTnLst>
+            <p:seq concurrent="1" nextAc="seek">
+              <p:cTn id="2" dur="indefinite" nodeType="mainSeq">
+                <p:childTnLst>
+                  <p:par>
+                    <p:cTn id="3" fill="hold" nodeType="clickPar">
+                      <p:stCondLst>
+                        <p:cond delay="indefinite"/>
+                      </p:stCondLst>
+                      <p:childTnLst>
+                        <p:par>
+                          <p:cTn id="4" fill="hold" nodeType="withGroup">
+                            <p:stCondLst>
+                              <p:cond delay="0"/>
+                            </p:stCondLst>
+                            <p:childTnLst>
+                              <p:par>
+                                <p:cTn id="5" presetID="1" presetClass="entr" presetSubtype="0" fill="hold" nodeType="clickEffect">
+                                  <p:stCondLst>
+                                    <p:cond delay="0"/>
+                                  </p:stCondLst>
+                                  <p:childTnLst>
+                                    <p:set>
+                                      <p:cBhvr>
+                                        <p:cTn id="6" dur="1" fill="hold">
+                                          <p:stCondLst>
+                                            <p:cond delay="0"/>
+                                          </p:stCondLst>
+                                        </p:cTn>
+                                        <p:tgtEl>
+                                          <p:spTgt spid="3">
+                                            <p:txEl>
+                                              <p:pRg st="0" end="0"/>
+                                            </p:txEl>
+                                          </p:spTgt>
+                                        </p:tgtEl>
+                                        <p:attrNameLst>
+                                          <p:attrName>style.visibility</p:attrName>
+                                        </p:attrNameLst>
+                                      </p:cBhvr>
+                                      <p:to>
+                                        <p:strVal val="visible"/>
+                                      </p:to>
+                                    </p:set>
+                                  </p:childTnLst>
+                                </p:cTn>
+                              </p:par>
+                            </p:childTnLst>
+                          </p:cTn>
+                        </p:par>
+                      </p:childTnLst>
+                    </p:cTn>
+                  </p:par>
+                  <p:par>
+                    <p:cTn id="7" fill="hold">
+                      <p:stCondLst>
+                        <p:cond delay="indefinite"/>
+                      </p:stCondLst>
+                      <p:childTnLst>
+                        <p:par>
+                          <p:cTn id="8" fill="hold">
+                            <p:stCondLst>
+                              <p:cond delay="0"/>
+                            </p:stCondLst>
+                            <p:childTnLst>
+                              <p:par>
+                                <p:cTn id="9" presetID="1" presetClass="entr" presetSubtype="0" fill="hold" nodeType="clickEffect">
+                                  <p:stCondLst>
+                                    <p:cond delay="0"/>
+                                  </p:stCondLst>
+                                  <p:childTnLst>
+                                    <p:set>
+                                      <p:cBhvr>
+                                        <p:cTn id="10" dur="1" fill="hold">
+                                          <p:stCondLst>
+                                            <p:cond delay="0"/>
+                                          </p:stCondLst>
+                                        </p:cTn>
+                                        <p:tgtEl>
+                                          <p:spTgt spid="3">
+                                            <p:txEl>
+                                              <p:pRg st="1" end="1"/>
+                                            </p:txEl>
+                                          </p:spTgt>
+                                        </p:tgtEl>
+                                        <p:attrNameLst>
+                                          <p:attrName>style.visibility</p:attrName>
+                                        </p:attrNameLst>
+                                      </p:cBhvr>
+                                      <p:to>
+                                        <p:strVal val="visible"/>
+                                      </p:to>
+                                    </p:set>
+                                  </p:childTnLst>
+                                </p:cTn>
+                              </p:par>
+                            </p:childTnLst>
+                          </p:cTn>
+                        </p:par>
+                      </p:childTnLst>
+                    </p:cTn>
+                  </p:par>
+                  <p:par>
+                    <p:cTn id="11" fill="hold">
+                      <p:stCondLst>
+                        <p:cond delay="indefinite"/>
+                      </p:stCondLst>
+                      <p:childTnLst>
+                        <p:par>
+                          <p:cTn id="12" fill="hold">
+                            <p:stCondLst>
+                              <p:cond delay="0"/>
+                            </p:stCondLst>
+                            <p:childTnLst>
+                              <p:par>
+                                <p:cTn id="13" presetID="1" presetClass="entr" presetSubtype="0" fill="hold" nodeType="clickEffect">
+                                  <p:stCondLst>
+                                    <p:cond delay="0"/>
+                                  </p:stCondLst>
+                                  <p:childTnLst>
+                                    <p:set>
+                                      <p:cBhvr>
+                                        <p:cTn id="14" dur="1" fill="hold">
+                                          <p:stCondLst>
+                                            <p:cond delay="0"/>
+                                          </p:stCondLst>
+                                        </p:cTn>
+                                        <p:tgtEl>
+                                          <p:spTgt spid="3">
+                                            <p:txEl>
+                                              <p:pRg st="3" end="3"/>
+                                            </p:txEl>
+                                          </p:spTgt>
+                                        </p:tgtEl>
+                                        <p:attrNameLst>
+                                          <p:attrName>style.visibility</p:attrName>
+                                        </p:attrNameLst>
+                                      </p:cBhvr>
+                                      <p:to>
+                                        <p:strVal val="visible"/>
+                                      </p:to>
+                                    </p:set>
+                                  </p:childTnLst>
+                                </p:cTn>
+                              </p:par>
+                            </p:childTnLst>
+                          </p:cTn>
+                        </p:par>
+                      </p:childTnLst>
+                    </p:cTn>
+                  </p:par>
+                  <p:par>
+                    <p:cTn id="15" fill="hold">
+                      <p:stCondLst>
+                        <p:cond delay="indefinite"/>
+                      </p:stCondLst>
+                      <p:childTnLst>
+                        <p:par>
+                          <p:cTn id="16" fill="hold">
+                            <p:stCondLst>
+                              <p:cond delay="0"/>
+                            </p:stCondLst>
+                            <p:childTnLst>
+                              <p:par>
+                                <p:cTn id="17" presetID="1" presetClass="entr" presetSubtype="0" fill="hold" nodeType="clickEffect">
+                                  <p:stCondLst>
+                                    <p:cond delay="0"/>
+                                  </p:stCondLst>
+                                  <p:childTnLst>
+                                    <p:set>
+                                      <p:cBhvr>
+                                        <p:cTn id="18" dur="1" fill="hold">
+                                          <p:stCondLst>
+                                            <p:cond delay="0"/>
+                                          </p:stCondLst>
+                                        </p:cTn>
+                                        <p:tgtEl>
+                                          <p:spTgt spid="3">
+                                            <p:txEl>
+                                              <p:pRg st="5" end="5"/>
+                                            </p:txEl>
+                                          </p:spTgt>
+                                        </p:tgtEl>
+                                        <p:attrNameLst>
+                                          <p:attrName>style.visibility</p:attrName>
+                                        </p:attrNameLst>
+                                      </p:cBhvr>
+                                      <p:to>
+                                        <p:strVal val="visible"/>
+                                      </p:to>
+                                    </p:set>
+                                  </p:childTnLst>
+                                </p:cTn>
+                              </p:par>
+                            </p:childTnLst>
+                          </p:cTn>
+                        </p:par>
+                      </p:childTnLst>
+                    </p:cTn>
+                  </p:par>
+                  <p:par>
+                    <p:cTn id="19" fill="hold">
+                      <p:stCondLst>
+                        <p:cond delay="indefinite"/>
+                      </p:stCondLst>
+                      <p:childTnLst>
+                        <p:par>
+                          <p:cTn id="20" fill="hold">
+                            <p:stCondLst>
+                              <p:cond delay="0"/>
+                            </p:stCondLst>
+                            <p:childTnLst>
+                              <p:par>
+                                <p:cTn id="21" presetID="1" presetClass="entr" presetSubtype="0" fill="hold" nodeType="clickEffect">
+                                  <p:stCondLst>
+                                    <p:cond delay="0"/>
+                                  </p:stCondLst>
+                                  <p:childTnLst>
+                                    <p:set>
+                                      <p:cBhvr>
+                                        <p:cTn id="22" dur="1" fill="hold">
+                                          <p:stCondLst>
+                                            <p:cond delay="0"/>
+                                          </p:stCondLst>
+                                        </p:cTn>
+                                        <p:tgtEl>
+                                          <p:spTgt spid="3">
+                                            <p:txEl>
+                                              <p:pRg st="6" end="6"/>
+                                            </p:txEl>
+                                          </p:spTgt>
+                                        </p:tgtEl>
+                                        <p:attrNameLst>
+                                          <p:attrName>style.visibility</p:attrName>
+                                        </p:attrNameLst>
+                                      </p:cBhvr>
+                                      <p:to>
+                                        <p:strVal val="visible"/>
+                                      </p:to>
+                                    </p:set>
+                                  </p:childTnLst>
+                                </p:cTn>
+                              </p:par>
+                            </p:childTnLst>
+                          </p:cTn>
+                        </p:par>
+                      </p:childTnLst>
+                    </p:cTn>
+                  </p:par>
+                  <p:par>
+                    <p:cTn id="23" fill="hold">
+                      <p:stCondLst>
+                        <p:cond delay="indefinite"/>
+                      </p:stCondLst>
+                      <p:childTnLst>
+                        <p:par>
+                          <p:cTn id="24" fill="hold">
+                            <p:stCondLst>
+                              <p:cond delay="0"/>
+                            </p:stCondLst>
+                            <p:childTnLst>
+                              <p:par>
+                                <p:cTn id="25" presetID="1" presetClass="entr" presetSubtype="0" fill="hold" nodeType="clickEffect">
+                                  <p:stCondLst>
+                                    <p:cond delay="0"/>
+                                  </p:stCondLst>
+                                  <p:childTnLst>
+                                    <p:set>
+                                      <p:cBhvr>
+                                        <p:cTn id="26" dur="1" fill="hold">
+                                          <p:stCondLst>
+                                            <p:cond delay="0"/>
+                                          </p:stCondLst>
+                                        </p:cTn>
+                                        <p:tgtEl>
+                                          <p:spTgt spid="3">
+                                            <p:txEl>
+                                              <p:pRg st="8" end="8"/>
+                                            </p:txEl>
+                                          </p:spTgt>
+                                        </p:tgtEl>
+                                        <p:attrNameLst>
+                                          <p:attrName>style.visibility</p:attrName>
+                                        </p:attrNameLst>
+                                      </p:cBhvr>
+                                      <p:to>
+                                        <p:strVal val="visible"/>
+                                      </p:to>
+                                    </p:set>
+                                  </p:childTnLst>
+                                </p:cTn>
+                              </p:par>
+                            </p:childTnLst>
+                          </p:cTn>
+                        </p:par>
+                      </p:childTnLst>
+                    </p:cTn>
+                  </p:par>
+                </p:childTnLst>
+              </p:cTn>
+              <p:prevCondLst>
+                <p:cond evt="onPrev" delay="0">
+                  <p:tgtEl>
+                    <p:sldTgt/>
+                  </p:tgtEl>
+                </p:cond>
+              </p:prevCondLst>
+              <p:nextCondLst>
+                <p:cond evt="onNext" delay="0">
+                  <p:tgtEl>
+                    <p:sldTgt/>
+                  </p:tgtEl>
+                </p:cond>
+              </p:nextCondLst>
+            </p:seq>
+          </p:childTnLst>
+        </p:cTn>
+      </p:par>
+    </p:tnLst>
+  </p:timing>
+</p:sld>
+</file>
+
+<file path=ppt/slides/slide23.xml><?xml version="1.0" encoding="utf-8"?>
+<p:sld xmlns:a="http://schemas.openxmlformats.org/drawingml/2006/main" xmlns:r="http://schemas.openxmlformats.org/officeDocument/2006/relationships" xmlns:p="http://schemas.openxmlformats.org/presentationml/2006/main">
+  <p:cSld>
+    <p:spTree>
+      <p:nvGrpSpPr>
+        <p:cNvPr id="1" name=""/>
+        <p:cNvGrpSpPr/>
+        <p:nvPr/>
+      </p:nvGrpSpPr>
+      <p:grpSpPr>
+        <a:xfrm>
+          <a:off x="0" y="0"/>
+          <a:ext cx="0" cy="0"/>
+          <a:chOff x="0" y="0"/>
+          <a:chExt cx="0" cy="0"/>
+        </a:xfrm>
+      </p:grpSpPr>
+      <p:sp>
+        <p:nvSpPr>
           <p:cNvPr id="186370" name="Rectangle 2">
             <a:extLst>
               <a:ext uri="{FF2B5EF4-FFF2-40B4-BE49-F238E27FC236}">
@@ -12051,7 +13262,7 @@
           <a:p>
             <a:fld id="{D57F1E4F-1CFF-5643-939E-02111984F565}" type="slidenum">
               <a:rPr lang="en-US" smtClean="0"/>
-              <a:t>20</a:t>
+              <a:t>23</a:t>
             </a:fld>
             <a:endParaRPr lang="en-US" dirty="0"/>
           </a:p>
@@ -12473,7 +13684,7 @@
 </p:sld>
 </file>
 
-<file path=ppt/slides/slide21.xml><?xml version="1.0" encoding="utf-8"?>
+<file path=ppt/slides/slide24.xml><?xml version="1.0" encoding="utf-8"?>
 <p:sld xmlns:a="http://schemas.openxmlformats.org/drawingml/2006/main" xmlns:r="http://schemas.openxmlformats.org/officeDocument/2006/relationships" xmlns:p="http://schemas.openxmlformats.org/presentationml/2006/main">
   <p:cSld>
     <p:spTree>
@@ -13074,7 +14285,7 @@
 </p:sld>
 </file>
 
-<file path=ppt/slides/slide22.xml><?xml version="1.0" encoding="utf-8"?>
+<file path=ppt/slides/slide25.xml><?xml version="1.0" encoding="utf-8"?>
 <p:sld xmlns:a="http://schemas.openxmlformats.org/drawingml/2006/main" xmlns:r="http://schemas.openxmlformats.org/officeDocument/2006/relationships" xmlns:p="http://schemas.openxmlformats.org/presentationml/2006/main">
   <p:cSld>
     <p:spTree>
@@ -13752,7 +14963,7 @@
 </p:sld>
 </file>
 
-<file path=ppt/slides/slide23.xml><?xml version="1.0" encoding="utf-8"?>
+<file path=ppt/slides/slide26.xml><?xml version="1.0" encoding="utf-8"?>
 <p:sld xmlns:a="http://schemas.openxmlformats.org/drawingml/2006/main" xmlns:r="http://schemas.openxmlformats.org/officeDocument/2006/relationships" xmlns:p="http://schemas.openxmlformats.org/presentationml/2006/main">
   <p:cSld>
     <p:spTree>
@@ -14848,7 +16059,7 @@
 </p:sld>
 </file>
 
-<file path=ppt/slides/slide24.xml><?xml version="1.0" encoding="utf-8"?>
+<file path=ppt/slides/slide27.xml><?xml version="1.0" encoding="utf-8"?>
 <p:sld xmlns:a="http://schemas.openxmlformats.org/drawingml/2006/main" xmlns:r="http://schemas.openxmlformats.org/officeDocument/2006/relationships" xmlns:p="http://schemas.openxmlformats.org/presentationml/2006/main">
   <p:cSld>
     <p:spTree>
@@ -15435,7 +16646,7 @@
 </p:sld>
 </file>
 
-<file path=ppt/slides/slide25.xml><?xml version="1.0" encoding="utf-8"?>
+<file path=ppt/slides/slide28.xml><?xml version="1.0" encoding="utf-8"?>
 <p:sld xmlns:a="http://schemas.openxmlformats.org/drawingml/2006/main" xmlns:r="http://schemas.openxmlformats.org/officeDocument/2006/relationships" xmlns:p="http://schemas.openxmlformats.org/presentationml/2006/main">
   <p:cSld>
     <p:spTree>
@@ -15910,7 +17121,7 @@
 </p:sld>
 </file>
 
-<file path=ppt/slides/slide26.xml><?xml version="1.0" encoding="utf-8"?>
+<file path=ppt/slides/slide29.xml><?xml version="1.0" encoding="utf-8"?>
 <p:sld xmlns:a="http://schemas.openxmlformats.org/drawingml/2006/main" xmlns:r="http://schemas.openxmlformats.org/officeDocument/2006/relationships" xmlns:p="http://schemas.openxmlformats.org/presentationml/2006/main">
   <p:cSld>
     <p:spTree>
@@ -16533,7 +17744,542 @@
 </p:sld>
 </file>
 
-<file path=ppt/slides/slide27.xml><?xml version="1.0" encoding="utf-8"?>
+<file path=ppt/slides/slide3.xml><?xml version="1.0" encoding="utf-8"?>
+<p:sld xmlns:a="http://schemas.openxmlformats.org/drawingml/2006/main" xmlns:r="http://schemas.openxmlformats.org/officeDocument/2006/relationships" xmlns:p="http://schemas.openxmlformats.org/presentationml/2006/main">
+  <p:cSld>
+    <p:spTree>
+      <p:nvGrpSpPr>
+        <p:cNvPr id="1" name=""/>
+        <p:cNvGrpSpPr/>
+        <p:nvPr/>
+      </p:nvGrpSpPr>
+      <p:grpSpPr>
+        <a:xfrm>
+          <a:off x="0" y="0"/>
+          <a:ext cx="0" cy="0"/>
+          <a:chOff x="0" y="0"/>
+          <a:chExt cx="0" cy="0"/>
+        </a:xfrm>
+      </p:grpSpPr>
+      <p:sp>
+        <p:nvSpPr>
+          <p:cNvPr id="21505" name="Title 1">
+            <a:extLst>
+              <a:ext uri="{FF2B5EF4-FFF2-40B4-BE49-F238E27FC236}">
+                <a16:creationId xmlns:a16="http://schemas.microsoft.com/office/drawing/2014/main" id="{BCBA125C-ACA7-FB47-96FC-9420F821AD81}"/>
+              </a:ext>
+            </a:extLst>
+          </p:cNvPr>
+          <p:cNvSpPr>
+            <a:spLocks noGrp="1" noChangeArrowheads="1"/>
+          </p:cNvSpPr>
+          <p:nvPr>
+            <p:ph type="title"/>
+          </p:nvPr>
+        </p:nvSpPr>
+        <p:spPr>
+          <a:xfrm>
+            <a:off x="235543" y="179462"/>
+            <a:ext cx="7886700" cy="622693"/>
+          </a:xfrm>
+        </p:spPr>
+        <p:txBody>
+          <a:bodyPr/>
+          <a:lstStyle/>
+          <a:p>
+            <a:pPr eaLnBrk="1" hangingPunct="1"/>
+            <a:r>
+              <a:rPr lang="en-US" altLang="en-US" dirty="0">
+                <a:ea typeface="ＭＳ Ｐゴシック" panose="020B0600070205080204" pitchFamily="34" charset="-128"/>
+              </a:rPr>
+              <a:t>Base 10 </a:t>
+            </a:r>
+            <a:r>
+              <a:rPr lang="en-US" altLang="zh-CN" dirty="0">
+                <a:ea typeface="宋体" panose="02010600030101010101" pitchFamily="2" charset="-122"/>
+              </a:rPr>
+              <a:t>(Decimal numbers)</a:t>
+            </a:r>
+            <a:endParaRPr lang="en-US" altLang="en-US" dirty="0">
+              <a:ea typeface="ＭＳ Ｐゴシック" panose="020B0600070205080204" pitchFamily="34" charset="-128"/>
+            </a:endParaRPr>
+          </a:p>
+        </p:txBody>
+      </p:sp>
+      <p:sp>
+        <p:nvSpPr>
+          <p:cNvPr id="3" name="Content Placeholder 2">
+            <a:extLst>
+              <a:ext uri="{FF2B5EF4-FFF2-40B4-BE49-F238E27FC236}">
+                <a16:creationId xmlns:a16="http://schemas.microsoft.com/office/drawing/2014/main" id="{44A58473-3189-0C44-8A5E-E353CDFB3E5C}"/>
+              </a:ext>
+            </a:extLst>
+          </p:cNvPr>
+          <p:cNvSpPr>
+            <a:spLocks noGrp="1" noChangeArrowheads="1"/>
+          </p:cNvSpPr>
+          <p:nvPr>
+            <p:ph idx="1"/>
+          </p:nvPr>
+        </p:nvSpPr>
+        <p:spPr>
+          <a:xfrm>
+            <a:off x="235543" y="931492"/>
+            <a:ext cx="8763178" cy="4604046"/>
+          </a:xfrm>
+        </p:spPr>
+        <p:txBody>
+          <a:bodyPr>
+            <a:normAutofit/>
+          </a:bodyPr>
+          <a:lstStyle/>
+          <a:p>
+            <a:pPr marL="0" indent="0">
+              <a:buNone/>
+            </a:pPr>
+            <a:r>
+              <a:rPr lang="en-US" altLang="en-US" dirty="0">
+                <a:solidFill>
+                  <a:srgbClr val="000000"/>
+                </a:solidFill>
+                <a:ea typeface="ＭＳ Ｐゴシック" panose="020B0600070205080204" pitchFamily="34" charset="-128"/>
+              </a:rPr>
+              <a:t>Computers store all information in the form of binary numbers. To understand binary numbers, let's first look at a more familiar system: decimal numbers.</a:t>
+            </a:r>
+          </a:p>
+          <a:p>
+            <a:pPr marL="0" indent="0">
+              <a:buNone/>
+            </a:pPr>
+            <a:endParaRPr lang="en-US" altLang="en-US" dirty="0">
+              <a:solidFill>
+                <a:srgbClr val="000000"/>
+              </a:solidFill>
+              <a:ea typeface="ＭＳ Ｐゴシック" panose="020B0600070205080204" pitchFamily="34" charset="-128"/>
+            </a:endParaRPr>
+          </a:p>
+          <a:p>
+            <a:pPr marL="0" indent="0">
+              <a:buNone/>
+            </a:pPr>
+            <a:r>
+              <a:rPr lang="en-US" altLang="en-US" dirty="0">
+                <a:solidFill>
+                  <a:srgbClr val="000000"/>
+                </a:solidFill>
+                <a:ea typeface="ＭＳ Ｐゴシック" panose="020B0600070205080204" pitchFamily="34" charset="-128"/>
+              </a:rPr>
+              <a:t>Decimal numbers is base 10. It uses 10 digits </a:t>
+            </a:r>
+            <a:r>
+              <a:rPr lang="en-US" altLang="zh-CN" dirty="0">
+                <a:ea typeface="宋体" panose="02010600030101010101" pitchFamily="2" charset="-122"/>
+              </a:rPr>
+              <a:t>{0,1,2,3…,9}.  </a:t>
+            </a:r>
+            <a:r>
+              <a:rPr lang="en-US" altLang="en-US" dirty="0">
+                <a:solidFill>
+                  <a:srgbClr val="000000"/>
+                </a:solidFill>
+                <a:ea typeface="ＭＳ Ｐゴシック" panose="020B0600070205080204" pitchFamily="34" charset="-128"/>
+              </a:rPr>
+              <a:t>Why do we prefer base 10? There are many reasons but one simple reason is simply because we </a:t>
+            </a:r>
+            <a:r>
+              <a:rPr lang="en-US" altLang="zh-CN" dirty="0">
+                <a:ea typeface="宋体" panose="02010600030101010101" pitchFamily="2" charset="-122"/>
+              </a:rPr>
+              <a:t>have ten fingers.</a:t>
+            </a:r>
+          </a:p>
+          <a:p>
+            <a:pPr marL="0" indent="0">
+              <a:buNone/>
+            </a:pPr>
+            <a:endParaRPr lang="en-US" altLang="zh-CN" dirty="0">
+              <a:ea typeface="宋体" panose="02010600030101010101" pitchFamily="2" charset="-122"/>
+            </a:endParaRPr>
+          </a:p>
+          <a:p>
+            <a:pPr marL="0" indent="0">
+              <a:buNone/>
+            </a:pPr>
+            <a:r>
+              <a:rPr lang="en-US" altLang="zh-CN" dirty="0">
+                <a:ea typeface="宋体" panose="02010600030101010101" pitchFamily="2" charset="-122"/>
+              </a:rPr>
+              <a:t>Base 10 (Decimal) uses 10 digits: {0,1,2,3…,9}.</a:t>
+            </a:r>
+          </a:p>
+          <a:p>
+            <a:pPr marL="0" indent="0">
+              <a:buNone/>
+            </a:pPr>
+            <a:r>
+              <a:rPr lang="en-US" altLang="zh-CN" dirty="0">
+                <a:ea typeface="宋体" panose="02010600030101010101" pitchFamily="2" charset="-122"/>
+              </a:rPr>
+              <a:t>Base 2 (Binary) uses 2 digits: {0,1}.</a:t>
+            </a:r>
+          </a:p>
+          <a:p>
+            <a:pPr marL="0" indent="0">
+              <a:buNone/>
+            </a:pPr>
+            <a:r>
+              <a:rPr lang="en-US" altLang="zh-CN" dirty="0">
+                <a:ea typeface="宋体" panose="02010600030101010101" pitchFamily="2" charset="-122"/>
+              </a:rPr>
+              <a:t>Base 8 (Octal) uses 8 digits: {0,1,2,3,4,5,6,7}</a:t>
+            </a:r>
+          </a:p>
+          <a:p>
+            <a:pPr marL="0" indent="0">
+              <a:buNone/>
+            </a:pPr>
+            <a:r>
+              <a:rPr lang="en-US" altLang="zh-CN" dirty="0">
+                <a:ea typeface="宋体" panose="02010600030101010101" pitchFamily="2" charset="-122"/>
+              </a:rPr>
+              <a:t>Base 16 (Hexadecimal) uses 16 digits: {0,1,2,3,4…,9,A,B,C,D,E,F}</a:t>
+            </a:r>
+          </a:p>
+          <a:p>
+            <a:pPr marL="0" indent="0">
+              <a:buNone/>
+            </a:pPr>
+            <a:endParaRPr lang="en-US" altLang="zh-CN" dirty="0">
+              <a:ea typeface="宋体" panose="02010600030101010101" pitchFamily="2" charset="-122"/>
+            </a:endParaRPr>
+          </a:p>
+          <a:p>
+            <a:pPr marL="0" indent="0"/>
+            <a:endParaRPr lang="en-US" altLang="en-US" dirty="0">
+              <a:ea typeface="ＭＳ Ｐゴシック" panose="020B0600070205080204" pitchFamily="34" charset="-128"/>
+            </a:endParaRPr>
+          </a:p>
+          <a:p>
+            <a:pPr marL="0" indent="0">
+              <a:buNone/>
+            </a:pPr>
+            <a:endParaRPr lang="en-US" altLang="en-US" dirty="0">
+              <a:ea typeface="ＭＳ Ｐゴシック" panose="020B0600070205080204" pitchFamily="34" charset="-128"/>
+            </a:endParaRPr>
+          </a:p>
+          <a:p>
+            <a:pPr marL="0" indent="0">
+              <a:buNone/>
+            </a:pPr>
+            <a:endParaRPr lang="en-US" altLang="en-US" dirty="0">
+              <a:latin typeface="Tahoma" panose="020B0604030504040204" pitchFamily="34" charset="0"/>
+              <a:ea typeface="ＭＳ Ｐゴシック" panose="020B0600070205080204" pitchFamily="34" charset="-128"/>
+            </a:endParaRPr>
+          </a:p>
+        </p:txBody>
+      </p:sp>
+    </p:spTree>
+    <p:extLst>
+      <p:ext uri="{BB962C8B-B14F-4D97-AF65-F5344CB8AC3E}">
+        <p14:creationId xmlns:p14="http://schemas.microsoft.com/office/powerpoint/2010/main" val="833801237"/>
+      </p:ext>
+    </p:extLst>
+  </p:cSld>
+  <p:clrMapOvr>
+    <a:masterClrMapping/>
+  </p:clrMapOvr>
+  <p:timing>
+    <p:tnLst>
+      <p:par>
+        <p:cTn id="1" dur="indefinite" restart="never" nodeType="tmRoot">
+          <p:childTnLst>
+            <p:seq concurrent="1" nextAc="seek">
+              <p:cTn id="2" dur="indefinite" nodeType="mainSeq">
+                <p:childTnLst>
+                  <p:par>
+                    <p:cTn id="3" fill="hold">
+                      <p:stCondLst>
+                        <p:cond delay="indefinite"/>
+                      </p:stCondLst>
+                      <p:childTnLst>
+                        <p:par>
+                          <p:cTn id="4" fill="hold">
+                            <p:stCondLst>
+                              <p:cond delay="0"/>
+                            </p:stCondLst>
+                            <p:childTnLst>
+                              <p:par>
+                                <p:cTn id="5" presetID="1" presetClass="entr" presetSubtype="0" fill="hold" nodeType="clickEffect">
+                                  <p:stCondLst>
+                                    <p:cond delay="0"/>
+                                  </p:stCondLst>
+                                  <p:childTnLst>
+                                    <p:set>
+                                      <p:cBhvr>
+                                        <p:cTn id="6" dur="1" fill="hold">
+                                          <p:stCondLst>
+                                            <p:cond delay="0"/>
+                                          </p:stCondLst>
+                                        </p:cTn>
+                                        <p:tgtEl>
+                                          <p:spTgt spid="3">
+                                            <p:txEl>
+                                              <p:pRg st="2" end="2"/>
+                                            </p:txEl>
+                                          </p:spTgt>
+                                        </p:tgtEl>
+                                        <p:attrNameLst>
+                                          <p:attrName>style.visibility</p:attrName>
+                                        </p:attrNameLst>
+                                      </p:cBhvr>
+                                      <p:to>
+                                        <p:strVal val="visible"/>
+                                      </p:to>
+                                    </p:set>
+                                  </p:childTnLst>
+                                </p:cTn>
+                              </p:par>
+                            </p:childTnLst>
+                          </p:cTn>
+                        </p:par>
+                      </p:childTnLst>
+                    </p:cTn>
+                  </p:par>
+                  <p:par>
+                    <p:cTn id="7" fill="hold">
+                      <p:stCondLst>
+                        <p:cond delay="indefinite"/>
+                      </p:stCondLst>
+                      <p:childTnLst>
+                        <p:par>
+                          <p:cTn id="8" fill="hold">
+                            <p:stCondLst>
+                              <p:cond delay="0"/>
+                            </p:stCondLst>
+                            <p:childTnLst>
+                              <p:par>
+                                <p:cTn id="9" presetID="1" presetClass="entr" presetSubtype="0" fill="hold" nodeType="clickEffect">
+                                  <p:stCondLst>
+                                    <p:cond delay="0"/>
+                                  </p:stCondLst>
+                                  <p:childTnLst>
+                                    <p:set>
+                                      <p:cBhvr>
+                                        <p:cTn id="10" dur="1" fill="hold">
+                                          <p:stCondLst>
+                                            <p:cond delay="0"/>
+                                          </p:stCondLst>
+                                        </p:cTn>
+                                        <p:tgtEl>
+                                          <p:spTgt spid="3">
+                                            <p:txEl>
+                                              <p:pRg st="4" end="4"/>
+                                            </p:txEl>
+                                          </p:spTgt>
+                                        </p:tgtEl>
+                                        <p:attrNameLst>
+                                          <p:attrName>style.visibility</p:attrName>
+                                        </p:attrNameLst>
+                                      </p:cBhvr>
+                                      <p:to>
+                                        <p:strVal val="visible"/>
+                                      </p:to>
+                                    </p:set>
+                                  </p:childTnLst>
+                                </p:cTn>
+                              </p:par>
+                            </p:childTnLst>
+                          </p:cTn>
+                        </p:par>
+                      </p:childTnLst>
+                    </p:cTn>
+                  </p:par>
+                  <p:par>
+                    <p:cTn id="11" fill="hold">
+                      <p:stCondLst>
+                        <p:cond delay="indefinite"/>
+                      </p:stCondLst>
+                      <p:childTnLst>
+                        <p:par>
+                          <p:cTn id="12" fill="hold">
+                            <p:stCondLst>
+                              <p:cond delay="0"/>
+                            </p:stCondLst>
+                            <p:childTnLst>
+                              <p:par>
+                                <p:cTn id="13" presetID="1" presetClass="entr" presetSubtype="0" fill="hold" nodeType="clickEffect">
+                                  <p:stCondLst>
+                                    <p:cond delay="0"/>
+                                  </p:stCondLst>
+                                  <p:childTnLst>
+                                    <p:set>
+                                      <p:cBhvr>
+                                        <p:cTn id="14" dur="1" fill="hold">
+                                          <p:stCondLst>
+                                            <p:cond delay="0"/>
+                                          </p:stCondLst>
+                                        </p:cTn>
+                                        <p:tgtEl>
+                                          <p:spTgt spid="3">
+                                            <p:txEl>
+                                              <p:pRg st="5" end="5"/>
+                                            </p:txEl>
+                                          </p:spTgt>
+                                        </p:tgtEl>
+                                        <p:attrNameLst>
+                                          <p:attrName>style.visibility</p:attrName>
+                                        </p:attrNameLst>
+                                      </p:cBhvr>
+                                      <p:to>
+                                        <p:strVal val="visible"/>
+                                      </p:to>
+                                    </p:set>
+                                  </p:childTnLst>
+                                </p:cTn>
+                              </p:par>
+                            </p:childTnLst>
+                          </p:cTn>
+                        </p:par>
+                      </p:childTnLst>
+                    </p:cTn>
+                  </p:par>
+                  <p:par>
+                    <p:cTn id="15" fill="hold">
+                      <p:stCondLst>
+                        <p:cond delay="indefinite"/>
+                      </p:stCondLst>
+                      <p:childTnLst>
+                        <p:par>
+                          <p:cTn id="16" fill="hold">
+                            <p:stCondLst>
+                              <p:cond delay="0"/>
+                            </p:stCondLst>
+                            <p:childTnLst>
+                              <p:par>
+                                <p:cTn id="17" presetID="1" presetClass="entr" presetSubtype="0" fill="hold" nodeType="clickEffect">
+                                  <p:stCondLst>
+                                    <p:cond delay="0"/>
+                                  </p:stCondLst>
+                                  <p:childTnLst>
+                                    <p:set>
+                                      <p:cBhvr>
+                                        <p:cTn id="18" dur="1" fill="hold">
+                                          <p:stCondLst>
+                                            <p:cond delay="0"/>
+                                          </p:stCondLst>
+                                        </p:cTn>
+                                        <p:tgtEl>
+                                          <p:spTgt spid="3">
+                                            <p:txEl>
+                                              <p:pRg st="0" end="0"/>
+                                            </p:txEl>
+                                          </p:spTgt>
+                                        </p:tgtEl>
+                                        <p:attrNameLst>
+                                          <p:attrName>style.visibility</p:attrName>
+                                        </p:attrNameLst>
+                                      </p:cBhvr>
+                                      <p:to>
+                                        <p:strVal val="visible"/>
+                                      </p:to>
+                                    </p:set>
+                                  </p:childTnLst>
+                                </p:cTn>
+                              </p:par>
+                              <p:par>
+                                <p:cTn id="19" presetID="1" presetClass="entr" presetSubtype="0" fill="hold" nodeType="withEffect">
+                                  <p:stCondLst>
+                                    <p:cond delay="0"/>
+                                  </p:stCondLst>
+                                  <p:childTnLst>
+                                    <p:set>
+                                      <p:cBhvr>
+                                        <p:cTn id="20" dur="1" fill="hold">
+                                          <p:stCondLst>
+                                            <p:cond delay="0"/>
+                                          </p:stCondLst>
+                                        </p:cTn>
+                                        <p:tgtEl>
+                                          <p:spTgt spid="3">
+                                            <p:txEl>
+                                              <p:pRg st="6" end="6"/>
+                                            </p:txEl>
+                                          </p:spTgt>
+                                        </p:tgtEl>
+                                        <p:attrNameLst>
+                                          <p:attrName>style.visibility</p:attrName>
+                                        </p:attrNameLst>
+                                      </p:cBhvr>
+                                      <p:to>
+                                        <p:strVal val="visible"/>
+                                      </p:to>
+                                    </p:set>
+                                  </p:childTnLst>
+                                </p:cTn>
+                              </p:par>
+                              <p:par>
+                                <p:cTn id="21" presetID="1" presetClass="entr" presetSubtype="0" fill="hold" nodeType="withEffect">
+                                  <p:stCondLst>
+                                    <p:cond delay="0"/>
+                                  </p:stCondLst>
+                                  <p:childTnLst>
+                                    <p:set>
+                                      <p:cBhvr>
+                                        <p:cTn id="22" dur="1" fill="hold">
+                                          <p:stCondLst>
+                                            <p:cond delay="0"/>
+                                          </p:stCondLst>
+                                        </p:cTn>
+                                        <p:tgtEl>
+                                          <p:spTgt spid="3">
+                                            <p:txEl>
+                                              <p:pRg st="7" end="7"/>
+                                            </p:txEl>
+                                          </p:spTgt>
+                                        </p:tgtEl>
+                                        <p:attrNameLst>
+                                          <p:attrName>style.visibility</p:attrName>
+                                        </p:attrNameLst>
+                                      </p:cBhvr>
+                                      <p:to>
+                                        <p:strVal val="visible"/>
+                                      </p:to>
+                                    </p:set>
+                                  </p:childTnLst>
+                                </p:cTn>
+                              </p:par>
+                            </p:childTnLst>
+                          </p:cTn>
+                        </p:par>
+                      </p:childTnLst>
+                    </p:cTn>
+                  </p:par>
+                </p:childTnLst>
+              </p:cTn>
+              <p:prevCondLst>
+                <p:cond evt="onPrev" delay="0">
+                  <p:tgtEl>
+                    <p:sldTgt/>
+                  </p:tgtEl>
+                </p:cond>
+              </p:prevCondLst>
+              <p:nextCondLst>
+                <p:cond evt="onNext" delay="0">
+                  <p:tgtEl>
+                    <p:sldTgt/>
+                  </p:tgtEl>
+                </p:cond>
+              </p:nextCondLst>
+            </p:seq>
+          </p:childTnLst>
+        </p:cTn>
+      </p:par>
+    </p:tnLst>
+  </p:timing>
+</p:sld>
+</file>
+
+<file path=ppt/slides/slide30.xml><?xml version="1.0" encoding="utf-8"?>
 <p:sld xmlns:a="http://schemas.openxmlformats.org/drawingml/2006/main" xmlns:r="http://schemas.openxmlformats.org/officeDocument/2006/relationships" xmlns:p="http://schemas.openxmlformats.org/presentationml/2006/main">
   <p:cSld>
     <p:spTree>
@@ -17515,7 +19261,7 @@
 </p:sld>
 </file>
 
-<file path=ppt/slides/slide28.xml><?xml version="1.0" encoding="utf-8"?>
+<file path=ppt/slides/slide31.xml><?xml version="1.0" encoding="utf-8"?>
 <p:sld xmlns:a="http://schemas.openxmlformats.org/drawingml/2006/main" xmlns:r="http://schemas.openxmlformats.org/officeDocument/2006/relationships" xmlns:p="http://schemas.openxmlformats.org/presentationml/2006/main">
   <p:cSld>
     <p:spTree>
@@ -18711,7 +20457,7 @@
 </p:sld>
 </file>
 
-<file path=ppt/slides/slide29.xml><?xml version="1.0" encoding="utf-8"?>
+<file path=ppt/slides/slide32.xml><?xml version="1.0" encoding="utf-8"?>
 <p:sld xmlns:a="http://schemas.openxmlformats.org/drawingml/2006/main" xmlns:r="http://schemas.openxmlformats.org/officeDocument/2006/relationships" xmlns:p="http://schemas.openxmlformats.org/presentationml/2006/main">
   <p:cSld>
     <p:spTree>
@@ -19078,542 +20824,7 @@
 </p:sld>
 </file>
 
-<file path=ppt/slides/slide3.xml><?xml version="1.0" encoding="utf-8"?>
-<p:sld xmlns:a="http://schemas.openxmlformats.org/drawingml/2006/main" xmlns:r="http://schemas.openxmlformats.org/officeDocument/2006/relationships" xmlns:p="http://schemas.openxmlformats.org/presentationml/2006/main">
-  <p:cSld>
-    <p:spTree>
-      <p:nvGrpSpPr>
-        <p:cNvPr id="1" name=""/>
-        <p:cNvGrpSpPr/>
-        <p:nvPr/>
-      </p:nvGrpSpPr>
-      <p:grpSpPr>
-        <a:xfrm>
-          <a:off x="0" y="0"/>
-          <a:ext cx="0" cy="0"/>
-          <a:chOff x="0" y="0"/>
-          <a:chExt cx="0" cy="0"/>
-        </a:xfrm>
-      </p:grpSpPr>
-      <p:sp>
-        <p:nvSpPr>
-          <p:cNvPr id="21505" name="Title 1">
-            <a:extLst>
-              <a:ext uri="{FF2B5EF4-FFF2-40B4-BE49-F238E27FC236}">
-                <a16:creationId xmlns:a16="http://schemas.microsoft.com/office/drawing/2014/main" id="{BCBA125C-ACA7-FB47-96FC-9420F821AD81}"/>
-              </a:ext>
-            </a:extLst>
-          </p:cNvPr>
-          <p:cNvSpPr>
-            <a:spLocks noGrp="1" noChangeArrowheads="1"/>
-          </p:cNvSpPr>
-          <p:nvPr>
-            <p:ph type="title"/>
-          </p:nvPr>
-        </p:nvSpPr>
-        <p:spPr>
-          <a:xfrm>
-            <a:off x="235543" y="179462"/>
-            <a:ext cx="7886700" cy="622693"/>
-          </a:xfrm>
-        </p:spPr>
-        <p:txBody>
-          <a:bodyPr/>
-          <a:lstStyle/>
-          <a:p>
-            <a:pPr eaLnBrk="1" hangingPunct="1"/>
-            <a:r>
-              <a:rPr lang="en-US" altLang="en-US" dirty="0">
-                <a:ea typeface="ＭＳ Ｐゴシック" panose="020B0600070205080204" pitchFamily="34" charset="-128"/>
-              </a:rPr>
-              <a:t>Base 10 </a:t>
-            </a:r>
-            <a:r>
-              <a:rPr lang="en-US" altLang="zh-CN" dirty="0">
-                <a:ea typeface="宋体" panose="02010600030101010101" pitchFamily="2" charset="-122"/>
-              </a:rPr>
-              <a:t>(Decimal numbers)</a:t>
-            </a:r>
-            <a:endParaRPr lang="en-US" altLang="en-US" dirty="0">
-              <a:ea typeface="ＭＳ Ｐゴシック" panose="020B0600070205080204" pitchFamily="34" charset="-128"/>
-            </a:endParaRPr>
-          </a:p>
-        </p:txBody>
-      </p:sp>
-      <p:sp>
-        <p:nvSpPr>
-          <p:cNvPr id="3" name="Content Placeholder 2">
-            <a:extLst>
-              <a:ext uri="{FF2B5EF4-FFF2-40B4-BE49-F238E27FC236}">
-                <a16:creationId xmlns:a16="http://schemas.microsoft.com/office/drawing/2014/main" id="{44A58473-3189-0C44-8A5E-E353CDFB3E5C}"/>
-              </a:ext>
-            </a:extLst>
-          </p:cNvPr>
-          <p:cNvSpPr>
-            <a:spLocks noGrp="1" noChangeArrowheads="1"/>
-          </p:cNvSpPr>
-          <p:nvPr>
-            <p:ph idx="1"/>
-          </p:nvPr>
-        </p:nvSpPr>
-        <p:spPr>
-          <a:xfrm>
-            <a:off x="235543" y="931492"/>
-            <a:ext cx="8763178" cy="4604046"/>
-          </a:xfrm>
-        </p:spPr>
-        <p:txBody>
-          <a:bodyPr>
-            <a:normAutofit/>
-          </a:bodyPr>
-          <a:lstStyle/>
-          <a:p>
-            <a:pPr marL="0" indent="0">
-              <a:buNone/>
-            </a:pPr>
-            <a:r>
-              <a:rPr lang="en-US" altLang="en-US" dirty="0">
-                <a:solidFill>
-                  <a:srgbClr val="000000"/>
-                </a:solidFill>
-                <a:ea typeface="ＭＳ Ｐゴシック" panose="020B0600070205080204" pitchFamily="34" charset="-128"/>
-              </a:rPr>
-              <a:t>Computers store all information in the form of binary numbers. To understand binary numbers, let's first look at a more familiar system: decimal numbers.</a:t>
-            </a:r>
-          </a:p>
-          <a:p>
-            <a:pPr marL="0" indent="0">
-              <a:buNone/>
-            </a:pPr>
-            <a:endParaRPr lang="en-US" altLang="en-US" dirty="0">
-              <a:solidFill>
-                <a:srgbClr val="000000"/>
-              </a:solidFill>
-              <a:ea typeface="ＭＳ Ｐゴシック" panose="020B0600070205080204" pitchFamily="34" charset="-128"/>
-            </a:endParaRPr>
-          </a:p>
-          <a:p>
-            <a:pPr marL="0" indent="0">
-              <a:buNone/>
-            </a:pPr>
-            <a:r>
-              <a:rPr lang="en-US" altLang="en-US" dirty="0">
-                <a:solidFill>
-                  <a:srgbClr val="000000"/>
-                </a:solidFill>
-                <a:ea typeface="ＭＳ Ｐゴシック" panose="020B0600070205080204" pitchFamily="34" charset="-128"/>
-              </a:rPr>
-              <a:t>Decimal numbers is base 10. It uses 10 digits </a:t>
-            </a:r>
-            <a:r>
-              <a:rPr lang="en-US" altLang="zh-CN" dirty="0">
-                <a:ea typeface="宋体" panose="02010600030101010101" pitchFamily="2" charset="-122"/>
-              </a:rPr>
-              <a:t>{0,1,2,3…,9}.  </a:t>
-            </a:r>
-            <a:r>
-              <a:rPr lang="en-US" altLang="en-US" dirty="0">
-                <a:solidFill>
-                  <a:srgbClr val="000000"/>
-                </a:solidFill>
-                <a:ea typeface="ＭＳ Ｐゴシック" panose="020B0600070205080204" pitchFamily="34" charset="-128"/>
-              </a:rPr>
-              <a:t>Why do we prefer base 10? There are many reasons but one simple reason is simply because we </a:t>
-            </a:r>
-            <a:r>
-              <a:rPr lang="en-US" altLang="zh-CN" dirty="0">
-                <a:ea typeface="宋体" panose="02010600030101010101" pitchFamily="2" charset="-122"/>
-              </a:rPr>
-              <a:t>have ten fingers.</a:t>
-            </a:r>
-          </a:p>
-          <a:p>
-            <a:pPr marL="0" indent="0">
-              <a:buNone/>
-            </a:pPr>
-            <a:endParaRPr lang="en-US" altLang="zh-CN" dirty="0">
-              <a:ea typeface="宋体" panose="02010600030101010101" pitchFamily="2" charset="-122"/>
-            </a:endParaRPr>
-          </a:p>
-          <a:p>
-            <a:pPr marL="0" indent="0">
-              <a:buNone/>
-            </a:pPr>
-            <a:r>
-              <a:rPr lang="en-US" altLang="zh-CN" dirty="0">
-                <a:ea typeface="宋体" panose="02010600030101010101" pitchFamily="2" charset="-122"/>
-              </a:rPr>
-              <a:t>Base 10 (Decimal) uses 10 digits: {0,1,2,3…,9}.</a:t>
-            </a:r>
-          </a:p>
-          <a:p>
-            <a:pPr marL="0" indent="0">
-              <a:buNone/>
-            </a:pPr>
-            <a:r>
-              <a:rPr lang="en-US" altLang="zh-CN" dirty="0">
-                <a:ea typeface="宋体" panose="02010600030101010101" pitchFamily="2" charset="-122"/>
-              </a:rPr>
-              <a:t>Base 2 (Binary) uses 2 digits: {0,1}.</a:t>
-            </a:r>
-          </a:p>
-          <a:p>
-            <a:pPr marL="0" indent="0">
-              <a:buNone/>
-            </a:pPr>
-            <a:r>
-              <a:rPr lang="en-US" altLang="zh-CN" dirty="0">
-                <a:ea typeface="宋体" panose="02010600030101010101" pitchFamily="2" charset="-122"/>
-              </a:rPr>
-              <a:t>Base 8 (Octal) uses 8 digits: {0,1,2,3,4,5,6,7}</a:t>
-            </a:r>
-          </a:p>
-          <a:p>
-            <a:pPr marL="0" indent="0">
-              <a:buNone/>
-            </a:pPr>
-            <a:r>
-              <a:rPr lang="en-US" altLang="zh-CN" dirty="0">
-                <a:ea typeface="宋体" panose="02010600030101010101" pitchFamily="2" charset="-122"/>
-              </a:rPr>
-              <a:t>Base 16 (Hexadecimal) uses 16 digits: {0,1,2,3,4…,9,A,B,C,D,E,F}</a:t>
-            </a:r>
-          </a:p>
-          <a:p>
-            <a:pPr marL="0" indent="0">
-              <a:buNone/>
-            </a:pPr>
-            <a:endParaRPr lang="en-US" altLang="zh-CN" dirty="0">
-              <a:ea typeface="宋体" panose="02010600030101010101" pitchFamily="2" charset="-122"/>
-            </a:endParaRPr>
-          </a:p>
-          <a:p>
-            <a:pPr marL="0" indent="0"/>
-            <a:endParaRPr lang="en-US" altLang="en-US" dirty="0">
-              <a:ea typeface="ＭＳ Ｐゴシック" panose="020B0600070205080204" pitchFamily="34" charset="-128"/>
-            </a:endParaRPr>
-          </a:p>
-          <a:p>
-            <a:pPr marL="0" indent="0">
-              <a:buNone/>
-            </a:pPr>
-            <a:endParaRPr lang="en-US" altLang="en-US" dirty="0">
-              <a:ea typeface="ＭＳ Ｐゴシック" panose="020B0600070205080204" pitchFamily="34" charset="-128"/>
-            </a:endParaRPr>
-          </a:p>
-          <a:p>
-            <a:pPr marL="0" indent="0">
-              <a:buNone/>
-            </a:pPr>
-            <a:endParaRPr lang="en-US" altLang="en-US" dirty="0">
-              <a:latin typeface="Tahoma" panose="020B0604030504040204" pitchFamily="34" charset="0"/>
-              <a:ea typeface="ＭＳ Ｐゴシック" panose="020B0600070205080204" pitchFamily="34" charset="-128"/>
-            </a:endParaRPr>
-          </a:p>
-        </p:txBody>
-      </p:sp>
-    </p:spTree>
-    <p:extLst>
-      <p:ext uri="{BB962C8B-B14F-4D97-AF65-F5344CB8AC3E}">
-        <p14:creationId xmlns:p14="http://schemas.microsoft.com/office/powerpoint/2010/main" val="833801237"/>
-      </p:ext>
-    </p:extLst>
-  </p:cSld>
-  <p:clrMapOvr>
-    <a:masterClrMapping/>
-  </p:clrMapOvr>
-  <p:timing>
-    <p:tnLst>
-      <p:par>
-        <p:cTn id="1" dur="indefinite" restart="never" nodeType="tmRoot">
-          <p:childTnLst>
-            <p:seq concurrent="1" nextAc="seek">
-              <p:cTn id="2" dur="indefinite" nodeType="mainSeq">
-                <p:childTnLst>
-                  <p:par>
-                    <p:cTn id="3" fill="hold">
-                      <p:stCondLst>
-                        <p:cond delay="indefinite"/>
-                      </p:stCondLst>
-                      <p:childTnLst>
-                        <p:par>
-                          <p:cTn id="4" fill="hold">
-                            <p:stCondLst>
-                              <p:cond delay="0"/>
-                            </p:stCondLst>
-                            <p:childTnLst>
-                              <p:par>
-                                <p:cTn id="5" presetID="1" presetClass="entr" presetSubtype="0" fill="hold" nodeType="clickEffect">
-                                  <p:stCondLst>
-                                    <p:cond delay="0"/>
-                                  </p:stCondLst>
-                                  <p:childTnLst>
-                                    <p:set>
-                                      <p:cBhvr>
-                                        <p:cTn id="6" dur="1" fill="hold">
-                                          <p:stCondLst>
-                                            <p:cond delay="0"/>
-                                          </p:stCondLst>
-                                        </p:cTn>
-                                        <p:tgtEl>
-                                          <p:spTgt spid="3">
-                                            <p:txEl>
-                                              <p:pRg st="2" end="2"/>
-                                            </p:txEl>
-                                          </p:spTgt>
-                                        </p:tgtEl>
-                                        <p:attrNameLst>
-                                          <p:attrName>style.visibility</p:attrName>
-                                        </p:attrNameLst>
-                                      </p:cBhvr>
-                                      <p:to>
-                                        <p:strVal val="visible"/>
-                                      </p:to>
-                                    </p:set>
-                                  </p:childTnLst>
-                                </p:cTn>
-                              </p:par>
-                            </p:childTnLst>
-                          </p:cTn>
-                        </p:par>
-                      </p:childTnLst>
-                    </p:cTn>
-                  </p:par>
-                  <p:par>
-                    <p:cTn id="7" fill="hold">
-                      <p:stCondLst>
-                        <p:cond delay="indefinite"/>
-                      </p:stCondLst>
-                      <p:childTnLst>
-                        <p:par>
-                          <p:cTn id="8" fill="hold">
-                            <p:stCondLst>
-                              <p:cond delay="0"/>
-                            </p:stCondLst>
-                            <p:childTnLst>
-                              <p:par>
-                                <p:cTn id="9" presetID="1" presetClass="entr" presetSubtype="0" fill="hold" nodeType="clickEffect">
-                                  <p:stCondLst>
-                                    <p:cond delay="0"/>
-                                  </p:stCondLst>
-                                  <p:childTnLst>
-                                    <p:set>
-                                      <p:cBhvr>
-                                        <p:cTn id="10" dur="1" fill="hold">
-                                          <p:stCondLst>
-                                            <p:cond delay="0"/>
-                                          </p:stCondLst>
-                                        </p:cTn>
-                                        <p:tgtEl>
-                                          <p:spTgt spid="3">
-                                            <p:txEl>
-                                              <p:pRg st="4" end="4"/>
-                                            </p:txEl>
-                                          </p:spTgt>
-                                        </p:tgtEl>
-                                        <p:attrNameLst>
-                                          <p:attrName>style.visibility</p:attrName>
-                                        </p:attrNameLst>
-                                      </p:cBhvr>
-                                      <p:to>
-                                        <p:strVal val="visible"/>
-                                      </p:to>
-                                    </p:set>
-                                  </p:childTnLst>
-                                </p:cTn>
-                              </p:par>
-                            </p:childTnLst>
-                          </p:cTn>
-                        </p:par>
-                      </p:childTnLst>
-                    </p:cTn>
-                  </p:par>
-                  <p:par>
-                    <p:cTn id="11" fill="hold">
-                      <p:stCondLst>
-                        <p:cond delay="indefinite"/>
-                      </p:stCondLst>
-                      <p:childTnLst>
-                        <p:par>
-                          <p:cTn id="12" fill="hold">
-                            <p:stCondLst>
-                              <p:cond delay="0"/>
-                            </p:stCondLst>
-                            <p:childTnLst>
-                              <p:par>
-                                <p:cTn id="13" presetID="1" presetClass="entr" presetSubtype="0" fill="hold" nodeType="clickEffect">
-                                  <p:stCondLst>
-                                    <p:cond delay="0"/>
-                                  </p:stCondLst>
-                                  <p:childTnLst>
-                                    <p:set>
-                                      <p:cBhvr>
-                                        <p:cTn id="14" dur="1" fill="hold">
-                                          <p:stCondLst>
-                                            <p:cond delay="0"/>
-                                          </p:stCondLst>
-                                        </p:cTn>
-                                        <p:tgtEl>
-                                          <p:spTgt spid="3">
-                                            <p:txEl>
-                                              <p:pRg st="5" end="5"/>
-                                            </p:txEl>
-                                          </p:spTgt>
-                                        </p:tgtEl>
-                                        <p:attrNameLst>
-                                          <p:attrName>style.visibility</p:attrName>
-                                        </p:attrNameLst>
-                                      </p:cBhvr>
-                                      <p:to>
-                                        <p:strVal val="visible"/>
-                                      </p:to>
-                                    </p:set>
-                                  </p:childTnLst>
-                                </p:cTn>
-                              </p:par>
-                            </p:childTnLst>
-                          </p:cTn>
-                        </p:par>
-                      </p:childTnLst>
-                    </p:cTn>
-                  </p:par>
-                  <p:par>
-                    <p:cTn id="15" fill="hold">
-                      <p:stCondLst>
-                        <p:cond delay="indefinite"/>
-                      </p:stCondLst>
-                      <p:childTnLst>
-                        <p:par>
-                          <p:cTn id="16" fill="hold">
-                            <p:stCondLst>
-                              <p:cond delay="0"/>
-                            </p:stCondLst>
-                            <p:childTnLst>
-                              <p:par>
-                                <p:cTn id="17" presetID="1" presetClass="entr" presetSubtype="0" fill="hold" nodeType="clickEffect">
-                                  <p:stCondLst>
-                                    <p:cond delay="0"/>
-                                  </p:stCondLst>
-                                  <p:childTnLst>
-                                    <p:set>
-                                      <p:cBhvr>
-                                        <p:cTn id="18" dur="1" fill="hold">
-                                          <p:stCondLst>
-                                            <p:cond delay="0"/>
-                                          </p:stCondLst>
-                                        </p:cTn>
-                                        <p:tgtEl>
-                                          <p:spTgt spid="3">
-                                            <p:txEl>
-                                              <p:pRg st="0" end="0"/>
-                                            </p:txEl>
-                                          </p:spTgt>
-                                        </p:tgtEl>
-                                        <p:attrNameLst>
-                                          <p:attrName>style.visibility</p:attrName>
-                                        </p:attrNameLst>
-                                      </p:cBhvr>
-                                      <p:to>
-                                        <p:strVal val="visible"/>
-                                      </p:to>
-                                    </p:set>
-                                  </p:childTnLst>
-                                </p:cTn>
-                              </p:par>
-                              <p:par>
-                                <p:cTn id="19" presetID="1" presetClass="entr" presetSubtype="0" fill="hold" nodeType="withEffect">
-                                  <p:stCondLst>
-                                    <p:cond delay="0"/>
-                                  </p:stCondLst>
-                                  <p:childTnLst>
-                                    <p:set>
-                                      <p:cBhvr>
-                                        <p:cTn id="20" dur="1" fill="hold">
-                                          <p:stCondLst>
-                                            <p:cond delay="0"/>
-                                          </p:stCondLst>
-                                        </p:cTn>
-                                        <p:tgtEl>
-                                          <p:spTgt spid="3">
-                                            <p:txEl>
-                                              <p:pRg st="6" end="6"/>
-                                            </p:txEl>
-                                          </p:spTgt>
-                                        </p:tgtEl>
-                                        <p:attrNameLst>
-                                          <p:attrName>style.visibility</p:attrName>
-                                        </p:attrNameLst>
-                                      </p:cBhvr>
-                                      <p:to>
-                                        <p:strVal val="visible"/>
-                                      </p:to>
-                                    </p:set>
-                                  </p:childTnLst>
-                                </p:cTn>
-                              </p:par>
-                              <p:par>
-                                <p:cTn id="21" presetID="1" presetClass="entr" presetSubtype="0" fill="hold" nodeType="withEffect">
-                                  <p:stCondLst>
-                                    <p:cond delay="0"/>
-                                  </p:stCondLst>
-                                  <p:childTnLst>
-                                    <p:set>
-                                      <p:cBhvr>
-                                        <p:cTn id="22" dur="1" fill="hold">
-                                          <p:stCondLst>
-                                            <p:cond delay="0"/>
-                                          </p:stCondLst>
-                                        </p:cTn>
-                                        <p:tgtEl>
-                                          <p:spTgt spid="3">
-                                            <p:txEl>
-                                              <p:pRg st="7" end="7"/>
-                                            </p:txEl>
-                                          </p:spTgt>
-                                        </p:tgtEl>
-                                        <p:attrNameLst>
-                                          <p:attrName>style.visibility</p:attrName>
-                                        </p:attrNameLst>
-                                      </p:cBhvr>
-                                      <p:to>
-                                        <p:strVal val="visible"/>
-                                      </p:to>
-                                    </p:set>
-                                  </p:childTnLst>
-                                </p:cTn>
-                              </p:par>
-                            </p:childTnLst>
-                          </p:cTn>
-                        </p:par>
-                      </p:childTnLst>
-                    </p:cTn>
-                  </p:par>
-                </p:childTnLst>
-              </p:cTn>
-              <p:prevCondLst>
-                <p:cond evt="onPrev" delay="0">
-                  <p:tgtEl>
-                    <p:sldTgt/>
-                  </p:tgtEl>
-                </p:cond>
-              </p:prevCondLst>
-              <p:nextCondLst>
-                <p:cond evt="onNext" delay="0">
-                  <p:tgtEl>
-                    <p:sldTgt/>
-                  </p:tgtEl>
-                </p:cond>
-              </p:nextCondLst>
-            </p:seq>
-          </p:childTnLst>
-        </p:cTn>
-      </p:par>
-    </p:tnLst>
-  </p:timing>
-</p:sld>
-</file>
-
-<file path=ppt/slides/slide30.xml><?xml version="1.0" encoding="utf-8"?>
+<file path=ppt/slides/slide33.xml><?xml version="1.0" encoding="utf-8"?>
 <p:sld xmlns:a="http://schemas.openxmlformats.org/drawingml/2006/main" xmlns:r="http://schemas.openxmlformats.org/officeDocument/2006/relationships" xmlns:p="http://schemas.openxmlformats.org/presentationml/2006/main">
   <p:cSld>
     <p:spTree>
@@ -21051,8 +22262,8 @@
           </a:p>
         </p:txBody>
       </p:sp>
-      <mc:AlternateContent xmlns:mc="http://schemas.openxmlformats.org/markup-compatibility/2006">
-        <mc:Choice xmlns:a14="http://schemas.microsoft.com/office/drawing/2010/main" Requires="a14">
+      <mc:AlternateContent xmlns:mc="http://schemas.openxmlformats.org/markup-compatibility/2006" xmlns:a14="http://schemas.microsoft.com/office/drawing/2010/main">
+        <mc:Choice Requires="a14">
           <p:sp>
             <p:nvSpPr>
               <p:cNvPr id="3" name="Content Placeholder 2">
@@ -21379,7 +22590,7 @@
             </p:txBody>
           </p:sp>
         </mc:Choice>
-        <mc:Fallback>
+        <mc:Fallback xmlns="">
           <p:sp>
             <p:nvSpPr>
               <p:cNvPr id="3" name="Content Placeholder 2">
@@ -21489,8 +22700,8 @@
           </a:p>
         </p:txBody>
       </p:sp>
-      <mc:AlternateContent xmlns:mc="http://schemas.openxmlformats.org/markup-compatibility/2006">
-        <mc:Choice xmlns:a14="http://schemas.microsoft.com/office/drawing/2010/main" Requires="a14">
+      <mc:AlternateContent xmlns:mc="http://schemas.openxmlformats.org/markup-compatibility/2006" xmlns:a14="http://schemas.microsoft.com/office/drawing/2010/main">
+        <mc:Choice Requires="a14">
           <p:sp>
             <p:nvSpPr>
               <p:cNvPr id="3" name="Content Placeholder 2">
@@ -22005,7 +23216,7 @@
             </p:txBody>
           </p:sp>
         </mc:Choice>
-        <mc:Fallback>
+        <mc:Fallback xmlns="">
           <p:sp>
             <p:nvSpPr>
               <p:cNvPr id="3" name="Content Placeholder 2">
@@ -22110,123 +23321,373 @@
               <a:rPr lang="en-US" altLang="en-US" dirty="0">
                 <a:ea typeface="ＭＳ Ｐゴシック" panose="020B0600070205080204" pitchFamily="34" charset="-128"/>
               </a:rPr>
-              <a:t>Decimal to Binary</a:t>
+              <a:t>Decimal to Binary(Method 1)</a:t>
             </a:r>
           </a:p>
         </p:txBody>
       </p:sp>
-      <p:sp>
-        <p:nvSpPr>
-          <p:cNvPr id="26626" name="Content Placeholder 2">
+      <mc:AlternateContent xmlns:mc="http://schemas.openxmlformats.org/markup-compatibility/2006">
+        <mc:Choice xmlns:a14="http://schemas.microsoft.com/office/drawing/2010/main" Requires="a14">
+          <p:sp>
+            <p:nvSpPr>
+              <p:cNvPr id="26626" name="Content Placeholder 2">
+                <a:extLst>
+                  <a:ext uri="{FF2B5EF4-FFF2-40B4-BE49-F238E27FC236}">
+                    <a16:creationId xmlns:a16="http://schemas.microsoft.com/office/drawing/2014/main" id="{EBDCF6EE-E392-F04F-9B69-A1B47BE13E5F}"/>
+                  </a:ext>
+                </a:extLst>
+              </p:cNvPr>
+              <p:cNvSpPr>
+                <a:spLocks noGrp="1" noChangeArrowheads="1"/>
+              </p:cNvSpPr>
+              <p:nvPr>
+                <p:ph idx="1"/>
+              </p:nvPr>
+            </p:nvSpPr>
+            <p:spPr>
+              <a:xfrm>
+                <a:off x="213645" y="905854"/>
+                <a:ext cx="8716710" cy="4412806"/>
+              </a:xfrm>
+            </p:spPr>
+            <p:txBody>
+              <a:bodyPr>
+                <a:normAutofit lnSpcReduction="10000"/>
+              </a:bodyPr>
+              <a:lstStyle/>
+              <a:p>
+                <a:pPr marL="0" indent="0">
+                  <a:buNone/>
+                </a:pPr>
+                <a:r>
+                  <a:rPr lang="en-US" altLang="en-US" sz="2000" dirty="0">
+                    <a:ea typeface="ＭＳ Ｐゴシック" panose="020B0600070205080204" pitchFamily="34" charset="-128"/>
+                  </a:rPr>
+                  <a:t>There are a couple of ways to convert from decimal to binary. This first method is a bit more intuitive. </a:t>
+                </a:r>
+              </a:p>
+              <a:p>
+                <a:pPr marL="0" indent="0">
+                  <a:buNone/>
+                </a:pPr>
+                <a:endParaRPr lang="en-US" altLang="en-US" sz="2000" dirty="0">
+                  <a:ea typeface="ＭＳ Ｐゴシック" panose="020B0600070205080204" pitchFamily="34" charset="-128"/>
+                </a:endParaRPr>
+              </a:p>
+              <a:p>
+                <a:pPr marL="0" indent="0">
+                  <a:buNone/>
+                </a:pPr>
+                <a:r>
+                  <a:rPr lang="en-US" altLang="en-US" sz="2000" dirty="0">
+                    <a:ea typeface="ＭＳ Ｐゴシック" panose="020B0600070205080204" pitchFamily="34" charset="-128"/>
+                  </a:rPr>
+                  <a:t>Given a number n in decimal.  We’ll explain this process for n = 23. To convert to binary:</a:t>
+                </a:r>
+              </a:p>
+              <a:p>
+                <a:pPr marL="0" indent="0">
+                  <a:buNone/>
+                </a:pPr>
+                <a:endParaRPr lang="en-US" altLang="en-US" sz="2000" dirty="0">
+                  <a:ea typeface="ＭＳ Ｐゴシック" panose="020B0600070205080204" pitchFamily="34" charset="-128"/>
+                </a:endParaRPr>
+              </a:p>
+              <a:p>
+                <a:pPr marL="457200" indent="-457200">
+                  <a:buFont typeface="Arial" panose="020B0604020202020204" pitchFamily="34" charset="0"/>
+                  <a:buAutoNum type="arabicParenR"/>
+                </a:pPr>
+                <a:r>
+                  <a:rPr lang="en-US" altLang="en-US" sz="2000" dirty="0">
+                    <a:ea typeface="ＭＳ Ｐゴシック" panose="020B0600070205080204" pitchFamily="34" charset="-128"/>
+                  </a:rPr>
+                  <a:t>Make a table of powers of 2 from right to left starting at </a:t>
+                </a:r>
+                <a14:m>
+                  <m:oMath xmlns:m="http://schemas.openxmlformats.org/officeDocument/2006/math">
+                    <m:sSup>
+                      <m:sSupPr>
+                        <m:ctrlPr>
+                          <a:rPr lang="en-US" altLang="en-US" sz="2000" b="0" i="1" smtClean="0">
+                            <a:latin typeface="Cambria Math" panose="02040503050406030204" pitchFamily="18" charset="0"/>
+                            <a:ea typeface="ＭＳ Ｐゴシック" panose="020B0600070205080204" pitchFamily="34" charset="-128"/>
+                          </a:rPr>
+                        </m:ctrlPr>
+                      </m:sSupPr>
+                      <m:e>
+                        <m:r>
+                          <a:rPr lang="en-US" altLang="en-US" sz="2000" b="0" i="1" smtClean="0">
+                            <a:latin typeface="Cambria Math" panose="02040503050406030204" pitchFamily="18" charset="0"/>
+                            <a:ea typeface="ＭＳ Ｐゴシック" panose="020B0600070205080204" pitchFamily="34" charset="-128"/>
+                          </a:rPr>
+                          <m:t>2</m:t>
+                        </m:r>
+                      </m:e>
+                      <m:sup>
+                        <m:r>
+                          <a:rPr lang="en-US" altLang="en-US" sz="2000" b="0" i="1" smtClean="0">
+                            <a:latin typeface="Cambria Math" panose="02040503050406030204" pitchFamily="18" charset="0"/>
+                            <a:ea typeface="ＭＳ Ｐゴシック" panose="020B0600070205080204" pitchFamily="34" charset="-128"/>
+                          </a:rPr>
+                          <m:t>0</m:t>
+                        </m:r>
+                      </m:sup>
+                    </m:sSup>
+                    <m:r>
+                      <a:rPr lang="en-US" altLang="en-US" sz="2000" b="0" i="1" smtClean="0">
+                        <a:latin typeface="Cambria Math" panose="02040503050406030204" pitchFamily="18" charset="0"/>
+                        <a:ea typeface="ＭＳ Ｐゴシック" panose="020B0600070205080204" pitchFamily="34" charset="-128"/>
+                      </a:rPr>
+                      <m:t>=1.</m:t>
+                    </m:r>
+                  </m:oMath>
+                </a14:m>
+                <a:r>
+                  <a:rPr lang="en-US" altLang="en-US" sz="2000" dirty="0">
+                    <a:ea typeface="ＭＳ Ｐゴシック" panose="020B0600070205080204" pitchFamily="34" charset="-128"/>
+                  </a:rPr>
+                  <a:t> </a:t>
+                </a:r>
+                <a:r>
+                  <a:rPr lang="en-US" sz="2000" dirty="0"/>
+                  <a:t>Choose the biggest power of two that will fit into the number you are converting. Your table will end with this number. For example, if n = 23, 16 is the greatest power of two that will fit into 23.</a:t>
+                </a:r>
+                <a:endParaRPr lang="en-US" altLang="en-US" sz="1800" dirty="0">
+                  <a:ea typeface="ＭＳ Ｐゴシック" panose="020B0600070205080204" pitchFamily="34" charset="-128"/>
+                </a:endParaRPr>
+              </a:p>
+              <a:p>
+                <a:pPr marL="457200" indent="-457200">
+                  <a:buAutoNum type="arabicParenR"/>
+                </a:pPr>
+                <a:endParaRPr lang="en-US" altLang="en-US" sz="2000" dirty="0">
+                  <a:ea typeface="ＭＳ Ｐゴシック" panose="020B0600070205080204" pitchFamily="34" charset="-128"/>
+                </a:endParaRPr>
+              </a:p>
+              <a:p>
+                <a:pPr marL="457200" indent="-457200">
+                  <a:buAutoNum type="arabicParenR"/>
+                </a:pPr>
+                <a:endParaRPr lang="en-US" altLang="en-US" sz="2000" dirty="0">
+                  <a:ea typeface="ＭＳ Ｐゴシック" panose="020B0600070205080204" pitchFamily="34" charset="-128"/>
+                </a:endParaRPr>
+              </a:p>
+              <a:p>
+                <a:pPr marL="457200" indent="-457200">
+                  <a:buFont typeface="Arial" panose="020B0604020202020204" pitchFamily="34" charset="0"/>
+                  <a:buAutoNum type="arabicParenR"/>
+                </a:pPr>
+                <a:r>
+                  <a:rPr lang="en-US" altLang="en-US" sz="2000" dirty="0">
+                    <a:ea typeface="ＭＳ Ｐゴシック" panose="020B0600070205080204" pitchFamily="34" charset="-128"/>
+                  </a:rPr>
+                  <a:t>Write a 1 beneath the 16 in the table for the leftmost binary digit. Then, subtract 16 from your initial number. You now have 7.</a:t>
+                </a:r>
+              </a:p>
+              <a:p>
+                <a:pPr marL="457200" indent="-457200">
+                  <a:buAutoNum type="arabicParenR"/>
+                </a:pPr>
+                <a:endParaRPr lang="en-US" altLang="en-US" sz="2000" dirty="0">
+                  <a:ea typeface="ＭＳ Ｐゴシック" panose="020B0600070205080204" pitchFamily="34" charset="-128"/>
+                </a:endParaRPr>
+              </a:p>
+            </p:txBody>
+          </p:sp>
+        </mc:Choice>
+        <mc:Fallback>
+          <p:sp>
+            <p:nvSpPr>
+              <p:cNvPr id="26626" name="Content Placeholder 2">
+                <a:extLst>
+                  <a:ext uri="{FF2B5EF4-FFF2-40B4-BE49-F238E27FC236}">
+                    <a16:creationId xmlns:a16="http://schemas.microsoft.com/office/drawing/2014/main" id="{EBDCF6EE-E392-F04F-9B69-A1B47BE13E5F}"/>
+                  </a:ext>
+                </a:extLst>
+              </p:cNvPr>
+              <p:cNvSpPr>
+                <a:spLocks noGrp="1" noRot="1" noChangeAspect="1" noMove="1" noResize="1" noEditPoints="1" noAdjustHandles="1" noChangeArrowheads="1" noChangeShapeType="1" noTextEdit="1"/>
+              </p:cNvSpPr>
+              <p:nvPr>
+                <p:ph idx="1"/>
+              </p:nvPr>
+            </p:nvSpPr>
+            <p:spPr>
+              <a:xfrm>
+                <a:off x="213645" y="905854"/>
+                <a:ext cx="8716710" cy="4412806"/>
+              </a:xfrm>
+              <a:blipFill>
+                <a:blip r:embed="rId2"/>
+                <a:stretch>
+                  <a:fillRect l="-581" t="-2299"/>
+                </a:stretch>
+              </a:blipFill>
+            </p:spPr>
+            <p:txBody>
+              <a:bodyPr/>
+              <a:lstStyle/>
+              <a:p>
+                <a:r>
+                  <a:rPr lang="en-US">
+                    <a:noFill/>
+                  </a:rPr>
+                  <a:t> </a:t>
+                </a:r>
+              </a:p>
+            </p:txBody>
+          </p:sp>
+        </mc:Fallback>
+      </mc:AlternateContent>
+      <p:graphicFrame>
+        <p:nvGraphicFramePr>
+          <p:cNvPr id="2" name="Table 1">
             <a:extLst>
               <a:ext uri="{FF2B5EF4-FFF2-40B4-BE49-F238E27FC236}">
-                <a16:creationId xmlns:a16="http://schemas.microsoft.com/office/drawing/2014/main" id="{EBDCF6EE-E392-F04F-9B69-A1B47BE13E5F}"/>
+                <a16:creationId xmlns:a16="http://schemas.microsoft.com/office/drawing/2014/main" id="{17729940-62AC-1D01-AA18-D3078CC59D28}"/>
               </a:ext>
             </a:extLst>
           </p:cNvPr>
-          <p:cNvSpPr>
-            <a:spLocks noGrp="1" noChangeArrowheads="1"/>
-          </p:cNvSpPr>
+          <p:cNvGraphicFramePr>
+            <a:graphicFrameLocks noGrp="1"/>
+          </p:cNvGraphicFramePr>
           <p:nvPr>
-            <p:ph idx="1"/>
+            <p:extLst>
+              <p:ext uri="{D42A27DB-BD31-4B8C-83A1-F6EECF244321}">
+                <p14:modId xmlns:p14="http://schemas.microsoft.com/office/powerpoint/2010/main" val="4028423723"/>
+              </p:ext>
+            </p:extLst>
           </p:nvPr>
-        </p:nvSpPr>
-        <p:spPr>
-          <a:xfrm>
-            <a:off x="213645" y="905854"/>
-            <a:ext cx="8716710" cy="4412806"/>
-          </a:xfrm>
-        </p:spPr>
-        <p:txBody>
-          <a:bodyPr>
-            <a:normAutofit/>
-          </a:bodyPr>
-          <a:lstStyle/>
-          <a:p>
-            <a:pPr marL="0" indent="0">
-              <a:buNone/>
-            </a:pPr>
-            <a:r>
-              <a:rPr lang="en-US" altLang="en-US" sz="2000" dirty="0">
-                <a:ea typeface="ＭＳ Ｐゴシック" panose="020B0600070205080204" pitchFamily="34" charset="-128"/>
-              </a:rPr>
-              <a:t>Repeatedly modulo 2 and the divide by 2. Stop at 0. The remainder list read top to bottom are the digits from left to right. </a:t>
-            </a:r>
-          </a:p>
-        </p:txBody>
-      </p:sp>
-      <p:pic>
-        <p:nvPicPr>
-          <p:cNvPr id="26627" name="Picture 4" descr="ten22">
-            <a:extLst>
-              <a:ext uri="{FF2B5EF4-FFF2-40B4-BE49-F238E27FC236}">
-                <a16:creationId xmlns:a16="http://schemas.microsoft.com/office/drawing/2014/main" id="{4CB819D5-BF58-EF49-ADC3-C5DAC8299BED}"/>
-              </a:ext>
-            </a:extLst>
-          </p:cNvPr>
-          <p:cNvPicPr>
-            <a:picLocks noChangeAspect="1" noChangeArrowheads="1"/>
-          </p:cNvPicPr>
-          <p:nvPr/>
-        </p:nvPicPr>
-        <p:blipFill>
-          <a:blip r:embed="rId2">
-            <a:extLst>
-              <a:ext uri="{28A0092B-C50C-407E-A947-70E740481C1C}">
-                <a14:useLocalDpi xmlns:a14="http://schemas.microsoft.com/office/drawing/2010/main" val="0"/>
-              </a:ext>
-            </a:extLst>
-          </a:blip>
-          <a:srcRect/>
-          <a:stretch>
-            <a:fillRect/>
-          </a:stretch>
-        </p:blipFill>
-        <p:spPr bwMode="auto">
-          <a:xfrm>
-            <a:off x="2125805" y="1745304"/>
-            <a:ext cx="4536130" cy="3684454"/>
-          </a:xfrm>
-          <a:prstGeom prst="rect">
-            <a:avLst/>
-          </a:prstGeom>
-          <a:noFill/>
-          <a:ln>
-            <a:noFill/>
-          </a:ln>
-          <a:effectLst/>
-          <a:extLst>
-            <a:ext uri="{909E8E84-426E-40DD-AFC4-6F175D3DCCD1}">
-              <a14:hiddenFill xmlns:a14="http://schemas.microsoft.com/office/drawing/2010/main">
-                <a:solidFill>
-                  <a:srgbClr val="FFFFFF"/>
-                </a:solidFill>
-              </a14:hiddenFill>
-            </a:ext>
-            <a:ext uri="{91240B29-F687-4F45-9708-019B960494DF}">
-              <a14:hiddenLine xmlns:a14="http://schemas.microsoft.com/office/drawing/2010/main" w="9525">
-                <a:solidFill>
-                  <a:srgbClr val="000000"/>
-                </a:solidFill>
-                <a:miter lim="800000"/>
-                <a:headEnd/>
-                <a:tailEnd/>
-              </a14:hiddenLine>
-            </a:ext>
-            <a:ext uri="{AF507438-7753-43E0-B8FC-AC1667EBCBE1}">
-              <a14:hiddenEffects xmlns:a14="http://schemas.microsoft.com/office/drawing/2010/main">
-                <a:effectLst>
-                  <a:outerShdw dist="35921" dir="2700000" algn="ctr" rotWithShape="0">
-                    <a:srgbClr val="808080">
-                      <a:alpha val="74997"/>
-                    </a:srgbClr>
-                  </a:outerShdw>
-                </a:effectLst>
-              </a14:hiddenEffects>
-            </a:ext>
-          </a:extLst>
-        </p:spPr>
-      </p:pic>
+        </p:nvGraphicFramePr>
+        <p:xfrm>
+          <a:off x="1011253" y="4019665"/>
+          <a:ext cx="6096000" cy="370840"/>
+        </p:xfrm>
+        <a:graphic>
+          <a:graphicData uri="http://schemas.openxmlformats.org/drawingml/2006/table">
+            <a:tbl>
+              <a:tblPr firstRow="1" bandRow="1">
+                <a:tableStyleId>{5940675A-B579-460E-94D1-54222C63F5DA}</a:tableStyleId>
+              </a:tblPr>
+              <a:tblGrid>
+                <a:gridCol w="1219200">
+                  <a:extLst>
+                    <a:ext uri="{9D8B030D-6E8A-4147-A177-3AD203B41FA5}">
+                      <a16:colId xmlns:a16="http://schemas.microsoft.com/office/drawing/2014/main" val="3325921765"/>
+                    </a:ext>
+                  </a:extLst>
+                </a:gridCol>
+                <a:gridCol w="1219200">
+                  <a:extLst>
+                    <a:ext uri="{9D8B030D-6E8A-4147-A177-3AD203B41FA5}">
+                      <a16:colId xmlns:a16="http://schemas.microsoft.com/office/drawing/2014/main" val="1150075258"/>
+                    </a:ext>
+                  </a:extLst>
+                </a:gridCol>
+                <a:gridCol w="1219200">
+                  <a:extLst>
+                    <a:ext uri="{9D8B030D-6E8A-4147-A177-3AD203B41FA5}">
+                      <a16:colId xmlns:a16="http://schemas.microsoft.com/office/drawing/2014/main" val="22037491"/>
+                    </a:ext>
+                  </a:extLst>
+                </a:gridCol>
+                <a:gridCol w="1219200">
+                  <a:extLst>
+                    <a:ext uri="{9D8B030D-6E8A-4147-A177-3AD203B41FA5}">
+                      <a16:colId xmlns:a16="http://schemas.microsoft.com/office/drawing/2014/main" val="3459991895"/>
+                    </a:ext>
+                  </a:extLst>
+                </a:gridCol>
+                <a:gridCol w="1219200">
+                  <a:extLst>
+                    <a:ext uri="{9D8B030D-6E8A-4147-A177-3AD203B41FA5}">
+                      <a16:colId xmlns:a16="http://schemas.microsoft.com/office/drawing/2014/main" val="3035601106"/>
+                    </a:ext>
+                  </a:extLst>
+                </a:gridCol>
+              </a:tblGrid>
+              <a:tr h="370840">
+                <a:tc>
+                  <a:txBody>
+                    <a:bodyPr/>
+                    <a:lstStyle/>
+                    <a:p>
+                      <a:pPr algn="ctr"/>
+                      <a:r>
+                        <a:rPr lang="en-US" sz="1800" dirty="0"/>
+                        <a:t>16</a:t>
+                      </a:r>
+                    </a:p>
+                  </a:txBody>
+                  <a:tcPr/>
+                </a:tc>
+                <a:tc>
+                  <a:txBody>
+                    <a:bodyPr/>
+                    <a:lstStyle/>
+                    <a:p>
+                      <a:pPr algn="ctr"/>
+                      <a:r>
+                        <a:rPr lang="en-US" sz="1800" dirty="0"/>
+                        <a:t>8</a:t>
+                      </a:r>
+                    </a:p>
+                  </a:txBody>
+                  <a:tcPr/>
+                </a:tc>
+                <a:tc>
+                  <a:txBody>
+                    <a:bodyPr/>
+                    <a:lstStyle/>
+                    <a:p>
+                      <a:pPr algn="ctr"/>
+                      <a:r>
+                        <a:rPr lang="en-US" sz="1800" dirty="0"/>
+                        <a:t>4</a:t>
+                      </a:r>
+                    </a:p>
+                  </a:txBody>
+                  <a:tcPr/>
+                </a:tc>
+                <a:tc>
+                  <a:txBody>
+                    <a:bodyPr/>
+                    <a:lstStyle/>
+                    <a:p>
+                      <a:pPr algn="ctr"/>
+                      <a:r>
+                        <a:rPr lang="en-US" sz="1800" dirty="0"/>
+                        <a:t>2</a:t>
+                      </a:r>
+                    </a:p>
+                  </a:txBody>
+                  <a:tcPr/>
+                </a:tc>
+                <a:tc>
+                  <a:txBody>
+                    <a:bodyPr/>
+                    <a:lstStyle/>
+                    <a:p>
+                      <a:pPr algn="ctr"/>
+                      <a:r>
+                        <a:rPr lang="en-US" sz="1800" dirty="0"/>
+                        <a:t>1</a:t>
+                      </a:r>
+                    </a:p>
+                  </a:txBody>
+                  <a:tcPr/>
+                </a:tc>
+                <a:extLst>
+                  <a:ext uri="{0D108BD9-81ED-4DB2-BD59-A6C34878D82A}">
+                    <a16:rowId xmlns:a16="http://schemas.microsoft.com/office/drawing/2014/main" val="1788510752"/>
+                  </a:ext>
+                </a:extLst>
+              </a:tr>
+            </a:tbl>
+          </a:graphicData>
+        </a:graphic>
+      </p:graphicFrame>
     </p:spTree>
     <p:extLst>
       <p:ext uri="{BB962C8B-B14F-4D97-AF65-F5344CB8AC3E}">
@@ -22237,81 +23698,6 @@
   <p:clrMapOvr>
     <a:masterClrMapping/>
   </p:clrMapOvr>
-  <p:timing>
-    <p:tnLst>
-      <p:par>
-        <p:cTn id="1" dur="indefinite" restart="never" nodeType="tmRoot">
-          <p:childTnLst>
-            <p:seq concurrent="1" nextAc="seek">
-              <p:cTn id="2" dur="indefinite" nodeType="mainSeq">
-                <p:childTnLst>
-                  <p:par>
-                    <p:cTn id="3" fill="hold">
-                      <p:stCondLst>
-                        <p:cond delay="indefinite"/>
-                      </p:stCondLst>
-                      <p:childTnLst>
-                        <p:par>
-                          <p:cTn id="4" fill="hold">
-                            <p:stCondLst>
-                              <p:cond delay="0"/>
-                            </p:stCondLst>
-                            <p:childTnLst>
-                              <p:par>
-                                <p:cTn id="5" presetID="1" presetClass="entr" presetSubtype="0" fill="hold" nodeType="clickEffect">
-                                  <p:stCondLst>
-                                    <p:cond delay="0"/>
-                                  </p:stCondLst>
-                                  <p:childTnLst>
-                                    <p:set>
-                                      <p:cBhvr>
-                                        <p:cTn id="6" dur="1" fill="hold">
-                                          <p:stCondLst>
-                                            <p:cond delay="0"/>
-                                          </p:stCondLst>
-                                        </p:cTn>
-                                        <p:tgtEl>
-                                          <p:spTgt spid="26627"/>
-                                        </p:tgtEl>
-                                        <p:attrNameLst>
-                                          <p:attrName>style.visibility</p:attrName>
-                                        </p:attrNameLst>
-                                      </p:cBhvr>
-                                      <p:to>
-                                        <p:strVal val="visible"/>
-                                      </p:to>
-                                    </p:set>
-                                  </p:childTnLst>
-                                </p:cTn>
-                              </p:par>
-                            </p:childTnLst>
-                          </p:cTn>
-                        </p:par>
-                      </p:childTnLst>
-                    </p:cTn>
-                  </p:par>
-                </p:childTnLst>
-              </p:cTn>
-              <p:prevCondLst>
-                <p:cond evt="onPrev" delay="0">
-                  <p:tgtEl>
-                    <p:sldTgt/>
-                  </p:tgtEl>
-                </p:cond>
-              </p:prevCondLst>
-              <p:nextCondLst>
-                <p:cond evt="onNext" delay="0">
-                  <p:tgtEl>
-                    <p:sldTgt/>
-                  </p:tgtEl>
-                </p:cond>
-              </p:nextCondLst>
-            </p:seq>
-          </p:childTnLst>
-        </p:cTn>
-      </p:par>
-    </p:tnLst>
-  </p:timing>
 </p:sld>
 </file>
 

--- a/courses/apcsp/lect14a.pptx
+++ b/courses/apcsp/lect14a.pptx
@@ -150,7 +150,7 @@
 <file path=ppt/revisionInfo.xml><?xml version="1.0" encoding="utf-8"?>
 <p1510:revInfo xmlns:a="http://schemas.openxmlformats.org/drawingml/2006/main" xmlns:r="http://schemas.openxmlformats.org/officeDocument/2006/relationships" xmlns:p1510="http://schemas.microsoft.com/office/powerpoint/2015/10/main">
   <p1510:revLst>
-    <p1510:client id="{63956BDE-1760-9E47-86E5-1948DE91DAB5}" v="857" dt="2024-11-18T04:32:36.874"/>
+    <p1510:client id="{63956BDE-1760-9E47-86E5-1948DE91DAB5}" v="858" dt="2024-11-18T04:33:54.077"/>
   </p1510:revLst>
 </p1510:revInfo>
 </file>
@@ -861,16 +861,54 @@
   <pc:docChgLst>
     <pc:chgData name="Long B Nguyen" userId="f59fb8f3-a021-417a-8bc1-65c8d471c621" providerId="ADAL" clId="{63956BDE-1760-9E47-86E5-1948DE91DAB5}"/>
     <pc:docChg chg="undo custSel addSld delSld modSld">
-      <pc:chgData name="Long B Nguyen" userId="f59fb8f3-a021-417a-8bc1-65c8d471c621" providerId="ADAL" clId="{63956BDE-1760-9E47-86E5-1948DE91DAB5}" dt="2024-11-18T04:32:54.427" v="2163" actId="20577"/>
+      <pc:chgData name="Long B Nguyen" userId="f59fb8f3-a021-417a-8bc1-65c8d471c621" providerId="ADAL" clId="{63956BDE-1760-9E47-86E5-1948DE91DAB5}" dt="2024-11-18T04:33:54.074" v="2164"/>
       <pc:docMkLst>
         <pc:docMk/>
       </pc:docMkLst>
-      <pc:sldChg chg="modSp mod">
-        <pc:chgData name="Long B Nguyen" userId="f59fb8f3-a021-417a-8bc1-65c8d471c621" providerId="ADAL" clId="{63956BDE-1760-9E47-86E5-1948DE91DAB5}" dt="2024-11-18T03:20:03.837" v="427" actId="20577"/>
+      <pc:sldChg chg="addSp modSp">
+        <pc:chgData name="Long B Nguyen" userId="f59fb8f3-a021-417a-8bc1-65c8d471c621" providerId="ADAL" clId="{63956BDE-1760-9E47-86E5-1948DE91DAB5}" dt="2024-11-18T04:33:54.074" v="2164"/>
+        <pc:sldMkLst>
+          <pc:docMk/>
+          <pc:sldMk cId="833801237" sldId="313"/>
+        </pc:sldMkLst>
+        <pc:spChg chg="add mod">
+          <ac:chgData name="Long B Nguyen" userId="f59fb8f3-a021-417a-8bc1-65c8d471c621" providerId="ADAL" clId="{63956BDE-1760-9E47-86E5-1948DE91DAB5}" dt="2024-11-18T04:33:54.074" v="2164"/>
+          <ac:spMkLst>
+            <pc:docMk/>
+            <pc:sldMk cId="833801237" sldId="313"/>
+            <ac:spMk id="2" creationId="{AF7A9A84-11FD-EB67-6EC6-8EBF8151A866}"/>
+          </ac:spMkLst>
+        </pc:spChg>
+      </pc:sldChg>
+      <pc:sldChg chg="addSp modSp">
+        <pc:chgData name="Long B Nguyen" userId="f59fb8f3-a021-417a-8bc1-65c8d471c621" providerId="ADAL" clId="{63956BDE-1760-9E47-86E5-1948DE91DAB5}" dt="2024-11-18T04:33:54.074" v="2164"/>
+        <pc:sldMkLst>
+          <pc:docMk/>
+          <pc:sldMk cId="4199940570" sldId="314"/>
+        </pc:sldMkLst>
+        <pc:spChg chg="add mod">
+          <ac:chgData name="Long B Nguyen" userId="f59fb8f3-a021-417a-8bc1-65c8d471c621" providerId="ADAL" clId="{63956BDE-1760-9E47-86E5-1948DE91DAB5}" dt="2024-11-18T04:33:54.074" v="2164"/>
+          <ac:spMkLst>
+            <pc:docMk/>
+            <pc:sldMk cId="4199940570" sldId="314"/>
+            <ac:spMk id="2" creationId="{7EDDC462-A425-109E-0985-6F60BD2ED21D}"/>
+          </ac:spMkLst>
+        </pc:spChg>
+      </pc:sldChg>
+      <pc:sldChg chg="addSp modSp mod">
+        <pc:chgData name="Long B Nguyen" userId="f59fb8f3-a021-417a-8bc1-65c8d471c621" providerId="ADAL" clId="{63956BDE-1760-9E47-86E5-1948DE91DAB5}" dt="2024-11-18T04:33:54.074" v="2164"/>
         <pc:sldMkLst>
           <pc:docMk/>
           <pc:sldMk cId="1902012464" sldId="315"/>
         </pc:sldMkLst>
+        <pc:spChg chg="add mod">
+          <ac:chgData name="Long B Nguyen" userId="f59fb8f3-a021-417a-8bc1-65c8d471c621" providerId="ADAL" clId="{63956BDE-1760-9E47-86E5-1948DE91DAB5}" dt="2024-11-18T04:33:54.074" v="2164"/>
+          <ac:spMkLst>
+            <pc:docMk/>
+            <pc:sldMk cId="1902012464" sldId="315"/>
+            <ac:spMk id="2" creationId="{24550C3C-35B9-352D-5454-CBB554166E98}"/>
+          </ac:spMkLst>
+        </pc:spChg>
         <pc:spChg chg="mod">
           <ac:chgData name="Long B Nguyen" userId="f59fb8f3-a021-417a-8bc1-65c8d471c621" providerId="ADAL" clId="{63956BDE-1760-9E47-86E5-1948DE91DAB5}" dt="2024-11-18T03:19:46.661" v="404" actId="20577"/>
           <ac:spMkLst>
@@ -888,12 +926,20 @@
           </ac:spMkLst>
         </pc:spChg>
       </pc:sldChg>
-      <pc:sldChg chg="modSp mod modAnim">
-        <pc:chgData name="Long B Nguyen" userId="f59fb8f3-a021-417a-8bc1-65c8d471c621" providerId="ADAL" clId="{63956BDE-1760-9E47-86E5-1948DE91DAB5}" dt="2024-11-18T03:25:48.662" v="881" actId="20577"/>
+      <pc:sldChg chg="addSp modSp mod modAnim">
+        <pc:chgData name="Long B Nguyen" userId="f59fb8f3-a021-417a-8bc1-65c8d471c621" providerId="ADAL" clId="{63956BDE-1760-9E47-86E5-1948DE91DAB5}" dt="2024-11-18T04:33:54.074" v="2164"/>
         <pc:sldMkLst>
           <pc:docMk/>
           <pc:sldMk cId="1824894821" sldId="316"/>
         </pc:sldMkLst>
+        <pc:spChg chg="add mod">
+          <ac:chgData name="Long B Nguyen" userId="f59fb8f3-a021-417a-8bc1-65c8d471c621" providerId="ADAL" clId="{63956BDE-1760-9E47-86E5-1948DE91DAB5}" dt="2024-11-18T04:33:54.074" v="2164"/>
+          <ac:spMkLst>
+            <pc:docMk/>
+            <pc:sldMk cId="1824894821" sldId="316"/>
+            <ac:spMk id="2" creationId="{DC8C1805-439F-F6B1-28F3-A5389A6F5BF0}"/>
+          </ac:spMkLst>
+        </pc:spChg>
         <pc:spChg chg="mod">
           <ac:chgData name="Long B Nguyen" userId="f59fb8f3-a021-417a-8bc1-65c8d471c621" providerId="ADAL" clId="{63956BDE-1760-9E47-86E5-1948DE91DAB5}" dt="2024-11-18T03:25:48.662" v="881" actId="20577"/>
           <ac:spMkLst>
@@ -903,12 +949,200 @@
           </ac:spMkLst>
         </pc:spChg>
       </pc:sldChg>
+      <pc:sldChg chg="addSp modSp">
+        <pc:chgData name="Long B Nguyen" userId="f59fb8f3-a021-417a-8bc1-65c8d471c621" providerId="ADAL" clId="{63956BDE-1760-9E47-86E5-1948DE91DAB5}" dt="2024-11-18T04:33:54.074" v="2164"/>
+        <pc:sldMkLst>
+          <pc:docMk/>
+          <pc:sldMk cId="1105327036" sldId="317"/>
+        </pc:sldMkLst>
+        <pc:spChg chg="add mod">
+          <ac:chgData name="Long B Nguyen" userId="f59fb8f3-a021-417a-8bc1-65c8d471c621" providerId="ADAL" clId="{63956BDE-1760-9E47-86E5-1948DE91DAB5}" dt="2024-11-18T04:33:54.074" v="2164"/>
+          <ac:spMkLst>
+            <pc:docMk/>
+            <pc:sldMk cId="1105327036" sldId="317"/>
+            <ac:spMk id="3" creationId="{A74C6077-B3F5-03FD-63B9-A0916C43634F}"/>
+          </ac:spMkLst>
+        </pc:spChg>
+      </pc:sldChg>
+      <pc:sldChg chg="addSp modSp">
+        <pc:chgData name="Long B Nguyen" userId="f59fb8f3-a021-417a-8bc1-65c8d471c621" providerId="ADAL" clId="{63956BDE-1760-9E47-86E5-1948DE91DAB5}" dt="2024-11-18T04:33:54.074" v="2164"/>
+        <pc:sldMkLst>
+          <pc:docMk/>
+          <pc:sldMk cId="3981954340" sldId="320"/>
+        </pc:sldMkLst>
+        <pc:spChg chg="add mod">
+          <ac:chgData name="Long B Nguyen" userId="f59fb8f3-a021-417a-8bc1-65c8d471c621" providerId="ADAL" clId="{63956BDE-1760-9E47-86E5-1948DE91DAB5}" dt="2024-11-18T04:33:54.074" v="2164"/>
+          <ac:spMkLst>
+            <pc:docMk/>
+            <pc:sldMk cId="3981954340" sldId="320"/>
+            <ac:spMk id="2" creationId="{E3B95BA2-8C28-DC49-A39D-87488E345AEF}"/>
+          </ac:spMkLst>
+        </pc:spChg>
+      </pc:sldChg>
+      <pc:sldChg chg="addSp modSp">
+        <pc:chgData name="Long B Nguyen" userId="f59fb8f3-a021-417a-8bc1-65c8d471c621" providerId="ADAL" clId="{63956BDE-1760-9E47-86E5-1948DE91DAB5}" dt="2024-11-18T04:33:54.074" v="2164"/>
+        <pc:sldMkLst>
+          <pc:docMk/>
+          <pc:sldMk cId="3869412028" sldId="321"/>
+        </pc:sldMkLst>
+        <pc:spChg chg="add mod">
+          <ac:chgData name="Long B Nguyen" userId="f59fb8f3-a021-417a-8bc1-65c8d471c621" providerId="ADAL" clId="{63956BDE-1760-9E47-86E5-1948DE91DAB5}" dt="2024-11-18T04:33:54.074" v="2164"/>
+          <ac:spMkLst>
+            <pc:docMk/>
+            <pc:sldMk cId="3869412028" sldId="321"/>
+            <ac:spMk id="2" creationId="{3A7B7FF1-BA78-51F7-67AD-FED529A863D7}"/>
+          </ac:spMkLst>
+        </pc:spChg>
+      </pc:sldChg>
+      <pc:sldChg chg="addSp modSp">
+        <pc:chgData name="Long B Nguyen" userId="f59fb8f3-a021-417a-8bc1-65c8d471c621" providerId="ADAL" clId="{63956BDE-1760-9E47-86E5-1948DE91DAB5}" dt="2024-11-18T04:33:54.074" v="2164"/>
+        <pc:sldMkLst>
+          <pc:docMk/>
+          <pc:sldMk cId="545779161" sldId="322"/>
+        </pc:sldMkLst>
+        <pc:spChg chg="add mod">
+          <ac:chgData name="Long B Nguyen" userId="f59fb8f3-a021-417a-8bc1-65c8d471c621" providerId="ADAL" clId="{63956BDE-1760-9E47-86E5-1948DE91DAB5}" dt="2024-11-18T04:33:54.074" v="2164"/>
+          <ac:spMkLst>
+            <pc:docMk/>
+            <pc:sldMk cId="545779161" sldId="322"/>
+            <ac:spMk id="2" creationId="{58F78315-6BE6-3221-BA3C-C26E28870277}"/>
+          </ac:spMkLst>
+        </pc:spChg>
+      </pc:sldChg>
+      <pc:sldChg chg="addSp modSp">
+        <pc:chgData name="Long B Nguyen" userId="f59fb8f3-a021-417a-8bc1-65c8d471c621" providerId="ADAL" clId="{63956BDE-1760-9E47-86E5-1948DE91DAB5}" dt="2024-11-18T04:33:54.074" v="2164"/>
+        <pc:sldMkLst>
+          <pc:docMk/>
+          <pc:sldMk cId="3176068915" sldId="323"/>
+        </pc:sldMkLst>
+        <pc:spChg chg="add mod">
+          <ac:chgData name="Long B Nguyen" userId="f59fb8f3-a021-417a-8bc1-65c8d471c621" providerId="ADAL" clId="{63956BDE-1760-9E47-86E5-1948DE91DAB5}" dt="2024-11-18T04:33:54.074" v="2164"/>
+          <ac:spMkLst>
+            <pc:docMk/>
+            <pc:sldMk cId="3176068915" sldId="323"/>
+            <ac:spMk id="2" creationId="{B575DD88-7752-4E95-D55C-7F03AE8EDBB5}"/>
+          </ac:spMkLst>
+        </pc:spChg>
+      </pc:sldChg>
+      <pc:sldChg chg="addSp modSp">
+        <pc:chgData name="Long B Nguyen" userId="f59fb8f3-a021-417a-8bc1-65c8d471c621" providerId="ADAL" clId="{63956BDE-1760-9E47-86E5-1948DE91DAB5}" dt="2024-11-18T04:33:54.074" v="2164"/>
+        <pc:sldMkLst>
+          <pc:docMk/>
+          <pc:sldMk cId="2087798247" sldId="328"/>
+        </pc:sldMkLst>
+        <pc:spChg chg="add mod">
+          <ac:chgData name="Long B Nguyen" userId="f59fb8f3-a021-417a-8bc1-65c8d471c621" providerId="ADAL" clId="{63956BDE-1760-9E47-86E5-1948DE91DAB5}" dt="2024-11-18T04:33:54.074" v="2164"/>
+          <ac:spMkLst>
+            <pc:docMk/>
+            <pc:sldMk cId="2087798247" sldId="328"/>
+            <ac:spMk id="2" creationId="{FBB3A191-31BC-59AC-C6F0-FC4DBC70A836}"/>
+          </ac:spMkLst>
+        </pc:spChg>
+      </pc:sldChg>
+      <pc:sldChg chg="addSp modSp">
+        <pc:chgData name="Long B Nguyen" userId="f59fb8f3-a021-417a-8bc1-65c8d471c621" providerId="ADAL" clId="{63956BDE-1760-9E47-86E5-1948DE91DAB5}" dt="2024-11-18T04:33:54.074" v="2164"/>
+        <pc:sldMkLst>
+          <pc:docMk/>
+          <pc:sldMk cId="55574211" sldId="329"/>
+        </pc:sldMkLst>
+        <pc:spChg chg="add mod">
+          <ac:chgData name="Long B Nguyen" userId="f59fb8f3-a021-417a-8bc1-65c8d471c621" providerId="ADAL" clId="{63956BDE-1760-9E47-86E5-1948DE91DAB5}" dt="2024-11-18T04:33:54.074" v="2164"/>
+          <ac:spMkLst>
+            <pc:docMk/>
+            <pc:sldMk cId="55574211" sldId="329"/>
+            <ac:spMk id="2" creationId="{F979DED4-19E0-7833-1341-15E48B9D0AE8}"/>
+          </ac:spMkLst>
+        </pc:spChg>
+      </pc:sldChg>
+      <pc:sldChg chg="addSp modSp">
+        <pc:chgData name="Long B Nguyen" userId="f59fb8f3-a021-417a-8bc1-65c8d471c621" providerId="ADAL" clId="{63956BDE-1760-9E47-86E5-1948DE91DAB5}" dt="2024-11-18T04:33:54.074" v="2164"/>
+        <pc:sldMkLst>
+          <pc:docMk/>
+          <pc:sldMk cId="3866550465" sldId="335"/>
+        </pc:sldMkLst>
+        <pc:spChg chg="add mod">
+          <ac:chgData name="Long B Nguyen" userId="f59fb8f3-a021-417a-8bc1-65c8d471c621" providerId="ADAL" clId="{63956BDE-1760-9E47-86E5-1948DE91DAB5}" dt="2024-11-18T04:33:54.074" v="2164"/>
+          <ac:spMkLst>
+            <pc:docMk/>
+            <pc:sldMk cId="3866550465" sldId="335"/>
+            <ac:spMk id="2" creationId="{ED6BFE49-98D9-57E5-F83F-46B6AABBA507}"/>
+          </ac:spMkLst>
+        </pc:spChg>
+      </pc:sldChg>
+      <pc:sldChg chg="addSp modSp">
+        <pc:chgData name="Long B Nguyen" userId="f59fb8f3-a021-417a-8bc1-65c8d471c621" providerId="ADAL" clId="{63956BDE-1760-9E47-86E5-1948DE91DAB5}" dt="2024-11-18T04:33:54.074" v="2164"/>
+        <pc:sldMkLst>
+          <pc:docMk/>
+          <pc:sldMk cId="3749436800" sldId="336"/>
+        </pc:sldMkLst>
+        <pc:spChg chg="add mod">
+          <ac:chgData name="Long B Nguyen" userId="f59fb8f3-a021-417a-8bc1-65c8d471c621" providerId="ADAL" clId="{63956BDE-1760-9E47-86E5-1948DE91DAB5}" dt="2024-11-18T04:33:54.074" v="2164"/>
+          <ac:spMkLst>
+            <pc:docMk/>
+            <pc:sldMk cId="3749436800" sldId="336"/>
+            <ac:spMk id="2" creationId="{51581ECF-AAD8-80ED-F588-7694BDD6C2B6}"/>
+          </ac:spMkLst>
+        </pc:spChg>
+      </pc:sldChg>
+      <pc:sldChg chg="addSp modSp">
+        <pc:chgData name="Long B Nguyen" userId="f59fb8f3-a021-417a-8bc1-65c8d471c621" providerId="ADAL" clId="{63956BDE-1760-9E47-86E5-1948DE91DAB5}" dt="2024-11-18T04:33:54.074" v="2164"/>
+        <pc:sldMkLst>
+          <pc:docMk/>
+          <pc:sldMk cId="461704868" sldId="337"/>
+        </pc:sldMkLst>
+        <pc:spChg chg="add mod">
+          <ac:chgData name="Long B Nguyen" userId="f59fb8f3-a021-417a-8bc1-65c8d471c621" providerId="ADAL" clId="{63956BDE-1760-9E47-86E5-1948DE91DAB5}" dt="2024-11-18T04:33:54.074" v="2164"/>
+          <ac:spMkLst>
+            <pc:docMk/>
+            <pc:sldMk cId="461704868" sldId="337"/>
+            <ac:spMk id="2" creationId="{161C1759-1CD1-C726-B41B-4CEB12A16F73}"/>
+          </ac:spMkLst>
+        </pc:spChg>
+      </pc:sldChg>
+      <pc:sldChg chg="addSp modSp">
+        <pc:chgData name="Long B Nguyen" userId="f59fb8f3-a021-417a-8bc1-65c8d471c621" providerId="ADAL" clId="{63956BDE-1760-9E47-86E5-1948DE91DAB5}" dt="2024-11-18T04:33:54.074" v="2164"/>
+        <pc:sldMkLst>
+          <pc:docMk/>
+          <pc:sldMk cId="1830555247" sldId="342"/>
+        </pc:sldMkLst>
+        <pc:spChg chg="add mod">
+          <ac:chgData name="Long B Nguyen" userId="f59fb8f3-a021-417a-8bc1-65c8d471c621" providerId="ADAL" clId="{63956BDE-1760-9E47-86E5-1948DE91DAB5}" dt="2024-11-18T04:33:54.074" v="2164"/>
+          <ac:spMkLst>
+            <pc:docMk/>
+            <pc:sldMk cId="1830555247" sldId="342"/>
+            <ac:spMk id="2" creationId="{0D7842DB-A133-B51A-E77C-6A15FE945AE5}"/>
+          </ac:spMkLst>
+        </pc:spChg>
+      </pc:sldChg>
+      <pc:sldChg chg="addSp modSp">
+        <pc:chgData name="Long B Nguyen" userId="f59fb8f3-a021-417a-8bc1-65c8d471c621" providerId="ADAL" clId="{63956BDE-1760-9E47-86E5-1948DE91DAB5}" dt="2024-11-18T04:33:54.074" v="2164"/>
+        <pc:sldMkLst>
+          <pc:docMk/>
+          <pc:sldMk cId="2861772922" sldId="343"/>
+        </pc:sldMkLst>
+        <pc:spChg chg="add mod">
+          <ac:chgData name="Long B Nguyen" userId="f59fb8f3-a021-417a-8bc1-65c8d471c621" providerId="ADAL" clId="{63956BDE-1760-9E47-86E5-1948DE91DAB5}" dt="2024-11-18T04:33:54.074" v="2164"/>
+          <ac:spMkLst>
+            <pc:docMk/>
+            <pc:sldMk cId="2861772922" sldId="343"/>
+            <ac:spMk id="2" creationId="{EB2BFA89-3E10-EFA0-CBCA-7556CFD0AFAD}"/>
+          </ac:spMkLst>
+        </pc:spChg>
+      </pc:sldChg>
       <pc:sldChg chg="addSp delSp modSp mod modAnim">
-        <pc:chgData name="Long B Nguyen" userId="f59fb8f3-a021-417a-8bc1-65c8d471c621" providerId="ADAL" clId="{63956BDE-1760-9E47-86E5-1948DE91DAB5}" dt="2024-11-18T04:23:38.412" v="1539" actId="20577"/>
+        <pc:chgData name="Long B Nguyen" userId="f59fb8f3-a021-417a-8bc1-65c8d471c621" providerId="ADAL" clId="{63956BDE-1760-9E47-86E5-1948DE91DAB5}" dt="2024-11-18T04:33:54.074" v="2164"/>
         <pc:sldMkLst>
           <pc:docMk/>
           <pc:sldMk cId="2130219534" sldId="345"/>
         </pc:sldMkLst>
+        <pc:spChg chg="add mod">
+          <ac:chgData name="Long B Nguyen" userId="f59fb8f3-a021-417a-8bc1-65c8d471c621" providerId="ADAL" clId="{63956BDE-1760-9E47-86E5-1948DE91DAB5}" dt="2024-11-18T04:33:54.074" v="2164"/>
+          <ac:spMkLst>
+            <pc:docMk/>
+            <pc:sldMk cId="2130219534" sldId="345"/>
+            <ac:spMk id="3" creationId="{A4DFFC7E-7B31-A773-C54C-E4ADAA3A93C3}"/>
+          </ac:spMkLst>
+        </pc:spChg>
         <pc:spChg chg="mod">
           <ac:chgData name="Long B Nguyen" userId="f59fb8f3-a021-417a-8bc1-65c8d471c621" providerId="ADAL" clId="{63956BDE-1760-9E47-86E5-1948DE91DAB5}" dt="2024-11-18T04:12:17.407" v="908" actId="20577"/>
           <ac:spMkLst>
@@ -942,12 +1176,50 @@
           </ac:picMkLst>
         </pc:picChg>
       </pc:sldChg>
-      <pc:sldChg chg="modSp">
-        <pc:chgData name="Long B Nguyen" userId="f59fb8f3-a021-417a-8bc1-65c8d471c621" providerId="ADAL" clId="{63956BDE-1760-9E47-86E5-1948DE91DAB5}" dt="2024-11-18T03:11:45.539" v="103" actId="20577"/>
+      <pc:sldChg chg="addSp modSp">
+        <pc:chgData name="Long B Nguyen" userId="f59fb8f3-a021-417a-8bc1-65c8d471c621" providerId="ADAL" clId="{63956BDE-1760-9E47-86E5-1948DE91DAB5}" dt="2024-11-18T04:33:54.074" v="2164"/>
+        <pc:sldMkLst>
+          <pc:docMk/>
+          <pc:sldMk cId="2921473555" sldId="348"/>
+        </pc:sldMkLst>
+        <pc:spChg chg="add mod">
+          <ac:chgData name="Long B Nguyen" userId="f59fb8f3-a021-417a-8bc1-65c8d471c621" providerId="ADAL" clId="{63956BDE-1760-9E47-86E5-1948DE91DAB5}" dt="2024-11-18T04:33:54.074" v="2164"/>
+          <ac:spMkLst>
+            <pc:docMk/>
+            <pc:sldMk cId="2921473555" sldId="348"/>
+            <ac:spMk id="2" creationId="{D30FFA42-75F8-F1C8-E54D-0B8CF7846FE0}"/>
+          </ac:spMkLst>
+        </pc:spChg>
+      </pc:sldChg>
+      <pc:sldChg chg="addSp modSp">
+        <pc:chgData name="Long B Nguyen" userId="f59fb8f3-a021-417a-8bc1-65c8d471c621" providerId="ADAL" clId="{63956BDE-1760-9E47-86E5-1948DE91DAB5}" dt="2024-11-18T04:33:54.074" v="2164"/>
+        <pc:sldMkLst>
+          <pc:docMk/>
+          <pc:sldMk cId="1685712336" sldId="349"/>
+        </pc:sldMkLst>
+        <pc:spChg chg="add mod">
+          <ac:chgData name="Long B Nguyen" userId="f59fb8f3-a021-417a-8bc1-65c8d471c621" providerId="ADAL" clId="{63956BDE-1760-9E47-86E5-1948DE91DAB5}" dt="2024-11-18T04:33:54.074" v="2164"/>
+          <ac:spMkLst>
+            <pc:docMk/>
+            <pc:sldMk cId="1685712336" sldId="349"/>
+            <ac:spMk id="5" creationId="{E17C1383-2C77-99C0-D265-1BAB8FC9F021}"/>
+          </ac:spMkLst>
+        </pc:spChg>
+      </pc:sldChg>
+      <pc:sldChg chg="addSp modSp">
+        <pc:chgData name="Long B Nguyen" userId="f59fb8f3-a021-417a-8bc1-65c8d471c621" providerId="ADAL" clId="{63956BDE-1760-9E47-86E5-1948DE91DAB5}" dt="2024-11-18T04:33:54.074" v="2164"/>
         <pc:sldMkLst>
           <pc:docMk/>
           <pc:sldMk cId="1173183267" sldId="350"/>
         </pc:sldMkLst>
+        <pc:spChg chg="add mod">
+          <ac:chgData name="Long B Nguyen" userId="f59fb8f3-a021-417a-8bc1-65c8d471c621" providerId="ADAL" clId="{63956BDE-1760-9E47-86E5-1948DE91DAB5}" dt="2024-11-18T04:33:54.074" v="2164"/>
+          <ac:spMkLst>
+            <pc:docMk/>
+            <pc:sldMk cId="1173183267" sldId="350"/>
+            <ac:spMk id="2" creationId="{407C4AD2-1CE4-84C8-2CB9-EE9395A3AC2A}"/>
+          </ac:spMkLst>
+        </pc:spChg>
         <pc:spChg chg="mod">
           <ac:chgData name="Long B Nguyen" userId="f59fb8f3-a021-417a-8bc1-65c8d471c621" providerId="ADAL" clId="{63956BDE-1760-9E47-86E5-1948DE91DAB5}" dt="2024-11-18T03:11:45.539" v="103" actId="20577"/>
           <ac:spMkLst>
@@ -957,12 +1229,110 @@
           </ac:spMkLst>
         </pc:spChg>
       </pc:sldChg>
-      <pc:sldChg chg="modSp add mod">
-        <pc:chgData name="Long B Nguyen" userId="f59fb8f3-a021-417a-8bc1-65c8d471c621" providerId="ADAL" clId="{63956BDE-1760-9E47-86E5-1948DE91DAB5}" dt="2024-11-18T04:32:54.427" v="2163" actId="20577"/>
+      <pc:sldChg chg="addSp modSp">
+        <pc:chgData name="Long B Nguyen" userId="f59fb8f3-a021-417a-8bc1-65c8d471c621" providerId="ADAL" clId="{63956BDE-1760-9E47-86E5-1948DE91DAB5}" dt="2024-11-18T04:33:54.074" v="2164"/>
+        <pc:sldMkLst>
+          <pc:docMk/>
+          <pc:sldMk cId="1166836157" sldId="351"/>
+        </pc:sldMkLst>
+        <pc:spChg chg="add mod">
+          <ac:chgData name="Long B Nguyen" userId="f59fb8f3-a021-417a-8bc1-65c8d471c621" providerId="ADAL" clId="{63956BDE-1760-9E47-86E5-1948DE91DAB5}" dt="2024-11-18T04:33:54.074" v="2164"/>
+          <ac:spMkLst>
+            <pc:docMk/>
+            <pc:sldMk cId="1166836157" sldId="351"/>
+            <ac:spMk id="2" creationId="{73C1B47B-005C-C5D9-B218-C750F032C5FA}"/>
+          </ac:spMkLst>
+        </pc:spChg>
+      </pc:sldChg>
+      <pc:sldChg chg="addSp modSp">
+        <pc:chgData name="Long B Nguyen" userId="f59fb8f3-a021-417a-8bc1-65c8d471c621" providerId="ADAL" clId="{63956BDE-1760-9E47-86E5-1948DE91DAB5}" dt="2024-11-18T04:33:54.074" v="2164"/>
+        <pc:sldMkLst>
+          <pc:docMk/>
+          <pc:sldMk cId="630408664" sldId="598"/>
+        </pc:sldMkLst>
+        <pc:spChg chg="add mod">
+          <ac:chgData name="Long B Nguyen" userId="f59fb8f3-a021-417a-8bc1-65c8d471c621" providerId="ADAL" clId="{63956BDE-1760-9E47-86E5-1948DE91DAB5}" dt="2024-11-18T04:33:54.074" v="2164"/>
+          <ac:spMkLst>
+            <pc:docMk/>
+            <pc:sldMk cId="630408664" sldId="598"/>
+            <ac:spMk id="2" creationId="{CA6313AC-4191-AE91-1732-923B98342B31}"/>
+          </ac:spMkLst>
+        </pc:spChg>
+      </pc:sldChg>
+      <pc:sldChg chg="addSp modSp">
+        <pc:chgData name="Long B Nguyen" userId="f59fb8f3-a021-417a-8bc1-65c8d471c621" providerId="ADAL" clId="{63956BDE-1760-9E47-86E5-1948DE91DAB5}" dt="2024-11-18T04:33:54.074" v="2164"/>
+        <pc:sldMkLst>
+          <pc:docMk/>
+          <pc:sldMk cId="3969006746" sldId="627"/>
+        </pc:sldMkLst>
+        <pc:spChg chg="add mod">
+          <ac:chgData name="Long B Nguyen" userId="f59fb8f3-a021-417a-8bc1-65c8d471c621" providerId="ADAL" clId="{63956BDE-1760-9E47-86E5-1948DE91DAB5}" dt="2024-11-18T04:33:54.074" v="2164"/>
+          <ac:spMkLst>
+            <pc:docMk/>
+            <pc:sldMk cId="3969006746" sldId="627"/>
+            <ac:spMk id="2" creationId="{64BC6F7C-3713-D522-B93E-C78796ED216B}"/>
+          </ac:spMkLst>
+        </pc:spChg>
+      </pc:sldChg>
+      <pc:sldChg chg="addSp modSp">
+        <pc:chgData name="Long B Nguyen" userId="f59fb8f3-a021-417a-8bc1-65c8d471c621" providerId="ADAL" clId="{63956BDE-1760-9E47-86E5-1948DE91DAB5}" dt="2024-11-18T04:33:54.074" v="2164"/>
+        <pc:sldMkLst>
+          <pc:docMk/>
+          <pc:sldMk cId="781734240" sldId="628"/>
+        </pc:sldMkLst>
+        <pc:spChg chg="add mod">
+          <ac:chgData name="Long B Nguyen" userId="f59fb8f3-a021-417a-8bc1-65c8d471c621" providerId="ADAL" clId="{63956BDE-1760-9E47-86E5-1948DE91DAB5}" dt="2024-11-18T04:33:54.074" v="2164"/>
+          <ac:spMkLst>
+            <pc:docMk/>
+            <pc:sldMk cId="781734240" sldId="628"/>
+            <ac:spMk id="2" creationId="{3F304BA3-D08F-F451-F93A-4E5C804004F8}"/>
+          </ac:spMkLst>
+        </pc:spChg>
+      </pc:sldChg>
+      <pc:sldChg chg="addSp modSp">
+        <pc:chgData name="Long B Nguyen" userId="f59fb8f3-a021-417a-8bc1-65c8d471c621" providerId="ADAL" clId="{63956BDE-1760-9E47-86E5-1948DE91DAB5}" dt="2024-11-18T04:33:54.074" v="2164"/>
+        <pc:sldMkLst>
+          <pc:docMk/>
+          <pc:sldMk cId="4189100123" sldId="629"/>
+        </pc:sldMkLst>
+        <pc:spChg chg="add mod">
+          <ac:chgData name="Long B Nguyen" userId="f59fb8f3-a021-417a-8bc1-65c8d471c621" providerId="ADAL" clId="{63956BDE-1760-9E47-86E5-1948DE91DAB5}" dt="2024-11-18T04:33:54.074" v="2164"/>
+          <ac:spMkLst>
+            <pc:docMk/>
+            <pc:sldMk cId="4189100123" sldId="629"/>
+            <ac:spMk id="5" creationId="{C668A867-E1EF-5B37-0B6C-E1E285610D68}"/>
+          </ac:spMkLst>
+        </pc:spChg>
+      </pc:sldChg>
+      <pc:sldChg chg="addSp modSp">
+        <pc:chgData name="Long B Nguyen" userId="f59fb8f3-a021-417a-8bc1-65c8d471c621" providerId="ADAL" clId="{63956BDE-1760-9E47-86E5-1948DE91DAB5}" dt="2024-11-18T04:33:54.074" v="2164"/>
+        <pc:sldMkLst>
+          <pc:docMk/>
+          <pc:sldMk cId="1498021361" sldId="649"/>
+        </pc:sldMkLst>
+        <pc:spChg chg="add mod">
+          <ac:chgData name="Long B Nguyen" userId="f59fb8f3-a021-417a-8bc1-65c8d471c621" providerId="ADAL" clId="{63956BDE-1760-9E47-86E5-1948DE91DAB5}" dt="2024-11-18T04:33:54.074" v="2164"/>
+          <ac:spMkLst>
+            <pc:docMk/>
+            <pc:sldMk cId="1498021361" sldId="649"/>
+            <ac:spMk id="2" creationId="{02F41146-BD60-91FC-1968-0D8B30141120}"/>
+          </ac:spMkLst>
+        </pc:spChg>
+      </pc:sldChg>
+      <pc:sldChg chg="addSp modSp add mod">
+        <pc:chgData name="Long B Nguyen" userId="f59fb8f3-a021-417a-8bc1-65c8d471c621" providerId="ADAL" clId="{63956BDE-1760-9E47-86E5-1948DE91DAB5}" dt="2024-11-18T04:33:54.074" v="2164"/>
         <pc:sldMkLst>
           <pc:docMk/>
           <pc:sldMk cId="598433456" sldId="650"/>
         </pc:sldMkLst>
+        <pc:spChg chg="add mod">
+          <ac:chgData name="Long B Nguyen" userId="f59fb8f3-a021-417a-8bc1-65c8d471c621" providerId="ADAL" clId="{63956BDE-1760-9E47-86E5-1948DE91DAB5}" dt="2024-11-18T04:33:54.074" v="2164"/>
+          <ac:spMkLst>
+            <pc:docMk/>
+            <pc:sldMk cId="598433456" sldId="650"/>
+            <ac:spMk id="2" creationId="{06699383-3AA7-26A1-8333-E2CE4CEE3451}"/>
+          </ac:spMkLst>
+        </pc:spChg>
         <pc:spChg chg="mod">
           <ac:chgData name="Long B Nguyen" userId="f59fb8f3-a021-417a-8bc1-65c8d471c621" providerId="ADAL" clId="{63956BDE-1760-9E47-86E5-1948DE91DAB5}" dt="2024-11-18T04:32:54.427" v="2163" actId="20577"/>
           <ac:spMkLst>
@@ -996,11 +1366,19 @@
         </pc:spChg>
       </pc:sldChg>
       <pc:sldChg chg="addSp delSp modSp add mod">
-        <pc:chgData name="Long B Nguyen" userId="f59fb8f3-a021-417a-8bc1-65c8d471c621" providerId="ADAL" clId="{63956BDE-1760-9E47-86E5-1948DE91DAB5}" dt="2024-11-18T04:29:31.662" v="1781" actId="20577"/>
+        <pc:chgData name="Long B Nguyen" userId="f59fb8f3-a021-417a-8bc1-65c8d471c621" providerId="ADAL" clId="{63956BDE-1760-9E47-86E5-1948DE91DAB5}" dt="2024-11-18T04:33:54.074" v="2164"/>
         <pc:sldMkLst>
           <pc:docMk/>
           <pc:sldMk cId="189185762" sldId="652"/>
         </pc:sldMkLst>
+        <pc:spChg chg="add mod">
+          <ac:chgData name="Long B Nguyen" userId="f59fb8f3-a021-417a-8bc1-65c8d471c621" providerId="ADAL" clId="{63956BDE-1760-9E47-86E5-1948DE91DAB5}" dt="2024-11-18T04:33:54.074" v="2164"/>
+          <ac:spMkLst>
+            <pc:docMk/>
+            <pc:sldMk cId="189185762" sldId="652"/>
+            <ac:spMk id="5" creationId="{9DD33C3F-1BAE-BFF8-CBD8-6CB8F55384DE}"/>
+          </ac:spMkLst>
+        </pc:spChg>
         <pc:spChg chg="mod">
           <ac:chgData name="Long B Nguyen" userId="f59fb8f3-a021-417a-8bc1-65c8d471c621" providerId="ADAL" clId="{63956BDE-1760-9E47-86E5-1948DE91DAB5}" dt="2024-11-18T04:29:31.662" v="1781" actId="20577"/>
           <ac:spMkLst>
@@ -1042,11 +1420,19 @@
         </pc:sldMkLst>
       </pc:sldChg>
       <pc:sldChg chg="addSp delSp modSp add mod">
-        <pc:chgData name="Long B Nguyen" userId="f59fb8f3-a021-417a-8bc1-65c8d471c621" providerId="ADAL" clId="{63956BDE-1760-9E47-86E5-1948DE91DAB5}" dt="2024-11-18T04:30:41.790" v="1870" actId="1076"/>
+        <pc:chgData name="Long B Nguyen" userId="f59fb8f3-a021-417a-8bc1-65c8d471c621" providerId="ADAL" clId="{63956BDE-1760-9E47-86E5-1948DE91DAB5}" dt="2024-11-18T04:33:54.074" v="2164"/>
         <pc:sldMkLst>
           <pc:docMk/>
           <pc:sldMk cId="2108380087" sldId="654"/>
         </pc:sldMkLst>
+        <pc:spChg chg="add mod">
+          <ac:chgData name="Long B Nguyen" userId="f59fb8f3-a021-417a-8bc1-65c8d471c621" providerId="ADAL" clId="{63956BDE-1760-9E47-86E5-1948DE91DAB5}" dt="2024-11-18T04:33:54.074" v="2164"/>
+          <ac:spMkLst>
+            <pc:docMk/>
+            <pc:sldMk cId="2108380087" sldId="654"/>
+            <ac:spMk id="5" creationId="{530B76F9-F594-847E-9C6C-667944CAA794}"/>
+          </ac:spMkLst>
+        </pc:spChg>
         <pc:spChg chg="mod">
           <ac:chgData name="Long B Nguyen" userId="f59fb8f3-a021-417a-8bc1-65c8d471c621" providerId="ADAL" clId="{63956BDE-1760-9E47-86E5-1948DE91DAB5}" dt="2024-11-18T04:30:06.041" v="1867" actId="20577"/>
           <ac:spMkLst>
@@ -3029,7 +3415,7 @@
           <a:bodyPr/>
           <a:lstStyle/>
           <a:p>
-            <a:fld id="{4AAD347D-5ACD-4C99-B74B-A9C85AD731AF}" type="datetimeFigureOut">
+            <a:fld id="{0B23619B-719A-5549-9239-F6FF1BD2846D}" type="datetime1">
               <a:rPr lang="en-US" smtClean="0"/>
               <a:t>11/17/24</a:t>
             </a:fld>
@@ -3199,7 +3585,7 @@
           <a:bodyPr/>
           <a:lstStyle/>
           <a:p>
-            <a:fld id="{4509A250-FF31-4206-8172-F9D3106AACB1}" type="datetimeFigureOut">
+            <a:fld id="{839469B0-555B-D345-BF9F-2FB120243016}" type="datetime1">
               <a:rPr lang="en-US" smtClean="0"/>
               <a:t>11/17/24</a:t>
             </a:fld>
@@ -3379,7 +3765,7 @@
           <a:bodyPr/>
           <a:lstStyle/>
           <a:p>
-            <a:fld id="{4509A250-FF31-4206-8172-F9D3106AACB1}" type="datetimeFigureOut">
+            <a:fld id="{036B20A9-234F-5A47-9885-F549043114F6}" type="datetime1">
               <a:rPr lang="en-US" smtClean="0"/>
               <a:t>11/17/24</a:t>
             </a:fld>
@@ -3549,7 +3935,7 @@
           <a:bodyPr/>
           <a:lstStyle/>
           <a:p>
-            <a:fld id="{4509A250-FF31-4206-8172-F9D3106AACB1}" type="datetimeFigureOut">
+            <a:fld id="{58C5CB90-DEDB-994B-84BC-9FDB717C5CBD}" type="datetime1">
               <a:rPr lang="en-US" smtClean="0"/>
               <a:t>11/17/24</a:t>
             </a:fld>
@@ -3795,7 +4181,7 @@
           <a:bodyPr/>
           <a:lstStyle/>
           <a:p>
-            <a:fld id="{9796027F-7875-4030-9381-8BD8C4F21935}" type="datetimeFigureOut">
+            <a:fld id="{5BF75833-FF0C-6644-AC7B-34B254D0A954}" type="datetime1">
               <a:rPr lang="en-US" smtClean="0"/>
               <a:t>11/17/24</a:t>
             </a:fld>
@@ -4027,7 +4413,7 @@
           <a:bodyPr/>
           <a:lstStyle/>
           <a:p>
-            <a:fld id="{9796027F-7875-4030-9381-8BD8C4F21935}" type="datetimeFigureOut">
+            <a:fld id="{BADCE700-E6AE-524E-BEEB-46A7E76E8986}" type="datetime1">
               <a:rPr lang="en-US" smtClean="0"/>
               <a:t>11/17/24</a:t>
             </a:fld>
@@ -4394,7 +4780,7 @@
           <a:bodyPr/>
           <a:lstStyle/>
           <a:p>
-            <a:fld id="{9796027F-7875-4030-9381-8BD8C4F21935}" type="datetimeFigureOut">
+            <a:fld id="{D930EA8A-B19A-644A-B658-96DEEEE04EF1}" type="datetime1">
               <a:rPr lang="en-US" smtClean="0"/>
               <a:t>11/17/24</a:t>
             </a:fld>
@@ -4512,7 +4898,7 @@
           <a:bodyPr/>
           <a:lstStyle/>
           <a:p>
-            <a:fld id="{4509A250-FF31-4206-8172-F9D3106AACB1}" type="datetimeFigureOut">
+            <a:fld id="{C24E8E52-1C5D-7D47-B85E-8BFF5979B0CB}" type="datetime1">
               <a:rPr lang="en-US" smtClean="0"/>
               <a:t>11/17/24</a:t>
             </a:fld>
@@ -4607,7 +4993,7 @@
           <a:bodyPr/>
           <a:lstStyle/>
           <a:p>
-            <a:fld id="{4509A250-FF31-4206-8172-F9D3106AACB1}" type="datetimeFigureOut">
+            <a:fld id="{9B611565-A0EF-0543-9120-E8D7910551BC}" type="datetime1">
               <a:rPr lang="en-US" smtClean="0"/>
               <a:t>11/17/24</a:t>
             </a:fld>
@@ -4884,7 +5270,7 @@
           <a:bodyPr/>
           <a:lstStyle/>
           <a:p>
-            <a:fld id="{4509A250-FF31-4206-8172-F9D3106AACB1}" type="datetimeFigureOut">
+            <a:fld id="{C359E2FF-3518-C44C-BE92-D041C193D2F8}" type="datetime1">
               <a:rPr lang="en-US" smtClean="0"/>
               <a:t>11/17/24</a:t>
             </a:fld>
@@ -5141,7 +5527,7 @@
           <a:bodyPr/>
           <a:lstStyle/>
           <a:p>
-            <a:fld id="{4509A250-FF31-4206-8172-F9D3106AACB1}" type="datetimeFigureOut">
+            <a:fld id="{C9884FF3-7B81-634E-9C77-D2386ED448CF}" type="datetime1">
               <a:rPr lang="en-US" smtClean="0"/>
               <a:t>11/17/24</a:t>
             </a:fld>
@@ -5354,7 +5740,7 @@
             </a:lvl1pPr>
           </a:lstStyle>
           <a:p>
-            <a:fld id="{4AAD347D-5ACD-4C99-B74B-A9C85AD731AF}" type="datetimeFigureOut">
+            <a:fld id="{8F612B6D-4BD4-3345-A8C8-BA2EEC41AF3A}" type="datetime1">
               <a:rPr lang="en-US" smtClean="0"/>
               <a:t>11/17/24</a:t>
             </a:fld>
@@ -5461,7 +5847,7 @@
     <p:sldLayoutId id="2147483801" r:id="rId10"/>
     <p:sldLayoutId id="2147483802" r:id="rId11"/>
   </p:sldLayoutIdLst>
-  <p:hf sldNum="0" hdr="0" ftr="0" dt="0"/>
+  <p:hf hdr="0" ftr="0" dt="0"/>
   <p:txStyles>
     <p:titleStyle>
       <a:lvl1pPr algn="l" defTabSz="685800" rtl="0" eaLnBrk="1" latinLnBrk="0" hangingPunct="1">
@@ -6238,6 +6624,35 @@
               <a:ea typeface="+mn-ea"/>
               <a:cs typeface="+mn-cs"/>
             </a:endParaRPr>
+          </a:p>
+        </p:txBody>
+      </p:sp>
+      <p:sp>
+        <p:nvSpPr>
+          <p:cNvPr id="5" name="Slide Number Placeholder 4">
+            <a:extLst>
+              <a:ext uri="{FF2B5EF4-FFF2-40B4-BE49-F238E27FC236}">
+                <a16:creationId xmlns:a16="http://schemas.microsoft.com/office/drawing/2014/main" id="{E17C1383-2C77-99C0-D265-1BAB8FC9F021}"/>
+              </a:ext>
+            </a:extLst>
+          </p:cNvPr>
+          <p:cNvSpPr>
+            <a:spLocks noGrp="1"/>
+          </p:cNvSpPr>
+          <p:nvPr>
+            <p:ph type="sldNum" sz="quarter" idx="12"/>
+          </p:nvPr>
+        </p:nvSpPr>
+        <p:spPr/>
+        <p:txBody>
+          <a:bodyPr/>
+          <a:lstStyle/>
+          <a:p>
+            <a:fld id="{D57F1E4F-1CFF-5643-939E-02111984F565}" type="slidenum">
+              <a:rPr lang="en-US" smtClean="0"/>
+              <a:t>1</a:t>
+            </a:fld>
+            <a:endParaRPr lang="en-US" dirty="0"/>
           </a:p>
         </p:txBody>
       </p:sp>
@@ -6859,6 +7274,35 @@
           </a:graphicData>
         </a:graphic>
       </p:graphicFrame>
+      <p:sp>
+        <p:nvSpPr>
+          <p:cNvPr id="5" name="Slide Number Placeholder 4">
+            <a:extLst>
+              <a:ext uri="{FF2B5EF4-FFF2-40B4-BE49-F238E27FC236}">
+                <a16:creationId xmlns:a16="http://schemas.microsoft.com/office/drawing/2014/main" id="{9DD33C3F-1BAE-BFF8-CBD8-6CB8F55384DE}"/>
+              </a:ext>
+            </a:extLst>
+          </p:cNvPr>
+          <p:cNvSpPr>
+            <a:spLocks noGrp="1"/>
+          </p:cNvSpPr>
+          <p:nvPr>
+            <p:ph type="sldNum" sz="quarter" idx="12"/>
+          </p:nvPr>
+        </p:nvSpPr>
+        <p:spPr/>
+        <p:txBody>
+          <a:bodyPr/>
+          <a:lstStyle/>
+          <a:p>
+            <a:fld id="{D57F1E4F-1CFF-5643-939E-02111984F565}" type="slidenum">
+              <a:rPr lang="en-US" smtClean="0"/>
+              <a:t>10</a:t>
+            </a:fld>
+            <a:endParaRPr lang="en-US" dirty="0"/>
+          </a:p>
+        </p:txBody>
+      </p:sp>
     </p:spTree>
     <p:extLst>
       <p:ext uri="{BB962C8B-B14F-4D97-AF65-F5344CB8AC3E}">
@@ -7017,6 +7461,35 @@
           </a:prstGeom>
         </p:spPr>
       </p:pic>
+      <p:sp>
+        <p:nvSpPr>
+          <p:cNvPr id="5" name="Slide Number Placeholder 4">
+            <a:extLst>
+              <a:ext uri="{FF2B5EF4-FFF2-40B4-BE49-F238E27FC236}">
+                <a16:creationId xmlns:a16="http://schemas.microsoft.com/office/drawing/2014/main" id="{530B76F9-F594-847E-9C6C-667944CAA794}"/>
+              </a:ext>
+            </a:extLst>
+          </p:cNvPr>
+          <p:cNvSpPr>
+            <a:spLocks noGrp="1"/>
+          </p:cNvSpPr>
+          <p:nvPr>
+            <p:ph type="sldNum" sz="quarter" idx="12"/>
+          </p:nvPr>
+        </p:nvSpPr>
+        <p:spPr/>
+        <p:txBody>
+          <a:bodyPr/>
+          <a:lstStyle/>
+          <a:p>
+            <a:fld id="{D57F1E4F-1CFF-5643-939E-02111984F565}" type="slidenum">
+              <a:rPr lang="en-US" smtClean="0"/>
+              <a:t>11</a:t>
+            </a:fld>
+            <a:endParaRPr lang="en-US" dirty="0"/>
+          </a:p>
+        </p:txBody>
+      </p:sp>
     </p:spTree>
     <p:extLst>
       <p:ext uri="{BB962C8B-B14F-4D97-AF65-F5344CB8AC3E}">
@@ -7212,6 +7685,35 @@
           </a:extLst>
         </p:spPr>
       </p:pic>
+      <p:sp>
+        <p:nvSpPr>
+          <p:cNvPr id="2" name="Slide Number Placeholder 1">
+            <a:extLst>
+              <a:ext uri="{FF2B5EF4-FFF2-40B4-BE49-F238E27FC236}">
+                <a16:creationId xmlns:a16="http://schemas.microsoft.com/office/drawing/2014/main" id="{06699383-3AA7-26A1-8333-E2CE4CEE3451}"/>
+              </a:ext>
+            </a:extLst>
+          </p:cNvPr>
+          <p:cNvSpPr>
+            <a:spLocks noGrp="1"/>
+          </p:cNvSpPr>
+          <p:nvPr>
+            <p:ph type="sldNum" sz="quarter" idx="12"/>
+          </p:nvPr>
+        </p:nvSpPr>
+        <p:spPr/>
+        <p:txBody>
+          <a:bodyPr/>
+          <a:lstStyle/>
+          <a:p>
+            <a:fld id="{D57F1E4F-1CFF-5643-939E-02111984F565}" type="slidenum">
+              <a:rPr lang="en-US" smtClean="0"/>
+              <a:t>12</a:t>
+            </a:fld>
+            <a:endParaRPr lang="en-US" dirty="0"/>
+          </a:p>
+        </p:txBody>
+      </p:sp>
     </p:spTree>
     <p:extLst>
       <p:ext uri="{BB962C8B-B14F-4D97-AF65-F5344CB8AC3E}">
@@ -7666,6 +8168,35 @@
               <a:buNone/>
             </a:pPr>
             <a:endParaRPr lang="en-US" altLang="en-US" sz="1500"/>
+          </a:p>
+        </p:txBody>
+      </p:sp>
+      <p:sp>
+        <p:nvSpPr>
+          <p:cNvPr id="2" name="Slide Number Placeholder 1">
+            <a:extLst>
+              <a:ext uri="{FF2B5EF4-FFF2-40B4-BE49-F238E27FC236}">
+                <a16:creationId xmlns:a16="http://schemas.microsoft.com/office/drawing/2014/main" id="{B575DD88-7752-4E95-D55C-7F03AE8EDBB5}"/>
+              </a:ext>
+            </a:extLst>
+          </p:cNvPr>
+          <p:cNvSpPr>
+            <a:spLocks noGrp="1"/>
+          </p:cNvSpPr>
+          <p:nvPr>
+            <p:ph type="sldNum" sz="quarter" idx="12"/>
+          </p:nvPr>
+        </p:nvSpPr>
+        <p:spPr/>
+        <p:txBody>
+          <a:bodyPr/>
+          <a:lstStyle/>
+          <a:p>
+            <a:fld id="{D57F1E4F-1CFF-5643-939E-02111984F565}" type="slidenum">
+              <a:rPr lang="en-US" smtClean="0"/>
+              <a:t>13</a:t>
+            </a:fld>
+            <a:endParaRPr lang="en-US" dirty="0"/>
           </a:p>
         </p:txBody>
       </p:sp>
@@ -7993,6 +8524,35 @@
               <a:latin typeface="Tahoma"/>
               <a:cs typeface="Tahoma"/>
             </a:endParaRPr>
+          </a:p>
+        </p:txBody>
+      </p:sp>
+      <p:sp>
+        <p:nvSpPr>
+          <p:cNvPr id="2" name="Slide Number Placeholder 1">
+            <a:extLst>
+              <a:ext uri="{FF2B5EF4-FFF2-40B4-BE49-F238E27FC236}">
+                <a16:creationId xmlns:a16="http://schemas.microsoft.com/office/drawing/2014/main" id="{E3B95BA2-8C28-DC49-A39D-87488E345AEF}"/>
+              </a:ext>
+            </a:extLst>
+          </p:cNvPr>
+          <p:cNvSpPr>
+            <a:spLocks noGrp="1"/>
+          </p:cNvSpPr>
+          <p:nvPr>
+            <p:ph type="sldNum" sz="quarter" idx="12"/>
+          </p:nvPr>
+        </p:nvSpPr>
+        <p:spPr/>
+        <p:txBody>
+          <a:bodyPr/>
+          <a:lstStyle/>
+          <a:p>
+            <a:fld id="{D57F1E4F-1CFF-5643-939E-02111984F565}" type="slidenum">
+              <a:rPr lang="en-US" smtClean="0"/>
+              <a:t>14</a:t>
+            </a:fld>
+            <a:endParaRPr lang="en-US" dirty="0"/>
           </a:p>
         </p:txBody>
       </p:sp>
@@ -8768,6 +9328,35 @@
           </a:extLst>
         </p:spPr>
       </p:pic>
+      <p:sp>
+        <p:nvSpPr>
+          <p:cNvPr id="2" name="Slide Number Placeholder 1">
+            <a:extLst>
+              <a:ext uri="{FF2B5EF4-FFF2-40B4-BE49-F238E27FC236}">
+                <a16:creationId xmlns:a16="http://schemas.microsoft.com/office/drawing/2014/main" id="{3A7B7FF1-BA78-51F7-67AD-FED529A863D7}"/>
+              </a:ext>
+            </a:extLst>
+          </p:cNvPr>
+          <p:cNvSpPr>
+            <a:spLocks noGrp="1"/>
+          </p:cNvSpPr>
+          <p:nvPr>
+            <p:ph type="sldNum" sz="quarter" idx="12"/>
+          </p:nvPr>
+        </p:nvSpPr>
+        <p:spPr/>
+        <p:txBody>
+          <a:bodyPr/>
+          <a:lstStyle/>
+          <a:p>
+            <a:fld id="{D57F1E4F-1CFF-5643-939E-02111984F565}" type="slidenum">
+              <a:rPr lang="en-US" smtClean="0"/>
+              <a:t>15</a:t>
+            </a:fld>
+            <a:endParaRPr lang="en-US" dirty="0"/>
+          </a:p>
+        </p:txBody>
+      </p:sp>
     </p:spTree>
     <p:extLst>
       <p:ext uri="{BB962C8B-B14F-4D97-AF65-F5344CB8AC3E}">
@@ -9349,6 +9938,35 @@
           </a:extLst>
         </p:spPr>
       </p:pic>
+      <p:sp>
+        <p:nvSpPr>
+          <p:cNvPr id="2" name="Slide Number Placeholder 1">
+            <a:extLst>
+              <a:ext uri="{FF2B5EF4-FFF2-40B4-BE49-F238E27FC236}">
+                <a16:creationId xmlns:a16="http://schemas.microsoft.com/office/drawing/2014/main" id="{58F78315-6BE6-3221-BA3C-C26E28870277}"/>
+              </a:ext>
+            </a:extLst>
+          </p:cNvPr>
+          <p:cNvSpPr>
+            <a:spLocks noGrp="1"/>
+          </p:cNvSpPr>
+          <p:nvPr>
+            <p:ph type="sldNum" sz="quarter" idx="12"/>
+          </p:nvPr>
+        </p:nvSpPr>
+        <p:spPr/>
+        <p:txBody>
+          <a:bodyPr/>
+          <a:lstStyle/>
+          <a:p>
+            <a:fld id="{D57F1E4F-1CFF-5643-939E-02111984F565}" type="slidenum">
+              <a:rPr lang="en-US" smtClean="0"/>
+              <a:t>16</a:t>
+            </a:fld>
+            <a:endParaRPr lang="en-US" dirty="0"/>
+          </a:p>
+        </p:txBody>
+      </p:sp>
     </p:spTree>
     <p:extLst>
       <p:ext uri="{BB962C8B-B14F-4D97-AF65-F5344CB8AC3E}">
@@ -9569,6 +10187,35 @@
               <a:latin typeface="Tahoma" panose="020B0604030504040204" pitchFamily="34" charset="0"/>
               <a:ea typeface="ＭＳ Ｐゴシック" panose="020B0600070205080204" pitchFamily="34" charset="-128"/>
             </a:endParaRPr>
+          </a:p>
+        </p:txBody>
+      </p:sp>
+      <p:sp>
+        <p:nvSpPr>
+          <p:cNvPr id="2" name="Slide Number Placeholder 1">
+            <a:extLst>
+              <a:ext uri="{FF2B5EF4-FFF2-40B4-BE49-F238E27FC236}">
+                <a16:creationId xmlns:a16="http://schemas.microsoft.com/office/drawing/2014/main" id="{EB2BFA89-3E10-EFA0-CBCA-7556CFD0AFAD}"/>
+              </a:ext>
+            </a:extLst>
+          </p:cNvPr>
+          <p:cNvSpPr>
+            <a:spLocks noGrp="1"/>
+          </p:cNvSpPr>
+          <p:nvPr>
+            <p:ph type="sldNum" sz="quarter" idx="12"/>
+          </p:nvPr>
+        </p:nvSpPr>
+        <p:spPr/>
+        <p:txBody>
+          <a:bodyPr/>
+          <a:lstStyle/>
+          <a:p>
+            <a:fld id="{D57F1E4F-1CFF-5643-939E-02111984F565}" type="slidenum">
+              <a:rPr lang="en-US" smtClean="0"/>
+              <a:t>17</a:t>
+            </a:fld>
+            <a:endParaRPr lang="en-US" dirty="0"/>
           </a:p>
         </p:txBody>
       </p:sp>
@@ -10786,6 +11433,35 @@
           </a:extLst>
         </p:spPr>
       </p:pic>
+      <p:sp>
+        <p:nvSpPr>
+          <p:cNvPr id="2" name="Slide Number Placeholder 1">
+            <a:extLst>
+              <a:ext uri="{FF2B5EF4-FFF2-40B4-BE49-F238E27FC236}">
+                <a16:creationId xmlns:a16="http://schemas.microsoft.com/office/drawing/2014/main" id="{0D7842DB-A133-B51A-E77C-6A15FE945AE5}"/>
+              </a:ext>
+            </a:extLst>
+          </p:cNvPr>
+          <p:cNvSpPr>
+            <a:spLocks noGrp="1"/>
+          </p:cNvSpPr>
+          <p:nvPr>
+            <p:ph type="sldNum" sz="quarter" idx="12"/>
+          </p:nvPr>
+        </p:nvSpPr>
+        <p:spPr/>
+        <p:txBody>
+          <a:bodyPr/>
+          <a:lstStyle/>
+          <a:p>
+            <a:fld id="{D57F1E4F-1CFF-5643-939E-02111984F565}" type="slidenum">
+              <a:rPr lang="en-US" smtClean="0"/>
+              <a:t>18</a:t>
+            </a:fld>
+            <a:endParaRPr lang="en-US" dirty="0"/>
+          </a:p>
+        </p:txBody>
+      </p:sp>
     </p:spTree>
     <p:extLst>
       <p:ext uri="{BB962C8B-B14F-4D97-AF65-F5344CB8AC3E}">
@@ -11688,6 +12364,35 @@
           </a:p>
         </p:txBody>
       </p:sp>
+      <p:sp>
+        <p:nvSpPr>
+          <p:cNvPr id="2" name="Slide Number Placeholder 1">
+            <a:extLst>
+              <a:ext uri="{FF2B5EF4-FFF2-40B4-BE49-F238E27FC236}">
+                <a16:creationId xmlns:a16="http://schemas.microsoft.com/office/drawing/2014/main" id="{407C4AD2-1CE4-84C8-2CB9-EE9395A3AC2A}"/>
+              </a:ext>
+            </a:extLst>
+          </p:cNvPr>
+          <p:cNvSpPr>
+            <a:spLocks noGrp="1"/>
+          </p:cNvSpPr>
+          <p:nvPr>
+            <p:ph type="sldNum" sz="quarter" idx="12"/>
+          </p:nvPr>
+        </p:nvSpPr>
+        <p:spPr/>
+        <p:txBody>
+          <a:bodyPr/>
+          <a:lstStyle/>
+          <a:p>
+            <a:fld id="{D57F1E4F-1CFF-5643-939E-02111984F565}" type="slidenum">
+              <a:rPr lang="en-US" smtClean="0"/>
+              <a:t>2</a:t>
+            </a:fld>
+            <a:endParaRPr lang="en-US" dirty="0"/>
+          </a:p>
+        </p:txBody>
+      </p:sp>
     </p:spTree>
     <p:extLst>
       <p:ext uri="{BB962C8B-B14F-4D97-AF65-F5344CB8AC3E}">
@@ -12674,6 +13379,35 @@
               <a:latin typeface="Tahoma" panose="020B0604030504040204" pitchFamily="34" charset="0"/>
               <a:ea typeface="ＭＳ Ｐゴシック" panose="020B0600070205080204" pitchFamily="34" charset="-128"/>
             </a:endParaRPr>
+          </a:p>
+        </p:txBody>
+      </p:sp>
+      <p:sp>
+        <p:nvSpPr>
+          <p:cNvPr id="2" name="Slide Number Placeholder 1">
+            <a:extLst>
+              <a:ext uri="{FF2B5EF4-FFF2-40B4-BE49-F238E27FC236}">
+                <a16:creationId xmlns:a16="http://schemas.microsoft.com/office/drawing/2014/main" id="{73C1B47B-005C-C5D9-B218-C750F032C5FA}"/>
+              </a:ext>
+            </a:extLst>
+          </p:cNvPr>
+          <p:cNvSpPr>
+            <a:spLocks noGrp="1"/>
+          </p:cNvSpPr>
+          <p:nvPr>
+            <p:ph type="sldNum" sz="quarter" idx="12"/>
+          </p:nvPr>
+        </p:nvSpPr>
+        <p:spPr/>
+        <p:txBody>
+          <a:bodyPr/>
+          <a:lstStyle/>
+          <a:p>
+            <a:fld id="{D57F1E4F-1CFF-5643-939E-02111984F565}" type="slidenum">
+              <a:rPr lang="en-US" smtClean="0"/>
+              <a:t>22</a:t>
+            </a:fld>
+            <a:endParaRPr lang="en-US" dirty="0"/>
           </a:p>
         </p:txBody>
       </p:sp>
@@ -14099,6 +14833,35 @@
           </a:extLst>
         </p:spPr>
       </p:pic>
+      <p:sp>
+        <p:nvSpPr>
+          <p:cNvPr id="2" name="Slide Number Placeholder 1">
+            <a:extLst>
+              <a:ext uri="{FF2B5EF4-FFF2-40B4-BE49-F238E27FC236}">
+                <a16:creationId xmlns:a16="http://schemas.microsoft.com/office/drawing/2014/main" id="{64BC6F7C-3713-D522-B93E-C78796ED216B}"/>
+              </a:ext>
+            </a:extLst>
+          </p:cNvPr>
+          <p:cNvSpPr>
+            <a:spLocks noGrp="1"/>
+          </p:cNvSpPr>
+          <p:nvPr>
+            <p:ph type="sldNum" sz="quarter" idx="12"/>
+          </p:nvPr>
+        </p:nvSpPr>
+        <p:spPr/>
+        <p:txBody>
+          <a:bodyPr/>
+          <a:lstStyle/>
+          <a:p>
+            <a:fld id="{D57F1E4F-1CFF-5643-939E-02111984F565}" type="slidenum">
+              <a:rPr lang="en-US" smtClean="0"/>
+              <a:t>24</a:t>
+            </a:fld>
+            <a:endParaRPr lang="en-US" dirty="0"/>
+          </a:p>
+        </p:txBody>
+      </p:sp>
     </p:spTree>
     <p:extLst>
       <p:ext uri="{BB962C8B-B14F-4D97-AF65-F5344CB8AC3E}">
@@ -14721,6 +15484,35 @@
               <a:buNone/>
             </a:pPr>
             <a:endParaRPr lang="en-US" altLang="en-US" sz="1500"/>
+          </a:p>
+        </p:txBody>
+      </p:sp>
+      <p:sp>
+        <p:nvSpPr>
+          <p:cNvPr id="2" name="Slide Number Placeholder 1">
+            <a:extLst>
+              <a:ext uri="{FF2B5EF4-FFF2-40B4-BE49-F238E27FC236}">
+                <a16:creationId xmlns:a16="http://schemas.microsoft.com/office/drawing/2014/main" id="{FBB3A191-31BC-59AC-C6F0-FC4DBC70A836}"/>
+              </a:ext>
+            </a:extLst>
+          </p:cNvPr>
+          <p:cNvSpPr>
+            <a:spLocks noGrp="1"/>
+          </p:cNvSpPr>
+          <p:nvPr>
+            <p:ph type="sldNum" sz="quarter" idx="12"/>
+          </p:nvPr>
+        </p:nvSpPr>
+        <p:spPr/>
+        <p:txBody>
+          <a:bodyPr/>
+          <a:lstStyle/>
+          <a:p>
+            <a:fld id="{D57F1E4F-1CFF-5643-939E-02111984F565}" type="slidenum">
+              <a:rPr lang="en-US" smtClean="0"/>
+              <a:t>25</a:t>
+            </a:fld>
+            <a:endParaRPr lang="en-US" dirty="0"/>
           </a:p>
         </p:txBody>
       </p:sp>
@@ -15585,6 +16377,35 @@
               </a:rPr>
               <a:t>encode</a:t>
             </a:r>
+          </a:p>
+        </p:txBody>
+      </p:sp>
+      <p:sp>
+        <p:nvSpPr>
+          <p:cNvPr id="2" name="Slide Number Placeholder 1">
+            <a:extLst>
+              <a:ext uri="{FF2B5EF4-FFF2-40B4-BE49-F238E27FC236}">
+                <a16:creationId xmlns:a16="http://schemas.microsoft.com/office/drawing/2014/main" id="{F979DED4-19E0-7833-1341-15E48B9D0AE8}"/>
+              </a:ext>
+            </a:extLst>
+          </p:cNvPr>
+          <p:cNvSpPr>
+            <a:spLocks noGrp="1"/>
+          </p:cNvSpPr>
+          <p:nvPr>
+            <p:ph type="sldNum" sz="quarter" idx="12"/>
+          </p:nvPr>
+        </p:nvSpPr>
+        <p:spPr/>
+        <p:txBody>
+          <a:bodyPr/>
+          <a:lstStyle/>
+          <a:p>
+            <a:fld id="{D57F1E4F-1CFF-5643-939E-02111984F565}" type="slidenum">
+              <a:rPr lang="en-US" smtClean="0"/>
+              <a:t>26</a:t>
+            </a:fld>
+            <a:endParaRPr lang="en-US" dirty="0"/>
           </a:p>
         </p:txBody>
       </p:sp>
@@ -16456,6 +17277,35 @@
           </a:p>
         </p:txBody>
       </p:sp>
+      <p:sp>
+        <p:nvSpPr>
+          <p:cNvPr id="2" name="Slide Number Placeholder 1">
+            <a:extLst>
+              <a:ext uri="{FF2B5EF4-FFF2-40B4-BE49-F238E27FC236}">
+                <a16:creationId xmlns:a16="http://schemas.microsoft.com/office/drawing/2014/main" id="{ED6BFE49-98D9-57E5-F83F-46B6AABBA507}"/>
+              </a:ext>
+            </a:extLst>
+          </p:cNvPr>
+          <p:cNvSpPr>
+            <a:spLocks noGrp="1"/>
+          </p:cNvSpPr>
+          <p:nvPr>
+            <p:ph type="sldNum" sz="quarter" idx="12"/>
+          </p:nvPr>
+        </p:nvSpPr>
+        <p:spPr/>
+        <p:txBody>
+          <a:bodyPr/>
+          <a:lstStyle/>
+          <a:p>
+            <a:fld id="{D57F1E4F-1CFF-5643-939E-02111984F565}" type="slidenum">
+              <a:rPr lang="en-US" smtClean="0"/>
+              <a:t>27</a:t>
+            </a:fld>
+            <a:endParaRPr lang="en-US" dirty="0"/>
+          </a:p>
+        </p:txBody>
+      </p:sp>
     </p:spTree>
     <p:extLst>
       <p:ext uri="{BB962C8B-B14F-4D97-AF65-F5344CB8AC3E}">
@@ -16980,6 +17830,35 @@
           </a:p>
         </p:txBody>
       </p:sp>
+      <p:sp>
+        <p:nvSpPr>
+          <p:cNvPr id="2" name="Slide Number Placeholder 1">
+            <a:extLst>
+              <a:ext uri="{FF2B5EF4-FFF2-40B4-BE49-F238E27FC236}">
+                <a16:creationId xmlns:a16="http://schemas.microsoft.com/office/drawing/2014/main" id="{51581ECF-AAD8-80ED-F588-7694BDD6C2B6}"/>
+              </a:ext>
+            </a:extLst>
+          </p:cNvPr>
+          <p:cNvSpPr>
+            <a:spLocks noGrp="1"/>
+          </p:cNvSpPr>
+          <p:nvPr>
+            <p:ph type="sldNum" sz="quarter" idx="12"/>
+          </p:nvPr>
+        </p:nvSpPr>
+        <p:spPr/>
+        <p:txBody>
+          <a:bodyPr/>
+          <a:lstStyle/>
+          <a:p>
+            <a:fld id="{D57F1E4F-1CFF-5643-939E-02111984F565}" type="slidenum">
+              <a:rPr lang="en-US" smtClean="0"/>
+              <a:t>28</a:t>
+            </a:fld>
+            <a:endParaRPr lang="en-US" dirty="0"/>
+          </a:p>
+        </p:txBody>
+      </p:sp>
     </p:spTree>
     <p:extLst>
       <p:ext uri="{BB962C8B-B14F-4D97-AF65-F5344CB8AC3E}">
@@ -17603,6 +18482,35 @@
           </a:extLst>
         </p:spPr>
       </p:pic>
+      <p:sp>
+        <p:nvSpPr>
+          <p:cNvPr id="2" name="Slide Number Placeholder 1">
+            <a:extLst>
+              <a:ext uri="{FF2B5EF4-FFF2-40B4-BE49-F238E27FC236}">
+                <a16:creationId xmlns:a16="http://schemas.microsoft.com/office/drawing/2014/main" id="{161C1759-1CD1-C726-B41B-4CEB12A16F73}"/>
+              </a:ext>
+            </a:extLst>
+          </p:cNvPr>
+          <p:cNvSpPr>
+            <a:spLocks noGrp="1"/>
+          </p:cNvSpPr>
+          <p:nvPr>
+            <p:ph type="sldNum" sz="quarter" idx="12"/>
+          </p:nvPr>
+        </p:nvSpPr>
+        <p:spPr/>
+        <p:txBody>
+          <a:bodyPr/>
+          <a:lstStyle/>
+          <a:p>
+            <a:fld id="{D57F1E4F-1CFF-5643-939E-02111984F565}" type="slidenum">
+              <a:rPr lang="en-US" smtClean="0"/>
+              <a:t>29</a:t>
+            </a:fld>
+            <a:endParaRPr lang="en-US" dirty="0"/>
+          </a:p>
+        </p:txBody>
+      </p:sp>
     </p:spTree>
     <p:extLst>
       <p:ext uri="{BB962C8B-B14F-4D97-AF65-F5344CB8AC3E}">
@@ -17975,6 +18883,35 @@
               <a:latin typeface="Tahoma" panose="020B0604030504040204" pitchFamily="34" charset="0"/>
               <a:ea typeface="ＭＳ Ｐゴシック" panose="020B0600070205080204" pitchFamily="34" charset="-128"/>
             </a:endParaRPr>
+          </a:p>
+        </p:txBody>
+      </p:sp>
+      <p:sp>
+        <p:nvSpPr>
+          <p:cNvPr id="2" name="Slide Number Placeholder 1">
+            <a:extLst>
+              <a:ext uri="{FF2B5EF4-FFF2-40B4-BE49-F238E27FC236}">
+                <a16:creationId xmlns:a16="http://schemas.microsoft.com/office/drawing/2014/main" id="{AF7A9A84-11FD-EB67-6EC6-8EBF8151A866}"/>
+              </a:ext>
+            </a:extLst>
+          </p:cNvPr>
+          <p:cNvSpPr>
+            <a:spLocks noGrp="1"/>
+          </p:cNvSpPr>
+          <p:nvPr>
+            <p:ph type="sldNum" sz="quarter" idx="12"/>
+          </p:nvPr>
+        </p:nvSpPr>
+        <p:spPr/>
+        <p:txBody>
+          <a:bodyPr/>
+          <a:lstStyle/>
+          <a:p>
+            <a:fld id="{D57F1E4F-1CFF-5643-939E-02111984F565}" type="slidenum">
+              <a:rPr lang="en-US" smtClean="0"/>
+              <a:t>3</a:t>
+            </a:fld>
+            <a:endParaRPr lang="en-US" dirty="0"/>
           </a:p>
         </p:txBody>
       </p:sp>
@@ -18913,6 +19850,35 @@
               <a:buNone/>
             </a:pPr>
             <a:endParaRPr lang="en-US" altLang="en-US" sz="1500"/>
+          </a:p>
+        </p:txBody>
+      </p:sp>
+      <p:sp>
+        <p:nvSpPr>
+          <p:cNvPr id="2" name="Slide Number Placeholder 1">
+            <a:extLst>
+              <a:ext uri="{FF2B5EF4-FFF2-40B4-BE49-F238E27FC236}">
+                <a16:creationId xmlns:a16="http://schemas.microsoft.com/office/drawing/2014/main" id="{3F304BA3-D08F-F451-F93A-4E5C804004F8}"/>
+              </a:ext>
+            </a:extLst>
+          </p:cNvPr>
+          <p:cNvSpPr>
+            <a:spLocks noGrp="1"/>
+          </p:cNvSpPr>
+          <p:nvPr>
+            <p:ph type="sldNum" sz="quarter" idx="12"/>
+          </p:nvPr>
+        </p:nvSpPr>
+        <p:spPr/>
+        <p:txBody>
+          <a:bodyPr/>
+          <a:lstStyle/>
+          <a:p>
+            <a:fld id="{D57F1E4F-1CFF-5643-939E-02111984F565}" type="slidenum">
+              <a:rPr lang="en-US" smtClean="0"/>
+              <a:t>30</a:t>
+            </a:fld>
+            <a:endParaRPr lang="en-US" dirty="0"/>
           </a:p>
         </p:txBody>
       </p:sp>
@@ -20059,6 +21025,35 @@
           </a:fontRef>
         </p:style>
       </p:cxnSp>
+      <p:sp>
+        <p:nvSpPr>
+          <p:cNvPr id="5" name="Slide Number Placeholder 4">
+            <a:extLst>
+              <a:ext uri="{FF2B5EF4-FFF2-40B4-BE49-F238E27FC236}">
+                <a16:creationId xmlns:a16="http://schemas.microsoft.com/office/drawing/2014/main" id="{C668A867-E1EF-5B37-0B6C-E1E285610D68}"/>
+              </a:ext>
+            </a:extLst>
+          </p:cNvPr>
+          <p:cNvSpPr>
+            <a:spLocks noGrp="1"/>
+          </p:cNvSpPr>
+          <p:nvPr>
+            <p:ph type="sldNum" sz="quarter" idx="12"/>
+          </p:nvPr>
+        </p:nvSpPr>
+        <p:spPr/>
+        <p:txBody>
+          <a:bodyPr/>
+          <a:lstStyle/>
+          <a:p>
+            <a:fld id="{D57F1E4F-1CFF-5643-939E-02111984F565}" type="slidenum">
+              <a:rPr lang="en-US" smtClean="0"/>
+              <a:t>31</a:t>
+            </a:fld>
+            <a:endParaRPr lang="en-US" dirty="0"/>
+          </a:p>
+        </p:txBody>
+      </p:sp>
     </p:spTree>
     <p:extLst>
       <p:ext uri="{BB962C8B-B14F-4D97-AF65-F5344CB8AC3E}">
@@ -20633,6 +21628,35 @@
           </a:p>
         </p:txBody>
       </p:sp>
+      <p:sp>
+        <p:nvSpPr>
+          <p:cNvPr id="2" name="Slide Number Placeholder 1">
+            <a:extLst>
+              <a:ext uri="{FF2B5EF4-FFF2-40B4-BE49-F238E27FC236}">
+                <a16:creationId xmlns:a16="http://schemas.microsoft.com/office/drawing/2014/main" id="{CA6313AC-4191-AE91-1732-923B98342B31}"/>
+              </a:ext>
+            </a:extLst>
+          </p:cNvPr>
+          <p:cNvSpPr>
+            <a:spLocks noGrp="1"/>
+          </p:cNvSpPr>
+          <p:nvPr>
+            <p:ph type="sldNum" sz="quarter" idx="12"/>
+          </p:nvPr>
+        </p:nvSpPr>
+        <p:spPr/>
+        <p:txBody>
+          <a:bodyPr/>
+          <a:lstStyle/>
+          <a:p>
+            <a:fld id="{D57F1E4F-1CFF-5643-939E-02111984F565}" type="slidenum">
+              <a:rPr lang="en-US" smtClean="0"/>
+              <a:t>32</a:t>
+            </a:fld>
+            <a:endParaRPr lang="en-US" dirty="0"/>
+          </a:p>
+        </p:txBody>
+      </p:sp>
     </p:spTree>
     <p:extLst>
       <p:ext uri="{BB962C8B-B14F-4D97-AF65-F5344CB8AC3E}">
@@ -21179,6 +22203,35 @@
           </a:extLst>
         </p:spPr>
       </p:pic>
+      <p:sp>
+        <p:nvSpPr>
+          <p:cNvPr id="2" name="Slide Number Placeholder 1">
+            <a:extLst>
+              <a:ext uri="{FF2B5EF4-FFF2-40B4-BE49-F238E27FC236}">
+                <a16:creationId xmlns:a16="http://schemas.microsoft.com/office/drawing/2014/main" id="{02F41146-BD60-91FC-1968-0D8B30141120}"/>
+              </a:ext>
+            </a:extLst>
+          </p:cNvPr>
+          <p:cNvSpPr>
+            <a:spLocks noGrp="1"/>
+          </p:cNvSpPr>
+          <p:nvPr>
+            <p:ph type="sldNum" sz="quarter" idx="12"/>
+          </p:nvPr>
+        </p:nvSpPr>
+        <p:spPr/>
+        <p:txBody>
+          <a:bodyPr/>
+          <a:lstStyle/>
+          <a:p>
+            <a:fld id="{D57F1E4F-1CFF-5643-939E-02111984F565}" type="slidenum">
+              <a:rPr lang="en-US" smtClean="0"/>
+              <a:t>33</a:t>
+            </a:fld>
+            <a:endParaRPr lang="en-US" dirty="0"/>
+          </a:p>
+        </p:txBody>
+      </p:sp>
     </p:spTree>
     <p:extLst>
       <p:ext uri="{BB962C8B-B14F-4D97-AF65-F5344CB8AC3E}">
@@ -21733,6 +22786,35 @@
           </a:p>
         </p:txBody>
       </p:sp>
+      <p:sp>
+        <p:nvSpPr>
+          <p:cNvPr id="2" name="Slide Number Placeholder 1">
+            <a:extLst>
+              <a:ext uri="{FF2B5EF4-FFF2-40B4-BE49-F238E27FC236}">
+                <a16:creationId xmlns:a16="http://schemas.microsoft.com/office/drawing/2014/main" id="{7EDDC462-A425-109E-0985-6F60BD2ED21D}"/>
+              </a:ext>
+            </a:extLst>
+          </p:cNvPr>
+          <p:cNvSpPr>
+            <a:spLocks noGrp="1"/>
+          </p:cNvSpPr>
+          <p:nvPr>
+            <p:ph type="sldNum" sz="quarter" idx="12"/>
+          </p:nvPr>
+        </p:nvSpPr>
+        <p:spPr/>
+        <p:txBody>
+          <a:bodyPr/>
+          <a:lstStyle/>
+          <a:p>
+            <a:fld id="{D57F1E4F-1CFF-5643-939E-02111984F565}" type="slidenum">
+              <a:rPr lang="en-US" smtClean="0"/>
+              <a:t>4</a:t>
+            </a:fld>
+            <a:endParaRPr lang="en-US" dirty="0"/>
+          </a:p>
+        </p:txBody>
+      </p:sp>
     </p:spTree>
     <p:extLst>
       <p:ext uri="{BB962C8B-B14F-4D97-AF65-F5344CB8AC3E}">
@@ -22053,6 +23135,35 @@
           </a:prstGeom>
         </p:spPr>
       </p:pic>
+      <p:sp>
+        <p:nvSpPr>
+          <p:cNvPr id="3" name="Slide Number Placeholder 2">
+            <a:extLst>
+              <a:ext uri="{FF2B5EF4-FFF2-40B4-BE49-F238E27FC236}">
+                <a16:creationId xmlns:a16="http://schemas.microsoft.com/office/drawing/2014/main" id="{A74C6077-B3F5-03FD-63B9-A0916C43634F}"/>
+              </a:ext>
+            </a:extLst>
+          </p:cNvPr>
+          <p:cNvSpPr>
+            <a:spLocks noGrp="1"/>
+          </p:cNvSpPr>
+          <p:nvPr>
+            <p:ph type="sldNum" sz="quarter" idx="12"/>
+          </p:nvPr>
+        </p:nvSpPr>
+        <p:spPr/>
+        <p:txBody>
+          <a:bodyPr/>
+          <a:lstStyle/>
+          <a:p>
+            <a:fld id="{D57F1E4F-1CFF-5643-939E-02111984F565}" type="slidenum">
+              <a:rPr lang="en-US" smtClean="0"/>
+              <a:t>5</a:t>
+            </a:fld>
+            <a:endParaRPr lang="en-US" dirty="0"/>
+          </a:p>
+        </p:txBody>
+      </p:sp>
     </p:spTree>
     <p:extLst>
       <p:ext uri="{BB962C8B-B14F-4D97-AF65-F5344CB8AC3E}">
@@ -22196,6 +23307,35 @@
           </a:prstGeom>
         </p:spPr>
       </p:pic>
+      <p:sp>
+        <p:nvSpPr>
+          <p:cNvPr id="2" name="Slide Number Placeholder 1">
+            <a:extLst>
+              <a:ext uri="{FF2B5EF4-FFF2-40B4-BE49-F238E27FC236}">
+                <a16:creationId xmlns:a16="http://schemas.microsoft.com/office/drawing/2014/main" id="{D30FFA42-75F8-F1C8-E54D-0B8CF7846FE0}"/>
+              </a:ext>
+            </a:extLst>
+          </p:cNvPr>
+          <p:cNvSpPr>
+            <a:spLocks noGrp="1"/>
+          </p:cNvSpPr>
+          <p:nvPr>
+            <p:ph type="sldNum" sz="quarter" idx="12"/>
+          </p:nvPr>
+        </p:nvSpPr>
+        <p:spPr/>
+        <p:txBody>
+          <a:bodyPr/>
+          <a:lstStyle/>
+          <a:p>
+            <a:fld id="{D57F1E4F-1CFF-5643-939E-02111984F565}" type="slidenum">
+              <a:rPr lang="en-US" smtClean="0"/>
+              <a:t>6</a:t>
+            </a:fld>
+            <a:endParaRPr lang="en-US" dirty="0"/>
+          </a:p>
+        </p:txBody>
+      </p:sp>
     </p:spTree>
     <p:extLst>
       <p:ext uri="{BB962C8B-B14F-4D97-AF65-F5344CB8AC3E}">
@@ -22634,6 +23774,35 @@
           </p:sp>
         </mc:Fallback>
       </mc:AlternateContent>
+      <p:sp>
+        <p:nvSpPr>
+          <p:cNvPr id="2" name="Slide Number Placeholder 1">
+            <a:extLst>
+              <a:ext uri="{FF2B5EF4-FFF2-40B4-BE49-F238E27FC236}">
+                <a16:creationId xmlns:a16="http://schemas.microsoft.com/office/drawing/2014/main" id="{24550C3C-35B9-352D-5454-CBB554166E98}"/>
+              </a:ext>
+            </a:extLst>
+          </p:cNvPr>
+          <p:cNvSpPr>
+            <a:spLocks noGrp="1"/>
+          </p:cNvSpPr>
+          <p:nvPr>
+            <p:ph type="sldNum" sz="quarter" idx="12"/>
+          </p:nvPr>
+        </p:nvSpPr>
+        <p:spPr/>
+        <p:txBody>
+          <a:bodyPr/>
+          <a:lstStyle/>
+          <a:p>
+            <a:fld id="{D57F1E4F-1CFF-5643-939E-02111984F565}" type="slidenum">
+              <a:rPr lang="en-US" smtClean="0"/>
+              <a:t>7</a:t>
+            </a:fld>
+            <a:endParaRPr lang="en-US" dirty="0"/>
+          </a:p>
+        </p:txBody>
+      </p:sp>
     </p:spTree>
     <p:extLst>
       <p:ext uri="{BB962C8B-B14F-4D97-AF65-F5344CB8AC3E}">
@@ -23260,6 +24429,35 @@
           </p:sp>
         </mc:Fallback>
       </mc:AlternateContent>
+      <p:sp>
+        <p:nvSpPr>
+          <p:cNvPr id="2" name="Slide Number Placeholder 1">
+            <a:extLst>
+              <a:ext uri="{FF2B5EF4-FFF2-40B4-BE49-F238E27FC236}">
+                <a16:creationId xmlns:a16="http://schemas.microsoft.com/office/drawing/2014/main" id="{DC8C1805-439F-F6B1-28F3-A5389A6F5BF0}"/>
+              </a:ext>
+            </a:extLst>
+          </p:cNvPr>
+          <p:cNvSpPr>
+            <a:spLocks noGrp="1"/>
+          </p:cNvSpPr>
+          <p:nvPr>
+            <p:ph type="sldNum" sz="quarter" idx="12"/>
+          </p:nvPr>
+        </p:nvSpPr>
+        <p:spPr/>
+        <p:txBody>
+          <a:bodyPr/>
+          <a:lstStyle/>
+          <a:p>
+            <a:fld id="{D57F1E4F-1CFF-5643-939E-02111984F565}" type="slidenum">
+              <a:rPr lang="en-US" smtClean="0"/>
+              <a:t>8</a:t>
+            </a:fld>
+            <a:endParaRPr lang="en-US" dirty="0"/>
+          </a:p>
+        </p:txBody>
+      </p:sp>
     </p:spTree>
     <p:extLst>
       <p:ext uri="{BB962C8B-B14F-4D97-AF65-F5344CB8AC3E}">
@@ -23688,6 +24886,35 @@
           </a:graphicData>
         </a:graphic>
       </p:graphicFrame>
+      <p:sp>
+        <p:nvSpPr>
+          <p:cNvPr id="3" name="Slide Number Placeholder 2">
+            <a:extLst>
+              <a:ext uri="{FF2B5EF4-FFF2-40B4-BE49-F238E27FC236}">
+                <a16:creationId xmlns:a16="http://schemas.microsoft.com/office/drawing/2014/main" id="{A4DFFC7E-7B31-A773-C54C-E4ADAA3A93C3}"/>
+              </a:ext>
+            </a:extLst>
+          </p:cNvPr>
+          <p:cNvSpPr>
+            <a:spLocks noGrp="1"/>
+          </p:cNvSpPr>
+          <p:nvPr>
+            <p:ph type="sldNum" sz="quarter" idx="12"/>
+          </p:nvPr>
+        </p:nvSpPr>
+        <p:spPr/>
+        <p:txBody>
+          <a:bodyPr/>
+          <a:lstStyle/>
+          <a:p>
+            <a:fld id="{D57F1E4F-1CFF-5643-939E-02111984F565}" type="slidenum">
+              <a:rPr lang="en-US" smtClean="0"/>
+              <a:t>9</a:t>
+            </a:fld>
+            <a:endParaRPr lang="en-US" dirty="0"/>
+          </a:p>
+        </p:txBody>
+      </p:sp>
     </p:spTree>
     <p:extLst>
       <p:ext uri="{BB962C8B-B14F-4D97-AF65-F5344CB8AC3E}">

--- a/courses/apcsp/lect14a.pptx
+++ b/courses/apcsp/lect14a.pptx
@@ -19,8 +19,8 @@
     <p:sldId id="345" r:id="rId10"/>
     <p:sldId id="652" r:id="rId11"/>
     <p:sldId id="654" r:id="rId12"/>
-    <p:sldId id="650" r:id="rId13"/>
-    <p:sldId id="323" r:id="rId14"/>
+    <p:sldId id="323" r:id="rId13"/>
+    <p:sldId id="650" r:id="rId14"/>
     <p:sldId id="320" r:id="rId15"/>
     <p:sldId id="321" r:id="rId16"/>
     <p:sldId id="322" r:id="rId17"/>
@@ -147,2213 +147,20 @@
 </p:presentation>
 </file>
 
-<file path=ppt/revisionInfo.xml><?xml version="1.0" encoding="utf-8"?>
-<p1510:revInfo xmlns:a="http://schemas.openxmlformats.org/drawingml/2006/main" xmlns:r="http://schemas.openxmlformats.org/officeDocument/2006/relationships" xmlns:p1510="http://schemas.microsoft.com/office/powerpoint/2015/10/main">
-  <p1510:revLst>
-    <p1510:client id="{63956BDE-1760-9E47-86E5-1948DE91DAB5}" v="858" dt="2024-11-18T04:33:54.077"/>
-  </p1510:revLst>
-</p1510:revInfo>
-</file>
-
 <file path=ppt/changesInfos/changesInfo1.xml><?xml version="1.0" encoding="utf-8"?>
 <pc:chgInfo xmlns:a="http://schemas.openxmlformats.org/drawingml/2006/main" xmlns:r="http://schemas.openxmlformats.org/officeDocument/2006/relationships" xmlns:ac="http://schemas.microsoft.com/office/drawing/2013/main/command" xmlns:pc="http://schemas.microsoft.com/office/powerpoint/2013/main/command">
   <pc:docChgLst>
-    <pc:chgData name="Long Nguyen" userId="f59fb8f3-a021-417a-8bc1-65c8d471c621" providerId="ADAL" clId="{8FB70B1A-2045-594F-B9FC-1F74F57CD7C4}"/>
-    <pc:docChg chg="modSld">
-      <pc:chgData name="Long Nguyen" userId="f59fb8f3-a021-417a-8bc1-65c8d471c621" providerId="ADAL" clId="{8FB70B1A-2045-594F-B9FC-1F74F57CD7C4}" dt="2023-02-06T16:50:11.068" v="63" actId="20577"/>
+    <pc:chgData name="Long B Nguyen" userId="f59fb8f3-a021-417a-8bc1-65c8d471c621" providerId="ADAL" clId="{93BE87BA-F8CA-5C1F-82FF-B4CAB5F485A1}"/>
+    <pc:docChg chg="sldOrd">
+      <pc:chgData name="Long B Nguyen" userId="f59fb8f3-a021-417a-8bc1-65c8d471c621" providerId="ADAL" clId="{93BE87BA-F8CA-5C1F-82FF-B4CAB5F485A1}" dt="2026-02-05T14:46:01.161" v="0" actId="20578"/>
       <pc:docMkLst>
         <pc:docMk/>
       </pc:docMkLst>
-      <pc:sldChg chg="modSp modAnim">
-        <pc:chgData name="Long Nguyen" userId="f59fb8f3-a021-417a-8bc1-65c8d471c621" providerId="ADAL" clId="{8FB70B1A-2045-594F-B9FC-1F74F57CD7C4}" dt="2023-02-06T15:42:55.871" v="1" actId="20577"/>
-        <pc:sldMkLst>
-          <pc:docMk/>
-          <pc:sldMk cId="3866550465" sldId="335"/>
-        </pc:sldMkLst>
-      </pc:sldChg>
-      <pc:sldChg chg="modSp modAnim">
-        <pc:chgData name="Long Nguyen" userId="f59fb8f3-a021-417a-8bc1-65c8d471c621" providerId="ADAL" clId="{8FB70B1A-2045-594F-B9FC-1F74F57CD7C4}" dt="2023-02-06T15:42:50.262" v="0" actId="20577"/>
-        <pc:sldMkLst>
-          <pc:docMk/>
-          <pc:sldMk cId="3749436800" sldId="336"/>
-        </pc:sldMkLst>
-      </pc:sldChg>
-      <pc:sldChg chg="modSp mod">
-        <pc:chgData name="Long Nguyen" userId="f59fb8f3-a021-417a-8bc1-65c8d471c621" providerId="ADAL" clId="{8FB70B1A-2045-594F-B9FC-1F74F57CD7C4}" dt="2023-02-06T16:50:11.068" v="63" actId="20577"/>
-        <pc:sldMkLst>
-          <pc:docMk/>
-          <pc:sldMk cId="3668115397" sldId="643"/>
-        </pc:sldMkLst>
-      </pc:sldChg>
-    </pc:docChg>
-  </pc:docChgLst>
-  <pc:docChgLst>
-    <pc:chgData name="Long Nguyen" userId="f59fb8f3-a021-417a-8bc1-65c8d471c621" providerId="ADAL" clId="{C6ABB480-C010-584A-AC18-3EA8C44B919D}"/>
-    <pc:docChg chg="custSel addSld delSld modSld">
-      <pc:chgData name="Long Nguyen" userId="f59fb8f3-a021-417a-8bc1-65c8d471c621" providerId="ADAL" clId="{C6ABB480-C010-584A-AC18-3EA8C44B919D}" dt="2022-02-08T18:27:04.387" v="79"/>
-      <pc:docMkLst>
-        <pc:docMk/>
-      </pc:docMkLst>
-      <pc:sldChg chg="del">
-        <pc:chgData name="Long Nguyen" userId="f59fb8f3-a021-417a-8bc1-65c8d471c621" providerId="ADAL" clId="{C6ABB480-C010-584A-AC18-3EA8C44B919D}" dt="2022-02-07T17:38:23.423" v="0" actId="2696"/>
-        <pc:sldMkLst>
-          <pc:docMk/>
-          <pc:sldMk cId="1694859685" sldId="319"/>
-        </pc:sldMkLst>
-      </pc:sldChg>
-      <pc:sldChg chg="add">
-        <pc:chgData name="Long Nguyen" userId="f59fb8f3-a021-417a-8bc1-65c8d471c621" providerId="ADAL" clId="{C6ABB480-C010-584A-AC18-3EA8C44B919D}" dt="2022-02-08T15:34:04.824" v="6"/>
-        <pc:sldMkLst>
-          <pc:docMk/>
-          <pc:sldMk cId="55574211" sldId="329"/>
-        </pc:sldMkLst>
-      </pc:sldChg>
-      <pc:sldChg chg="del">
-        <pc:chgData name="Long Nguyen" userId="f59fb8f3-a021-417a-8bc1-65c8d471c621" providerId="ADAL" clId="{C6ABB480-C010-584A-AC18-3EA8C44B919D}" dt="2022-02-08T15:34:02.373" v="5" actId="2696"/>
-        <pc:sldMkLst>
-          <pc:docMk/>
-          <pc:sldMk cId="1447299358" sldId="329"/>
-        </pc:sldMkLst>
-      </pc:sldChg>
-      <pc:sldChg chg="modSp add mod modAnim">
-        <pc:chgData name="Long Nguyen" userId="f59fb8f3-a021-417a-8bc1-65c8d471c621" providerId="ADAL" clId="{C6ABB480-C010-584A-AC18-3EA8C44B919D}" dt="2022-02-08T15:36:21.423" v="18" actId="27636"/>
-        <pc:sldMkLst>
-          <pc:docMk/>
-          <pc:sldMk cId="3866550465" sldId="335"/>
-        </pc:sldMkLst>
-      </pc:sldChg>
-      <pc:sldChg chg="modSp add mod modAnim">
-        <pc:chgData name="Long Nguyen" userId="f59fb8f3-a021-417a-8bc1-65c8d471c621" providerId="ADAL" clId="{C6ABB480-C010-584A-AC18-3EA8C44B919D}" dt="2022-02-08T15:37:07.783" v="29" actId="14100"/>
-        <pc:sldMkLst>
-          <pc:docMk/>
-          <pc:sldMk cId="3749436800" sldId="336"/>
-        </pc:sldMkLst>
-      </pc:sldChg>
-      <pc:sldChg chg="addSp modSp add mod modAnim">
-        <pc:chgData name="Long Nguyen" userId="f59fb8f3-a021-417a-8bc1-65c8d471c621" providerId="ADAL" clId="{C6ABB480-C010-584A-AC18-3EA8C44B919D}" dt="2022-02-08T15:38:08.553" v="68"/>
-        <pc:sldMkLst>
-          <pc:docMk/>
-          <pc:sldMk cId="461704868" sldId="337"/>
-        </pc:sldMkLst>
-      </pc:sldChg>
-      <pc:sldChg chg="add del">
-        <pc:chgData name="Long Nguyen" userId="f59fb8f3-a021-417a-8bc1-65c8d471c621" providerId="ADAL" clId="{C6ABB480-C010-584A-AC18-3EA8C44B919D}" dt="2022-02-08T15:38:11.977" v="69" actId="2696"/>
-        <pc:sldMkLst>
-          <pc:docMk/>
-          <pc:sldMk cId="545386500" sldId="338"/>
-        </pc:sldMkLst>
-      </pc:sldChg>
-      <pc:sldChg chg="del">
-        <pc:chgData name="Long Nguyen" userId="f59fb8f3-a021-417a-8bc1-65c8d471c621" providerId="ADAL" clId="{C6ABB480-C010-584A-AC18-3EA8C44B919D}" dt="2022-02-07T17:38:44.101" v="1" actId="2696"/>
-        <pc:sldMkLst>
-          <pc:docMk/>
-          <pc:sldMk cId="1270247652" sldId="344"/>
-        </pc:sldMkLst>
-      </pc:sldChg>
-      <pc:sldChg chg="modSp mod">
-        <pc:chgData name="Long Nguyen" userId="f59fb8f3-a021-417a-8bc1-65c8d471c621" providerId="ADAL" clId="{C6ABB480-C010-584A-AC18-3EA8C44B919D}" dt="2022-02-08T15:33:46.376" v="4" actId="27636"/>
-        <pc:sldMkLst>
-          <pc:docMk/>
-          <pc:sldMk cId="1173183267" sldId="350"/>
-        </pc:sldMkLst>
-      </pc:sldChg>
-      <pc:sldChg chg="modSp mod modAnim">
-        <pc:chgData name="Long Nguyen" userId="f59fb8f3-a021-417a-8bc1-65c8d471c621" providerId="ADAL" clId="{C6ABB480-C010-584A-AC18-3EA8C44B919D}" dt="2022-02-08T18:26:15.943" v="76"/>
-        <pc:sldMkLst>
-          <pc:docMk/>
-          <pc:sldMk cId="781734240" sldId="628"/>
-        </pc:sldMkLst>
-      </pc:sldChg>
-      <pc:sldChg chg="modAnim">
-        <pc:chgData name="Long Nguyen" userId="f59fb8f3-a021-417a-8bc1-65c8d471c621" providerId="ADAL" clId="{C6ABB480-C010-584A-AC18-3EA8C44B919D}" dt="2022-02-08T18:27:04.387" v="79"/>
-        <pc:sldMkLst>
-          <pc:docMk/>
-          <pc:sldMk cId="4189100123" sldId="629"/>
-        </pc:sldMkLst>
-      </pc:sldChg>
-    </pc:docChg>
-  </pc:docChgLst>
-  <pc:docChgLst>
-    <pc:chgData name="Long B Nguyen" userId="f59fb8f3-a021-417a-8bc1-65c8d471c621" providerId="ADAL" clId="{A54A5039-9BC6-1548-AC61-7314DB675A9D}"/>
-    <pc:docChg chg="undo custSel addSld delSld modSld">
-      <pc:chgData name="Long B Nguyen" userId="f59fb8f3-a021-417a-8bc1-65c8d471c621" providerId="ADAL" clId="{A54A5039-9BC6-1548-AC61-7314DB675A9D}" dt="2019-09-25T14:26:33.714" v="2899" actId="20577"/>
-      <pc:docMkLst>
-        <pc:docMk/>
-      </pc:docMkLst>
-      <pc:sldChg chg="modSp">
-        <pc:chgData name="Long B Nguyen" userId="f59fb8f3-a021-417a-8bc1-65c8d471c621" providerId="ADAL" clId="{A54A5039-9BC6-1548-AC61-7314DB675A9D}" dt="2019-09-25T14:17:33.020" v="2843" actId="20577"/>
-        <pc:sldMkLst>
-          <pc:docMk/>
-          <pc:sldMk cId="4247104139" sldId="256"/>
-        </pc:sldMkLst>
-      </pc:sldChg>
-      <pc:sldChg chg="modSp modAnim">
-        <pc:chgData name="Long B Nguyen" userId="f59fb8f3-a021-417a-8bc1-65c8d471c621" providerId="ADAL" clId="{A54A5039-9BC6-1548-AC61-7314DB675A9D}" dt="2019-09-24T11:45:26.007" v="2185" actId="20577"/>
-        <pc:sldMkLst>
-          <pc:docMk/>
-          <pc:sldMk cId="1438711869" sldId="284"/>
-        </pc:sldMkLst>
-      </pc:sldChg>
-      <pc:sldChg chg="modSp">
-        <pc:chgData name="Long B Nguyen" userId="f59fb8f3-a021-417a-8bc1-65c8d471c621" providerId="ADAL" clId="{A54A5039-9BC6-1548-AC61-7314DB675A9D}" dt="2019-09-19T14:18:56.959" v="28" actId="20577"/>
-        <pc:sldMkLst>
-          <pc:docMk/>
-          <pc:sldMk cId="131840209" sldId="286"/>
-        </pc:sldMkLst>
-      </pc:sldChg>
-      <pc:sldChg chg="modSp add del modAnim">
-        <pc:chgData name="Long B Nguyen" userId="f59fb8f3-a021-417a-8bc1-65c8d471c621" providerId="ADAL" clId="{A54A5039-9BC6-1548-AC61-7314DB675A9D}" dt="2019-09-24T11:43:26.738" v="2146" actId="2696"/>
-        <pc:sldMkLst>
-          <pc:docMk/>
-          <pc:sldMk cId="3439768680" sldId="294"/>
-        </pc:sldMkLst>
-      </pc:sldChg>
-      <pc:sldChg chg="addSp modSp modAnim">
-        <pc:chgData name="Long B Nguyen" userId="f59fb8f3-a021-417a-8bc1-65c8d471c621" providerId="ADAL" clId="{A54A5039-9BC6-1548-AC61-7314DB675A9D}" dt="2019-09-23T12:04:10.373" v="1911"/>
-        <pc:sldMkLst>
-          <pc:docMk/>
-          <pc:sldMk cId="1816941262" sldId="295"/>
-        </pc:sldMkLst>
-      </pc:sldChg>
-      <pc:sldChg chg="modSp modAnim">
-        <pc:chgData name="Long B Nguyen" userId="f59fb8f3-a021-417a-8bc1-65c8d471c621" providerId="ADAL" clId="{A54A5039-9BC6-1548-AC61-7314DB675A9D}" dt="2019-09-23T11:59:17.508" v="1794"/>
-        <pc:sldMkLst>
-          <pc:docMk/>
-          <pc:sldMk cId="553003360" sldId="296"/>
-        </pc:sldMkLst>
-      </pc:sldChg>
-      <pc:sldChg chg="modSp modAnim">
-        <pc:chgData name="Long B Nguyen" userId="f59fb8f3-a021-417a-8bc1-65c8d471c621" providerId="ADAL" clId="{A54A5039-9BC6-1548-AC61-7314DB675A9D}" dt="2019-09-23T11:59:34.632" v="1798"/>
-        <pc:sldMkLst>
-          <pc:docMk/>
-          <pc:sldMk cId="3006175481" sldId="297"/>
-        </pc:sldMkLst>
-      </pc:sldChg>
-      <pc:sldChg chg="modSp modAnim">
-        <pc:chgData name="Long B Nguyen" userId="f59fb8f3-a021-417a-8bc1-65c8d471c621" providerId="ADAL" clId="{A54A5039-9BC6-1548-AC61-7314DB675A9D}" dt="2019-09-23T12:06:41.861" v="1992"/>
-        <pc:sldMkLst>
-          <pc:docMk/>
-          <pc:sldMk cId="3150557076" sldId="298"/>
-        </pc:sldMkLst>
-      </pc:sldChg>
-      <pc:sldChg chg="addSp delSp modSp modAnim">
-        <pc:chgData name="Long B Nguyen" userId="f59fb8f3-a021-417a-8bc1-65c8d471c621" providerId="ADAL" clId="{A54A5039-9BC6-1548-AC61-7314DB675A9D}" dt="2019-09-23T12:01:44.436" v="1840"/>
-        <pc:sldMkLst>
-          <pc:docMk/>
-          <pc:sldMk cId="128704095" sldId="302"/>
-        </pc:sldMkLst>
-      </pc:sldChg>
-      <pc:sldChg chg="modSp add modAnim">
-        <pc:chgData name="Long B Nguyen" userId="f59fb8f3-a021-417a-8bc1-65c8d471c621" providerId="ADAL" clId="{A54A5039-9BC6-1548-AC61-7314DB675A9D}" dt="2019-09-23T12:00:26.516" v="1826" actId="20577"/>
-        <pc:sldMkLst>
-          <pc:docMk/>
-          <pc:sldMk cId="3275945509" sldId="303"/>
-        </pc:sldMkLst>
-      </pc:sldChg>
-      <pc:sldChg chg="modSp add modAnim">
-        <pc:chgData name="Long B Nguyen" userId="f59fb8f3-a021-417a-8bc1-65c8d471c621" providerId="ADAL" clId="{A54A5039-9BC6-1548-AC61-7314DB675A9D}" dt="2019-09-23T12:00:38.314" v="1827"/>
-        <pc:sldMkLst>
-          <pc:docMk/>
-          <pc:sldMk cId="406772024" sldId="304"/>
-        </pc:sldMkLst>
-      </pc:sldChg>
-      <pc:sldChg chg="modSp add modAnim">
-        <pc:chgData name="Long B Nguyen" userId="f59fb8f3-a021-417a-8bc1-65c8d471c621" providerId="ADAL" clId="{A54A5039-9BC6-1548-AC61-7314DB675A9D}" dt="2019-09-23T13:27:58.707" v="2000" actId="20577"/>
-        <pc:sldMkLst>
-          <pc:docMk/>
-          <pc:sldMk cId="1703902501" sldId="305"/>
-        </pc:sldMkLst>
-      </pc:sldChg>
-      <pc:sldChg chg="modSp add modAnim">
-        <pc:chgData name="Long B Nguyen" userId="f59fb8f3-a021-417a-8bc1-65c8d471c621" providerId="ADAL" clId="{A54A5039-9BC6-1548-AC61-7314DB675A9D}" dt="2019-09-23T12:01:58.728" v="1843"/>
-        <pc:sldMkLst>
-          <pc:docMk/>
-          <pc:sldMk cId="3614829039" sldId="306"/>
-        </pc:sldMkLst>
-      </pc:sldChg>
-      <pc:sldChg chg="modSp add modAnim">
-        <pc:chgData name="Long B Nguyen" userId="f59fb8f3-a021-417a-8bc1-65c8d471c621" providerId="ADAL" clId="{A54A5039-9BC6-1548-AC61-7314DB675A9D}" dt="2019-09-23T12:02:15.154" v="1846"/>
-        <pc:sldMkLst>
-          <pc:docMk/>
-          <pc:sldMk cId="295911327" sldId="307"/>
-        </pc:sldMkLst>
-      </pc:sldChg>
-      <pc:sldChg chg="modSp add modAnim">
-        <pc:chgData name="Long B Nguyen" userId="f59fb8f3-a021-417a-8bc1-65c8d471c621" providerId="ADAL" clId="{A54A5039-9BC6-1548-AC61-7314DB675A9D}" dt="2019-09-23T12:01:05.311" v="1832"/>
-        <pc:sldMkLst>
-          <pc:docMk/>
-          <pc:sldMk cId="67957925" sldId="308"/>
-        </pc:sldMkLst>
-      </pc:sldChg>
-      <pc:sldChg chg="modSp add modAnim">
-        <pc:chgData name="Long B Nguyen" userId="f59fb8f3-a021-417a-8bc1-65c8d471c621" providerId="ADAL" clId="{A54A5039-9BC6-1548-AC61-7314DB675A9D}" dt="2019-09-23T12:01:18.117" v="1835"/>
-        <pc:sldMkLst>
-          <pc:docMk/>
-          <pc:sldMk cId="1872435103" sldId="309"/>
-        </pc:sldMkLst>
-      </pc:sldChg>
-      <pc:sldChg chg="modSp add">
-        <pc:chgData name="Long B Nguyen" userId="f59fb8f3-a021-417a-8bc1-65c8d471c621" providerId="ADAL" clId="{A54A5039-9BC6-1548-AC61-7314DB675A9D}" dt="2019-09-20T12:40:48.118" v="1409" actId="20577"/>
-        <pc:sldMkLst>
-          <pc:docMk/>
-          <pc:sldMk cId="4088965571" sldId="310"/>
-        </pc:sldMkLst>
-      </pc:sldChg>
-      <pc:sldChg chg="modSp add modAnim">
-        <pc:chgData name="Long B Nguyen" userId="f59fb8f3-a021-417a-8bc1-65c8d471c621" providerId="ADAL" clId="{A54A5039-9BC6-1548-AC61-7314DB675A9D}" dt="2019-09-23T12:01:26.997" v="1836"/>
-        <pc:sldMkLst>
-          <pc:docMk/>
-          <pc:sldMk cId="2255846137" sldId="311"/>
-        </pc:sldMkLst>
-      </pc:sldChg>
-      <pc:sldChg chg="modSp add">
-        <pc:chgData name="Long B Nguyen" userId="f59fb8f3-a021-417a-8bc1-65c8d471c621" providerId="ADAL" clId="{A54A5039-9BC6-1548-AC61-7314DB675A9D}" dt="2019-09-23T11:49:40.764" v="1759" actId="20577"/>
-        <pc:sldMkLst>
-          <pc:docMk/>
-          <pc:sldMk cId="1513627164" sldId="312"/>
-        </pc:sldMkLst>
-      </pc:sldChg>
-      <pc:sldChg chg="modSp add modAnim">
-        <pc:chgData name="Long B Nguyen" userId="f59fb8f3-a021-417a-8bc1-65c8d471c621" providerId="ADAL" clId="{A54A5039-9BC6-1548-AC61-7314DB675A9D}" dt="2019-09-23T11:58:57.499" v="1789"/>
-        <pc:sldMkLst>
-          <pc:docMk/>
-          <pc:sldMk cId="2097059918" sldId="313"/>
-        </pc:sldMkLst>
-      </pc:sldChg>
-      <pc:sldChg chg="modSp add del">
-        <pc:chgData name="Long B Nguyen" userId="f59fb8f3-a021-417a-8bc1-65c8d471c621" providerId="ADAL" clId="{A54A5039-9BC6-1548-AC61-7314DB675A9D}" dt="2019-09-24T11:43:27.284" v="2147" actId="2696"/>
-        <pc:sldMkLst>
-          <pc:docMk/>
-          <pc:sldMk cId="3916896519" sldId="314"/>
-        </pc:sldMkLst>
-      </pc:sldChg>
-      <pc:sldChg chg="modSp add del">
-        <pc:chgData name="Long B Nguyen" userId="f59fb8f3-a021-417a-8bc1-65c8d471c621" providerId="ADAL" clId="{A54A5039-9BC6-1548-AC61-7314DB675A9D}" dt="2019-09-24T14:05:24.942" v="2839" actId="2696"/>
-        <pc:sldMkLst>
-          <pc:docMk/>
-          <pc:sldMk cId="2798321153" sldId="315"/>
-        </pc:sldMkLst>
-      </pc:sldChg>
-      <pc:sldChg chg="add">
-        <pc:chgData name="Long B Nguyen" userId="f59fb8f3-a021-417a-8bc1-65c8d471c621" providerId="ADAL" clId="{A54A5039-9BC6-1548-AC61-7314DB675A9D}" dt="2019-09-24T11:47:01.081" v="2186"/>
-        <pc:sldMkLst>
-          <pc:docMk/>
-          <pc:sldMk cId="1452600724" sldId="316"/>
-        </pc:sldMkLst>
-      </pc:sldChg>
-      <pc:sldChg chg="modSp add">
-        <pc:chgData name="Long B Nguyen" userId="f59fb8f3-a021-417a-8bc1-65c8d471c621" providerId="ADAL" clId="{A54A5039-9BC6-1548-AC61-7314DB675A9D}" dt="2019-09-25T14:26:33.714" v="2899" actId="20577"/>
-        <pc:sldMkLst>
-          <pc:docMk/>
-          <pc:sldMk cId="1787114790" sldId="317"/>
-        </pc:sldMkLst>
-      </pc:sldChg>
-      <pc:sldChg chg="modSp add">
-        <pc:chgData name="Long B Nguyen" userId="f59fb8f3-a021-417a-8bc1-65c8d471c621" providerId="ADAL" clId="{A54A5039-9BC6-1548-AC61-7314DB675A9D}" dt="2019-09-24T13:44:10.963" v="2838" actId="20577"/>
-        <pc:sldMkLst>
-          <pc:docMk/>
-          <pc:sldMk cId="1215229427" sldId="318"/>
-        </pc:sldMkLst>
-      </pc:sldChg>
-    </pc:docChg>
-  </pc:docChgLst>
-  <pc:docChgLst>
-    <pc:chgData name="Long B Nguyen" userId="f59fb8f3-a021-417a-8bc1-65c8d471c621" providerId="ADAL" clId="{6AC26564-89E3-E046-BFB4-F80582D7E17B}"/>
-    <pc:docChg chg="custSel addSld delSld modSld">
-      <pc:chgData name="Long B Nguyen" userId="f59fb8f3-a021-417a-8bc1-65c8d471c621" providerId="ADAL" clId="{6AC26564-89E3-E046-BFB4-F80582D7E17B}" dt="2020-01-16T12:56:30.213" v="1179"/>
-      <pc:docMkLst>
-        <pc:docMk/>
-      </pc:docMkLst>
-      <pc:sldChg chg="modSp">
-        <pc:chgData name="Long B Nguyen" userId="f59fb8f3-a021-417a-8bc1-65c8d471c621" providerId="ADAL" clId="{6AC26564-89E3-E046-BFB4-F80582D7E17B}" dt="2020-01-13T13:44:20.464" v="85" actId="20577"/>
-        <pc:sldMkLst>
-          <pc:docMk/>
-          <pc:sldMk cId="4247104139" sldId="256"/>
-        </pc:sldMkLst>
-      </pc:sldChg>
-      <pc:sldChg chg="add del">
-        <pc:chgData name="Long B Nguyen" userId="f59fb8f3-a021-417a-8bc1-65c8d471c621" providerId="ADAL" clId="{6AC26564-89E3-E046-BFB4-F80582D7E17B}" dt="2020-01-13T13:46:54.924" v="89" actId="2696"/>
-        <pc:sldMkLst>
-          <pc:docMk/>
-          <pc:sldMk cId="2869331202" sldId="257"/>
-        </pc:sldMkLst>
-      </pc:sldChg>
-      <pc:sldChg chg="modSp add">
-        <pc:chgData name="Long B Nguyen" userId="f59fb8f3-a021-417a-8bc1-65c8d471c621" providerId="ADAL" clId="{6AC26564-89E3-E046-BFB4-F80582D7E17B}" dt="2020-01-13T13:52:43.079" v="100" actId="2711"/>
-        <pc:sldMkLst>
-          <pc:docMk/>
-          <pc:sldMk cId="1758448129" sldId="309"/>
-        </pc:sldMkLst>
-      </pc:sldChg>
-      <pc:sldChg chg="modSp add del">
-        <pc:chgData name="Long B Nguyen" userId="f59fb8f3-a021-417a-8bc1-65c8d471c621" providerId="ADAL" clId="{6AC26564-89E3-E046-BFB4-F80582D7E17B}" dt="2020-01-13T13:46:55.484" v="90" actId="2696"/>
-        <pc:sldMkLst>
-          <pc:docMk/>
-          <pc:sldMk cId="174202529" sldId="310"/>
-        </pc:sldMkLst>
-      </pc:sldChg>
-      <pc:sldChg chg="add del">
-        <pc:chgData name="Long B Nguyen" userId="f59fb8f3-a021-417a-8bc1-65c8d471c621" providerId="ADAL" clId="{6AC26564-89E3-E046-BFB4-F80582D7E17B}" dt="2020-01-13T13:46:56.092" v="91" actId="2696"/>
-        <pc:sldMkLst>
-          <pc:docMk/>
-          <pc:sldMk cId="1098579697" sldId="311"/>
-        </pc:sldMkLst>
-      </pc:sldChg>
-      <pc:sldChg chg="add del">
-        <pc:chgData name="Long B Nguyen" userId="f59fb8f3-a021-417a-8bc1-65c8d471c621" providerId="ADAL" clId="{6AC26564-89E3-E046-BFB4-F80582D7E17B}" dt="2020-01-13T13:46:56.810" v="92" actId="2696"/>
-        <pc:sldMkLst>
-          <pc:docMk/>
-          <pc:sldMk cId="585175195" sldId="312"/>
-        </pc:sldMkLst>
-      </pc:sldChg>
-      <pc:sldChg chg="modSp add modAnim">
-        <pc:chgData name="Long B Nguyen" userId="f59fb8f3-a021-417a-8bc1-65c8d471c621" providerId="ADAL" clId="{6AC26564-89E3-E046-BFB4-F80582D7E17B}" dt="2020-01-13T14:05:02.598" v="149" actId="20577"/>
-        <pc:sldMkLst>
-          <pc:docMk/>
-          <pc:sldMk cId="3947558204" sldId="313"/>
-        </pc:sldMkLst>
-      </pc:sldChg>
-      <pc:sldChg chg="modSp add modAnim">
-        <pc:chgData name="Long B Nguyen" userId="f59fb8f3-a021-417a-8bc1-65c8d471c621" providerId="ADAL" clId="{6AC26564-89E3-E046-BFB4-F80582D7E17B}" dt="2020-01-16T12:46:51.559" v="758" actId="255"/>
-        <pc:sldMkLst>
-          <pc:docMk/>
-          <pc:sldMk cId="2054265466" sldId="314"/>
-        </pc:sldMkLst>
-      </pc:sldChg>
-      <pc:sldChg chg="modSp add modAnim">
-        <pc:chgData name="Long B Nguyen" userId="f59fb8f3-a021-417a-8bc1-65c8d471c621" providerId="ADAL" clId="{6AC26564-89E3-E046-BFB4-F80582D7E17B}" dt="2020-01-16T12:49:13.049" v="816" actId="255"/>
-        <pc:sldMkLst>
-          <pc:docMk/>
-          <pc:sldMk cId="917461937" sldId="315"/>
-        </pc:sldMkLst>
-      </pc:sldChg>
-      <pc:sldChg chg="del">
-        <pc:chgData name="Long B Nguyen" userId="f59fb8f3-a021-417a-8bc1-65c8d471c621" providerId="ADAL" clId="{6AC26564-89E3-E046-BFB4-F80582D7E17B}" dt="2020-01-13T13:43:17.195" v="13" actId="2696"/>
-        <pc:sldMkLst>
-          <pc:docMk/>
-          <pc:sldMk cId="1452600724" sldId="316"/>
-        </pc:sldMkLst>
-      </pc:sldChg>
-      <pc:sldChg chg="modSp add modAnim">
-        <pc:chgData name="Long B Nguyen" userId="f59fb8f3-a021-417a-8bc1-65c8d471c621" providerId="ADAL" clId="{6AC26564-89E3-E046-BFB4-F80582D7E17B}" dt="2020-01-16T12:49:23.670" v="817" actId="255"/>
-        <pc:sldMkLst>
-          <pc:docMk/>
-          <pc:sldMk cId="3266234076" sldId="316"/>
-        </pc:sldMkLst>
-      </pc:sldChg>
-      <pc:sldChg chg="addSp delSp modSp add">
-        <pc:chgData name="Long B Nguyen" userId="f59fb8f3-a021-417a-8bc1-65c8d471c621" providerId="ADAL" clId="{6AC26564-89E3-E046-BFB4-F80582D7E17B}" dt="2020-01-16T12:48:56.620" v="814" actId="20577"/>
-        <pc:sldMkLst>
-          <pc:docMk/>
-          <pc:sldMk cId="2886319738" sldId="317"/>
-        </pc:sldMkLst>
-      </pc:sldChg>
-      <pc:sldChg chg="del">
-        <pc:chgData name="Long B Nguyen" userId="f59fb8f3-a021-417a-8bc1-65c8d471c621" providerId="ADAL" clId="{6AC26564-89E3-E046-BFB4-F80582D7E17B}" dt="2020-01-13T13:43:16.993" v="0" actId="2696"/>
-        <pc:sldMkLst>
-          <pc:docMk/>
-          <pc:sldMk cId="924617162" sldId="319"/>
-        </pc:sldMkLst>
-      </pc:sldChg>
-      <pc:sldChg chg="modSp add modAnim">
-        <pc:chgData name="Long B Nguyen" userId="f59fb8f3-a021-417a-8bc1-65c8d471c621" providerId="ADAL" clId="{6AC26564-89E3-E046-BFB4-F80582D7E17B}" dt="2020-01-16T12:52:51.863" v="1123"/>
-        <pc:sldMkLst>
-          <pc:docMk/>
-          <pc:sldMk cId="3906700287" sldId="319"/>
-        </pc:sldMkLst>
-      </pc:sldChg>
-      <pc:sldChg chg="modSp add modAnim">
-        <pc:chgData name="Long B Nguyen" userId="f59fb8f3-a021-417a-8bc1-65c8d471c621" providerId="ADAL" clId="{6AC26564-89E3-E046-BFB4-F80582D7E17B}" dt="2020-01-16T12:53:13.597" v="1127"/>
-        <pc:sldMkLst>
-          <pc:docMk/>
-          <pc:sldMk cId="1810541734" sldId="320"/>
-        </pc:sldMkLst>
-      </pc:sldChg>
-      <pc:sldChg chg="del">
-        <pc:chgData name="Long B Nguyen" userId="f59fb8f3-a021-417a-8bc1-65c8d471c621" providerId="ADAL" clId="{6AC26564-89E3-E046-BFB4-F80582D7E17B}" dt="2020-01-13T13:43:17.009" v="1" actId="2696"/>
-        <pc:sldMkLst>
-          <pc:docMk/>
-          <pc:sldMk cId="3758830494" sldId="320"/>
-        </pc:sldMkLst>
-      </pc:sldChg>
-      <pc:sldChg chg="del">
-        <pc:chgData name="Long B Nguyen" userId="f59fb8f3-a021-417a-8bc1-65c8d471c621" providerId="ADAL" clId="{6AC26564-89E3-E046-BFB4-F80582D7E17B}" dt="2020-01-13T13:43:17.029" v="2" actId="2696"/>
-        <pc:sldMkLst>
-          <pc:docMk/>
-          <pc:sldMk cId="1022945305" sldId="321"/>
-        </pc:sldMkLst>
-      </pc:sldChg>
-      <pc:sldChg chg="add">
-        <pc:chgData name="Long B Nguyen" userId="f59fb8f3-a021-417a-8bc1-65c8d471c621" providerId="ADAL" clId="{6AC26564-89E3-E046-BFB4-F80582D7E17B}" dt="2020-01-13T13:43:29.420" v="22"/>
-        <pc:sldMkLst>
-          <pc:docMk/>
-          <pc:sldMk cId="1359731776" sldId="321"/>
-        </pc:sldMkLst>
-      </pc:sldChg>
-      <pc:sldChg chg="del">
-        <pc:chgData name="Long B Nguyen" userId="f59fb8f3-a021-417a-8bc1-65c8d471c621" providerId="ADAL" clId="{6AC26564-89E3-E046-BFB4-F80582D7E17B}" dt="2020-01-13T13:43:17.080" v="5" actId="2696"/>
-        <pc:sldMkLst>
-          <pc:docMk/>
-          <pc:sldMk cId="3456840474" sldId="322"/>
-        </pc:sldMkLst>
-      </pc:sldChg>
-      <pc:sldChg chg="add">
-        <pc:chgData name="Long B Nguyen" userId="f59fb8f3-a021-417a-8bc1-65c8d471c621" providerId="ADAL" clId="{6AC26564-89E3-E046-BFB4-F80582D7E17B}" dt="2020-01-13T13:43:29.420" v="22"/>
-        <pc:sldMkLst>
-          <pc:docMk/>
-          <pc:sldMk cId="3651577480" sldId="322"/>
-        </pc:sldMkLst>
-      </pc:sldChg>
-      <pc:sldChg chg="del">
-        <pc:chgData name="Long B Nguyen" userId="f59fb8f3-a021-417a-8bc1-65c8d471c621" providerId="ADAL" clId="{6AC26564-89E3-E046-BFB4-F80582D7E17B}" dt="2020-01-13T13:43:17.097" v="6" actId="2696"/>
-        <pc:sldMkLst>
-          <pc:docMk/>
-          <pc:sldMk cId="1062075874" sldId="323"/>
-        </pc:sldMkLst>
-      </pc:sldChg>
-      <pc:sldChg chg="add">
-        <pc:chgData name="Long B Nguyen" userId="f59fb8f3-a021-417a-8bc1-65c8d471c621" providerId="ADAL" clId="{6AC26564-89E3-E046-BFB4-F80582D7E17B}" dt="2020-01-13T13:43:29.420" v="22"/>
-        <pc:sldMkLst>
-          <pc:docMk/>
-          <pc:sldMk cId="1496564367" sldId="323"/>
-        </pc:sldMkLst>
-      </pc:sldChg>
-      <pc:sldChg chg="add del">
-        <pc:chgData name="Long B Nguyen" userId="f59fb8f3-a021-417a-8bc1-65c8d471c621" providerId="ADAL" clId="{6AC26564-89E3-E046-BFB4-F80582D7E17B}" dt="2020-01-13T13:49:58.463" v="94" actId="2696"/>
-        <pc:sldMkLst>
-          <pc:docMk/>
-          <pc:sldMk cId="771866096" sldId="324"/>
-        </pc:sldMkLst>
-      </pc:sldChg>
-      <pc:sldChg chg="del">
-        <pc:chgData name="Long B Nguyen" userId="f59fb8f3-a021-417a-8bc1-65c8d471c621" providerId="ADAL" clId="{6AC26564-89E3-E046-BFB4-F80582D7E17B}" dt="2020-01-13T13:43:17.152" v="9" actId="2696"/>
-        <pc:sldMkLst>
-          <pc:docMk/>
-          <pc:sldMk cId="1310010799" sldId="324"/>
-        </pc:sldMkLst>
-      </pc:sldChg>
-      <pc:sldChg chg="add del">
-        <pc:chgData name="Long B Nguyen" userId="f59fb8f3-a021-417a-8bc1-65c8d471c621" providerId="ADAL" clId="{6AC26564-89E3-E046-BFB4-F80582D7E17B}" dt="2020-01-13T13:46:07.690" v="87" actId="2696"/>
-        <pc:sldMkLst>
-          <pc:docMk/>
-          <pc:sldMk cId="3999804732" sldId="324"/>
-        </pc:sldMkLst>
-      </pc:sldChg>
-      <pc:sldChg chg="add">
-        <pc:chgData name="Long B Nguyen" userId="f59fb8f3-a021-417a-8bc1-65c8d471c621" providerId="ADAL" clId="{6AC26564-89E3-E046-BFB4-F80582D7E17B}" dt="2020-01-13T13:43:29.420" v="22"/>
-        <pc:sldMkLst>
-          <pc:docMk/>
-          <pc:sldMk cId="1025355635" sldId="325"/>
-        </pc:sldMkLst>
-      </pc:sldChg>
-      <pc:sldChg chg="del">
-        <pc:chgData name="Long B Nguyen" userId="f59fb8f3-a021-417a-8bc1-65c8d471c621" providerId="ADAL" clId="{6AC26564-89E3-E046-BFB4-F80582D7E17B}" dt="2020-01-13T13:43:17.177" v="11" actId="2696"/>
-        <pc:sldMkLst>
-          <pc:docMk/>
-          <pc:sldMk cId="3314372952" sldId="325"/>
-        </pc:sldMkLst>
-      </pc:sldChg>
-      <pc:sldChg chg="del">
-        <pc:chgData name="Long B Nguyen" userId="f59fb8f3-a021-417a-8bc1-65c8d471c621" providerId="ADAL" clId="{6AC26564-89E3-E046-BFB4-F80582D7E17B}" dt="2020-01-13T13:43:17.116" v="7" actId="2696"/>
-        <pc:sldMkLst>
-          <pc:docMk/>
-          <pc:sldMk cId="1724104636" sldId="327"/>
-        </pc:sldMkLst>
-      </pc:sldChg>
-      <pc:sldChg chg="modSp add">
-        <pc:chgData name="Long B Nguyen" userId="f59fb8f3-a021-417a-8bc1-65c8d471c621" providerId="ADAL" clId="{6AC26564-89E3-E046-BFB4-F80582D7E17B}" dt="2020-01-16T12:53:51.150" v="1128" actId="1076"/>
-        <pc:sldMkLst>
-          <pc:docMk/>
-          <pc:sldMk cId="4174920299" sldId="327"/>
-        </pc:sldMkLst>
-      </pc:sldChg>
-      <pc:sldChg chg="add">
-        <pc:chgData name="Long B Nguyen" userId="f59fb8f3-a021-417a-8bc1-65c8d471c621" providerId="ADAL" clId="{6AC26564-89E3-E046-BFB4-F80582D7E17B}" dt="2020-01-13T13:43:29.420" v="22"/>
-        <pc:sldMkLst>
-          <pc:docMk/>
-          <pc:sldMk cId="2756462650" sldId="328"/>
-        </pc:sldMkLst>
-      </pc:sldChg>
-      <pc:sldChg chg="del">
-        <pc:chgData name="Long B Nguyen" userId="f59fb8f3-a021-417a-8bc1-65c8d471c621" providerId="ADAL" clId="{6AC26564-89E3-E046-BFB4-F80582D7E17B}" dt="2020-01-13T13:43:17.045" v="3" actId="2696"/>
-        <pc:sldMkLst>
-          <pc:docMk/>
-          <pc:sldMk cId="3894299887" sldId="328"/>
-        </pc:sldMkLst>
-      </pc:sldChg>
-      <pc:sldChg chg="addSp modSp add modAnim">
-        <pc:chgData name="Long B Nguyen" userId="f59fb8f3-a021-417a-8bc1-65c8d471c621" providerId="ADAL" clId="{6AC26564-89E3-E046-BFB4-F80582D7E17B}" dt="2020-01-16T12:55:13.445" v="1133"/>
-        <pc:sldMkLst>
-          <pc:docMk/>
-          <pc:sldMk cId="3080714931" sldId="329"/>
-        </pc:sldMkLst>
-      </pc:sldChg>
-      <pc:sldChg chg="del">
-        <pc:chgData name="Long B Nguyen" userId="f59fb8f3-a021-417a-8bc1-65c8d471c621" providerId="ADAL" clId="{6AC26564-89E3-E046-BFB4-F80582D7E17B}" dt="2020-01-13T13:43:17.064" v="4" actId="2696"/>
-        <pc:sldMkLst>
-          <pc:docMk/>
-          <pc:sldMk cId="4294143140" sldId="329"/>
-        </pc:sldMkLst>
-      </pc:sldChg>
-      <pc:sldChg chg="modSp add">
-        <pc:chgData name="Long B Nguyen" userId="f59fb8f3-a021-417a-8bc1-65c8d471c621" providerId="ADAL" clId="{6AC26564-89E3-E046-BFB4-F80582D7E17B}" dt="2020-01-16T12:55:29.239" v="1161" actId="20577"/>
-        <pc:sldMkLst>
-          <pc:docMk/>
-          <pc:sldMk cId="532184546" sldId="330"/>
-        </pc:sldMkLst>
-      </pc:sldChg>
-      <pc:sldChg chg="del">
-        <pc:chgData name="Long B Nguyen" userId="f59fb8f3-a021-417a-8bc1-65c8d471c621" providerId="ADAL" clId="{6AC26564-89E3-E046-BFB4-F80582D7E17B}" dt="2020-01-13T13:43:17.136" v="8" actId="2696"/>
-        <pc:sldMkLst>
-          <pc:docMk/>
-          <pc:sldMk cId="3594730708" sldId="330"/>
-        </pc:sldMkLst>
-      </pc:sldChg>
-      <pc:sldChg chg="modSp add">
-        <pc:chgData name="Long B Nguyen" userId="f59fb8f3-a021-417a-8bc1-65c8d471c621" providerId="ADAL" clId="{6AC26564-89E3-E046-BFB4-F80582D7E17B}" dt="2020-01-16T12:55:34.788" v="1174" actId="20577"/>
-        <pc:sldMkLst>
-          <pc:docMk/>
-          <pc:sldMk cId="3264629021" sldId="331"/>
-        </pc:sldMkLst>
-      </pc:sldChg>
-      <pc:sldChg chg="del">
-        <pc:chgData name="Long B Nguyen" userId="f59fb8f3-a021-417a-8bc1-65c8d471c621" providerId="ADAL" clId="{6AC26564-89E3-E046-BFB4-F80582D7E17B}" dt="2020-01-13T13:43:17.188" v="12" actId="2696"/>
-        <pc:sldMkLst>
-          <pc:docMk/>
-          <pc:sldMk cId="3870816631" sldId="331"/>
-        </pc:sldMkLst>
-      </pc:sldChg>
-      <pc:sldChg chg="del">
-        <pc:chgData name="Long B Nguyen" userId="f59fb8f3-a021-417a-8bc1-65c8d471c621" providerId="ADAL" clId="{6AC26564-89E3-E046-BFB4-F80582D7E17B}" dt="2020-01-13T13:43:17.163" v="10" actId="2696"/>
-        <pc:sldMkLst>
-          <pc:docMk/>
-          <pc:sldMk cId="3124353102" sldId="332"/>
-        </pc:sldMkLst>
-      </pc:sldChg>
-      <pc:sldChg chg="modSp add">
-        <pc:chgData name="Long B Nguyen" userId="f59fb8f3-a021-417a-8bc1-65c8d471c621" providerId="ADAL" clId="{6AC26564-89E3-E046-BFB4-F80582D7E17B}" dt="2020-01-13T14:18:10.052" v="509" actId="20577"/>
-        <pc:sldMkLst>
-          <pc:docMk/>
-          <pc:sldMk cId="4022722016" sldId="332"/>
-        </pc:sldMkLst>
-      </pc:sldChg>
-      <pc:sldChg chg="add">
-        <pc:chgData name="Long B Nguyen" userId="f59fb8f3-a021-417a-8bc1-65c8d471c621" providerId="ADAL" clId="{6AC26564-89E3-E046-BFB4-F80582D7E17B}" dt="2020-01-13T13:43:29.420" v="22"/>
-        <pc:sldMkLst>
-          <pc:docMk/>
-          <pc:sldMk cId="1710208723" sldId="333"/>
-        </pc:sldMkLst>
-      </pc:sldChg>
-      <pc:sldChg chg="add">
-        <pc:chgData name="Long B Nguyen" userId="f59fb8f3-a021-417a-8bc1-65c8d471c621" providerId="ADAL" clId="{6AC26564-89E3-E046-BFB4-F80582D7E17B}" dt="2020-01-13T13:43:29.420" v="22"/>
-        <pc:sldMkLst>
-          <pc:docMk/>
-          <pc:sldMk cId="3404583044" sldId="334"/>
-        </pc:sldMkLst>
-      </pc:sldChg>
-      <pc:sldChg chg="add">
-        <pc:chgData name="Long B Nguyen" userId="f59fb8f3-a021-417a-8bc1-65c8d471c621" providerId="ADAL" clId="{6AC26564-89E3-E046-BFB4-F80582D7E17B}" dt="2020-01-13T13:43:29.420" v="22"/>
-        <pc:sldMkLst>
-          <pc:docMk/>
-          <pc:sldMk cId="3866550465" sldId="335"/>
-        </pc:sldMkLst>
-      </pc:sldChg>
-      <pc:sldChg chg="add">
-        <pc:chgData name="Long B Nguyen" userId="f59fb8f3-a021-417a-8bc1-65c8d471c621" providerId="ADAL" clId="{6AC26564-89E3-E046-BFB4-F80582D7E17B}" dt="2020-01-13T13:43:29.420" v="22"/>
-        <pc:sldMkLst>
-          <pc:docMk/>
-          <pc:sldMk cId="3749436800" sldId="336"/>
-        </pc:sldMkLst>
-      </pc:sldChg>
-      <pc:sldChg chg="add">
-        <pc:chgData name="Long B Nguyen" userId="f59fb8f3-a021-417a-8bc1-65c8d471c621" providerId="ADAL" clId="{6AC26564-89E3-E046-BFB4-F80582D7E17B}" dt="2020-01-13T13:43:29.420" v="22"/>
-        <pc:sldMkLst>
-          <pc:docMk/>
-          <pc:sldMk cId="461704868" sldId="337"/>
-        </pc:sldMkLst>
-      </pc:sldChg>
-      <pc:sldChg chg="add modAnim">
-        <pc:chgData name="Long B Nguyen" userId="f59fb8f3-a021-417a-8bc1-65c8d471c621" providerId="ADAL" clId="{6AC26564-89E3-E046-BFB4-F80582D7E17B}" dt="2020-01-16T12:56:30.213" v="1179"/>
-        <pc:sldMkLst>
-          <pc:docMk/>
-          <pc:sldMk cId="545386500" sldId="338"/>
-        </pc:sldMkLst>
-      </pc:sldChg>
-      <pc:sldChg chg="add">
-        <pc:chgData name="Long B Nguyen" userId="f59fb8f3-a021-417a-8bc1-65c8d471c621" providerId="ADAL" clId="{6AC26564-89E3-E046-BFB4-F80582D7E17B}" dt="2020-01-13T13:43:29.420" v="22"/>
-        <pc:sldMkLst>
-          <pc:docMk/>
-          <pc:sldMk cId="1791361008" sldId="339"/>
-        </pc:sldMkLst>
-      </pc:sldChg>
-      <pc:sldChg chg="modSp add modAnim">
-        <pc:chgData name="Long B Nguyen" userId="f59fb8f3-a021-417a-8bc1-65c8d471c621" providerId="ADAL" clId="{6AC26564-89E3-E046-BFB4-F80582D7E17B}" dt="2020-01-16T12:56:22.622" v="1178"/>
-        <pc:sldMkLst>
-          <pc:docMk/>
-          <pc:sldMk cId="678299524" sldId="340"/>
-        </pc:sldMkLst>
-      </pc:sldChg>
-      <pc:sldChg chg="modSp add modAnim">
-        <pc:chgData name="Long B Nguyen" userId="f59fb8f3-a021-417a-8bc1-65c8d471c621" providerId="ADAL" clId="{6AC26564-89E3-E046-BFB4-F80582D7E17B}" dt="2020-01-13T14:19:32.433" v="590" actId="20577"/>
-        <pc:sldMkLst>
-          <pc:docMk/>
-          <pc:sldMk cId="225127645" sldId="341"/>
-        </pc:sldMkLst>
-      </pc:sldChg>
-      <pc:sldChg chg="add">
-        <pc:chgData name="Long B Nguyen" userId="f59fb8f3-a021-417a-8bc1-65c8d471c621" providerId="ADAL" clId="{6AC26564-89E3-E046-BFB4-F80582D7E17B}" dt="2020-01-13T13:43:29.420" v="22"/>
-        <pc:sldMkLst>
-          <pc:docMk/>
-          <pc:sldMk cId="2214326257" sldId="342"/>
-        </pc:sldMkLst>
-      </pc:sldChg>
-      <pc:sldChg chg="modSp add">
-        <pc:chgData name="Long B Nguyen" userId="f59fb8f3-a021-417a-8bc1-65c8d471c621" providerId="ADAL" clId="{6AC26564-89E3-E046-BFB4-F80582D7E17B}" dt="2020-01-14T14:43:22.774" v="624" actId="20577"/>
-        <pc:sldMkLst>
-          <pc:docMk/>
-          <pc:sldMk cId="1356056044" sldId="343"/>
-        </pc:sldMkLst>
-      </pc:sldChg>
-      <pc:sldChg chg="modSp add">
-        <pc:chgData name="Long B Nguyen" userId="f59fb8f3-a021-417a-8bc1-65c8d471c621" providerId="ADAL" clId="{6AC26564-89E3-E046-BFB4-F80582D7E17B}" dt="2020-01-13T13:52:32.924" v="99" actId="2711"/>
-        <pc:sldMkLst>
-          <pc:docMk/>
-          <pc:sldMk cId="1270247652" sldId="344"/>
-        </pc:sldMkLst>
-      </pc:sldChg>
-      <pc:sldChg chg="modSp add modAnim">
-        <pc:chgData name="Long B Nguyen" userId="f59fb8f3-a021-417a-8bc1-65c8d471c621" providerId="ADAL" clId="{6AC26564-89E3-E046-BFB4-F80582D7E17B}" dt="2020-01-16T12:52:56.169" v="1124"/>
-        <pc:sldMkLst>
-          <pc:docMk/>
-          <pc:sldMk cId="902308803" sldId="345"/>
-        </pc:sldMkLst>
-      </pc:sldChg>
-      <pc:sldChg chg="add">
-        <pc:chgData name="Long B Nguyen" userId="f59fb8f3-a021-417a-8bc1-65c8d471c621" providerId="ADAL" clId="{6AC26564-89E3-E046-BFB4-F80582D7E17B}" dt="2020-01-13T13:43:29.420" v="22"/>
-        <pc:sldMkLst>
-          <pc:docMk/>
-          <pc:sldMk cId="2271372051" sldId="346"/>
-        </pc:sldMkLst>
-      </pc:sldChg>
-      <pc:sldChg chg="add del">
-        <pc:chgData name="Long B Nguyen" userId="f59fb8f3-a021-417a-8bc1-65c8d471c621" providerId="ADAL" clId="{6AC26564-89E3-E046-BFB4-F80582D7E17B}" dt="2020-01-13T13:49:58.453" v="93" actId="2696"/>
-        <pc:sldMkLst>
-          <pc:docMk/>
-          <pc:sldMk cId="198078322" sldId="347"/>
-        </pc:sldMkLst>
-      </pc:sldChg>
-      <pc:sldChg chg="modSp add">
-        <pc:chgData name="Long B Nguyen" userId="f59fb8f3-a021-417a-8bc1-65c8d471c621" providerId="ADAL" clId="{6AC26564-89E3-E046-BFB4-F80582D7E17B}" dt="2020-01-14T14:41:50.033" v="591" actId="1076"/>
-        <pc:sldMkLst>
-          <pc:docMk/>
-          <pc:sldMk cId="3556500226" sldId="347"/>
-        </pc:sldMkLst>
-      </pc:sldChg>
-      <pc:sldChg chg="addSp delSp modSp add">
-        <pc:chgData name="Long B Nguyen" userId="f59fb8f3-a021-417a-8bc1-65c8d471c621" providerId="ADAL" clId="{6AC26564-89E3-E046-BFB4-F80582D7E17B}" dt="2020-01-16T12:48:48.788" v="791" actId="20577"/>
-        <pc:sldMkLst>
-          <pc:docMk/>
-          <pc:sldMk cId="3512088914" sldId="348"/>
-        </pc:sldMkLst>
-      </pc:sldChg>
-    </pc:docChg>
-  </pc:docChgLst>
-  <pc:docChgLst>
-    <pc:chgData name="Long B Nguyen" userId="f59fb8f3-a021-417a-8bc1-65c8d471c621" providerId="ADAL" clId="{63956BDE-1760-9E47-86E5-1948DE91DAB5}"/>
-    <pc:docChg chg="undo custSel addSld delSld modSld">
-      <pc:chgData name="Long B Nguyen" userId="f59fb8f3-a021-417a-8bc1-65c8d471c621" providerId="ADAL" clId="{63956BDE-1760-9E47-86E5-1948DE91DAB5}" dt="2024-11-18T04:33:54.074" v="2164"/>
-      <pc:docMkLst>
-        <pc:docMk/>
-      </pc:docMkLst>
-      <pc:sldChg chg="addSp modSp">
-        <pc:chgData name="Long B Nguyen" userId="f59fb8f3-a021-417a-8bc1-65c8d471c621" providerId="ADAL" clId="{63956BDE-1760-9E47-86E5-1948DE91DAB5}" dt="2024-11-18T04:33:54.074" v="2164"/>
-        <pc:sldMkLst>
-          <pc:docMk/>
-          <pc:sldMk cId="833801237" sldId="313"/>
-        </pc:sldMkLst>
-        <pc:spChg chg="add mod">
-          <ac:chgData name="Long B Nguyen" userId="f59fb8f3-a021-417a-8bc1-65c8d471c621" providerId="ADAL" clId="{63956BDE-1760-9E47-86E5-1948DE91DAB5}" dt="2024-11-18T04:33:54.074" v="2164"/>
-          <ac:spMkLst>
-            <pc:docMk/>
-            <pc:sldMk cId="833801237" sldId="313"/>
-            <ac:spMk id="2" creationId="{AF7A9A84-11FD-EB67-6EC6-8EBF8151A866}"/>
-          </ac:spMkLst>
-        </pc:spChg>
-      </pc:sldChg>
-      <pc:sldChg chg="addSp modSp">
-        <pc:chgData name="Long B Nguyen" userId="f59fb8f3-a021-417a-8bc1-65c8d471c621" providerId="ADAL" clId="{63956BDE-1760-9E47-86E5-1948DE91DAB5}" dt="2024-11-18T04:33:54.074" v="2164"/>
-        <pc:sldMkLst>
-          <pc:docMk/>
-          <pc:sldMk cId="4199940570" sldId="314"/>
-        </pc:sldMkLst>
-        <pc:spChg chg="add mod">
-          <ac:chgData name="Long B Nguyen" userId="f59fb8f3-a021-417a-8bc1-65c8d471c621" providerId="ADAL" clId="{63956BDE-1760-9E47-86E5-1948DE91DAB5}" dt="2024-11-18T04:33:54.074" v="2164"/>
-          <ac:spMkLst>
-            <pc:docMk/>
-            <pc:sldMk cId="4199940570" sldId="314"/>
-            <ac:spMk id="2" creationId="{7EDDC462-A425-109E-0985-6F60BD2ED21D}"/>
-          </ac:spMkLst>
-        </pc:spChg>
-      </pc:sldChg>
-      <pc:sldChg chg="addSp modSp mod">
-        <pc:chgData name="Long B Nguyen" userId="f59fb8f3-a021-417a-8bc1-65c8d471c621" providerId="ADAL" clId="{63956BDE-1760-9E47-86E5-1948DE91DAB5}" dt="2024-11-18T04:33:54.074" v="2164"/>
-        <pc:sldMkLst>
-          <pc:docMk/>
-          <pc:sldMk cId="1902012464" sldId="315"/>
-        </pc:sldMkLst>
-        <pc:spChg chg="add mod">
-          <ac:chgData name="Long B Nguyen" userId="f59fb8f3-a021-417a-8bc1-65c8d471c621" providerId="ADAL" clId="{63956BDE-1760-9E47-86E5-1948DE91DAB5}" dt="2024-11-18T04:33:54.074" v="2164"/>
-          <ac:spMkLst>
-            <pc:docMk/>
-            <pc:sldMk cId="1902012464" sldId="315"/>
-            <ac:spMk id="2" creationId="{24550C3C-35B9-352D-5454-CBB554166E98}"/>
-          </ac:spMkLst>
-        </pc:spChg>
-        <pc:spChg chg="mod">
-          <ac:chgData name="Long B Nguyen" userId="f59fb8f3-a021-417a-8bc1-65c8d471c621" providerId="ADAL" clId="{63956BDE-1760-9E47-86E5-1948DE91DAB5}" dt="2024-11-18T03:19:46.661" v="404" actId="20577"/>
-          <ac:spMkLst>
-            <pc:docMk/>
-            <pc:sldMk cId="1902012464" sldId="315"/>
-            <ac:spMk id="3" creationId="{1749D47C-23C2-834A-9FE9-50A8E8BE40E7}"/>
-          </ac:spMkLst>
-        </pc:spChg>
-        <pc:spChg chg="mod">
-          <ac:chgData name="Long B Nguyen" userId="f59fb8f3-a021-417a-8bc1-65c8d471c621" providerId="ADAL" clId="{63956BDE-1760-9E47-86E5-1948DE91DAB5}" dt="2024-11-18T03:20:03.837" v="427" actId="20577"/>
-          <ac:spMkLst>
-            <pc:docMk/>
-            <pc:sldMk cId="1902012464" sldId="315"/>
-            <ac:spMk id="24577" creationId="{44A4C074-C74F-714A-A8EE-ABAB5BC20626}"/>
-          </ac:spMkLst>
-        </pc:spChg>
-      </pc:sldChg>
-      <pc:sldChg chg="addSp modSp mod modAnim">
-        <pc:chgData name="Long B Nguyen" userId="f59fb8f3-a021-417a-8bc1-65c8d471c621" providerId="ADAL" clId="{63956BDE-1760-9E47-86E5-1948DE91DAB5}" dt="2024-11-18T04:33:54.074" v="2164"/>
-        <pc:sldMkLst>
-          <pc:docMk/>
-          <pc:sldMk cId="1824894821" sldId="316"/>
-        </pc:sldMkLst>
-        <pc:spChg chg="add mod">
-          <ac:chgData name="Long B Nguyen" userId="f59fb8f3-a021-417a-8bc1-65c8d471c621" providerId="ADAL" clId="{63956BDE-1760-9E47-86E5-1948DE91DAB5}" dt="2024-11-18T04:33:54.074" v="2164"/>
-          <ac:spMkLst>
-            <pc:docMk/>
-            <pc:sldMk cId="1824894821" sldId="316"/>
-            <ac:spMk id="2" creationId="{DC8C1805-439F-F6B1-28F3-A5389A6F5BF0}"/>
-          </ac:spMkLst>
-        </pc:spChg>
-        <pc:spChg chg="mod">
-          <ac:chgData name="Long B Nguyen" userId="f59fb8f3-a021-417a-8bc1-65c8d471c621" providerId="ADAL" clId="{63956BDE-1760-9E47-86E5-1948DE91DAB5}" dt="2024-11-18T03:25:48.662" v="881" actId="20577"/>
-          <ac:spMkLst>
-            <pc:docMk/>
-            <pc:sldMk cId="1824894821" sldId="316"/>
-            <ac:spMk id="3" creationId="{C1BB7D3F-3A2C-0E43-B723-6E892A40421F}"/>
-          </ac:spMkLst>
-        </pc:spChg>
-      </pc:sldChg>
-      <pc:sldChg chg="addSp modSp">
-        <pc:chgData name="Long B Nguyen" userId="f59fb8f3-a021-417a-8bc1-65c8d471c621" providerId="ADAL" clId="{63956BDE-1760-9E47-86E5-1948DE91DAB5}" dt="2024-11-18T04:33:54.074" v="2164"/>
-        <pc:sldMkLst>
-          <pc:docMk/>
-          <pc:sldMk cId="1105327036" sldId="317"/>
-        </pc:sldMkLst>
-        <pc:spChg chg="add mod">
-          <ac:chgData name="Long B Nguyen" userId="f59fb8f3-a021-417a-8bc1-65c8d471c621" providerId="ADAL" clId="{63956BDE-1760-9E47-86E5-1948DE91DAB5}" dt="2024-11-18T04:33:54.074" v="2164"/>
-          <ac:spMkLst>
-            <pc:docMk/>
-            <pc:sldMk cId="1105327036" sldId="317"/>
-            <ac:spMk id="3" creationId="{A74C6077-B3F5-03FD-63B9-A0916C43634F}"/>
-          </ac:spMkLst>
-        </pc:spChg>
-      </pc:sldChg>
-      <pc:sldChg chg="addSp modSp">
-        <pc:chgData name="Long B Nguyen" userId="f59fb8f3-a021-417a-8bc1-65c8d471c621" providerId="ADAL" clId="{63956BDE-1760-9E47-86E5-1948DE91DAB5}" dt="2024-11-18T04:33:54.074" v="2164"/>
-        <pc:sldMkLst>
-          <pc:docMk/>
-          <pc:sldMk cId="3981954340" sldId="320"/>
-        </pc:sldMkLst>
-        <pc:spChg chg="add mod">
-          <ac:chgData name="Long B Nguyen" userId="f59fb8f3-a021-417a-8bc1-65c8d471c621" providerId="ADAL" clId="{63956BDE-1760-9E47-86E5-1948DE91DAB5}" dt="2024-11-18T04:33:54.074" v="2164"/>
-          <ac:spMkLst>
-            <pc:docMk/>
-            <pc:sldMk cId="3981954340" sldId="320"/>
-            <ac:spMk id="2" creationId="{E3B95BA2-8C28-DC49-A39D-87488E345AEF}"/>
-          </ac:spMkLst>
-        </pc:spChg>
-      </pc:sldChg>
-      <pc:sldChg chg="addSp modSp">
-        <pc:chgData name="Long B Nguyen" userId="f59fb8f3-a021-417a-8bc1-65c8d471c621" providerId="ADAL" clId="{63956BDE-1760-9E47-86E5-1948DE91DAB5}" dt="2024-11-18T04:33:54.074" v="2164"/>
-        <pc:sldMkLst>
-          <pc:docMk/>
-          <pc:sldMk cId="3869412028" sldId="321"/>
-        </pc:sldMkLst>
-        <pc:spChg chg="add mod">
-          <ac:chgData name="Long B Nguyen" userId="f59fb8f3-a021-417a-8bc1-65c8d471c621" providerId="ADAL" clId="{63956BDE-1760-9E47-86E5-1948DE91DAB5}" dt="2024-11-18T04:33:54.074" v="2164"/>
-          <ac:spMkLst>
-            <pc:docMk/>
-            <pc:sldMk cId="3869412028" sldId="321"/>
-            <ac:spMk id="2" creationId="{3A7B7FF1-BA78-51F7-67AD-FED529A863D7}"/>
-          </ac:spMkLst>
-        </pc:spChg>
-      </pc:sldChg>
-      <pc:sldChg chg="addSp modSp">
-        <pc:chgData name="Long B Nguyen" userId="f59fb8f3-a021-417a-8bc1-65c8d471c621" providerId="ADAL" clId="{63956BDE-1760-9E47-86E5-1948DE91DAB5}" dt="2024-11-18T04:33:54.074" v="2164"/>
-        <pc:sldMkLst>
-          <pc:docMk/>
-          <pc:sldMk cId="545779161" sldId="322"/>
-        </pc:sldMkLst>
-        <pc:spChg chg="add mod">
-          <ac:chgData name="Long B Nguyen" userId="f59fb8f3-a021-417a-8bc1-65c8d471c621" providerId="ADAL" clId="{63956BDE-1760-9E47-86E5-1948DE91DAB5}" dt="2024-11-18T04:33:54.074" v="2164"/>
-          <ac:spMkLst>
-            <pc:docMk/>
-            <pc:sldMk cId="545779161" sldId="322"/>
-            <ac:spMk id="2" creationId="{58F78315-6BE6-3221-BA3C-C26E28870277}"/>
-          </ac:spMkLst>
-        </pc:spChg>
-      </pc:sldChg>
-      <pc:sldChg chg="addSp modSp">
-        <pc:chgData name="Long B Nguyen" userId="f59fb8f3-a021-417a-8bc1-65c8d471c621" providerId="ADAL" clId="{63956BDE-1760-9E47-86E5-1948DE91DAB5}" dt="2024-11-18T04:33:54.074" v="2164"/>
+      <pc:sldChg chg="ord">
+        <pc:chgData name="Long B Nguyen" userId="f59fb8f3-a021-417a-8bc1-65c8d471c621" providerId="ADAL" clId="{93BE87BA-F8CA-5C1F-82FF-B4CAB5F485A1}" dt="2026-02-05T14:46:01.161" v="0" actId="20578"/>
         <pc:sldMkLst>
           <pc:docMk/>
           <pc:sldMk cId="3176068915" sldId="323"/>
-        </pc:sldMkLst>
-        <pc:spChg chg="add mod">
-          <ac:chgData name="Long B Nguyen" userId="f59fb8f3-a021-417a-8bc1-65c8d471c621" providerId="ADAL" clId="{63956BDE-1760-9E47-86E5-1948DE91DAB5}" dt="2024-11-18T04:33:54.074" v="2164"/>
-          <ac:spMkLst>
-            <pc:docMk/>
-            <pc:sldMk cId="3176068915" sldId="323"/>
-            <ac:spMk id="2" creationId="{B575DD88-7752-4E95-D55C-7F03AE8EDBB5}"/>
-          </ac:spMkLst>
-        </pc:spChg>
-      </pc:sldChg>
-      <pc:sldChg chg="addSp modSp">
-        <pc:chgData name="Long B Nguyen" userId="f59fb8f3-a021-417a-8bc1-65c8d471c621" providerId="ADAL" clId="{63956BDE-1760-9E47-86E5-1948DE91DAB5}" dt="2024-11-18T04:33:54.074" v="2164"/>
-        <pc:sldMkLst>
-          <pc:docMk/>
-          <pc:sldMk cId="2087798247" sldId="328"/>
-        </pc:sldMkLst>
-        <pc:spChg chg="add mod">
-          <ac:chgData name="Long B Nguyen" userId="f59fb8f3-a021-417a-8bc1-65c8d471c621" providerId="ADAL" clId="{63956BDE-1760-9E47-86E5-1948DE91DAB5}" dt="2024-11-18T04:33:54.074" v="2164"/>
-          <ac:spMkLst>
-            <pc:docMk/>
-            <pc:sldMk cId="2087798247" sldId="328"/>
-            <ac:spMk id="2" creationId="{FBB3A191-31BC-59AC-C6F0-FC4DBC70A836}"/>
-          </ac:spMkLst>
-        </pc:spChg>
-      </pc:sldChg>
-      <pc:sldChg chg="addSp modSp">
-        <pc:chgData name="Long B Nguyen" userId="f59fb8f3-a021-417a-8bc1-65c8d471c621" providerId="ADAL" clId="{63956BDE-1760-9E47-86E5-1948DE91DAB5}" dt="2024-11-18T04:33:54.074" v="2164"/>
-        <pc:sldMkLst>
-          <pc:docMk/>
-          <pc:sldMk cId="55574211" sldId="329"/>
-        </pc:sldMkLst>
-        <pc:spChg chg="add mod">
-          <ac:chgData name="Long B Nguyen" userId="f59fb8f3-a021-417a-8bc1-65c8d471c621" providerId="ADAL" clId="{63956BDE-1760-9E47-86E5-1948DE91DAB5}" dt="2024-11-18T04:33:54.074" v="2164"/>
-          <ac:spMkLst>
-            <pc:docMk/>
-            <pc:sldMk cId="55574211" sldId="329"/>
-            <ac:spMk id="2" creationId="{F979DED4-19E0-7833-1341-15E48B9D0AE8}"/>
-          </ac:spMkLst>
-        </pc:spChg>
-      </pc:sldChg>
-      <pc:sldChg chg="addSp modSp">
-        <pc:chgData name="Long B Nguyen" userId="f59fb8f3-a021-417a-8bc1-65c8d471c621" providerId="ADAL" clId="{63956BDE-1760-9E47-86E5-1948DE91DAB5}" dt="2024-11-18T04:33:54.074" v="2164"/>
-        <pc:sldMkLst>
-          <pc:docMk/>
-          <pc:sldMk cId="3866550465" sldId="335"/>
-        </pc:sldMkLst>
-        <pc:spChg chg="add mod">
-          <ac:chgData name="Long B Nguyen" userId="f59fb8f3-a021-417a-8bc1-65c8d471c621" providerId="ADAL" clId="{63956BDE-1760-9E47-86E5-1948DE91DAB5}" dt="2024-11-18T04:33:54.074" v="2164"/>
-          <ac:spMkLst>
-            <pc:docMk/>
-            <pc:sldMk cId="3866550465" sldId="335"/>
-            <ac:spMk id="2" creationId="{ED6BFE49-98D9-57E5-F83F-46B6AABBA507}"/>
-          </ac:spMkLst>
-        </pc:spChg>
-      </pc:sldChg>
-      <pc:sldChg chg="addSp modSp">
-        <pc:chgData name="Long B Nguyen" userId="f59fb8f3-a021-417a-8bc1-65c8d471c621" providerId="ADAL" clId="{63956BDE-1760-9E47-86E5-1948DE91DAB5}" dt="2024-11-18T04:33:54.074" v="2164"/>
-        <pc:sldMkLst>
-          <pc:docMk/>
-          <pc:sldMk cId="3749436800" sldId="336"/>
-        </pc:sldMkLst>
-        <pc:spChg chg="add mod">
-          <ac:chgData name="Long B Nguyen" userId="f59fb8f3-a021-417a-8bc1-65c8d471c621" providerId="ADAL" clId="{63956BDE-1760-9E47-86E5-1948DE91DAB5}" dt="2024-11-18T04:33:54.074" v="2164"/>
-          <ac:spMkLst>
-            <pc:docMk/>
-            <pc:sldMk cId="3749436800" sldId="336"/>
-            <ac:spMk id="2" creationId="{51581ECF-AAD8-80ED-F588-7694BDD6C2B6}"/>
-          </ac:spMkLst>
-        </pc:spChg>
-      </pc:sldChg>
-      <pc:sldChg chg="addSp modSp">
-        <pc:chgData name="Long B Nguyen" userId="f59fb8f3-a021-417a-8bc1-65c8d471c621" providerId="ADAL" clId="{63956BDE-1760-9E47-86E5-1948DE91DAB5}" dt="2024-11-18T04:33:54.074" v="2164"/>
-        <pc:sldMkLst>
-          <pc:docMk/>
-          <pc:sldMk cId="461704868" sldId="337"/>
-        </pc:sldMkLst>
-        <pc:spChg chg="add mod">
-          <ac:chgData name="Long B Nguyen" userId="f59fb8f3-a021-417a-8bc1-65c8d471c621" providerId="ADAL" clId="{63956BDE-1760-9E47-86E5-1948DE91DAB5}" dt="2024-11-18T04:33:54.074" v="2164"/>
-          <ac:spMkLst>
-            <pc:docMk/>
-            <pc:sldMk cId="461704868" sldId="337"/>
-            <ac:spMk id="2" creationId="{161C1759-1CD1-C726-B41B-4CEB12A16F73}"/>
-          </ac:spMkLst>
-        </pc:spChg>
-      </pc:sldChg>
-      <pc:sldChg chg="addSp modSp">
-        <pc:chgData name="Long B Nguyen" userId="f59fb8f3-a021-417a-8bc1-65c8d471c621" providerId="ADAL" clId="{63956BDE-1760-9E47-86E5-1948DE91DAB5}" dt="2024-11-18T04:33:54.074" v="2164"/>
-        <pc:sldMkLst>
-          <pc:docMk/>
-          <pc:sldMk cId="1830555247" sldId="342"/>
-        </pc:sldMkLst>
-        <pc:spChg chg="add mod">
-          <ac:chgData name="Long B Nguyen" userId="f59fb8f3-a021-417a-8bc1-65c8d471c621" providerId="ADAL" clId="{63956BDE-1760-9E47-86E5-1948DE91DAB5}" dt="2024-11-18T04:33:54.074" v="2164"/>
-          <ac:spMkLst>
-            <pc:docMk/>
-            <pc:sldMk cId="1830555247" sldId="342"/>
-            <ac:spMk id="2" creationId="{0D7842DB-A133-B51A-E77C-6A15FE945AE5}"/>
-          </ac:spMkLst>
-        </pc:spChg>
-      </pc:sldChg>
-      <pc:sldChg chg="addSp modSp">
-        <pc:chgData name="Long B Nguyen" userId="f59fb8f3-a021-417a-8bc1-65c8d471c621" providerId="ADAL" clId="{63956BDE-1760-9E47-86E5-1948DE91DAB5}" dt="2024-11-18T04:33:54.074" v="2164"/>
-        <pc:sldMkLst>
-          <pc:docMk/>
-          <pc:sldMk cId="2861772922" sldId="343"/>
-        </pc:sldMkLst>
-        <pc:spChg chg="add mod">
-          <ac:chgData name="Long B Nguyen" userId="f59fb8f3-a021-417a-8bc1-65c8d471c621" providerId="ADAL" clId="{63956BDE-1760-9E47-86E5-1948DE91DAB5}" dt="2024-11-18T04:33:54.074" v="2164"/>
-          <ac:spMkLst>
-            <pc:docMk/>
-            <pc:sldMk cId="2861772922" sldId="343"/>
-            <ac:spMk id="2" creationId="{EB2BFA89-3E10-EFA0-CBCA-7556CFD0AFAD}"/>
-          </ac:spMkLst>
-        </pc:spChg>
-      </pc:sldChg>
-      <pc:sldChg chg="addSp delSp modSp mod modAnim">
-        <pc:chgData name="Long B Nguyen" userId="f59fb8f3-a021-417a-8bc1-65c8d471c621" providerId="ADAL" clId="{63956BDE-1760-9E47-86E5-1948DE91DAB5}" dt="2024-11-18T04:33:54.074" v="2164"/>
-        <pc:sldMkLst>
-          <pc:docMk/>
-          <pc:sldMk cId="2130219534" sldId="345"/>
-        </pc:sldMkLst>
-        <pc:spChg chg="add mod">
-          <ac:chgData name="Long B Nguyen" userId="f59fb8f3-a021-417a-8bc1-65c8d471c621" providerId="ADAL" clId="{63956BDE-1760-9E47-86E5-1948DE91DAB5}" dt="2024-11-18T04:33:54.074" v="2164"/>
-          <ac:spMkLst>
-            <pc:docMk/>
-            <pc:sldMk cId="2130219534" sldId="345"/>
-            <ac:spMk id="3" creationId="{A4DFFC7E-7B31-A773-C54C-E4ADAA3A93C3}"/>
-          </ac:spMkLst>
-        </pc:spChg>
-        <pc:spChg chg="mod">
-          <ac:chgData name="Long B Nguyen" userId="f59fb8f3-a021-417a-8bc1-65c8d471c621" providerId="ADAL" clId="{63956BDE-1760-9E47-86E5-1948DE91DAB5}" dt="2024-11-18T04:12:17.407" v="908" actId="20577"/>
-          <ac:spMkLst>
-            <pc:docMk/>
-            <pc:sldMk cId="2130219534" sldId="345"/>
-            <ac:spMk id="26625" creationId="{EEE37393-73E7-7A42-A21D-4773DC200BF6}"/>
-          </ac:spMkLst>
-        </pc:spChg>
-        <pc:spChg chg="mod">
-          <ac:chgData name="Long B Nguyen" userId="f59fb8f3-a021-417a-8bc1-65c8d471c621" providerId="ADAL" clId="{63956BDE-1760-9E47-86E5-1948DE91DAB5}" dt="2024-11-18T04:23:38.412" v="1539" actId="20577"/>
-          <ac:spMkLst>
-            <pc:docMk/>
-            <pc:sldMk cId="2130219534" sldId="345"/>
-            <ac:spMk id="26626" creationId="{EBDCF6EE-E392-F04F-9B69-A1B47BE13E5F}"/>
-          </ac:spMkLst>
-        </pc:spChg>
-        <pc:graphicFrameChg chg="add mod modGraphic">
-          <ac:chgData name="Long B Nguyen" userId="f59fb8f3-a021-417a-8bc1-65c8d471c621" providerId="ADAL" clId="{63956BDE-1760-9E47-86E5-1948DE91DAB5}" dt="2024-11-18T04:19:36.747" v="1387" actId="1076"/>
-          <ac:graphicFrameMkLst>
-            <pc:docMk/>
-            <pc:sldMk cId="2130219534" sldId="345"/>
-            <ac:graphicFrameMk id="2" creationId="{17729940-62AC-1D01-AA18-D3078CC59D28}"/>
-          </ac:graphicFrameMkLst>
-        </pc:graphicFrameChg>
-        <pc:picChg chg="del mod">
-          <ac:chgData name="Long B Nguyen" userId="f59fb8f3-a021-417a-8bc1-65c8d471c621" providerId="ADAL" clId="{63956BDE-1760-9E47-86E5-1948DE91DAB5}" dt="2024-11-18T04:12:06.477" v="903" actId="478"/>
-          <ac:picMkLst>
-            <pc:docMk/>
-            <pc:sldMk cId="2130219534" sldId="345"/>
-            <ac:picMk id="26627" creationId="{4CB819D5-BF58-EF49-ADC3-C5DAC8299BED}"/>
-          </ac:picMkLst>
-        </pc:picChg>
-      </pc:sldChg>
-      <pc:sldChg chg="addSp modSp">
-        <pc:chgData name="Long B Nguyen" userId="f59fb8f3-a021-417a-8bc1-65c8d471c621" providerId="ADAL" clId="{63956BDE-1760-9E47-86E5-1948DE91DAB5}" dt="2024-11-18T04:33:54.074" v="2164"/>
-        <pc:sldMkLst>
-          <pc:docMk/>
-          <pc:sldMk cId="2921473555" sldId="348"/>
-        </pc:sldMkLst>
-        <pc:spChg chg="add mod">
-          <ac:chgData name="Long B Nguyen" userId="f59fb8f3-a021-417a-8bc1-65c8d471c621" providerId="ADAL" clId="{63956BDE-1760-9E47-86E5-1948DE91DAB5}" dt="2024-11-18T04:33:54.074" v="2164"/>
-          <ac:spMkLst>
-            <pc:docMk/>
-            <pc:sldMk cId="2921473555" sldId="348"/>
-            <ac:spMk id="2" creationId="{D30FFA42-75F8-F1C8-E54D-0B8CF7846FE0}"/>
-          </ac:spMkLst>
-        </pc:spChg>
-      </pc:sldChg>
-      <pc:sldChg chg="addSp modSp">
-        <pc:chgData name="Long B Nguyen" userId="f59fb8f3-a021-417a-8bc1-65c8d471c621" providerId="ADAL" clId="{63956BDE-1760-9E47-86E5-1948DE91DAB5}" dt="2024-11-18T04:33:54.074" v="2164"/>
-        <pc:sldMkLst>
-          <pc:docMk/>
-          <pc:sldMk cId="1685712336" sldId="349"/>
-        </pc:sldMkLst>
-        <pc:spChg chg="add mod">
-          <ac:chgData name="Long B Nguyen" userId="f59fb8f3-a021-417a-8bc1-65c8d471c621" providerId="ADAL" clId="{63956BDE-1760-9E47-86E5-1948DE91DAB5}" dt="2024-11-18T04:33:54.074" v="2164"/>
-          <ac:spMkLst>
-            <pc:docMk/>
-            <pc:sldMk cId="1685712336" sldId="349"/>
-            <ac:spMk id="5" creationId="{E17C1383-2C77-99C0-D265-1BAB8FC9F021}"/>
-          </ac:spMkLst>
-        </pc:spChg>
-      </pc:sldChg>
-      <pc:sldChg chg="addSp modSp">
-        <pc:chgData name="Long B Nguyen" userId="f59fb8f3-a021-417a-8bc1-65c8d471c621" providerId="ADAL" clId="{63956BDE-1760-9E47-86E5-1948DE91DAB5}" dt="2024-11-18T04:33:54.074" v="2164"/>
-        <pc:sldMkLst>
-          <pc:docMk/>
-          <pc:sldMk cId="1173183267" sldId="350"/>
-        </pc:sldMkLst>
-        <pc:spChg chg="add mod">
-          <ac:chgData name="Long B Nguyen" userId="f59fb8f3-a021-417a-8bc1-65c8d471c621" providerId="ADAL" clId="{63956BDE-1760-9E47-86E5-1948DE91DAB5}" dt="2024-11-18T04:33:54.074" v="2164"/>
-          <ac:spMkLst>
-            <pc:docMk/>
-            <pc:sldMk cId="1173183267" sldId="350"/>
-            <ac:spMk id="2" creationId="{407C4AD2-1CE4-84C8-2CB9-EE9395A3AC2A}"/>
-          </ac:spMkLst>
-        </pc:spChg>
-        <pc:spChg chg="mod">
-          <ac:chgData name="Long B Nguyen" userId="f59fb8f3-a021-417a-8bc1-65c8d471c621" providerId="ADAL" clId="{63956BDE-1760-9E47-86E5-1948DE91DAB5}" dt="2024-11-18T03:11:45.539" v="103" actId="20577"/>
-          <ac:spMkLst>
-            <pc:docMk/>
-            <pc:sldMk cId="1173183267" sldId="350"/>
-            <ac:spMk id="3" creationId="{44A58473-3189-0C44-8A5E-E353CDFB3E5C}"/>
-          </ac:spMkLst>
-        </pc:spChg>
-      </pc:sldChg>
-      <pc:sldChg chg="addSp modSp">
-        <pc:chgData name="Long B Nguyen" userId="f59fb8f3-a021-417a-8bc1-65c8d471c621" providerId="ADAL" clId="{63956BDE-1760-9E47-86E5-1948DE91DAB5}" dt="2024-11-18T04:33:54.074" v="2164"/>
-        <pc:sldMkLst>
-          <pc:docMk/>
-          <pc:sldMk cId="1166836157" sldId="351"/>
-        </pc:sldMkLst>
-        <pc:spChg chg="add mod">
-          <ac:chgData name="Long B Nguyen" userId="f59fb8f3-a021-417a-8bc1-65c8d471c621" providerId="ADAL" clId="{63956BDE-1760-9E47-86E5-1948DE91DAB5}" dt="2024-11-18T04:33:54.074" v="2164"/>
-          <ac:spMkLst>
-            <pc:docMk/>
-            <pc:sldMk cId="1166836157" sldId="351"/>
-            <ac:spMk id="2" creationId="{73C1B47B-005C-C5D9-B218-C750F032C5FA}"/>
-          </ac:spMkLst>
-        </pc:spChg>
-      </pc:sldChg>
-      <pc:sldChg chg="addSp modSp">
-        <pc:chgData name="Long B Nguyen" userId="f59fb8f3-a021-417a-8bc1-65c8d471c621" providerId="ADAL" clId="{63956BDE-1760-9E47-86E5-1948DE91DAB5}" dt="2024-11-18T04:33:54.074" v="2164"/>
-        <pc:sldMkLst>
-          <pc:docMk/>
-          <pc:sldMk cId="630408664" sldId="598"/>
-        </pc:sldMkLst>
-        <pc:spChg chg="add mod">
-          <ac:chgData name="Long B Nguyen" userId="f59fb8f3-a021-417a-8bc1-65c8d471c621" providerId="ADAL" clId="{63956BDE-1760-9E47-86E5-1948DE91DAB5}" dt="2024-11-18T04:33:54.074" v="2164"/>
-          <ac:spMkLst>
-            <pc:docMk/>
-            <pc:sldMk cId="630408664" sldId="598"/>
-            <ac:spMk id="2" creationId="{CA6313AC-4191-AE91-1732-923B98342B31}"/>
-          </ac:spMkLst>
-        </pc:spChg>
-      </pc:sldChg>
-      <pc:sldChg chg="addSp modSp">
-        <pc:chgData name="Long B Nguyen" userId="f59fb8f3-a021-417a-8bc1-65c8d471c621" providerId="ADAL" clId="{63956BDE-1760-9E47-86E5-1948DE91DAB5}" dt="2024-11-18T04:33:54.074" v="2164"/>
-        <pc:sldMkLst>
-          <pc:docMk/>
-          <pc:sldMk cId="3969006746" sldId="627"/>
-        </pc:sldMkLst>
-        <pc:spChg chg="add mod">
-          <ac:chgData name="Long B Nguyen" userId="f59fb8f3-a021-417a-8bc1-65c8d471c621" providerId="ADAL" clId="{63956BDE-1760-9E47-86E5-1948DE91DAB5}" dt="2024-11-18T04:33:54.074" v="2164"/>
-          <ac:spMkLst>
-            <pc:docMk/>
-            <pc:sldMk cId="3969006746" sldId="627"/>
-            <ac:spMk id="2" creationId="{64BC6F7C-3713-D522-B93E-C78796ED216B}"/>
-          </ac:spMkLst>
-        </pc:spChg>
-      </pc:sldChg>
-      <pc:sldChg chg="addSp modSp">
-        <pc:chgData name="Long B Nguyen" userId="f59fb8f3-a021-417a-8bc1-65c8d471c621" providerId="ADAL" clId="{63956BDE-1760-9E47-86E5-1948DE91DAB5}" dt="2024-11-18T04:33:54.074" v="2164"/>
-        <pc:sldMkLst>
-          <pc:docMk/>
-          <pc:sldMk cId="781734240" sldId="628"/>
-        </pc:sldMkLst>
-        <pc:spChg chg="add mod">
-          <ac:chgData name="Long B Nguyen" userId="f59fb8f3-a021-417a-8bc1-65c8d471c621" providerId="ADAL" clId="{63956BDE-1760-9E47-86E5-1948DE91DAB5}" dt="2024-11-18T04:33:54.074" v="2164"/>
-          <ac:spMkLst>
-            <pc:docMk/>
-            <pc:sldMk cId="781734240" sldId="628"/>
-            <ac:spMk id="2" creationId="{3F304BA3-D08F-F451-F93A-4E5C804004F8}"/>
-          </ac:spMkLst>
-        </pc:spChg>
-      </pc:sldChg>
-      <pc:sldChg chg="addSp modSp">
-        <pc:chgData name="Long B Nguyen" userId="f59fb8f3-a021-417a-8bc1-65c8d471c621" providerId="ADAL" clId="{63956BDE-1760-9E47-86E5-1948DE91DAB5}" dt="2024-11-18T04:33:54.074" v="2164"/>
-        <pc:sldMkLst>
-          <pc:docMk/>
-          <pc:sldMk cId="4189100123" sldId="629"/>
-        </pc:sldMkLst>
-        <pc:spChg chg="add mod">
-          <ac:chgData name="Long B Nguyen" userId="f59fb8f3-a021-417a-8bc1-65c8d471c621" providerId="ADAL" clId="{63956BDE-1760-9E47-86E5-1948DE91DAB5}" dt="2024-11-18T04:33:54.074" v="2164"/>
-          <ac:spMkLst>
-            <pc:docMk/>
-            <pc:sldMk cId="4189100123" sldId="629"/>
-            <ac:spMk id="5" creationId="{C668A867-E1EF-5B37-0B6C-E1E285610D68}"/>
-          </ac:spMkLst>
-        </pc:spChg>
-      </pc:sldChg>
-      <pc:sldChg chg="addSp modSp">
-        <pc:chgData name="Long B Nguyen" userId="f59fb8f3-a021-417a-8bc1-65c8d471c621" providerId="ADAL" clId="{63956BDE-1760-9E47-86E5-1948DE91DAB5}" dt="2024-11-18T04:33:54.074" v="2164"/>
-        <pc:sldMkLst>
-          <pc:docMk/>
-          <pc:sldMk cId="1498021361" sldId="649"/>
-        </pc:sldMkLst>
-        <pc:spChg chg="add mod">
-          <ac:chgData name="Long B Nguyen" userId="f59fb8f3-a021-417a-8bc1-65c8d471c621" providerId="ADAL" clId="{63956BDE-1760-9E47-86E5-1948DE91DAB5}" dt="2024-11-18T04:33:54.074" v="2164"/>
-          <ac:spMkLst>
-            <pc:docMk/>
-            <pc:sldMk cId="1498021361" sldId="649"/>
-            <ac:spMk id="2" creationId="{02F41146-BD60-91FC-1968-0D8B30141120}"/>
-          </ac:spMkLst>
-        </pc:spChg>
-      </pc:sldChg>
-      <pc:sldChg chg="addSp modSp add mod">
-        <pc:chgData name="Long B Nguyen" userId="f59fb8f3-a021-417a-8bc1-65c8d471c621" providerId="ADAL" clId="{63956BDE-1760-9E47-86E5-1948DE91DAB5}" dt="2024-11-18T04:33:54.074" v="2164"/>
-        <pc:sldMkLst>
-          <pc:docMk/>
-          <pc:sldMk cId="598433456" sldId="650"/>
-        </pc:sldMkLst>
-        <pc:spChg chg="add mod">
-          <ac:chgData name="Long B Nguyen" userId="f59fb8f3-a021-417a-8bc1-65c8d471c621" providerId="ADAL" clId="{63956BDE-1760-9E47-86E5-1948DE91DAB5}" dt="2024-11-18T04:33:54.074" v="2164"/>
-          <ac:spMkLst>
-            <pc:docMk/>
-            <pc:sldMk cId="598433456" sldId="650"/>
-            <ac:spMk id="2" creationId="{06699383-3AA7-26A1-8333-E2CE4CEE3451}"/>
-          </ac:spMkLst>
-        </pc:spChg>
-        <pc:spChg chg="mod">
-          <ac:chgData name="Long B Nguyen" userId="f59fb8f3-a021-417a-8bc1-65c8d471c621" providerId="ADAL" clId="{63956BDE-1760-9E47-86E5-1948DE91DAB5}" dt="2024-11-18T04:32:54.427" v="2163" actId="20577"/>
-          <ac:spMkLst>
-            <pc:docMk/>
-            <pc:sldMk cId="598433456" sldId="650"/>
-            <ac:spMk id="26626" creationId="{7054DCD3-4753-73C3-6C3B-66EA2DA7B51B}"/>
-          </ac:spMkLst>
-        </pc:spChg>
-        <pc:picChg chg="mod">
-          <ac:chgData name="Long B Nguyen" userId="f59fb8f3-a021-417a-8bc1-65c8d471c621" providerId="ADAL" clId="{63956BDE-1760-9E47-86E5-1948DE91DAB5}" dt="2024-11-18T04:32:36.874" v="2108" actId="1076"/>
-          <ac:picMkLst>
-            <pc:docMk/>
-            <pc:sldMk cId="598433456" sldId="650"/>
-            <ac:picMk id="26627" creationId="{051B3B2A-D190-D1AB-20A7-40A5E2CB3248}"/>
-          </ac:picMkLst>
-        </pc:picChg>
-      </pc:sldChg>
-      <pc:sldChg chg="modSp new del mod">
-        <pc:chgData name="Long B Nguyen" userId="f59fb8f3-a021-417a-8bc1-65c8d471c621" providerId="ADAL" clId="{63956BDE-1760-9E47-86E5-1948DE91DAB5}" dt="2024-11-18T04:29:34.923" v="1782" actId="2696"/>
-        <pc:sldMkLst>
-          <pc:docMk/>
-          <pc:sldMk cId="3257112468" sldId="651"/>
-        </pc:sldMkLst>
-        <pc:spChg chg="mod">
-          <ac:chgData name="Long B Nguyen" userId="f59fb8f3-a021-417a-8bc1-65c8d471c621" providerId="ADAL" clId="{63956BDE-1760-9E47-86E5-1948DE91DAB5}" dt="2024-11-18T04:24:33.192" v="1543" actId="21"/>
-          <ac:spMkLst>
-            <pc:docMk/>
-            <pc:sldMk cId="3257112468" sldId="651"/>
-            <ac:spMk id="3" creationId="{CD010D0C-2417-5792-2AD0-9A8E27B7EFD7}"/>
-          </ac:spMkLst>
-        </pc:spChg>
-      </pc:sldChg>
-      <pc:sldChg chg="addSp delSp modSp add mod">
-        <pc:chgData name="Long B Nguyen" userId="f59fb8f3-a021-417a-8bc1-65c8d471c621" providerId="ADAL" clId="{63956BDE-1760-9E47-86E5-1948DE91DAB5}" dt="2024-11-18T04:33:54.074" v="2164"/>
-        <pc:sldMkLst>
-          <pc:docMk/>
-          <pc:sldMk cId="189185762" sldId="652"/>
-        </pc:sldMkLst>
-        <pc:spChg chg="add mod">
-          <ac:chgData name="Long B Nguyen" userId="f59fb8f3-a021-417a-8bc1-65c8d471c621" providerId="ADAL" clId="{63956BDE-1760-9E47-86E5-1948DE91DAB5}" dt="2024-11-18T04:33:54.074" v="2164"/>
-          <ac:spMkLst>
-            <pc:docMk/>
-            <pc:sldMk cId="189185762" sldId="652"/>
-            <ac:spMk id="5" creationId="{9DD33C3F-1BAE-BFF8-CBD8-6CB8F55384DE}"/>
-          </ac:spMkLst>
-        </pc:spChg>
-        <pc:spChg chg="mod">
-          <ac:chgData name="Long B Nguyen" userId="f59fb8f3-a021-417a-8bc1-65c8d471c621" providerId="ADAL" clId="{63956BDE-1760-9E47-86E5-1948DE91DAB5}" dt="2024-11-18T04:29:31.662" v="1781" actId="20577"/>
-          <ac:spMkLst>
-            <pc:docMk/>
-            <pc:sldMk cId="189185762" sldId="652"/>
-            <ac:spMk id="26626" creationId="{05B95D02-F9AC-3F56-6E6C-D7BF6A2FB04A}"/>
-          </ac:spMkLst>
-        </pc:spChg>
-        <pc:graphicFrameChg chg="del modGraphic">
-          <ac:chgData name="Long B Nguyen" userId="f59fb8f3-a021-417a-8bc1-65c8d471c621" providerId="ADAL" clId="{63956BDE-1760-9E47-86E5-1948DE91DAB5}" dt="2024-11-18T04:24:45.097" v="1547" actId="478"/>
-          <ac:graphicFrameMkLst>
-            <pc:docMk/>
-            <pc:sldMk cId="189185762" sldId="652"/>
-            <ac:graphicFrameMk id="2" creationId="{FCBD8419-DBD2-A089-C0F5-67BFA00440F7}"/>
-          </ac:graphicFrameMkLst>
-        </pc:graphicFrameChg>
-        <pc:graphicFrameChg chg="add mod">
-          <ac:chgData name="Long B Nguyen" userId="f59fb8f3-a021-417a-8bc1-65c8d471c621" providerId="ADAL" clId="{63956BDE-1760-9E47-86E5-1948DE91DAB5}" dt="2024-11-18T04:27:25.129" v="1622" actId="1076"/>
-          <ac:graphicFrameMkLst>
-            <pc:docMk/>
-            <pc:sldMk cId="189185762" sldId="652"/>
-            <ac:graphicFrameMk id="3" creationId="{149111A9-7859-C25A-06F7-8D51EFBB8133}"/>
-          </ac:graphicFrameMkLst>
-        </pc:graphicFrameChg>
-        <pc:graphicFrameChg chg="add mod">
-          <ac:chgData name="Long B Nguyen" userId="f59fb8f3-a021-417a-8bc1-65c8d471c621" providerId="ADAL" clId="{63956BDE-1760-9E47-86E5-1948DE91DAB5}" dt="2024-11-18T04:28:44.990" v="1725" actId="1076"/>
-          <ac:graphicFrameMkLst>
-            <pc:docMk/>
-            <pc:sldMk cId="189185762" sldId="652"/>
-            <ac:graphicFrameMk id="4" creationId="{F0D516D1-1B5F-E96C-1F37-108878A94C59}"/>
-          </ac:graphicFrameMkLst>
-        </pc:graphicFrameChg>
-      </pc:sldChg>
-      <pc:sldChg chg="new del">
-        <pc:chgData name="Long B Nguyen" userId="f59fb8f3-a021-417a-8bc1-65c8d471c621" providerId="ADAL" clId="{63956BDE-1760-9E47-86E5-1948DE91DAB5}" dt="2024-11-18T04:30:45.337" v="1871" actId="2696"/>
-        <pc:sldMkLst>
-          <pc:docMk/>
-          <pc:sldMk cId="717746914" sldId="653"/>
-        </pc:sldMkLst>
-      </pc:sldChg>
-      <pc:sldChg chg="addSp delSp modSp add mod">
-        <pc:chgData name="Long B Nguyen" userId="f59fb8f3-a021-417a-8bc1-65c8d471c621" providerId="ADAL" clId="{63956BDE-1760-9E47-86E5-1948DE91DAB5}" dt="2024-11-18T04:33:54.074" v="2164"/>
-        <pc:sldMkLst>
-          <pc:docMk/>
-          <pc:sldMk cId="2108380087" sldId="654"/>
-        </pc:sldMkLst>
-        <pc:spChg chg="add mod">
-          <ac:chgData name="Long B Nguyen" userId="f59fb8f3-a021-417a-8bc1-65c8d471c621" providerId="ADAL" clId="{63956BDE-1760-9E47-86E5-1948DE91DAB5}" dt="2024-11-18T04:33:54.074" v="2164"/>
-          <ac:spMkLst>
-            <pc:docMk/>
-            <pc:sldMk cId="2108380087" sldId="654"/>
-            <ac:spMk id="5" creationId="{530B76F9-F594-847E-9C6C-667944CAA794}"/>
-          </ac:spMkLst>
-        </pc:spChg>
-        <pc:spChg chg="mod">
-          <ac:chgData name="Long B Nguyen" userId="f59fb8f3-a021-417a-8bc1-65c8d471c621" providerId="ADAL" clId="{63956BDE-1760-9E47-86E5-1948DE91DAB5}" dt="2024-11-18T04:30:06.041" v="1867" actId="20577"/>
-          <ac:spMkLst>
-            <pc:docMk/>
-            <pc:sldMk cId="2108380087" sldId="654"/>
-            <ac:spMk id="26626" creationId="{4744823D-E99B-460B-102A-9FD2EAC467D9}"/>
-          </ac:spMkLst>
-        </pc:spChg>
-        <pc:graphicFrameChg chg="del">
-          <ac:chgData name="Long B Nguyen" userId="f59fb8f3-a021-417a-8bc1-65c8d471c621" providerId="ADAL" clId="{63956BDE-1760-9E47-86E5-1948DE91DAB5}" dt="2024-11-18T04:29:51.286" v="1787" actId="478"/>
-          <ac:graphicFrameMkLst>
-            <pc:docMk/>
-            <pc:sldMk cId="2108380087" sldId="654"/>
-            <ac:graphicFrameMk id="3" creationId="{34B1DF66-1396-1B97-BC57-CF9D8B309ACE}"/>
-          </ac:graphicFrameMkLst>
-        </pc:graphicFrameChg>
-        <pc:graphicFrameChg chg="del">
-          <ac:chgData name="Long B Nguyen" userId="f59fb8f3-a021-417a-8bc1-65c8d471c621" providerId="ADAL" clId="{63956BDE-1760-9E47-86E5-1948DE91DAB5}" dt="2024-11-18T04:29:49.797" v="1786" actId="478"/>
-          <ac:graphicFrameMkLst>
-            <pc:docMk/>
-            <pc:sldMk cId="2108380087" sldId="654"/>
-            <ac:graphicFrameMk id="4" creationId="{D0F6C210-BBFE-E814-DA24-C68B5ECCD433}"/>
-          </ac:graphicFrameMkLst>
-        </pc:graphicFrameChg>
-        <pc:picChg chg="add mod">
-          <ac:chgData name="Long B Nguyen" userId="f59fb8f3-a021-417a-8bc1-65c8d471c621" providerId="ADAL" clId="{63956BDE-1760-9E47-86E5-1948DE91DAB5}" dt="2024-11-18T04:30:41.790" v="1870" actId="1076"/>
-          <ac:picMkLst>
-            <pc:docMk/>
-            <pc:sldMk cId="2108380087" sldId="654"/>
-            <ac:picMk id="2" creationId="{964C1739-33E4-8F21-060A-7F65603CB8C6}"/>
-          </ac:picMkLst>
-        </pc:picChg>
-      </pc:sldChg>
-    </pc:docChg>
-  </pc:docChgLst>
-  <pc:docChgLst>
-    <pc:chgData name="Long B Nguyen" userId="f59fb8f3-a021-417a-8bc1-65c8d471c621" providerId="ADAL" clId="{CC9C9D9A-5149-2947-86C0-576F501F60DC}"/>
-    <pc:docChg chg="addSld modSld">
-      <pc:chgData name="Long B Nguyen" userId="f59fb8f3-a021-417a-8bc1-65c8d471c621" providerId="ADAL" clId="{CC9C9D9A-5149-2947-86C0-576F501F60DC}" dt="2020-01-05T21:59:55.597" v="2392" actId="14100"/>
-      <pc:docMkLst>
-        <pc:docMk/>
-      </pc:docMkLst>
-      <pc:sldChg chg="modSp add modAnim">
-        <pc:chgData name="Long B Nguyen" userId="f59fb8f3-a021-417a-8bc1-65c8d471c621" providerId="ADAL" clId="{CC9C9D9A-5149-2947-86C0-576F501F60DC}" dt="2020-01-04T15:49:37.373" v="563" actId="20577"/>
-        <pc:sldMkLst>
-          <pc:docMk/>
-          <pc:sldMk cId="924617162" sldId="319"/>
-        </pc:sldMkLst>
-      </pc:sldChg>
-      <pc:sldChg chg="modSp add">
-        <pc:chgData name="Long B Nguyen" userId="f59fb8f3-a021-417a-8bc1-65c8d471c621" providerId="ADAL" clId="{CC9C9D9A-5149-2947-86C0-576F501F60DC}" dt="2020-01-04T15:57:55.835" v="789" actId="14100"/>
-        <pc:sldMkLst>
-          <pc:docMk/>
-          <pc:sldMk cId="3758830494" sldId="320"/>
-        </pc:sldMkLst>
-      </pc:sldChg>
-      <pc:sldChg chg="modSp add">
-        <pc:chgData name="Long B Nguyen" userId="f59fb8f3-a021-417a-8bc1-65c8d471c621" providerId="ADAL" clId="{CC9C9D9A-5149-2947-86C0-576F501F60DC}" dt="2020-01-05T21:51:37.442" v="2325" actId="20577"/>
-        <pc:sldMkLst>
-          <pc:docMk/>
-          <pc:sldMk cId="1022945305" sldId="321"/>
-        </pc:sldMkLst>
-      </pc:sldChg>
-      <pc:sldChg chg="modSp add">
-        <pc:chgData name="Long B Nguyen" userId="f59fb8f3-a021-417a-8bc1-65c8d471c621" providerId="ADAL" clId="{CC9C9D9A-5149-2947-86C0-576F501F60DC}" dt="2020-01-04T17:41:57.489" v="1203" actId="20577"/>
-        <pc:sldMkLst>
-          <pc:docMk/>
-          <pc:sldMk cId="3456840474" sldId="322"/>
-        </pc:sldMkLst>
-      </pc:sldChg>
-      <pc:sldChg chg="modSp add">
-        <pc:chgData name="Long B Nguyen" userId="f59fb8f3-a021-417a-8bc1-65c8d471c621" providerId="ADAL" clId="{CC9C9D9A-5149-2947-86C0-576F501F60DC}" dt="2020-01-04T18:38:26.241" v="1214" actId="113"/>
-        <pc:sldMkLst>
-          <pc:docMk/>
-          <pc:sldMk cId="1062075874" sldId="323"/>
-        </pc:sldMkLst>
-      </pc:sldChg>
-      <pc:sldChg chg="modSp add">
-        <pc:chgData name="Long B Nguyen" userId="f59fb8f3-a021-417a-8bc1-65c8d471c621" providerId="ADAL" clId="{CC9C9D9A-5149-2947-86C0-576F501F60DC}" dt="2020-01-04T20:58:36.932" v="1972" actId="20577"/>
-        <pc:sldMkLst>
-          <pc:docMk/>
-          <pc:sldMk cId="1310010799" sldId="324"/>
-        </pc:sldMkLst>
-      </pc:sldChg>
-      <pc:sldChg chg="modSp add">
-        <pc:chgData name="Long B Nguyen" userId="f59fb8f3-a021-417a-8bc1-65c8d471c621" providerId="ADAL" clId="{CC9C9D9A-5149-2947-86C0-576F501F60DC}" dt="2020-01-05T21:27:04.952" v="2119" actId="20577"/>
-        <pc:sldMkLst>
-          <pc:docMk/>
-          <pc:sldMk cId="3314372952" sldId="325"/>
-        </pc:sldMkLst>
-      </pc:sldChg>
-      <pc:sldChg chg="modSp add">
-        <pc:chgData name="Long B Nguyen" userId="f59fb8f3-a021-417a-8bc1-65c8d471c621" providerId="ADAL" clId="{CC9C9D9A-5149-2947-86C0-576F501F60DC}" dt="2020-01-05T21:29:58.563" v="2178" actId="20577"/>
-        <pc:sldMkLst>
-          <pc:docMk/>
-          <pc:sldMk cId="3117943122" sldId="326"/>
-        </pc:sldMkLst>
-      </pc:sldChg>
-      <pc:sldChg chg="modSp add">
-        <pc:chgData name="Long B Nguyen" userId="f59fb8f3-a021-417a-8bc1-65c8d471c621" providerId="ADAL" clId="{CC9C9D9A-5149-2947-86C0-576F501F60DC}" dt="2020-01-05T21:59:55.597" v="2392" actId="14100"/>
-        <pc:sldMkLst>
-          <pc:docMk/>
-          <pc:sldMk cId="1025618360" sldId="327"/>
-        </pc:sldMkLst>
-      </pc:sldChg>
-      <pc:sldChg chg="modSp add">
-        <pc:chgData name="Long B Nguyen" userId="f59fb8f3-a021-417a-8bc1-65c8d471c621" providerId="ADAL" clId="{CC9C9D9A-5149-2947-86C0-576F501F60DC}" dt="2020-01-05T21:54:47.081" v="2356" actId="2711"/>
-        <pc:sldMkLst>
-          <pc:docMk/>
-          <pc:sldMk cId="3894299887" sldId="328"/>
-        </pc:sldMkLst>
-      </pc:sldChg>
-      <pc:sldChg chg="add">
-        <pc:chgData name="Long B Nguyen" userId="f59fb8f3-a021-417a-8bc1-65c8d471c621" providerId="ADAL" clId="{CC9C9D9A-5149-2947-86C0-576F501F60DC}" dt="2020-01-05T21:57:38.736" v="2357"/>
-        <pc:sldMkLst>
-          <pc:docMk/>
-          <pc:sldMk cId="4294143140" sldId="329"/>
-        </pc:sldMkLst>
-      </pc:sldChg>
-    </pc:docChg>
-  </pc:docChgLst>
-  <pc:docChgLst>
-    <pc:chgData name="Long B Nguyen" userId="f59fb8f3-a021-417a-8bc1-65c8d471c621" providerId="ADAL" clId="{AA9102B5-DACA-D841-B260-AEEBF90FC60A}"/>
-    <pc:docChg chg="custSel addSld delSld modSld">
-      <pc:chgData name="Long B Nguyen" userId="f59fb8f3-a021-417a-8bc1-65c8d471c621" providerId="ADAL" clId="{AA9102B5-DACA-D841-B260-AEEBF90FC60A}" dt="2020-01-06T17:07:10.515" v="1519" actId="2711"/>
-      <pc:docMkLst>
-        <pc:docMk/>
-      </pc:docMkLst>
-      <pc:sldChg chg="modSp">
-        <pc:chgData name="Long B Nguyen" userId="f59fb8f3-a021-417a-8bc1-65c8d471c621" providerId="ADAL" clId="{AA9102B5-DACA-D841-B260-AEEBF90FC60A}" dt="2020-01-05T22:05:23.536" v="23" actId="20577"/>
-        <pc:sldMkLst>
-          <pc:docMk/>
-          <pc:sldMk cId="4247104139" sldId="256"/>
-        </pc:sldMkLst>
-      </pc:sldChg>
-      <pc:sldChg chg="del">
-        <pc:chgData name="Long B Nguyen" userId="f59fb8f3-a021-417a-8bc1-65c8d471c621" providerId="ADAL" clId="{AA9102B5-DACA-D841-B260-AEEBF90FC60A}" dt="2020-01-05T22:05:52.483" v="41" actId="2696"/>
-        <pc:sldMkLst>
-          <pc:docMk/>
-          <pc:sldMk cId="1438711869" sldId="284"/>
-        </pc:sldMkLst>
-      </pc:sldChg>
-      <pc:sldChg chg="del">
-        <pc:chgData name="Long B Nguyen" userId="f59fb8f3-a021-417a-8bc1-65c8d471c621" providerId="ADAL" clId="{AA9102B5-DACA-D841-B260-AEEBF90FC60A}" dt="2020-01-05T22:05:52.199" v="24" actId="2696"/>
-        <pc:sldMkLst>
-          <pc:docMk/>
-          <pc:sldMk cId="131840209" sldId="286"/>
-        </pc:sldMkLst>
-      </pc:sldChg>
-      <pc:sldChg chg="del">
-        <pc:chgData name="Long B Nguyen" userId="f59fb8f3-a021-417a-8bc1-65c8d471c621" providerId="ADAL" clId="{AA9102B5-DACA-D841-B260-AEEBF90FC60A}" dt="2020-01-05T22:05:52.214" v="25" actId="2696"/>
-        <pc:sldMkLst>
-          <pc:docMk/>
-          <pc:sldMk cId="1816941262" sldId="295"/>
-        </pc:sldMkLst>
-      </pc:sldChg>
-      <pc:sldChg chg="del">
-        <pc:chgData name="Long B Nguyen" userId="f59fb8f3-a021-417a-8bc1-65c8d471c621" providerId="ADAL" clId="{AA9102B5-DACA-D841-B260-AEEBF90FC60A}" dt="2020-01-05T22:05:52.246" v="27" actId="2696"/>
-        <pc:sldMkLst>
-          <pc:docMk/>
-          <pc:sldMk cId="553003360" sldId="296"/>
-        </pc:sldMkLst>
-      </pc:sldChg>
-      <pc:sldChg chg="del">
-        <pc:chgData name="Long B Nguyen" userId="f59fb8f3-a021-417a-8bc1-65c8d471c621" providerId="ADAL" clId="{AA9102B5-DACA-D841-B260-AEEBF90FC60A}" dt="2020-01-05T22:05:52.268" v="28" actId="2696"/>
-        <pc:sldMkLst>
-          <pc:docMk/>
-          <pc:sldMk cId="3006175481" sldId="297"/>
-        </pc:sldMkLst>
-      </pc:sldChg>
-      <pc:sldChg chg="del">
-        <pc:chgData name="Long B Nguyen" userId="f59fb8f3-a021-417a-8bc1-65c8d471c621" providerId="ADAL" clId="{AA9102B5-DACA-D841-B260-AEEBF90FC60A}" dt="2020-01-05T22:05:52.287" v="29" actId="2696"/>
-        <pc:sldMkLst>
-          <pc:docMk/>
-          <pc:sldMk cId="3150557076" sldId="298"/>
-        </pc:sldMkLst>
-      </pc:sldChg>
-      <pc:sldChg chg="del">
-        <pc:chgData name="Long B Nguyen" userId="f59fb8f3-a021-417a-8bc1-65c8d471c621" providerId="ADAL" clId="{AA9102B5-DACA-D841-B260-AEEBF90FC60A}" dt="2020-01-05T22:05:52.442" v="38" actId="2696"/>
-        <pc:sldMkLst>
-          <pc:docMk/>
-          <pc:sldMk cId="128704095" sldId="302"/>
-        </pc:sldMkLst>
-      </pc:sldChg>
-      <pc:sldChg chg="del">
-        <pc:chgData name="Long B Nguyen" userId="f59fb8f3-a021-417a-8bc1-65c8d471c621" providerId="ADAL" clId="{AA9102B5-DACA-D841-B260-AEEBF90FC60A}" dt="2020-01-05T22:05:52.305" v="30" actId="2696"/>
-        <pc:sldMkLst>
-          <pc:docMk/>
-          <pc:sldMk cId="3275945509" sldId="303"/>
-        </pc:sldMkLst>
-      </pc:sldChg>
-      <pc:sldChg chg="del">
-        <pc:chgData name="Long B Nguyen" userId="f59fb8f3-a021-417a-8bc1-65c8d471c621" providerId="ADAL" clId="{AA9102B5-DACA-D841-B260-AEEBF90FC60A}" dt="2020-01-05T22:05:52.321" v="31" actId="2696"/>
-        <pc:sldMkLst>
-          <pc:docMk/>
-          <pc:sldMk cId="406772024" sldId="304"/>
-        </pc:sldMkLst>
-      </pc:sldChg>
-      <pc:sldChg chg="del">
-        <pc:chgData name="Long B Nguyen" userId="f59fb8f3-a021-417a-8bc1-65c8d471c621" providerId="ADAL" clId="{AA9102B5-DACA-D841-B260-AEEBF90FC60A}" dt="2020-01-05T22:05:52.334" v="32" actId="2696"/>
-        <pc:sldMkLst>
-          <pc:docMk/>
-          <pc:sldMk cId="1703902501" sldId="305"/>
-        </pc:sldMkLst>
-      </pc:sldChg>
-      <pc:sldChg chg="del">
-        <pc:chgData name="Long B Nguyen" userId="f59fb8f3-a021-417a-8bc1-65c8d471c621" providerId="ADAL" clId="{AA9102B5-DACA-D841-B260-AEEBF90FC60A}" dt="2020-01-05T22:05:52.461" v="39" actId="2696"/>
-        <pc:sldMkLst>
-          <pc:docMk/>
-          <pc:sldMk cId="3614829039" sldId="306"/>
-        </pc:sldMkLst>
-      </pc:sldChg>
-      <pc:sldChg chg="del">
-        <pc:chgData name="Long B Nguyen" userId="f59fb8f3-a021-417a-8bc1-65c8d471c621" providerId="ADAL" clId="{AA9102B5-DACA-D841-B260-AEEBF90FC60A}" dt="2020-01-05T22:05:52.471" v="40" actId="2696"/>
-        <pc:sldMkLst>
-          <pc:docMk/>
-          <pc:sldMk cId="295911327" sldId="307"/>
-        </pc:sldMkLst>
-      </pc:sldChg>
-      <pc:sldChg chg="del">
-        <pc:chgData name="Long B Nguyen" userId="f59fb8f3-a021-417a-8bc1-65c8d471c621" providerId="ADAL" clId="{AA9102B5-DACA-D841-B260-AEEBF90FC60A}" dt="2020-01-05T22:05:52.353" v="33" actId="2696"/>
-        <pc:sldMkLst>
-          <pc:docMk/>
-          <pc:sldMk cId="67957925" sldId="308"/>
-        </pc:sldMkLst>
-      </pc:sldChg>
-      <pc:sldChg chg="del">
-        <pc:chgData name="Long B Nguyen" userId="f59fb8f3-a021-417a-8bc1-65c8d471c621" providerId="ADAL" clId="{AA9102B5-DACA-D841-B260-AEEBF90FC60A}" dt="2020-01-05T22:05:52.365" v="34" actId="2696"/>
-        <pc:sldMkLst>
-          <pc:docMk/>
-          <pc:sldMk cId="1872435103" sldId="309"/>
-        </pc:sldMkLst>
-      </pc:sldChg>
-      <pc:sldChg chg="del">
-        <pc:chgData name="Long B Nguyen" userId="f59fb8f3-a021-417a-8bc1-65c8d471c621" providerId="ADAL" clId="{AA9102B5-DACA-D841-B260-AEEBF90FC60A}" dt="2020-01-05T22:05:52.385" v="35" actId="2696"/>
-        <pc:sldMkLst>
-          <pc:docMk/>
-          <pc:sldMk cId="4088965571" sldId="310"/>
-        </pc:sldMkLst>
-      </pc:sldChg>
-      <pc:sldChg chg="del">
-        <pc:chgData name="Long B Nguyen" userId="f59fb8f3-a021-417a-8bc1-65c8d471c621" providerId="ADAL" clId="{AA9102B5-DACA-D841-B260-AEEBF90FC60A}" dt="2020-01-05T22:05:52.404" v="36" actId="2696"/>
-        <pc:sldMkLst>
-          <pc:docMk/>
-          <pc:sldMk cId="2255846137" sldId="311"/>
-        </pc:sldMkLst>
-      </pc:sldChg>
-      <pc:sldChg chg="del">
-        <pc:chgData name="Long B Nguyen" userId="f59fb8f3-a021-417a-8bc1-65c8d471c621" providerId="ADAL" clId="{AA9102B5-DACA-D841-B260-AEEBF90FC60A}" dt="2020-01-05T22:05:52.423" v="37" actId="2696"/>
-        <pc:sldMkLst>
-          <pc:docMk/>
-          <pc:sldMk cId="1513627164" sldId="312"/>
-        </pc:sldMkLst>
-      </pc:sldChg>
-      <pc:sldChg chg="del">
-        <pc:chgData name="Long B Nguyen" userId="f59fb8f3-a021-417a-8bc1-65c8d471c621" providerId="ADAL" clId="{AA9102B5-DACA-D841-B260-AEEBF90FC60A}" dt="2020-01-05T22:05:52.231" v="26" actId="2696"/>
-        <pc:sldMkLst>
-          <pc:docMk/>
-          <pc:sldMk cId="2097059918" sldId="313"/>
-        </pc:sldMkLst>
-      </pc:sldChg>
-      <pc:sldChg chg="modSp">
-        <pc:chgData name="Long B Nguyen" userId="f59fb8f3-a021-417a-8bc1-65c8d471c621" providerId="ADAL" clId="{AA9102B5-DACA-D841-B260-AEEBF90FC60A}" dt="2020-01-06T15:37:30.346" v="948" actId="20577"/>
-        <pc:sldMkLst>
-          <pc:docMk/>
-          <pc:sldMk cId="1452600724" sldId="316"/>
-        </pc:sldMkLst>
-      </pc:sldChg>
-      <pc:sldChg chg="del">
-        <pc:chgData name="Long B Nguyen" userId="f59fb8f3-a021-417a-8bc1-65c8d471c621" providerId="ADAL" clId="{AA9102B5-DACA-D841-B260-AEEBF90FC60A}" dt="2020-01-06T15:03:11.354" v="848" actId="2696"/>
-        <pc:sldMkLst>
-          <pc:docMk/>
-          <pc:sldMk cId="1787114790" sldId="317"/>
-        </pc:sldMkLst>
-      </pc:sldChg>
-      <pc:sldChg chg="del">
-        <pc:chgData name="Long B Nguyen" userId="f59fb8f3-a021-417a-8bc1-65c8d471c621" providerId="ADAL" clId="{AA9102B5-DACA-D841-B260-AEEBF90FC60A}" dt="2020-01-05T22:06:12.101" v="42" actId="2696"/>
-        <pc:sldMkLst>
-          <pc:docMk/>
-          <pc:sldMk cId="1215229427" sldId="318"/>
-        </pc:sldMkLst>
-      </pc:sldChg>
-      <pc:sldChg chg="modSp">
-        <pc:chgData name="Long B Nguyen" userId="f59fb8f3-a021-417a-8bc1-65c8d471c621" providerId="ADAL" clId="{AA9102B5-DACA-D841-B260-AEEBF90FC60A}" dt="2020-01-06T01:48:03.413" v="110" actId="20577"/>
-        <pc:sldMkLst>
-          <pc:docMk/>
-          <pc:sldMk cId="924617162" sldId="319"/>
-        </pc:sldMkLst>
-      </pc:sldChg>
-      <pc:sldChg chg="modSp">
-        <pc:chgData name="Long B Nguyen" userId="f59fb8f3-a021-417a-8bc1-65c8d471c621" providerId="ADAL" clId="{AA9102B5-DACA-D841-B260-AEEBF90FC60A}" dt="2020-01-06T01:56:11.549" v="712" actId="1076"/>
-        <pc:sldMkLst>
-          <pc:docMk/>
-          <pc:sldMk cId="1310010799" sldId="324"/>
-        </pc:sldMkLst>
-      </pc:sldChg>
-      <pc:sldChg chg="modSp">
-        <pc:chgData name="Long B Nguyen" userId="f59fb8f3-a021-417a-8bc1-65c8d471c621" providerId="ADAL" clId="{AA9102B5-DACA-D841-B260-AEEBF90FC60A}" dt="2020-01-06T15:35:11.658" v="853" actId="20577"/>
-        <pc:sldMkLst>
-          <pc:docMk/>
-          <pc:sldMk cId="3314372952" sldId="325"/>
-        </pc:sldMkLst>
-      </pc:sldChg>
-      <pc:sldChg chg="del">
-        <pc:chgData name="Long B Nguyen" userId="f59fb8f3-a021-417a-8bc1-65c8d471c621" providerId="ADAL" clId="{AA9102B5-DACA-D841-B260-AEEBF90FC60A}" dt="2020-01-06T15:03:07.580" v="847" actId="2696"/>
-        <pc:sldMkLst>
-          <pc:docMk/>
-          <pc:sldMk cId="3117943122" sldId="326"/>
-        </pc:sldMkLst>
-      </pc:sldChg>
-      <pc:sldChg chg="del">
-        <pc:chgData name="Long B Nguyen" userId="f59fb8f3-a021-417a-8bc1-65c8d471c621" providerId="ADAL" clId="{AA9102B5-DACA-D841-B260-AEEBF90FC60A}" dt="2020-01-06T01:49:27.456" v="111" actId="2696"/>
-        <pc:sldMkLst>
-          <pc:docMk/>
-          <pc:sldMk cId="1025618360" sldId="327"/>
-        </pc:sldMkLst>
-      </pc:sldChg>
-      <pc:sldChg chg="modSp add">
-        <pc:chgData name="Long B Nguyen" userId="f59fb8f3-a021-417a-8bc1-65c8d471c621" providerId="ADAL" clId="{AA9102B5-DACA-D841-B260-AEEBF90FC60A}" dt="2020-01-06T15:00:48.763" v="818" actId="113"/>
-        <pc:sldMkLst>
-          <pc:docMk/>
-          <pc:sldMk cId="1724104636" sldId="327"/>
-        </pc:sldMkLst>
-      </pc:sldChg>
-      <pc:sldChg chg="modSp">
-        <pc:chgData name="Long B Nguyen" userId="f59fb8f3-a021-417a-8bc1-65c8d471c621" providerId="ADAL" clId="{AA9102B5-DACA-D841-B260-AEEBF90FC60A}" dt="2020-01-06T01:55:34.369" v="708" actId="20577"/>
-        <pc:sldMkLst>
-          <pc:docMk/>
-          <pc:sldMk cId="4294143140" sldId="329"/>
-        </pc:sldMkLst>
-      </pc:sldChg>
-      <pc:sldChg chg="modSp add">
-        <pc:chgData name="Long B Nguyen" userId="f59fb8f3-a021-417a-8bc1-65c8d471c621" providerId="ADAL" clId="{AA9102B5-DACA-D841-B260-AEEBF90FC60A}" dt="2020-01-06T15:01:01.638" v="819" actId="2711"/>
-        <pc:sldMkLst>
-          <pc:docMk/>
-          <pc:sldMk cId="3594730708" sldId="330"/>
-        </pc:sldMkLst>
-      </pc:sldChg>
-      <pc:sldChg chg="modSp add">
-        <pc:chgData name="Long B Nguyen" userId="f59fb8f3-a021-417a-8bc1-65c8d471c621" providerId="ADAL" clId="{AA9102B5-DACA-D841-B260-AEEBF90FC60A}" dt="2020-01-06T02:00:17.493" v="815" actId="255"/>
-        <pc:sldMkLst>
-          <pc:docMk/>
-          <pc:sldMk cId="3870816631" sldId="331"/>
-        </pc:sldMkLst>
-      </pc:sldChg>
-      <pc:sldChg chg="modSp add">
-        <pc:chgData name="Long B Nguyen" userId="f59fb8f3-a021-417a-8bc1-65c8d471c621" providerId="ADAL" clId="{AA9102B5-DACA-D841-B260-AEEBF90FC60A}" dt="2020-01-06T17:07:10.515" v="1519" actId="2711"/>
-        <pc:sldMkLst>
-          <pc:docMk/>
-          <pc:sldMk cId="3124353102" sldId="332"/>
-        </pc:sldMkLst>
-      </pc:sldChg>
-    </pc:docChg>
-  </pc:docChgLst>
-  <pc:docChgLst>
-    <pc:chgData name="Long B Nguyen" userId="f59fb8f3-a021-417a-8bc1-65c8d471c621" providerId="ADAL" clId="{B5860C40-AA08-4447-A918-2D2782E0FC0B}"/>
-    <pc:docChg chg="delSld modSld">
-      <pc:chgData name="Long B Nguyen" userId="f59fb8f3-a021-417a-8bc1-65c8d471c621" providerId="ADAL" clId="{B5860C40-AA08-4447-A918-2D2782E0FC0B}" dt="2019-09-16T13:59:20.091" v="35" actId="2696"/>
-      <pc:docMkLst>
-        <pc:docMk/>
-      </pc:docMkLst>
-      <pc:sldChg chg="modSp">
-        <pc:chgData name="Long B Nguyen" userId="f59fb8f3-a021-417a-8bc1-65c8d471c621" providerId="ADAL" clId="{B5860C40-AA08-4447-A918-2D2782E0FC0B}" dt="2019-09-16T13:58:36.640" v="18" actId="20577"/>
-        <pc:sldMkLst>
-          <pc:docMk/>
-          <pc:sldMk cId="4247104139" sldId="256"/>
-        </pc:sldMkLst>
-      </pc:sldChg>
-    </pc:docChg>
-  </pc:docChgLst>
-  <pc:docChgLst>
-    <pc:chgData name="Long B Nguyen" userId="f59fb8f3-a021-417a-8bc1-65c8d471c621" providerId="ADAL" clId="{7E551B6C-1E81-B548-A72C-C51786C7D0CC}"/>
-    <pc:docChg chg="undo custSel addSld delSld modSld">
-      <pc:chgData name="Long B Nguyen" userId="f59fb8f3-a021-417a-8bc1-65c8d471c621" providerId="ADAL" clId="{7E551B6C-1E81-B548-A72C-C51786C7D0CC}" dt="2021-06-14T17:29:13.636" v="4362" actId="20577"/>
-      <pc:docMkLst>
-        <pc:docMk/>
-      </pc:docMkLst>
-      <pc:sldChg chg="del">
-        <pc:chgData name="Long B Nguyen" userId="f59fb8f3-a021-417a-8bc1-65c8d471c621" providerId="ADAL" clId="{7E551B6C-1E81-B548-A72C-C51786C7D0CC}" dt="2021-06-11T17:34:49.741" v="4330" actId="2696"/>
-        <pc:sldMkLst>
-          <pc:docMk/>
-          <pc:sldMk cId="1758448129" sldId="309"/>
-        </pc:sldMkLst>
-      </pc:sldChg>
-      <pc:sldChg chg="modSp add mod modAnim">
-        <pc:chgData name="Long B Nguyen" userId="f59fb8f3-a021-417a-8bc1-65c8d471c621" providerId="ADAL" clId="{7E551B6C-1E81-B548-A72C-C51786C7D0CC}" dt="2021-06-11T12:17:07.088" v="2124" actId="20577"/>
-        <pc:sldMkLst>
-          <pc:docMk/>
-          <pc:sldMk cId="833801237" sldId="313"/>
-        </pc:sldMkLst>
-      </pc:sldChg>
-      <pc:sldChg chg="modSp del mod">
-        <pc:chgData name="Long B Nguyen" userId="f59fb8f3-a021-417a-8bc1-65c8d471c621" providerId="ADAL" clId="{7E551B6C-1E81-B548-A72C-C51786C7D0CC}" dt="2021-06-10T17:08:32.914" v="1371" actId="2696"/>
-        <pc:sldMkLst>
-          <pc:docMk/>
-          <pc:sldMk cId="3947558204" sldId="313"/>
-        </pc:sldMkLst>
-      </pc:sldChg>
-      <pc:sldChg chg="del">
-        <pc:chgData name="Long B Nguyen" userId="f59fb8f3-a021-417a-8bc1-65c8d471c621" providerId="ADAL" clId="{7E551B6C-1E81-B548-A72C-C51786C7D0CC}" dt="2021-06-10T17:02:53.723" v="1102" actId="2696"/>
-        <pc:sldMkLst>
-          <pc:docMk/>
-          <pc:sldMk cId="2054265466" sldId="314"/>
-        </pc:sldMkLst>
-      </pc:sldChg>
-      <pc:sldChg chg="modSp add mod">
-        <pc:chgData name="Long B Nguyen" userId="f59fb8f3-a021-417a-8bc1-65c8d471c621" providerId="ADAL" clId="{7E551B6C-1E81-B548-A72C-C51786C7D0CC}" dt="2021-06-11T12:17:35.863" v="2130" actId="255"/>
-        <pc:sldMkLst>
-          <pc:docMk/>
-          <pc:sldMk cId="4199940570" sldId="314"/>
-        </pc:sldMkLst>
-      </pc:sldChg>
-      <pc:sldChg chg="del">
-        <pc:chgData name="Long B Nguyen" userId="f59fb8f3-a021-417a-8bc1-65c8d471c621" providerId="ADAL" clId="{7E551B6C-1E81-B548-A72C-C51786C7D0CC}" dt="2021-06-10T17:02:53.787" v="1105" actId="2696"/>
-        <pc:sldMkLst>
-          <pc:docMk/>
-          <pc:sldMk cId="917461937" sldId="315"/>
-        </pc:sldMkLst>
-      </pc:sldChg>
-      <pc:sldChg chg="modSp add mod">
-        <pc:chgData name="Long B Nguyen" userId="f59fb8f3-a021-417a-8bc1-65c8d471c621" providerId="ADAL" clId="{7E551B6C-1E81-B548-A72C-C51786C7D0CC}" dt="2021-06-11T12:18:09.763" v="2139" actId="14100"/>
-        <pc:sldMkLst>
-          <pc:docMk/>
-          <pc:sldMk cId="1902012464" sldId="315"/>
-        </pc:sldMkLst>
-      </pc:sldChg>
-      <pc:sldChg chg="modSp add mod">
-        <pc:chgData name="Long B Nguyen" userId="f59fb8f3-a021-417a-8bc1-65c8d471c621" providerId="ADAL" clId="{7E551B6C-1E81-B548-A72C-C51786C7D0CC}" dt="2021-06-11T12:18:43.912" v="2147" actId="255"/>
-        <pc:sldMkLst>
-          <pc:docMk/>
-          <pc:sldMk cId="1824894821" sldId="316"/>
-        </pc:sldMkLst>
-      </pc:sldChg>
-      <pc:sldChg chg="del">
-        <pc:chgData name="Long B Nguyen" userId="f59fb8f3-a021-417a-8bc1-65c8d471c621" providerId="ADAL" clId="{7E551B6C-1E81-B548-A72C-C51786C7D0CC}" dt="2021-06-10T17:02:53.804" v="1106" actId="2696"/>
-        <pc:sldMkLst>
-          <pc:docMk/>
-          <pc:sldMk cId="3266234076" sldId="316"/>
-        </pc:sldMkLst>
-      </pc:sldChg>
-      <pc:sldChg chg="modSp add mod">
-        <pc:chgData name="Long B Nguyen" userId="f59fb8f3-a021-417a-8bc1-65c8d471c621" providerId="ADAL" clId="{7E551B6C-1E81-B548-A72C-C51786C7D0CC}" dt="2021-06-11T12:17:51.591" v="2133" actId="14100"/>
-        <pc:sldMkLst>
-          <pc:docMk/>
-          <pc:sldMk cId="1105327036" sldId="317"/>
-        </pc:sldMkLst>
-      </pc:sldChg>
-      <pc:sldChg chg="del">
-        <pc:chgData name="Long B Nguyen" userId="f59fb8f3-a021-417a-8bc1-65c8d471c621" providerId="ADAL" clId="{7E551B6C-1E81-B548-A72C-C51786C7D0CC}" dt="2021-06-10T17:02:53.738" v="1103" actId="2696"/>
-        <pc:sldMkLst>
-          <pc:docMk/>
-          <pc:sldMk cId="2886319738" sldId="317"/>
-        </pc:sldMkLst>
-      </pc:sldChg>
-      <pc:sldChg chg="modSp add mod">
-        <pc:chgData name="Long B Nguyen" userId="f59fb8f3-a021-417a-8bc1-65c8d471c621" providerId="ADAL" clId="{7E551B6C-1E81-B548-A72C-C51786C7D0CC}" dt="2021-06-11T12:19:10.483" v="2165" actId="14100"/>
-        <pc:sldMkLst>
-          <pc:docMk/>
-          <pc:sldMk cId="1694859685" sldId="319"/>
-        </pc:sldMkLst>
-      </pc:sldChg>
-      <pc:sldChg chg="del">
-        <pc:chgData name="Long B Nguyen" userId="f59fb8f3-a021-417a-8bc1-65c8d471c621" providerId="ADAL" clId="{7E551B6C-1E81-B548-A72C-C51786C7D0CC}" dt="2021-06-10T17:02:53.844" v="1108" actId="2696"/>
-        <pc:sldMkLst>
-          <pc:docMk/>
-          <pc:sldMk cId="3906700287" sldId="319"/>
-        </pc:sldMkLst>
-      </pc:sldChg>
-      <pc:sldChg chg="del">
-        <pc:chgData name="Long B Nguyen" userId="f59fb8f3-a021-417a-8bc1-65c8d471c621" providerId="ADAL" clId="{7E551B6C-1E81-B548-A72C-C51786C7D0CC}" dt="2021-06-10T17:02:53.989" v="1110" actId="2696"/>
-        <pc:sldMkLst>
-          <pc:docMk/>
-          <pc:sldMk cId="1810541734" sldId="320"/>
-        </pc:sldMkLst>
-      </pc:sldChg>
-      <pc:sldChg chg="modSp add mod">
-        <pc:chgData name="Long B Nguyen" userId="f59fb8f3-a021-417a-8bc1-65c8d471c621" providerId="ADAL" clId="{7E551B6C-1E81-B548-A72C-C51786C7D0CC}" dt="2021-06-11T12:19:53.077" v="2177" actId="20577"/>
-        <pc:sldMkLst>
-          <pc:docMk/>
-          <pc:sldMk cId="3981954340" sldId="320"/>
-        </pc:sldMkLst>
-      </pc:sldChg>
-      <pc:sldChg chg="del">
-        <pc:chgData name="Long B Nguyen" userId="f59fb8f3-a021-417a-8bc1-65c8d471c621" providerId="ADAL" clId="{7E551B6C-1E81-B548-A72C-C51786C7D0CC}" dt="2021-06-10T17:02:54.010" v="1111" actId="2696"/>
-        <pc:sldMkLst>
-          <pc:docMk/>
-          <pc:sldMk cId="1359731776" sldId="321"/>
-        </pc:sldMkLst>
-      </pc:sldChg>
-      <pc:sldChg chg="add">
-        <pc:chgData name="Long B Nguyen" userId="f59fb8f3-a021-417a-8bc1-65c8d471c621" providerId="ADAL" clId="{7E551B6C-1E81-B548-A72C-C51786C7D0CC}" dt="2021-06-10T17:03:02.443" v="1115"/>
-        <pc:sldMkLst>
-          <pc:docMk/>
-          <pc:sldMk cId="3869412028" sldId="321"/>
-        </pc:sldMkLst>
-      </pc:sldChg>
-      <pc:sldChg chg="modSp add mod">
-        <pc:chgData name="Long B Nguyen" userId="f59fb8f3-a021-417a-8bc1-65c8d471c621" providerId="ADAL" clId="{7E551B6C-1E81-B548-A72C-C51786C7D0CC}" dt="2021-06-11T12:20:03.206" v="2179" actId="1076"/>
-        <pc:sldMkLst>
-          <pc:docMk/>
-          <pc:sldMk cId="545779161" sldId="322"/>
-        </pc:sldMkLst>
-      </pc:sldChg>
-      <pc:sldChg chg="del">
-        <pc:chgData name="Long B Nguyen" userId="f59fb8f3-a021-417a-8bc1-65c8d471c621" providerId="ADAL" clId="{7E551B6C-1E81-B548-A72C-C51786C7D0CC}" dt="2021-06-10T17:02:54.030" v="1112" actId="2696"/>
-        <pc:sldMkLst>
-          <pc:docMk/>
-          <pc:sldMk cId="3651577480" sldId="322"/>
-        </pc:sldMkLst>
-      </pc:sldChg>
-      <pc:sldChg chg="del">
-        <pc:chgData name="Long B Nguyen" userId="f59fb8f3-a021-417a-8bc1-65c8d471c621" providerId="ADAL" clId="{7E551B6C-1E81-B548-A72C-C51786C7D0CC}" dt="2021-06-10T17:02:53.968" v="1109" actId="2696"/>
-        <pc:sldMkLst>
-          <pc:docMk/>
-          <pc:sldMk cId="1496564367" sldId="323"/>
-        </pc:sldMkLst>
-      </pc:sldChg>
-      <pc:sldChg chg="modSp add mod modAnim">
-        <pc:chgData name="Long B Nguyen" userId="f59fb8f3-a021-417a-8bc1-65c8d471c621" providerId="ADAL" clId="{7E551B6C-1E81-B548-A72C-C51786C7D0CC}" dt="2021-06-11T12:19:28.750" v="2171" actId="20577"/>
-        <pc:sldMkLst>
-          <pc:docMk/>
-          <pc:sldMk cId="3176068915" sldId="323"/>
-        </pc:sldMkLst>
-      </pc:sldChg>
-      <pc:sldChg chg="del">
-        <pc:chgData name="Long B Nguyen" userId="f59fb8f3-a021-417a-8bc1-65c8d471c621" providerId="ADAL" clId="{7E551B6C-1E81-B548-A72C-C51786C7D0CC}" dt="2021-06-10T17:08:30.582" v="1370" actId="2696"/>
-        <pc:sldMkLst>
-          <pc:docMk/>
-          <pc:sldMk cId="1025355635" sldId="325"/>
-        </pc:sldMkLst>
-      </pc:sldChg>
-      <pc:sldChg chg="del">
-        <pc:chgData name="Long B Nguyen" userId="f59fb8f3-a021-417a-8bc1-65c8d471c621" providerId="ADAL" clId="{7E551B6C-1E81-B548-A72C-C51786C7D0CC}" dt="2021-06-10T17:09:10.358" v="1375" actId="2696"/>
-        <pc:sldMkLst>
-          <pc:docMk/>
-          <pc:sldMk cId="4174920299" sldId="327"/>
-        </pc:sldMkLst>
-      </pc:sldChg>
-      <pc:sldChg chg="modSp add mod modAnim">
-        <pc:chgData name="Long B Nguyen" userId="f59fb8f3-a021-417a-8bc1-65c8d471c621" providerId="ADAL" clId="{7E551B6C-1E81-B548-A72C-C51786C7D0CC}" dt="2021-06-10T17:16:12.092" v="1739" actId="20577"/>
-        <pc:sldMkLst>
-          <pc:docMk/>
-          <pc:sldMk cId="2087798247" sldId="328"/>
-        </pc:sldMkLst>
-      </pc:sldChg>
-      <pc:sldChg chg="del">
-        <pc:chgData name="Long B Nguyen" userId="f59fb8f3-a021-417a-8bc1-65c8d471c621" providerId="ADAL" clId="{7E551B6C-1E81-B548-A72C-C51786C7D0CC}" dt="2021-06-10T13:17:07.707" v="800" actId="2696"/>
-        <pc:sldMkLst>
-          <pc:docMk/>
-          <pc:sldMk cId="2756462650" sldId="328"/>
-        </pc:sldMkLst>
-      </pc:sldChg>
-      <pc:sldChg chg="modSp add mod">
-        <pc:chgData name="Long B Nguyen" userId="f59fb8f3-a021-417a-8bc1-65c8d471c621" providerId="ADAL" clId="{7E551B6C-1E81-B548-A72C-C51786C7D0CC}" dt="2021-06-10T13:19:20.801" v="904" actId="1037"/>
-        <pc:sldMkLst>
-          <pc:docMk/>
-          <pc:sldMk cId="1447299358" sldId="329"/>
-        </pc:sldMkLst>
-      </pc:sldChg>
-      <pc:sldChg chg="del">
-        <pc:chgData name="Long B Nguyen" userId="f59fb8f3-a021-417a-8bc1-65c8d471c621" providerId="ADAL" clId="{7E551B6C-1E81-B548-A72C-C51786C7D0CC}" dt="2021-06-10T13:17:07.730" v="801" actId="2696"/>
-        <pc:sldMkLst>
-          <pc:docMk/>
-          <pc:sldMk cId="3080714931" sldId="329"/>
-        </pc:sldMkLst>
-      </pc:sldChg>
-      <pc:sldChg chg="del">
-        <pc:chgData name="Long B Nguyen" userId="f59fb8f3-a021-417a-8bc1-65c8d471c621" providerId="ADAL" clId="{7E551B6C-1E81-B548-A72C-C51786C7D0CC}" dt="2021-06-10T13:17:07.749" v="802" actId="2696"/>
-        <pc:sldMkLst>
-          <pc:docMk/>
-          <pc:sldMk cId="532184546" sldId="330"/>
-        </pc:sldMkLst>
-      </pc:sldChg>
-      <pc:sldChg chg="addSp modSp add del mod modAnim">
-        <pc:chgData name="Long B Nguyen" userId="f59fb8f3-a021-417a-8bc1-65c8d471c621" providerId="ADAL" clId="{7E551B6C-1E81-B548-A72C-C51786C7D0CC}" dt="2021-06-10T17:16:18.171" v="1740" actId="2696"/>
-        <pc:sldMkLst>
-          <pc:docMk/>
-          <pc:sldMk cId="3718226292" sldId="330"/>
-        </pc:sldMkLst>
-      </pc:sldChg>
-      <pc:sldChg chg="del">
-        <pc:chgData name="Long B Nguyen" userId="f59fb8f3-a021-417a-8bc1-65c8d471c621" providerId="ADAL" clId="{7E551B6C-1E81-B548-A72C-C51786C7D0CC}" dt="2021-06-10T13:17:07.770" v="803" actId="2696"/>
-        <pc:sldMkLst>
-          <pc:docMk/>
-          <pc:sldMk cId="3264629021" sldId="331"/>
-        </pc:sldMkLst>
-      </pc:sldChg>
-      <pc:sldChg chg="add del">
-        <pc:chgData name="Long B Nguyen" userId="f59fb8f3-a021-417a-8bc1-65c8d471c621" providerId="ADAL" clId="{7E551B6C-1E81-B548-A72C-C51786C7D0CC}" dt="2021-06-10T13:27:39.961" v="1055" actId="2696"/>
-        <pc:sldMkLst>
-          <pc:docMk/>
-          <pc:sldMk cId="4230691944" sldId="331"/>
-        </pc:sldMkLst>
-      </pc:sldChg>
-      <pc:sldChg chg="add del">
-        <pc:chgData name="Long B Nguyen" userId="f59fb8f3-a021-417a-8bc1-65c8d471c621" providerId="ADAL" clId="{7E551B6C-1E81-B548-A72C-C51786C7D0CC}" dt="2021-06-10T13:29:43.721" v="1097" actId="2696"/>
-        <pc:sldMkLst>
-          <pc:docMk/>
-          <pc:sldMk cId="2803662005" sldId="332"/>
-        </pc:sldMkLst>
-      </pc:sldChg>
-      <pc:sldChg chg="del">
-        <pc:chgData name="Long B Nguyen" userId="f59fb8f3-a021-417a-8bc1-65c8d471c621" providerId="ADAL" clId="{7E551B6C-1E81-B548-A72C-C51786C7D0CC}" dt="2021-06-10T13:17:07.831" v="806" actId="2696"/>
-        <pc:sldMkLst>
-          <pc:docMk/>
-          <pc:sldMk cId="4022722016" sldId="332"/>
-        </pc:sldMkLst>
-      </pc:sldChg>
-      <pc:sldChg chg="add del">
-        <pc:chgData name="Long B Nguyen" userId="f59fb8f3-a021-417a-8bc1-65c8d471c621" providerId="ADAL" clId="{7E551B6C-1E81-B548-A72C-C51786C7D0CC}" dt="2021-06-10T13:29:45.834" v="1098" actId="2696"/>
-        <pc:sldMkLst>
-          <pc:docMk/>
-          <pc:sldMk cId="1285018403" sldId="333"/>
-        </pc:sldMkLst>
-      </pc:sldChg>
-      <pc:sldChg chg="del">
-        <pc:chgData name="Long B Nguyen" userId="f59fb8f3-a021-417a-8bc1-65c8d471c621" providerId="ADAL" clId="{7E551B6C-1E81-B548-A72C-C51786C7D0CC}" dt="2021-06-10T13:17:07.851" v="807" actId="2696"/>
-        <pc:sldMkLst>
-          <pc:docMk/>
-          <pc:sldMk cId="1710208723" sldId="333"/>
-        </pc:sldMkLst>
-      </pc:sldChg>
-      <pc:sldChg chg="modSp add del mod">
-        <pc:chgData name="Long B Nguyen" userId="f59fb8f3-a021-417a-8bc1-65c8d471c621" providerId="ADAL" clId="{7E551B6C-1E81-B548-A72C-C51786C7D0CC}" dt="2021-06-10T17:03:59.471" v="1116" actId="2696"/>
-        <pc:sldMkLst>
-          <pc:docMk/>
-          <pc:sldMk cId="323835452" sldId="334"/>
-        </pc:sldMkLst>
-      </pc:sldChg>
-      <pc:sldChg chg="del">
-        <pc:chgData name="Long B Nguyen" userId="f59fb8f3-a021-417a-8bc1-65c8d471c621" providerId="ADAL" clId="{7E551B6C-1E81-B548-A72C-C51786C7D0CC}" dt="2021-06-10T13:17:07.813" v="805" actId="2696"/>
-        <pc:sldMkLst>
-          <pc:docMk/>
-          <pc:sldMk cId="3404583044" sldId="334"/>
-        </pc:sldMkLst>
-      </pc:sldChg>
-      <pc:sldChg chg="modSp add del mod modAnim">
-        <pc:chgData name="Long B Nguyen" userId="f59fb8f3-a021-417a-8bc1-65c8d471c621" providerId="ADAL" clId="{7E551B6C-1E81-B548-A72C-C51786C7D0CC}" dt="2021-06-10T17:16:19.100" v="1741" actId="2696"/>
-        <pc:sldMkLst>
-          <pc:docMk/>
-          <pc:sldMk cId="1198473218" sldId="335"/>
-        </pc:sldMkLst>
-      </pc:sldChg>
-      <pc:sldChg chg="del">
-        <pc:chgData name="Long B Nguyen" userId="f59fb8f3-a021-417a-8bc1-65c8d471c621" providerId="ADAL" clId="{7E551B6C-1E81-B548-A72C-C51786C7D0CC}" dt="2021-06-10T13:17:07.871" v="808" actId="2696"/>
-        <pc:sldMkLst>
-          <pc:docMk/>
-          <pc:sldMk cId="3866550465" sldId="335"/>
-        </pc:sldMkLst>
-      </pc:sldChg>
-      <pc:sldChg chg="modSp add del mod">
-        <pc:chgData name="Long B Nguyen" userId="f59fb8f3-a021-417a-8bc1-65c8d471c621" providerId="ADAL" clId="{7E551B6C-1E81-B548-A72C-C51786C7D0CC}" dt="2021-06-10T17:05:52.176" v="1254" actId="2696"/>
-        <pc:sldMkLst>
-          <pc:docMk/>
-          <pc:sldMk cId="2376304450" sldId="336"/>
-        </pc:sldMkLst>
-      </pc:sldChg>
-      <pc:sldChg chg="del">
-        <pc:chgData name="Long B Nguyen" userId="f59fb8f3-a021-417a-8bc1-65c8d471c621" providerId="ADAL" clId="{7E551B6C-1E81-B548-A72C-C51786C7D0CC}" dt="2021-06-10T13:17:07.893" v="809" actId="2696"/>
-        <pc:sldMkLst>
-          <pc:docMk/>
-          <pc:sldMk cId="3749436800" sldId="336"/>
-        </pc:sldMkLst>
-      </pc:sldChg>
-      <pc:sldChg chg="del">
-        <pc:chgData name="Long B Nguyen" userId="f59fb8f3-a021-417a-8bc1-65c8d471c621" providerId="ADAL" clId="{7E551B6C-1E81-B548-A72C-C51786C7D0CC}" dt="2021-06-10T13:17:07.914" v="810" actId="2696"/>
-        <pc:sldMkLst>
-          <pc:docMk/>
-          <pc:sldMk cId="461704868" sldId="337"/>
-        </pc:sldMkLst>
-      </pc:sldChg>
-      <pc:sldChg chg="modSp add del mod modAnim">
-        <pc:chgData name="Long B Nguyen" userId="f59fb8f3-a021-417a-8bc1-65c8d471c621" providerId="ADAL" clId="{7E551B6C-1E81-B548-A72C-C51786C7D0CC}" dt="2021-06-10T17:16:19.844" v="1742" actId="2696"/>
-        <pc:sldMkLst>
-          <pc:docMk/>
-          <pc:sldMk cId="2550687832" sldId="337"/>
-        </pc:sldMkLst>
-      </pc:sldChg>
-      <pc:sldChg chg="del">
-        <pc:chgData name="Long B Nguyen" userId="f59fb8f3-a021-417a-8bc1-65c8d471c621" providerId="ADAL" clId="{7E551B6C-1E81-B548-A72C-C51786C7D0CC}" dt="2021-06-10T13:17:07.933" v="811" actId="2696"/>
-        <pc:sldMkLst>
-          <pc:docMk/>
-          <pc:sldMk cId="545386500" sldId="338"/>
-        </pc:sldMkLst>
-      </pc:sldChg>
-      <pc:sldChg chg="add del">
-        <pc:chgData name="Long B Nguyen" userId="f59fb8f3-a021-417a-8bc1-65c8d471c621" providerId="ADAL" clId="{7E551B6C-1E81-B548-A72C-C51786C7D0CC}" dt="2021-06-10T17:16:20.569" v="1743" actId="2696"/>
-        <pc:sldMkLst>
-          <pc:docMk/>
-          <pc:sldMk cId="4192049539" sldId="338"/>
-        </pc:sldMkLst>
-      </pc:sldChg>
-      <pc:sldChg chg="del">
-        <pc:chgData name="Long B Nguyen" userId="f59fb8f3-a021-417a-8bc1-65c8d471c621" providerId="ADAL" clId="{7E551B6C-1E81-B548-A72C-C51786C7D0CC}" dt="2021-06-10T13:17:07.975" v="813" actId="2696"/>
-        <pc:sldMkLst>
-          <pc:docMk/>
-          <pc:sldMk cId="1791361008" sldId="339"/>
-        </pc:sldMkLst>
-      </pc:sldChg>
-      <pc:sldChg chg="add del">
-        <pc:chgData name="Long B Nguyen" userId="f59fb8f3-a021-417a-8bc1-65c8d471c621" providerId="ADAL" clId="{7E551B6C-1E81-B548-A72C-C51786C7D0CC}" dt="2021-06-10T17:06:33.035" v="1262" actId="2696"/>
-        <pc:sldMkLst>
-          <pc:docMk/>
-          <pc:sldMk cId="2215557265" sldId="339"/>
-        </pc:sldMkLst>
-      </pc:sldChg>
-      <pc:sldChg chg="del">
-        <pc:chgData name="Long B Nguyen" userId="f59fb8f3-a021-417a-8bc1-65c8d471c621" providerId="ADAL" clId="{7E551B6C-1E81-B548-A72C-C51786C7D0CC}" dt="2021-06-10T13:17:07.954" v="812" actId="2696"/>
-        <pc:sldMkLst>
-          <pc:docMk/>
-          <pc:sldMk cId="678299524" sldId="340"/>
-        </pc:sldMkLst>
-      </pc:sldChg>
-      <pc:sldChg chg="add del">
-        <pc:chgData name="Long B Nguyen" userId="f59fb8f3-a021-417a-8bc1-65c8d471c621" providerId="ADAL" clId="{7E551B6C-1E81-B548-A72C-C51786C7D0CC}" dt="2021-06-10T17:06:31.687" v="1261" actId="2696"/>
-        <pc:sldMkLst>
-          <pc:docMk/>
-          <pc:sldMk cId="3245902555" sldId="340"/>
-        </pc:sldMkLst>
-      </pc:sldChg>
-      <pc:sldChg chg="del">
-        <pc:chgData name="Long B Nguyen" userId="f59fb8f3-a021-417a-8bc1-65c8d471c621" providerId="ADAL" clId="{7E551B6C-1E81-B548-A72C-C51786C7D0CC}" dt="2021-06-10T13:17:08.002" v="814" actId="2696"/>
-        <pc:sldMkLst>
-          <pc:docMk/>
-          <pc:sldMk cId="225127645" sldId="341"/>
-        </pc:sldMkLst>
-      </pc:sldChg>
-      <pc:sldChg chg="modSp add del mod">
-        <pc:chgData name="Long B Nguyen" userId="f59fb8f3-a021-417a-8bc1-65c8d471c621" providerId="ADAL" clId="{7E551B6C-1E81-B548-A72C-C51786C7D0CC}" dt="2021-06-10T17:07:49.800" v="1368" actId="2696"/>
-        <pc:sldMkLst>
-          <pc:docMk/>
-          <pc:sldMk cId="3326640392" sldId="341"/>
-        </pc:sldMkLst>
-      </pc:sldChg>
-      <pc:sldChg chg="modSp add mod">
-        <pc:chgData name="Long B Nguyen" userId="f59fb8f3-a021-417a-8bc1-65c8d471c621" providerId="ADAL" clId="{7E551B6C-1E81-B548-A72C-C51786C7D0CC}" dt="2021-06-11T12:21:04.695" v="2199" actId="1076"/>
-        <pc:sldMkLst>
-          <pc:docMk/>
-          <pc:sldMk cId="1830555247" sldId="342"/>
-        </pc:sldMkLst>
-      </pc:sldChg>
-      <pc:sldChg chg="del">
-        <pc:chgData name="Long B Nguyen" userId="f59fb8f3-a021-417a-8bc1-65c8d471c621" providerId="ADAL" clId="{7E551B6C-1E81-B548-A72C-C51786C7D0CC}" dt="2021-06-10T17:02:54.078" v="1114" actId="2696"/>
-        <pc:sldMkLst>
-          <pc:docMk/>
-          <pc:sldMk cId="2214326257" sldId="342"/>
-        </pc:sldMkLst>
-      </pc:sldChg>
-      <pc:sldChg chg="del">
-        <pc:chgData name="Long B Nguyen" userId="f59fb8f3-a021-417a-8bc1-65c8d471c621" providerId="ADAL" clId="{7E551B6C-1E81-B548-A72C-C51786C7D0CC}" dt="2021-06-10T17:02:54.055" v="1113" actId="2696"/>
-        <pc:sldMkLst>
-          <pc:docMk/>
-          <pc:sldMk cId="1356056044" sldId="343"/>
-        </pc:sldMkLst>
-      </pc:sldChg>
-      <pc:sldChg chg="modSp add mod">
-        <pc:chgData name="Long B Nguyen" userId="f59fb8f3-a021-417a-8bc1-65c8d471c621" providerId="ADAL" clId="{7E551B6C-1E81-B548-A72C-C51786C7D0CC}" dt="2021-06-11T12:20:13.671" v="2183" actId="14100"/>
-        <pc:sldMkLst>
-          <pc:docMk/>
-          <pc:sldMk cId="2861772922" sldId="343"/>
-        </pc:sldMkLst>
-      </pc:sldChg>
-      <pc:sldChg chg="modSp mod">
-        <pc:chgData name="Long B Nguyen" userId="f59fb8f3-a021-417a-8bc1-65c8d471c621" providerId="ADAL" clId="{7E551B6C-1E81-B548-A72C-C51786C7D0CC}" dt="2021-06-11T15:53:57.641" v="3218" actId="20577"/>
-        <pc:sldMkLst>
-          <pc:docMk/>
-          <pc:sldMk cId="1270247652" sldId="344"/>
-        </pc:sldMkLst>
-      </pc:sldChg>
-      <pc:sldChg chg="del">
-        <pc:chgData name="Long B Nguyen" userId="f59fb8f3-a021-417a-8bc1-65c8d471c621" providerId="ADAL" clId="{7E551B6C-1E81-B548-A72C-C51786C7D0CC}" dt="2021-06-10T17:02:53.825" v="1107" actId="2696"/>
-        <pc:sldMkLst>
-          <pc:docMk/>
-          <pc:sldMk cId="902308803" sldId="345"/>
-        </pc:sldMkLst>
-      </pc:sldChg>
-      <pc:sldChg chg="modSp add mod">
-        <pc:chgData name="Long B Nguyen" userId="f59fb8f3-a021-417a-8bc1-65c8d471c621" providerId="ADAL" clId="{7E551B6C-1E81-B548-A72C-C51786C7D0CC}" dt="2021-06-11T12:18:57.762" v="2161" actId="1036"/>
-        <pc:sldMkLst>
-          <pc:docMk/>
-          <pc:sldMk cId="2130219534" sldId="345"/>
-        </pc:sldMkLst>
-      </pc:sldChg>
-      <pc:sldChg chg="add del">
-        <pc:chgData name="Long B Nguyen" userId="f59fb8f3-a021-417a-8bc1-65c8d471c621" providerId="ADAL" clId="{7E551B6C-1E81-B548-A72C-C51786C7D0CC}" dt="2021-06-10T13:28:50.891" v="1091" actId="2696"/>
-        <pc:sldMkLst>
-          <pc:docMk/>
-          <pc:sldMk cId="1198027455" sldId="346"/>
-        </pc:sldMkLst>
-      </pc:sldChg>
-      <pc:sldChg chg="del">
-        <pc:chgData name="Long B Nguyen" userId="f59fb8f3-a021-417a-8bc1-65c8d471c621" providerId="ADAL" clId="{7E551B6C-1E81-B548-A72C-C51786C7D0CC}" dt="2021-06-10T13:17:07.792" v="804" actId="2696"/>
-        <pc:sldMkLst>
-          <pc:docMk/>
-          <pc:sldMk cId="2271372051" sldId="346"/>
-        </pc:sldMkLst>
-      </pc:sldChg>
-      <pc:sldChg chg="modSp add mod">
-        <pc:chgData name="Long B Nguyen" userId="f59fb8f3-a021-417a-8bc1-65c8d471c621" providerId="ADAL" clId="{7E551B6C-1E81-B548-A72C-C51786C7D0CC}" dt="2021-06-11T12:17:58.259" v="2135" actId="1076"/>
-        <pc:sldMkLst>
-          <pc:docMk/>
-          <pc:sldMk cId="2921473555" sldId="348"/>
-        </pc:sldMkLst>
-      </pc:sldChg>
-      <pc:sldChg chg="del">
-        <pc:chgData name="Long B Nguyen" userId="f59fb8f3-a021-417a-8bc1-65c8d471c621" providerId="ADAL" clId="{7E551B6C-1E81-B548-A72C-C51786C7D0CC}" dt="2021-06-10T17:02:53.758" v="1104" actId="2696"/>
-        <pc:sldMkLst>
-          <pc:docMk/>
-          <pc:sldMk cId="3512088914" sldId="348"/>
-        </pc:sldMkLst>
-      </pc:sldChg>
-      <pc:sldChg chg="modSp mod">
-        <pc:chgData name="Long B Nguyen" userId="f59fb8f3-a021-417a-8bc1-65c8d471c621" providerId="ADAL" clId="{7E551B6C-1E81-B548-A72C-C51786C7D0CC}" dt="2021-06-14T17:19:50.006" v="4358" actId="1076"/>
-        <pc:sldMkLst>
-          <pc:docMk/>
-          <pc:sldMk cId="1685712336" sldId="349"/>
-        </pc:sldMkLst>
-      </pc:sldChg>
-      <pc:sldChg chg="modSp add">
-        <pc:chgData name="Long B Nguyen" userId="f59fb8f3-a021-417a-8bc1-65c8d471c621" providerId="ADAL" clId="{7E551B6C-1E81-B548-A72C-C51786C7D0CC}" dt="2021-06-11T12:01:35.808" v="1748" actId="20577"/>
-        <pc:sldMkLst>
-          <pc:docMk/>
-          <pc:sldMk cId="1173183267" sldId="350"/>
-        </pc:sldMkLst>
-      </pc:sldChg>
-      <pc:sldChg chg="modSp add del mod modAnim">
-        <pc:chgData name="Long B Nguyen" userId="f59fb8f3-a021-417a-8bc1-65c8d471c621" providerId="ADAL" clId="{7E551B6C-1E81-B548-A72C-C51786C7D0CC}" dt="2021-06-10T13:03:10.803" v="496" actId="2696"/>
-        <pc:sldMkLst>
-          <pc:docMk/>
-          <pc:sldMk cId="1718290988" sldId="350"/>
-        </pc:sldMkLst>
-      </pc:sldChg>
-      <pc:sldChg chg="modSp add mod modAnim">
-        <pc:chgData name="Long B Nguyen" userId="f59fb8f3-a021-417a-8bc1-65c8d471c621" providerId="ADAL" clId="{7E551B6C-1E81-B548-A72C-C51786C7D0CC}" dt="2021-06-11T12:21:24.691" v="2200" actId="1076"/>
-        <pc:sldMkLst>
-          <pc:docMk/>
-          <pc:sldMk cId="1166836157" sldId="351"/>
-        </pc:sldMkLst>
-      </pc:sldChg>
-      <pc:sldChg chg="modSp add del modAnim">
-        <pc:chgData name="Long B Nguyen" userId="f59fb8f3-a021-417a-8bc1-65c8d471c621" providerId="ADAL" clId="{7E551B6C-1E81-B548-A72C-C51786C7D0CC}" dt="2021-06-10T13:08:38.854" v="566" actId="2696"/>
-        <pc:sldMkLst>
-          <pc:docMk/>
-          <pc:sldMk cId="486956964" sldId="352"/>
-        </pc:sldMkLst>
-      </pc:sldChg>
-      <pc:sldChg chg="delSp modSp add mod modAnim">
-        <pc:chgData name="Long B Nguyen" userId="f59fb8f3-a021-417a-8bc1-65c8d471c621" providerId="ADAL" clId="{7E551B6C-1E81-B548-A72C-C51786C7D0CC}" dt="2021-06-11T17:27:42.670" v="4039" actId="20577"/>
-        <pc:sldMkLst>
-          <pc:docMk/>
-          <pc:sldMk cId="630408664" sldId="598"/>
-        </pc:sldMkLst>
-      </pc:sldChg>
-      <pc:sldChg chg="add del">
-        <pc:chgData name="Long B Nguyen" userId="f59fb8f3-a021-417a-8bc1-65c8d471c621" providerId="ADAL" clId="{7E551B6C-1E81-B548-A72C-C51786C7D0CC}" dt="2021-06-11T17:22:36.725" v="3805" actId="2696"/>
-        <pc:sldMkLst>
-          <pc:docMk/>
-          <pc:sldMk cId="1612732867" sldId="598"/>
-        </pc:sldMkLst>
-      </pc:sldChg>
-      <pc:sldChg chg="add del">
-        <pc:chgData name="Long B Nguyen" userId="f59fb8f3-a021-417a-8bc1-65c8d471c621" providerId="ADAL" clId="{7E551B6C-1E81-B548-A72C-C51786C7D0CC}" dt="2021-06-11T17:30:54.363" v="4152" actId="2696"/>
-        <pc:sldMkLst>
-          <pc:docMk/>
-          <pc:sldMk cId="1257292635" sldId="599"/>
-        </pc:sldMkLst>
-      </pc:sldChg>
-      <pc:sldChg chg="addSp modSp add mod modAnim">
-        <pc:chgData name="Long B Nguyen" userId="f59fb8f3-a021-417a-8bc1-65c8d471c621" providerId="ADAL" clId="{7E551B6C-1E81-B548-A72C-C51786C7D0CC}" dt="2021-06-11T12:02:43.847" v="1765" actId="207"/>
-        <pc:sldMkLst>
-          <pc:docMk/>
-          <pc:sldMk cId="890660370" sldId="626"/>
-        </pc:sldMkLst>
-      </pc:sldChg>
-      <pc:sldChg chg="modSp add mod">
-        <pc:chgData name="Long B Nguyen" userId="f59fb8f3-a021-417a-8bc1-65c8d471c621" providerId="ADAL" clId="{7E551B6C-1E81-B548-A72C-C51786C7D0CC}" dt="2021-06-10T17:01:49.146" v="1101" actId="20577"/>
-        <pc:sldMkLst>
-          <pc:docMk/>
-          <pc:sldMk cId="3969006746" sldId="627"/>
-        </pc:sldMkLst>
-      </pc:sldChg>
-      <pc:sldChg chg="modSp add mod modAnim">
-        <pc:chgData name="Long B Nguyen" userId="f59fb8f3-a021-417a-8bc1-65c8d471c621" providerId="ADAL" clId="{7E551B6C-1E81-B548-A72C-C51786C7D0CC}" dt="2021-06-11T16:15:09.711" v="3219" actId="20577"/>
-        <pc:sldMkLst>
-          <pc:docMk/>
-          <pc:sldMk cId="781734240" sldId="628"/>
-        </pc:sldMkLst>
-      </pc:sldChg>
-      <pc:sldChg chg="addSp modSp add mod modAnim">
-        <pc:chgData name="Long B Nguyen" userId="f59fb8f3-a021-417a-8bc1-65c8d471c621" providerId="ADAL" clId="{7E551B6C-1E81-B548-A72C-C51786C7D0CC}" dt="2021-06-14T17:29:13.636" v="4362" actId="20577"/>
-        <pc:sldMkLst>
-          <pc:docMk/>
-          <pc:sldMk cId="4189100123" sldId="629"/>
-        </pc:sldMkLst>
-      </pc:sldChg>
-      <pc:sldChg chg="modSp add mod">
-        <pc:chgData name="Long B Nguyen" userId="f59fb8f3-a021-417a-8bc1-65c8d471c621" providerId="ADAL" clId="{7E551B6C-1E81-B548-A72C-C51786C7D0CC}" dt="2021-06-11T17:21:15.863" v="3803" actId="20577"/>
-        <pc:sldMkLst>
-          <pc:docMk/>
-          <pc:sldMk cId="3668115397" sldId="643"/>
-        </pc:sldMkLst>
-      </pc:sldChg>
-      <pc:sldChg chg="delSp modSp add mod">
-        <pc:chgData name="Long B Nguyen" userId="f59fb8f3-a021-417a-8bc1-65c8d471c621" providerId="ADAL" clId="{7E551B6C-1E81-B548-A72C-C51786C7D0CC}" dt="2021-06-11T16:51:13.848" v="3411" actId="20577"/>
-        <pc:sldMkLst>
-          <pc:docMk/>
-          <pc:sldMk cId="3323891907" sldId="647"/>
-        </pc:sldMkLst>
-      </pc:sldChg>
-      <pc:sldChg chg="modSp add mod">
-        <pc:chgData name="Long B Nguyen" userId="f59fb8f3-a021-417a-8bc1-65c8d471c621" providerId="ADAL" clId="{7E551B6C-1E81-B548-A72C-C51786C7D0CC}" dt="2021-06-11T17:18:06.386" v="3802" actId="20577"/>
-        <pc:sldMkLst>
-          <pc:docMk/>
-          <pc:sldMk cId="2605170431" sldId="648"/>
-        </pc:sldMkLst>
-      </pc:sldChg>
-      <pc:sldChg chg="addSp modSp add modAnim">
-        <pc:chgData name="Long B Nguyen" userId="f59fb8f3-a021-417a-8bc1-65c8d471c621" providerId="ADAL" clId="{7E551B6C-1E81-B548-A72C-C51786C7D0CC}" dt="2021-06-11T17:34:26.776" v="4329" actId="1036"/>
-        <pc:sldMkLst>
-          <pc:docMk/>
-          <pc:sldMk cId="1498021361" sldId="649"/>
         </pc:sldMkLst>
       </pc:sldChg>
     </pc:docChg>
@@ -2443,7 +250,7 @@
           <a:p>
             <a:fld id="{11759725-BFEE-644C-A872-B7D4268C5620}" type="datetimeFigureOut">
               <a:rPr lang="en-US" smtClean="0"/>
-              <a:t>11/17/24</a:t>
+              <a:t>2/5/26</a:t>
             </a:fld>
             <a:endParaRPr lang="en-US"/>
           </a:p>
@@ -3417,7 +1224,7 @@
           <a:p>
             <a:fld id="{0B23619B-719A-5549-9239-F6FF1BD2846D}" type="datetime1">
               <a:rPr lang="en-US" smtClean="0"/>
-              <a:t>11/17/24</a:t>
+              <a:t>2/5/26</a:t>
             </a:fld>
             <a:endParaRPr lang="en-US" dirty="0"/>
           </a:p>
@@ -3587,7 +1394,7 @@
           <a:p>
             <a:fld id="{839469B0-555B-D345-BF9F-2FB120243016}" type="datetime1">
               <a:rPr lang="en-US" smtClean="0"/>
-              <a:t>11/17/24</a:t>
+              <a:t>2/5/26</a:t>
             </a:fld>
             <a:endParaRPr lang="en-US" dirty="0"/>
           </a:p>
@@ -3767,7 +1574,7 @@
           <a:p>
             <a:fld id="{036B20A9-234F-5A47-9885-F549043114F6}" type="datetime1">
               <a:rPr lang="en-US" smtClean="0"/>
-              <a:t>11/17/24</a:t>
+              <a:t>2/5/26</a:t>
             </a:fld>
             <a:endParaRPr lang="en-US" dirty="0"/>
           </a:p>
@@ -3937,7 +1744,7 @@
           <a:p>
             <a:fld id="{58C5CB90-DEDB-994B-84BC-9FDB717C5CBD}" type="datetime1">
               <a:rPr lang="en-US" smtClean="0"/>
-              <a:t>11/17/24</a:t>
+              <a:t>2/5/26</a:t>
             </a:fld>
             <a:endParaRPr lang="en-US" dirty="0"/>
           </a:p>
@@ -4183,7 +1990,7 @@
           <a:p>
             <a:fld id="{5BF75833-FF0C-6644-AC7B-34B254D0A954}" type="datetime1">
               <a:rPr lang="en-US" smtClean="0"/>
-              <a:t>11/17/24</a:t>
+              <a:t>2/5/26</a:t>
             </a:fld>
             <a:endParaRPr lang="en-US" dirty="0"/>
           </a:p>
@@ -4415,7 +2222,7 @@
           <a:p>
             <a:fld id="{BADCE700-E6AE-524E-BEEB-46A7E76E8986}" type="datetime1">
               <a:rPr lang="en-US" smtClean="0"/>
-              <a:t>11/17/24</a:t>
+              <a:t>2/5/26</a:t>
             </a:fld>
             <a:endParaRPr lang="en-US" dirty="0"/>
           </a:p>
@@ -4782,7 +2589,7 @@
           <a:p>
             <a:fld id="{D930EA8A-B19A-644A-B658-96DEEEE04EF1}" type="datetime1">
               <a:rPr lang="en-US" smtClean="0"/>
-              <a:t>11/17/24</a:t>
+              <a:t>2/5/26</a:t>
             </a:fld>
             <a:endParaRPr lang="en-US" dirty="0"/>
           </a:p>
@@ -4900,7 +2707,7 @@
           <a:p>
             <a:fld id="{C24E8E52-1C5D-7D47-B85E-8BFF5979B0CB}" type="datetime1">
               <a:rPr lang="en-US" smtClean="0"/>
-              <a:t>11/17/24</a:t>
+              <a:t>2/5/26</a:t>
             </a:fld>
             <a:endParaRPr lang="en-US" dirty="0"/>
           </a:p>
@@ -4995,7 +2802,7 @@
           <a:p>
             <a:fld id="{9B611565-A0EF-0543-9120-E8D7910551BC}" type="datetime1">
               <a:rPr lang="en-US" smtClean="0"/>
-              <a:t>11/17/24</a:t>
+              <a:t>2/5/26</a:t>
             </a:fld>
             <a:endParaRPr lang="en-US" dirty="0"/>
           </a:p>
@@ -5272,7 +3079,7 @@
           <a:p>
             <a:fld id="{C359E2FF-3518-C44C-BE92-D041C193D2F8}" type="datetime1">
               <a:rPr lang="en-US" smtClean="0"/>
-              <a:t>11/17/24</a:t>
+              <a:t>2/5/26</a:t>
             </a:fld>
             <a:endParaRPr lang="en-US" dirty="0"/>
           </a:p>
@@ -5529,7 +3336,7 @@
           <a:p>
             <a:fld id="{C9884FF3-7B81-634E-9C77-D2386ED448CF}" type="datetime1">
               <a:rPr lang="en-US" smtClean="0"/>
-              <a:t>11/17/24</a:t>
+              <a:t>2/5/26</a:t>
             </a:fld>
             <a:endParaRPr lang="en-US" dirty="0"/>
           </a:p>
@@ -5742,7 +3549,7 @@
           <a:p>
             <a:fld id="{8F612B6D-4BD4-3345-A8C8-BA2EEC41AF3A}" type="datetime1">
               <a:rPr lang="en-US" smtClean="0"/>
-              <a:t>11/17/24</a:t>
+              <a:t>2/5/26</a:t>
             </a:fld>
             <a:endParaRPr lang="en-US" dirty="0"/>
           </a:p>
@@ -6728,8 +4535,8 @@
           </a:p>
         </p:txBody>
       </p:sp>
-      <mc:AlternateContent xmlns:mc="http://schemas.openxmlformats.org/markup-compatibility/2006">
-        <mc:Choice xmlns:a14="http://schemas.microsoft.com/office/drawing/2010/main" Requires="a14">
+      <mc:AlternateContent xmlns:mc="http://schemas.openxmlformats.org/markup-compatibility/2006" xmlns:a14="http://schemas.microsoft.com/office/drawing/2010/main">
+        <mc:Choice Requires="a14">
           <p:sp>
             <p:nvSpPr>
               <p:cNvPr id="26626" name="Content Placeholder 2">
@@ -6934,7 +4741,7 @@
             </p:txBody>
           </p:sp>
         </mc:Choice>
-        <mc:Fallback>
+        <mc:Fallback xmlns="">
           <p:sp>
             <p:nvSpPr>
               <p:cNvPr id="26626" name="Content Placeholder 2">
@@ -7508,305 +5315,6 @@
   <p:cSld>
     <p:spTree>
       <p:nvGrpSpPr>
-        <p:cNvPr id="1" name="">
-          <a:extLst>
-            <a:ext uri="{FF2B5EF4-FFF2-40B4-BE49-F238E27FC236}">
-              <a16:creationId xmlns:a16="http://schemas.microsoft.com/office/drawing/2014/main" id="{4CB2E729-BBE7-1CDD-9EB3-DEC1839A8ABB}"/>
-            </a:ext>
-          </a:extLst>
-        </p:cNvPr>
-        <p:cNvGrpSpPr/>
-        <p:nvPr/>
-      </p:nvGrpSpPr>
-      <p:grpSpPr>
-        <a:xfrm>
-          <a:off x="0" y="0"/>
-          <a:ext cx="0" cy="0"/>
-          <a:chOff x="0" y="0"/>
-          <a:chExt cx="0" cy="0"/>
-        </a:xfrm>
-      </p:grpSpPr>
-      <p:sp>
-        <p:nvSpPr>
-          <p:cNvPr id="26625" name="Title 1">
-            <a:extLst>
-              <a:ext uri="{FF2B5EF4-FFF2-40B4-BE49-F238E27FC236}">
-                <a16:creationId xmlns:a16="http://schemas.microsoft.com/office/drawing/2014/main" id="{76FA05B1-8D75-69D6-5361-5FE9F89D6D72}"/>
-              </a:ext>
-            </a:extLst>
-          </p:cNvPr>
-          <p:cNvSpPr>
-            <a:spLocks noGrp="1" noChangeArrowheads="1"/>
-          </p:cNvSpPr>
-          <p:nvPr>
-            <p:ph type="title"/>
-          </p:nvPr>
-        </p:nvSpPr>
-        <p:spPr>
-          <a:xfrm>
-            <a:off x="115903" y="139126"/>
-            <a:ext cx="7886700" cy="856808"/>
-          </a:xfrm>
-        </p:spPr>
-        <p:txBody>
-          <a:bodyPr/>
-          <a:lstStyle/>
-          <a:p>
-            <a:pPr eaLnBrk="1" hangingPunct="1"/>
-            <a:r>
-              <a:rPr lang="en-US" altLang="en-US" dirty="0">
-                <a:ea typeface="ＭＳ Ｐゴシック" panose="020B0600070205080204" pitchFamily="34" charset="-128"/>
-              </a:rPr>
-              <a:t>Decimal to Binary(Method 2)</a:t>
-            </a:r>
-          </a:p>
-        </p:txBody>
-      </p:sp>
-      <p:sp>
-        <p:nvSpPr>
-          <p:cNvPr id="26626" name="Content Placeholder 2">
-            <a:extLst>
-              <a:ext uri="{FF2B5EF4-FFF2-40B4-BE49-F238E27FC236}">
-                <a16:creationId xmlns:a16="http://schemas.microsoft.com/office/drawing/2014/main" id="{7054DCD3-4753-73C3-6C3B-66EA2DA7B51B}"/>
-              </a:ext>
-            </a:extLst>
-          </p:cNvPr>
-          <p:cNvSpPr>
-            <a:spLocks noGrp="1" noChangeArrowheads="1"/>
-          </p:cNvSpPr>
-          <p:nvPr>
-            <p:ph idx="1"/>
-          </p:nvPr>
-        </p:nvSpPr>
-        <p:spPr>
-          <a:xfrm>
-            <a:off x="213645" y="905854"/>
-            <a:ext cx="8716710" cy="4412806"/>
-          </a:xfrm>
-        </p:spPr>
-        <p:txBody>
-          <a:bodyPr>
-            <a:normAutofit/>
-          </a:bodyPr>
-          <a:lstStyle/>
-          <a:p>
-            <a:pPr marL="0" indent="0">
-              <a:buNone/>
-            </a:pPr>
-            <a:r>
-              <a:rPr lang="en-US" altLang="en-US" sz="2000" dirty="0">
-                <a:ea typeface="ＭＳ Ｐゴシック" panose="020B0600070205080204" pitchFamily="34" charset="-128"/>
-              </a:rPr>
-              <a:t>This method provides a nice algorithm for converting from decimal to binary. You can use this method, for example, to write a function in Python to do the conversion. On tests and worksheets, I recommend using Method 1. </a:t>
-            </a:r>
-          </a:p>
-          <a:p>
-            <a:pPr marL="0" indent="0">
-              <a:buNone/>
-            </a:pPr>
-            <a:r>
-              <a:rPr lang="en-US" altLang="en-US" sz="2000" dirty="0">
-                <a:ea typeface="ＭＳ Ｐゴシック" panose="020B0600070205080204" pitchFamily="34" charset="-128"/>
-              </a:rPr>
-              <a:t>Repeatedly modulo 2 and the divide by 2. Stop at 0. The remainder list read top to bottom are the digits from left to right. </a:t>
-            </a:r>
-          </a:p>
-        </p:txBody>
-      </p:sp>
-      <p:pic>
-        <p:nvPicPr>
-          <p:cNvPr id="26627" name="Picture 4" descr="ten22">
-            <a:extLst>
-              <a:ext uri="{FF2B5EF4-FFF2-40B4-BE49-F238E27FC236}">
-                <a16:creationId xmlns:a16="http://schemas.microsoft.com/office/drawing/2014/main" id="{051B3B2A-D190-D1AB-20A7-40A5E2CB3248}"/>
-              </a:ext>
-            </a:extLst>
-          </p:cNvPr>
-          <p:cNvPicPr>
-            <a:picLocks noChangeAspect="1" noChangeArrowheads="1"/>
-          </p:cNvPicPr>
-          <p:nvPr/>
-        </p:nvPicPr>
-        <p:blipFill>
-          <a:blip r:embed="rId2">
-            <a:extLst>
-              <a:ext uri="{28A0092B-C50C-407E-A947-70E740481C1C}">
-                <a14:useLocalDpi xmlns:a14="http://schemas.microsoft.com/office/drawing/2010/main" val="0"/>
-              </a:ext>
-            </a:extLst>
-          </a:blip>
-          <a:srcRect/>
-          <a:stretch>
-            <a:fillRect/>
-          </a:stretch>
-        </p:blipFill>
-        <p:spPr bwMode="auto">
-          <a:xfrm>
-            <a:off x="2400989" y="2506204"/>
-            <a:ext cx="3779236" cy="3069670"/>
-          </a:xfrm>
-          <a:prstGeom prst="rect">
-            <a:avLst/>
-          </a:prstGeom>
-          <a:noFill/>
-          <a:ln>
-            <a:noFill/>
-          </a:ln>
-          <a:effectLst/>
-          <a:extLst>
-            <a:ext uri="{909E8E84-426E-40DD-AFC4-6F175D3DCCD1}">
-              <a14:hiddenFill xmlns:a14="http://schemas.microsoft.com/office/drawing/2010/main">
-                <a:solidFill>
-                  <a:srgbClr val="FFFFFF"/>
-                </a:solidFill>
-              </a14:hiddenFill>
-            </a:ext>
-            <a:ext uri="{91240B29-F687-4F45-9708-019B960494DF}">
-              <a14:hiddenLine xmlns:a14="http://schemas.microsoft.com/office/drawing/2010/main" w="9525">
-                <a:solidFill>
-                  <a:srgbClr val="000000"/>
-                </a:solidFill>
-                <a:miter lim="800000"/>
-                <a:headEnd/>
-                <a:tailEnd/>
-              </a14:hiddenLine>
-            </a:ext>
-            <a:ext uri="{AF507438-7753-43E0-B8FC-AC1667EBCBE1}">
-              <a14:hiddenEffects xmlns:a14="http://schemas.microsoft.com/office/drawing/2010/main">
-                <a:effectLst>
-                  <a:outerShdw dist="35921" dir="2700000" algn="ctr" rotWithShape="0">
-                    <a:srgbClr val="808080">
-                      <a:alpha val="74997"/>
-                    </a:srgbClr>
-                  </a:outerShdw>
-                </a:effectLst>
-              </a14:hiddenEffects>
-            </a:ext>
-          </a:extLst>
-        </p:spPr>
-      </p:pic>
-      <p:sp>
-        <p:nvSpPr>
-          <p:cNvPr id="2" name="Slide Number Placeholder 1">
-            <a:extLst>
-              <a:ext uri="{FF2B5EF4-FFF2-40B4-BE49-F238E27FC236}">
-                <a16:creationId xmlns:a16="http://schemas.microsoft.com/office/drawing/2014/main" id="{06699383-3AA7-26A1-8333-E2CE4CEE3451}"/>
-              </a:ext>
-            </a:extLst>
-          </p:cNvPr>
-          <p:cNvSpPr>
-            <a:spLocks noGrp="1"/>
-          </p:cNvSpPr>
-          <p:nvPr>
-            <p:ph type="sldNum" sz="quarter" idx="12"/>
-          </p:nvPr>
-        </p:nvSpPr>
-        <p:spPr/>
-        <p:txBody>
-          <a:bodyPr/>
-          <a:lstStyle/>
-          <a:p>
-            <a:fld id="{D57F1E4F-1CFF-5643-939E-02111984F565}" type="slidenum">
-              <a:rPr lang="en-US" smtClean="0"/>
-              <a:t>12</a:t>
-            </a:fld>
-            <a:endParaRPr lang="en-US" dirty="0"/>
-          </a:p>
-        </p:txBody>
-      </p:sp>
-    </p:spTree>
-    <p:extLst>
-      <p:ext uri="{BB962C8B-B14F-4D97-AF65-F5344CB8AC3E}">
-        <p14:creationId xmlns:p14="http://schemas.microsoft.com/office/powerpoint/2010/main" val="598433456"/>
-      </p:ext>
-    </p:extLst>
-  </p:cSld>
-  <p:clrMapOvr>
-    <a:masterClrMapping/>
-  </p:clrMapOvr>
-  <p:timing>
-    <p:tnLst>
-      <p:par>
-        <p:cTn id="1" dur="indefinite" restart="never" nodeType="tmRoot">
-          <p:childTnLst>
-            <p:seq concurrent="1" nextAc="seek">
-              <p:cTn id="2" dur="indefinite" nodeType="mainSeq">
-                <p:childTnLst>
-                  <p:par>
-                    <p:cTn id="3" fill="hold">
-                      <p:stCondLst>
-                        <p:cond delay="indefinite"/>
-                      </p:stCondLst>
-                      <p:childTnLst>
-                        <p:par>
-                          <p:cTn id="4" fill="hold">
-                            <p:stCondLst>
-                              <p:cond delay="0"/>
-                            </p:stCondLst>
-                            <p:childTnLst>
-                              <p:par>
-                                <p:cTn id="5" presetID="1" presetClass="entr" presetSubtype="0" fill="hold" nodeType="clickEffect">
-                                  <p:stCondLst>
-                                    <p:cond delay="0"/>
-                                  </p:stCondLst>
-                                  <p:childTnLst>
-                                    <p:set>
-                                      <p:cBhvr>
-                                        <p:cTn id="6" dur="1" fill="hold">
-                                          <p:stCondLst>
-                                            <p:cond delay="0"/>
-                                          </p:stCondLst>
-                                        </p:cTn>
-                                        <p:tgtEl>
-                                          <p:spTgt spid="26627"/>
-                                        </p:tgtEl>
-                                        <p:attrNameLst>
-                                          <p:attrName>style.visibility</p:attrName>
-                                        </p:attrNameLst>
-                                      </p:cBhvr>
-                                      <p:to>
-                                        <p:strVal val="visible"/>
-                                      </p:to>
-                                    </p:set>
-                                  </p:childTnLst>
-                                </p:cTn>
-                              </p:par>
-                            </p:childTnLst>
-                          </p:cTn>
-                        </p:par>
-                      </p:childTnLst>
-                    </p:cTn>
-                  </p:par>
-                </p:childTnLst>
-              </p:cTn>
-              <p:prevCondLst>
-                <p:cond evt="onPrev" delay="0">
-                  <p:tgtEl>
-                    <p:sldTgt/>
-                  </p:tgtEl>
-                </p:cond>
-              </p:prevCondLst>
-              <p:nextCondLst>
-                <p:cond evt="onNext" delay="0">
-                  <p:tgtEl>
-                    <p:sldTgt/>
-                  </p:tgtEl>
-                </p:cond>
-              </p:nextCondLst>
-            </p:seq>
-          </p:childTnLst>
-        </p:cTn>
-      </p:par>
-    </p:tnLst>
-  </p:timing>
-</p:sld>
-</file>
-
-<file path=ppt/slides/slide13.xml><?xml version="1.0" encoding="utf-8"?>
-<p:sld xmlns:a="http://schemas.openxmlformats.org/drawingml/2006/main" xmlns:r="http://schemas.openxmlformats.org/officeDocument/2006/relationships" xmlns:p="http://schemas.openxmlformats.org/presentationml/2006/main">
-  <p:cSld>
-    <p:spTree>
-      <p:nvGrpSpPr>
         <p:cNvPr id="1" name=""/>
         <p:cNvGrpSpPr/>
         <p:nvPr/>
@@ -8194,7 +5702,7 @@
           <a:p>
             <a:fld id="{D57F1E4F-1CFF-5643-939E-02111984F565}" type="slidenum">
               <a:rPr lang="en-US" smtClean="0"/>
-              <a:t>13</a:t>
+              <a:t>12</a:t>
             </a:fld>
             <a:endParaRPr lang="en-US" dirty="0"/>
           </a:p>
@@ -8298,6 +5806,305 @@
                                               <p:pRg st="7" end="7"/>
                                             </p:txEl>
                                           </p:spTgt>
+                                        </p:tgtEl>
+                                        <p:attrNameLst>
+                                          <p:attrName>style.visibility</p:attrName>
+                                        </p:attrNameLst>
+                                      </p:cBhvr>
+                                      <p:to>
+                                        <p:strVal val="visible"/>
+                                      </p:to>
+                                    </p:set>
+                                  </p:childTnLst>
+                                </p:cTn>
+                              </p:par>
+                            </p:childTnLst>
+                          </p:cTn>
+                        </p:par>
+                      </p:childTnLst>
+                    </p:cTn>
+                  </p:par>
+                </p:childTnLst>
+              </p:cTn>
+              <p:prevCondLst>
+                <p:cond evt="onPrev" delay="0">
+                  <p:tgtEl>
+                    <p:sldTgt/>
+                  </p:tgtEl>
+                </p:cond>
+              </p:prevCondLst>
+              <p:nextCondLst>
+                <p:cond evt="onNext" delay="0">
+                  <p:tgtEl>
+                    <p:sldTgt/>
+                  </p:tgtEl>
+                </p:cond>
+              </p:nextCondLst>
+            </p:seq>
+          </p:childTnLst>
+        </p:cTn>
+      </p:par>
+    </p:tnLst>
+  </p:timing>
+</p:sld>
+</file>
+
+<file path=ppt/slides/slide13.xml><?xml version="1.0" encoding="utf-8"?>
+<p:sld xmlns:a="http://schemas.openxmlformats.org/drawingml/2006/main" xmlns:r="http://schemas.openxmlformats.org/officeDocument/2006/relationships" xmlns:p="http://schemas.openxmlformats.org/presentationml/2006/main">
+  <p:cSld>
+    <p:spTree>
+      <p:nvGrpSpPr>
+        <p:cNvPr id="1" name="">
+          <a:extLst>
+            <a:ext uri="{FF2B5EF4-FFF2-40B4-BE49-F238E27FC236}">
+              <a16:creationId xmlns:a16="http://schemas.microsoft.com/office/drawing/2014/main" id="{4CB2E729-BBE7-1CDD-9EB3-DEC1839A8ABB}"/>
+            </a:ext>
+          </a:extLst>
+        </p:cNvPr>
+        <p:cNvGrpSpPr/>
+        <p:nvPr/>
+      </p:nvGrpSpPr>
+      <p:grpSpPr>
+        <a:xfrm>
+          <a:off x="0" y="0"/>
+          <a:ext cx="0" cy="0"/>
+          <a:chOff x="0" y="0"/>
+          <a:chExt cx="0" cy="0"/>
+        </a:xfrm>
+      </p:grpSpPr>
+      <p:sp>
+        <p:nvSpPr>
+          <p:cNvPr id="26625" name="Title 1">
+            <a:extLst>
+              <a:ext uri="{FF2B5EF4-FFF2-40B4-BE49-F238E27FC236}">
+                <a16:creationId xmlns:a16="http://schemas.microsoft.com/office/drawing/2014/main" id="{76FA05B1-8D75-69D6-5361-5FE9F89D6D72}"/>
+              </a:ext>
+            </a:extLst>
+          </p:cNvPr>
+          <p:cNvSpPr>
+            <a:spLocks noGrp="1" noChangeArrowheads="1"/>
+          </p:cNvSpPr>
+          <p:nvPr>
+            <p:ph type="title"/>
+          </p:nvPr>
+        </p:nvSpPr>
+        <p:spPr>
+          <a:xfrm>
+            <a:off x="115903" y="139126"/>
+            <a:ext cx="7886700" cy="856808"/>
+          </a:xfrm>
+        </p:spPr>
+        <p:txBody>
+          <a:bodyPr/>
+          <a:lstStyle/>
+          <a:p>
+            <a:pPr eaLnBrk="1" hangingPunct="1"/>
+            <a:r>
+              <a:rPr lang="en-US" altLang="en-US" dirty="0">
+                <a:ea typeface="ＭＳ Ｐゴシック" panose="020B0600070205080204" pitchFamily="34" charset="-128"/>
+              </a:rPr>
+              <a:t>Decimal to Binary(Method 2)</a:t>
+            </a:r>
+          </a:p>
+        </p:txBody>
+      </p:sp>
+      <p:sp>
+        <p:nvSpPr>
+          <p:cNvPr id="26626" name="Content Placeholder 2">
+            <a:extLst>
+              <a:ext uri="{FF2B5EF4-FFF2-40B4-BE49-F238E27FC236}">
+                <a16:creationId xmlns:a16="http://schemas.microsoft.com/office/drawing/2014/main" id="{7054DCD3-4753-73C3-6C3B-66EA2DA7B51B}"/>
+              </a:ext>
+            </a:extLst>
+          </p:cNvPr>
+          <p:cNvSpPr>
+            <a:spLocks noGrp="1" noChangeArrowheads="1"/>
+          </p:cNvSpPr>
+          <p:nvPr>
+            <p:ph idx="1"/>
+          </p:nvPr>
+        </p:nvSpPr>
+        <p:spPr>
+          <a:xfrm>
+            <a:off x="213645" y="905854"/>
+            <a:ext cx="8716710" cy="4412806"/>
+          </a:xfrm>
+        </p:spPr>
+        <p:txBody>
+          <a:bodyPr>
+            <a:normAutofit/>
+          </a:bodyPr>
+          <a:lstStyle/>
+          <a:p>
+            <a:pPr marL="0" indent="0">
+              <a:buNone/>
+            </a:pPr>
+            <a:r>
+              <a:rPr lang="en-US" altLang="en-US" sz="2000" dirty="0">
+                <a:ea typeface="ＭＳ Ｐゴシック" panose="020B0600070205080204" pitchFamily="34" charset="-128"/>
+              </a:rPr>
+              <a:t>This method provides a nice algorithm for converting from decimal to binary. You can use this method, for example, to write a function in Python to do the conversion. On tests and worksheets, I recommend using Method 1. </a:t>
+            </a:r>
+          </a:p>
+          <a:p>
+            <a:pPr marL="0" indent="0">
+              <a:buNone/>
+            </a:pPr>
+            <a:r>
+              <a:rPr lang="en-US" altLang="en-US" sz="2000" dirty="0">
+                <a:ea typeface="ＭＳ Ｐゴシック" panose="020B0600070205080204" pitchFamily="34" charset="-128"/>
+              </a:rPr>
+              <a:t>Repeatedly modulo 2 and the divide by 2. Stop at 0. The remainder list read top to bottom are the digits from left to right. </a:t>
+            </a:r>
+          </a:p>
+        </p:txBody>
+      </p:sp>
+      <p:pic>
+        <p:nvPicPr>
+          <p:cNvPr id="26627" name="Picture 4" descr="ten22">
+            <a:extLst>
+              <a:ext uri="{FF2B5EF4-FFF2-40B4-BE49-F238E27FC236}">
+                <a16:creationId xmlns:a16="http://schemas.microsoft.com/office/drawing/2014/main" id="{051B3B2A-D190-D1AB-20A7-40A5E2CB3248}"/>
+              </a:ext>
+            </a:extLst>
+          </p:cNvPr>
+          <p:cNvPicPr>
+            <a:picLocks noChangeAspect="1" noChangeArrowheads="1"/>
+          </p:cNvPicPr>
+          <p:nvPr/>
+        </p:nvPicPr>
+        <p:blipFill>
+          <a:blip r:embed="rId2">
+            <a:extLst>
+              <a:ext uri="{28A0092B-C50C-407E-A947-70E740481C1C}">
+                <a14:useLocalDpi xmlns:a14="http://schemas.microsoft.com/office/drawing/2010/main" val="0"/>
+              </a:ext>
+            </a:extLst>
+          </a:blip>
+          <a:srcRect/>
+          <a:stretch>
+            <a:fillRect/>
+          </a:stretch>
+        </p:blipFill>
+        <p:spPr bwMode="auto">
+          <a:xfrm>
+            <a:off x="2400989" y="2506204"/>
+            <a:ext cx="3779236" cy="3069670"/>
+          </a:xfrm>
+          <a:prstGeom prst="rect">
+            <a:avLst/>
+          </a:prstGeom>
+          <a:noFill/>
+          <a:ln>
+            <a:noFill/>
+          </a:ln>
+          <a:effectLst/>
+          <a:extLst>
+            <a:ext uri="{909E8E84-426E-40DD-AFC4-6F175D3DCCD1}">
+              <a14:hiddenFill xmlns:a14="http://schemas.microsoft.com/office/drawing/2010/main">
+                <a:solidFill>
+                  <a:srgbClr val="FFFFFF"/>
+                </a:solidFill>
+              </a14:hiddenFill>
+            </a:ext>
+            <a:ext uri="{91240B29-F687-4F45-9708-019B960494DF}">
+              <a14:hiddenLine xmlns:a14="http://schemas.microsoft.com/office/drawing/2010/main" w="9525">
+                <a:solidFill>
+                  <a:srgbClr val="000000"/>
+                </a:solidFill>
+                <a:miter lim="800000"/>
+                <a:headEnd/>
+                <a:tailEnd/>
+              </a14:hiddenLine>
+            </a:ext>
+            <a:ext uri="{AF507438-7753-43E0-B8FC-AC1667EBCBE1}">
+              <a14:hiddenEffects xmlns:a14="http://schemas.microsoft.com/office/drawing/2010/main">
+                <a:effectLst>
+                  <a:outerShdw dist="35921" dir="2700000" algn="ctr" rotWithShape="0">
+                    <a:srgbClr val="808080">
+                      <a:alpha val="74997"/>
+                    </a:srgbClr>
+                  </a:outerShdw>
+                </a:effectLst>
+              </a14:hiddenEffects>
+            </a:ext>
+          </a:extLst>
+        </p:spPr>
+      </p:pic>
+      <p:sp>
+        <p:nvSpPr>
+          <p:cNvPr id="2" name="Slide Number Placeholder 1">
+            <a:extLst>
+              <a:ext uri="{FF2B5EF4-FFF2-40B4-BE49-F238E27FC236}">
+                <a16:creationId xmlns:a16="http://schemas.microsoft.com/office/drawing/2014/main" id="{06699383-3AA7-26A1-8333-E2CE4CEE3451}"/>
+              </a:ext>
+            </a:extLst>
+          </p:cNvPr>
+          <p:cNvSpPr>
+            <a:spLocks noGrp="1"/>
+          </p:cNvSpPr>
+          <p:nvPr>
+            <p:ph type="sldNum" sz="quarter" idx="12"/>
+          </p:nvPr>
+        </p:nvSpPr>
+        <p:spPr/>
+        <p:txBody>
+          <a:bodyPr/>
+          <a:lstStyle/>
+          <a:p>
+            <a:fld id="{D57F1E4F-1CFF-5643-939E-02111984F565}" type="slidenum">
+              <a:rPr lang="en-US" smtClean="0"/>
+              <a:t>13</a:t>
+            </a:fld>
+            <a:endParaRPr lang="en-US" dirty="0"/>
+          </a:p>
+        </p:txBody>
+      </p:sp>
+    </p:spTree>
+    <p:extLst>
+      <p:ext uri="{BB962C8B-B14F-4D97-AF65-F5344CB8AC3E}">
+        <p14:creationId xmlns:p14="http://schemas.microsoft.com/office/powerpoint/2010/main" val="598433456"/>
+      </p:ext>
+    </p:extLst>
+  </p:cSld>
+  <p:clrMapOvr>
+    <a:masterClrMapping/>
+  </p:clrMapOvr>
+  <p:timing>
+    <p:tnLst>
+      <p:par>
+        <p:cTn id="1" dur="indefinite" restart="never" nodeType="tmRoot">
+          <p:childTnLst>
+            <p:seq concurrent="1" nextAc="seek">
+              <p:cTn id="2" dur="indefinite" nodeType="mainSeq">
+                <p:childTnLst>
+                  <p:par>
+                    <p:cTn id="3" fill="hold">
+                      <p:stCondLst>
+                        <p:cond delay="indefinite"/>
+                      </p:stCondLst>
+                      <p:childTnLst>
+                        <p:par>
+                          <p:cTn id="4" fill="hold">
+                            <p:stCondLst>
+                              <p:cond delay="0"/>
+                            </p:stCondLst>
+                            <p:childTnLst>
+                              <p:par>
+                                <p:cTn id="5" presetID="1" presetClass="entr" presetSubtype="0" fill="hold" nodeType="clickEffect">
+                                  <p:stCondLst>
+                                    <p:cond delay="0"/>
+                                  </p:stCondLst>
+                                  <p:childTnLst>
+                                    <p:set>
+                                      <p:cBhvr>
+                                        <p:cTn id="6" dur="1" fill="hold">
+                                          <p:stCondLst>
+                                            <p:cond delay="0"/>
+                                          </p:stCondLst>
+                                        </p:cTn>
+                                        <p:tgtEl>
+                                          <p:spTgt spid="26627"/>
                                         </p:tgtEl>
                                         <p:attrNameLst>
                                           <p:attrName>style.visibility</p:attrName>
@@ -24524,8 +22331,8 @@
           </a:p>
         </p:txBody>
       </p:sp>
-      <mc:AlternateContent xmlns:mc="http://schemas.openxmlformats.org/markup-compatibility/2006">
-        <mc:Choice xmlns:a14="http://schemas.microsoft.com/office/drawing/2010/main" Requires="a14">
+      <mc:AlternateContent xmlns:mc="http://schemas.openxmlformats.org/markup-compatibility/2006" xmlns:a14="http://schemas.microsoft.com/office/drawing/2010/main">
+        <mc:Choice Requires="a14">
           <p:sp>
             <p:nvSpPr>
               <p:cNvPr id="26626" name="Content Placeholder 2">
@@ -24694,7 +22501,7 @@
             </p:txBody>
           </p:sp>
         </mc:Choice>
-        <mc:Fallback>
+        <mc:Fallback xmlns="">
           <p:sp>
             <p:nvSpPr>
               <p:cNvPr id="26626" name="Content Placeholder 2">
